--- a/pres/Final_Presentation_V02.pptx
+++ b/pres/Final_Presentation_V02.pptx
@@ -10,10 +10,10 @@
     <p:sldMasterId id="2147483697" r:id="rId6"/>
   </p:sldMasterIdLst>
   <p:notesMasterIdLst>
-    <p:notesMasterId r:id="rId30"/>
+    <p:notesMasterId r:id="rId32"/>
   </p:notesMasterIdLst>
   <p:handoutMasterIdLst>
-    <p:handoutMasterId r:id="rId31"/>
+    <p:handoutMasterId r:id="rId33"/>
   </p:handoutMasterIdLst>
   <p:sldIdLst>
     <p:sldId id="403" r:id="rId7"/>
@@ -29,16 +29,18 @@
     <p:sldId id="413" r:id="rId17"/>
     <p:sldId id="405" r:id="rId18"/>
     <p:sldId id="401" r:id="rId19"/>
-    <p:sldId id="408" r:id="rId20"/>
-    <p:sldId id="407" r:id="rId21"/>
-    <p:sldId id="409" r:id="rId22"/>
-    <p:sldId id="371" r:id="rId23"/>
-    <p:sldId id="372" r:id="rId24"/>
-    <p:sldId id="394" r:id="rId25"/>
-    <p:sldId id="379" r:id="rId26"/>
-    <p:sldId id="395" r:id="rId27"/>
-    <p:sldId id="380" r:id="rId28"/>
-    <p:sldId id="381" r:id="rId29"/>
+    <p:sldId id="414" r:id="rId20"/>
+    <p:sldId id="408" r:id="rId21"/>
+    <p:sldId id="407" r:id="rId22"/>
+    <p:sldId id="409" r:id="rId23"/>
+    <p:sldId id="415" r:id="rId24"/>
+    <p:sldId id="371" r:id="rId25"/>
+    <p:sldId id="372" r:id="rId26"/>
+    <p:sldId id="394" r:id="rId27"/>
+    <p:sldId id="379" r:id="rId28"/>
+    <p:sldId id="395" r:id="rId29"/>
+    <p:sldId id="380" r:id="rId30"/>
+    <p:sldId id="381" r:id="rId31"/>
   </p:sldIdLst>
   <p:sldSz cx="9144000" cy="6858000" type="screen4x3"/>
   <p:notesSz cx="9925050" cy="6665913"/>
@@ -2475,7 +2477,11 @@
         <a:lstStyle/>
         <a:p>
           <a:r>
-            <a:rPr lang="de-DE" sz="1400" dirty="0"/>
+            <a:rPr lang="de-DE" sz="1400" dirty="0">
+              <a:solidFill>
+                <a:srgbClr val="DAD7CB"/>
+              </a:solidFill>
+            </a:rPr>
             <a:t>Speech Synthesis</a:t>
           </a:r>
         </a:p>
@@ -2520,22 +2526,42 @@
         <a:lstStyle/>
         <a:p>
           <a:r>
-            <a:rPr lang="de-DE" sz="1400" dirty="0"/>
+            <a:rPr lang="de-DE" sz="1400" dirty="0">
+              <a:solidFill>
+                <a:srgbClr val="DAD7CB"/>
+              </a:solidFill>
+            </a:rPr>
             <a:t>Text-</a:t>
           </a:r>
           <a:r>
-            <a:rPr lang="de-DE" sz="1400" dirty="0" err="1"/>
+            <a:rPr lang="de-DE" sz="1400" dirty="0" err="1">
+              <a:solidFill>
+                <a:srgbClr val="DAD7CB"/>
+              </a:solidFill>
+            </a:rPr>
             <a:t>to</a:t>
           </a:r>
           <a:r>
-            <a:rPr lang="de-DE" sz="1400" dirty="0"/>
+            <a:rPr lang="de-DE" sz="1400" dirty="0">
+              <a:solidFill>
+                <a:srgbClr val="DAD7CB"/>
+              </a:solidFill>
+            </a:rPr>
             <a:t>-Speech</a:t>
           </a:r>
           <a:br>
-            <a:rPr lang="de-DE" sz="1400" dirty="0"/>
+            <a:rPr lang="de-DE" sz="1400" dirty="0">
+              <a:solidFill>
+                <a:srgbClr val="DAD7CB"/>
+              </a:solidFill>
+            </a:rPr>
           </a:br>
           <a:r>
-            <a:rPr lang="de-DE" sz="1400" dirty="0"/>
+            <a:rPr lang="de-DE" sz="1400" dirty="0">
+              <a:solidFill>
+                <a:srgbClr val="DAD7CB"/>
+              </a:solidFill>
+            </a:rPr>
             <a:t>(TTS)</a:t>
           </a:r>
         </a:p>
@@ -2580,17 +2606,33 @@
         <a:lstStyle/>
         <a:p>
           <a:r>
-            <a:rPr lang="de-DE" sz="1400"/>
+            <a:rPr lang="de-DE" sz="1400">
+              <a:solidFill>
+                <a:srgbClr val="DAD7CB"/>
+              </a:solidFill>
+            </a:rPr>
             <a:t>Context-to-Speech</a:t>
           </a:r>
           <a:br>
-            <a:rPr lang="de-DE" sz="1400"/>
+            <a:rPr lang="de-DE" sz="1400">
+              <a:solidFill>
+                <a:srgbClr val="DAD7CB"/>
+              </a:solidFill>
+            </a:rPr>
           </a:br>
           <a:r>
-            <a:rPr lang="de-DE" sz="1400"/>
+            <a:rPr lang="de-DE" sz="1400">
+              <a:solidFill>
+                <a:srgbClr val="DAD7CB"/>
+              </a:solidFill>
+            </a:rPr>
             <a:t>(CTS)</a:t>
           </a:r>
-          <a:endParaRPr lang="de-DE" sz="1400" dirty="0"/>
+          <a:endParaRPr lang="de-DE" sz="1400" dirty="0">
+            <a:solidFill>
+              <a:srgbClr val="DAD7CB"/>
+            </a:solidFill>
+          </a:endParaRPr>
         </a:p>
       </dgm:t>
     </dgm:pt>
@@ -2633,11 +2675,19 @@
         <a:lstStyle/>
         <a:p>
           <a:r>
-            <a:rPr lang="de-DE" sz="1400" dirty="0" err="1"/>
+            <a:rPr lang="de-DE" sz="1400" dirty="0" err="1">
+              <a:solidFill>
+                <a:srgbClr val="DAD7CB"/>
+              </a:solidFill>
+            </a:rPr>
             <a:t>Canned</a:t>
           </a:r>
           <a:r>
-            <a:rPr lang="de-DE" sz="1400" dirty="0"/>
+            <a:rPr lang="de-DE" sz="1400" dirty="0">
+              <a:solidFill>
+                <a:srgbClr val="DAD7CB"/>
+              </a:solidFill>
+            </a:rPr>
             <a:t> Speech</a:t>
           </a:r>
         </a:p>
@@ -2795,10 +2845,18 @@
             </a:lnSpc>
           </a:pPr>
           <a:r>
-            <a:rPr lang="en-US" sz="1400" dirty="0"/>
+            <a:rPr lang="en-US" sz="1400" dirty="0">
+              <a:solidFill>
+                <a:srgbClr val="DAD7CB"/>
+              </a:solidFill>
+            </a:rPr>
             <a:t>The Impact of Deep Learning on Speech Synthesis with Mobile Devices</a:t>
           </a:r>
-          <a:endParaRPr lang="de-DE" sz="1400" b="1" dirty="0"/>
+          <a:endParaRPr lang="de-DE" sz="1400" b="1" dirty="0">
+            <a:solidFill>
+              <a:srgbClr val="DAD7CB"/>
+            </a:solidFill>
+          </a:endParaRPr>
         </a:p>
       </dgm:t>
     </dgm:pt>
@@ -2809,7 +2867,11 @@
         <a:bodyPr/>
         <a:lstStyle/>
         <a:p>
-          <a:endParaRPr lang="de-DE"/>
+          <a:endParaRPr lang="de-DE">
+            <a:solidFill>
+              <a:srgbClr val="DAD7CB"/>
+            </a:solidFill>
+          </a:endParaRPr>
         </a:p>
       </dgm:t>
     </dgm:pt>
@@ -2820,7 +2882,11 @@
         <a:bodyPr/>
         <a:lstStyle/>
         <a:p>
-          <a:endParaRPr lang="de-DE"/>
+          <a:endParaRPr lang="de-DE">
+            <a:solidFill>
+              <a:srgbClr val="DAD7CB"/>
+            </a:solidFill>
+          </a:endParaRPr>
         </a:p>
       </dgm:t>
     </dgm:pt>
@@ -2841,14 +2907,26 @@
         <a:lstStyle/>
         <a:p>
           <a:r>
-            <a:rPr lang="de-DE" sz="1400" dirty="0"/>
+            <a:rPr lang="de-DE" sz="1400" dirty="0">
+              <a:solidFill>
+                <a:srgbClr val="DAD7CB"/>
+              </a:solidFill>
+            </a:rPr>
             <a:t>Low-</a:t>
           </a:r>
           <a:r>
-            <a:rPr lang="de-DE" sz="1400" dirty="0" err="1"/>
+            <a:rPr lang="de-DE" sz="1400" dirty="0" err="1">
+              <a:solidFill>
+                <a:srgbClr val="DAD7CB"/>
+              </a:solidFill>
+            </a:rPr>
             <a:t>Latency</a:t>
           </a:r>
-          <a:endParaRPr lang="de-DE" sz="1400" dirty="0"/>
+          <a:endParaRPr lang="de-DE" sz="1400" dirty="0">
+            <a:solidFill>
+              <a:srgbClr val="DAD7CB"/>
+            </a:solidFill>
+          </a:endParaRPr>
         </a:p>
       </dgm:t>
     </dgm:pt>
@@ -2859,7 +2937,11 @@
         <a:bodyPr/>
         <a:lstStyle/>
         <a:p>
-          <a:endParaRPr lang="de-DE"/>
+          <a:endParaRPr lang="de-DE">
+            <a:solidFill>
+              <a:srgbClr val="DAD7CB"/>
+            </a:solidFill>
+          </a:endParaRPr>
         </a:p>
       </dgm:t>
     </dgm:pt>
@@ -2870,7 +2952,11 @@
         <a:bodyPr/>
         <a:lstStyle/>
         <a:p>
-          <a:endParaRPr lang="de-DE"/>
+          <a:endParaRPr lang="de-DE">
+            <a:solidFill>
+              <a:srgbClr val="DAD7CB"/>
+            </a:solidFill>
+          </a:endParaRPr>
         </a:p>
       </dgm:t>
     </dgm:pt>
@@ -2891,26 +2977,50 @@
         <a:lstStyle/>
         <a:p>
           <a:r>
-            <a:rPr lang="de-DE" sz="1400" dirty="0" err="1"/>
+            <a:rPr lang="de-DE" sz="1400" dirty="0" err="1">
+              <a:solidFill>
+                <a:srgbClr val="DAD7CB"/>
+              </a:solidFill>
+            </a:rPr>
             <a:t>Increased</a:t>
           </a:r>
           <a:r>
-            <a:rPr lang="de-DE" sz="1400" dirty="0"/>
+            <a:rPr lang="de-DE" sz="1400" dirty="0">
+              <a:solidFill>
+                <a:srgbClr val="DAD7CB"/>
+              </a:solidFill>
+            </a:rPr>
             <a:t> </a:t>
           </a:r>
           <a:r>
-            <a:rPr lang="de-DE" sz="1400" dirty="0" err="1"/>
+            <a:rPr lang="de-DE" sz="1400" dirty="0" err="1">
+              <a:solidFill>
+                <a:srgbClr val="DAD7CB"/>
+              </a:solidFill>
+            </a:rPr>
             <a:t>prediction</a:t>
           </a:r>
           <a:r>
-            <a:rPr lang="de-DE" sz="1400" dirty="0"/>
+            <a:rPr lang="de-DE" sz="1400" dirty="0">
+              <a:solidFill>
+                <a:srgbClr val="DAD7CB"/>
+              </a:solidFill>
+            </a:rPr>
             <a:t> </a:t>
           </a:r>
           <a:r>
-            <a:rPr lang="de-DE" sz="1400" dirty="0" err="1"/>
+            <a:rPr lang="de-DE" sz="1400" dirty="0" err="1">
+              <a:solidFill>
+                <a:srgbClr val="DAD7CB"/>
+              </a:solidFill>
+            </a:rPr>
             <a:t>performance</a:t>
           </a:r>
-          <a:endParaRPr lang="de-DE" sz="1400" dirty="0"/>
+          <a:endParaRPr lang="de-DE" sz="1400" dirty="0">
+            <a:solidFill>
+              <a:srgbClr val="DAD7CB"/>
+            </a:solidFill>
+          </a:endParaRPr>
         </a:p>
       </dgm:t>
     </dgm:pt>
@@ -2921,7 +3031,11 @@
         <a:bodyPr/>
         <a:lstStyle/>
         <a:p>
-          <a:endParaRPr lang="de-DE"/>
+          <a:endParaRPr lang="de-DE">
+            <a:solidFill>
+              <a:srgbClr val="DAD7CB"/>
+            </a:solidFill>
+          </a:endParaRPr>
         </a:p>
       </dgm:t>
     </dgm:pt>
@@ -2932,7 +3046,11 @@
         <a:bodyPr/>
         <a:lstStyle/>
         <a:p>
-          <a:endParaRPr lang="de-DE"/>
+          <a:endParaRPr lang="de-DE">
+            <a:solidFill>
+              <a:srgbClr val="DAD7CB"/>
+            </a:solidFill>
+          </a:endParaRPr>
         </a:p>
       </dgm:t>
     </dgm:pt>
@@ -2953,26 +3071,50 @@
         <a:lstStyle/>
         <a:p>
           <a:r>
-            <a:rPr lang="de-DE" sz="1400" dirty="0" err="1"/>
+            <a:rPr lang="de-DE" sz="1400" dirty="0" err="1">
+              <a:solidFill>
+                <a:srgbClr val="DAD7CB"/>
+              </a:solidFill>
+            </a:rPr>
             <a:t>Smaller</a:t>
           </a:r>
           <a:r>
-            <a:rPr lang="de-DE" sz="1400" dirty="0"/>
+            <a:rPr lang="de-DE" sz="1400" dirty="0">
+              <a:solidFill>
+                <a:srgbClr val="DAD7CB"/>
+              </a:solidFill>
+            </a:rPr>
             <a:t> </a:t>
           </a:r>
           <a:r>
-            <a:rPr lang="de-DE" sz="1400" dirty="0" err="1"/>
+            <a:rPr lang="de-DE" sz="1400" dirty="0" err="1">
+              <a:solidFill>
+                <a:srgbClr val="DAD7CB"/>
+              </a:solidFill>
+            </a:rPr>
             <a:t>memory</a:t>
           </a:r>
           <a:r>
-            <a:rPr lang="de-DE" sz="1400" dirty="0"/>
+            <a:rPr lang="de-DE" sz="1400" dirty="0">
+              <a:solidFill>
+                <a:srgbClr val="DAD7CB"/>
+              </a:solidFill>
+            </a:rPr>
             <a:t> </a:t>
           </a:r>
           <a:r>
-            <a:rPr lang="de-DE" sz="1400" dirty="0" err="1"/>
+            <a:rPr lang="de-DE" sz="1400" dirty="0" err="1">
+              <a:solidFill>
+                <a:srgbClr val="DAD7CB"/>
+              </a:solidFill>
+            </a:rPr>
             <a:t>footprint</a:t>
           </a:r>
-          <a:endParaRPr lang="de-DE" sz="1400" dirty="0"/>
+          <a:endParaRPr lang="de-DE" sz="1400" dirty="0">
+            <a:solidFill>
+              <a:srgbClr val="DAD7CB"/>
+            </a:solidFill>
+          </a:endParaRPr>
         </a:p>
       </dgm:t>
     </dgm:pt>
@@ -2983,7 +3125,11 @@
         <a:bodyPr/>
         <a:lstStyle/>
         <a:p>
-          <a:endParaRPr lang="de-DE"/>
+          <a:endParaRPr lang="de-DE">
+            <a:solidFill>
+              <a:srgbClr val="DAD7CB"/>
+            </a:solidFill>
+          </a:endParaRPr>
         </a:p>
       </dgm:t>
     </dgm:pt>
@@ -2994,7 +3140,11 @@
         <a:bodyPr/>
         <a:lstStyle/>
         <a:p>
-          <a:endParaRPr lang="de-DE"/>
+          <a:endParaRPr lang="de-DE">
+            <a:solidFill>
+              <a:srgbClr val="DAD7CB"/>
+            </a:solidFill>
+          </a:endParaRPr>
         </a:p>
       </dgm:t>
     </dgm:pt>
@@ -3157,7 +3307,11 @@
             <a:buNone/>
           </a:pPr>
           <a:r>
-            <a:rPr lang="de-DE" sz="1400" kern="1200" dirty="0"/>
+            <a:rPr lang="de-DE" sz="1400" kern="1200" dirty="0">
+              <a:solidFill>
+                <a:srgbClr val="DAD7CB"/>
+              </a:solidFill>
+            </a:rPr>
             <a:t>Speech Synthesis</a:t>
           </a:r>
         </a:p>
@@ -3279,11 +3433,19 @@
             <a:buNone/>
           </a:pPr>
           <a:r>
-            <a:rPr lang="de-DE" sz="1400" kern="1200" dirty="0" err="1"/>
+            <a:rPr lang="de-DE" sz="1400" kern="1200" dirty="0" err="1">
+              <a:solidFill>
+                <a:srgbClr val="DAD7CB"/>
+              </a:solidFill>
+            </a:rPr>
             <a:t>Canned</a:t>
           </a:r>
           <a:r>
-            <a:rPr lang="de-DE" sz="1400" kern="1200" dirty="0"/>
+            <a:rPr lang="de-DE" sz="1400" kern="1200" dirty="0">
+              <a:solidFill>
+                <a:srgbClr val="DAD7CB"/>
+              </a:solidFill>
+            </a:rPr>
             <a:t> Speech</a:t>
           </a:r>
         </a:p>
@@ -3405,17 +3567,33 @@
             <a:buNone/>
           </a:pPr>
           <a:r>
-            <a:rPr lang="de-DE" sz="1400" kern="1200"/>
+            <a:rPr lang="de-DE" sz="1400" kern="1200">
+              <a:solidFill>
+                <a:srgbClr val="DAD7CB"/>
+              </a:solidFill>
+            </a:rPr>
             <a:t>Context-to-Speech</a:t>
           </a:r>
           <a:br>
-            <a:rPr lang="de-DE" sz="1400" kern="1200"/>
+            <a:rPr lang="de-DE" sz="1400" kern="1200">
+              <a:solidFill>
+                <a:srgbClr val="DAD7CB"/>
+              </a:solidFill>
+            </a:rPr>
           </a:br>
           <a:r>
-            <a:rPr lang="de-DE" sz="1400" kern="1200"/>
+            <a:rPr lang="de-DE" sz="1400" kern="1200">
+              <a:solidFill>
+                <a:srgbClr val="DAD7CB"/>
+              </a:solidFill>
+            </a:rPr>
             <a:t>(CTS)</a:t>
           </a:r>
-          <a:endParaRPr lang="de-DE" sz="1400" kern="1200" dirty="0"/>
+          <a:endParaRPr lang="de-DE" sz="1400" kern="1200" dirty="0">
+            <a:solidFill>
+              <a:srgbClr val="DAD7CB"/>
+            </a:solidFill>
+          </a:endParaRPr>
         </a:p>
       </dsp:txBody>
       <dsp:txXfrm>
@@ -3535,22 +3713,42 @@
             <a:buNone/>
           </a:pPr>
           <a:r>
-            <a:rPr lang="de-DE" sz="1400" kern="1200" dirty="0"/>
+            <a:rPr lang="de-DE" sz="1400" kern="1200" dirty="0">
+              <a:solidFill>
+                <a:srgbClr val="DAD7CB"/>
+              </a:solidFill>
+            </a:rPr>
             <a:t>Text-</a:t>
           </a:r>
           <a:r>
-            <a:rPr lang="de-DE" sz="1400" kern="1200" dirty="0" err="1"/>
+            <a:rPr lang="de-DE" sz="1400" kern="1200" dirty="0" err="1">
+              <a:solidFill>
+                <a:srgbClr val="DAD7CB"/>
+              </a:solidFill>
+            </a:rPr>
             <a:t>to</a:t>
           </a:r>
           <a:r>
-            <a:rPr lang="de-DE" sz="1400" kern="1200" dirty="0"/>
+            <a:rPr lang="de-DE" sz="1400" kern="1200" dirty="0">
+              <a:solidFill>
+                <a:srgbClr val="DAD7CB"/>
+              </a:solidFill>
+            </a:rPr>
             <a:t>-Speech</a:t>
           </a:r>
           <a:br>
-            <a:rPr lang="de-DE" sz="1400" kern="1200" dirty="0"/>
+            <a:rPr lang="de-DE" sz="1400" kern="1200" dirty="0">
+              <a:solidFill>
+                <a:srgbClr val="DAD7CB"/>
+              </a:solidFill>
+            </a:rPr>
           </a:br>
           <a:r>
-            <a:rPr lang="de-DE" sz="1400" kern="1200" dirty="0"/>
+            <a:rPr lang="de-DE" sz="1400" kern="1200" dirty="0">
+              <a:solidFill>
+                <a:srgbClr val="DAD7CB"/>
+              </a:solidFill>
+            </a:rPr>
             <a:t>(TTS)</a:t>
           </a:r>
         </a:p>
@@ -3629,10 +3827,18 @@
             <a:buNone/>
           </a:pPr>
           <a:r>
-            <a:rPr lang="en-US" sz="1400" kern="1200" dirty="0"/>
+            <a:rPr lang="en-US" sz="1400" kern="1200" dirty="0">
+              <a:solidFill>
+                <a:srgbClr val="DAD7CB"/>
+              </a:solidFill>
+            </a:rPr>
             <a:t>The Impact of Deep Learning on Speech Synthesis with Mobile Devices</a:t>
           </a:r>
-          <a:endParaRPr lang="de-DE" sz="1400" b="1" kern="1200" dirty="0"/>
+          <a:endParaRPr lang="de-DE" sz="1400" b="1" kern="1200" dirty="0">
+            <a:solidFill>
+              <a:srgbClr val="DAD7CB"/>
+            </a:solidFill>
+          </a:endParaRPr>
         </a:p>
       </dsp:txBody>
       <dsp:txXfrm>
@@ -3752,26 +3958,50 @@
             <a:buNone/>
           </a:pPr>
           <a:r>
-            <a:rPr lang="de-DE" sz="1400" kern="1200" dirty="0" err="1"/>
+            <a:rPr lang="de-DE" sz="1400" kern="1200" dirty="0" err="1">
+              <a:solidFill>
+                <a:srgbClr val="DAD7CB"/>
+              </a:solidFill>
+            </a:rPr>
             <a:t>Smaller</a:t>
           </a:r>
           <a:r>
-            <a:rPr lang="de-DE" sz="1400" kern="1200" dirty="0"/>
+            <a:rPr lang="de-DE" sz="1400" kern="1200" dirty="0">
+              <a:solidFill>
+                <a:srgbClr val="DAD7CB"/>
+              </a:solidFill>
+            </a:rPr>
             <a:t> </a:t>
           </a:r>
           <a:r>
-            <a:rPr lang="de-DE" sz="1400" kern="1200" dirty="0" err="1"/>
+            <a:rPr lang="de-DE" sz="1400" kern="1200" dirty="0" err="1">
+              <a:solidFill>
+                <a:srgbClr val="DAD7CB"/>
+              </a:solidFill>
+            </a:rPr>
             <a:t>memory</a:t>
           </a:r>
           <a:r>
-            <a:rPr lang="de-DE" sz="1400" kern="1200" dirty="0"/>
+            <a:rPr lang="de-DE" sz="1400" kern="1200" dirty="0">
+              <a:solidFill>
+                <a:srgbClr val="DAD7CB"/>
+              </a:solidFill>
+            </a:rPr>
             <a:t> </a:t>
           </a:r>
           <a:r>
-            <a:rPr lang="de-DE" sz="1400" kern="1200" dirty="0" err="1"/>
+            <a:rPr lang="de-DE" sz="1400" kern="1200" dirty="0" err="1">
+              <a:solidFill>
+                <a:srgbClr val="DAD7CB"/>
+              </a:solidFill>
+            </a:rPr>
             <a:t>footprint</a:t>
           </a:r>
-          <a:endParaRPr lang="de-DE" sz="1400" kern="1200" dirty="0"/>
+          <a:endParaRPr lang="de-DE" sz="1400" kern="1200" dirty="0">
+            <a:solidFill>
+              <a:srgbClr val="DAD7CB"/>
+            </a:solidFill>
+          </a:endParaRPr>
         </a:p>
       </dsp:txBody>
       <dsp:txXfrm>
@@ -3891,26 +4121,50 @@
             <a:buNone/>
           </a:pPr>
           <a:r>
-            <a:rPr lang="de-DE" sz="1400" kern="1200" dirty="0" err="1"/>
+            <a:rPr lang="de-DE" sz="1400" kern="1200" dirty="0" err="1">
+              <a:solidFill>
+                <a:srgbClr val="DAD7CB"/>
+              </a:solidFill>
+            </a:rPr>
             <a:t>Increased</a:t>
           </a:r>
           <a:r>
-            <a:rPr lang="de-DE" sz="1400" kern="1200" dirty="0"/>
+            <a:rPr lang="de-DE" sz="1400" kern="1200" dirty="0">
+              <a:solidFill>
+                <a:srgbClr val="DAD7CB"/>
+              </a:solidFill>
+            </a:rPr>
             <a:t> </a:t>
           </a:r>
           <a:r>
-            <a:rPr lang="de-DE" sz="1400" kern="1200" dirty="0" err="1"/>
+            <a:rPr lang="de-DE" sz="1400" kern="1200" dirty="0" err="1">
+              <a:solidFill>
+                <a:srgbClr val="DAD7CB"/>
+              </a:solidFill>
+            </a:rPr>
             <a:t>prediction</a:t>
           </a:r>
           <a:r>
-            <a:rPr lang="de-DE" sz="1400" kern="1200" dirty="0"/>
+            <a:rPr lang="de-DE" sz="1400" kern="1200" dirty="0">
+              <a:solidFill>
+                <a:srgbClr val="DAD7CB"/>
+              </a:solidFill>
+            </a:rPr>
             <a:t> </a:t>
           </a:r>
           <a:r>
-            <a:rPr lang="de-DE" sz="1400" kern="1200" dirty="0" err="1"/>
+            <a:rPr lang="de-DE" sz="1400" kern="1200" dirty="0" err="1">
+              <a:solidFill>
+                <a:srgbClr val="DAD7CB"/>
+              </a:solidFill>
+            </a:rPr>
             <a:t>performance</a:t>
           </a:r>
-          <a:endParaRPr lang="de-DE" sz="1400" kern="1200" dirty="0"/>
+          <a:endParaRPr lang="de-DE" sz="1400" kern="1200" dirty="0">
+            <a:solidFill>
+              <a:srgbClr val="DAD7CB"/>
+            </a:solidFill>
+          </a:endParaRPr>
         </a:p>
       </dsp:txBody>
       <dsp:txXfrm>
@@ -4030,14 +4284,26 @@
             <a:buNone/>
           </a:pPr>
           <a:r>
-            <a:rPr lang="de-DE" sz="1400" kern="1200" dirty="0"/>
+            <a:rPr lang="de-DE" sz="1400" kern="1200" dirty="0">
+              <a:solidFill>
+                <a:srgbClr val="DAD7CB"/>
+              </a:solidFill>
+            </a:rPr>
             <a:t>Low-</a:t>
           </a:r>
           <a:r>
-            <a:rPr lang="de-DE" sz="1400" kern="1200" dirty="0" err="1"/>
+            <a:rPr lang="de-DE" sz="1400" kern="1200" dirty="0" err="1">
+              <a:solidFill>
+                <a:srgbClr val="DAD7CB"/>
+              </a:solidFill>
+            </a:rPr>
             <a:t>Latency</a:t>
           </a:r>
-          <a:endParaRPr lang="de-DE" sz="1400" kern="1200" dirty="0"/>
+          <a:endParaRPr lang="de-DE" sz="1400" kern="1200" dirty="0">
+            <a:solidFill>
+              <a:srgbClr val="DAD7CB"/>
+            </a:solidFill>
+          </a:endParaRPr>
         </a:p>
       </dsp:txBody>
       <dsp:txXfrm>
@@ -21192,10 +21458,10 @@
       </p:sp>
       <p:grpSp>
         <p:nvGrpSpPr>
-          <p:cNvPr id="11" name="Gruppieren 10">
+          <p:cNvPr id="20" name="Gruppieren 19">
             <a:extLst>
               <a:ext uri="{FF2B5EF4-FFF2-40B4-BE49-F238E27FC236}">
-                <a16:creationId xmlns:a16="http://schemas.microsoft.com/office/drawing/2014/main" id="{80340793-FA47-4D52-990C-8EC0D8127117}"/>
+                <a16:creationId xmlns:a16="http://schemas.microsoft.com/office/drawing/2014/main" id="{12F6CB33-A78F-4EBB-995A-3DFC4ED3B744}"/>
               </a:ext>
             </a:extLst>
           </p:cNvPr>
@@ -21204,48 +21470,18 @@
         </p:nvGrpSpPr>
         <p:grpSpPr>
           <a:xfrm>
-            <a:off x="5271465" y="1978720"/>
-            <a:ext cx="3262935" cy="3261276"/>
-            <a:chOff x="2382215" y="2133600"/>
-            <a:chExt cx="3790321" cy="3661037"/>
+            <a:off x="5378048" y="2595940"/>
+            <a:ext cx="3352800" cy="3121221"/>
+            <a:chOff x="3086100" y="2860829"/>
+            <a:chExt cx="3352800" cy="3121221"/>
           </a:xfrm>
         </p:grpSpPr>
-        <p:pic>
-          <p:nvPicPr>
-            <p:cNvPr id="9" name="Grafik 8">
+        <p:sp>
+          <p:nvSpPr>
+            <p:cNvPr id="17" name="Textfeld 16">
               <a:extLst>
                 <a:ext uri="{FF2B5EF4-FFF2-40B4-BE49-F238E27FC236}">
-                  <a16:creationId xmlns:a16="http://schemas.microsoft.com/office/drawing/2014/main" id="{157B58F4-C6C9-44B9-B9C9-F01B9DA1AC2E}"/>
-                </a:ext>
-              </a:extLst>
-            </p:cNvPr>
-            <p:cNvPicPr>
-              <a:picLocks noChangeAspect="1"/>
-            </p:cNvPicPr>
-            <p:nvPr/>
-          </p:nvPicPr>
-          <p:blipFill>
-            <a:blip r:embed="rId2"/>
-            <a:stretch>
-              <a:fillRect/>
-            </a:stretch>
-          </p:blipFill>
-          <p:spPr>
-            <a:xfrm>
-              <a:off x="2382215" y="2133600"/>
-              <a:ext cx="3790321" cy="3295650"/>
-            </a:xfrm>
-            <a:prstGeom prst="rect">
-              <a:avLst/>
-            </a:prstGeom>
-          </p:spPr>
-        </p:pic>
-        <p:sp>
-          <p:nvSpPr>
-            <p:cNvPr id="10" name="Textfeld 9">
-              <a:extLst>
-                <a:ext uri="{FF2B5EF4-FFF2-40B4-BE49-F238E27FC236}">
-                  <a16:creationId xmlns:a16="http://schemas.microsoft.com/office/drawing/2014/main" id="{0C1EDCCA-84E4-4DDF-99B6-46055841ED30}"/>
+                  <a16:creationId xmlns:a16="http://schemas.microsoft.com/office/drawing/2014/main" id="{66F7D42F-34E3-4D63-B626-AD4262177D59}"/>
                 </a:ext>
               </a:extLst>
             </p:cNvPr>
@@ -21254,8 +21490,8 @@
           </p:nvSpPr>
           <p:spPr>
             <a:xfrm>
-              <a:off x="2382215" y="5584130"/>
-              <a:ext cx="726161" cy="210507"/>
+              <a:off x="3086100" y="5794529"/>
+              <a:ext cx="625123" cy="187521"/>
             </a:xfrm>
             <a:prstGeom prst="rect">
               <a:avLst/>
@@ -21285,6 +21521,211 @@
             </a:p>
           </p:txBody>
         </p:sp>
+        <p:pic>
+          <p:nvPicPr>
+            <p:cNvPr id="19" name="Grafik 18">
+              <a:extLst>
+                <a:ext uri="{FF2B5EF4-FFF2-40B4-BE49-F238E27FC236}">
+                  <a16:creationId xmlns:a16="http://schemas.microsoft.com/office/drawing/2014/main" id="{8D876E68-1789-4A41-9EFF-04FDE01BCA7F}"/>
+                </a:ext>
+              </a:extLst>
+            </p:cNvPr>
+            <p:cNvPicPr>
+              <a:picLocks noChangeAspect="1"/>
+            </p:cNvPicPr>
+            <p:nvPr/>
+          </p:nvPicPr>
+          <p:blipFill>
+            <a:blip r:embed="rId2"/>
+            <a:stretch>
+              <a:fillRect/>
+            </a:stretch>
+          </p:blipFill>
+          <p:spPr>
+            <a:xfrm>
+              <a:off x="3086100" y="2860829"/>
+              <a:ext cx="3352800" cy="2933700"/>
+            </a:xfrm>
+            <a:prstGeom prst="rect">
+              <a:avLst/>
+            </a:prstGeom>
+          </p:spPr>
+        </p:pic>
+      </p:grpSp>
+      <p:grpSp>
+        <p:nvGrpSpPr>
+          <p:cNvPr id="25" name="Gruppieren 24">
+            <a:extLst>
+              <a:ext uri="{FF2B5EF4-FFF2-40B4-BE49-F238E27FC236}">
+                <a16:creationId xmlns:a16="http://schemas.microsoft.com/office/drawing/2014/main" id="{123F9B61-F842-40FA-8991-036F2E877F9C}"/>
+              </a:ext>
+            </a:extLst>
+          </p:cNvPr>
+          <p:cNvGrpSpPr/>
+          <p:nvPr/>
+        </p:nvGrpSpPr>
+        <p:grpSpPr>
+          <a:xfrm>
+            <a:off x="5104436" y="2076925"/>
+            <a:ext cx="3722498" cy="2929415"/>
+            <a:chOff x="5104436" y="2076925"/>
+            <a:chExt cx="3722498" cy="2929415"/>
+          </a:xfrm>
+        </p:grpSpPr>
+        <p:sp>
+          <p:nvSpPr>
+            <p:cNvPr id="21" name="L-Form 20">
+              <a:extLst>
+                <a:ext uri="{FF2B5EF4-FFF2-40B4-BE49-F238E27FC236}">
+                  <a16:creationId xmlns:a16="http://schemas.microsoft.com/office/drawing/2014/main" id="{0DF4A44E-A973-445C-A80A-AA8583FAC018}"/>
+                </a:ext>
+              </a:extLst>
+            </p:cNvPr>
+            <p:cNvSpPr/>
+            <p:nvPr/>
+          </p:nvSpPr>
+          <p:spPr>
+            <a:xfrm>
+              <a:off x="5311140" y="2527200"/>
+              <a:ext cx="3515794" cy="2479140"/>
+            </a:xfrm>
+            <a:prstGeom prst="corner">
+              <a:avLst>
+                <a:gd name="adj1" fmla="val 76558"/>
+                <a:gd name="adj2" fmla="val 54241"/>
+              </a:avLst>
+            </a:prstGeom>
+            <a:noFill/>
+            <a:ln w="38100">
+              <a:solidFill>
+                <a:srgbClr val="E37222"/>
+              </a:solidFill>
+              <a:prstDash val="sysDash"/>
+            </a:ln>
+          </p:spPr>
+          <p:style>
+            <a:lnRef idx="2">
+              <a:schemeClr val="accent1">
+                <a:shade val="50000"/>
+              </a:schemeClr>
+            </a:lnRef>
+            <a:fillRef idx="1">
+              <a:schemeClr val="accent1"/>
+            </a:fillRef>
+            <a:effectRef idx="0">
+              <a:schemeClr val="accent1"/>
+            </a:effectRef>
+            <a:fontRef idx="minor">
+              <a:schemeClr val="lt1"/>
+            </a:fontRef>
+          </p:style>
+          <p:txBody>
+            <a:bodyPr rot="0" spcFirstLastPara="0" vertOverflow="overflow" horzOverflow="overflow" vert="horz" wrap="square" lIns="91440" tIns="45720" rIns="91440" bIns="45720" numCol="1" spcCol="0" rtlCol="0" fromWordArt="0" anchor="t" anchorCtr="0" forceAA="0" compatLnSpc="1">
+              <a:prstTxWarp prst="textNoShape">
+                <a:avLst/>
+              </a:prstTxWarp>
+              <a:noAutofit/>
+            </a:bodyPr>
+            <a:lstStyle/>
+            <a:p>
+              <a:pPr algn="ctr">
+                <a:lnSpc>
+                  <a:spcPct val="114000"/>
+                </a:lnSpc>
+              </a:pPr>
+              <a:endParaRPr lang="en-US" dirty="0"/>
+            </a:p>
+          </p:txBody>
+        </p:sp>
+        <p:sp>
+          <p:nvSpPr>
+            <p:cNvPr id="23" name="Rechteck 22">
+              <a:extLst>
+                <a:ext uri="{FF2B5EF4-FFF2-40B4-BE49-F238E27FC236}">
+                  <a16:creationId xmlns:a16="http://schemas.microsoft.com/office/drawing/2014/main" id="{ACC832E9-C6D2-46BE-9D9C-7D631DF7413A}"/>
+                </a:ext>
+              </a:extLst>
+            </p:cNvPr>
+            <p:cNvSpPr/>
+            <p:nvPr/>
+          </p:nvSpPr>
+          <p:spPr>
+            <a:xfrm>
+              <a:off x="5104436" y="2076925"/>
+              <a:ext cx="2079415" cy="400110"/>
+            </a:xfrm>
+            <a:prstGeom prst="rect">
+              <a:avLst/>
+            </a:prstGeom>
+            <a:noFill/>
+          </p:spPr>
+          <p:txBody>
+            <a:bodyPr wrap="none" lIns="91440" tIns="45720" rIns="91440" bIns="45720">
+              <a:spAutoFit/>
+            </a:bodyPr>
+            <a:lstStyle/>
+            <a:p>
+              <a:pPr algn="ctr"/>
+              <a:r>
+                <a:rPr lang="de-DE" sz="2000" b="1" cap="none" spc="0" dirty="0" err="1">
+                  <a:ln w="0">
+                    <a:solidFill>
+                      <a:srgbClr val="DAD7CB"/>
+                    </a:solidFill>
+                  </a:ln>
+                  <a:solidFill>
+                    <a:srgbClr val="E37222"/>
+                  </a:solidFill>
+                  <a:effectLst>
+                    <a:outerShdw blurRad="38100" dist="25400" dir="5400000" algn="ctr" rotWithShape="0">
+                      <a:srgbClr val="6E747A">
+                        <a:alpha val="43000"/>
+                      </a:srgbClr>
+                    </a:outerShdw>
+                  </a:effectLst>
+                </a:rPr>
+                <a:t>Acoustic</a:t>
+              </a:r>
+              <a:r>
+                <a:rPr lang="de-DE" sz="2000" b="1" cap="none" spc="0" dirty="0">
+                  <a:ln w="0">
+                    <a:solidFill>
+                      <a:srgbClr val="DAD7CB"/>
+                    </a:solidFill>
+                  </a:ln>
+                  <a:solidFill>
+                    <a:srgbClr val="E37222"/>
+                  </a:solidFill>
+                  <a:effectLst>
+                    <a:outerShdw blurRad="38100" dist="25400" dir="5400000" algn="ctr" rotWithShape="0">
+                      <a:srgbClr val="6E747A">
+                        <a:alpha val="43000"/>
+                      </a:srgbClr>
+                    </a:outerShdw>
+                  </a:effectLst>
+                </a:rPr>
+                <a:t> Model</a:t>
+              </a:r>
+              <a:endParaRPr lang="de-DE" sz="4000" b="1" cap="none" spc="0" dirty="0">
+                <a:ln w="0">
+                  <a:solidFill>
+                    <a:srgbClr val="DAD7CB"/>
+                  </a:solidFill>
+                </a:ln>
+                <a:solidFill>
+                  <a:srgbClr val="E37222"/>
+                </a:solidFill>
+                <a:effectLst>
+                  <a:outerShdw blurRad="38100" dist="25400" dir="5400000" algn="ctr" rotWithShape="0">
+                    <a:srgbClr val="6E747A">
+                      <a:alpha val="43000"/>
+                    </a:srgbClr>
+                  </a:outerShdw>
+                </a:effectLst>
+              </a:endParaRPr>
+            </a:p>
+          </p:txBody>
+        </p:sp>
       </p:grpSp>
     </p:spTree>
     <p:extLst>
@@ -21296,6 +21737,81 @@
   <p:clrMapOvr>
     <a:masterClrMapping/>
   </p:clrMapOvr>
+  <p:timing>
+    <p:tnLst>
+      <p:par>
+        <p:cTn id="1" dur="indefinite" restart="never" nodeType="tmRoot">
+          <p:childTnLst>
+            <p:seq concurrent="1" nextAc="seek">
+              <p:cTn id="2" dur="indefinite" nodeType="mainSeq">
+                <p:childTnLst>
+                  <p:par>
+                    <p:cTn id="3" fill="hold">
+                      <p:stCondLst>
+                        <p:cond delay="indefinite"/>
+                      </p:stCondLst>
+                      <p:childTnLst>
+                        <p:par>
+                          <p:cTn id="4" fill="hold">
+                            <p:stCondLst>
+                              <p:cond delay="0"/>
+                            </p:stCondLst>
+                            <p:childTnLst>
+                              <p:par>
+                                <p:cTn id="5" presetID="1" presetClass="entr" presetSubtype="0" fill="hold" nodeType="clickEffect">
+                                  <p:stCondLst>
+                                    <p:cond delay="0"/>
+                                  </p:stCondLst>
+                                  <p:childTnLst>
+                                    <p:set>
+                                      <p:cBhvr>
+                                        <p:cTn id="6" dur="1" fill="hold">
+                                          <p:stCondLst>
+                                            <p:cond delay="0"/>
+                                          </p:stCondLst>
+                                        </p:cTn>
+                                        <p:tgtEl>
+                                          <p:spTgt spid="25"/>
+                                        </p:tgtEl>
+                                        <p:attrNameLst>
+                                          <p:attrName>style.visibility</p:attrName>
+                                        </p:attrNameLst>
+                                      </p:cBhvr>
+                                      <p:to>
+                                        <p:strVal val="visible"/>
+                                      </p:to>
+                                    </p:set>
+                                  </p:childTnLst>
+                                </p:cTn>
+                              </p:par>
+                            </p:childTnLst>
+                          </p:cTn>
+                        </p:par>
+                      </p:childTnLst>
+                    </p:cTn>
+                  </p:par>
+                </p:childTnLst>
+              </p:cTn>
+              <p:prevCondLst>
+                <p:cond evt="onPrev" delay="0">
+                  <p:tgtEl>
+                    <p:sldTgt/>
+                  </p:tgtEl>
+                </p:cond>
+              </p:prevCondLst>
+              <p:nextCondLst>
+                <p:cond evt="onNext" delay="0">
+                  <p:tgtEl>
+                    <p:sldTgt/>
+                  </p:tgtEl>
+                </p:cond>
+              </p:nextCondLst>
+            </p:seq>
+          </p:childTnLst>
+        </p:cTn>
+      </p:par>
+    </p:tnLst>
+  </p:timing>
 </p:sld>
 </file>
 
@@ -21445,6 +21961,36 @@
           </a:p>
         </p:txBody>
       </p:sp>
+      <p:pic>
+        <p:nvPicPr>
+          <p:cNvPr id="2" name="Grafik 1">
+            <a:extLst>
+              <a:ext uri="{FF2B5EF4-FFF2-40B4-BE49-F238E27FC236}">
+                <a16:creationId xmlns:a16="http://schemas.microsoft.com/office/drawing/2014/main" id="{D9D3E268-3BB4-4E7D-9B82-E0F6C5D0A73E}"/>
+              </a:ext>
+            </a:extLst>
+          </p:cNvPr>
+          <p:cNvPicPr>
+            <a:picLocks noChangeAspect="1"/>
+          </p:cNvPicPr>
+          <p:nvPr/>
+        </p:nvPicPr>
+        <p:blipFill>
+          <a:blip r:embed="rId2"/>
+          <a:stretch>
+            <a:fillRect/>
+          </a:stretch>
+        </p:blipFill>
+        <p:spPr>
+          <a:xfrm>
+            <a:off x="2263140" y="3275904"/>
+            <a:ext cx="4419600" cy="1736272"/>
+          </a:xfrm>
+          <a:prstGeom prst="rect">
+            <a:avLst/>
+          </a:prstGeom>
+        </p:spPr>
+      </p:pic>
     </p:spTree>
     <p:extLst>
       <p:ext uri="{BB962C8B-B14F-4D97-AF65-F5344CB8AC3E}">
@@ -22050,15 +22596,16 @@
             <p:ph idx="10"/>
           </p:nvPr>
         </p:nvSpPr>
-        <p:spPr/>
+        <p:spPr>
+          <a:xfrm>
+            <a:off x="319088" y="1978720"/>
+            <a:ext cx="8508999" cy="3347660"/>
+          </a:xfrm>
+        </p:spPr>
         <p:txBody>
           <a:bodyPr/>
           <a:lstStyle/>
           <a:p>
-            <a:pPr marL="285750" indent="-285750">
-              <a:buFont typeface="Arial" panose="020B0604020202020204" pitchFamily="34" charset="0"/>
-              <a:buChar char="•"/>
-            </a:pPr>
             <a:r>
               <a:rPr lang="en-US" dirty="0"/>
               <a:t>Motivation and Challenges</a:t>
@@ -22071,8 +22618,86 @@
             </a:pPr>
             <a:r>
               <a:rPr lang="en-US" dirty="0"/>
-              <a:t>Approach with DL -&gt; Only front-end</a:t>
-            </a:r>
+              <a:t>2.1 billion smartphone users worldwide in 2016</a:t>
+            </a:r>
+          </a:p>
+          <a:p>
+            <a:pPr marL="285750" indent="-285750">
+              <a:buFont typeface="Arial" panose="020B0604020202020204" pitchFamily="34" charset="0"/>
+              <a:buChar char="•"/>
+            </a:pPr>
+            <a:r>
+              <a:rPr lang="en-US" dirty="0"/>
+              <a:t>in 2016 about 1.5 billion new smartphones were sold</a:t>
+            </a:r>
+          </a:p>
+          <a:p>
+            <a:pPr marL="285750" indent="-285750">
+              <a:buFont typeface="Arial" panose="020B0604020202020204" pitchFamily="34" charset="0"/>
+              <a:buChar char="•"/>
+            </a:pPr>
+            <a:endParaRPr lang="de-DE" dirty="0"/>
+          </a:p>
+          <a:p>
+            <a:pPr marL="285750" indent="-285750">
+              <a:buFont typeface="Arial" panose="020B0604020202020204" pitchFamily="34" charset="0"/>
+              <a:buChar char="•"/>
+            </a:pPr>
+            <a:r>
+              <a:rPr lang="de-DE" dirty="0"/>
+              <a:t>P</a:t>
+            </a:r>
+            <a:r>
+              <a:rPr lang="en-US" dirty="0" err="1"/>
+              <a:t>ower</a:t>
+            </a:r>
+            <a:r>
+              <a:rPr lang="en-US" dirty="0"/>
+              <a:t> consumption</a:t>
+            </a:r>
+          </a:p>
+          <a:p>
+            <a:pPr marL="285750" indent="-285750">
+              <a:buFont typeface="Arial" panose="020B0604020202020204" pitchFamily="34" charset="0"/>
+              <a:buChar char="•"/>
+            </a:pPr>
+            <a:r>
+              <a:rPr lang="de-DE" dirty="0"/>
+              <a:t>M</a:t>
+            </a:r>
+            <a:r>
+              <a:rPr lang="en-US" dirty="0" err="1"/>
+              <a:t>emory</a:t>
+            </a:r>
+            <a:r>
+              <a:rPr lang="en-US" dirty="0"/>
+              <a:t> constraints</a:t>
+            </a:r>
+          </a:p>
+          <a:p>
+            <a:pPr marL="285750" indent="-285750">
+              <a:buFont typeface="Arial" panose="020B0604020202020204" pitchFamily="34" charset="0"/>
+              <a:buChar char="•"/>
+            </a:pPr>
+            <a:r>
+              <a:rPr lang="de-DE" dirty="0"/>
+              <a:t>R</a:t>
+            </a:r>
+            <a:r>
+              <a:rPr lang="en-US" dirty="0" err="1"/>
+              <a:t>eal</a:t>
+            </a:r>
+            <a:r>
+              <a:rPr lang="en-US" dirty="0"/>
+              <a:t>-time responsiveness</a:t>
+            </a:r>
+          </a:p>
+          <a:p>
+            <a:pPr marL="285750" indent="-285750">
+              <a:buFont typeface="Arial" panose="020B0604020202020204" pitchFamily="34" charset="0"/>
+              <a:buChar char="•"/>
+            </a:pPr>
+            <a:endParaRPr lang="en-US" dirty="0"/>
           </a:p>
         </p:txBody>
       </p:sp>
@@ -22143,12 +22768,161 @@
           </a:p>
         </p:txBody>
       </p:sp>
+    </p:spTree>
+    <p:extLst>
+      <p:ext uri="{BB962C8B-B14F-4D97-AF65-F5344CB8AC3E}">
+        <p14:creationId xmlns:p14="http://schemas.microsoft.com/office/powerpoint/2010/main" val="927065859"/>
+      </p:ext>
+    </p:extLst>
+  </p:cSld>
+  <p:clrMapOvr>
+    <a:masterClrMapping/>
+  </p:clrMapOvr>
+</p:sld>
+</file>
+
+<file path=ppt/slides/slide14.xml><?xml version="1.0" encoding="utf-8"?>
+<p:sld xmlns:a="http://schemas.openxmlformats.org/drawingml/2006/main" xmlns:r="http://schemas.openxmlformats.org/officeDocument/2006/relationships" xmlns:p="http://schemas.openxmlformats.org/presentationml/2006/main">
+  <p:cSld>
+    <p:spTree>
+      <p:nvGrpSpPr>
+        <p:cNvPr id="1" name=""/>
+        <p:cNvGrpSpPr/>
+        <p:nvPr/>
+      </p:nvGrpSpPr>
+      <p:grpSpPr>
+        <a:xfrm>
+          <a:off x="0" y="0"/>
+          <a:ext cx="0" cy="0"/>
+          <a:chOff x="0" y="0"/>
+          <a:chExt cx="0" cy="0"/>
+        </a:xfrm>
+      </p:grpSpPr>
+      <p:sp>
+        <p:nvSpPr>
+          <p:cNvPr id="2" name="Inhaltsplatzhalter 1">
+            <a:extLst>
+              <a:ext uri="{FF2B5EF4-FFF2-40B4-BE49-F238E27FC236}">
+                <a16:creationId xmlns:a16="http://schemas.microsoft.com/office/drawing/2014/main" id="{CCB24830-1F4C-428D-9214-7C8500A3F887}"/>
+              </a:ext>
+            </a:extLst>
+          </p:cNvPr>
+          <p:cNvSpPr>
+            <a:spLocks noGrp="1"/>
+          </p:cNvSpPr>
+          <p:nvPr>
+            <p:ph idx="10"/>
+          </p:nvPr>
+        </p:nvSpPr>
+        <p:spPr/>
+        <p:txBody>
+          <a:bodyPr/>
+          <a:lstStyle/>
+          <a:p>
+            <a:r>
+              <a:rPr lang="en-US" dirty="0"/>
+              <a:t>1. Syllabification (SYL)</a:t>
+            </a:r>
+          </a:p>
+          <a:p>
+            <a:r>
+              <a:rPr lang="en-US" dirty="0"/>
+              <a:t>2. Phonetic transcription (PT)</a:t>
+            </a:r>
+          </a:p>
+          <a:p>
+            <a:r>
+              <a:rPr lang="en-US" dirty="0"/>
+              <a:t>3. Part-of-speech tagging (POT)</a:t>
+            </a:r>
+          </a:p>
+          <a:p>
+            <a:r>
+              <a:rPr lang="en-US" dirty="0"/>
+              <a:t>4. Lexical stress prediction (LSP)</a:t>
+            </a:r>
+          </a:p>
+          <a:p>
+            <a:r>
+              <a:rPr lang="en-US" dirty="0"/>
+              <a:t>	-&gt; Only front-end</a:t>
+            </a:r>
+          </a:p>
+        </p:txBody>
+      </p:sp>
+      <p:sp>
+        <p:nvSpPr>
+          <p:cNvPr id="3" name="Foliennummernplatzhalter 2">
+            <a:extLst>
+              <a:ext uri="{FF2B5EF4-FFF2-40B4-BE49-F238E27FC236}">
+                <a16:creationId xmlns:a16="http://schemas.microsoft.com/office/drawing/2014/main" id="{6C810AEA-BBE2-44B1-88DD-478EA67CF34D}"/>
+              </a:ext>
+            </a:extLst>
+          </p:cNvPr>
+          <p:cNvSpPr>
+            <a:spLocks noGrp="1"/>
+          </p:cNvSpPr>
+          <p:nvPr>
+            <p:ph type="sldNum" sz="quarter" idx="11"/>
+          </p:nvPr>
+        </p:nvSpPr>
+        <p:spPr/>
+        <p:txBody>
+          <a:bodyPr/>
+          <a:lstStyle/>
+          <a:p>
+            <a:fld id="{CE58CB1E-F828-4F11-99E0-327109AF9DA4}" type="slidenum">
+              <a:rPr lang="de-DE" smtClean="0"/>
+              <a:pPr/>
+              <a:t>14</a:t>
+            </a:fld>
+            <a:endParaRPr lang="de-DE" dirty="0"/>
+          </a:p>
+        </p:txBody>
+      </p:sp>
+      <p:sp>
+        <p:nvSpPr>
+          <p:cNvPr id="4" name="Titel 3">
+            <a:extLst>
+              <a:ext uri="{FF2B5EF4-FFF2-40B4-BE49-F238E27FC236}">
+                <a16:creationId xmlns:a16="http://schemas.microsoft.com/office/drawing/2014/main" id="{A25736C8-94FE-4213-9737-485C428229B7}"/>
+              </a:ext>
+            </a:extLst>
+          </p:cNvPr>
+          <p:cNvSpPr>
+            <a:spLocks noGrp="1"/>
+          </p:cNvSpPr>
+          <p:nvPr>
+            <p:ph type="title"/>
+          </p:nvPr>
+        </p:nvSpPr>
+        <p:spPr>
+          <a:xfrm>
+            <a:off x="319090" y="994334"/>
+            <a:ext cx="8508999" cy="410369"/>
+          </a:xfrm>
+        </p:spPr>
+        <p:txBody>
+          <a:bodyPr/>
+          <a:lstStyle/>
+          <a:p>
+            <a:r>
+              <a:rPr lang="de-DE" dirty="0"/>
+              <a:t>Speech</a:t>
+            </a:r>
+            <a:r>
+              <a:rPr lang="en-US" dirty="0"/>
+              <a:t> Synthesis on Mobile Devices</a:t>
+            </a:r>
+          </a:p>
+        </p:txBody>
+      </p:sp>
       <p:grpSp>
         <p:nvGrpSpPr>
-          <p:cNvPr id="7" name="Gruppieren 6">
+          <p:cNvPr id="10" name="Gruppieren 9">
             <a:extLst>
               <a:ext uri="{FF2B5EF4-FFF2-40B4-BE49-F238E27FC236}">
-                <a16:creationId xmlns:a16="http://schemas.microsoft.com/office/drawing/2014/main" id="{ECF3C7FE-696E-4765-9CE6-46076DD1CCBC}"/>
+                <a16:creationId xmlns:a16="http://schemas.microsoft.com/office/drawing/2014/main" id="{418A0F66-3EDE-4E7E-B528-96CD270B9BB4}"/>
               </a:ext>
             </a:extLst>
           </p:cNvPr>
@@ -22157,18 +22931,18 @@
         </p:nvGrpSpPr>
         <p:grpSpPr>
           <a:xfrm>
-            <a:off x="867252" y="3429131"/>
-            <a:ext cx="7301388" cy="1839636"/>
-            <a:chOff x="867252" y="3429131"/>
-            <a:chExt cx="7301388" cy="1839636"/>
+            <a:off x="807720" y="4678914"/>
+            <a:ext cx="6804660" cy="1664212"/>
+            <a:chOff x="807720" y="3265755"/>
+            <a:chExt cx="6804660" cy="1664212"/>
           </a:xfrm>
         </p:grpSpPr>
         <p:pic>
           <p:nvPicPr>
-            <p:cNvPr id="5" name="Grafik 4">
+            <p:cNvPr id="8" name="Grafik 7">
               <a:extLst>
                 <a:ext uri="{FF2B5EF4-FFF2-40B4-BE49-F238E27FC236}">
-                  <a16:creationId xmlns:a16="http://schemas.microsoft.com/office/drawing/2014/main" id="{FF79F059-3C1D-4F72-AF31-8141827FCD94}"/>
+                  <a16:creationId xmlns:a16="http://schemas.microsoft.com/office/drawing/2014/main" id="{DDBA4D22-231E-43CC-99C2-87CB19CD6FB7}"/>
                 </a:ext>
               </a:extLst>
             </p:cNvPr>
@@ -22185,8 +22959,8 @@
           </p:blipFill>
           <p:spPr>
             <a:xfrm>
-              <a:off x="867252" y="3429131"/>
-              <a:ext cx="7301388" cy="1569590"/>
+              <a:off x="807720" y="3265755"/>
+              <a:ext cx="6804660" cy="1346505"/>
             </a:xfrm>
             <a:prstGeom prst="rect">
               <a:avLst/>
@@ -22195,10 +22969,10 @@
         </p:pic>
         <p:sp>
           <p:nvSpPr>
-            <p:cNvPr id="6" name="Textfeld 5">
+            <p:cNvPr id="9" name="Textfeld 8">
               <a:extLst>
                 <a:ext uri="{FF2B5EF4-FFF2-40B4-BE49-F238E27FC236}">
-                  <a16:creationId xmlns:a16="http://schemas.microsoft.com/office/drawing/2014/main" id="{D2830F31-C826-4FC5-9AB5-A74B42510CA1}"/>
+                  <a16:creationId xmlns:a16="http://schemas.microsoft.com/office/drawing/2014/main" id="{35F45026-AB4B-41A6-92FB-6F8A4216DA49}"/>
                 </a:ext>
               </a:extLst>
             </p:cNvPr>
@@ -22207,7 +22981,7 @@
           </p:nvSpPr>
           <p:spPr>
             <a:xfrm>
-              <a:off x="951072" y="5081246"/>
+              <a:off x="882429" y="4742446"/>
               <a:ext cx="625123" cy="187521"/>
             </a:xfrm>
             <a:prstGeom prst="rect">
@@ -22239,20 +23013,360 @@
           </p:txBody>
         </p:sp>
       </p:grpSp>
+      <p:grpSp>
+        <p:nvGrpSpPr>
+          <p:cNvPr id="6" name="Gruppieren 5">
+            <a:extLst>
+              <a:ext uri="{FF2B5EF4-FFF2-40B4-BE49-F238E27FC236}">
+                <a16:creationId xmlns:a16="http://schemas.microsoft.com/office/drawing/2014/main" id="{DCA146C5-7599-4752-B526-490E8DB73F19}"/>
+              </a:ext>
+            </a:extLst>
+          </p:cNvPr>
+          <p:cNvGrpSpPr/>
+          <p:nvPr/>
+        </p:nvGrpSpPr>
+        <p:grpSpPr>
+          <a:xfrm>
+            <a:off x="2499360" y="5036507"/>
+            <a:ext cx="5007094" cy="988912"/>
+            <a:chOff x="2499360" y="3623348"/>
+            <a:chExt cx="5007094" cy="988912"/>
+          </a:xfrm>
+        </p:grpSpPr>
+        <p:sp>
+          <p:nvSpPr>
+            <p:cNvPr id="5" name="Rechteck: abgerundete Ecken 4">
+              <a:extLst>
+                <a:ext uri="{FF2B5EF4-FFF2-40B4-BE49-F238E27FC236}">
+                  <a16:creationId xmlns:a16="http://schemas.microsoft.com/office/drawing/2014/main" id="{BD70C527-DB5A-4FAA-A9B8-C5AE4DD08D6A}"/>
+                </a:ext>
+              </a:extLst>
+            </p:cNvPr>
+            <p:cNvSpPr/>
+            <p:nvPr/>
+          </p:nvSpPr>
+          <p:spPr>
+            <a:xfrm>
+              <a:off x="2499360" y="3623348"/>
+              <a:ext cx="662940" cy="988912"/>
+            </a:xfrm>
+            <a:prstGeom prst="roundRect">
+              <a:avLst/>
+            </a:prstGeom>
+            <a:noFill/>
+            <a:ln w="28575">
+              <a:solidFill>
+                <a:srgbClr val="E37222"/>
+              </a:solidFill>
+            </a:ln>
+          </p:spPr>
+          <p:style>
+            <a:lnRef idx="2">
+              <a:schemeClr val="accent1">
+                <a:shade val="50000"/>
+              </a:schemeClr>
+            </a:lnRef>
+            <a:fillRef idx="1">
+              <a:schemeClr val="accent1"/>
+            </a:fillRef>
+            <a:effectRef idx="0">
+              <a:schemeClr val="accent1"/>
+            </a:effectRef>
+            <a:fontRef idx="minor">
+              <a:schemeClr val="lt1"/>
+            </a:fontRef>
+          </p:style>
+          <p:txBody>
+            <a:bodyPr rot="0" spcFirstLastPara="0" vertOverflow="overflow" horzOverflow="overflow" vert="horz" wrap="square" lIns="91440" tIns="45720" rIns="91440" bIns="45720" numCol="1" spcCol="0" rtlCol="0" fromWordArt="0" anchor="t" anchorCtr="0" forceAA="0" compatLnSpc="1">
+              <a:prstTxWarp prst="textNoShape">
+                <a:avLst/>
+              </a:prstTxWarp>
+              <a:noAutofit/>
+            </a:bodyPr>
+            <a:lstStyle/>
+            <a:p>
+              <a:pPr algn="ctr">
+                <a:lnSpc>
+                  <a:spcPct val="114000"/>
+                </a:lnSpc>
+              </a:pPr>
+              <a:endParaRPr lang="en-US" dirty="0"/>
+            </a:p>
+          </p:txBody>
+        </p:sp>
+        <p:sp>
+          <p:nvSpPr>
+            <p:cNvPr id="11" name="Rechteck: abgerundete Ecken 10">
+              <a:extLst>
+                <a:ext uri="{FF2B5EF4-FFF2-40B4-BE49-F238E27FC236}">
+                  <a16:creationId xmlns:a16="http://schemas.microsoft.com/office/drawing/2014/main" id="{FE0BAD50-E029-475F-8409-EF21DC15AB0B}"/>
+                </a:ext>
+              </a:extLst>
+            </p:cNvPr>
+            <p:cNvSpPr/>
+            <p:nvPr/>
+          </p:nvSpPr>
+          <p:spPr>
+            <a:xfrm>
+              <a:off x="3941127" y="3623348"/>
+              <a:ext cx="662940" cy="988912"/>
+            </a:xfrm>
+            <a:prstGeom prst="roundRect">
+              <a:avLst/>
+            </a:prstGeom>
+            <a:noFill/>
+            <a:ln w="28575">
+              <a:solidFill>
+                <a:srgbClr val="E37222"/>
+              </a:solidFill>
+            </a:ln>
+          </p:spPr>
+          <p:style>
+            <a:lnRef idx="2">
+              <a:schemeClr val="accent1">
+                <a:shade val="50000"/>
+              </a:schemeClr>
+            </a:lnRef>
+            <a:fillRef idx="1">
+              <a:schemeClr val="accent1"/>
+            </a:fillRef>
+            <a:effectRef idx="0">
+              <a:schemeClr val="accent1"/>
+            </a:effectRef>
+            <a:fontRef idx="minor">
+              <a:schemeClr val="lt1"/>
+            </a:fontRef>
+          </p:style>
+          <p:txBody>
+            <a:bodyPr rot="0" spcFirstLastPara="0" vertOverflow="overflow" horzOverflow="overflow" vert="horz" wrap="square" lIns="91440" tIns="45720" rIns="91440" bIns="45720" numCol="1" spcCol="0" rtlCol="0" fromWordArt="0" anchor="t" anchorCtr="0" forceAA="0" compatLnSpc="1">
+              <a:prstTxWarp prst="textNoShape">
+                <a:avLst/>
+              </a:prstTxWarp>
+              <a:noAutofit/>
+            </a:bodyPr>
+            <a:lstStyle/>
+            <a:p>
+              <a:pPr algn="ctr">
+                <a:lnSpc>
+                  <a:spcPct val="114000"/>
+                </a:lnSpc>
+              </a:pPr>
+              <a:endParaRPr lang="en-US" dirty="0"/>
+            </a:p>
+          </p:txBody>
+        </p:sp>
+        <p:sp>
+          <p:nvSpPr>
+            <p:cNvPr id="12" name="Rechteck: abgerundete Ecken 11">
+              <a:extLst>
+                <a:ext uri="{FF2B5EF4-FFF2-40B4-BE49-F238E27FC236}">
+                  <a16:creationId xmlns:a16="http://schemas.microsoft.com/office/drawing/2014/main" id="{42EBE3DA-817E-4B54-9972-6592AB20D33A}"/>
+                </a:ext>
+              </a:extLst>
+            </p:cNvPr>
+            <p:cNvSpPr/>
+            <p:nvPr/>
+          </p:nvSpPr>
+          <p:spPr>
+            <a:xfrm>
+              <a:off x="5413374" y="3623348"/>
+              <a:ext cx="662940" cy="988912"/>
+            </a:xfrm>
+            <a:prstGeom prst="roundRect">
+              <a:avLst/>
+            </a:prstGeom>
+            <a:noFill/>
+            <a:ln w="28575">
+              <a:solidFill>
+                <a:srgbClr val="E37222"/>
+              </a:solidFill>
+            </a:ln>
+          </p:spPr>
+          <p:style>
+            <a:lnRef idx="2">
+              <a:schemeClr val="accent1">
+                <a:shade val="50000"/>
+              </a:schemeClr>
+            </a:lnRef>
+            <a:fillRef idx="1">
+              <a:schemeClr val="accent1"/>
+            </a:fillRef>
+            <a:effectRef idx="0">
+              <a:schemeClr val="accent1"/>
+            </a:effectRef>
+            <a:fontRef idx="minor">
+              <a:schemeClr val="lt1"/>
+            </a:fontRef>
+          </p:style>
+          <p:txBody>
+            <a:bodyPr rot="0" spcFirstLastPara="0" vertOverflow="overflow" horzOverflow="overflow" vert="horz" wrap="square" lIns="91440" tIns="45720" rIns="91440" bIns="45720" numCol="1" spcCol="0" rtlCol="0" fromWordArt="0" anchor="t" anchorCtr="0" forceAA="0" compatLnSpc="1">
+              <a:prstTxWarp prst="textNoShape">
+                <a:avLst/>
+              </a:prstTxWarp>
+              <a:noAutofit/>
+            </a:bodyPr>
+            <a:lstStyle/>
+            <a:p>
+              <a:pPr algn="ctr">
+                <a:lnSpc>
+                  <a:spcPct val="114000"/>
+                </a:lnSpc>
+              </a:pPr>
+              <a:endParaRPr lang="en-US" dirty="0"/>
+            </a:p>
+          </p:txBody>
+        </p:sp>
+        <p:sp>
+          <p:nvSpPr>
+            <p:cNvPr id="13" name="Rechteck: abgerundete Ecken 12">
+              <a:extLst>
+                <a:ext uri="{FF2B5EF4-FFF2-40B4-BE49-F238E27FC236}">
+                  <a16:creationId xmlns:a16="http://schemas.microsoft.com/office/drawing/2014/main" id="{4BEE7633-F475-42B3-BB17-8920BF0F96E0}"/>
+                </a:ext>
+              </a:extLst>
+            </p:cNvPr>
+            <p:cNvSpPr/>
+            <p:nvPr/>
+          </p:nvSpPr>
+          <p:spPr>
+            <a:xfrm>
+              <a:off x="6843514" y="3623348"/>
+              <a:ext cx="662940" cy="988912"/>
+            </a:xfrm>
+            <a:prstGeom prst="roundRect">
+              <a:avLst/>
+            </a:prstGeom>
+            <a:noFill/>
+            <a:ln w="28575">
+              <a:solidFill>
+                <a:srgbClr val="E37222"/>
+              </a:solidFill>
+            </a:ln>
+          </p:spPr>
+          <p:style>
+            <a:lnRef idx="2">
+              <a:schemeClr val="accent1">
+                <a:shade val="50000"/>
+              </a:schemeClr>
+            </a:lnRef>
+            <a:fillRef idx="1">
+              <a:schemeClr val="accent1"/>
+            </a:fillRef>
+            <a:effectRef idx="0">
+              <a:schemeClr val="accent1"/>
+            </a:effectRef>
+            <a:fontRef idx="minor">
+              <a:schemeClr val="lt1"/>
+            </a:fontRef>
+          </p:style>
+          <p:txBody>
+            <a:bodyPr rot="0" spcFirstLastPara="0" vertOverflow="overflow" horzOverflow="overflow" vert="horz" wrap="square" lIns="91440" tIns="45720" rIns="91440" bIns="45720" numCol="1" spcCol="0" rtlCol="0" fromWordArt="0" anchor="t" anchorCtr="0" forceAA="0" compatLnSpc="1">
+              <a:prstTxWarp prst="textNoShape">
+                <a:avLst/>
+              </a:prstTxWarp>
+              <a:noAutofit/>
+            </a:bodyPr>
+            <a:lstStyle/>
+            <a:p>
+              <a:pPr algn="ctr">
+                <a:lnSpc>
+                  <a:spcPct val="114000"/>
+                </a:lnSpc>
+              </a:pPr>
+              <a:endParaRPr lang="en-US" dirty="0"/>
+            </a:p>
+          </p:txBody>
+        </p:sp>
+      </p:grpSp>
     </p:spTree>
     <p:extLst>
       <p:ext uri="{BB962C8B-B14F-4D97-AF65-F5344CB8AC3E}">
-        <p14:creationId xmlns:p14="http://schemas.microsoft.com/office/powerpoint/2010/main" val="927065859"/>
+        <p14:creationId xmlns:p14="http://schemas.microsoft.com/office/powerpoint/2010/main" val="4217063337"/>
       </p:ext>
     </p:extLst>
   </p:cSld>
   <p:clrMapOvr>
     <a:masterClrMapping/>
   </p:clrMapOvr>
+  <p:timing>
+    <p:tnLst>
+      <p:par>
+        <p:cTn id="1" dur="indefinite" restart="never" nodeType="tmRoot">
+          <p:childTnLst>
+            <p:seq concurrent="1" nextAc="seek">
+              <p:cTn id="2" dur="indefinite" nodeType="mainSeq">
+                <p:childTnLst>
+                  <p:par>
+                    <p:cTn id="3" fill="hold">
+                      <p:stCondLst>
+                        <p:cond delay="indefinite"/>
+                      </p:stCondLst>
+                      <p:childTnLst>
+                        <p:par>
+                          <p:cTn id="4" fill="hold">
+                            <p:stCondLst>
+                              <p:cond delay="0"/>
+                            </p:stCondLst>
+                            <p:childTnLst>
+                              <p:par>
+                                <p:cTn id="5" presetID="1" presetClass="entr" presetSubtype="0" fill="hold" nodeType="clickEffect">
+                                  <p:stCondLst>
+                                    <p:cond delay="0"/>
+                                  </p:stCondLst>
+                                  <p:childTnLst>
+                                    <p:set>
+                                      <p:cBhvr>
+                                        <p:cTn id="6" dur="1" fill="hold">
+                                          <p:stCondLst>
+                                            <p:cond delay="0"/>
+                                          </p:stCondLst>
+                                        </p:cTn>
+                                        <p:tgtEl>
+                                          <p:spTgt spid="6"/>
+                                        </p:tgtEl>
+                                        <p:attrNameLst>
+                                          <p:attrName>style.visibility</p:attrName>
+                                        </p:attrNameLst>
+                                      </p:cBhvr>
+                                      <p:to>
+                                        <p:strVal val="visible"/>
+                                      </p:to>
+                                    </p:set>
+                                  </p:childTnLst>
+                                </p:cTn>
+                              </p:par>
+                            </p:childTnLst>
+                          </p:cTn>
+                        </p:par>
+                      </p:childTnLst>
+                    </p:cTn>
+                  </p:par>
+                </p:childTnLst>
+              </p:cTn>
+              <p:prevCondLst>
+                <p:cond evt="onPrev" delay="0">
+                  <p:tgtEl>
+                    <p:sldTgt/>
+                  </p:tgtEl>
+                </p:cond>
+              </p:prevCondLst>
+              <p:nextCondLst>
+                <p:cond evt="onNext" delay="0">
+                  <p:tgtEl>
+                    <p:sldTgt/>
+                  </p:tgtEl>
+                </p:cond>
+              </p:nextCondLst>
+            </p:seq>
+          </p:childTnLst>
+        </p:cTn>
+      </p:par>
+    </p:tnLst>
+  </p:timing>
 </p:sld>
 </file>
 
-<file path=ppt/slides/slide14.xml><?xml version="1.0" encoding="utf-8"?>
+<file path=ppt/slides/slide15.xml><?xml version="1.0" encoding="utf-8"?>
 <p:sld xmlns:a="http://schemas.openxmlformats.org/drawingml/2006/main" xmlns:r="http://schemas.openxmlformats.org/officeDocument/2006/relationships" xmlns:p="http://schemas.openxmlformats.org/presentationml/2006/main">
   <p:cSld>
     <p:spTree>
@@ -22467,7 +23581,7 @@
             <a:fld id="{CE58CB1E-F828-4F11-99E0-327109AF9DA4}" type="slidenum">
               <a:rPr lang="de-DE" smtClean="0"/>
               <a:pPr/>
-              <a:t>14</a:t>
+              <a:t>15</a:t>
             </a:fld>
             <a:endParaRPr lang="de-DE" dirty="0"/>
           </a:p>
@@ -22811,7 +23925,7 @@
 </p:sld>
 </file>
 
-<file path=ppt/slides/slide15.xml><?xml version="1.0" encoding="utf-8"?>
+<file path=ppt/slides/slide16.xml><?xml version="1.0" encoding="utf-8"?>
 <p:sld xmlns:a="http://schemas.openxmlformats.org/drawingml/2006/main" xmlns:r="http://schemas.openxmlformats.org/officeDocument/2006/relationships" xmlns:p="http://schemas.openxmlformats.org/presentationml/2006/main">
   <p:cSld>
     <p:spTree>
@@ -22852,7 +23966,7 @@
             <a:fld id="{CE58CB1E-F828-4F11-99E0-327109AF9DA4}" type="slidenum">
               <a:rPr lang="de-DE" smtClean="0"/>
               <a:pPr/>
-              <a:t>15</a:t>
+              <a:t>16</a:t>
             </a:fld>
             <a:endParaRPr lang="de-DE" dirty="0"/>
           </a:p>
@@ -22899,7 +24013,7 @@
           <p:nvPr>
             <p:extLst>
               <p:ext uri="{D42A27DB-BD31-4B8C-83A1-F6EECF244321}">
-                <p14:modId xmlns:p14="http://schemas.microsoft.com/office/powerpoint/2010/main" val="2880128889"/>
+                <p14:modId xmlns:p14="http://schemas.microsoft.com/office/powerpoint/2010/main" val="2191735205"/>
               </p:ext>
             </p:extLst>
           </p:nvPr>
@@ -23253,7 +24367,7 @@
 </p:sld>
 </file>
 
-<file path=ppt/slides/slide16.xml><?xml version="1.0" encoding="utf-8"?>
+<file path=ppt/slides/slide17.xml><?xml version="1.0" encoding="utf-8"?>
 <p:sld xmlns:a="http://schemas.openxmlformats.org/drawingml/2006/main" xmlns:r="http://schemas.openxmlformats.org/officeDocument/2006/relationships" xmlns:p="http://schemas.openxmlformats.org/presentationml/2006/main">
   <p:cSld>
     <p:spTree>
@@ -23294,7 +24408,7 @@
             <a:fld id="{CE58CB1E-F828-4F11-99E0-327109AF9DA4}" type="slidenum">
               <a:rPr lang="de-DE" smtClean="0"/>
               <a:pPr/>
-              <a:t>16</a:t>
+              <a:t>17</a:t>
             </a:fld>
             <a:endParaRPr lang="de-DE" dirty="0"/>
           </a:p>
@@ -23334,54 +24448,6 @@
           </a:p>
         </p:txBody>
       </p:sp>
-      <p:sp>
-        <p:nvSpPr>
-          <p:cNvPr id="2" name="Rechteck 1">
-            <a:extLst>
-              <a:ext uri="{FF2B5EF4-FFF2-40B4-BE49-F238E27FC236}">
-                <a16:creationId xmlns:a16="http://schemas.microsoft.com/office/drawing/2014/main" id="{E2AE0B6B-AC65-420B-8A32-AC61F1BE0F75}"/>
-              </a:ext>
-            </a:extLst>
-          </p:cNvPr>
-          <p:cNvSpPr/>
-          <p:nvPr/>
-        </p:nvSpPr>
-        <p:spPr>
-          <a:xfrm>
-            <a:off x="1559045" y="4331315"/>
-            <a:ext cx="6147837" cy="923330"/>
-          </a:xfrm>
-          <a:prstGeom prst="rect">
-            <a:avLst/>
-          </a:prstGeom>
-          <a:noFill/>
-        </p:spPr>
-        <p:txBody>
-          <a:bodyPr wrap="none" lIns="91440" tIns="45720" rIns="91440" bIns="45720">
-            <a:spAutoFit/>
-          </a:bodyPr>
-          <a:lstStyle/>
-          <a:p>
-            <a:pPr algn="ctr"/>
-            <a:r>
-              <a:rPr lang="de-DE" sz="5400" b="0" cap="none" spc="0" dirty="0">
-                <a:ln w="0"/>
-                <a:solidFill>
-                  <a:schemeClr val="accent1"/>
-                </a:solidFill>
-                <a:effectLst>
-                  <a:outerShdw blurRad="38100" dist="25400" dir="5400000" algn="ctr" rotWithShape="0">
-                    <a:srgbClr val="6E747A">
-                      <a:alpha val="43000"/>
-                    </a:srgbClr>
-                  </a:outerShdw>
-                </a:effectLst>
-              </a:rPr>
-              <a:t>Sound Playback ??</a:t>
-            </a:r>
-          </a:p>
-        </p:txBody>
-      </p:sp>
     </p:spTree>
     <p:extLst>
       <p:ext uri="{BB962C8B-B14F-4D97-AF65-F5344CB8AC3E}">
@@ -23395,7 +24461,155 @@
 </p:sld>
 </file>
 
-<file path=ppt/slides/slide17.xml><?xml version="1.0" encoding="utf-8"?>
+<file path=ppt/slides/slide18.xml><?xml version="1.0" encoding="utf-8"?>
+<p:sld xmlns:a="http://schemas.openxmlformats.org/drawingml/2006/main" xmlns:r="http://schemas.openxmlformats.org/officeDocument/2006/relationships" xmlns:p="http://schemas.openxmlformats.org/presentationml/2006/main" show="0">
+  <p:cSld>
+    <p:spTree>
+      <p:nvGrpSpPr>
+        <p:cNvPr id="1" name=""/>
+        <p:cNvGrpSpPr/>
+        <p:nvPr/>
+      </p:nvGrpSpPr>
+      <p:grpSpPr>
+        <a:xfrm>
+          <a:off x="0" y="0"/>
+          <a:ext cx="0" cy="0"/>
+          <a:chOff x="0" y="0"/>
+          <a:chExt cx="0" cy="0"/>
+        </a:xfrm>
+      </p:grpSpPr>
+      <p:sp>
+        <p:nvSpPr>
+          <p:cNvPr id="3" name="Foliennummernplatzhalter 2">
+            <a:extLst>
+              <a:ext uri="{FF2B5EF4-FFF2-40B4-BE49-F238E27FC236}">
+                <a16:creationId xmlns:a16="http://schemas.microsoft.com/office/drawing/2014/main" id="{A366489A-8C80-4D71-99AB-A1991302B570}"/>
+              </a:ext>
+            </a:extLst>
+          </p:cNvPr>
+          <p:cNvSpPr>
+            <a:spLocks noGrp="1"/>
+          </p:cNvSpPr>
+          <p:nvPr>
+            <p:ph type="sldNum" sz="quarter" idx="11"/>
+          </p:nvPr>
+        </p:nvSpPr>
+        <p:spPr/>
+        <p:txBody>
+          <a:bodyPr/>
+          <a:lstStyle/>
+          <a:p>
+            <a:fld id="{CE58CB1E-F828-4F11-99E0-327109AF9DA4}" type="slidenum">
+              <a:rPr lang="de-DE" smtClean="0"/>
+              <a:pPr/>
+              <a:t>18</a:t>
+            </a:fld>
+            <a:endParaRPr lang="de-DE" dirty="0"/>
+          </a:p>
+        </p:txBody>
+      </p:sp>
+      <p:sp>
+        <p:nvSpPr>
+          <p:cNvPr id="6" name="Titel 5">
+            <a:extLst>
+              <a:ext uri="{FF2B5EF4-FFF2-40B4-BE49-F238E27FC236}">
+                <a16:creationId xmlns:a16="http://schemas.microsoft.com/office/drawing/2014/main" id="{AF4FFFC7-AFD1-43AD-B0C0-CB8EF4855441}"/>
+              </a:ext>
+            </a:extLst>
+          </p:cNvPr>
+          <p:cNvSpPr>
+            <a:spLocks noGrp="1"/>
+          </p:cNvSpPr>
+          <p:nvPr>
+            <p:ph type="title"/>
+          </p:nvPr>
+        </p:nvSpPr>
+        <p:spPr/>
+        <p:txBody>
+          <a:bodyPr/>
+          <a:lstStyle/>
+          <a:p>
+            <a:r>
+              <a:rPr lang="de-DE" dirty="0" err="1"/>
+              <a:t>To</a:t>
+            </a:r>
+            <a:r>
+              <a:rPr lang="de-DE" dirty="0"/>
+              <a:t> Do:</a:t>
+            </a:r>
+            <a:endParaRPr lang="en-US" dirty="0"/>
+          </a:p>
+        </p:txBody>
+      </p:sp>
+      <p:sp>
+        <p:nvSpPr>
+          <p:cNvPr id="7" name="Inhaltsplatzhalter 1">
+            <a:extLst>
+              <a:ext uri="{FF2B5EF4-FFF2-40B4-BE49-F238E27FC236}">
+                <a16:creationId xmlns:a16="http://schemas.microsoft.com/office/drawing/2014/main" id="{023F1E19-4D86-40F0-A196-BB880250BBF1}"/>
+              </a:ext>
+            </a:extLst>
+          </p:cNvPr>
+          <p:cNvSpPr>
+            <a:spLocks noGrp="1"/>
+          </p:cNvSpPr>
+          <p:nvPr>
+            <p:ph idx="10"/>
+          </p:nvPr>
+        </p:nvSpPr>
+        <p:spPr>
+          <a:xfrm>
+            <a:off x="319088" y="1978720"/>
+            <a:ext cx="8508999" cy="4330640"/>
+          </a:xfrm>
+        </p:spPr>
+        <p:txBody>
+          <a:bodyPr/>
+          <a:lstStyle/>
+          <a:p>
+            <a:pPr marL="285750" indent="-285750">
+              <a:buFont typeface="Arial" panose="020B0604020202020204" pitchFamily="34" charset="0"/>
+              <a:buChar char="•"/>
+            </a:pPr>
+            <a:r>
+              <a:rPr lang="de-DE" dirty="0"/>
+              <a:t>Sources</a:t>
+            </a:r>
+          </a:p>
+          <a:p>
+            <a:pPr marL="285750" indent="-285750">
+              <a:buFont typeface="Arial" panose="020B0604020202020204" pitchFamily="34" charset="0"/>
+              <a:buChar char="•"/>
+            </a:pPr>
+            <a:r>
+              <a:rPr lang="de-DE" dirty="0"/>
+              <a:t>Sounds </a:t>
+            </a:r>
+            <a:r>
+              <a:rPr lang="de-DE" dirty="0" err="1"/>
+              <a:t>as</a:t>
+            </a:r>
+            <a:r>
+              <a:rPr lang="de-DE" dirty="0"/>
+              <a:t> Intro and Outro ?!</a:t>
+            </a:r>
+          </a:p>
+        </p:txBody>
+      </p:sp>
+    </p:spTree>
+    <p:extLst>
+      <p:ext uri="{BB962C8B-B14F-4D97-AF65-F5344CB8AC3E}">
+        <p14:creationId xmlns:p14="http://schemas.microsoft.com/office/powerpoint/2010/main" val="2315660020"/>
+      </p:ext>
+    </p:extLst>
+  </p:cSld>
+  <p:clrMapOvr>
+    <a:masterClrMapping/>
+  </p:clrMapOvr>
+</p:sld>
+</file>
+
+<file path=ppt/slides/slide19.xml><?xml version="1.0" encoding="utf-8"?>
 <p:sld xmlns:a="http://schemas.openxmlformats.org/drawingml/2006/main" xmlns:r="http://schemas.openxmlformats.org/officeDocument/2006/relationships" xmlns:p="http://schemas.openxmlformats.org/presentationml/2006/main" show="0">
   <p:cSld>
     <p:spTree>
@@ -23548,7 +24762,7 @@
             <a:fld id="{CE58CB1E-F828-4F11-99E0-327109AF9DA4}" type="slidenum">
               <a:rPr lang="de-DE" smtClean="0"/>
               <a:pPr/>
-              <a:t>17</a:t>
+              <a:t>19</a:t>
             </a:fld>
             <a:endParaRPr lang="de-DE" dirty="0"/>
           </a:p>
@@ -23623,7 +24837,186 @@
 </p:sld>
 </file>
 
-<file path=ppt/slides/slide18.xml><?xml version="1.0" encoding="utf-8"?>
+<file path=ppt/slides/slide2.xml><?xml version="1.0" encoding="utf-8"?>
+<p:sld xmlns:a="http://schemas.openxmlformats.org/drawingml/2006/main" xmlns:r="http://schemas.openxmlformats.org/officeDocument/2006/relationships" xmlns:p="http://schemas.openxmlformats.org/presentationml/2006/main">
+  <p:cSld>
+    <p:spTree>
+      <p:nvGrpSpPr>
+        <p:cNvPr id="1" name=""/>
+        <p:cNvGrpSpPr/>
+        <p:nvPr/>
+      </p:nvGrpSpPr>
+      <p:grpSpPr>
+        <a:xfrm>
+          <a:off x="0" y="0"/>
+          <a:ext cx="0" cy="0"/>
+          <a:chOff x="0" y="0"/>
+          <a:chExt cx="0" cy="0"/>
+        </a:xfrm>
+      </p:grpSpPr>
+      <p:pic>
+        <p:nvPicPr>
+          <p:cNvPr id="4" name="Bild 4" descr="TUM_Glockenturm.tif">
+            <a:extLst>
+              <a:ext uri="{FF2B5EF4-FFF2-40B4-BE49-F238E27FC236}">
+                <a16:creationId xmlns:a16="http://schemas.microsoft.com/office/drawing/2014/main" id="{6E1B4B54-6271-48C4-BF68-95E6A46C9AA9}"/>
+              </a:ext>
+            </a:extLst>
+          </p:cNvPr>
+          <p:cNvPicPr>
+            <a:picLocks noChangeAspect="1"/>
+          </p:cNvPicPr>
+          <p:nvPr/>
+        </p:nvPicPr>
+        <p:blipFill>
+          <a:blip r:embed="rId2"/>
+          <a:stretch>
+            <a:fillRect/>
+          </a:stretch>
+        </p:blipFill>
+        <p:spPr>
+          <a:xfrm>
+            <a:off x="4927101" y="3051360"/>
+            <a:ext cx="3892489" cy="3397419"/>
+          </a:xfrm>
+          <a:prstGeom prst="rect">
+            <a:avLst/>
+          </a:prstGeom>
+        </p:spPr>
+      </p:pic>
+      <p:sp>
+        <p:nvSpPr>
+          <p:cNvPr id="9" name="Inhaltsplatzhalter 2">
+            <a:extLst>
+              <a:ext uri="{FF2B5EF4-FFF2-40B4-BE49-F238E27FC236}">
+                <a16:creationId xmlns:a16="http://schemas.microsoft.com/office/drawing/2014/main" id="{7EC2C0AF-CED8-47C6-94F8-41D6EFFAB6EF}"/>
+              </a:ext>
+            </a:extLst>
+          </p:cNvPr>
+          <p:cNvSpPr>
+            <a:spLocks noGrp="1"/>
+          </p:cNvSpPr>
+          <p:nvPr>
+            <p:ph idx="10"/>
+          </p:nvPr>
+        </p:nvSpPr>
+        <p:spPr>
+          <a:xfrm>
+            <a:off x="319088" y="1962017"/>
+            <a:ext cx="8508999" cy="2085280"/>
+          </a:xfrm>
+        </p:spPr>
+        <p:txBody>
+          <a:bodyPr/>
+          <a:lstStyle/>
+          <a:p>
+            <a:r>
+              <a:rPr lang="de-DE" dirty="0"/>
+              <a:t>Hannes Bohnengel</a:t>
+            </a:r>
+          </a:p>
+          <a:p>
+            <a:r>
+              <a:rPr lang="en-US" dirty="0"/>
+              <a:t>Technical</a:t>
+            </a:r>
+            <a:r>
+              <a:rPr lang="de-DE" dirty="0"/>
+              <a:t> </a:t>
+            </a:r>
+            <a:r>
+              <a:rPr lang="en-US" dirty="0"/>
+              <a:t>University</a:t>
+            </a:r>
+            <a:r>
+              <a:rPr lang="de-DE" dirty="0"/>
+              <a:t> </a:t>
+            </a:r>
+            <a:r>
+              <a:rPr lang="de-DE" dirty="0" err="1"/>
+              <a:t>of</a:t>
+            </a:r>
+            <a:r>
+              <a:rPr lang="de-DE" dirty="0"/>
+              <a:t> Munich</a:t>
+            </a:r>
+          </a:p>
+          <a:p>
+            <a:r>
+              <a:rPr lang="en-US" dirty="0"/>
+              <a:t>TUM Department of Electrical and Computer Engineering</a:t>
+            </a:r>
+          </a:p>
+          <a:p>
+            <a:r>
+              <a:rPr lang="en-US" dirty="0"/>
+              <a:t>Chair of Real-Time Computer Systems</a:t>
+            </a:r>
+            <a:endParaRPr lang="de-DE" dirty="0"/>
+          </a:p>
+          <a:p>
+            <a:r>
+              <a:rPr lang="de-DE" dirty="0"/>
+              <a:t>Munich, 21 </a:t>
+            </a:r>
+            <a:r>
+              <a:rPr lang="de-DE" dirty="0" err="1"/>
+              <a:t>July</a:t>
+            </a:r>
+            <a:r>
+              <a:rPr lang="de-DE" dirty="0"/>
+              <a:t> 2017</a:t>
+            </a:r>
+            <a:endParaRPr dirty="0"/>
+          </a:p>
+        </p:txBody>
+      </p:sp>
+      <p:sp>
+        <p:nvSpPr>
+          <p:cNvPr id="7" name="Titel 6"/>
+          <p:cNvSpPr>
+            <a:spLocks noGrp="1"/>
+          </p:cNvSpPr>
+          <p:nvPr>
+            <p:ph type="title"/>
+          </p:nvPr>
+        </p:nvSpPr>
+        <p:spPr>
+          <a:xfrm>
+            <a:off x="319090" y="994334"/>
+            <a:ext cx="8508999" cy="482248"/>
+          </a:xfrm>
+        </p:spPr>
+        <p:txBody>
+          <a:bodyPr/>
+          <a:lstStyle/>
+          <a:p>
+            <a:pPr>
+              <a:lnSpc>
+                <a:spcPct val="114000"/>
+              </a:lnSpc>
+            </a:pPr>
+            <a:r>
+              <a:rPr lang="en-US" dirty="0"/>
+              <a:t>Final Presentation of Advanced Seminar</a:t>
+            </a:r>
+          </a:p>
+        </p:txBody>
+      </p:sp>
+    </p:spTree>
+    <p:extLst>
+      <p:ext uri="{BB962C8B-B14F-4D97-AF65-F5344CB8AC3E}">
+        <p14:creationId xmlns:p14="http://schemas.microsoft.com/office/powerpoint/2010/main" val="2086259993"/>
+      </p:ext>
+    </p:extLst>
+  </p:cSld>
+  <p:clrMapOvr>
+    <a:masterClrMapping/>
+  </p:clrMapOvr>
+</p:sld>
+</file>
+
+<file path=ppt/slides/slide20.xml><?xml version="1.0" encoding="utf-8"?>
 <p:sld xmlns:a="http://schemas.openxmlformats.org/drawingml/2006/main" xmlns:r="http://schemas.openxmlformats.org/officeDocument/2006/relationships" xmlns:p="http://schemas.openxmlformats.org/presentationml/2006/main" show="0">
   <p:cSld>
     <p:spTree>
@@ -23758,7 +25151,7 @@
             <a:fld id="{CE58CB1E-F828-4F11-99E0-327109AF9DA4}" type="slidenum">
               <a:rPr lang="de-DE" smtClean="0"/>
               <a:pPr/>
-              <a:t>18</a:t>
+              <a:t>20</a:t>
             </a:fld>
             <a:endParaRPr lang="de-DE" dirty="0"/>
           </a:p>
@@ -24560,7 +25953,7 @@
 </p:sld>
 </file>
 
-<file path=ppt/slides/slide19.xml><?xml version="1.0" encoding="utf-8"?>
+<file path=ppt/slides/slide21.xml><?xml version="1.0" encoding="utf-8"?>
 <p:sld xmlns:a="http://schemas.openxmlformats.org/drawingml/2006/main" xmlns:r="http://schemas.openxmlformats.org/officeDocument/2006/relationships" xmlns:p="http://schemas.openxmlformats.org/presentationml/2006/main" show="0">
   <p:cSld>
     <p:spTree>
@@ -24702,7 +26095,7 @@
             <a:fld id="{CE58CB1E-F828-4F11-99E0-327109AF9DA4}" type="slidenum">
               <a:rPr lang="de-DE" smtClean="0"/>
               <a:pPr/>
-              <a:t>19</a:t>
+              <a:t>21</a:t>
             </a:fld>
             <a:endParaRPr lang="de-DE" dirty="0"/>
           </a:p>
@@ -24932,186 +26325,7 @@
 </p:sld>
 </file>
 
-<file path=ppt/slides/slide2.xml><?xml version="1.0" encoding="utf-8"?>
-<p:sld xmlns:a="http://schemas.openxmlformats.org/drawingml/2006/main" xmlns:r="http://schemas.openxmlformats.org/officeDocument/2006/relationships" xmlns:p="http://schemas.openxmlformats.org/presentationml/2006/main">
-  <p:cSld>
-    <p:spTree>
-      <p:nvGrpSpPr>
-        <p:cNvPr id="1" name=""/>
-        <p:cNvGrpSpPr/>
-        <p:nvPr/>
-      </p:nvGrpSpPr>
-      <p:grpSpPr>
-        <a:xfrm>
-          <a:off x="0" y="0"/>
-          <a:ext cx="0" cy="0"/>
-          <a:chOff x="0" y="0"/>
-          <a:chExt cx="0" cy="0"/>
-        </a:xfrm>
-      </p:grpSpPr>
-      <p:pic>
-        <p:nvPicPr>
-          <p:cNvPr id="4" name="Bild 4" descr="TUM_Glockenturm.tif">
-            <a:extLst>
-              <a:ext uri="{FF2B5EF4-FFF2-40B4-BE49-F238E27FC236}">
-                <a16:creationId xmlns:a16="http://schemas.microsoft.com/office/drawing/2014/main" id="{6E1B4B54-6271-48C4-BF68-95E6A46C9AA9}"/>
-              </a:ext>
-            </a:extLst>
-          </p:cNvPr>
-          <p:cNvPicPr>
-            <a:picLocks noChangeAspect="1"/>
-          </p:cNvPicPr>
-          <p:nvPr/>
-        </p:nvPicPr>
-        <p:blipFill>
-          <a:blip r:embed="rId2"/>
-          <a:stretch>
-            <a:fillRect/>
-          </a:stretch>
-        </p:blipFill>
-        <p:spPr>
-          <a:xfrm>
-            <a:off x="4927101" y="3051360"/>
-            <a:ext cx="3892489" cy="3397419"/>
-          </a:xfrm>
-          <a:prstGeom prst="rect">
-            <a:avLst/>
-          </a:prstGeom>
-        </p:spPr>
-      </p:pic>
-      <p:sp>
-        <p:nvSpPr>
-          <p:cNvPr id="9" name="Inhaltsplatzhalter 2">
-            <a:extLst>
-              <a:ext uri="{FF2B5EF4-FFF2-40B4-BE49-F238E27FC236}">
-                <a16:creationId xmlns:a16="http://schemas.microsoft.com/office/drawing/2014/main" id="{7EC2C0AF-CED8-47C6-94F8-41D6EFFAB6EF}"/>
-              </a:ext>
-            </a:extLst>
-          </p:cNvPr>
-          <p:cNvSpPr>
-            <a:spLocks noGrp="1"/>
-          </p:cNvSpPr>
-          <p:nvPr>
-            <p:ph idx="10"/>
-          </p:nvPr>
-        </p:nvSpPr>
-        <p:spPr>
-          <a:xfrm>
-            <a:off x="319088" y="1962017"/>
-            <a:ext cx="8508999" cy="2085280"/>
-          </a:xfrm>
-        </p:spPr>
-        <p:txBody>
-          <a:bodyPr/>
-          <a:lstStyle/>
-          <a:p>
-            <a:r>
-              <a:rPr lang="de-DE" dirty="0"/>
-              <a:t>Hannes Bohnengel</a:t>
-            </a:r>
-          </a:p>
-          <a:p>
-            <a:r>
-              <a:rPr lang="en-US" dirty="0"/>
-              <a:t>Technical</a:t>
-            </a:r>
-            <a:r>
-              <a:rPr lang="de-DE" dirty="0"/>
-              <a:t> </a:t>
-            </a:r>
-            <a:r>
-              <a:rPr lang="en-US" dirty="0"/>
-              <a:t>University</a:t>
-            </a:r>
-            <a:r>
-              <a:rPr lang="de-DE" dirty="0"/>
-              <a:t> </a:t>
-            </a:r>
-            <a:r>
-              <a:rPr lang="de-DE" dirty="0" err="1"/>
-              <a:t>of</a:t>
-            </a:r>
-            <a:r>
-              <a:rPr lang="de-DE" dirty="0"/>
-              <a:t> Munich</a:t>
-            </a:r>
-          </a:p>
-          <a:p>
-            <a:r>
-              <a:rPr lang="en-US" dirty="0"/>
-              <a:t>TUM Department of Electrical and Computer Engineering</a:t>
-            </a:r>
-          </a:p>
-          <a:p>
-            <a:r>
-              <a:rPr lang="en-US" dirty="0"/>
-              <a:t>Chair of Real-Time Computer Systems</a:t>
-            </a:r>
-            <a:endParaRPr lang="de-DE" dirty="0"/>
-          </a:p>
-          <a:p>
-            <a:r>
-              <a:rPr lang="de-DE" dirty="0"/>
-              <a:t>Munich, 21 </a:t>
-            </a:r>
-            <a:r>
-              <a:rPr lang="de-DE" dirty="0" err="1"/>
-              <a:t>July</a:t>
-            </a:r>
-            <a:r>
-              <a:rPr lang="de-DE" dirty="0"/>
-              <a:t> 2017</a:t>
-            </a:r>
-            <a:endParaRPr dirty="0"/>
-          </a:p>
-        </p:txBody>
-      </p:sp>
-      <p:sp>
-        <p:nvSpPr>
-          <p:cNvPr id="7" name="Titel 6"/>
-          <p:cNvSpPr>
-            <a:spLocks noGrp="1"/>
-          </p:cNvSpPr>
-          <p:nvPr>
-            <p:ph type="title"/>
-          </p:nvPr>
-        </p:nvSpPr>
-        <p:spPr>
-          <a:xfrm>
-            <a:off x="319090" y="994334"/>
-            <a:ext cx="8508999" cy="482248"/>
-          </a:xfrm>
-        </p:spPr>
-        <p:txBody>
-          <a:bodyPr/>
-          <a:lstStyle/>
-          <a:p>
-            <a:pPr>
-              <a:lnSpc>
-                <a:spcPct val="114000"/>
-              </a:lnSpc>
-            </a:pPr>
-            <a:r>
-              <a:rPr lang="en-US" dirty="0"/>
-              <a:t>Final Presentation of Advanced Seminar</a:t>
-            </a:r>
-          </a:p>
-        </p:txBody>
-      </p:sp>
-    </p:spTree>
-    <p:extLst>
-      <p:ext uri="{BB962C8B-B14F-4D97-AF65-F5344CB8AC3E}">
-        <p14:creationId xmlns:p14="http://schemas.microsoft.com/office/powerpoint/2010/main" val="2086259993"/>
-      </p:ext>
-    </p:extLst>
-  </p:cSld>
-  <p:clrMapOvr>
-    <a:masterClrMapping/>
-  </p:clrMapOvr>
-</p:sld>
-</file>
-
-<file path=ppt/slides/slide20.xml><?xml version="1.0" encoding="utf-8"?>
+<file path=ppt/slides/slide22.xml><?xml version="1.0" encoding="utf-8"?>
 <p:sld xmlns:a="http://schemas.openxmlformats.org/drawingml/2006/main" xmlns:r="http://schemas.openxmlformats.org/officeDocument/2006/relationships" xmlns:p="http://schemas.openxmlformats.org/presentationml/2006/main" show="0">
   <p:cSld>
     <p:spTree>
@@ -25761,7 +26975,7 @@
             <a:fld id="{CE58CB1E-F828-4F11-99E0-327109AF9DA4}" type="slidenum">
               <a:rPr lang="de-DE" smtClean="0"/>
               <a:pPr/>
-              <a:t>20</a:t>
+              <a:t>22</a:t>
             </a:fld>
             <a:endParaRPr lang="de-DE" dirty="0"/>
           </a:p>
@@ -26021,7 +27235,7 @@
 </p:sld>
 </file>
 
-<file path=ppt/slides/slide21.xml><?xml version="1.0" encoding="utf-8"?>
+<file path=ppt/slides/slide23.xml><?xml version="1.0" encoding="utf-8"?>
 <p:sld xmlns:a="http://schemas.openxmlformats.org/drawingml/2006/main" xmlns:r="http://schemas.openxmlformats.org/officeDocument/2006/relationships" xmlns:p="http://schemas.openxmlformats.org/presentationml/2006/main" show="0">
   <p:cSld>
     <p:spTree>
@@ -26461,7 +27675,7 @@
             <a:fld id="{CE58CB1E-F828-4F11-99E0-327109AF9DA4}" type="slidenum">
               <a:rPr lang="de-DE" smtClean="0"/>
               <a:pPr/>
-              <a:t>21</a:t>
+              <a:t>23</a:t>
             </a:fld>
             <a:endParaRPr lang="de-DE" dirty="0"/>
           </a:p>
@@ -26721,7 +27935,7 @@
 </p:sld>
 </file>
 
-<file path=ppt/slides/slide22.xml><?xml version="1.0" encoding="utf-8"?>
+<file path=ppt/slides/slide24.xml><?xml version="1.0" encoding="utf-8"?>
 <p:sld xmlns:a="http://schemas.openxmlformats.org/drawingml/2006/main" xmlns:r="http://schemas.openxmlformats.org/officeDocument/2006/relationships" xmlns:p="http://schemas.openxmlformats.org/presentationml/2006/main" show="0">
   <p:cSld>
     <p:spTree>
@@ -26756,7 +27970,7 @@
             <a:fld id="{CE58CB1E-F828-4F11-99E0-327109AF9DA4}" type="slidenum">
               <a:rPr lang="de-DE" smtClean="0"/>
               <a:pPr/>
-              <a:t>22</a:t>
+              <a:t>24</a:t>
             </a:fld>
             <a:endParaRPr lang="de-DE" dirty="0"/>
           </a:p>
@@ -27033,7 +28247,7 @@
 </p:sld>
 </file>
 
-<file path=ppt/slides/slide23.xml><?xml version="1.0" encoding="utf-8"?>
+<file path=ppt/slides/slide25.xml><?xml version="1.0" encoding="utf-8"?>
 <p:sld xmlns:a="http://schemas.openxmlformats.org/drawingml/2006/main" xmlns:r="http://schemas.openxmlformats.org/officeDocument/2006/relationships" xmlns:p="http://schemas.openxmlformats.org/presentationml/2006/main" show="0">
   <p:cSld>
     <p:spTree>
@@ -27093,7 +28307,7 @@
             <a:fld id="{CE58CB1E-F828-4F11-99E0-327109AF9DA4}" type="slidenum">
               <a:rPr lang="de-DE" smtClean="0"/>
               <a:pPr/>
-              <a:t>23</a:t>
+              <a:t>25</a:t>
             </a:fld>
             <a:endParaRPr lang="de-DE" dirty="0"/>
           </a:p>
@@ -28203,7 +29417,7 @@
           <p:nvPr>
             <p:extLst>
               <p:ext uri="{D42A27DB-BD31-4B8C-83A1-F6EECF244321}">
-                <p14:modId xmlns:p14="http://schemas.microsoft.com/office/powerpoint/2010/main" val="3019877478"/>
+                <p14:modId xmlns:p14="http://schemas.microsoft.com/office/powerpoint/2010/main" val="2064641709"/>
               </p:ext>
             </p:extLst>
           </p:nvPr>
@@ -28710,7 +29924,11 @@
               </a:lnSpc>
             </a:pPr>
             <a:r>
-              <a:rPr lang="de-DE" sz="1400" b="1" dirty="0"/>
+              <a:rPr lang="de-DE" sz="1400" b="1" dirty="0">
+                <a:solidFill>
+                  <a:srgbClr val="DAD7CB"/>
+                </a:solidFill>
+              </a:rPr>
               <a:t>Natural Language Processing</a:t>
             </a:r>
           </a:p>
@@ -28720,7 +29938,11 @@
                 <a:spcPct val="114000"/>
               </a:lnSpc>
             </a:pPr>
-            <a:endParaRPr lang="de-DE" sz="1400" b="1" dirty="0"/>
+            <a:endParaRPr lang="de-DE" sz="1400" b="1" dirty="0">
+              <a:solidFill>
+                <a:srgbClr val="DAD7CB"/>
+              </a:solidFill>
+            </a:endParaRPr>
           </a:p>
           <a:p>
             <a:pPr marL="180975" indent="-180975">
@@ -28731,7 +29953,11 @@
               <a:buChar char="•"/>
             </a:pPr>
             <a:r>
-              <a:rPr lang="en-US" sz="1400" dirty="0"/>
+              <a:rPr lang="en-US" sz="1400" dirty="0">
+                <a:solidFill>
+                  <a:srgbClr val="DAD7CB"/>
+                </a:solidFill>
+              </a:rPr>
               <a:t>Part-of-speech tagging</a:t>
             </a:r>
           </a:p>
@@ -28744,7 +29970,11 @@
               <a:buChar char="•"/>
             </a:pPr>
             <a:r>
-              <a:rPr lang="en-US" sz="1400" dirty="0"/>
+              <a:rPr lang="en-US" sz="1400" dirty="0">
+                <a:solidFill>
+                  <a:srgbClr val="DAD7CB"/>
+                </a:solidFill>
+              </a:rPr>
               <a:t>Text normalization</a:t>
             </a:r>
           </a:p>
@@ -28757,7 +29987,11 @@
               <a:buChar char="•"/>
             </a:pPr>
             <a:r>
-              <a:rPr lang="en-US" sz="1400" dirty="0"/>
+              <a:rPr lang="en-US" sz="1400" dirty="0">
+                <a:solidFill>
+                  <a:srgbClr val="DAD7CB"/>
+                </a:solidFill>
+              </a:rPr>
               <a:t>Phonetic transcription</a:t>
             </a:r>
           </a:p>
@@ -28770,7 +30004,11 @@
               <a:buChar char="•"/>
             </a:pPr>
             <a:r>
-              <a:rPr lang="en-US" sz="1400" dirty="0"/>
+              <a:rPr lang="en-US" sz="1400" dirty="0">
+                <a:solidFill>
+                  <a:srgbClr val="DAD7CB"/>
+                </a:solidFill>
+              </a:rPr>
               <a:t>Syllabification</a:t>
             </a:r>
           </a:p>
@@ -28783,7 +30021,11 @@
               <a:buChar char="•"/>
             </a:pPr>
             <a:r>
-              <a:rPr lang="en-US" sz="1400" dirty="0"/>
+              <a:rPr lang="en-US" sz="1400" dirty="0">
+                <a:solidFill>
+                  <a:srgbClr val="DAD7CB"/>
+                </a:solidFill>
+              </a:rPr>
               <a:t>Stress prediction</a:t>
             </a:r>
           </a:p>
@@ -28796,10 +30038,18 @@
               <a:buChar char="•"/>
             </a:pPr>
             <a:r>
-              <a:rPr lang="en-US" sz="1400" dirty="0"/>
+              <a:rPr lang="en-US" sz="1400" dirty="0">
+                <a:solidFill>
+                  <a:srgbClr val="DAD7CB"/>
+                </a:solidFill>
+              </a:rPr>
               <a:t>Prosodic analysis</a:t>
             </a:r>
-            <a:endParaRPr lang="de-DE" sz="1400" dirty="0"/>
+            <a:endParaRPr lang="de-DE" sz="1400" dirty="0">
+              <a:solidFill>
+                <a:srgbClr val="DAD7CB"/>
+              </a:solidFill>
+            </a:endParaRPr>
           </a:p>
         </p:txBody>
       </p:sp>
@@ -28863,7 +30113,11 @@
               </a:lnSpc>
             </a:pPr>
             <a:r>
-              <a:rPr lang="de-DE" sz="1400" b="1" dirty="0"/>
+              <a:rPr lang="de-DE" sz="1400" b="1" dirty="0">
+                <a:solidFill>
+                  <a:srgbClr val="DAD7CB"/>
+                </a:solidFill>
+              </a:rPr>
               <a:t>Digital Signal </a:t>
             </a:r>
           </a:p>
@@ -28874,7 +30128,11 @@
               </a:lnSpc>
             </a:pPr>
             <a:r>
-              <a:rPr lang="de-DE" sz="1400" b="1" dirty="0"/>
+              <a:rPr lang="de-DE" sz="1400" b="1" dirty="0">
+                <a:solidFill>
+                  <a:srgbClr val="DAD7CB"/>
+                </a:solidFill>
+              </a:rPr>
               <a:t>Processing</a:t>
             </a:r>
           </a:p>
@@ -28884,7 +30142,11 @@
                 <a:spcPct val="114000"/>
               </a:lnSpc>
             </a:pPr>
-            <a:endParaRPr lang="de-DE" sz="1400" dirty="0"/>
+            <a:endParaRPr lang="de-DE" sz="1400" dirty="0">
+              <a:solidFill>
+                <a:srgbClr val="DAD7CB"/>
+              </a:solidFill>
+            </a:endParaRPr>
           </a:p>
           <a:p>
             <a:pPr>
@@ -28893,11 +30155,19 @@
               </a:lnSpc>
             </a:pPr>
             <a:r>
-              <a:rPr lang="de-DE" sz="1400" dirty="0"/>
+              <a:rPr lang="de-DE" sz="1400" dirty="0">
+                <a:solidFill>
+                  <a:srgbClr val="DAD7CB"/>
+                </a:solidFill>
+              </a:rPr>
               <a:t>Different </a:t>
             </a:r>
             <a:r>
-              <a:rPr lang="en-US" sz="1400" dirty="0"/>
+              <a:rPr lang="en-US" sz="1400" dirty="0">
+                <a:solidFill>
+                  <a:srgbClr val="DAD7CB"/>
+                </a:solidFill>
+              </a:rPr>
               <a:t>Synthesis Models</a:t>
             </a:r>
           </a:p>
@@ -28910,10 +30180,18 @@
               <a:buChar char="•"/>
             </a:pPr>
             <a:r>
-              <a:rPr lang="de-DE" sz="1400" dirty="0" err="1"/>
+              <a:rPr lang="de-DE" sz="1400" dirty="0" err="1">
+                <a:solidFill>
+                  <a:srgbClr val="DAD7CB"/>
+                </a:solidFill>
+              </a:rPr>
               <a:t>Parametric</a:t>
             </a:r>
-            <a:endParaRPr lang="de-DE" sz="1400" dirty="0"/>
+            <a:endParaRPr lang="de-DE" sz="1400" dirty="0">
+              <a:solidFill>
+                <a:srgbClr val="DAD7CB"/>
+              </a:solidFill>
+            </a:endParaRPr>
           </a:p>
           <a:p>
             <a:pPr marL="271463" lvl="1" indent="-174625">
@@ -28924,10 +30202,18 @@
               <a:buChar char="•"/>
             </a:pPr>
             <a:r>
-              <a:rPr lang="de-DE" sz="1400" dirty="0" err="1"/>
+              <a:rPr lang="de-DE" sz="1400" dirty="0" err="1">
+                <a:solidFill>
+                  <a:srgbClr val="DAD7CB"/>
+                </a:solidFill>
+              </a:rPr>
               <a:t>Concatenative</a:t>
             </a:r>
-            <a:endParaRPr lang="de-DE" sz="1400" dirty="0"/>
+            <a:endParaRPr lang="de-DE" sz="1400" dirty="0">
+              <a:solidFill>
+                <a:srgbClr val="DAD7CB"/>
+              </a:solidFill>
+            </a:endParaRPr>
           </a:p>
           <a:p>
             <a:pPr marL="271463" lvl="1" indent="-174625">
@@ -28938,14 +30224,26 @@
               <a:buChar char="•"/>
             </a:pPr>
             <a:r>
-              <a:rPr lang="de-DE" sz="1400" dirty="0"/>
+              <a:rPr lang="de-DE" sz="1400" dirty="0">
+                <a:solidFill>
+                  <a:srgbClr val="DAD7CB"/>
+                </a:solidFill>
+              </a:rPr>
               <a:t>Statistical </a:t>
             </a:r>
             <a:r>
-              <a:rPr lang="de-DE" sz="1400" dirty="0" err="1"/>
+              <a:rPr lang="de-DE" sz="1400" dirty="0" err="1">
+                <a:solidFill>
+                  <a:srgbClr val="DAD7CB"/>
+                </a:solidFill>
+              </a:rPr>
               <a:t>parametric</a:t>
             </a:r>
-            <a:endParaRPr lang="de-DE" sz="1400" dirty="0"/>
+            <a:endParaRPr lang="de-DE" sz="1400" dirty="0">
+              <a:solidFill>
+                <a:srgbClr val="DAD7CB"/>
+              </a:solidFill>
+            </a:endParaRPr>
           </a:p>
           <a:p>
             <a:pPr marL="446088" lvl="1" indent="-265113">
@@ -28955,7 +30253,11 @@
               <a:buFont typeface="Arial" panose="020B0604020202020204" pitchFamily="34" charset="0"/>
               <a:buChar char="→"/>
             </a:pPr>
-            <a:endParaRPr lang="de-DE" sz="1400" dirty="0"/>
+            <a:endParaRPr lang="de-DE" sz="1400" dirty="0">
+              <a:solidFill>
+                <a:srgbClr val="DAD7CB"/>
+              </a:solidFill>
+            </a:endParaRPr>
           </a:p>
         </p:txBody>
       </p:sp>
@@ -29249,7 +30551,7 @@
         </p:nvSpPr>
         <p:spPr>
           <a:xfrm>
-            <a:off x="1494963" y="2619586"/>
+            <a:off x="2023953" y="2619586"/>
             <a:ext cx="2340000" cy="540000"/>
           </a:xfrm>
           <a:prstGeom prst="roundRect">
@@ -29295,10 +30597,18 @@
               </a:lnSpc>
             </a:pPr>
             <a:r>
-              <a:rPr lang="de-DE" sz="1400" dirty="0"/>
+              <a:rPr lang="de-DE" sz="1400" dirty="0">
+                <a:solidFill>
+                  <a:srgbClr val="DAD7CB"/>
+                </a:solidFill>
+              </a:rPr>
               <a:t>Text Analysis</a:t>
             </a:r>
-            <a:endParaRPr lang="en-US" dirty="0"/>
+            <a:endParaRPr lang="en-US" dirty="0">
+              <a:solidFill>
+                <a:srgbClr val="DAD7CB"/>
+              </a:solidFill>
+            </a:endParaRPr>
           </a:p>
         </p:txBody>
       </p:sp>
@@ -29316,7 +30626,7 @@
         </p:nvSpPr>
         <p:spPr>
           <a:xfrm>
-            <a:off x="2664962" y="3339794"/>
+            <a:off x="3193952" y="3339794"/>
             <a:ext cx="2340000" cy="540000"/>
           </a:xfrm>
           <a:prstGeom prst="roundRect">
@@ -29362,14 +30672,26 @@
               </a:lnSpc>
             </a:pPr>
             <a:r>
-              <a:rPr lang="de-DE" sz="1400" dirty="0" err="1"/>
+              <a:rPr lang="de-DE" sz="1400" dirty="0" err="1">
+                <a:solidFill>
+                  <a:srgbClr val="DAD7CB"/>
+                </a:solidFill>
+              </a:rPr>
               <a:t>Acoustic</a:t>
             </a:r>
             <a:r>
-              <a:rPr lang="de-DE" sz="1400" dirty="0"/>
+              <a:rPr lang="de-DE" sz="1400" dirty="0">
+                <a:solidFill>
+                  <a:srgbClr val="DAD7CB"/>
+                </a:solidFill>
+              </a:rPr>
               <a:t> Model</a:t>
             </a:r>
-            <a:endParaRPr lang="en-US" sz="1400" dirty="0"/>
+            <a:endParaRPr lang="en-US" sz="1400" dirty="0">
+              <a:solidFill>
+                <a:srgbClr val="DAD7CB"/>
+              </a:solidFill>
+            </a:endParaRPr>
           </a:p>
         </p:txBody>
       </p:sp>
@@ -29387,7 +30709,7 @@
         </p:nvSpPr>
         <p:spPr>
           <a:xfrm>
-            <a:off x="3834962" y="4060002"/>
+            <a:off x="4363952" y="4060002"/>
             <a:ext cx="2340000" cy="540000"/>
           </a:xfrm>
           <a:prstGeom prst="roundRect">
@@ -29433,10 +30755,18 @@
               </a:lnSpc>
             </a:pPr>
             <a:r>
-              <a:rPr lang="de-DE" sz="1400" dirty="0"/>
+              <a:rPr lang="de-DE" sz="1400" dirty="0">
+                <a:solidFill>
+                  <a:srgbClr val="DAD7CB"/>
+                </a:solidFill>
+              </a:rPr>
               <a:t>Parameter Generation</a:t>
             </a:r>
-            <a:endParaRPr lang="en-US" sz="1400" dirty="0"/>
+            <a:endParaRPr lang="en-US" sz="1400" dirty="0">
+              <a:solidFill>
+                <a:srgbClr val="DAD7CB"/>
+              </a:solidFill>
+            </a:endParaRPr>
           </a:p>
         </p:txBody>
       </p:sp>
@@ -29454,7 +30784,7 @@
         </p:nvSpPr>
         <p:spPr>
           <a:xfrm>
-            <a:off x="5004962" y="4777263"/>
+            <a:off x="5533952" y="4777263"/>
             <a:ext cx="2340000" cy="540000"/>
           </a:xfrm>
           <a:prstGeom prst="roundRect">
@@ -29500,14 +30830,26 @@
               </a:lnSpc>
             </a:pPr>
             <a:r>
-              <a:rPr lang="de-DE" sz="1400" dirty="0" err="1"/>
+              <a:rPr lang="de-DE" sz="1400" dirty="0" err="1">
+                <a:solidFill>
+                  <a:srgbClr val="DAD7CB"/>
+                </a:solidFill>
+              </a:rPr>
               <a:t>Waveform</a:t>
             </a:r>
             <a:r>
-              <a:rPr lang="de-DE" sz="1400" dirty="0"/>
+              <a:rPr lang="de-DE" sz="1400" dirty="0">
+                <a:solidFill>
+                  <a:srgbClr val="DAD7CB"/>
+                </a:solidFill>
+              </a:rPr>
               <a:t> Synthesis</a:t>
             </a:r>
-            <a:endParaRPr lang="en-US" sz="1400" dirty="0"/>
+            <a:endParaRPr lang="en-US" sz="1400" dirty="0">
+              <a:solidFill>
+                <a:srgbClr val="DAD7CB"/>
+              </a:solidFill>
+            </a:endParaRPr>
           </a:p>
         </p:txBody>
       </p:sp>
@@ -29525,7 +30867,7 @@
         </p:nvSpPr>
         <p:spPr>
           <a:xfrm>
-            <a:off x="2115259" y="1641413"/>
+            <a:off x="2644249" y="1641413"/>
             <a:ext cx="1099404" cy="646331"/>
           </a:xfrm>
           <a:prstGeom prst="rect">
@@ -29594,7 +30936,7 @@
         </p:nvSpPr>
         <p:spPr>
           <a:xfrm>
-            <a:off x="5261890" y="5590272"/>
+            <a:off x="5790880" y="5590272"/>
             <a:ext cx="1826142" cy="646331"/>
           </a:xfrm>
           <a:prstGeom prst="rect">
@@ -29663,7 +31005,7 @@
         </p:nvSpPr>
         <p:spPr>
           <a:xfrm>
-            <a:off x="2512160" y="2233182"/>
+            <a:off x="3041150" y="2233182"/>
             <a:ext cx="305601" cy="334751"/>
           </a:xfrm>
           <a:prstGeom prst="downArrow">
@@ -29729,7 +31071,7 @@
         </p:nvSpPr>
         <p:spPr>
           <a:xfrm rot="5400000">
-            <a:off x="3914542" y="2786769"/>
+            <a:off x="4443532" y="2786769"/>
             <a:ext cx="488096" cy="538211"/>
           </a:xfrm>
           <a:prstGeom prst="bentArrow">
@@ -29799,7 +31141,7 @@
         </p:nvSpPr>
         <p:spPr>
           <a:xfrm rot="5400000">
-            <a:off x="5082360" y="3499871"/>
+            <a:off x="5611350" y="3499871"/>
             <a:ext cx="488096" cy="538211"/>
           </a:xfrm>
           <a:prstGeom prst="bentArrow">
@@ -29869,7 +31211,7 @@
         </p:nvSpPr>
         <p:spPr>
           <a:xfrm rot="5400000">
-            <a:off x="6244410" y="4217132"/>
+            <a:off x="6773400" y="4217132"/>
             <a:ext cx="488096" cy="538211"/>
           </a:xfrm>
           <a:prstGeom prst="bentArrow">
@@ -29939,7 +31281,7 @@
         </p:nvSpPr>
         <p:spPr>
           <a:xfrm>
-            <a:off x="6022160" y="5378658"/>
+            <a:off x="6551150" y="5378658"/>
             <a:ext cx="305601" cy="334751"/>
           </a:xfrm>
           <a:prstGeom prst="downArrow">
@@ -29991,82 +31333,121 @@
           </a:p>
         </p:txBody>
       </p:sp>
-      <p:cxnSp>
-        <p:nvCxnSpPr>
-          <p:cNvPr id="38" name="Gerade Verbindung mit Pfeil 37">
+      <p:grpSp>
+        <p:nvGrpSpPr>
+          <p:cNvPr id="19" name="Gruppieren 18">
             <a:extLst>
               <a:ext uri="{FF2B5EF4-FFF2-40B4-BE49-F238E27FC236}">
-                <a16:creationId xmlns:a16="http://schemas.microsoft.com/office/drawing/2014/main" id="{7C4980D7-1FE7-45A3-93B8-2EB140FA67F1}"/>
+                <a16:creationId xmlns:a16="http://schemas.microsoft.com/office/drawing/2014/main" id="{BB1BE610-A74E-4BD7-9EEC-BE072835FB5C}"/>
               </a:ext>
             </a:extLst>
           </p:cNvPr>
-          <p:cNvCxnSpPr>
-            <a:cxnSpLocks/>
-            <a:stCxn id="39" idx="1"/>
-          </p:cNvCxnSpPr>
+          <p:cNvGrpSpPr/>
           <p:nvPr/>
-        </p:nvCxnSpPr>
-        <p:spPr>
-          <a:xfrm flipH="1">
-            <a:off x="3834962" y="2275546"/>
-            <a:ext cx="2922602" cy="339364"/>
+        </p:nvGrpSpPr>
+        <p:grpSpPr>
+          <a:xfrm>
+            <a:off x="4363952" y="1983158"/>
+            <a:ext cx="3996935" cy="2047155"/>
+            <a:chOff x="4363952" y="1983158"/>
+            <a:chExt cx="3996935" cy="2047155"/>
           </a:xfrm>
-          <a:prstGeom prst="straightConnector1">
-            <a:avLst/>
-          </a:prstGeom>
-          <a:ln w="28575">
-            <a:solidFill>
-              <a:srgbClr val="E37222"/>
-            </a:solidFill>
-            <a:tailEnd type="triangle"/>
-          </a:ln>
-        </p:spPr>
-        <p:style>
-          <a:lnRef idx="1">
-            <a:schemeClr val="accent1"/>
-          </a:lnRef>
-          <a:fillRef idx="0">
-            <a:schemeClr val="accent1"/>
-          </a:fillRef>
-          <a:effectRef idx="0">
-            <a:schemeClr val="accent1"/>
-          </a:effectRef>
-          <a:fontRef idx="minor">
-            <a:schemeClr val="tx1"/>
-          </a:fontRef>
-        </p:style>
-      </p:cxnSp>
-      <p:sp>
-        <p:nvSpPr>
-          <p:cNvPr id="39" name="Rechteck 38">
-            <a:extLst>
-              <a:ext uri="{FF2B5EF4-FFF2-40B4-BE49-F238E27FC236}">
-                <a16:creationId xmlns:a16="http://schemas.microsoft.com/office/drawing/2014/main" id="{841A6620-8421-49EF-AAB4-1A20743B3264}"/>
-              </a:ext>
-            </a:extLst>
-          </p:cNvPr>
-          <p:cNvSpPr/>
-          <p:nvPr/>
-        </p:nvSpPr>
-        <p:spPr>
-          <a:xfrm>
-            <a:off x="6757564" y="1983158"/>
-            <a:ext cx="1074333" cy="584775"/>
-          </a:xfrm>
-          <a:prstGeom prst="rect">
-            <a:avLst/>
-          </a:prstGeom>
-          <a:noFill/>
-        </p:spPr>
-        <p:txBody>
-          <a:bodyPr wrap="none" lIns="91440" tIns="45720" rIns="91440" bIns="45720">
-            <a:spAutoFit/>
-          </a:bodyPr>
-          <a:lstStyle/>
-          <a:p>
-            <a:pPr algn="ctr"/>
-            <a:r>
-              <a:rPr lang="de-DE" sz="3200" b="1" cap="none" spc="0" dirty="0">
+        </p:grpSpPr>
+        <p:cxnSp>
+          <p:nvCxnSpPr>
+            <p:cNvPr id="38" name="Gerade Verbindung mit Pfeil 37">
+              <a:extLst>
+                <a:ext uri="{FF2B5EF4-FFF2-40B4-BE49-F238E27FC236}">
+                  <a16:creationId xmlns:a16="http://schemas.microsoft.com/office/drawing/2014/main" id="{7C4980D7-1FE7-45A3-93B8-2EB140FA67F1}"/>
+                </a:ext>
+              </a:extLst>
+            </p:cNvPr>
+            <p:cNvCxnSpPr>
+              <a:cxnSpLocks/>
+              <a:stCxn id="39" idx="1"/>
+            </p:cNvCxnSpPr>
+            <p:nvPr/>
+          </p:nvCxnSpPr>
+          <p:spPr>
+            <a:xfrm flipH="1">
+              <a:off x="4363952" y="2275546"/>
+              <a:ext cx="2922602" cy="339364"/>
+            </a:xfrm>
+            <a:prstGeom prst="straightConnector1">
+              <a:avLst/>
+            </a:prstGeom>
+            <a:ln w="28575">
+              <a:solidFill>
+                <a:srgbClr val="E37222"/>
+              </a:solidFill>
+              <a:tailEnd type="triangle"/>
+            </a:ln>
+          </p:spPr>
+          <p:style>
+            <a:lnRef idx="1">
+              <a:schemeClr val="accent1"/>
+            </a:lnRef>
+            <a:fillRef idx="0">
+              <a:schemeClr val="accent1"/>
+            </a:fillRef>
+            <a:effectRef idx="0">
+              <a:schemeClr val="accent1"/>
+            </a:effectRef>
+            <a:fontRef idx="minor">
+              <a:schemeClr val="tx1"/>
+            </a:fontRef>
+          </p:style>
+        </p:cxnSp>
+        <p:sp>
+          <p:nvSpPr>
+            <p:cNvPr id="39" name="Rechteck 38">
+              <a:extLst>
+                <a:ext uri="{FF2B5EF4-FFF2-40B4-BE49-F238E27FC236}">
+                  <a16:creationId xmlns:a16="http://schemas.microsoft.com/office/drawing/2014/main" id="{841A6620-8421-49EF-AAB4-1A20743B3264}"/>
+                </a:ext>
+              </a:extLst>
+            </p:cNvPr>
+            <p:cNvSpPr/>
+            <p:nvPr/>
+          </p:nvSpPr>
+          <p:spPr>
+            <a:xfrm>
+              <a:off x="7286554" y="1983158"/>
+              <a:ext cx="1074333" cy="584775"/>
+            </a:xfrm>
+            <a:prstGeom prst="rect">
+              <a:avLst/>
+            </a:prstGeom>
+            <a:noFill/>
+          </p:spPr>
+          <p:txBody>
+            <a:bodyPr wrap="none" lIns="91440" tIns="45720" rIns="91440" bIns="45720">
+              <a:spAutoFit/>
+            </a:bodyPr>
+            <a:lstStyle/>
+            <a:p>
+              <a:pPr algn="ctr"/>
+              <a:r>
+                <a:rPr lang="de-DE" sz="3200" b="1" cap="none" spc="0" dirty="0">
+                  <a:ln w="0">
+                    <a:solidFill>
+                      <a:srgbClr val="DAD7CB"/>
+                    </a:solidFill>
+                  </a:ln>
+                  <a:solidFill>
+                    <a:srgbClr val="E37222"/>
+                  </a:solidFill>
+                  <a:effectLst>
+                    <a:outerShdw blurRad="38100" dist="25400" dir="5400000" algn="ctr" rotWithShape="0">
+                      <a:srgbClr val="6E747A">
+                        <a:alpha val="43000"/>
+                      </a:srgbClr>
+                    </a:outerShdw>
+                  </a:effectLst>
+                </a:rPr>
+                <a:t>DNN</a:t>
+              </a:r>
+              <a:endParaRPr lang="de-DE" sz="5400" b="1" cap="none" spc="0" dirty="0">
                 <a:ln w="0">
                   <a:solidFill>
                     <a:srgbClr val="DAD7CB"/>
@@ -30082,119 +31463,301 @@
                     </a:srgbClr>
                   </a:outerShdw>
                 </a:effectLst>
-              </a:rPr>
-              <a:t>DNN</a:t>
-            </a:r>
-            <a:endParaRPr lang="de-DE" sz="5400" b="1" cap="none" spc="0" dirty="0">
-              <a:ln w="0">
-                <a:solidFill>
-                  <a:srgbClr val="DAD7CB"/>
-                </a:solidFill>
-              </a:ln>
+              </a:endParaRPr>
+            </a:p>
+          </p:txBody>
+        </p:sp>
+        <p:cxnSp>
+          <p:nvCxnSpPr>
+            <p:cNvPr id="42" name="Gerade Verbindung mit Pfeil 41">
+              <a:extLst>
+                <a:ext uri="{FF2B5EF4-FFF2-40B4-BE49-F238E27FC236}">
+                  <a16:creationId xmlns:a16="http://schemas.microsoft.com/office/drawing/2014/main" id="{4A8E720A-E1EC-4DF5-A205-14DAF71CA99B}"/>
+                </a:ext>
+              </a:extLst>
+            </p:cNvPr>
+            <p:cNvCxnSpPr>
+              <a:cxnSpLocks/>
+              <a:stCxn id="39" idx="1"/>
+            </p:cNvCxnSpPr>
+            <p:nvPr/>
+          </p:nvCxnSpPr>
+          <p:spPr>
+            <a:xfrm flipH="1">
+              <a:off x="5556251" y="2275546"/>
+              <a:ext cx="1730303" cy="1039337"/>
+            </a:xfrm>
+            <a:prstGeom prst="straightConnector1">
+              <a:avLst/>
+            </a:prstGeom>
+            <a:ln w="28575">
               <a:solidFill>
                 <a:srgbClr val="E37222"/>
               </a:solidFill>
-              <a:effectLst>
-                <a:outerShdw blurRad="38100" dist="25400" dir="5400000" algn="ctr" rotWithShape="0">
-                  <a:srgbClr val="6E747A">
-                    <a:alpha val="43000"/>
-                  </a:srgbClr>
-                </a:outerShdw>
-              </a:effectLst>
-            </a:endParaRPr>
-          </a:p>
-        </p:txBody>
-      </p:sp>
-      <p:cxnSp>
-        <p:nvCxnSpPr>
-          <p:cNvPr id="42" name="Gerade Verbindung mit Pfeil 41">
+              <a:tailEnd type="triangle"/>
+            </a:ln>
+          </p:spPr>
+          <p:style>
+            <a:lnRef idx="1">
+              <a:schemeClr val="accent1"/>
+            </a:lnRef>
+            <a:fillRef idx="0">
+              <a:schemeClr val="accent1"/>
+            </a:fillRef>
+            <a:effectRef idx="0">
+              <a:schemeClr val="accent1"/>
+            </a:effectRef>
+            <a:fontRef idx="minor">
+              <a:schemeClr val="tx1"/>
+            </a:fontRef>
+          </p:style>
+        </p:cxnSp>
+        <p:cxnSp>
+          <p:nvCxnSpPr>
+            <p:cNvPr id="45" name="Gerade Verbindung mit Pfeil 44">
+              <a:extLst>
+                <a:ext uri="{FF2B5EF4-FFF2-40B4-BE49-F238E27FC236}">
+                  <a16:creationId xmlns:a16="http://schemas.microsoft.com/office/drawing/2014/main" id="{33E5F03F-2E0C-44F6-B9E8-6F4DD932B555}"/>
+                </a:ext>
+              </a:extLst>
+            </p:cNvPr>
+            <p:cNvCxnSpPr>
+              <a:cxnSpLocks/>
+              <a:stCxn id="39" idx="1"/>
+            </p:cNvCxnSpPr>
+            <p:nvPr/>
+          </p:nvCxnSpPr>
+          <p:spPr>
+            <a:xfrm flipH="1">
+              <a:off x="6703950" y="2275546"/>
+              <a:ext cx="582604" cy="1754767"/>
+            </a:xfrm>
+            <a:prstGeom prst="straightConnector1">
+              <a:avLst/>
+            </a:prstGeom>
+            <a:ln w="28575">
+              <a:solidFill>
+                <a:srgbClr val="E37222"/>
+              </a:solidFill>
+              <a:tailEnd type="triangle"/>
+            </a:ln>
+          </p:spPr>
+          <p:style>
+            <a:lnRef idx="1">
+              <a:schemeClr val="accent1"/>
+            </a:lnRef>
+            <a:fillRef idx="0">
+              <a:schemeClr val="accent1"/>
+            </a:fillRef>
+            <a:effectRef idx="0">
+              <a:schemeClr val="accent1"/>
+            </a:effectRef>
+            <a:fontRef idx="minor">
+              <a:schemeClr val="tx1"/>
+            </a:fontRef>
+          </p:style>
+        </p:cxnSp>
+      </p:grpSp>
+      <p:grpSp>
+        <p:nvGrpSpPr>
+          <p:cNvPr id="17" name="Gruppieren 16">
             <a:extLst>
               <a:ext uri="{FF2B5EF4-FFF2-40B4-BE49-F238E27FC236}">
-                <a16:creationId xmlns:a16="http://schemas.microsoft.com/office/drawing/2014/main" id="{4A8E720A-E1EC-4DF5-A205-14DAF71CA99B}"/>
+                <a16:creationId xmlns:a16="http://schemas.microsoft.com/office/drawing/2014/main" id="{159FCA97-8E34-4F87-849D-A822DB046B90}"/>
               </a:ext>
             </a:extLst>
           </p:cNvPr>
-          <p:cNvCxnSpPr>
-            <a:cxnSpLocks/>
-            <a:stCxn id="39" idx="1"/>
-          </p:cNvCxnSpPr>
+          <p:cNvGrpSpPr/>
           <p:nvPr/>
-        </p:nvCxnSpPr>
-        <p:spPr>
-          <a:xfrm flipH="1">
-            <a:off x="5027261" y="2275546"/>
-            <a:ext cx="1730303" cy="1039337"/>
+        </p:nvGrpSpPr>
+        <p:grpSpPr>
+          <a:xfrm>
+            <a:off x="241825" y="2764551"/>
+            <a:ext cx="8289597" cy="965013"/>
+            <a:chOff x="241825" y="2764551"/>
+            <a:chExt cx="8289597" cy="965013"/>
           </a:xfrm>
-          <a:prstGeom prst="straightConnector1">
-            <a:avLst/>
-          </a:prstGeom>
-          <a:ln w="28575">
-            <a:solidFill>
-              <a:srgbClr val="E37222"/>
-            </a:solidFill>
-            <a:tailEnd type="triangle"/>
-          </a:ln>
-        </p:spPr>
-        <p:style>
-          <a:lnRef idx="1">
-            <a:schemeClr val="accent1"/>
-          </a:lnRef>
-          <a:fillRef idx="0">
-            <a:schemeClr val="accent1"/>
-          </a:fillRef>
-          <a:effectRef idx="0">
-            <a:schemeClr val="accent1"/>
-          </a:effectRef>
-          <a:fontRef idx="minor">
-            <a:schemeClr val="tx1"/>
-          </a:fontRef>
-        </p:style>
-      </p:cxnSp>
-      <p:cxnSp>
-        <p:nvCxnSpPr>
-          <p:cNvPr id="45" name="Gerade Verbindung mit Pfeil 44">
-            <a:extLst>
-              <a:ext uri="{FF2B5EF4-FFF2-40B4-BE49-F238E27FC236}">
-                <a16:creationId xmlns:a16="http://schemas.microsoft.com/office/drawing/2014/main" id="{33E5F03F-2E0C-44F6-B9E8-6F4DD932B555}"/>
-              </a:ext>
-            </a:extLst>
-          </p:cNvPr>
-          <p:cNvCxnSpPr>
-            <a:cxnSpLocks/>
-            <a:stCxn id="39" idx="1"/>
-          </p:cNvCxnSpPr>
-          <p:nvPr/>
-        </p:nvCxnSpPr>
-        <p:spPr>
-          <a:xfrm flipH="1">
-            <a:off x="6174960" y="2275546"/>
-            <a:ext cx="582604" cy="1754767"/>
-          </a:xfrm>
-          <a:prstGeom prst="straightConnector1">
-            <a:avLst/>
-          </a:prstGeom>
-          <a:ln w="28575">
-            <a:solidFill>
-              <a:srgbClr val="E37222"/>
-            </a:solidFill>
-            <a:tailEnd type="triangle"/>
-          </a:ln>
-        </p:spPr>
-        <p:style>
-          <a:lnRef idx="1">
-            <a:schemeClr val="accent1"/>
-          </a:lnRef>
-          <a:fillRef idx="0">
-            <a:schemeClr val="accent1"/>
-          </a:fillRef>
-          <a:effectRef idx="0">
-            <a:schemeClr val="accent1"/>
-          </a:effectRef>
-          <a:fontRef idx="minor">
-            <a:schemeClr val="tx1"/>
-          </a:fontRef>
-        </p:style>
-      </p:cxnSp>
+        </p:grpSpPr>
+        <p:sp>
+          <p:nvSpPr>
+            <p:cNvPr id="22" name="Rechteck 21">
+              <a:extLst>
+                <a:ext uri="{FF2B5EF4-FFF2-40B4-BE49-F238E27FC236}">
+                  <a16:creationId xmlns:a16="http://schemas.microsoft.com/office/drawing/2014/main" id="{8CB83EF0-5086-40C2-AA1E-8048EDE1A8EF}"/>
+                </a:ext>
+              </a:extLst>
+            </p:cNvPr>
+            <p:cNvSpPr/>
+            <p:nvPr/>
+          </p:nvSpPr>
+          <p:spPr>
+            <a:xfrm>
+              <a:off x="241825" y="2764551"/>
+              <a:ext cx="1619353" cy="461665"/>
+            </a:xfrm>
+            <a:prstGeom prst="rect">
+              <a:avLst/>
+            </a:prstGeom>
+            <a:noFill/>
+          </p:spPr>
+          <p:txBody>
+            <a:bodyPr wrap="none" lIns="91440" tIns="45720" rIns="91440" bIns="45720">
+              <a:spAutoFit/>
+            </a:bodyPr>
+            <a:lstStyle/>
+            <a:p>
+              <a:pPr algn="ctr"/>
+              <a:r>
+                <a:rPr lang="de-DE" sz="2400" b="1" cap="none" spc="0" dirty="0">
+                  <a:ln w="0">
+                    <a:solidFill>
+                      <a:srgbClr val="DAD7CB"/>
+                    </a:solidFill>
+                  </a:ln>
+                  <a:solidFill>
+                    <a:srgbClr val="E37222"/>
+                  </a:solidFill>
+                  <a:effectLst>
+                    <a:outerShdw blurRad="38100" dist="25400" dir="5400000" algn="ctr" rotWithShape="0">
+                      <a:srgbClr val="6E747A">
+                        <a:alpha val="43000"/>
+                      </a:srgbClr>
+                    </a:outerShdw>
+                  </a:effectLst>
+                </a:rPr>
+                <a:t>Front-end</a:t>
+              </a:r>
+              <a:endParaRPr lang="de-DE" sz="4400" b="1" cap="none" spc="0" dirty="0">
+                <a:ln w="0">
+                  <a:solidFill>
+                    <a:srgbClr val="DAD7CB"/>
+                  </a:solidFill>
+                </a:ln>
+                <a:solidFill>
+                  <a:srgbClr val="E37222"/>
+                </a:solidFill>
+                <a:effectLst>
+                  <a:outerShdw blurRad="38100" dist="25400" dir="5400000" algn="ctr" rotWithShape="0">
+                    <a:srgbClr val="6E747A">
+                      <a:alpha val="43000"/>
+                    </a:srgbClr>
+                  </a:outerShdw>
+                </a:effectLst>
+              </a:endParaRPr>
+            </a:p>
+          </p:txBody>
+        </p:sp>
+        <p:sp>
+          <p:nvSpPr>
+            <p:cNvPr id="25" name="Rechteck 24">
+              <a:extLst>
+                <a:ext uri="{FF2B5EF4-FFF2-40B4-BE49-F238E27FC236}">
+                  <a16:creationId xmlns:a16="http://schemas.microsoft.com/office/drawing/2014/main" id="{7E180CDF-9237-4732-A4E8-29406C4E43E0}"/>
+                </a:ext>
+              </a:extLst>
+            </p:cNvPr>
+            <p:cNvSpPr/>
+            <p:nvPr/>
+          </p:nvSpPr>
+          <p:spPr>
+            <a:xfrm>
+              <a:off x="241825" y="3267899"/>
+              <a:ext cx="1571264" cy="461665"/>
+            </a:xfrm>
+            <a:prstGeom prst="rect">
+              <a:avLst/>
+            </a:prstGeom>
+            <a:noFill/>
+          </p:spPr>
+          <p:txBody>
+            <a:bodyPr wrap="none" lIns="91440" tIns="45720" rIns="91440" bIns="45720">
+              <a:spAutoFit/>
+            </a:bodyPr>
+            <a:lstStyle/>
+            <a:p>
+              <a:pPr algn="ctr"/>
+              <a:r>
+                <a:rPr lang="de-DE" sz="2400" b="1" cap="none" spc="0" dirty="0">
+                  <a:ln w="0">
+                    <a:solidFill>
+                      <a:srgbClr val="DAD7CB"/>
+                    </a:solidFill>
+                  </a:ln>
+                  <a:solidFill>
+                    <a:srgbClr val="E37222"/>
+                  </a:solidFill>
+                  <a:effectLst>
+                    <a:outerShdw blurRad="38100" dist="25400" dir="5400000" algn="ctr" rotWithShape="0">
+                      <a:srgbClr val="6E747A">
+                        <a:alpha val="43000"/>
+                      </a:srgbClr>
+                    </a:outerShdw>
+                  </a:effectLst>
+                </a:rPr>
+                <a:t>Back-end</a:t>
+              </a:r>
+              <a:endParaRPr lang="de-DE" sz="4400" b="1" cap="none" spc="0" dirty="0">
+                <a:ln w="0">
+                  <a:solidFill>
+                    <a:srgbClr val="DAD7CB"/>
+                  </a:solidFill>
+                </a:ln>
+                <a:solidFill>
+                  <a:srgbClr val="E37222"/>
+                </a:solidFill>
+                <a:effectLst>
+                  <a:outerShdw blurRad="38100" dist="25400" dir="5400000" algn="ctr" rotWithShape="0">
+                    <a:srgbClr val="6E747A">
+                      <a:alpha val="43000"/>
+                    </a:srgbClr>
+                  </a:outerShdw>
+                </a:effectLst>
+              </a:endParaRPr>
+            </a:p>
+          </p:txBody>
+        </p:sp>
+        <p:cxnSp>
+          <p:nvCxnSpPr>
+            <p:cNvPr id="15" name="Gerader Verbinder 14">
+              <a:extLst>
+                <a:ext uri="{FF2B5EF4-FFF2-40B4-BE49-F238E27FC236}">
+                  <a16:creationId xmlns:a16="http://schemas.microsoft.com/office/drawing/2014/main" id="{C115CB39-4052-40BF-8BCF-4A0226F6A327}"/>
+                </a:ext>
+              </a:extLst>
+            </p:cNvPr>
+            <p:cNvCxnSpPr/>
+            <p:nvPr/>
+          </p:nvCxnSpPr>
+          <p:spPr>
+            <a:xfrm>
+              <a:off x="339607" y="3254170"/>
+              <a:ext cx="8191815" cy="0"/>
+            </a:xfrm>
+            <a:prstGeom prst="line">
+              <a:avLst/>
+            </a:prstGeom>
+            <a:ln w="28575">
+              <a:solidFill>
+                <a:srgbClr val="E37222"/>
+              </a:solidFill>
+            </a:ln>
+          </p:spPr>
+          <p:style>
+            <a:lnRef idx="1">
+              <a:schemeClr val="accent1"/>
+            </a:lnRef>
+            <a:fillRef idx="0">
+              <a:schemeClr val="accent1"/>
+            </a:fillRef>
+            <a:effectRef idx="0">
+              <a:schemeClr val="accent1"/>
+            </a:effectRef>
+            <a:fontRef idx="minor">
+              <a:schemeClr val="tx1"/>
+            </a:fontRef>
+          </p:style>
+        </p:cxnSp>
+      </p:grpSp>
     </p:spTree>
     <p:extLst>
       <p:ext uri="{BB962C8B-B14F-4D97-AF65-F5344CB8AC3E}">
@@ -30205,6 +31768,171 @@
   <p:clrMapOvr>
     <a:masterClrMapping/>
   </p:clrMapOvr>
+  <p:timing>
+    <p:tnLst>
+      <p:par>
+        <p:cTn id="1" dur="indefinite" restart="never" nodeType="tmRoot">
+          <p:childTnLst>
+            <p:seq concurrent="1" nextAc="seek">
+              <p:cTn id="2" dur="indefinite" nodeType="mainSeq">
+                <p:childTnLst>
+                  <p:par>
+                    <p:cTn id="3" fill="hold">
+                      <p:stCondLst>
+                        <p:cond delay="indefinite"/>
+                      </p:stCondLst>
+                      <p:childTnLst>
+                        <p:par>
+                          <p:cTn id="4" fill="hold">
+                            <p:stCondLst>
+                              <p:cond delay="0"/>
+                            </p:stCondLst>
+                            <p:childTnLst>
+                              <p:par>
+                                <p:cTn id="5" presetID="1" presetClass="entr" presetSubtype="0" fill="hold" nodeType="clickEffect">
+                                  <p:stCondLst>
+                                    <p:cond delay="0"/>
+                                  </p:stCondLst>
+                                  <p:childTnLst>
+                                    <p:set>
+                                      <p:cBhvr>
+                                        <p:cTn id="6" dur="1" fill="hold">
+                                          <p:stCondLst>
+                                            <p:cond delay="0"/>
+                                          </p:stCondLst>
+                                        </p:cTn>
+                                        <p:tgtEl>
+                                          <p:spTgt spid="17"/>
+                                        </p:tgtEl>
+                                        <p:attrNameLst>
+                                          <p:attrName>style.visibility</p:attrName>
+                                        </p:attrNameLst>
+                                      </p:cBhvr>
+                                      <p:to>
+                                        <p:strVal val="visible"/>
+                                      </p:to>
+                                    </p:set>
+                                  </p:childTnLst>
+                                </p:cTn>
+                              </p:par>
+                            </p:childTnLst>
+                          </p:cTn>
+                        </p:par>
+                      </p:childTnLst>
+                    </p:cTn>
+                  </p:par>
+                  <p:par>
+                    <p:cTn id="7" fill="hold">
+                      <p:stCondLst>
+                        <p:cond delay="indefinite"/>
+                      </p:stCondLst>
+                      <p:childTnLst>
+                        <p:par>
+                          <p:cTn id="8" fill="hold">
+                            <p:stCondLst>
+                              <p:cond delay="0"/>
+                            </p:stCondLst>
+                            <p:childTnLst>
+                              <p:par>
+                                <p:cTn id="9" presetID="1" presetClass="exit" presetSubtype="0" fill="hold" nodeType="clickEffect">
+                                  <p:stCondLst>
+                                    <p:cond delay="0"/>
+                                  </p:stCondLst>
+                                  <p:childTnLst>
+                                    <p:set>
+                                      <p:cBhvr>
+                                        <p:cTn id="10" dur="1" fill="hold">
+                                          <p:stCondLst>
+                                            <p:cond delay="0"/>
+                                          </p:stCondLst>
+                                        </p:cTn>
+                                        <p:tgtEl>
+                                          <p:spTgt spid="17"/>
+                                        </p:tgtEl>
+                                        <p:attrNameLst>
+                                          <p:attrName>style.visibility</p:attrName>
+                                        </p:attrNameLst>
+                                      </p:cBhvr>
+                                      <p:to>
+                                        <p:strVal val="hidden"/>
+                                      </p:to>
+                                    </p:set>
+                                  </p:childTnLst>
+                                </p:cTn>
+                              </p:par>
+                            </p:childTnLst>
+                          </p:cTn>
+                        </p:par>
+                      </p:childTnLst>
+                    </p:cTn>
+                  </p:par>
+                  <p:par>
+                    <p:cTn id="11" fill="hold">
+                      <p:stCondLst>
+                        <p:cond delay="indefinite"/>
+                      </p:stCondLst>
+                      <p:childTnLst>
+                        <p:par>
+                          <p:cTn id="12" fill="hold">
+                            <p:stCondLst>
+                              <p:cond delay="0"/>
+                            </p:stCondLst>
+                            <p:childTnLst>
+                              <p:par>
+                                <p:cTn id="13" presetID="1" presetClass="entr" presetSubtype="0" fill="hold" nodeType="clickEffect">
+                                  <p:stCondLst>
+                                    <p:cond delay="0"/>
+                                  </p:stCondLst>
+                                  <p:childTnLst>
+                                    <p:set>
+                                      <p:cBhvr>
+                                        <p:cTn id="14" dur="1" fill="hold">
+                                          <p:stCondLst>
+                                            <p:cond delay="0"/>
+                                          </p:stCondLst>
+                                        </p:cTn>
+                                        <p:tgtEl>
+                                          <p:spTgt spid="19"/>
+                                        </p:tgtEl>
+                                        <p:attrNameLst>
+                                          <p:attrName>style.visibility</p:attrName>
+                                        </p:attrNameLst>
+                                      </p:cBhvr>
+                                      <p:to>
+                                        <p:strVal val="visible"/>
+                                      </p:to>
+                                    </p:set>
+                                  </p:childTnLst>
+                                </p:cTn>
+                              </p:par>
+                            </p:childTnLst>
+                          </p:cTn>
+                        </p:par>
+                      </p:childTnLst>
+                    </p:cTn>
+                  </p:par>
+                </p:childTnLst>
+              </p:cTn>
+              <p:prevCondLst>
+                <p:cond evt="onPrev" delay="0">
+                  <p:tgtEl>
+                    <p:sldTgt/>
+                  </p:tgtEl>
+                </p:cond>
+              </p:prevCondLst>
+              <p:nextCondLst>
+                <p:cond evt="onNext" delay="0">
+                  <p:tgtEl>
+                    <p:sldTgt/>
+                  </p:tgtEl>
+                </p:cond>
+              </p:nextCondLst>
+            </p:seq>
+          </p:childTnLst>
+        </p:cTn>
+      </p:par>
+    </p:tnLst>
+  </p:timing>
 </p:sld>
 </file>
 

--- a/pres/Final_Presentation_V02.pptx
+++ b/pres/Final_Presentation_V02.pptx
@@ -10,10 +10,10 @@
     <p:sldMasterId id="2147483697" r:id="rId6"/>
   </p:sldMasterIdLst>
   <p:notesMasterIdLst>
-    <p:notesMasterId r:id="rId32"/>
+    <p:notesMasterId r:id="rId33"/>
   </p:notesMasterIdLst>
   <p:handoutMasterIdLst>
-    <p:handoutMasterId r:id="rId33"/>
+    <p:handoutMasterId r:id="rId34"/>
   </p:handoutMasterIdLst>
   <p:sldIdLst>
     <p:sldId id="403" r:id="rId7"/>
@@ -25,22 +25,23 @@
     <p:sldId id="410" r:id="rId13"/>
     <p:sldId id="412" r:id="rId14"/>
     <p:sldId id="428" r:id="rId15"/>
-    <p:sldId id="406" r:id="rId16"/>
-    <p:sldId id="400" r:id="rId17"/>
-    <p:sldId id="425" r:id="rId18"/>
-    <p:sldId id="405" r:id="rId19"/>
-    <p:sldId id="423" r:id="rId20"/>
-    <p:sldId id="414" r:id="rId21"/>
-    <p:sldId id="430" r:id="rId22"/>
-    <p:sldId id="408" r:id="rId23"/>
-    <p:sldId id="407" r:id="rId24"/>
-    <p:sldId id="409" r:id="rId25"/>
-    <p:sldId id="422" r:id="rId26"/>
-    <p:sldId id="411" r:id="rId27"/>
-    <p:sldId id="426" r:id="rId28"/>
-    <p:sldId id="417" r:id="rId29"/>
-    <p:sldId id="419" r:id="rId30"/>
-    <p:sldId id="415" r:id="rId31"/>
+    <p:sldId id="431" r:id="rId16"/>
+    <p:sldId id="406" r:id="rId17"/>
+    <p:sldId id="400" r:id="rId18"/>
+    <p:sldId id="425" r:id="rId19"/>
+    <p:sldId id="405" r:id="rId20"/>
+    <p:sldId id="423" r:id="rId21"/>
+    <p:sldId id="414" r:id="rId22"/>
+    <p:sldId id="430" r:id="rId23"/>
+    <p:sldId id="408" r:id="rId24"/>
+    <p:sldId id="407" r:id="rId25"/>
+    <p:sldId id="409" r:id="rId26"/>
+    <p:sldId id="422" r:id="rId27"/>
+    <p:sldId id="411" r:id="rId28"/>
+    <p:sldId id="426" r:id="rId29"/>
+    <p:sldId id="417" r:id="rId30"/>
+    <p:sldId id="419" r:id="rId31"/>
+    <p:sldId id="415" r:id="rId32"/>
   </p:sldIdLst>
   <p:sldSz cx="9144000" cy="6858000" type="screen4x3"/>
   <p:notesSz cx="9925050" cy="6665913"/>
@@ -11814,7 +11815,7 @@
               <a:pPr>
                 <a:defRPr/>
               </a:pPr>
-              <a:t>18/07/2017</a:t>
+              <a:t>19/07/2017</a:t>
             </a:fld>
             <a:endParaRPr lang="en-GB" dirty="0"/>
           </a:p>
@@ -12033,7 +12034,7 @@
               <a:pPr>
                 <a:defRPr/>
               </a:pPr>
-              <a:t>18/07/2017</a:t>
+              <a:t>19/07/2017</a:t>
             </a:fld>
             <a:endParaRPr lang="en-GB"/>
           </a:p>
@@ -12503,72 +12504,412 @@
         </p:nvSpPr>
         <p:spPr/>
         <p:txBody>
-          <a:bodyPr/>
+          <a:bodyPr>
+            <a:normAutofit lnSpcReduction="10000"/>
+          </a:bodyPr>
           <a:lstStyle/>
           <a:p>
-            <a:pPr marL="285750" indent="-285750">
-              <a:buFont typeface="Arial" panose="020B0604020202020204" pitchFamily="34" charset="0"/>
-              <a:buChar char="•"/>
+            <a:pPr marL="0" marR="0" lvl="0" indent="0" algn="l" defTabSz="914400" rtl="0" eaLnBrk="1" fontAlgn="base" latinLnBrk="0" hangingPunct="1">
+              <a:lnSpc>
+                <a:spcPct val="100000"/>
+              </a:lnSpc>
+              <a:spcBef>
+                <a:spcPct val="30000"/>
+              </a:spcBef>
+              <a:spcAft>
+                <a:spcPct val="0"/>
+              </a:spcAft>
+              <a:buClrTx/>
+              <a:buSzTx/>
+              <a:buFontTx/>
+              <a:buNone/>
+              <a:tabLst/>
+              <a:defRPr/>
             </a:pPr>
             <a:r>
-              <a:rPr lang="de-DE" dirty="0" err="1"/>
-              <a:t>Tremendous</a:t>
-            </a:r>
-            <a:r>
-              <a:rPr lang="de-DE" dirty="0"/>
-              <a:t> </a:t>
-            </a:r>
-            <a:r>
-              <a:rPr lang="de-DE" dirty="0" err="1"/>
-              <a:t>reduction</a:t>
-            </a:r>
-            <a:r>
-              <a:rPr lang="de-DE" dirty="0"/>
-              <a:t> </a:t>
-            </a:r>
-            <a:r>
-              <a:rPr lang="de-DE" dirty="0" err="1"/>
-              <a:t>of</a:t>
-            </a:r>
-            <a:r>
-              <a:rPr lang="de-DE" dirty="0"/>
-              <a:t> </a:t>
-            </a:r>
-            <a:r>
-              <a:rPr lang="de-DE" dirty="0" err="1"/>
-              <a:t>footprint</a:t>
-            </a:r>
-            <a:r>
-              <a:rPr lang="de-DE" dirty="0"/>
-              <a:t> </a:t>
-            </a:r>
-            <a:r>
-              <a:rPr lang="de-DE" dirty="0" err="1"/>
-              <a:t>size</a:t>
-            </a:r>
+              <a:rPr lang="en-US" sz="1200" b="1" i="0" u="none" strike="noStrike" kern="1200" baseline="0" dirty="0">
+                <a:solidFill>
+                  <a:schemeClr val="tx1"/>
+                </a:solidFill>
+                <a:latin typeface="Arial" pitchFamily="34" charset="0"/>
+                <a:ea typeface="+mn-ea"/>
+                <a:cs typeface="Arial" pitchFamily="34" charset="0"/>
+              </a:rPr>
+              <a:t>Syllabification</a:t>
+            </a:r>
+            <a:r>
+              <a:rPr lang="en-US" sz="1200" b="0" i="0" u="none" strike="noStrike" kern="1200" baseline="0" dirty="0">
+                <a:solidFill>
+                  <a:schemeClr val="tx1"/>
+                </a:solidFill>
+                <a:latin typeface="Arial" pitchFamily="34" charset="0"/>
+                <a:ea typeface="+mn-ea"/>
+                <a:cs typeface="Arial" pitchFamily="34" charset="0"/>
+              </a:rPr>
+              <a:t>: the decomposition of words into their phonological units.</a:t>
+            </a:r>
+          </a:p>
+          <a:p>
             <a:endParaRPr lang="de-DE" dirty="0"/>
           </a:p>
           <a:p>
-            <a:pPr marL="285750" indent="-285750">
-              <a:buFont typeface="Arial" panose="020B0604020202020204" pitchFamily="34" charset="0"/>
-              <a:buChar char="•"/>
+            <a:r>
+              <a:rPr lang="en-US" sz="1200" b="1" i="0" u="none" strike="noStrike" kern="1200" baseline="0" dirty="0">
+                <a:solidFill>
+                  <a:schemeClr val="tx1"/>
+                </a:solidFill>
+                <a:latin typeface="Arial" pitchFamily="34" charset="0"/>
+                <a:ea typeface="+mn-ea"/>
+                <a:cs typeface="Arial" pitchFamily="34" charset="0"/>
+              </a:rPr>
+              <a:t>Phonetic transcription</a:t>
+            </a:r>
+            <a:r>
+              <a:rPr lang="en-US" sz="1200" b="0" i="0" u="none" strike="noStrike" kern="1200" baseline="0" dirty="0">
+                <a:solidFill>
+                  <a:schemeClr val="tx1"/>
+                </a:solidFill>
+                <a:latin typeface="Arial" pitchFamily="34" charset="0"/>
+                <a:ea typeface="+mn-ea"/>
+                <a:cs typeface="Arial" pitchFamily="34" charset="0"/>
+              </a:rPr>
+              <a:t>: the process of “translation” from letters to phonemes (also known as letter-to-sound or grapheme-to-phoneme translation)</a:t>
+            </a:r>
+            <a:endParaRPr lang="de-DE" sz="1200" b="0" i="0" u="none" strike="noStrike" kern="1200" baseline="0" dirty="0">
+              <a:solidFill>
+                <a:schemeClr val="tx1"/>
+              </a:solidFill>
+              <a:latin typeface="Arial" pitchFamily="34" charset="0"/>
+              <a:ea typeface="+mn-ea"/>
+              <a:cs typeface="Arial" pitchFamily="34" charset="0"/>
+            </a:endParaRPr>
+          </a:p>
+          <a:p>
+            <a:endParaRPr lang="en-US" sz="1200" b="0" i="0" u="none" strike="noStrike" kern="1200" baseline="0" dirty="0">
+              <a:solidFill>
+                <a:schemeClr val="tx1"/>
+              </a:solidFill>
+              <a:latin typeface="Arial" pitchFamily="34" charset="0"/>
+              <a:ea typeface="+mn-ea"/>
+              <a:cs typeface="Arial" pitchFamily="34" charset="0"/>
+            </a:endParaRPr>
+          </a:p>
+          <a:p>
+            <a:r>
+              <a:rPr lang="en-US" sz="1200" b="1" i="0" u="none" strike="noStrike" kern="1200" baseline="0" dirty="0">
+                <a:solidFill>
+                  <a:schemeClr val="tx1"/>
+                </a:solidFill>
+                <a:latin typeface="Arial" pitchFamily="34" charset="0"/>
+                <a:ea typeface="+mn-ea"/>
+                <a:cs typeface="Arial" pitchFamily="34" charset="0"/>
+              </a:rPr>
+              <a:t>Part-of-speech (POS) tagging </a:t>
+            </a:r>
+            <a:r>
+              <a:rPr lang="en-US" sz="1200" b="0" i="0" u="none" strike="noStrike" kern="1200" baseline="0" dirty="0">
+                <a:solidFill>
+                  <a:schemeClr val="tx1"/>
+                </a:solidFill>
+                <a:latin typeface="Arial" pitchFamily="34" charset="0"/>
+                <a:ea typeface="+mn-ea"/>
+                <a:cs typeface="Arial" pitchFamily="34" charset="0"/>
+              </a:rPr>
+              <a:t>is the process of assigning each word in a sentence its uniquely interpretable tag - its part of speech. </a:t>
+            </a:r>
+          </a:p>
+          <a:p>
+            <a:pPr marL="171450" indent="-171450">
+              <a:buFont typeface="Wingdings" panose="05000000000000000000" pitchFamily="2" charset="2"/>
+              <a:buChar char="à"/>
             </a:pPr>
             <a:r>
-              <a:rPr lang="de-DE" dirty="0" err="1"/>
-              <a:t>Accuracy</a:t>
-            </a:r>
-            <a:r>
-              <a:rPr lang="de-DE" dirty="0"/>
-              <a:t> not </a:t>
-            </a:r>
-            <a:r>
-              <a:rPr lang="de-DE" dirty="0" err="1"/>
-              <a:t>significantly</a:t>
-            </a:r>
-            <a:r>
-              <a:rPr lang="de-DE" dirty="0"/>
-              <a:t> </a:t>
-            </a:r>
+              <a:rPr lang="en-US" sz="1200" b="0" i="0" u="none" strike="noStrike" kern="1200" baseline="0" dirty="0">
+                <a:solidFill>
+                  <a:schemeClr val="tx1"/>
+                </a:solidFill>
+                <a:latin typeface="Arial" pitchFamily="34" charset="0"/>
+                <a:ea typeface="+mn-ea"/>
+                <a:cs typeface="Arial" pitchFamily="34" charset="0"/>
+              </a:rPr>
+              <a:t>choose the correct pronunciation for a homophone word</a:t>
+            </a:r>
+          </a:p>
+          <a:p>
+            <a:pPr marL="0" indent="0">
+              <a:buFont typeface="Wingdings" panose="05000000000000000000" pitchFamily="2" charset="2"/>
+              <a:buNone/>
+            </a:pPr>
+            <a:r>
+              <a:rPr lang="de-DE" sz="1200" b="0" i="0" u="none" strike="noStrike" kern="1200" baseline="0" dirty="0">
+                <a:solidFill>
+                  <a:schemeClr val="tx1"/>
+                </a:solidFill>
+                <a:latin typeface="Arial" pitchFamily="34" charset="0"/>
+                <a:ea typeface="+mn-ea"/>
+                <a:cs typeface="Arial" pitchFamily="34" charset="0"/>
+              </a:rPr>
+              <a:t>N: </a:t>
+            </a:r>
+            <a:r>
+              <a:rPr lang="de-DE" sz="1200" b="0" i="0" u="none" strike="noStrike" kern="1200" baseline="0" dirty="0" err="1">
+                <a:solidFill>
+                  <a:schemeClr val="tx1"/>
+                </a:solidFill>
+                <a:latin typeface="Arial" pitchFamily="34" charset="0"/>
+                <a:ea typeface="+mn-ea"/>
+                <a:cs typeface="Arial" pitchFamily="34" charset="0"/>
+              </a:rPr>
+              <a:t>Nouns</a:t>
+            </a:r>
+            <a:r>
+              <a:rPr lang="de-DE" sz="1200" b="0" i="0" u="none" strike="noStrike" kern="1200" baseline="0" dirty="0">
+                <a:solidFill>
+                  <a:schemeClr val="tx1"/>
+                </a:solidFill>
+                <a:latin typeface="Arial" pitchFamily="34" charset="0"/>
+                <a:ea typeface="+mn-ea"/>
+                <a:cs typeface="Arial" pitchFamily="34" charset="0"/>
+              </a:rPr>
+              <a:t>    V: Verbs     A: </a:t>
+            </a:r>
+            <a:r>
+              <a:rPr lang="de-DE" sz="1200" b="0" i="0" u="none" strike="noStrike" kern="1200" baseline="0" dirty="0" err="1">
+                <a:solidFill>
+                  <a:schemeClr val="tx1"/>
+                </a:solidFill>
+                <a:latin typeface="Arial" pitchFamily="34" charset="0"/>
+                <a:ea typeface="+mn-ea"/>
+                <a:cs typeface="Arial" pitchFamily="34" charset="0"/>
+              </a:rPr>
+              <a:t>Adjectives</a:t>
+            </a:r>
+            <a:r>
+              <a:rPr lang="de-DE" sz="1200" b="0" i="0" u="none" strike="noStrike" kern="1200" baseline="0" dirty="0">
+                <a:solidFill>
+                  <a:schemeClr val="tx1"/>
+                </a:solidFill>
+                <a:latin typeface="Arial" pitchFamily="34" charset="0"/>
+                <a:ea typeface="+mn-ea"/>
+                <a:cs typeface="Arial" pitchFamily="34" charset="0"/>
+              </a:rPr>
+              <a:t>      R: Adverbs</a:t>
+            </a:r>
+          </a:p>
+          <a:p>
+            <a:pPr marL="0" indent="0">
+              <a:buFont typeface="Wingdings" panose="05000000000000000000" pitchFamily="2" charset="2"/>
+              <a:buNone/>
+            </a:pPr>
+            <a:r>
+              <a:rPr lang="de-DE" sz="1200" b="0" i="0" u="none" strike="noStrike" kern="1200" baseline="0" dirty="0">
+                <a:solidFill>
+                  <a:schemeClr val="tx1"/>
+                </a:solidFill>
+                <a:latin typeface="Arial" pitchFamily="34" charset="0"/>
+                <a:ea typeface="+mn-ea"/>
+                <a:cs typeface="Arial" pitchFamily="34" charset="0"/>
+              </a:rPr>
+              <a:t>feminine/</a:t>
+            </a:r>
+            <a:r>
+              <a:rPr lang="de-DE" sz="1200" b="0" i="0" u="none" strike="noStrike" kern="1200" baseline="0" dirty="0" err="1">
+                <a:solidFill>
+                  <a:schemeClr val="tx1"/>
+                </a:solidFill>
+                <a:latin typeface="Arial" pitchFamily="34" charset="0"/>
+                <a:ea typeface="+mn-ea"/>
+                <a:cs typeface="Arial" pitchFamily="34" charset="0"/>
+              </a:rPr>
+              <a:t>maskular</a:t>
+            </a:r>
+            <a:r>
+              <a:rPr lang="de-DE" sz="1200" b="0" i="0" u="none" strike="noStrike" kern="1200" baseline="0" dirty="0">
+                <a:solidFill>
+                  <a:schemeClr val="tx1"/>
+                </a:solidFill>
+                <a:latin typeface="Arial" pitchFamily="34" charset="0"/>
+                <a:ea typeface="+mn-ea"/>
+                <a:cs typeface="Arial" pitchFamily="34" charset="0"/>
+              </a:rPr>
+              <a:t>, </a:t>
+            </a:r>
+            <a:r>
+              <a:rPr lang="de-DE" sz="1200" b="0" i="0" u="none" strike="noStrike" kern="1200" baseline="0" dirty="0" err="1">
+                <a:solidFill>
+                  <a:schemeClr val="tx1"/>
+                </a:solidFill>
+                <a:latin typeface="Arial" pitchFamily="34" charset="0"/>
+                <a:ea typeface="+mn-ea"/>
+                <a:cs typeface="Arial" pitchFamily="34" charset="0"/>
+              </a:rPr>
+              <a:t>singular</a:t>
+            </a:r>
+            <a:r>
+              <a:rPr lang="de-DE" sz="1200" b="0" i="0" u="none" strike="noStrike" kern="1200" baseline="0" dirty="0">
+                <a:solidFill>
+                  <a:schemeClr val="tx1"/>
+                </a:solidFill>
+                <a:latin typeface="Arial" pitchFamily="34" charset="0"/>
+                <a:ea typeface="+mn-ea"/>
+                <a:cs typeface="Arial" pitchFamily="34" charset="0"/>
+              </a:rPr>
+              <a:t>/</a:t>
+            </a:r>
+            <a:r>
+              <a:rPr lang="de-DE" sz="1200" b="0" i="0" u="none" strike="noStrike" kern="1200" baseline="0" dirty="0" err="1">
+                <a:solidFill>
+                  <a:schemeClr val="tx1"/>
+                </a:solidFill>
+                <a:latin typeface="Arial" pitchFamily="34" charset="0"/>
+                <a:ea typeface="+mn-ea"/>
+                <a:cs typeface="Arial" pitchFamily="34" charset="0"/>
+              </a:rPr>
+              <a:t>plular</a:t>
+            </a:r>
+            <a:r>
+              <a:rPr lang="de-DE" sz="1200" b="0" i="0" u="none" strike="noStrike" kern="1200" baseline="0" dirty="0">
+                <a:solidFill>
+                  <a:schemeClr val="tx1"/>
+                </a:solidFill>
+                <a:latin typeface="Arial" pitchFamily="34" charset="0"/>
+                <a:ea typeface="+mn-ea"/>
+                <a:cs typeface="Arial" pitchFamily="34" charset="0"/>
+              </a:rPr>
+              <a:t>, </a:t>
+            </a:r>
+            <a:r>
+              <a:rPr lang="de-DE" sz="1200" b="0" i="0" u="none" strike="noStrike" kern="1200" baseline="0" dirty="0" err="1">
+                <a:solidFill>
+                  <a:schemeClr val="tx1"/>
+                </a:solidFill>
+                <a:latin typeface="Arial" pitchFamily="34" charset="0"/>
+                <a:ea typeface="+mn-ea"/>
+                <a:cs typeface="Arial" pitchFamily="34" charset="0"/>
+              </a:rPr>
+              <a:t>cases</a:t>
+            </a:r>
+            <a:endParaRPr lang="en-US" sz="1200" b="0" i="0" u="none" strike="noStrike" kern="1200" baseline="0" dirty="0">
+              <a:solidFill>
+                <a:schemeClr val="tx1"/>
+              </a:solidFill>
+              <a:latin typeface="Arial" pitchFamily="34" charset="0"/>
+              <a:ea typeface="+mn-ea"/>
+              <a:cs typeface="Arial" pitchFamily="34" charset="0"/>
+            </a:endParaRPr>
+          </a:p>
+          <a:p>
+            <a:endParaRPr lang="de-DE" sz="1200" b="0" i="0" u="none" strike="noStrike" kern="1200" baseline="0" dirty="0">
+              <a:solidFill>
+                <a:schemeClr val="tx1"/>
+              </a:solidFill>
+              <a:latin typeface="Arial" pitchFamily="34" charset="0"/>
+              <a:ea typeface="+mn-ea"/>
+              <a:cs typeface="Arial" pitchFamily="34" charset="0"/>
+            </a:endParaRPr>
+          </a:p>
+          <a:p>
+            <a:pPr marL="0" marR="0" lvl="0" indent="0" algn="l" defTabSz="914400" rtl="0" eaLnBrk="1" fontAlgn="base" latinLnBrk="0" hangingPunct="1">
+              <a:lnSpc>
+                <a:spcPct val="100000"/>
+              </a:lnSpc>
+              <a:spcBef>
+                <a:spcPct val="30000"/>
+              </a:spcBef>
+              <a:spcAft>
+                <a:spcPct val="0"/>
+              </a:spcAft>
+              <a:buClrTx/>
+              <a:buSzTx/>
+              <a:buFontTx/>
+              <a:buNone/>
+              <a:tabLst/>
+              <a:defRPr/>
+            </a:pPr>
+            <a:r>
+              <a:rPr lang="en-US" sz="1200" b="1" i="0" u="none" strike="noStrike" kern="1200" baseline="0" dirty="0">
+                <a:solidFill>
+                  <a:schemeClr val="tx1"/>
+                </a:solidFill>
+                <a:latin typeface="Arial" pitchFamily="34" charset="0"/>
+                <a:ea typeface="+mn-ea"/>
+                <a:cs typeface="Arial" pitchFamily="34" charset="0"/>
+              </a:rPr>
+              <a:t>Lexical stress prediction</a:t>
+            </a:r>
+            <a:r>
+              <a:rPr lang="en-US" sz="1200" b="0" i="0" u="none" strike="noStrike" kern="1200" baseline="0" dirty="0">
+                <a:solidFill>
+                  <a:schemeClr val="tx1"/>
+                </a:solidFill>
+                <a:latin typeface="Arial" pitchFamily="34" charset="0"/>
+                <a:ea typeface="+mn-ea"/>
+                <a:cs typeface="Arial" pitchFamily="34" charset="0"/>
+              </a:rPr>
+              <a:t>: Certain syllables inside a word have a higher prominence compared to its neighboring syllables, giving the word a specific sound. </a:t>
+            </a:r>
+          </a:p>
+          <a:p>
+            <a:pPr marL="0" marR="0" lvl="0" indent="0" algn="l" defTabSz="914400" rtl="0" eaLnBrk="1" fontAlgn="base" latinLnBrk="0" hangingPunct="1">
+              <a:lnSpc>
+                <a:spcPct val="100000"/>
+              </a:lnSpc>
+              <a:spcBef>
+                <a:spcPct val="30000"/>
+              </a:spcBef>
+              <a:spcAft>
+                <a:spcPct val="0"/>
+              </a:spcAft>
+              <a:buClrTx/>
+              <a:buSzTx/>
+              <a:buFontTx/>
+              <a:buNone/>
+              <a:tabLst/>
+              <a:defRPr/>
+            </a:pPr>
+            <a:r>
+              <a:rPr lang="en-US" sz="1200" b="0" i="0" u="none" strike="noStrike" kern="1200" baseline="0" dirty="0">
+                <a:solidFill>
+                  <a:schemeClr val="tx1"/>
+                </a:solidFill>
+                <a:latin typeface="Arial" pitchFamily="34" charset="0"/>
+                <a:ea typeface="+mn-ea"/>
+                <a:cs typeface="Arial" pitchFamily="34" charset="0"/>
+                <a:sym typeface="Wingdings" panose="05000000000000000000" pitchFamily="2" charset="2"/>
+              </a:rPr>
+              <a:t> </a:t>
+            </a:r>
+            <a:r>
+              <a:rPr lang="en-US" sz="1200" b="0" i="0" u="none" strike="noStrike" kern="1200" baseline="0" dirty="0">
+                <a:solidFill>
+                  <a:schemeClr val="tx1"/>
+                </a:solidFill>
+                <a:latin typeface="Arial" pitchFamily="34" charset="0"/>
+                <a:ea typeface="+mn-ea"/>
+                <a:cs typeface="Arial" pitchFamily="34" charset="0"/>
+              </a:rPr>
+              <a:t>choose the correct pronunciation for a homophone word</a:t>
+            </a:r>
+          </a:p>
+          <a:p>
+            <a:endParaRPr lang="de-DE" sz="1200" b="0" i="0" u="none" strike="noStrike" kern="1200" baseline="0" dirty="0">
+              <a:solidFill>
+                <a:schemeClr val="tx1"/>
+              </a:solidFill>
+              <a:latin typeface="Arial" pitchFamily="34" charset="0"/>
+              <a:ea typeface="+mn-ea"/>
+              <a:cs typeface="Arial" pitchFamily="34" charset="0"/>
+            </a:endParaRPr>
+          </a:p>
+          <a:p>
+            <a:endParaRPr lang="en-US" sz="1200" b="0" i="0" u="none" strike="noStrike" kern="1200" baseline="0" dirty="0">
+              <a:solidFill>
+                <a:schemeClr val="tx1"/>
+              </a:solidFill>
+              <a:latin typeface="Arial" pitchFamily="34" charset="0"/>
+              <a:ea typeface="+mn-ea"/>
+              <a:cs typeface="Arial" pitchFamily="34" charset="0"/>
+            </a:endParaRPr>
           </a:p>
           <a:p>
             <a:endParaRPr lang="en-US" dirty="0"/>
@@ -12607,7 +12948,7 @@
     </p:spTree>
     <p:extLst>
       <p:ext uri="{BB962C8B-B14F-4D97-AF65-F5344CB8AC3E}">
-        <p14:creationId xmlns:p14="http://schemas.microsoft.com/office/powerpoint/2010/main" val="1302609574"/>
+        <p14:creationId xmlns:p14="http://schemas.microsoft.com/office/powerpoint/2010/main" val="1801823156"/>
       </p:ext>
     </p:extLst>
   </p:cSld>
@@ -12661,27 +13002,13 @@
           <a:bodyPr/>
           <a:lstStyle/>
           <a:p>
-            <a:r>
-              <a:rPr lang="en-US" b="1" noProof="0" dirty="0"/>
-              <a:t>Objective evaluation</a:t>
-            </a:r>
-          </a:p>
-          <a:p>
             <a:pPr marL="285750" indent="-285750">
               <a:buFont typeface="Arial" panose="020B0604020202020204" pitchFamily="34" charset="0"/>
               <a:buChar char="•"/>
             </a:pPr>
             <a:r>
               <a:rPr lang="de-DE" dirty="0" err="1"/>
-              <a:t>Distortion</a:t>
-            </a:r>
-            <a:r>
-              <a:rPr lang="de-DE" dirty="0"/>
-              <a:t> (Mel-</a:t>
-            </a:r>
-            <a:r>
-              <a:rPr lang="de-DE" dirty="0" err="1"/>
-              <a:t>cepstral</a:t>
+              <a:t>Tremendous</a:t>
             </a:r>
             <a:r>
               <a:rPr lang="de-DE" dirty="0"/>
@@ -12689,15 +13016,31 @@
             </a:r>
             <a:r>
               <a:rPr lang="de-DE" dirty="0" err="1"/>
-              <a:t>distortion</a:t>
+              <a:t>reduction</a:t>
             </a:r>
             <a:r>
               <a:rPr lang="de-DE" dirty="0"/>
-              <a:t>, </a:t>
-            </a:r>
-            <a:r>
-              <a:rPr lang="en-US" dirty="0"/>
-              <a:t>Aperiodicity distortion)</a:t>
+              <a:t> </a:t>
+            </a:r>
+            <a:r>
+              <a:rPr lang="de-DE" dirty="0" err="1"/>
+              <a:t>of</a:t>
+            </a:r>
+            <a:r>
+              <a:rPr lang="de-DE" dirty="0"/>
+              <a:t> </a:t>
+            </a:r>
+            <a:r>
+              <a:rPr lang="de-DE" dirty="0" err="1"/>
+              <a:t>footprint</a:t>
+            </a:r>
+            <a:r>
+              <a:rPr lang="de-DE" dirty="0"/>
+              <a:t> </a:t>
+            </a:r>
+            <a:r>
+              <a:rPr lang="de-DE" dirty="0" err="1"/>
+              <a:t>size</a:t>
             </a:r>
             <a:endParaRPr lang="de-DE" dirty="0"/>
           </a:p>
@@ -12707,47 +13050,20 @@
               <a:buChar char="•"/>
             </a:pPr>
             <a:r>
+              <a:rPr lang="de-DE" dirty="0" err="1"/>
+              <a:t>Accuracy</a:t>
+            </a:r>
+            <a:r>
               <a:rPr lang="de-DE" dirty="0"/>
-              <a:t>Error rate (</a:t>
+              <a:t> not </a:t>
             </a:r>
             <a:r>
               <a:rPr lang="de-DE" dirty="0" err="1"/>
-              <a:t>Voiced</a:t>
+              <a:t>significantly</a:t>
             </a:r>
             <a:r>
               <a:rPr lang="de-DE" dirty="0"/>
-              <a:t>/</a:t>
-            </a:r>
-            <a:r>
-              <a:rPr lang="de-DE" dirty="0" err="1"/>
-              <a:t>Unvoiced</a:t>
-            </a:r>
-            <a:r>
-              <a:rPr lang="de-DE" dirty="0"/>
-              <a:t> Error Rate, </a:t>
-            </a:r>
-            <a:r>
-              <a:rPr lang="en-US" dirty="0"/>
-              <a:t>Root mean squared errors (RMSE) in log F0)</a:t>
-            </a:r>
-            <a:endParaRPr lang="de-DE" dirty="0"/>
-          </a:p>
-          <a:p>
-            <a:endParaRPr lang="de-DE" dirty="0"/>
-          </a:p>
-          <a:p>
-            <a:r>
-              <a:rPr lang="en-US" b="1" noProof="0" dirty="0"/>
-              <a:t>Subjective evaluation</a:t>
-            </a:r>
-            <a:endParaRPr lang="en-US" noProof="0" dirty="0"/>
-          </a:p>
-          <a:p>
-            <a:r>
-              <a:rPr lang="en-US" noProof="0" dirty="0">
-                <a:sym typeface="Wingdings" panose="05000000000000000000" pitchFamily="2" charset="2"/>
-              </a:rPr>
-              <a:t>Played back speech samples of conventional and DNN-based system to different listeners, who chose their preferred system (or „Neutral“)</a:t>
+              <a:t> </a:t>
             </a:r>
           </a:p>
           <a:p>
@@ -12778,7 +13094,7 @@
               <a:pPr>
                 <a:defRPr/>
               </a:pPr>
-              <a:t>20</a:t>
+              <a:t>17</a:t>
             </a:fld>
             <a:endParaRPr lang="en-GB"/>
           </a:p>
@@ -12787,7 +13103,7 @@
     </p:spTree>
     <p:extLst>
       <p:ext uri="{BB962C8B-B14F-4D97-AF65-F5344CB8AC3E}">
-        <p14:creationId xmlns:p14="http://schemas.microsoft.com/office/powerpoint/2010/main" val="3804367099"/>
+        <p14:creationId xmlns:p14="http://schemas.microsoft.com/office/powerpoint/2010/main" val="1302609574"/>
       </p:ext>
     </p:extLst>
   </p:cSld>
@@ -12838,19 +13154,48 @@
         </p:nvSpPr>
         <p:spPr/>
         <p:txBody>
-          <a:bodyPr>
-            <a:normAutofit fontScale="77500" lnSpcReduction="20000"/>
-          </a:bodyPr>
+          <a:bodyPr/>
           <a:lstStyle/>
+          <a:p>
+            <a:r>
+              <a:rPr lang="en-US" b="1" noProof="0" dirty="0"/>
+              <a:t>Objective evaluation</a:t>
+            </a:r>
+          </a:p>
           <a:p>
             <a:pPr marL="285750" indent="-285750">
               <a:buFont typeface="Arial" panose="020B0604020202020204" pitchFamily="34" charset="0"/>
               <a:buChar char="•"/>
             </a:pPr>
             <a:r>
-              <a:rPr lang="en-US" sz="1200" dirty="0"/>
-              <a:t>Different Approaches -&gt; Advantages and Drawbacks</a:t>
-            </a:r>
+              <a:rPr lang="de-DE" dirty="0" err="1"/>
+              <a:t>Distortion</a:t>
+            </a:r>
+            <a:r>
+              <a:rPr lang="de-DE" dirty="0"/>
+              <a:t> (Mel-</a:t>
+            </a:r>
+            <a:r>
+              <a:rPr lang="de-DE" dirty="0" err="1"/>
+              <a:t>cepstral</a:t>
+            </a:r>
+            <a:r>
+              <a:rPr lang="de-DE" dirty="0"/>
+              <a:t> </a:t>
+            </a:r>
+            <a:r>
+              <a:rPr lang="de-DE" dirty="0" err="1"/>
+              <a:t>distortion</a:t>
+            </a:r>
+            <a:r>
+              <a:rPr lang="de-DE" dirty="0"/>
+              <a:t>, </a:t>
+            </a:r>
+            <a:r>
+              <a:rPr lang="en-US" dirty="0"/>
+              <a:t>Aperiodicity distortion)</a:t>
+            </a:r>
+            <a:endParaRPr lang="de-DE" dirty="0"/>
           </a:p>
           <a:p>
             <a:pPr marL="285750" indent="-285750">
@@ -12858,187 +13203,48 @@
               <a:buChar char="•"/>
             </a:pPr>
             <a:r>
-              <a:rPr lang="de-DE" sz="1200" dirty="0"/>
-              <a:t>T</a:t>
-            </a:r>
-            <a:r>
-              <a:rPr lang="en-US" sz="1200" dirty="0"/>
-              <a:t>raining and Synthesis Part</a:t>
-            </a:r>
-          </a:p>
-          <a:p>
-            <a:pPr marL="285750" indent="-285750">
-              <a:buFont typeface="Arial" panose="020B0604020202020204" pitchFamily="34" charset="0"/>
-              <a:buChar char="•"/>
-            </a:pPr>
-            <a:r>
-              <a:rPr lang="en-US" sz="1200" dirty="0"/>
-              <a:t>generating the </a:t>
-            </a:r>
-            <a:r>
-              <a:rPr lang="en-US" sz="1200" i="1" dirty="0"/>
-              <a:t>average </a:t>
-            </a:r>
-            <a:r>
-              <a:rPr lang="en-US" sz="1200" dirty="0"/>
-              <a:t>of some sets of similarly sounding speech segments.</a:t>
-            </a:r>
-          </a:p>
-          <a:p>
-            <a:pPr marL="285750" indent="-285750">
-              <a:buFont typeface="Arial" panose="020B0604020202020204" pitchFamily="34" charset="0"/>
-              <a:buChar char="•"/>
-            </a:pPr>
-            <a:r>
-              <a:rPr lang="de-DE" sz="1200" dirty="0"/>
-              <a:t>(</a:t>
-            </a:r>
-            <a:r>
-              <a:rPr lang="de-DE" sz="1200" dirty="0" err="1"/>
-              <a:t>Decision</a:t>
-            </a:r>
-            <a:r>
-              <a:rPr lang="de-DE" sz="1200" dirty="0"/>
-              <a:t> </a:t>
-            </a:r>
-            <a:r>
-              <a:rPr lang="de-DE" sz="1200" dirty="0" err="1"/>
-              <a:t>Trees</a:t>
-            </a:r>
-            <a:r>
-              <a:rPr lang="de-DE" sz="1200" dirty="0"/>
-              <a:t> / (Maximum </a:t>
-            </a:r>
-            <a:r>
-              <a:rPr lang="de-DE" sz="1200" dirty="0" err="1"/>
-              <a:t>Likelyhood</a:t>
-            </a:r>
-            <a:r>
-              <a:rPr lang="de-DE" sz="1200" dirty="0"/>
-              <a:t> Parameter Generation) )</a:t>
-            </a:r>
-          </a:p>
-          <a:p>
-            <a:endParaRPr lang="en-US" sz="1200" dirty="0"/>
-          </a:p>
-          <a:p>
-            <a:pPr marL="285750" indent="-285750">
-              <a:buFont typeface="Arial" panose="020B0604020202020204" pitchFamily="34" charset="0"/>
-              <a:buChar char="•"/>
-            </a:pPr>
-            <a:r>
-              <a:rPr lang="en-US" sz="1200" dirty="0"/>
-              <a:t>The model is parametric because it describes the speech using parameters, rather than stored exemplars. </a:t>
-            </a:r>
-          </a:p>
-          <a:p>
-            <a:pPr marL="285750" indent="-285750">
-              <a:buFont typeface="Arial" panose="020B0604020202020204" pitchFamily="34" charset="0"/>
-              <a:buChar char="•"/>
-            </a:pPr>
-            <a:r>
-              <a:rPr lang="en-US" sz="1200" dirty="0"/>
-              <a:t>It is statistical because it describes those parameters using statistics (e.g., means and variances of probability density functions) which capture the distribution of parameter values found in the training data.</a:t>
-            </a:r>
-          </a:p>
-          <a:p>
-            <a:pPr marL="285750" indent="-285750">
-              <a:buFont typeface="Arial" panose="020B0604020202020204" pitchFamily="34" charset="0"/>
-              <a:buChar char="•"/>
-            </a:pPr>
-            <a:endParaRPr lang="de-DE" sz="1200" dirty="0"/>
-          </a:p>
-          <a:p>
-            <a:r>
-              <a:rPr lang="de-DE" sz="1200" dirty="0"/>
-              <a:t>Training:</a:t>
-            </a:r>
-          </a:p>
-          <a:p>
-            <a:pPr marL="228600" indent="-228600">
-              <a:buAutoNum type="arabicPeriod"/>
-            </a:pPr>
-            <a:r>
-              <a:rPr lang="en-US" sz="1200" dirty="0"/>
-              <a:t>both spectrum (e.g., </a:t>
-            </a:r>
-            <a:r>
-              <a:rPr lang="en-US" sz="1200" dirty="0" err="1"/>
-              <a:t>mel</a:t>
-            </a:r>
-            <a:r>
-              <a:rPr lang="en-US" sz="1200" dirty="0"/>
-              <a:t>-cepstral coefficients and their dynamic features) and excitation (e.g., log F0 and its dynamic features) parameters are extracted from a database of natural speech and modeled by a set of multi-stream context-dependent HMMs</a:t>
-            </a:r>
-          </a:p>
-          <a:p>
-            <a:pPr marL="228600" indent="-228600">
-              <a:buAutoNum type="arabicPeriod"/>
-            </a:pPr>
-            <a:r>
-              <a:rPr lang="en-US" sz="1200" dirty="0"/>
-              <a:t>linguistic and prosodic contexts are taken into account in addition to phonetic ones</a:t>
-            </a:r>
-            <a:endParaRPr lang="de-DE" sz="1200" dirty="0"/>
-          </a:p>
-          <a:p>
-            <a:pPr marL="228600" indent="-228600">
-              <a:buAutoNum type="arabicPeriod"/>
-            </a:pPr>
-            <a:endParaRPr lang="de-DE" sz="1200" dirty="0"/>
-          </a:p>
-          <a:p>
-            <a:endParaRPr lang="de-DE" sz="1200" dirty="0"/>
-          </a:p>
-          <a:p>
-            <a:r>
-              <a:rPr lang="de-DE" sz="1200" dirty="0"/>
-              <a:t>Synthesis:</a:t>
-            </a:r>
-          </a:p>
-          <a:p>
-            <a:pPr marL="228600" indent="-228600">
-              <a:buAutoNum type="arabicPeriod"/>
-            </a:pPr>
-            <a:r>
-              <a:rPr lang="en-US" sz="1200" dirty="0"/>
-              <a:t>word sequence is converted into a context dependent label sequence</a:t>
-            </a:r>
-          </a:p>
-          <a:p>
-            <a:pPr marL="228600" indent="-228600">
-              <a:buAutoNum type="arabicPeriod"/>
-            </a:pPr>
-            <a:r>
-              <a:rPr lang="en-US" sz="1200" dirty="0"/>
-              <a:t>utterance HMM is constructed by concatenating the context-dependent HMMs according to the label sequence</a:t>
-            </a:r>
-          </a:p>
-          <a:p>
-            <a:pPr marL="228600" indent="-228600">
-              <a:buAutoNum type="arabicPeriod"/>
-            </a:pPr>
-            <a:r>
-              <a:rPr lang="en-US" sz="1200" dirty="0"/>
-              <a:t>the speech parameter generation algorithm generates the sequences of spectral and excitation parameters from the utterance HMM</a:t>
-            </a:r>
-          </a:p>
-          <a:p>
-            <a:pPr marL="228600" indent="-228600">
-              <a:buAutoNum type="arabicPeriod"/>
-            </a:pPr>
-            <a:r>
-              <a:rPr lang="en-US" sz="1200" dirty="0"/>
-              <a:t>speech waveform is synthesized from the generated spectral and excitation parameters using excitation generation and a speech synthesis filter</a:t>
-            </a:r>
-            <a:endParaRPr lang="de-DE" sz="1200" dirty="0"/>
-          </a:p>
-          <a:p>
-            <a:pPr marL="285750" indent="-285750">
-              <a:buFont typeface="Arial" panose="020B0604020202020204" pitchFamily="34" charset="0"/>
-              <a:buChar char="•"/>
-            </a:pPr>
-            <a:endParaRPr lang="de-DE" sz="1200" dirty="0"/>
+              <a:rPr lang="de-DE" dirty="0"/>
+              <a:t>Error rate (</a:t>
+            </a:r>
+            <a:r>
+              <a:rPr lang="de-DE" dirty="0" err="1"/>
+              <a:t>Voiced</a:t>
+            </a:r>
+            <a:r>
+              <a:rPr lang="de-DE" dirty="0"/>
+              <a:t>/</a:t>
+            </a:r>
+            <a:r>
+              <a:rPr lang="de-DE" dirty="0" err="1"/>
+              <a:t>Unvoiced</a:t>
+            </a:r>
+            <a:r>
+              <a:rPr lang="de-DE" dirty="0"/>
+              <a:t> Error Rate, </a:t>
+            </a:r>
+            <a:r>
+              <a:rPr lang="en-US" dirty="0"/>
+              <a:t>Root mean squared errors (RMSE) in log F0)</a:t>
+            </a:r>
+            <a:endParaRPr lang="de-DE" dirty="0"/>
+          </a:p>
+          <a:p>
+            <a:endParaRPr lang="de-DE" dirty="0"/>
+          </a:p>
+          <a:p>
+            <a:r>
+              <a:rPr lang="en-US" b="1" noProof="0" dirty="0"/>
+              <a:t>Subjective evaluation</a:t>
+            </a:r>
+            <a:endParaRPr lang="en-US" noProof="0" dirty="0"/>
+          </a:p>
+          <a:p>
+            <a:r>
+              <a:rPr lang="en-US" noProof="0" dirty="0">
+                <a:sym typeface="Wingdings" panose="05000000000000000000" pitchFamily="2" charset="2"/>
+              </a:rPr>
+              <a:t>Played back speech samples of conventional and DNN-based system to different listeners, who chose their preferred system (or „Neutral“)</a:t>
+            </a:r>
           </a:p>
           <a:p>
             <a:endParaRPr lang="en-US" dirty="0"/>
@@ -13077,7 +13283,7 @@
     </p:spTree>
     <p:extLst>
       <p:ext uri="{BB962C8B-B14F-4D97-AF65-F5344CB8AC3E}">
-        <p14:creationId xmlns:p14="http://schemas.microsoft.com/office/powerpoint/2010/main" val="3117794628"/>
+        <p14:creationId xmlns:p14="http://schemas.microsoft.com/office/powerpoint/2010/main" val="3804367099"/>
       </p:ext>
     </p:extLst>
   </p:cSld>
@@ -13129,6 +13335,266 @@
         <p:spPr/>
         <p:txBody>
           <a:bodyPr>
+            <a:normAutofit fontScale="85000" lnSpcReduction="20000"/>
+          </a:bodyPr>
+          <a:lstStyle/>
+          <a:p>
+            <a:pPr marL="285750" indent="-285750">
+              <a:buFont typeface="Arial" panose="020B0604020202020204" pitchFamily="34" charset="0"/>
+              <a:buChar char="•"/>
+            </a:pPr>
+            <a:r>
+              <a:rPr lang="de-DE" sz="1200" dirty="0"/>
+              <a:t>T</a:t>
+            </a:r>
+            <a:r>
+              <a:rPr lang="en-US" sz="1200" dirty="0"/>
+              <a:t>raining and Synthesis Part</a:t>
+            </a:r>
+          </a:p>
+          <a:p>
+            <a:pPr marL="285750" indent="-285750">
+              <a:buFont typeface="Arial" panose="020B0604020202020204" pitchFamily="34" charset="0"/>
+              <a:buChar char="•"/>
+            </a:pPr>
+            <a:r>
+              <a:rPr lang="en-US" sz="1200" dirty="0"/>
+              <a:t>generating the </a:t>
+            </a:r>
+            <a:r>
+              <a:rPr lang="en-US" sz="1200" i="1" dirty="0"/>
+              <a:t>average </a:t>
+            </a:r>
+            <a:r>
+              <a:rPr lang="en-US" sz="1200" dirty="0"/>
+              <a:t>of some sets of similarly sounding speech segments.</a:t>
+            </a:r>
+          </a:p>
+          <a:p>
+            <a:pPr marL="285750" indent="-285750">
+              <a:buFont typeface="Arial" panose="020B0604020202020204" pitchFamily="34" charset="0"/>
+              <a:buChar char="•"/>
+            </a:pPr>
+            <a:r>
+              <a:rPr lang="de-DE" sz="1200" dirty="0"/>
+              <a:t>(</a:t>
+            </a:r>
+            <a:r>
+              <a:rPr lang="de-DE" sz="1200" dirty="0" err="1"/>
+              <a:t>Decision</a:t>
+            </a:r>
+            <a:r>
+              <a:rPr lang="de-DE" sz="1200" dirty="0"/>
+              <a:t> </a:t>
+            </a:r>
+            <a:r>
+              <a:rPr lang="de-DE" sz="1200" dirty="0" err="1"/>
+              <a:t>Trees</a:t>
+            </a:r>
+            <a:r>
+              <a:rPr lang="de-DE" sz="1200" dirty="0"/>
+              <a:t> / (Maximum </a:t>
+            </a:r>
+            <a:r>
+              <a:rPr lang="de-DE" sz="1200" dirty="0" err="1"/>
+              <a:t>Likelyhood</a:t>
+            </a:r>
+            <a:r>
+              <a:rPr lang="de-DE" sz="1200" dirty="0"/>
+              <a:t> Parameter Generation) )</a:t>
+            </a:r>
+          </a:p>
+          <a:p>
+            <a:endParaRPr lang="en-US" sz="1200" dirty="0"/>
+          </a:p>
+          <a:p>
+            <a:pPr marL="285750" indent="-285750">
+              <a:buFont typeface="Arial" panose="020B0604020202020204" pitchFamily="34" charset="0"/>
+              <a:buChar char="•"/>
+            </a:pPr>
+            <a:endParaRPr lang="de-DE" sz="1200" dirty="0"/>
+          </a:p>
+          <a:p>
+            <a:r>
+              <a:rPr lang="de-DE" sz="1200" dirty="0"/>
+              <a:t>Training:</a:t>
+            </a:r>
+          </a:p>
+          <a:p>
+            <a:pPr marL="228600" indent="-228600">
+              <a:buAutoNum type="arabicPeriod"/>
+            </a:pPr>
+            <a:r>
+              <a:rPr lang="en-US" sz="1200" dirty="0"/>
+              <a:t>both spectrum (e.g., </a:t>
+            </a:r>
+            <a:r>
+              <a:rPr lang="en-US" sz="1200" dirty="0" err="1"/>
+              <a:t>mel</a:t>
+            </a:r>
+            <a:r>
+              <a:rPr lang="en-US" sz="1200" dirty="0"/>
+              <a:t>-cepstral coefficients and their dynamic features) and excitation (e.g., log F0 and its dynamic features) parameters are extracted from a database of natural speech and modeled by a set of multi-stream context-dependent HMMs</a:t>
+            </a:r>
+          </a:p>
+          <a:p>
+            <a:pPr marL="228600" indent="-228600">
+              <a:buAutoNum type="arabicPeriod"/>
+            </a:pPr>
+            <a:r>
+              <a:rPr lang="en-US" sz="1200" dirty="0"/>
+              <a:t>linguistic and prosodic contexts are taken into account in addition to phonetic ones</a:t>
+            </a:r>
+            <a:endParaRPr lang="de-DE" sz="1200" dirty="0"/>
+          </a:p>
+          <a:p>
+            <a:pPr marL="228600" indent="-228600">
+              <a:buAutoNum type="arabicPeriod"/>
+            </a:pPr>
+            <a:endParaRPr lang="de-DE" sz="1200" dirty="0"/>
+          </a:p>
+          <a:p>
+            <a:endParaRPr lang="de-DE" sz="1200" dirty="0"/>
+          </a:p>
+          <a:p>
+            <a:r>
+              <a:rPr lang="de-DE" sz="1200" dirty="0"/>
+              <a:t>Synthesis:</a:t>
+            </a:r>
+          </a:p>
+          <a:p>
+            <a:pPr marL="228600" indent="-228600">
+              <a:buAutoNum type="arabicPeriod"/>
+            </a:pPr>
+            <a:r>
+              <a:rPr lang="en-US" sz="1200" dirty="0"/>
+              <a:t>word sequence is converted into a context dependent label sequence</a:t>
+            </a:r>
+          </a:p>
+          <a:p>
+            <a:pPr marL="228600" indent="-228600">
+              <a:buAutoNum type="arabicPeriod"/>
+            </a:pPr>
+            <a:r>
+              <a:rPr lang="en-US" sz="1200" dirty="0"/>
+              <a:t>utterance HMM is constructed by concatenating the context-dependent HMMs according to the label sequence</a:t>
+            </a:r>
+          </a:p>
+          <a:p>
+            <a:pPr marL="228600" indent="-228600">
+              <a:buAutoNum type="arabicPeriod"/>
+            </a:pPr>
+            <a:r>
+              <a:rPr lang="en-US" sz="1200" dirty="0"/>
+              <a:t>the speech parameter generation algorithm generates the sequences of spectral and excitation parameters from the utterance HMM</a:t>
+            </a:r>
+          </a:p>
+          <a:p>
+            <a:pPr marL="228600" indent="-228600">
+              <a:buAutoNum type="arabicPeriod"/>
+            </a:pPr>
+            <a:r>
+              <a:rPr lang="en-US" sz="1200" dirty="0"/>
+              <a:t>speech waveform is synthesized from the generated spectral and excitation parameters using excitation generation and a speech synthesis filter</a:t>
+            </a:r>
+            <a:endParaRPr lang="de-DE" sz="1200" dirty="0"/>
+          </a:p>
+          <a:p>
+            <a:pPr marL="285750" indent="-285750">
+              <a:buFont typeface="Arial" panose="020B0604020202020204" pitchFamily="34" charset="0"/>
+              <a:buChar char="•"/>
+            </a:pPr>
+            <a:endParaRPr lang="de-DE" sz="1200" dirty="0"/>
+          </a:p>
+          <a:p>
+            <a:endParaRPr lang="en-US" dirty="0"/>
+          </a:p>
+        </p:txBody>
+      </p:sp>
+      <p:sp>
+        <p:nvSpPr>
+          <p:cNvPr id="4" name="Foliennummernplatzhalter 3"/>
+          <p:cNvSpPr>
+            <a:spLocks noGrp="1"/>
+          </p:cNvSpPr>
+          <p:nvPr>
+            <p:ph type="sldNum" sz="quarter" idx="10"/>
+          </p:nvPr>
+        </p:nvSpPr>
+        <p:spPr/>
+        <p:txBody>
+          <a:bodyPr/>
+          <a:lstStyle/>
+          <a:p>
+            <a:pPr>
+              <a:defRPr/>
+            </a:pPr>
+            <a:fld id="{00AFC6D0-44D5-4EB7-828F-6F464F83D79A}" type="slidenum">
+              <a:rPr lang="en-GB" smtClean="0"/>
+              <a:pPr>
+                <a:defRPr/>
+              </a:pPr>
+              <a:t>22</a:t>
+            </a:fld>
+            <a:endParaRPr lang="en-GB"/>
+          </a:p>
+        </p:txBody>
+      </p:sp>
+    </p:spTree>
+    <p:extLst>
+      <p:ext uri="{BB962C8B-B14F-4D97-AF65-F5344CB8AC3E}">
+        <p14:creationId xmlns:p14="http://schemas.microsoft.com/office/powerpoint/2010/main" val="3117794628"/>
+      </p:ext>
+    </p:extLst>
+  </p:cSld>
+  <p:clrMapOvr>
+    <a:masterClrMapping/>
+  </p:clrMapOvr>
+</p:notes>
+</file>
+
+<file path=ppt/notesSlides/notesSlide14.xml><?xml version="1.0" encoding="utf-8"?>
+<p:notes xmlns:a="http://schemas.openxmlformats.org/drawingml/2006/main" xmlns:r="http://schemas.openxmlformats.org/officeDocument/2006/relationships" xmlns:p="http://schemas.openxmlformats.org/presentationml/2006/main">
+  <p:cSld>
+    <p:spTree>
+      <p:nvGrpSpPr>
+        <p:cNvPr id="1" name=""/>
+        <p:cNvGrpSpPr/>
+        <p:nvPr/>
+      </p:nvGrpSpPr>
+      <p:grpSpPr>
+        <a:xfrm>
+          <a:off x="0" y="0"/>
+          <a:ext cx="0" cy="0"/>
+          <a:chOff x="0" y="0"/>
+          <a:chExt cx="0" cy="0"/>
+        </a:xfrm>
+      </p:grpSpPr>
+      <p:sp>
+        <p:nvSpPr>
+          <p:cNvPr id="2" name="Folienbildplatzhalter 1"/>
+          <p:cNvSpPr>
+            <a:spLocks noGrp="1" noRot="1" noChangeAspect="1"/>
+          </p:cNvSpPr>
+          <p:nvPr>
+            <p:ph type="sldImg"/>
+          </p:nvPr>
+        </p:nvSpPr>
+        <p:spPr/>
+      </p:sp>
+      <p:sp>
+        <p:nvSpPr>
+          <p:cNvPr id="3" name="Notizenplatzhalter 2"/>
+          <p:cNvSpPr>
+            <a:spLocks noGrp="1"/>
+          </p:cNvSpPr>
+          <p:nvPr>
+            <p:ph type="body" idx="1"/>
+          </p:nvPr>
+        </p:nvSpPr>
+        <p:spPr/>
+        <p:txBody>
+          <a:bodyPr>
             <a:normAutofit fontScale="40000" lnSpcReduction="20000"/>
           </a:bodyPr>
           <a:lstStyle/>
@@ -13440,7 +13906,7 @@
               <a:pPr>
                 <a:defRPr/>
               </a:pPr>
-              <a:t>22</a:t>
+              <a:t>23</a:t>
             </a:fld>
             <a:endParaRPr lang="en-GB"/>
           </a:p>
@@ -13503,17 +13969,6 @@
           <a:bodyPr/>
           <a:lstStyle/>
           <a:p>
-            <a:r>
-              <a:rPr lang="en-US" sz="1200" b="0" i="0" u="none" strike="noStrike" kern="1200" baseline="0" dirty="0">
-                <a:solidFill>
-                  <a:schemeClr val="tx1"/>
-                </a:solidFill>
-                <a:latin typeface="Arial" pitchFamily="34" charset="0"/>
-                <a:ea typeface="+mn-ea"/>
-                <a:cs typeface="Arial" pitchFamily="34" charset="0"/>
-              </a:rPr>
-              <a:t>With the second type, CTS, the waveform is generated out of a linguistic description without any information of the respective text. In this way, no natural language processing is required, but nevertheless CTS has not made any important impact yet</a:t>
-            </a:r>
             <a:endParaRPr lang="en-US" dirty="0"/>
           </a:p>
         </p:txBody>
@@ -14494,48 +14949,33 @@
           <a:bodyPr/>
           <a:lstStyle/>
           <a:p>
-            <a:pPr marL="285750" indent="-285750">
-              <a:lnSpc>
-                <a:spcPct val="100000"/>
-              </a:lnSpc>
-              <a:spcAft>
-                <a:spcPts val="1200"/>
-              </a:spcAft>
+            <a:pPr marL="0" indent="0">
               <a:buFont typeface="Arial" panose="020B0604020202020204" pitchFamily="34" charset="0"/>
-              <a:buChar char="•"/>
+              <a:buNone/>
             </a:pPr>
             <a:r>
-              <a:rPr lang="en-US" dirty="0"/>
-              <a:t>Using a Deep Neural Network (DNN) as acoustic model</a:t>
-            </a:r>
-          </a:p>
-          <a:p>
-            <a:pPr marL="285750" indent="-285750">
-              <a:lnSpc>
-                <a:spcPct val="100000"/>
-              </a:lnSpc>
-              <a:spcAft>
-                <a:spcPts val="1200"/>
-              </a:spcAft>
+              <a:rPr lang="en-US" sz="1200" dirty="0"/>
+              <a:t>The model is parametric because it describes the speech using parameters, rather than stored exemplars. </a:t>
+            </a:r>
+          </a:p>
+          <a:p>
+            <a:pPr marL="0" indent="0">
               <a:buFont typeface="Arial" panose="020B0604020202020204" pitchFamily="34" charset="0"/>
-              <a:buChar char="•"/>
+              <a:buNone/>
             </a:pPr>
-            <a:r>
-              <a:rPr lang="de-DE" dirty="0" err="1"/>
-              <a:t>Only</a:t>
-            </a:r>
-            <a:r>
-              <a:rPr lang="de-DE" dirty="0"/>
-              <a:t> </a:t>
-            </a:r>
-            <a:r>
-              <a:rPr lang="de-DE" dirty="0" err="1"/>
-              <a:t>modification</a:t>
-            </a:r>
-            <a:r>
-              <a:rPr lang="de-DE" dirty="0"/>
-              <a:t> in Back-end</a:t>
-            </a:r>
+            <a:endParaRPr lang="en-US" sz="1200" dirty="0"/>
+          </a:p>
+          <a:p>
+            <a:pPr marL="0" indent="0">
+              <a:buFont typeface="Arial" panose="020B0604020202020204" pitchFamily="34" charset="0"/>
+              <a:buNone/>
+            </a:pPr>
+            <a:r>
+              <a:rPr lang="en-US" sz="1200" dirty="0"/>
+              <a:t>It is statistical because it describes those parameters using statistics (e.g., means and variances of probability density functions) which capture the distribution of parameter values found in the training data.</a:t>
+            </a:r>
+          </a:p>
+          <a:p>
             <a:endParaRPr lang="en-US" dirty="0"/>
           </a:p>
         </p:txBody>
@@ -14563,7 +15003,7 @@
               <a:pPr>
                 <a:defRPr/>
               </a:pPr>
-              <a:t>11</a:t>
+              <a:t>9</a:t>
             </a:fld>
             <a:endParaRPr lang="en-GB"/>
           </a:p>
@@ -14572,7 +15012,7 @@
     </p:spTree>
     <p:extLst>
       <p:ext uri="{BB962C8B-B14F-4D97-AF65-F5344CB8AC3E}">
-        <p14:creationId xmlns:p14="http://schemas.microsoft.com/office/powerpoint/2010/main" val="3142891854"/>
+        <p14:creationId xmlns:p14="http://schemas.microsoft.com/office/powerpoint/2010/main" val="3670572707"/>
       </p:ext>
     </p:extLst>
   </p:cSld>
@@ -14626,66 +15066,47 @@
           <a:bodyPr/>
           <a:lstStyle/>
           <a:p>
-            <a:pPr marL="0" marR="0" lvl="0" indent="0" algn="l" defTabSz="914400" rtl="0" eaLnBrk="1" fontAlgn="base" latinLnBrk="0" hangingPunct="1">
+            <a:pPr marL="285750" indent="-285750">
               <a:lnSpc>
                 <a:spcPct val="100000"/>
               </a:lnSpc>
-              <a:spcBef>
-                <a:spcPct val="30000"/>
-              </a:spcBef>
               <a:spcAft>
-                <a:spcPct val="0"/>
+                <a:spcPts val="1200"/>
               </a:spcAft>
-              <a:buClrTx/>
-              <a:buSzTx/>
-              <a:buFontTx/>
-              <a:buNone/>
-              <a:tabLst/>
-              <a:defRPr/>
+              <a:buFont typeface="Arial" panose="020B0604020202020204" pitchFamily="34" charset="0"/>
+              <a:buChar char="•"/>
             </a:pPr>
             <a:r>
               <a:rPr lang="en-US" dirty="0"/>
-              <a:t>The DNN-based systems consistently outperformed the HMM-based ones in voiced/unvoiced classification and aperiodicity prediction. The DNN-based systems with many layers were similar to or better than the HMM-based ones in Mel-cepstral distortion. On the other hand, the HMM-based systems outperformed the DNN-based ones in log F0 prediction in most cases.</a:t>
-            </a:r>
-            <a:endParaRPr lang="de-DE" b="1" dirty="0"/>
-          </a:p>
-          <a:p>
-            <a:endParaRPr lang="de-DE" dirty="0"/>
-          </a:p>
-          <a:p>
-            <a:r>
-              <a:rPr lang="en-US" sz="1200" b="0" i="0" u="none" strike="noStrike" kern="1200" baseline="0" dirty="0">
-                <a:solidFill>
-                  <a:schemeClr val="tx1"/>
-                </a:solidFill>
-                <a:latin typeface="Arial" pitchFamily="34" charset="0"/>
-                <a:ea typeface="+mn-ea"/>
-                <a:cs typeface="Arial" pitchFamily="34" charset="0"/>
-              </a:rPr>
-              <a:t>the DNN-based systems were preferred significantly to the HMM-based ones in all three model sizes. The subjects reported that the DNN-based systems were less muffled.</a:t>
-            </a:r>
-          </a:p>
-          <a:p>
-            <a:endParaRPr lang="de-DE" sz="1200" b="0" i="0" u="none" strike="noStrike" kern="1200" baseline="0" dirty="0">
-              <a:solidFill>
-                <a:schemeClr val="tx1"/>
-              </a:solidFill>
-              <a:latin typeface="Arial" pitchFamily="34" charset="0"/>
-              <a:ea typeface="+mn-ea"/>
-              <a:cs typeface="Arial" pitchFamily="34" charset="0"/>
-            </a:endParaRPr>
-          </a:p>
-          <a:p>
-            <a:r>
-              <a:rPr lang="en-US" sz="1200" b="0" i="0" u="none" strike="noStrike" kern="1200" baseline="0" dirty="0">
-                <a:solidFill>
-                  <a:schemeClr val="tx1"/>
-                </a:solidFill>
-                <a:latin typeface="Arial" pitchFamily="34" charset="0"/>
-                <a:ea typeface="+mn-ea"/>
-                <a:cs typeface="Arial" pitchFamily="34" charset="0"/>
-              </a:rPr>
-              <a:t>The authors expect that better prediction of Mel-cepstral coefficients by the DNN-based systems contributed to the preference.</a:t>
+              <a:t>Using a Deep Neural Network (DNN) as acoustic model</a:t>
+            </a:r>
+          </a:p>
+          <a:p>
+            <a:pPr marL="285750" indent="-285750">
+              <a:lnSpc>
+                <a:spcPct val="100000"/>
+              </a:lnSpc>
+              <a:spcAft>
+                <a:spcPts val="1200"/>
+              </a:spcAft>
+              <a:buFont typeface="Arial" panose="020B0604020202020204" pitchFamily="34" charset="0"/>
+              <a:buChar char="•"/>
+            </a:pPr>
+            <a:r>
+              <a:rPr lang="de-DE" dirty="0" err="1"/>
+              <a:t>Only</a:t>
+            </a:r>
+            <a:r>
+              <a:rPr lang="de-DE" dirty="0"/>
+              <a:t> </a:t>
+            </a:r>
+            <a:r>
+              <a:rPr lang="de-DE" dirty="0" err="1"/>
+              <a:t>modification</a:t>
+            </a:r>
+            <a:r>
+              <a:rPr lang="de-DE" dirty="0"/>
+              <a:t> in Back-end</a:t>
             </a:r>
             <a:endParaRPr lang="en-US" dirty="0"/>
           </a:p>
@@ -14723,7 +15144,7 @@
     </p:spTree>
     <p:extLst>
       <p:ext uri="{BB962C8B-B14F-4D97-AF65-F5344CB8AC3E}">
-        <p14:creationId xmlns:p14="http://schemas.microsoft.com/office/powerpoint/2010/main" val="373799104"/>
+        <p14:creationId xmlns:p14="http://schemas.microsoft.com/office/powerpoint/2010/main" val="3142891854"/>
       </p:ext>
     </p:extLst>
   </p:cSld>
@@ -14777,117 +15198,67 @@
           <a:bodyPr/>
           <a:lstStyle/>
           <a:p>
-            <a:pPr marL="285750" indent="-285750">
-              <a:buFont typeface="Arial" panose="020B0604020202020204" pitchFamily="34" charset="0"/>
-              <a:buChar char="•"/>
+            <a:pPr marL="0" marR="0" lvl="0" indent="0" algn="l" defTabSz="914400" rtl="0" eaLnBrk="1" fontAlgn="base" latinLnBrk="0" hangingPunct="1">
+              <a:lnSpc>
+                <a:spcPct val="100000"/>
+              </a:lnSpc>
+              <a:spcBef>
+                <a:spcPct val="30000"/>
+              </a:spcBef>
+              <a:spcAft>
+                <a:spcPct val="0"/>
+              </a:spcAft>
+              <a:buClrTx/>
+              <a:buSzTx/>
+              <a:buFontTx/>
+              <a:buNone/>
+              <a:tabLst/>
+              <a:defRPr/>
             </a:pPr>
             <a:r>
               <a:rPr lang="en-US" dirty="0"/>
-              <a:t>2.1 billion smartphone users worldwide in 2016</a:t>
-            </a:r>
-          </a:p>
-          <a:p>
-            <a:pPr marL="285750" indent="-285750">
-              <a:buFont typeface="Arial" panose="020B0604020202020204" pitchFamily="34" charset="0"/>
-              <a:buChar char="•"/>
-            </a:pPr>
-            <a:r>
-              <a:rPr lang="en-US" dirty="0"/>
-              <a:t>in 2016 about 1.5 billion new smartphones were sold</a:t>
-            </a:r>
-          </a:p>
-          <a:p>
-            <a:pPr marL="285750" indent="-285750">
-              <a:buFont typeface="Wingdings" panose="05000000000000000000" pitchFamily="2" charset="2"/>
-              <a:buChar char="à"/>
-            </a:pPr>
-            <a:r>
-              <a:rPr lang="en-US" dirty="0">
-                <a:sym typeface="Wingdings" panose="05000000000000000000" pitchFamily="2" charset="2"/>
+              <a:t>The DNN-based systems consistently outperformed the HMM-based ones in voiced/unvoiced classification and aperiodicity prediction. The DNN-based systems with many layers were similar to or better than the HMM-based ones in Mel-cepstral distortion. On the other hand, the HMM-based systems outperformed the DNN-based ones in log F0 prediction in most cases.</a:t>
+            </a:r>
+            <a:endParaRPr lang="de-DE" b="1" dirty="0"/>
+          </a:p>
+          <a:p>
+            <a:endParaRPr lang="de-DE" dirty="0"/>
+          </a:p>
+          <a:p>
+            <a:r>
+              <a:rPr lang="en-US" sz="1200" b="0" i="0" u="none" strike="noStrike" kern="1200" baseline="0" dirty="0">
+                <a:solidFill>
+                  <a:schemeClr val="tx1"/>
+                </a:solidFill>
+                <a:latin typeface="Arial" pitchFamily="34" charset="0"/>
+                <a:ea typeface="+mn-ea"/>
+                <a:cs typeface="Arial" pitchFamily="34" charset="0"/>
               </a:rPr>
-              <a:t>Speech as extension</a:t>
-            </a:r>
-          </a:p>
-          <a:p>
-            <a:pPr marL="285750" indent="-285750">
-              <a:buFont typeface="Wingdings" panose="05000000000000000000" pitchFamily="2" charset="2"/>
-              <a:buChar char="à"/>
-            </a:pPr>
-            <a:r>
-              <a:rPr lang="de-DE" dirty="0">
-                <a:sym typeface="Wingdings" panose="05000000000000000000" pitchFamily="2" charset="2"/>
+              <a:t>the DNN-based systems were preferred significantly to the HMM-based ones in all three model sizes. The subjects reported that the DNN-based systems were less muffled.</a:t>
+            </a:r>
+          </a:p>
+          <a:p>
+            <a:endParaRPr lang="de-DE" sz="1200" b="0" i="0" u="none" strike="noStrike" kern="1200" baseline="0" dirty="0">
+              <a:solidFill>
+                <a:schemeClr val="tx1"/>
+              </a:solidFill>
+              <a:latin typeface="Arial" pitchFamily="34" charset="0"/>
+              <a:ea typeface="+mn-ea"/>
+              <a:cs typeface="Arial" pitchFamily="34" charset="0"/>
+            </a:endParaRPr>
+          </a:p>
+          <a:p>
+            <a:r>
+              <a:rPr lang="en-US" sz="1200" b="0" i="0" u="none" strike="noStrike" kern="1200" baseline="0" dirty="0">
+                <a:solidFill>
+                  <a:schemeClr val="tx1"/>
+                </a:solidFill>
+                <a:latin typeface="Arial" pitchFamily="34" charset="0"/>
+                <a:ea typeface="+mn-ea"/>
+                <a:cs typeface="Arial" pitchFamily="34" charset="0"/>
               </a:rPr>
-              <a:t>S</a:t>
-            </a:r>
-            <a:r>
-              <a:rPr lang="en-US" dirty="0" err="1">
-                <a:sym typeface="Wingdings" panose="05000000000000000000" pitchFamily="2" charset="2"/>
-              </a:rPr>
-              <a:t>peech</a:t>
-            </a:r>
-            <a:r>
-              <a:rPr lang="en-US" dirty="0">
-                <a:sym typeface="Wingdings" panose="05000000000000000000" pitchFamily="2" charset="2"/>
-              </a:rPr>
-              <a:t> as main output</a:t>
-            </a:r>
-          </a:p>
-          <a:p>
-            <a:pPr marL="285750" indent="-285750">
-              <a:buFont typeface="Wingdings" panose="05000000000000000000" pitchFamily="2" charset="2"/>
-              <a:buChar char="à"/>
-            </a:pPr>
-            <a:r>
-              <a:rPr lang="de-DE" dirty="0">
-                <a:sym typeface="Wingdings" panose="05000000000000000000" pitchFamily="2" charset="2"/>
-              </a:rPr>
-              <a:t>Help </a:t>
-            </a:r>
-            <a:r>
-              <a:rPr lang="de-DE" dirty="0" err="1">
-                <a:sym typeface="Wingdings" panose="05000000000000000000" pitchFamily="2" charset="2"/>
-              </a:rPr>
-              <a:t>visually</a:t>
-            </a:r>
-            <a:r>
-              <a:rPr lang="de-DE" dirty="0">
-                <a:sym typeface="Wingdings" panose="05000000000000000000" pitchFamily="2" charset="2"/>
-              </a:rPr>
-              <a:t> </a:t>
-            </a:r>
-            <a:r>
-              <a:rPr lang="de-DE" dirty="0" err="1">
-                <a:sym typeface="Wingdings" panose="05000000000000000000" pitchFamily="2" charset="2"/>
-              </a:rPr>
-              <a:t>impaired</a:t>
-            </a:r>
-            <a:r>
-              <a:rPr lang="de-DE" dirty="0">
-                <a:sym typeface="Wingdings" panose="05000000000000000000" pitchFamily="2" charset="2"/>
-              </a:rPr>
-              <a:t> </a:t>
-            </a:r>
-            <a:r>
-              <a:rPr lang="de-DE" dirty="0" err="1">
-                <a:sym typeface="Wingdings" panose="05000000000000000000" pitchFamily="2" charset="2"/>
-              </a:rPr>
-              <a:t>or</a:t>
-            </a:r>
-            <a:r>
-              <a:rPr lang="de-DE" dirty="0">
-                <a:sym typeface="Wingdings" panose="05000000000000000000" pitchFamily="2" charset="2"/>
-              </a:rPr>
-              <a:t> blind </a:t>
-            </a:r>
-            <a:r>
-              <a:rPr lang="de-DE" dirty="0" err="1">
-                <a:sym typeface="Wingdings" panose="05000000000000000000" pitchFamily="2" charset="2"/>
-              </a:rPr>
-              <a:t>people</a:t>
-            </a:r>
-            <a:endParaRPr lang="en-US" dirty="0"/>
-          </a:p>
-          <a:p>
+              <a:t>The authors expect that better prediction of Mel-cepstral coefficients by the DNN-based systems contributed to the preference.</a:t>
+            </a:r>
             <a:endParaRPr lang="en-US" dirty="0"/>
           </a:p>
         </p:txBody>
@@ -14915,7 +15286,7 @@
               <a:pPr>
                 <a:defRPr/>
               </a:pPr>
-              <a:t>14</a:t>
+              <a:t>13</a:t>
             </a:fld>
             <a:endParaRPr lang="en-GB"/>
           </a:p>
@@ -14924,7 +15295,7 @@
     </p:spTree>
     <p:extLst>
       <p:ext uri="{BB962C8B-B14F-4D97-AF65-F5344CB8AC3E}">
-        <p14:creationId xmlns:p14="http://schemas.microsoft.com/office/powerpoint/2010/main" val="17025348"/>
+        <p14:creationId xmlns:p14="http://schemas.microsoft.com/office/powerpoint/2010/main" val="373799104"/>
       </p:ext>
     </p:extLst>
   </p:cSld>
@@ -14978,252 +15349,115 @@
           <a:bodyPr/>
           <a:lstStyle/>
           <a:p>
-            <a:pPr marL="0" marR="0" lvl="0" indent="0" algn="l" defTabSz="914400" rtl="0" eaLnBrk="1" fontAlgn="base" latinLnBrk="0" hangingPunct="1">
-              <a:lnSpc>
-                <a:spcPct val="100000"/>
-              </a:lnSpc>
-              <a:spcBef>
-                <a:spcPct val="30000"/>
-              </a:spcBef>
-              <a:spcAft>
-                <a:spcPct val="0"/>
-              </a:spcAft>
-              <a:buClrTx/>
-              <a:buSzTx/>
-              <a:buFontTx/>
-              <a:buNone/>
-              <a:tabLst/>
-              <a:defRPr/>
+            <a:pPr marL="285750" indent="-285750">
+              <a:buFont typeface="Arial" panose="020B0604020202020204" pitchFamily="34" charset="0"/>
+              <a:buChar char="•"/>
             </a:pPr>
             <a:r>
-              <a:rPr lang="en-US" sz="1200" b="1" i="0" u="none" strike="noStrike" kern="1200" baseline="0" dirty="0">
-                <a:solidFill>
-                  <a:schemeClr val="tx1"/>
-                </a:solidFill>
-                <a:latin typeface="Arial" pitchFamily="34" charset="0"/>
-                <a:ea typeface="+mn-ea"/>
-                <a:cs typeface="Arial" pitchFamily="34" charset="0"/>
-              </a:rPr>
-              <a:t>Syllabification</a:t>
-            </a:r>
-            <a:r>
-              <a:rPr lang="en-US" sz="1200" b="0" i="0" u="none" strike="noStrike" kern="1200" baseline="0" dirty="0">
-                <a:solidFill>
-                  <a:schemeClr val="tx1"/>
-                </a:solidFill>
-                <a:latin typeface="Arial" pitchFamily="34" charset="0"/>
-                <a:ea typeface="+mn-ea"/>
-                <a:cs typeface="Arial" pitchFamily="34" charset="0"/>
-              </a:rPr>
-              <a:t>: the decomposition of words into their phonological units.</a:t>
-            </a:r>
-          </a:p>
-          <a:p>
-            <a:endParaRPr lang="de-DE" dirty="0"/>
-          </a:p>
-          <a:p>
-            <a:r>
-              <a:rPr lang="en-US" sz="1200" b="1" i="0" u="none" strike="noStrike" kern="1200" baseline="0" dirty="0">
-                <a:solidFill>
-                  <a:schemeClr val="tx1"/>
-                </a:solidFill>
-                <a:latin typeface="Arial" pitchFamily="34" charset="0"/>
-                <a:ea typeface="+mn-ea"/>
-                <a:cs typeface="Arial" pitchFamily="34" charset="0"/>
-              </a:rPr>
-              <a:t>Phonetic transcription</a:t>
-            </a:r>
-            <a:r>
-              <a:rPr lang="en-US" sz="1200" b="0" i="0" u="none" strike="noStrike" kern="1200" baseline="0" dirty="0">
-                <a:solidFill>
-                  <a:schemeClr val="tx1"/>
-                </a:solidFill>
-                <a:latin typeface="Arial" pitchFamily="34" charset="0"/>
-                <a:ea typeface="+mn-ea"/>
-                <a:cs typeface="Arial" pitchFamily="34" charset="0"/>
-              </a:rPr>
-              <a:t>: the process of “translation” from letters to phonemes (also known as letter-to-sound or grapheme-to-phoneme translation)</a:t>
-            </a:r>
-            <a:endParaRPr lang="de-DE" sz="1200" b="0" i="0" u="none" strike="noStrike" kern="1200" baseline="0" dirty="0">
-              <a:solidFill>
-                <a:schemeClr val="tx1"/>
-              </a:solidFill>
-              <a:latin typeface="Arial" pitchFamily="34" charset="0"/>
-              <a:ea typeface="+mn-ea"/>
-              <a:cs typeface="Arial" pitchFamily="34" charset="0"/>
-            </a:endParaRPr>
-          </a:p>
-          <a:p>
-            <a:endParaRPr lang="en-US" sz="1200" b="0" i="0" u="none" strike="noStrike" kern="1200" baseline="0" dirty="0">
-              <a:solidFill>
-                <a:schemeClr val="tx1"/>
-              </a:solidFill>
-              <a:latin typeface="Arial" pitchFamily="34" charset="0"/>
-              <a:ea typeface="+mn-ea"/>
-              <a:cs typeface="Arial" pitchFamily="34" charset="0"/>
-            </a:endParaRPr>
-          </a:p>
-          <a:p>
-            <a:r>
-              <a:rPr lang="en-US" sz="1200" b="1" i="0" u="none" strike="noStrike" kern="1200" baseline="0" dirty="0">
-                <a:solidFill>
-                  <a:schemeClr val="tx1"/>
-                </a:solidFill>
-                <a:latin typeface="Arial" pitchFamily="34" charset="0"/>
-                <a:ea typeface="+mn-ea"/>
-                <a:cs typeface="Arial" pitchFamily="34" charset="0"/>
-              </a:rPr>
-              <a:t>Part-of-speech (POS) tagging </a:t>
-            </a:r>
-            <a:r>
-              <a:rPr lang="en-US" sz="1200" b="0" i="0" u="none" strike="noStrike" kern="1200" baseline="0" dirty="0">
-                <a:solidFill>
-                  <a:schemeClr val="tx1"/>
-                </a:solidFill>
-                <a:latin typeface="Arial" pitchFamily="34" charset="0"/>
-                <a:ea typeface="+mn-ea"/>
-                <a:cs typeface="Arial" pitchFamily="34" charset="0"/>
-              </a:rPr>
-              <a:t>is the process of assigning each word in a sentence its uniquely interpretable tag - its part of speech. </a:t>
-            </a:r>
-          </a:p>
-          <a:p>
-            <a:r>
-              <a:rPr lang="en-US" sz="1200" b="0" i="0" u="none" strike="noStrike" kern="1200" baseline="0" dirty="0">
-                <a:solidFill>
-                  <a:schemeClr val="tx1"/>
-                </a:solidFill>
-                <a:latin typeface="Arial" pitchFamily="34" charset="0"/>
-                <a:ea typeface="+mn-ea"/>
-                <a:cs typeface="Arial" pitchFamily="34" charset="0"/>
+              <a:rPr lang="en-US" dirty="0"/>
+              <a:t>2.1 billion smartphone users worldwide in 2016</a:t>
+            </a:r>
+          </a:p>
+          <a:p>
+            <a:pPr marL="285750" indent="-285750">
+              <a:buFont typeface="Arial" panose="020B0604020202020204" pitchFamily="34" charset="0"/>
+              <a:buChar char="•"/>
+            </a:pPr>
+            <a:r>
+              <a:rPr lang="en-US" dirty="0"/>
+              <a:t>in 2016 about 1.5 billion new smartphones were sold</a:t>
+            </a:r>
+          </a:p>
+          <a:p>
+            <a:pPr marL="285750" indent="-285750">
+              <a:buFont typeface="Wingdings" panose="05000000000000000000" pitchFamily="2" charset="2"/>
+              <a:buChar char="à"/>
+            </a:pPr>
+            <a:r>
+              <a:rPr lang="en-US" dirty="0">
                 <a:sym typeface="Wingdings" panose="05000000000000000000" pitchFamily="2" charset="2"/>
               </a:rPr>
-              <a:t> </a:t>
-            </a:r>
-            <a:r>
-              <a:rPr lang="en-US" sz="1200" b="0" i="0" u="none" strike="noStrike" kern="1200" baseline="0" dirty="0">
-                <a:solidFill>
-                  <a:schemeClr val="tx1"/>
-                </a:solidFill>
-                <a:latin typeface="Arial" pitchFamily="34" charset="0"/>
-                <a:ea typeface="+mn-ea"/>
-                <a:cs typeface="Arial" pitchFamily="34" charset="0"/>
-              </a:rPr>
-              <a:t>choose the correct pronunciation for a homophone word</a:t>
-            </a:r>
-          </a:p>
-          <a:p>
-            <a:endParaRPr lang="de-DE" sz="1200" b="0" i="0" u="none" strike="noStrike" kern="1200" baseline="0" dirty="0">
-              <a:solidFill>
-                <a:schemeClr val="tx1"/>
-              </a:solidFill>
-              <a:latin typeface="Arial" pitchFamily="34" charset="0"/>
-              <a:ea typeface="+mn-ea"/>
-              <a:cs typeface="Arial" pitchFamily="34" charset="0"/>
-            </a:endParaRPr>
-          </a:p>
-          <a:p>
-            <a:pPr marL="0" marR="0" lvl="0" indent="0" algn="l" defTabSz="914400" rtl="0" eaLnBrk="1" fontAlgn="base" latinLnBrk="0" hangingPunct="1">
-              <a:lnSpc>
-                <a:spcPct val="100000"/>
-              </a:lnSpc>
-              <a:spcBef>
-                <a:spcPct val="30000"/>
-              </a:spcBef>
-              <a:spcAft>
-                <a:spcPct val="0"/>
-              </a:spcAft>
-              <a:buClrTx/>
-              <a:buSzTx/>
-              <a:buFontTx/>
-              <a:buNone/>
-              <a:tabLst/>
-              <a:defRPr/>
+              <a:t>Speech as extension</a:t>
+            </a:r>
+          </a:p>
+          <a:p>
+            <a:pPr marL="285750" indent="-285750">
+              <a:buFont typeface="Wingdings" panose="05000000000000000000" pitchFamily="2" charset="2"/>
+              <a:buChar char="à"/>
             </a:pPr>
             <a:r>
-              <a:rPr lang="en-US" sz="1200" b="1" i="0" u="none" strike="noStrike" kern="1200" baseline="0" dirty="0">
-                <a:solidFill>
-                  <a:schemeClr val="tx1"/>
-                </a:solidFill>
-                <a:latin typeface="Arial" pitchFamily="34" charset="0"/>
-                <a:ea typeface="+mn-ea"/>
-                <a:cs typeface="Arial" pitchFamily="34" charset="0"/>
-              </a:rPr>
-              <a:t>Lexical stress prediction</a:t>
-            </a:r>
-            <a:r>
-              <a:rPr lang="en-US" sz="1200" b="0" i="0" u="none" strike="noStrike" kern="1200" baseline="0" dirty="0">
-                <a:solidFill>
-                  <a:schemeClr val="tx1"/>
-                </a:solidFill>
-                <a:latin typeface="Arial" pitchFamily="34" charset="0"/>
-                <a:ea typeface="+mn-ea"/>
-                <a:cs typeface="Arial" pitchFamily="34" charset="0"/>
-              </a:rPr>
-              <a:t>: Certain syllables inside a word have a higher prominence compared to its neighboring syllables, giving the word a specific sound. </a:t>
-            </a:r>
-          </a:p>
-          <a:p>
-            <a:pPr marL="0" marR="0" lvl="0" indent="0" algn="l" defTabSz="914400" rtl="0" eaLnBrk="1" fontAlgn="base" latinLnBrk="0" hangingPunct="1">
-              <a:lnSpc>
-                <a:spcPct val="100000"/>
-              </a:lnSpc>
-              <a:spcBef>
-                <a:spcPct val="30000"/>
-              </a:spcBef>
-              <a:spcAft>
-                <a:spcPct val="0"/>
-              </a:spcAft>
-              <a:buClrTx/>
-              <a:buSzTx/>
-              <a:buFontTx/>
-              <a:buNone/>
-              <a:tabLst/>
-              <a:defRPr/>
-            </a:pPr>
-            <a:r>
-              <a:rPr lang="en-US" sz="1200" b="0" i="0" u="none" strike="noStrike" kern="1200" baseline="0" dirty="0">
-                <a:solidFill>
-                  <a:schemeClr val="tx1"/>
-                </a:solidFill>
-                <a:latin typeface="Arial" pitchFamily="34" charset="0"/>
-                <a:ea typeface="+mn-ea"/>
-                <a:cs typeface="Arial" pitchFamily="34" charset="0"/>
+              <a:rPr lang="de-DE" dirty="0">
                 <a:sym typeface="Wingdings" panose="05000000000000000000" pitchFamily="2" charset="2"/>
               </a:rPr>
-              <a:t> </a:t>
-            </a:r>
-            <a:r>
-              <a:rPr lang="en-US" sz="1200" b="0" i="0" u="none" strike="noStrike" kern="1200" baseline="0" dirty="0">
-                <a:solidFill>
-                  <a:schemeClr val="tx1"/>
-                </a:solidFill>
-                <a:latin typeface="Arial" pitchFamily="34" charset="0"/>
-                <a:ea typeface="+mn-ea"/>
-                <a:cs typeface="Arial" pitchFamily="34" charset="0"/>
+              <a:t>S</a:t>
+            </a:r>
+            <a:r>
+              <a:rPr lang="en-US" dirty="0" err="1">
+                <a:sym typeface="Wingdings" panose="05000000000000000000" pitchFamily="2" charset="2"/>
               </a:rPr>
-              <a:t>choose the correct pronunciation for a homophone word</a:t>
-            </a:r>
-          </a:p>
-          <a:p>
-            <a:endParaRPr lang="de-DE" sz="1200" b="0" i="0" u="none" strike="noStrike" kern="1200" baseline="0" dirty="0">
-              <a:solidFill>
-                <a:schemeClr val="tx1"/>
-              </a:solidFill>
-              <a:latin typeface="Arial" pitchFamily="34" charset="0"/>
-              <a:ea typeface="+mn-ea"/>
-              <a:cs typeface="Arial" pitchFamily="34" charset="0"/>
-            </a:endParaRPr>
-          </a:p>
-          <a:p>
-            <a:endParaRPr lang="en-US" sz="1200" b="0" i="0" u="none" strike="noStrike" kern="1200" baseline="0" dirty="0">
-              <a:solidFill>
-                <a:schemeClr val="tx1"/>
-              </a:solidFill>
-              <a:latin typeface="Arial" pitchFamily="34" charset="0"/>
-              <a:ea typeface="+mn-ea"/>
-              <a:cs typeface="Arial" pitchFamily="34" charset="0"/>
-            </a:endParaRPr>
+              <a:t>peech</a:t>
+            </a:r>
+            <a:r>
+              <a:rPr lang="en-US" dirty="0">
+                <a:sym typeface="Wingdings" panose="05000000000000000000" pitchFamily="2" charset="2"/>
+              </a:rPr>
+              <a:t> as main output</a:t>
+            </a:r>
+          </a:p>
+          <a:p>
+            <a:pPr marL="285750" indent="-285750">
+              <a:buFont typeface="Wingdings" panose="05000000000000000000" pitchFamily="2" charset="2"/>
+              <a:buChar char="à"/>
+            </a:pPr>
+            <a:r>
+              <a:rPr lang="de-DE" dirty="0">
+                <a:sym typeface="Wingdings" panose="05000000000000000000" pitchFamily="2" charset="2"/>
+              </a:rPr>
+              <a:t>Help </a:t>
+            </a:r>
+            <a:r>
+              <a:rPr lang="de-DE" dirty="0" err="1">
+                <a:sym typeface="Wingdings" panose="05000000000000000000" pitchFamily="2" charset="2"/>
+              </a:rPr>
+              <a:t>visually</a:t>
+            </a:r>
+            <a:r>
+              <a:rPr lang="de-DE" dirty="0">
+                <a:sym typeface="Wingdings" panose="05000000000000000000" pitchFamily="2" charset="2"/>
+              </a:rPr>
+              <a:t> </a:t>
+            </a:r>
+            <a:r>
+              <a:rPr lang="de-DE" dirty="0" err="1">
+                <a:sym typeface="Wingdings" panose="05000000000000000000" pitchFamily="2" charset="2"/>
+              </a:rPr>
+              <a:t>impaired</a:t>
+            </a:r>
+            <a:r>
+              <a:rPr lang="de-DE" dirty="0">
+                <a:sym typeface="Wingdings" panose="05000000000000000000" pitchFamily="2" charset="2"/>
+              </a:rPr>
+              <a:t> </a:t>
+            </a:r>
+            <a:r>
+              <a:rPr lang="de-DE" dirty="0" err="1">
+                <a:sym typeface="Wingdings" panose="05000000000000000000" pitchFamily="2" charset="2"/>
+              </a:rPr>
+              <a:t>or</a:t>
+            </a:r>
+            <a:r>
+              <a:rPr lang="de-DE" dirty="0">
+                <a:sym typeface="Wingdings" panose="05000000000000000000" pitchFamily="2" charset="2"/>
+              </a:rPr>
+              <a:t> blind </a:t>
+            </a:r>
+            <a:r>
+              <a:rPr lang="de-DE" dirty="0" err="1">
+                <a:sym typeface="Wingdings" panose="05000000000000000000" pitchFamily="2" charset="2"/>
+              </a:rPr>
+              <a:t>people</a:t>
+            </a:r>
+            <a:endParaRPr lang="en-US" dirty="0"/>
           </a:p>
           <a:p>
             <a:endParaRPr lang="en-US" dirty="0"/>
@@ -15262,7 +15496,7 @@
     </p:spTree>
     <p:extLst>
       <p:ext uri="{BB962C8B-B14F-4D97-AF65-F5344CB8AC3E}">
-        <p14:creationId xmlns:p14="http://schemas.microsoft.com/office/powerpoint/2010/main" val="1801823156"/>
+        <p14:creationId xmlns:p14="http://schemas.microsoft.com/office/powerpoint/2010/main" val="17025348"/>
       </p:ext>
     </p:extLst>
   </p:cSld>
@@ -23125,6 +23359,55 @@
           <a:effectLst/>
         </p:spPr>
       </p:pic>
+      <p:sp>
+        <p:nvSpPr>
+          <p:cNvPr id="4" name="Textfeld 3">
+            <a:extLst>
+              <a:ext uri="{FF2B5EF4-FFF2-40B4-BE49-F238E27FC236}">
+                <a16:creationId xmlns:a16="http://schemas.microsoft.com/office/drawing/2014/main" id="{B04329CF-368A-4EA3-95F1-D49FC06F7574}"/>
+              </a:ext>
+            </a:extLst>
+          </p:cNvPr>
+          <p:cNvSpPr txBox="1"/>
+          <p:nvPr/>
+        </p:nvSpPr>
+        <p:spPr>
+          <a:xfrm>
+            <a:off x="2795262" y="5199864"/>
+            <a:ext cx="3349318" cy="140359"/>
+          </a:xfrm>
+          <a:prstGeom prst="rect">
+            <a:avLst/>
+          </a:prstGeom>
+          <a:noFill/>
+        </p:spPr>
+        <p:txBody>
+          <a:bodyPr wrap="square" lIns="0" tIns="0" rIns="0" bIns="0" rtlCol="0">
+            <a:spAutoFit/>
+          </a:bodyPr>
+          <a:lstStyle/>
+          <a:p>
+            <a:pPr algn="ctr">
+              <a:lnSpc>
+                <a:spcPct val="114000"/>
+              </a:lnSpc>
+            </a:pPr>
+            <a:r>
+              <a:rPr lang="de-DE" sz="800" dirty="0">
+                <a:latin typeface="+mn-lt"/>
+              </a:rPr>
+              <a:t>Source: </a:t>
+            </a:r>
+            <a:r>
+              <a:rPr lang="de-DE" sz="800" dirty="0"/>
+              <a:t>https://lingojam.com/StephenHawkingVoiceGenerator</a:t>
+            </a:r>
+            <a:endParaRPr lang="en-US" sz="800" dirty="0">
+              <a:latin typeface="+mn-lt"/>
+            </a:endParaRPr>
+          </a:p>
+        </p:txBody>
+      </p:sp>
     </p:spTree>
     <p:extLst>
       <p:ext uri="{BB962C8B-B14F-4D97-AF65-F5344CB8AC3E}">
@@ -23199,6 +23482,33 @@
                                   </p:childTnLst>
                                 </p:cTn>
                               </p:par>
+                              <p:par>
+                                <p:cTn id="9" presetID="1" presetClass="entr" presetSubtype="0" fill="hold" grpId="0" nodeType="withEffect">
+                                  <p:stCondLst>
+                                    <p:cond delay="0"/>
+                                  </p:stCondLst>
+                                  <p:childTnLst>
+                                    <p:set>
+                                      <p:cBhvr>
+                                        <p:cTn id="10" dur="1" fill="hold">
+                                          <p:stCondLst>
+                                            <p:cond delay="0"/>
+                                          </p:stCondLst>
+                                        </p:cTn>
+                                        <p:tgtEl>
+                                          <p:spTgt spid="4"/>
+                                        </p:tgtEl>
+                                        <p:attrNameLst>
+                                          <p:attrName>style.visibility</p:attrName>
+                                        </p:attrNameLst>
+                                      </p:cBhvr>
+                                      <p:to>
+                                        <p:strVal val="visible"/>
+                                      </p:to>
+                                    </p:set>
+                                  </p:childTnLst>
+                                </p:cTn>
+                              </p:par>
                             </p:childTnLst>
                           </p:cTn>
                         </p:par>
@@ -23224,7 +23534,7 @@
             </p:seq>
             <p:audio>
               <p:cMediaNode vol="80000">
-                <p:cTn id="9" fill="hold" display="0">
+                <p:cTn id="11" fill="hold" display="0">
                   <p:stCondLst>
                     <p:cond delay="indefinite"/>
                   </p:stCondLst>
@@ -23245,11 +23555,330 @@
         </p:cTn>
       </p:par>
     </p:tnLst>
+    <p:bldLst>
+      <p:bldP spid="4" grpId="0"/>
+    </p:bldLst>
   </p:timing>
 </p:sld>
 </file>
 
 <file path=ppt/slides/slide10.xml><?xml version="1.0" encoding="utf-8"?>
+<p:sld xmlns:a="http://schemas.openxmlformats.org/drawingml/2006/main" xmlns:r="http://schemas.openxmlformats.org/officeDocument/2006/relationships" xmlns:p="http://schemas.openxmlformats.org/presentationml/2006/main">
+  <p:cSld>
+    <p:spTree>
+      <p:nvGrpSpPr>
+        <p:cNvPr id="1" name=""/>
+        <p:cNvGrpSpPr/>
+        <p:nvPr/>
+      </p:nvGrpSpPr>
+      <p:grpSpPr>
+        <a:xfrm>
+          <a:off x="0" y="0"/>
+          <a:ext cx="0" cy="0"/>
+          <a:chOff x="0" y="0"/>
+          <a:chExt cx="0" cy="0"/>
+        </a:xfrm>
+      </p:grpSpPr>
+      <p:sp>
+        <p:nvSpPr>
+          <p:cNvPr id="3" name="Foliennummernplatzhalter 2">
+            <a:extLst>
+              <a:ext uri="{FF2B5EF4-FFF2-40B4-BE49-F238E27FC236}">
+                <a16:creationId xmlns:a16="http://schemas.microsoft.com/office/drawing/2014/main" id="{897BBC7A-4199-4751-AFCA-982BC610F8F7}"/>
+              </a:ext>
+            </a:extLst>
+          </p:cNvPr>
+          <p:cNvSpPr>
+            <a:spLocks noGrp="1"/>
+          </p:cNvSpPr>
+          <p:nvPr>
+            <p:ph type="sldNum" sz="quarter" idx="11"/>
+          </p:nvPr>
+        </p:nvSpPr>
+        <p:spPr/>
+        <p:txBody>
+          <a:bodyPr/>
+          <a:lstStyle/>
+          <a:p>
+            <a:fld id="{CE58CB1E-F828-4F11-99E0-327109AF9DA4}" type="slidenum">
+              <a:rPr lang="de-DE" smtClean="0"/>
+              <a:pPr/>
+              <a:t>10</a:t>
+            </a:fld>
+            <a:endParaRPr lang="de-DE" dirty="0"/>
+          </a:p>
+        </p:txBody>
+      </p:sp>
+      <p:sp>
+        <p:nvSpPr>
+          <p:cNvPr id="4" name="Titel 3">
+            <a:extLst>
+              <a:ext uri="{FF2B5EF4-FFF2-40B4-BE49-F238E27FC236}">
+                <a16:creationId xmlns:a16="http://schemas.microsoft.com/office/drawing/2014/main" id="{50AB3C6E-C921-46F4-9312-5B49DC3AD52E}"/>
+              </a:ext>
+            </a:extLst>
+          </p:cNvPr>
+          <p:cNvSpPr>
+            <a:spLocks noGrp="1"/>
+          </p:cNvSpPr>
+          <p:nvPr>
+            <p:ph type="title"/>
+          </p:nvPr>
+        </p:nvSpPr>
+        <p:spPr/>
+        <p:txBody>
+          <a:bodyPr/>
+          <a:lstStyle/>
+          <a:p>
+            <a:r>
+              <a:rPr lang="en-US" dirty="0"/>
+              <a:t>Demonstration of HMM-based speech synthesis</a:t>
+            </a:r>
+          </a:p>
+        </p:txBody>
+      </p:sp>
+      <p:pic>
+        <p:nvPicPr>
+          <p:cNvPr id="9" name="hmm-demo-02b">
+            <a:hlinkClick r:id="" action="ppaction://media"/>
+            <a:extLst>
+              <a:ext uri="{FF2B5EF4-FFF2-40B4-BE49-F238E27FC236}">
+                <a16:creationId xmlns:a16="http://schemas.microsoft.com/office/drawing/2014/main" id="{99C39F01-5875-4A27-B4F5-AB4C58DAE957}"/>
+              </a:ext>
+            </a:extLst>
+          </p:cNvPr>
+          <p:cNvPicPr>
+            <a:picLocks noChangeAspect="1"/>
+          </p:cNvPicPr>
+          <p:nvPr>
+            <a:audioFile r:link="rId2"/>
+            <p:extLst>
+              <p:ext uri="{DAA4B4D4-6D71-4841-9C94-3DE7FCFB9230}">
+                <p14:media xmlns:p14="http://schemas.microsoft.com/office/powerpoint/2010/main" r:embed="rId1"/>
+              </p:ext>
+            </p:extLst>
+          </p:nvPr>
+        </p:nvPicPr>
+        <p:blipFill>
+          <a:blip r:embed="rId4"/>
+          <a:stretch>
+            <a:fillRect/>
+          </a:stretch>
+        </p:blipFill>
+        <p:spPr>
+          <a:xfrm>
+            <a:off x="3411000" y="2743954"/>
+            <a:ext cx="2322000" cy="2322000"/>
+          </a:xfrm>
+          <a:prstGeom prst="rect">
+            <a:avLst/>
+          </a:prstGeom>
+        </p:spPr>
+      </p:pic>
+      <p:sp>
+        <p:nvSpPr>
+          <p:cNvPr id="10" name="Textfeld 9">
+            <a:extLst>
+              <a:ext uri="{FF2B5EF4-FFF2-40B4-BE49-F238E27FC236}">
+                <a16:creationId xmlns:a16="http://schemas.microsoft.com/office/drawing/2014/main" id="{63841B31-EC75-4AA1-AC51-3ED630CF3C3D}"/>
+              </a:ext>
+            </a:extLst>
+          </p:cNvPr>
+          <p:cNvSpPr txBox="1"/>
+          <p:nvPr/>
+        </p:nvSpPr>
+        <p:spPr>
+          <a:xfrm>
+            <a:off x="2795262" y="5362826"/>
+            <a:ext cx="3349318" cy="140359"/>
+          </a:xfrm>
+          <a:prstGeom prst="rect">
+            <a:avLst/>
+          </a:prstGeom>
+          <a:noFill/>
+        </p:spPr>
+        <p:txBody>
+          <a:bodyPr wrap="square" lIns="0" tIns="0" rIns="0" bIns="0" rtlCol="0">
+            <a:spAutoFit/>
+          </a:bodyPr>
+          <a:lstStyle/>
+          <a:p>
+            <a:pPr algn="ctr">
+              <a:lnSpc>
+                <a:spcPct val="114000"/>
+              </a:lnSpc>
+            </a:pPr>
+            <a:r>
+              <a:rPr lang="de-DE" sz="800" dirty="0">
+                <a:latin typeface="+mn-lt"/>
+              </a:rPr>
+              <a:t>Source: </a:t>
+            </a:r>
+            <a:r>
+              <a:rPr lang="de-DE" sz="800" dirty="0"/>
+              <a:t>http://flite-hts-engine.sp.nitech.ac.jp/index.php</a:t>
+            </a:r>
+            <a:endParaRPr lang="en-US" sz="800" dirty="0">
+              <a:latin typeface="+mn-lt"/>
+            </a:endParaRPr>
+          </a:p>
+        </p:txBody>
+      </p:sp>
+    </p:spTree>
+    <p:extLst>
+      <p:ext uri="{BB962C8B-B14F-4D97-AF65-F5344CB8AC3E}">
+        <p14:creationId xmlns:p14="http://schemas.microsoft.com/office/powerpoint/2010/main" val="979947822"/>
+      </p:ext>
+    </p:extLst>
+  </p:cSld>
+  <p:clrMapOvr>
+    <a:masterClrMapping/>
+  </p:clrMapOvr>
+  <p:timing>
+    <p:tnLst>
+      <p:par>
+        <p:cTn id="1" dur="indefinite" restart="never" nodeType="tmRoot">
+          <p:childTnLst>
+            <p:seq concurrent="1" nextAc="seek">
+              <p:cTn id="2" dur="indefinite" nodeType="mainSeq">
+                <p:childTnLst>
+                  <p:par>
+                    <p:cTn id="3" fill="hold">
+                      <p:stCondLst>
+                        <p:cond delay="indefinite"/>
+                      </p:stCondLst>
+                      <p:childTnLst>
+                        <p:par>
+                          <p:cTn id="4" fill="hold">
+                            <p:stCondLst>
+                              <p:cond delay="0"/>
+                            </p:stCondLst>
+                            <p:childTnLst>
+                              <p:par>
+                                <p:cTn id="5" presetID="1" presetClass="entr" presetSubtype="0" fill="hold" nodeType="clickEffect">
+                                  <p:stCondLst>
+                                    <p:cond delay="0"/>
+                                  </p:stCondLst>
+                                  <p:childTnLst>
+                                    <p:set>
+                                      <p:cBhvr>
+                                        <p:cTn id="6" dur="1" fill="hold">
+                                          <p:stCondLst>
+                                            <p:cond delay="0"/>
+                                          </p:stCondLst>
+                                        </p:cTn>
+                                        <p:tgtEl>
+                                          <p:spTgt spid="9"/>
+                                        </p:tgtEl>
+                                        <p:attrNameLst>
+                                          <p:attrName>style.visibility</p:attrName>
+                                        </p:attrNameLst>
+                                      </p:cBhvr>
+                                      <p:to>
+                                        <p:strVal val="visible"/>
+                                      </p:to>
+                                    </p:set>
+                                  </p:childTnLst>
+                                </p:cTn>
+                              </p:par>
+                              <p:par>
+                                <p:cTn id="7" presetID="1" presetClass="mediacall" presetSubtype="0" fill="hold" nodeType="withEffect">
+                                  <p:stCondLst>
+                                    <p:cond delay="0"/>
+                                  </p:stCondLst>
+                                  <p:childTnLst>
+                                    <p:cmd type="call" cmd="playFrom(0.0)">
+                                      <p:cBhvr>
+                                        <p:cTn id="8" dur="5035" fill="hold"/>
+                                        <p:tgtEl>
+                                          <p:spTgt spid="9"/>
+                                        </p:tgtEl>
+                                      </p:cBhvr>
+                                    </p:cmd>
+                                  </p:childTnLst>
+                                </p:cTn>
+                              </p:par>
+                              <p:par>
+                                <p:cTn id="9" presetID="1" presetClass="entr" presetSubtype="0" fill="hold" grpId="0" nodeType="withEffect">
+                                  <p:stCondLst>
+                                    <p:cond delay="0"/>
+                                  </p:stCondLst>
+                                  <p:childTnLst>
+                                    <p:set>
+                                      <p:cBhvr>
+                                        <p:cTn id="10" dur="1" fill="hold">
+                                          <p:stCondLst>
+                                            <p:cond delay="0"/>
+                                          </p:stCondLst>
+                                        </p:cTn>
+                                        <p:tgtEl>
+                                          <p:spTgt spid="10"/>
+                                        </p:tgtEl>
+                                        <p:attrNameLst>
+                                          <p:attrName>style.visibility</p:attrName>
+                                        </p:attrNameLst>
+                                      </p:cBhvr>
+                                      <p:to>
+                                        <p:strVal val="visible"/>
+                                      </p:to>
+                                    </p:set>
+                                  </p:childTnLst>
+                                </p:cTn>
+                              </p:par>
+                            </p:childTnLst>
+                          </p:cTn>
+                        </p:par>
+                      </p:childTnLst>
+                    </p:cTn>
+                  </p:par>
+                </p:childTnLst>
+              </p:cTn>
+              <p:prevCondLst>
+                <p:cond evt="onPrev" delay="0">
+                  <p:tgtEl>
+                    <p:sldTgt/>
+                  </p:tgtEl>
+                </p:cond>
+              </p:prevCondLst>
+              <p:nextCondLst>
+                <p:cond evt="onNext" delay="0">
+                  <p:tgtEl>
+                    <p:sldTgt/>
+                  </p:tgtEl>
+                </p:cond>
+              </p:nextCondLst>
+            </p:seq>
+            <p:audio>
+              <p:cMediaNode vol="80000">
+                <p:cTn id="11" fill="hold" display="0">
+                  <p:stCondLst>
+                    <p:cond delay="indefinite"/>
+                  </p:stCondLst>
+                  <p:endCondLst>
+                    <p:cond evt="onStopAudio" delay="0">
+                      <p:tgtEl>
+                        <p:sldTgt/>
+                      </p:tgtEl>
+                    </p:cond>
+                  </p:endCondLst>
+                </p:cTn>
+                <p:tgtEl>
+                  <p:spTgt spid="9"/>
+                </p:tgtEl>
+              </p:cMediaNode>
+            </p:audio>
+          </p:childTnLst>
+        </p:cTn>
+      </p:par>
+    </p:tnLst>
+    <p:bldLst>
+      <p:bldP spid="10" grpId="0"/>
+    </p:bldLst>
+  </p:timing>
+</p:sld>
+</file>
+
+<file path=ppt/slides/slide11.xml><?xml version="1.0" encoding="utf-8"?>
 <p:sld xmlns:a="http://schemas.openxmlformats.org/drawingml/2006/main" xmlns:r="http://schemas.openxmlformats.org/officeDocument/2006/relationships" xmlns:p="http://schemas.openxmlformats.org/presentationml/2006/main">
   <p:cSld>
     <p:spTree>
@@ -23290,7 +23919,7 @@
             <a:fld id="{CE58CB1E-F828-4F11-99E0-327109AF9DA4}" type="slidenum">
               <a:rPr lang="de-DE" smtClean="0"/>
               <a:pPr/>
-              <a:t>10</a:t>
+              <a:t>11</a:t>
             </a:fld>
             <a:endParaRPr lang="de-DE" dirty="0"/>
           </a:p>
@@ -23778,7 +24407,7 @@
 </p:sld>
 </file>
 
-<file path=ppt/slides/slide11.xml><?xml version="1.0" encoding="utf-8"?>
+<file path=ppt/slides/slide12.xml><?xml version="1.0" encoding="utf-8"?>
 <p:sld xmlns:a="http://schemas.openxmlformats.org/drawingml/2006/main" xmlns:r="http://schemas.openxmlformats.org/officeDocument/2006/relationships" xmlns:p="http://schemas.openxmlformats.org/presentationml/2006/main">
   <p:cSld>
     <p:spTree>
@@ -23819,7 +24448,7 @@
             <a:fld id="{CE58CB1E-F828-4F11-99E0-327109AF9DA4}" type="slidenum">
               <a:rPr lang="de-DE" smtClean="0"/>
               <a:pPr/>
-              <a:t>11</a:t>
+              <a:t>12</a:t>
             </a:fld>
             <a:endParaRPr lang="de-DE" dirty="0"/>
           </a:p>
@@ -24722,7 +25351,7 @@
 </p:sld>
 </file>
 
-<file path=ppt/slides/slide12.xml><?xml version="1.0" encoding="utf-8"?>
+<file path=ppt/slides/slide13.xml><?xml version="1.0" encoding="utf-8"?>
 <p:sld xmlns:a="http://schemas.openxmlformats.org/drawingml/2006/main" xmlns:r="http://schemas.openxmlformats.org/officeDocument/2006/relationships" xmlns:p="http://schemas.openxmlformats.org/presentationml/2006/main">
   <p:cSld>
     <p:spTree>
@@ -24763,7 +25392,7 @@
             <a:fld id="{CE58CB1E-F828-4F11-99E0-327109AF9DA4}" type="slidenum">
               <a:rPr lang="de-DE" smtClean="0"/>
               <a:pPr/>
-              <a:t>12</a:t>
+              <a:t>13</a:t>
             </a:fld>
             <a:endParaRPr lang="de-DE" dirty="0"/>
           </a:p>
@@ -24995,69 +25624,6 @@
           </a:p>
         </p:txBody>
       </p:sp>
-      <p:sp>
-        <p:nvSpPr>
-          <p:cNvPr id="7" name="Textfeld 6">
-            <a:extLst>
-              <a:ext uri="{FF2B5EF4-FFF2-40B4-BE49-F238E27FC236}">
-                <a16:creationId xmlns:a16="http://schemas.microsoft.com/office/drawing/2014/main" id="{121CD71C-36ED-41B3-A518-02A6C7E87746}"/>
-              </a:ext>
-            </a:extLst>
-          </p:cNvPr>
-          <p:cNvSpPr txBox="1"/>
-          <p:nvPr/>
-        </p:nvSpPr>
-        <p:spPr>
-          <a:xfrm>
-            <a:off x="5723662" y="3915720"/>
-            <a:ext cx="1783117" cy="210507"/>
-          </a:xfrm>
-          <a:prstGeom prst="rect">
-            <a:avLst/>
-          </a:prstGeom>
-          <a:noFill/>
-        </p:spPr>
-        <p:txBody>
-          <a:bodyPr wrap="none" lIns="0" tIns="0" rIns="0" bIns="0" rtlCol="0">
-            <a:spAutoFit/>
-          </a:bodyPr>
-          <a:lstStyle/>
-          <a:p>
-            <a:pPr algn="ctr">
-              <a:lnSpc>
-                <a:spcPct val="114000"/>
-              </a:lnSpc>
-            </a:pPr>
-            <a:r>
-              <a:rPr lang="de-DE" sz="1200" dirty="0">
-                <a:latin typeface="+mn-lt"/>
-              </a:rPr>
-              <a:t>Table 2: </a:t>
-            </a:r>
-            <a:r>
-              <a:rPr lang="de-DE" sz="1200" dirty="0" err="1">
-                <a:latin typeface="+mn-lt"/>
-              </a:rPr>
-              <a:t>Subjective</a:t>
-            </a:r>
-            <a:r>
-              <a:rPr lang="de-DE" sz="1200" dirty="0">
-                <a:latin typeface="+mn-lt"/>
-              </a:rPr>
-              <a:t> </a:t>
-            </a:r>
-            <a:r>
-              <a:rPr lang="de-DE" sz="1200" dirty="0" err="1">
-                <a:latin typeface="+mn-lt"/>
-              </a:rPr>
-              <a:t>scores</a:t>
-            </a:r>
-            <a:endParaRPr lang="en-US" sz="1200" dirty="0" err="1">
-              <a:latin typeface="+mn-lt"/>
-            </a:endParaRPr>
-          </a:p>
-        </p:txBody>
-      </p:sp>
       <p:graphicFrame>
         <p:nvGraphicFramePr>
           <p:cNvPr id="10" name="Tabelle 9">
@@ -25073,14 +25639,14 @@
           <p:nvPr>
             <p:extLst>
               <p:ext uri="{D42A27DB-BD31-4B8C-83A1-F6EECF244321}">
-                <p14:modId xmlns:p14="http://schemas.microsoft.com/office/powerpoint/2010/main" val="1190775371"/>
+                <p14:modId xmlns:p14="http://schemas.microsoft.com/office/powerpoint/2010/main" val="2806156833"/>
               </p:ext>
             </p:extLst>
           </p:nvPr>
         </p:nvGraphicFramePr>
         <p:xfrm>
-          <a:off x="4541519" y="4208206"/>
-          <a:ext cx="4285416" cy="1750191"/>
+          <a:off x="4166647" y="4208206"/>
+          <a:ext cx="4660287" cy="1919406"/>
         </p:xfrm>
         <a:graphic>
           <a:graphicData uri="http://schemas.openxmlformats.org/drawingml/2006/table">
@@ -25089,21 +25655,21 @@
                 <a:tableStyleId>{69012ECD-51FC-41F1-AA8D-1B2483CD663E}</a:tableStyleId>
               </a:tblPr>
               <a:tblGrid>
-                <a:gridCol w="1428472">
+                <a:gridCol w="1404594">
                   <a:extLst>
                     <a:ext uri="{9D8B030D-6E8A-4147-A177-3AD203B41FA5}">
                       <a16:colId xmlns:a16="http://schemas.microsoft.com/office/drawing/2014/main" val="1221610781"/>
                     </a:ext>
                   </a:extLst>
                 </a:gridCol>
-                <a:gridCol w="1428472">
+                <a:gridCol w="2055044">
                   <a:extLst>
                     <a:ext uri="{9D8B030D-6E8A-4147-A177-3AD203B41FA5}">
                       <a16:colId xmlns:a16="http://schemas.microsoft.com/office/drawing/2014/main" val="629480466"/>
                     </a:ext>
                   </a:extLst>
                 </a:gridCol>
-                <a:gridCol w="1428472">
+                <a:gridCol w="1200649">
                   <a:extLst>
                     <a:ext uri="{9D8B030D-6E8A-4147-A177-3AD203B41FA5}">
                       <a16:colId xmlns:a16="http://schemas.microsoft.com/office/drawing/2014/main" val="388423807"/>
@@ -25133,6 +25699,54 @@
                           </a:solidFill>
                         </a:rPr>
                         <a:t>based</a:t>
+                      </a:r>
+                      <a:endParaRPr lang="de-DE" sz="1600" dirty="0">
+                        <a:solidFill>
+                          <a:srgbClr val="DAD7CB"/>
+                        </a:solidFill>
+                      </a:endParaRPr>
+                    </a:p>
+                    <a:p>
+                      <a:pPr algn="ctr"/>
+                      <a:r>
+                        <a:rPr lang="de-DE" sz="1200" dirty="0">
+                          <a:solidFill>
+                            <a:srgbClr val="DAD7CB"/>
+                          </a:solidFill>
+                        </a:rPr>
+                        <a:t>(</a:t>
+                      </a:r>
+                      <a:r>
+                        <a:rPr lang="de-DE" sz="1200" dirty="0" err="1">
+                          <a:solidFill>
+                            <a:srgbClr val="DAD7CB"/>
+                          </a:solidFill>
+                        </a:rPr>
+                        <a:t>scaling</a:t>
+                      </a:r>
+                      <a:r>
+                        <a:rPr lang="de-DE" sz="1200" dirty="0">
+                          <a:solidFill>
+                            <a:srgbClr val="DAD7CB"/>
+                          </a:solidFill>
+                        </a:rPr>
+                        <a:t> </a:t>
+                      </a:r>
+                      <a:r>
+                        <a:rPr lang="de-DE" sz="1200" dirty="0" err="1">
+                          <a:solidFill>
+                            <a:srgbClr val="DAD7CB"/>
+                          </a:solidFill>
+                        </a:rPr>
+                        <a:t>factor</a:t>
+                      </a:r>
+                      <a:r>
+                        <a:rPr lang="de-DE" sz="1200" dirty="0">
+                          <a:solidFill>
+                            <a:srgbClr val="DAD7CB"/>
+                          </a:solidFill>
+                        </a:rPr>
+                        <a:t>)</a:t>
                       </a:r>
                       <a:endParaRPr lang="en-US" sz="1600" dirty="0">
                         <a:solidFill>
@@ -25169,7 +25783,55 @@
                         </a:rPr>
                         <a:t>based</a:t>
                       </a:r>
-                      <a:endParaRPr lang="en-US" sz="1600" dirty="0">
+                      <a:endParaRPr lang="de-DE" sz="1600" dirty="0">
+                        <a:solidFill>
+                          <a:srgbClr val="DAD7CB"/>
+                        </a:solidFill>
+                      </a:endParaRPr>
+                    </a:p>
+                    <a:p>
+                      <a:pPr algn="ctr"/>
+                      <a:r>
+                        <a:rPr lang="de-DE" sz="1200" dirty="0">
+                          <a:solidFill>
+                            <a:srgbClr val="DAD7CB"/>
+                          </a:solidFill>
+                        </a:rPr>
+                        <a:t>(</a:t>
+                      </a:r>
+                      <a:r>
+                        <a:rPr lang="de-DE" sz="1200" dirty="0" err="1">
+                          <a:solidFill>
+                            <a:srgbClr val="DAD7CB"/>
+                          </a:solidFill>
+                        </a:rPr>
+                        <a:t>neurons</a:t>
+                      </a:r>
+                      <a:r>
+                        <a:rPr lang="de-DE" sz="1200" dirty="0">
+                          <a:solidFill>
+                            <a:srgbClr val="DAD7CB"/>
+                          </a:solidFill>
+                        </a:rPr>
+                        <a:t> per </a:t>
+                      </a:r>
+                      <a:r>
+                        <a:rPr lang="de-DE" sz="1200" dirty="0" err="1">
+                          <a:solidFill>
+                            <a:srgbClr val="DAD7CB"/>
+                          </a:solidFill>
+                        </a:rPr>
+                        <a:t>layer</a:t>
+                      </a:r>
+                      <a:r>
+                        <a:rPr lang="de-DE" sz="1200" dirty="0">
+                          <a:solidFill>
+                            <a:srgbClr val="DAD7CB"/>
+                          </a:solidFill>
+                        </a:rPr>
+                        <a:t>)</a:t>
+                      </a:r>
+                      <a:endParaRPr lang="en-US" sz="1400" dirty="0">
                         <a:solidFill>
                           <a:srgbClr val="DAD7CB"/>
                         </a:solidFill>
@@ -25196,6 +25858,9 @@
                         </a:rPr>
                         <a:t>Neutral</a:t>
                       </a:r>
+                    </a:p>
+                    <a:p>
+                      <a:pPr algn="ctr"/>
                       <a:endParaRPr lang="en-US" sz="1600" dirty="0">
                         <a:solidFill>
                           <a:srgbClr val="DAD7CB"/>
@@ -25224,7 +25889,7 @@
                       <a:pPr algn="ctr"/>
                       <a:r>
                         <a:rPr lang="de-DE" sz="1600" dirty="0"/>
-                        <a:t>15.8 %</a:t>
+                        <a:t>15.8 % (16)</a:t>
                       </a:r>
                     </a:p>
                   </a:txBody>
@@ -25238,7 +25903,7 @@
                       <a:pPr algn="ctr"/>
                       <a:r>
                         <a:rPr lang="de-DE" sz="1600" dirty="0"/>
-                        <a:t>38.5 %</a:t>
+                        <a:t>38.5 % (256)</a:t>
                       </a:r>
                       <a:endParaRPr lang="en-US" sz="1600" dirty="0"/>
                     </a:p>
@@ -25274,7 +25939,7 @@
                       <a:pPr algn="ctr"/>
                       <a:r>
                         <a:rPr lang="de-DE" sz="1600" dirty="0"/>
-                        <a:t>16.1 %</a:t>
+                        <a:t>16.1 % (4)</a:t>
                       </a:r>
                       <a:endParaRPr lang="en-US" sz="1600" dirty="0"/>
                     </a:p>
@@ -25289,7 +25954,7 @@
                       <a:pPr algn="ctr"/>
                       <a:r>
                         <a:rPr lang="de-DE" sz="1600" dirty="0"/>
-                        <a:t>27.2 %</a:t>
+                        <a:t>27.2 % (512)</a:t>
                       </a:r>
                       <a:endParaRPr lang="en-US" sz="1600" dirty="0"/>
                     </a:p>
@@ -25326,7 +25991,7 @@
                       <a:pPr algn="ctr"/>
                       <a:r>
                         <a:rPr lang="de-DE" sz="1600" dirty="0"/>
-                        <a:t>12.7 %</a:t>
+                        <a:t>12.7 % (1)</a:t>
                       </a:r>
                       <a:endParaRPr lang="en-US" sz="1600" dirty="0"/>
                     </a:p>
@@ -25341,7 +26006,7 @@
                       <a:pPr algn="ctr"/>
                       <a:r>
                         <a:rPr lang="de-DE" sz="1600" dirty="0"/>
-                        <a:t>36.6 %</a:t>
+                        <a:t>36.6 % (1024)</a:t>
                       </a:r>
                       <a:endParaRPr lang="en-US" sz="1600" dirty="0"/>
                     </a:p>
@@ -25373,50 +26038,134 @@
           </a:graphicData>
         </a:graphic>
       </p:graphicFrame>
-      <p:sp>
-        <p:nvSpPr>
-          <p:cNvPr id="11" name="Textfeld 10">
+      <p:grpSp>
+        <p:nvGrpSpPr>
+          <p:cNvPr id="2" name="Gruppieren 1">
             <a:extLst>
               <a:ext uri="{FF2B5EF4-FFF2-40B4-BE49-F238E27FC236}">
-                <a16:creationId xmlns:a16="http://schemas.microsoft.com/office/drawing/2014/main" id="{8BFF8368-9E18-4EA4-BD65-A1182E0381A2}"/>
+                <a16:creationId xmlns:a16="http://schemas.microsoft.com/office/drawing/2014/main" id="{EC7850E5-2193-4809-A70F-F4F0705BCAAF}"/>
               </a:ext>
             </a:extLst>
           </p:cNvPr>
-          <p:cNvSpPr txBox="1"/>
+          <p:cNvGrpSpPr/>
           <p:nvPr/>
-        </p:nvSpPr>
-        <p:spPr>
+        </p:nvGrpSpPr>
+        <p:grpSpPr>
           <a:xfrm>
-            <a:off x="4541519" y="6040376"/>
-            <a:ext cx="4147405" cy="268984"/>
+            <a:off x="4541519" y="3915720"/>
+            <a:ext cx="4147405" cy="2544470"/>
+            <a:chOff x="4541519" y="3915720"/>
+            <a:chExt cx="4147405" cy="2544470"/>
           </a:xfrm>
-          <a:prstGeom prst="rect">
-            <a:avLst/>
-          </a:prstGeom>
-          <a:noFill/>
-        </p:spPr>
-        <p:txBody>
-          <a:bodyPr wrap="square" lIns="0" tIns="0" rIns="0" bIns="0" rtlCol="0">
-            <a:spAutoFit/>
-          </a:bodyPr>
-          <a:lstStyle/>
-          <a:p>
-            <a:pPr algn="ctr">
-              <a:lnSpc>
-                <a:spcPct val="114000"/>
-              </a:lnSpc>
-            </a:pPr>
-            <a:r>
-              <a:rPr lang="de-DE" sz="800" dirty="0"/>
-              <a:t>Source: Zen et al. (2013) </a:t>
-            </a:r>
-            <a:r>
-              <a:rPr lang="en-US" sz="800" dirty="0"/>
-              <a:t>Statistical parametric speech synthesis using deep neural networks, IEEE International Conference on Acoustics, Speech and Signal Processing</a:t>
-            </a:r>
-          </a:p>
-        </p:txBody>
-      </p:sp>
+        </p:grpSpPr>
+        <p:sp>
+          <p:nvSpPr>
+            <p:cNvPr id="7" name="Textfeld 6">
+              <a:extLst>
+                <a:ext uri="{FF2B5EF4-FFF2-40B4-BE49-F238E27FC236}">
+                  <a16:creationId xmlns:a16="http://schemas.microsoft.com/office/drawing/2014/main" id="{121CD71C-36ED-41B3-A518-02A6C7E87746}"/>
+                </a:ext>
+              </a:extLst>
+            </p:cNvPr>
+            <p:cNvSpPr txBox="1"/>
+            <p:nvPr/>
+          </p:nvSpPr>
+          <p:spPr>
+            <a:xfrm>
+              <a:off x="5723662" y="3915720"/>
+              <a:ext cx="1783117" cy="210507"/>
+            </a:xfrm>
+            <a:prstGeom prst="rect">
+              <a:avLst/>
+            </a:prstGeom>
+            <a:noFill/>
+          </p:spPr>
+          <p:txBody>
+            <a:bodyPr wrap="none" lIns="0" tIns="0" rIns="0" bIns="0" rtlCol="0">
+              <a:spAutoFit/>
+            </a:bodyPr>
+            <a:lstStyle/>
+            <a:p>
+              <a:pPr algn="ctr">
+                <a:lnSpc>
+                  <a:spcPct val="114000"/>
+                </a:lnSpc>
+              </a:pPr>
+              <a:r>
+                <a:rPr lang="de-DE" sz="1200" dirty="0">
+                  <a:latin typeface="+mn-lt"/>
+                </a:rPr>
+                <a:t>Table 2: </a:t>
+              </a:r>
+              <a:r>
+                <a:rPr lang="de-DE" sz="1200" dirty="0" err="1">
+                  <a:latin typeface="+mn-lt"/>
+                </a:rPr>
+                <a:t>Subjective</a:t>
+              </a:r>
+              <a:r>
+                <a:rPr lang="de-DE" sz="1200" dirty="0">
+                  <a:latin typeface="+mn-lt"/>
+                </a:rPr>
+                <a:t> </a:t>
+              </a:r>
+              <a:r>
+                <a:rPr lang="de-DE" sz="1200" dirty="0" err="1">
+                  <a:latin typeface="+mn-lt"/>
+                </a:rPr>
+                <a:t>scores</a:t>
+              </a:r>
+              <a:endParaRPr lang="en-US" sz="1200" dirty="0" err="1">
+                <a:latin typeface="+mn-lt"/>
+              </a:endParaRPr>
+            </a:p>
+          </p:txBody>
+        </p:sp>
+        <p:sp>
+          <p:nvSpPr>
+            <p:cNvPr id="11" name="Textfeld 10">
+              <a:extLst>
+                <a:ext uri="{FF2B5EF4-FFF2-40B4-BE49-F238E27FC236}">
+                  <a16:creationId xmlns:a16="http://schemas.microsoft.com/office/drawing/2014/main" id="{8BFF8368-9E18-4EA4-BD65-A1182E0381A2}"/>
+                </a:ext>
+              </a:extLst>
+            </p:cNvPr>
+            <p:cNvSpPr txBox="1"/>
+            <p:nvPr/>
+          </p:nvSpPr>
+          <p:spPr>
+            <a:xfrm>
+              <a:off x="4541519" y="6191206"/>
+              <a:ext cx="4147405" cy="268984"/>
+            </a:xfrm>
+            <a:prstGeom prst="rect">
+              <a:avLst/>
+            </a:prstGeom>
+            <a:noFill/>
+          </p:spPr>
+          <p:txBody>
+            <a:bodyPr wrap="square" lIns="0" tIns="0" rIns="0" bIns="0" rtlCol="0">
+              <a:spAutoFit/>
+            </a:bodyPr>
+            <a:lstStyle/>
+            <a:p>
+              <a:pPr algn="ctr">
+                <a:lnSpc>
+                  <a:spcPct val="114000"/>
+                </a:lnSpc>
+              </a:pPr>
+              <a:r>
+                <a:rPr lang="de-DE" sz="800" dirty="0"/>
+                <a:t>Source: Zen et al. (2013) </a:t>
+              </a:r>
+              <a:r>
+                <a:rPr lang="en-US" sz="800" dirty="0"/>
+                <a:t>Statistical parametric speech synthesis using deep neural networks, IEEE International Conference on Acoustics, Speech and Signal Processing</a:t>
+              </a:r>
+            </a:p>
+          </p:txBody>
+        </p:sp>
+      </p:grpSp>
     </p:spTree>
     <p:extLst>
       <p:ext uri="{BB962C8B-B14F-4D97-AF65-F5344CB8AC3E}">
@@ -25427,10 +26176,112 @@
   <p:clrMapOvr>
     <a:masterClrMapping/>
   </p:clrMapOvr>
+  <p:timing>
+    <p:tnLst>
+      <p:par>
+        <p:cTn id="1" dur="indefinite" restart="never" nodeType="tmRoot">
+          <p:childTnLst>
+            <p:seq concurrent="1" nextAc="seek">
+              <p:cTn id="2" dur="indefinite" nodeType="mainSeq">
+                <p:childTnLst>
+                  <p:par>
+                    <p:cTn id="3" fill="hold">
+                      <p:stCondLst>
+                        <p:cond delay="indefinite"/>
+                      </p:stCondLst>
+                      <p:childTnLst>
+                        <p:par>
+                          <p:cTn id="4" fill="hold">
+                            <p:stCondLst>
+                              <p:cond delay="0"/>
+                            </p:stCondLst>
+                            <p:childTnLst>
+                              <p:par>
+                                <p:cTn id="5" presetID="1" presetClass="entr" presetSubtype="0" fill="hold" nodeType="clickEffect">
+                                  <p:stCondLst>
+                                    <p:cond delay="0"/>
+                                  </p:stCondLst>
+                                  <p:childTnLst>
+                                    <p:set>
+                                      <p:cBhvr>
+                                        <p:cTn id="6" dur="1" fill="hold">
+                                          <p:stCondLst>
+                                            <p:cond delay="0"/>
+                                          </p:stCondLst>
+                                        </p:cTn>
+                                        <p:tgtEl>
+                                          <p:spTgt spid="10"/>
+                                        </p:tgtEl>
+                                        <p:attrNameLst>
+                                          <p:attrName>style.visibility</p:attrName>
+                                        </p:attrNameLst>
+                                      </p:cBhvr>
+                                      <p:to>
+                                        <p:strVal val="visible"/>
+                                      </p:to>
+                                    </p:set>
+                                  </p:childTnLst>
+                                </p:cTn>
+                              </p:par>
+                              <p:par>
+                                <p:cTn id="7" presetID="1" presetClass="entr" presetSubtype="0" fill="hold" nodeType="withEffect">
+                                  <p:stCondLst>
+                                    <p:cond delay="0"/>
+                                  </p:stCondLst>
+                                  <p:childTnLst>
+                                    <p:set>
+                                      <p:cBhvr>
+                                        <p:cTn id="8" dur="1" fill="hold">
+                                          <p:stCondLst>
+                                            <p:cond delay="0"/>
+                                          </p:stCondLst>
+                                        </p:cTn>
+                                        <p:tgtEl>
+                                          <p:spTgt spid="2"/>
+                                        </p:tgtEl>
+                                        <p:attrNameLst>
+                                          <p:attrName>style.visibility</p:attrName>
+                                        </p:attrNameLst>
+                                      </p:cBhvr>
+                                      <p:to>
+                                        <p:strVal val="visible"/>
+                                      </p:to>
+                                    </p:set>
+                                  </p:childTnLst>
+                                </p:cTn>
+                              </p:par>
+                            </p:childTnLst>
+                          </p:cTn>
+                        </p:par>
+                      </p:childTnLst>
+                    </p:cTn>
+                  </p:par>
+                </p:childTnLst>
+              </p:cTn>
+              <p:prevCondLst>
+                <p:cond evt="onPrev" delay="0">
+                  <p:tgtEl>
+                    <p:sldTgt/>
+                  </p:tgtEl>
+                </p:cond>
+              </p:prevCondLst>
+              <p:nextCondLst>
+                <p:cond evt="onNext" delay="0">
+                  <p:tgtEl>
+                    <p:sldTgt/>
+                  </p:tgtEl>
+                </p:cond>
+              </p:nextCondLst>
+            </p:seq>
+          </p:childTnLst>
+        </p:cTn>
+      </p:par>
+    </p:tnLst>
+  </p:timing>
 </p:sld>
 </file>
 
-<file path=ppt/slides/slide13.xml><?xml version="1.0" encoding="utf-8"?>
+<file path=ppt/slides/slide14.xml><?xml version="1.0" encoding="utf-8"?>
 <p:sld xmlns:a="http://schemas.openxmlformats.org/drawingml/2006/main" xmlns:r="http://schemas.openxmlformats.org/officeDocument/2006/relationships" xmlns:p="http://schemas.openxmlformats.org/presentationml/2006/main">
   <p:cSld>
     <p:spTree>
@@ -25617,7 +26468,7 @@
             <a:fld id="{CE58CB1E-F828-4F11-99E0-327109AF9DA4}" type="slidenum">
               <a:rPr lang="de-DE" smtClean="0"/>
               <a:pPr/>
-              <a:t>13</a:t>
+              <a:t>14</a:t>
             </a:fld>
             <a:endParaRPr lang="de-DE" dirty="0"/>
           </a:p>
@@ -25763,33 +26614,15 @@
                                   </p:childTnLst>
                                 </p:cTn>
                               </p:par>
-                            </p:childTnLst>
-                          </p:cTn>
-                        </p:par>
-                      </p:childTnLst>
-                    </p:cTn>
-                  </p:par>
-                  <p:par>
-                    <p:cTn id="10" fill="hold">
-                      <p:stCondLst>
-                        <p:cond delay="indefinite"/>
-                      </p:stCondLst>
-                      <p:childTnLst>
-                        <p:par>
-                          <p:cTn id="11" fill="hold">
-                            <p:stCondLst>
-                              <p:cond delay="0"/>
-                            </p:stCondLst>
-                            <p:childTnLst>
                               <p:par>
-                                <p:cTn id="12" presetID="19" presetClass="emph" presetSubtype="0" fill="hold" grpId="0" nodeType="clickEffect">
+                                <p:cTn id="10" presetID="19" presetClass="emph" presetSubtype="0" fill="hold" grpId="0" nodeType="withEffect">
                                   <p:stCondLst>
                                     <p:cond delay="0"/>
                                   </p:stCondLst>
                                   <p:childTnLst>
                                     <p:animClr clrSpc="rgb" dir="cw">
                                       <p:cBhvr override="childStyle">
-                                        <p:cTn id="13" dur="500" fill="hold"/>
+                                        <p:cTn id="11" dur="500" fill="hold"/>
                                         <p:tgtEl>
                                           <p:spTgt spid="2">
                                             <p:txEl>
@@ -25807,7 +26640,7 @@
                                     </p:animClr>
                                     <p:animClr clrSpc="rgb" dir="cw">
                                       <p:cBhvr>
-                                        <p:cTn id="14" dur="500" fill="hold"/>
+                                        <p:cTn id="12" dur="500" fill="hold"/>
                                         <p:tgtEl>
                                           <p:spTgt spid="2">
                                             <p:txEl>
@@ -25825,7 +26658,7 @@
                                     </p:animClr>
                                     <p:set>
                                       <p:cBhvr>
-                                        <p:cTn id="15" dur="500" fill="hold"/>
+                                        <p:cTn id="13" dur="500" fill="hold"/>
                                         <p:tgtEl>
                                           <p:spTgt spid="2">
                                             <p:txEl>
@@ -25843,7 +26676,7 @@
                                     </p:set>
                                     <p:set>
                                       <p:cBhvr>
-                                        <p:cTn id="16" dur="500" fill="hold"/>
+                                        <p:cTn id="14" dur="500" fill="hold"/>
                                         <p:tgtEl>
                                           <p:spTgt spid="2">
                                             <p:txEl>
@@ -25863,14 +26696,14 @@
                                 </p:cTn>
                               </p:par>
                               <p:par>
-                                <p:cTn id="17" presetID="19" presetClass="emph" presetSubtype="0" fill="hold" grpId="2" nodeType="withEffect">
+                                <p:cTn id="15" presetID="19" presetClass="emph" presetSubtype="0" fill="hold" grpId="2" nodeType="withEffect">
                                   <p:stCondLst>
                                     <p:cond delay="0"/>
                                   </p:stCondLst>
                                   <p:childTnLst>
                                     <p:animClr clrSpc="rgb" dir="cw">
                                       <p:cBhvr override="childStyle">
-                                        <p:cTn id="18" dur="500" fill="hold"/>
+                                        <p:cTn id="16" dur="500" fill="hold"/>
                                         <p:tgtEl>
                                           <p:spTgt spid="2">
                                             <p:txEl>
@@ -25888,7 +26721,7 @@
                                     </p:animClr>
                                     <p:animClr clrSpc="rgb" dir="cw">
                                       <p:cBhvr>
-                                        <p:cTn id="19" dur="500" fill="hold"/>
+                                        <p:cTn id="17" dur="500" fill="hold"/>
                                         <p:tgtEl>
                                           <p:spTgt spid="2">
                                             <p:txEl>
@@ -25906,7 +26739,7 @@
                                     </p:animClr>
                                     <p:set>
                                       <p:cBhvr>
-                                        <p:cTn id="20" dur="500" fill="hold"/>
+                                        <p:cTn id="18" dur="500" fill="hold"/>
                                         <p:tgtEl>
                                           <p:spTgt spid="2">
                                             <p:txEl>
@@ -25924,7 +26757,7 @@
                                     </p:set>
                                     <p:set>
                                       <p:cBhvr>
-                                        <p:cTn id="21" dur="500" fill="hold"/>
+                                        <p:cTn id="19" dur="500" fill="hold"/>
                                         <p:tgtEl>
                                           <p:spTgt spid="2">
                                             <p:txEl>
@@ -25978,7 +26811,7 @@
 </p:sld>
 </file>
 
-<file path=ppt/slides/slide14.xml><?xml version="1.0" encoding="utf-8"?>
+<file path=ppt/slides/slide15.xml><?xml version="1.0" encoding="utf-8"?>
 <p:sld xmlns:a="http://schemas.openxmlformats.org/drawingml/2006/main" xmlns:r="http://schemas.openxmlformats.org/officeDocument/2006/relationships" xmlns:p="http://schemas.openxmlformats.org/presentationml/2006/main">
   <p:cSld>
     <p:spTree>
@@ -26019,7 +26852,7 @@
             <a:fld id="{CE58CB1E-F828-4F11-99E0-327109AF9DA4}" type="slidenum">
               <a:rPr lang="de-DE" smtClean="0"/>
               <a:pPr/>
-              <a:t>14</a:t>
+              <a:t>15</a:t>
             </a:fld>
             <a:endParaRPr lang="de-DE" dirty="0"/>
           </a:p>
@@ -26536,7 +27369,7 @@
 </p:sld>
 </file>
 
-<file path=ppt/slides/slide15.xml><?xml version="1.0" encoding="utf-8"?>
+<file path=ppt/slides/slide16.xml><?xml version="1.0" encoding="utf-8"?>
 <p:sld xmlns:a="http://schemas.openxmlformats.org/drawingml/2006/main" xmlns:r="http://schemas.openxmlformats.org/officeDocument/2006/relationships" xmlns:p="http://schemas.openxmlformats.org/presentationml/2006/main">
   <p:cSld>
     <p:spTree>
@@ -26596,7 +27429,7 @@
             </a:pPr>
             <a:r>
               <a:rPr lang="en-US" dirty="0"/>
-              <a:t>Syllabification (SYL)		letters to syllables</a:t>
+              <a:t>Syllabification (SYL)		extraction of syllables</a:t>
             </a:r>
           </a:p>
           <a:p>
@@ -26611,7 +27444,7 @@
             </a:pPr>
             <a:r>
               <a:rPr lang="en-US" dirty="0"/>
-              <a:t>Phonetic transcription (PT)	letters to phonemes</a:t>
+              <a:t>Phonetic transcription (PT)	extraction of phonemes</a:t>
             </a:r>
           </a:p>
           <a:p>
@@ -26626,7 +27459,7 @@
             </a:pPr>
             <a:r>
               <a:rPr lang="en-US" dirty="0"/>
-              <a:t>Part-of-speech tagging (POT)	letters to morpho-syntactic descriptors</a:t>
+              <a:t>Part-of-speech tagging (POT)	assigning each word a unified tag</a:t>
             </a:r>
           </a:p>
           <a:p>
@@ -26641,7 +27474,7 @@
             </a:pPr>
             <a:r>
               <a:rPr lang="en-US" dirty="0"/>
-              <a:t>Lexical stress prediction (LSP)	letters to stress indication (yes/no)</a:t>
+              <a:t>Lexical stress prediction (LSP)	decision when to stress a syllable</a:t>
             </a:r>
           </a:p>
         </p:txBody>
@@ -26670,7 +27503,7 @@
             <a:fld id="{CE58CB1E-F828-4F11-99E0-327109AF9DA4}" type="slidenum">
               <a:rPr lang="de-DE" smtClean="0"/>
               <a:pPr/>
-              <a:t>15</a:t>
+              <a:t>16</a:t>
             </a:fld>
             <a:endParaRPr lang="de-DE" dirty="0"/>
           </a:p>
@@ -26722,7 +27555,7 @@
 </p:sld>
 </file>
 
-<file path=ppt/slides/slide16.xml><?xml version="1.0" encoding="utf-8"?>
+<file path=ppt/slides/slide17.xml><?xml version="1.0" encoding="utf-8"?>
 <p:sld xmlns:a="http://schemas.openxmlformats.org/drawingml/2006/main" xmlns:r="http://schemas.openxmlformats.org/officeDocument/2006/relationships" xmlns:p="http://schemas.openxmlformats.org/presentationml/2006/main">
   <p:cSld>
     <p:spTree>
@@ -26763,7 +27596,7 @@
             <a:fld id="{CE58CB1E-F828-4F11-99E0-327109AF9DA4}" type="slidenum">
               <a:rPr lang="de-DE" smtClean="0"/>
               <a:pPr/>
-              <a:t>16</a:t>
+              <a:t>17</a:t>
             </a:fld>
             <a:endParaRPr lang="de-DE" dirty="0"/>
           </a:p>
@@ -28031,7 +28864,7 @@
 </p:sld>
 </file>
 
-<file path=ppt/slides/slide17.xml><?xml version="1.0" encoding="utf-8"?>
+<file path=ppt/slides/slide18.xml><?xml version="1.0" encoding="utf-8"?>
 <p:sld xmlns:a="http://schemas.openxmlformats.org/drawingml/2006/main" xmlns:r="http://schemas.openxmlformats.org/officeDocument/2006/relationships" xmlns:p="http://schemas.openxmlformats.org/presentationml/2006/main">
   <p:cSld>
     <p:spTree>
@@ -28218,7 +29051,7 @@
             <a:fld id="{CE58CB1E-F828-4F11-99E0-327109AF9DA4}" type="slidenum">
               <a:rPr lang="de-DE" smtClean="0"/>
               <a:pPr/>
-              <a:t>17</a:t>
+              <a:t>18</a:t>
             </a:fld>
             <a:endParaRPr lang="de-DE" dirty="0"/>
           </a:p>
@@ -28364,33 +29197,15 @@
                                   </p:childTnLst>
                                 </p:cTn>
                               </p:par>
-                            </p:childTnLst>
-                          </p:cTn>
-                        </p:par>
-                      </p:childTnLst>
-                    </p:cTn>
-                  </p:par>
-                  <p:par>
-                    <p:cTn id="10" fill="hold">
-                      <p:stCondLst>
-                        <p:cond delay="indefinite"/>
-                      </p:stCondLst>
-                      <p:childTnLst>
-                        <p:par>
-                          <p:cTn id="11" fill="hold">
-                            <p:stCondLst>
-                              <p:cond delay="0"/>
-                            </p:stCondLst>
-                            <p:childTnLst>
                               <p:par>
-                                <p:cTn id="12" presetID="19" presetClass="emph" presetSubtype="0" fill="hold" grpId="0" nodeType="clickEffect">
+                                <p:cTn id="10" presetID="19" presetClass="emph" presetSubtype="0" fill="hold" grpId="0" nodeType="withEffect">
                                   <p:stCondLst>
                                     <p:cond delay="0"/>
                                   </p:stCondLst>
                                   <p:childTnLst>
                                     <p:animClr clrSpc="rgb" dir="cw">
                                       <p:cBhvr override="childStyle">
-                                        <p:cTn id="13" dur="500" fill="hold"/>
+                                        <p:cTn id="11" dur="500" fill="hold"/>
                                         <p:tgtEl>
                                           <p:spTgt spid="2">
                                             <p:txEl>
@@ -28408,7 +29223,7 @@
                                     </p:animClr>
                                     <p:animClr clrSpc="rgb" dir="cw">
                                       <p:cBhvr>
-                                        <p:cTn id="14" dur="500" fill="hold"/>
+                                        <p:cTn id="12" dur="500" fill="hold"/>
                                         <p:tgtEl>
                                           <p:spTgt spid="2">
                                             <p:txEl>
@@ -28426,7 +29241,7 @@
                                     </p:animClr>
                                     <p:set>
                                       <p:cBhvr>
-                                        <p:cTn id="15" dur="500" fill="hold"/>
+                                        <p:cTn id="13" dur="500" fill="hold"/>
                                         <p:tgtEl>
                                           <p:spTgt spid="2">
                                             <p:txEl>
@@ -28444,7 +29259,7 @@
                                     </p:set>
                                     <p:set>
                                       <p:cBhvr>
-                                        <p:cTn id="16" dur="500" fill="hold"/>
+                                        <p:cTn id="14" dur="500" fill="hold"/>
                                         <p:tgtEl>
                                           <p:spTgt spid="2">
                                             <p:txEl>
@@ -28464,14 +29279,14 @@
                                 </p:cTn>
                               </p:par>
                               <p:par>
-                                <p:cTn id="17" presetID="19" presetClass="emph" presetSubtype="0" fill="hold" grpId="2" nodeType="withEffect">
+                                <p:cTn id="15" presetID="19" presetClass="emph" presetSubtype="0" fill="hold" grpId="2" nodeType="withEffect">
                                   <p:stCondLst>
                                     <p:cond delay="0"/>
                                   </p:stCondLst>
                                   <p:childTnLst>
                                     <p:animClr clrSpc="rgb" dir="cw">
                                       <p:cBhvr override="childStyle">
-                                        <p:cTn id="18" dur="500" fill="hold"/>
+                                        <p:cTn id="16" dur="500" fill="hold"/>
                                         <p:tgtEl>
                                           <p:spTgt spid="2">
                                             <p:txEl>
@@ -28489,7 +29304,7 @@
                                     </p:animClr>
                                     <p:animClr clrSpc="rgb" dir="cw">
                                       <p:cBhvr>
-                                        <p:cTn id="19" dur="500" fill="hold"/>
+                                        <p:cTn id="17" dur="500" fill="hold"/>
                                         <p:tgtEl>
                                           <p:spTgt spid="2">
                                             <p:txEl>
@@ -28507,7 +29322,7 @@
                                     </p:animClr>
                                     <p:set>
                                       <p:cBhvr>
-                                        <p:cTn id="20" dur="500" fill="hold"/>
+                                        <p:cTn id="18" dur="500" fill="hold"/>
                                         <p:tgtEl>
                                           <p:spTgt spid="2">
                                             <p:txEl>
@@ -28525,7 +29340,7 @@
                                     </p:set>
                                     <p:set>
                                       <p:cBhvr>
-                                        <p:cTn id="21" dur="500" fill="hold"/>
+                                        <p:cTn id="19" dur="500" fill="hold"/>
                                         <p:tgtEl>
                                           <p:spTgt spid="2">
                                             <p:txEl>
@@ -28579,879 +29394,6 @@
 </p:sld>
 </file>
 
-<file path=ppt/slides/slide18.xml><?xml version="1.0" encoding="utf-8"?>
-<p:sld xmlns:a="http://schemas.openxmlformats.org/drawingml/2006/main" xmlns:r="http://schemas.openxmlformats.org/officeDocument/2006/relationships" xmlns:p="http://schemas.openxmlformats.org/presentationml/2006/main">
-  <p:cSld>
-    <p:spTree>
-      <p:nvGrpSpPr>
-        <p:cNvPr id="1" name=""/>
-        <p:cNvGrpSpPr/>
-        <p:nvPr/>
-      </p:nvGrpSpPr>
-      <p:grpSpPr>
-        <a:xfrm>
-          <a:off x="0" y="0"/>
-          <a:ext cx="0" cy="0"/>
-          <a:chOff x="0" y="0"/>
-          <a:chExt cx="0" cy="0"/>
-        </a:xfrm>
-      </p:grpSpPr>
-      <p:sp>
-        <p:nvSpPr>
-          <p:cNvPr id="3" name="Foliennummernplatzhalter 2">
-            <a:extLst>
-              <a:ext uri="{FF2B5EF4-FFF2-40B4-BE49-F238E27FC236}">
-                <a16:creationId xmlns:a16="http://schemas.microsoft.com/office/drawing/2014/main" id="{A366489A-8C80-4D71-99AB-A1991302B570}"/>
-              </a:ext>
-            </a:extLst>
-          </p:cNvPr>
-          <p:cNvSpPr>
-            <a:spLocks noGrp="1"/>
-          </p:cNvSpPr>
-          <p:nvPr>
-            <p:ph type="sldNum" sz="quarter" idx="11"/>
-          </p:nvPr>
-        </p:nvSpPr>
-        <p:spPr/>
-        <p:txBody>
-          <a:bodyPr/>
-          <a:lstStyle/>
-          <a:p>
-            <a:fld id="{CE58CB1E-F828-4F11-99E0-327109AF9DA4}" type="slidenum">
-              <a:rPr lang="de-DE" smtClean="0"/>
-              <a:pPr/>
-              <a:t>18</a:t>
-            </a:fld>
-            <a:endParaRPr lang="de-DE" dirty="0"/>
-          </a:p>
-        </p:txBody>
-      </p:sp>
-      <p:sp>
-        <p:nvSpPr>
-          <p:cNvPr id="4" name="Titel 3">
-            <a:extLst>
-              <a:ext uri="{FF2B5EF4-FFF2-40B4-BE49-F238E27FC236}">
-                <a16:creationId xmlns:a16="http://schemas.microsoft.com/office/drawing/2014/main" id="{36ADE80A-1283-4AF4-A236-A4BF09D9B274}"/>
-              </a:ext>
-            </a:extLst>
-          </p:cNvPr>
-          <p:cNvSpPr>
-            <a:spLocks noGrp="1"/>
-          </p:cNvSpPr>
-          <p:nvPr>
-            <p:ph type="title"/>
-          </p:nvPr>
-        </p:nvSpPr>
-        <p:spPr/>
-        <p:txBody>
-          <a:bodyPr/>
-          <a:lstStyle/>
-          <a:p>
-            <a:r>
-              <a:rPr lang="en-US" dirty="0"/>
-              <a:t>Conclusions</a:t>
-            </a:r>
-          </a:p>
-        </p:txBody>
-      </p:sp>
-      <p:sp>
-        <p:nvSpPr>
-          <p:cNvPr id="6" name="Inhaltsplatzhalter 1">
-            <a:extLst>
-              <a:ext uri="{FF2B5EF4-FFF2-40B4-BE49-F238E27FC236}">
-                <a16:creationId xmlns:a16="http://schemas.microsoft.com/office/drawing/2014/main" id="{58A1E258-94EF-416A-9D10-EA9DB5B6DB07}"/>
-              </a:ext>
-            </a:extLst>
-          </p:cNvPr>
-          <p:cNvSpPr>
-            <a:spLocks noGrp="1"/>
-          </p:cNvSpPr>
-          <p:nvPr>
-            <p:ph idx="10"/>
-          </p:nvPr>
-        </p:nvSpPr>
-        <p:spPr>
-          <a:xfrm>
-            <a:off x="319088" y="1978720"/>
-            <a:ext cx="8508999" cy="4136945"/>
-          </a:xfrm>
-        </p:spPr>
-        <p:txBody>
-          <a:bodyPr/>
-          <a:lstStyle/>
-          <a:p>
-            <a:pPr>
-              <a:lnSpc>
-                <a:spcPct val="200000"/>
-              </a:lnSpc>
-            </a:pPr>
-            <a:r>
-              <a:rPr lang="en-US" sz="2000" dirty="0">
-                <a:solidFill>
-                  <a:schemeClr val="tx1"/>
-                </a:solidFill>
-              </a:rPr>
-              <a:t>Introduction of deep learning models into speech synthesis</a:t>
-            </a:r>
-          </a:p>
-          <a:p>
-            <a:pPr marL="342900" indent="-342900">
-              <a:lnSpc>
-                <a:spcPct val="200000"/>
-              </a:lnSpc>
-              <a:buFont typeface="Wingdings" panose="05000000000000000000" pitchFamily="2" charset="2"/>
-              <a:buChar char="à"/>
-            </a:pPr>
-            <a:r>
-              <a:rPr lang="en-US" sz="2000" dirty="0">
-                <a:solidFill>
-                  <a:schemeClr val="tx1"/>
-                </a:solidFill>
-              </a:rPr>
-              <a:t>Smaller memory footprint</a:t>
-            </a:r>
-          </a:p>
-          <a:p>
-            <a:pPr marL="342900" indent="-342900">
-              <a:lnSpc>
-                <a:spcPct val="200000"/>
-              </a:lnSpc>
-              <a:buFont typeface="Wingdings" panose="05000000000000000000" pitchFamily="2" charset="2"/>
-              <a:buChar char="à"/>
-            </a:pPr>
-            <a:r>
-              <a:rPr lang="en-US" sz="2000" dirty="0">
-                <a:solidFill>
-                  <a:schemeClr val="tx1"/>
-                </a:solidFill>
-              </a:rPr>
-              <a:t>Better voice quality</a:t>
-            </a:r>
-          </a:p>
-          <a:p>
-            <a:pPr>
-              <a:lnSpc>
-                <a:spcPct val="200000"/>
-              </a:lnSpc>
-            </a:pPr>
-            <a:r>
-              <a:rPr lang="en-US" sz="2000" dirty="0"/>
-              <a:t>Huge increase of available smartphones expected</a:t>
-            </a:r>
-          </a:p>
-          <a:p>
-            <a:pPr marL="342900" indent="-342900">
-              <a:lnSpc>
-                <a:spcPct val="200000"/>
-              </a:lnSpc>
-              <a:buFont typeface="Wingdings" panose="05000000000000000000" pitchFamily="2" charset="2"/>
-              <a:buChar char="à"/>
-            </a:pPr>
-            <a:r>
-              <a:rPr lang="en-US" sz="2000" dirty="0">
-                <a:solidFill>
-                  <a:schemeClr val="tx1"/>
-                </a:solidFill>
-                <a:sym typeface="Wingdings" panose="05000000000000000000" pitchFamily="2" charset="2"/>
-              </a:rPr>
-              <a:t>Need for robust and resource-efficient implementations</a:t>
-            </a:r>
-          </a:p>
-          <a:p>
-            <a:pPr marL="342900" indent="-342900">
-              <a:lnSpc>
-                <a:spcPct val="200000"/>
-              </a:lnSpc>
-              <a:buFont typeface="Wingdings" panose="05000000000000000000" pitchFamily="2" charset="2"/>
-              <a:buChar char="à"/>
-            </a:pPr>
-            <a:r>
-              <a:rPr lang="en-US" sz="2000" dirty="0">
-                <a:solidFill>
-                  <a:schemeClr val="tx1"/>
-                </a:solidFill>
-                <a:sym typeface="Wingdings" panose="05000000000000000000" pitchFamily="2" charset="2"/>
-              </a:rPr>
-              <a:t>Deep learning model</a:t>
-            </a:r>
-            <a:r>
-              <a:rPr lang="de-DE" sz="2000" dirty="0">
-                <a:solidFill>
-                  <a:schemeClr val="tx1"/>
-                </a:solidFill>
-                <a:sym typeface="Wingdings" panose="05000000000000000000" pitchFamily="2" charset="2"/>
-              </a:rPr>
-              <a:t>s </a:t>
-            </a:r>
-            <a:r>
-              <a:rPr lang="en-US" sz="2000" dirty="0">
-                <a:solidFill>
-                  <a:schemeClr val="tx1"/>
-                </a:solidFill>
-                <a:sym typeface="Wingdings" panose="05000000000000000000" pitchFamily="2" charset="2"/>
-              </a:rPr>
-              <a:t>can be used to achieve this</a:t>
-            </a:r>
-          </a:p>
-          <a:p>
-            <a:pPr marL="285750" indent="-285750">
-              <a:lnSpc>
-                <a:spcPct val="200000"/>
-              </a:lnSpc>
-              <a:buFont typeface="Wingdings" panose="05000000000000000000" pitchFamily="2" charset="2"/>
-              <a:buChar char="à"/>
-            </a:pPr>
-            <a:endParaRPr lang="de-DE" dirty="0">
-              <a:solidFill>
-                <a:schemeClr val="tx1"/>
-              </a:solidFill>
-            </a:endParaRPr>
-          </a:p>
-        </p:txBody>
-      </p:sp>
-    </p:spTree>
-    <p:extLst>
-      <p:ext uri="{BB962C8B-B14F-4D97-AF65-F5344CB8AC3E}">
-        <p14:creationId xmlns:p14="http://schemas.microsoft.com/office/powerpoint/2010/main" val="1631079468"/>
-      </p:ext>
-    </p:extLst>
-  </p:cSld>
-  <p:clrMapOvr>
-    <a:masterClrMapping/>
-  </p:clrMapOvr>
-  <p:timing>
-    <p:tnLst>
-      <p:par>
-        <p:cTn id="1" dur="indefinite" restart="never" nodeType="tmRoot">
-          <p:childTnLst>
-            <p:seq concurrent="1" nextAc="seek">
-              <p:cTn id="2" dur="indefinite" nodeType="mainSeq">
-                <p:childTnLst>
-                  <p:par>
-                    <p:cTn id="3" fill="hold">
-                      <p:stCondLst>
-                        <p:cond delay="indefinite"/>
-                        <p:cond evt="onBegin" delay="0">
-                          <p:tn val="2"/>
-                        </p:cond>
-                      </p:stCondLst>
-                      <p:childTnLst>
-                        <p:par>
-                          <p:cTn id="4" fill="hold">
-                            <p:stCondLst>
-                              <p:cond delay="0"/>
-                            </p:stCondLst>
-                            <p:childTnLst>
-                              <p:par>
-                                <p:cTn id="5" presetID="19" presetClass="emph" presetSubtype="0" fill="hold" grpId="1" nodeType="withEffect">
-                                  <p:stCondLst>
-                                    <p:cond delay="0"/>
-                                  </p:stCondLst>
-                                  <p:childTnLst>
-                                    <p:animClr clrSpc="rgb" dir="cw">
-                                      <p:cBhvr override="childStyle">
-                                        <p:cTn id="6" dur="500" fill="hold"/>
-                                        <p:tgtEl>
-                                          <p:spTgt spid="6">
-                                            <p:txEl>
-                                              <p:pRg st="0" end="0"/>
-                                            </p:txEl>
-                                          </p:spTgt>
-                                        </p:tgtEl>
-                                        <p:attrNameLst>
-                                          <p:attrName>style.color</p:attrName>
-                                        </p:attrNameLst>
-                                      </p:cBhvr>
-                                      <p:to>
-                                        <a:srgbClr val="D8D8D8"/>
-                                      </p:to>
-                                    </p:animClr>
-                                    <p:animClr clrSpc="rgb" dir="cw">
-                                      <p:cBhvr>
-                                        <p:cTn id="7" dur="500" fill="hold"/>
-                                        <p:tgtEl>
-                                          <p:spTgt spid="6">
-                                            <p:txEl>
-                                              <p:pRg st="0" end="0"/>
-                                            </p:txEl>
-                                          </p:spTgt>
-                                        </p:tgtEl>
-                                        <p:attrNameLst>
-                                          <p:attrName>fillcolor</p:attrName>
-                                        </p:attrNameLst>
-                                      </p:cBhvr>
-                                      <p:to>
-                                        <a:srgbClr val="D8D8D8"/>
-                                      </p:to>
-                                    </p:animClr>
-                                    <p:set>
-                                      <p:cBhvr>
-                                        <p:cTn id="8" dur="500" fill="hold"/>
-                                        <p:tgtEl>
-                                          <p:spTgt spid="6">
-                                            <p:txEl>
-                                              <p:pRg st="0" end="0"/>
-                                            </p:txEl>
-                                          </p:spTgt>
-                                        </p:tgtEl>
-                                        <p:attrNameLst>
-                                          <p:attrName>fill.type</p:attrName>
-                                        </p:attrNameLst>
-                                      </p:cBhvr>
-                                      <p:to>
-                                        <p:strVal val="solid"/>
-                                      </p:to>
-                                    </p:set>
-                                    <p:set>
-                                      <p:cBhvr>
-                                        <p:cTn id="9" dur="500" fill="hold"/>
-                                        <p:tgtEl>
-                                          <p:spTgt spid="6">
-                                            <p:txEl>
-                                              <p:pRg st="0" end="0"/>
-                                            </p:txEl>
-                                          </p:spTgt>
-                                        </p:tgtEl>
-                                        <p:attrNameLst>
-                                          <p:attrName>fill.on</p:attrName>
-                                        </p:attrNameLst>
-                                      </p:cBhvr>
-                                      <p:to>
-                                        <p:strVal val="true"/>
-                                      </p:to>
-                                    </p:set>
-                                  </p:childTnLst>
-                                </p:cTn>
-                              </p:par>
-                            </p:childTnLst>
-                          </p:cTn>
-                        </p:par>
-                      </p:childTnLst>
-                    </p:cTn>
-                  </p:par>
-                  <p:par>
-                    <p:cTn id="10" fill="hold">
-                      <p:stCondLst>
-                        <p:cond delay="indefinite"/>
-                      </p:stCondLst>
-                      <p:childTnLst>
-                        <p:par>
-                          <p:cTn id="11" fill="hold">
-                            <p:stCondLst>
-                              <p:cond delay="0"/>
-                            </p:stCondLst>
-                            <p:childTnLst>
-                              <p:par>
-                                <p:cTn id="12" presetID="19" presetClass="emph" presetSubtype="0" fill="hold" grpId="1" nodeType="clickEffect">
-                                  <p:stCondLst>
-                                    <p:cond delay="0"/>
-                                  </p:stCondLst>
-                                  <p:childTnLst>
-                                    <p:animClr clrSpc="rgb" dir="cw">
-                                      <p:cBhvr override="childStyle">
-                                        <p:cTn id="13" dur="500" fill="hold"/>
-                                        <p:tgtEl>
-                                          <p:spTgt spid="6">
-                                            <p:txEl>
-                                              <p:pRg st="1" end="1"/>
-                                            </p:txEl>
-                                          </p:spTgt>
-                                        </p:tgtEl>
-                                        <p:attrNameLst>
-                                          <p:attrName>style.color</p:attrName>
-                                        </p:attrNameLst>
-                                      </p:cBhvr>
-                                      <p:to>
-                                        <a:srgbClr val="D8D8D8"/>
-                                      </p:to>
-                                    </p:animClr>
-                                    <p:animClr clrSpc="rgb" dir="cw">
-                                      <p:cBhvr>
-                                        <p:cTn id="14" dur="500" fill="hold"/>
-                                        <p:tgtEl>
-                                          <p:spTgt spid="6">
-                                            <p:txEl>
-                                              <p:pRg st="1" end="1"/>
-                                            </p:txEl>
-                                          </p:spTgt>
-                                        </p:tgtEl>
-                                        <p:attrNameLst>
-                                          <p:attrName>fillcolor</p:attrName>
-                                        </p:attrNameLst>
-                                      </p:cBhvr>
-                                      <p:to>
-                                        <a:srgbClr val="D8D8D8"/>
-                                      </p:to>
-                                    </p:animClr>
-                                    <p:set>
-                                      <p:cBhvr>
-                                        <p:cTn id="15" dur="500" fill="hold"/>
-                                        <p:tgtEl>
-                                          <p:spTgt spid="6">
-                                            <p:txEl>
-                                              <p:pRg st="1" end="1"/>
-                                            </p:txEl>
-                                          </p:spTgt>
-                                        </p:tgtEl>
-                                        <p:attrNameLst>
-                                          <p:attrName>fill.type</p:attrName>
-                                        </p:attrNameLst>
-                                      </p:cBhvr>
-                                      <p:to>
-                                        <p:strVal val="solid"/>
-                                      </p:to>
-                                    </p:set>
-                                    <p:set>
-                                      <p:cBhvr>
-                                        <p:cTn id="16" dur="500" fill="hold"/>
-                                        <p:tgtEl>
-                                          <p:spTgt spid="6">
-                                            <p:txEl>
-                                              <p:pRg st="1" end="1"/>
-                                            </p:txEl>
-                                          </p:spTgt>
-                                        </p:tgtEl>
-                                        <p:attrNameLst>
-                                          <p:attrName>fill.on</p:attrName>
-                                        </p:attrNameLst>
-                                      </p:cBhvr>
-                                      <p:to>
-                                        <p:strVal val="true"/>
-                                      </p:to>
-                                    </p:set>
-                                  </p:childTnLst>
-                                </p:cTn>
-                              </p:par>
-                            </p:childTnLst>
-                          </p:cTn>
-                        </p:par>
-                      </p:childTnLst>
-                    </p:cTn>
-                  </p:par>
-                  <p:par>
-                    <p:cTn id="17" fill="hold">
-                      <p:stCondLst>
-                        <p:cond delay="indefinite"/>
-                      </p:stCondLst>
-                      <p:childTnLst>
-                        <p:par>
-                          <p:cTn id="18" fill="hold">
-                            <p:stCondLst>
-                              <p:cond delay="0"/>
-                            </p:stCondLst>
-                            <p:childTnLst>
-                              <p:par>
-                                <p:cTn id="19" presetID="19" presetClass="emph" presetSubtype="0" fill="hold" grpId="1" nodeType="clickEffect">
-                                  <p:stCondLst>
-                                    <p:cond delay="0"/>
-                                  </p:stCondLst>
-                                  <p:childTnLst>
-                                    <p:animClr clrSpc="rgb" dir="cw">
-                                      <p:cBhvr override="childStyle">
-                                        <p:cTn id="20" dur="500" fill="hold"/>
-                                        <p:tgtEl>
-                                          <p:spTgt spid="6">
-                                            <p:txEl>
-                                              <p:pRg st="2" end="2"/>
-                                            </p:txEl>
-                                          </p:spTgt>
-                                        </p:tgtEl>
-                                        <p:attrNameLst>
-                                          <p:attrName>style.color</p:attrName>
-                                        </p:attrNameLst>
-                                      </p:cBhvr>
-                                      <p:to>
-                                        <a:srgbClr val="D8D8D8"/>
-                                      </p:to>
-                                    </p:animClr>
-                                    <p:animClr clrSpc="rgb" dir="cw">
-                                      <p:cBhvr>
-                                        <p:cTn id="21" dur="500" fill="hold"/>
-                                        <p:tgtEl>
-                                          <p:spTgt spid="6">
-                                            <p:txEl>
-                                              <p:pRg st="2" end="2"/>
-                                            </p:txEl>
-                                          </p:spTgt>
-                                        </p:tgtEl>
-                                        <p:attrNameLst>
-                                          <p:attrName>fillcolor</p:attrName>
-                                        </p:attrNameLst>
-                                      </p:cBhvr>
-                                      <p:to>
-                                        <a:srgbClr val="D8D8D8"/>
-                                      </p:to>
-                                    </p:animClr>
-                                    <p:set>
-                                      <p:cBhvr>
-                                        <p:cTn id="22" dur="500" fill="hold"/>
-                                        <p:tgtEl>
-                                          <p:spTgt spid="6">
-                                            <p:txEl>
-                                              <p:pRg st="2" end="2"/>
-                                            </p:txEl>
-                                          </p:spTgt>
-                                        </p:tgtEl>
-                                        <p:attrNameLst>
-                                          <p:attrName>fill.type</p:attrName>
-                                        </p:attrNameLst>
-                                      </p:cBhvr>
-                                      <p:to>
-                                        <p:strVal val="solid"/>
-                                      </p:to>
-                                    </p:set>
-                                    <p:set>
-                                      <p:cBhvr>
-                                        <p:cTn id="23" dur="500" fill="hold"/>
-                                        <p:tgtEl>
-                                          <p:spTgt spid="6">
-                                            <p:txEl>
-                                              <p:pRg st="2" end="2"/>
-                                            </p:txEl>
-                                          </p:spTgt>
-                                        </p:tgtEl>
-                                        <p:attrNameLst>
-                                          <p:attrName>fill.on</p:attrName>
-                                        </p:attrNameLst>
-                                      </p:cBhvr>
-                                      <p:to>
-                                        <p:strVal val="true"/>
-                                      </p:to>
-                                    </p:set>
-                                  </p:childTnLst>
-                                </p:cTn>
-                              </p:par>
-                            </p:childTnLst>
-                          </p:cTn>
-                        </p:par>
-                      </p:childTnLst>
-                    </p:cTn>
-                  </p:par>
-                  <p:par>
-                    <p:cTn id="24" fill="hold">
-                      <p:stCondLst>
-                        <p:cond delay="indefinite"/>
-                      </p:stCondLst>
-                      <p:childTnLst>
-                        <p:par>
-                          <p:cTn id="25" fill="hold">
-                            <p:stCondLst>
-                              <p:cond delay="0"/>
-                            </p:stCondLst>
-                            <p:childTnLst>
-                              <p:par>
-                                <p:cTn id="26" presetID="19" presetClass="emph" presetSubtype="0" fill="hold" grpId="1" nodeType="clickEffect">
-                                  <p:stCondLst>
-                                    <p:cond delay="0"/>
-                                  </p:stCondLst>
-                                  <p:childTnLst>
-                                    <p:animClr clrSpc="rgb" dir="cw">
-                                      <p:cBhvr override="childStyle">
-                                        <p:cTn id="27" dur="500" fill="hold"/>
-                                        <p:tgtEl>
-                                          <p:spTgt spid="6">
-                                            <p:txEl>
-                                              <p:pRg st="3" end="3"/>
-                                            </p:txEl>
-                                          </p:spTgt>
-                                        </p:tgtEl>
-                                        <p:attrNameLst>
-                                          <p:attrName>style.color</p:attrName>
-                                        </p:attrNameLst>
-                                      </p:cBhvr>
-                                      <p:to>
-                                        <a:srgbClr val="D8D8D8"/>
-                                      </p:to>
-                                    </p:animClr>
-                                    <p:animClr clrSpc="rgb" dir="cw">
-                                      <p:cBhvr>
-                                        <p:cTn id="28" dur="500" fill="hold"/>
-                                        <p:tgtEl>
-                                          <p:spTgt spid="6">
-                                            <p:txEl>
-                                              <p:pRg st="3" end="3"/>
-                                            </p:txEl>
-                                          </p:spTgt>
-                                        </p:tgtEl>
-                                        <p:attrNameLst>
-                                          <p:attrName>fillcolor</p:attrName>
-                                        </p:attrNameLst>
-                                      </p:cBhvr>
-                                      <p:to>
-                                        <a:srgbClr val="D8D8D8"/>
-                                      </p:to>
-                                    </p:animClr>
-                                    <p:set>
-                                      <p:cBhvr>
-                                        <p:cTn id="29" dur="500" fill="hold"/>
-                                        <p:tgtEl>
-                                          <p:spTgt spid="6">
-                                            <p:txEl>
-                                              <p:pRg st="3" end="3"/>
-                                            </p:txEl>
-                                          </p:spTgt>
-                                        </p:tgtEl>
-                                        <p:attrNameLst>
-                                          <p:attrName>fill.type</p:attrName>
-                                        </p:attrNameLst>
-                                      </p:cBhvr>
-                                      <p:to>
-                                        <p:strVal val="solid"/>
-                                      </p:to>
-                                    </p:set>
-                                    <p:set>
-                                      <p:cBhvr>
-                                        <p:cTn id="30" dur="500" fill="hold"/>
-                                        <p:tgtEl>
-                                          <p:spTgt spid="6">
-                                            <p:txEl>
-                                              <p:pRg st="3" end="3"/>
-                                            </p:txEl>
-                                          </p:spTgt>
-                                        </p:tgtEl>
-                                        <p:attrNameLst>
-                                          <p:attrName>fill.on</p:attrName>
-                                        </p:attrNameLst>
-                                      </p:cBhvr>
-                                      <p:to>
-                                        <p:strVal val="true"/>
-                                      </p:to>
-                                    </p:set>
-                                  </p:childTnLst>
-                                </p:cTn>
-                              </p:par>
-                            </p:childTnLst>
-                          </p:cTn>
-                        </p:par>
-                      </p:childTnLst>
-                    </p:cTn>
-                  </p:par>
-                  <p:par>
-                    <p:cTn id="31" fill="hold">
-                      <p:stCondLst>
-                        <p:cond delay="indefinite"/>
-                      </p:stCondLst>
-                      <p:childTnLst>
-                        <p:par>
-                          <p:cTn id="32" fill="hold">
-                            <p:stCondLst>
-                              <p:cond delay="0"/>
-                            </p:stCondLst>
-                            <p:childTnLst>
-                              <p:par>
-                                <p:cTn id="33" presetID="19" presetClass="emph" presetSubtype="0" fill="hold" grpId="1" nodeType="clickEffect">
-                                  <p:stCondLst>
-                                    <p:cond delay="0"/>
-                                  </p:stCondLst>
-                                  <p:childTnLst>
-                                    <p:animClr clrSpc="rgb" dir="cw">
-                                      <p:cBhvr override="childStyle">
-                                        <p:cTn id="34" dur="500" fill="hold"/>
-                                        <p:tgtEl>
-                                          <p:spTgt spid="6">
-                                            <p:txEl>
-                                              <p:pRg st="4" end="4"/>
-                                            </p:txEl>
-                                          </p:spTgt>
-                                        </p:tgtEl>
-                                        <p:attrNameLst>
-                                          <p:attrName>style.color</p:attrName>
-                                        </p:attrNameLst>
-                                      </p:cBhvr>
-                                      <p:to>
-                                        <a:srgbClr val="D8D8D8"/>
-                                      </p:to>
-                                    </p:animClr>
-                                    <p:animClr clrSpc="rgb" dir="cw">
-                                      <p:cBhvr>
-                                        <p:cTn id="35" dur="500" fill="hold"/>
-                                        <p:tgtEl>
-                                          <p:spTgt spid="6">
-                                            <p:txEl>
-                                              <p:pRg st="4" end="4"/>
-                                            </p:txEl>
-                                          </p:spTgt>
-                                        </p:tgtEl>
-                                        <p:attrNameLst>
-                                          <p:attrName>fillcolor</p:attrName>
-                                        </p:attrNameLst>
-                                      </p:cBhvr>
-                                      <p:to>
-                                        <a:srgbClr val="D8D8D8"/>
-                                      </p:to>
-                                    </p:animClr>
-                                    <p:set>
-                                      <p:cBhvr>
-                                        <p:cTn id="36" dur="500" fill="hold"/>
-                                        <p:tgtEl>
-                                          <p:spTgt spid="6">
-                                            <p:txEl>
-                                              <p:pRg st="4" end="4"/>
-                                            </p:txEl>
-                                          </p:spTgt>
-                                        </p:tgtEl>
-                                        <p:attrNameLst>
-                                          <p:attrName>fill.type</p:attrName>
-                                        </p:attrNameLst>
-                                      </p:cBhvr>
-                                      <p:to>
-                                        <p:strVal val="solid"/>
-                                      </p:to>
-                                    </p:set>
-                                    <p:set>
-                                      <p:cBhvr>
-                                        <p:cTn id="37" dur="500" fill="hold"/>
-                                        <p:tgtEl>
-                                          <p:spTgt spid="6">
-                                            <p:txEl>
-                                              <p:pRg st="4" end="4"/>
-                                            </p:txEl>
-                                          </p:spTgt>
-                                        </p:tgtEl>
-                                        <p:attrNameLst>
-                                          <p:attrName>fill.on</p:attrName>
-                                        </p:attrNameLst>
-                                      </p:cBhvr>
-                                      <p:to>
-                                        <p:strVal val="true"/>
-                                      </p:to>
-                                    </p:set>
-                                  </p:childTnLst>
-                                </p:cTn>
-                              </p:par>
-                            </p:childTnLst>
-                          </p:cTn>
-                        </p:par>
-                      </p:childTnLst>
-                    </p:cTn>
-                  </p:par>
-                  <p:par>
-                    <p:cTn id="38" fill="hold">
-                      <p:stCondLst>
-                        <p:cond delay="indefinite"/>
-                      </p:stCondLst>
-                      <p:childTnLst>
-                        <p:par>
-                          <p:cTn id="39" fill="hold">
-                            <p:stCondLst>
-                              <p:cond delay="0"/>
-                            </p:stCondLst>
-                            <p:childTnLst>
-                              <p:par>
-                                <p:cTn id="40" presetID="19" presetClass="emph" presetSubtype="0" fill="hold" grpId="1" nodeType="clickEffect">
-                                  <p:stCondLst>
-                                    <p:cond delay="0"/>
-                                  </p:stCondLst>
-                                  <p:childTnLst>
-                                    <p:animClr clrSpc="rgb" dir="cw">
-                                      <p:cBhvr override="childStyle">
-                                        <p:cTn id="41" dur="500" fill="hold"/>
-                                        <p:tgtEl>
-                                          <p:spTgt spid="6">
-                                            <p:txEl>
-                                              <p:pRg st="5" end="5"/>
-                                            </p:txEl>
-                                          </p:spTgt>
-                                        </p:tgtEl>
-                                        <p:attrNameLst>
-                                          <p:attrName>style.color</p:attrName>
-                                        </p:attrNameLst>
-                                      </p:cBhvr>
-                                      <p:to>
-                                        <a:srgbClr val="D8D8D8"/>
-                                      </p:to>
-                                    </p:animClr>
-                                    <p:animClr clrSpc="rgb" dir="cw">
-                                      <p:cBhvr>
-                                        <p:cTn id="42" dur="500" fill="hold"/>
-                                        <p:tgtEl>
-                                          <p:spTgt spid="6">
-                                            <p:txEl>
-                                              <p:pRg st="5" end="5"/>
-                                            </p:txEl>
-                                          </p:spTgt>
-                                        </p:tgtEl>
-                                        <p:attrNameLst>
-                                          <p:attrName>fillcolor</p:attrName>
-                                        </p:attrNameLst>
-                                      </p:cBhvr>
-                                      <p:to>
-                                        <a:srgbClr val="D8D8D8"/>
-                                      </p:to>
-                                    </p:animClr>
-                                    <p:set>
-                                      <p:cBhvr>
-                                        <p:cTn id="43" dur="500" fill="hold"/>
-                                        <p:tgtEl>
-                                          <p:spTgt spid="6">
-                                            <p:txEl>
-                                              <p:pRg st="5" end="5"/>
-                                            </p:txEl>
-                                          </p:spTgt>
-                                        </p:tgtEl>
-                                        <p:attrNameLst>
-                                          <p:attrName>fill.type</p:attrName>
-                                        </p:attrNameLst>
-                                      </p:cBhvr>
-                                      <p:to>
-                                        <p:strVal val="solid"/>
-                                      </p:to>
-                                    </p:set>
-                                    <p:set>
-                                      <p:cBhvr>
-                                        <p:cTn id="44" dur="500" fill="hold"/>
-                                        <p:tgtEl>
-                                          <p:spTgt spid="6">
-                                            <p:txEl>
-                                              <p:pRg st="5" end="5"/>
-                                            </p:txEl>
-                                          </p:spTgt>
-                                        </p:tgtEl>
-                                        <p:attrNameLst>
-                                          <p:attrName>fill.on</p:attrName>
-                                        </p:attrNameLst>
-                                      </p:cBhvr>
-                                      <p:to>
-                                        <p:strVal val="true"/>
-                                      </p:to>
-                                    </p:set>
-                                  </p:childTnLst>
-                                </p:cTn>
-                              </p:par>
-                            </p:childTnLst>
-                          </p:cTn>
-                        </p:par>
-                      </p:childTnLst>
-                    </p:cTn>
-                  </p:par>
-                </p:childTnLst>
-              </p:cTn>
-              <p:prevCondLst>
-                <p:cond evt="onPrev" delay="0">
-                  <p:tgtEl>
-                    <p:sldTgt/>
-                  </p:tgtEl>
-                </p:cond>
-              </p:prevCondLst>
-              <p:nextCondLst>
-                <p:cond evt="onNext" delay="0">
-                  <p:tgtEl>
-                    <p:sldTgt/>
-                  </p:tgtEl>
-                </p:cond>
-              </p:nextCondLst>
-            </p:seq>
-          </p:childTnLst>
-        </p:cTn>
-      </p:par>
-    </p:tnLst>
-    <p:bldLst>
-      <p:bldP spid="6" grpId="1" uiExpand="1" build="p"/>
-    </p:bldLst>
-  </p:timing>
-</p:sld>
-</file>
-
 <file path=ppt/slides/slide19.xml><?xml version="1.0" encoding="utf-8"?>
 <p:sld xmlns:a="http://schemas.openxmlformats.org/drawingml/2006/main" xmlns:r="http://schemas.openxmlformats.org/officeDocument/2006/relationships" xmlns:p="http://schemas.openxmlformats.org/presentationml/2006/main">
   <p:cSld>
@@ -29515,34 +29457,518 @@
             <p:ph type="title"/>
           </p:nvPr>
         </p:nvSpPr>
+        <p:spPr/>
+        <p:txBody>
+          <a:bodyPr/>
+          <a:lstStyle/>
+          <a:p>
+            <a:r>
+              <a:rPr lang="en-US" dirty="0"/>
+              <a:t>Conclusions</a:t>
+            </a:r>
+          </a:p>
+        </p:txBody>
+      </p:sp>
+      <p:sp>
+        <p:nvSpPr>
+          <p:cNvPr id="6" name="Inhaltsplatzhalter 1">
+            <a:extLst>
+              <a:ext uri="{FF2B5EF4-FFF2-40B4-BE49-F238E27FC236}">
+                <a16:creationId xmlns:a16="http://schemas.microsoft.com/office/drawing/2014/main" id="{58A1E258-94EF-416A-9D10-EA9DB5B6DB07}"/>
+              </a:ext>
+            </a:extLst>
+          </p:cNvPr>
+          <p:cNvSpPr>
+            <a:spLocks noGrp="1"/>
+          </p:cNvSpPr>
+          <p:nvPr>
+            <p:ph idx="10"/>
+          </p:nvPr>
+        </p:nvSpPr>
         <p:spPr>
           <a:xfrm>
-            <a:off x="319090" y="3223816"/>
-            <a:ext cx="8508999" cy="410369"/>
+            <a:off x="319088" y="1978720"/>
+            <a:ext cx="8508999" cy="4136945"/>
           </a:xfrm>
         </p:spPr>
         <p:txBody>
           <a:bodyPr/>
           <a:lstStyle/>
           <a:p>
-            <a:pPr algn="ctr"/>
-            <a:r>
-              <a:rPr lang="en-US" dirty="0"/>
-              <a:t>Thank you for your attention!</a:t>
-            </a:r>
+            <a:pPr>
+              <a:lnSpc>
+                <a:spcPct val="200000"/>
+              </a:lnSpc>
+            </a:pPr>
+            <a:r>
+              <a:rPr lang="en-US" sz="2000" dirty="0">
+                <a:solidFill>
+                  <a:schemeClr val="tx1"/>
+                </a:solidFill>
+              </a:rPr>
+              <a:t>Introduction of deep learning models into speech synthesis</a:t>
+            </a:r>
+          </a:p>
+          <a:p>
+            <a:pPr marL="342900" indent="-342900">
+              <a:lnSpc>
+                <a:spcPct val="200000"/>
+              </a:lnSpc>
+              <a:buFont typeface="Wingdings" panose="05000000000000000000" pitchFamily="2" charset="2"/>
+              <a:buChar char="à"/>
+            </a:pPr>
+            <a:r>
+              <a:rPr lang="en-US" dirty="0">
+                <a:solidFill>
+                  <a:schemeClr val="tx1"/>
+                </a:solidFill>
+              </a:rPr>
+              <a:t>Better voice quality</a:t>
+            </a:r>
+          </a:p>
+          <a:p>
+            <a:pPr marL="342900" indent="-342900">
+              <a:lnSpc>
+                <a:spcPct val="200000"/>
+              </a:lnSpc>
+              <a:buFont typeface="Wingdings" panose="05000000000000000000" pitchFamily="2" charset="2"/>
+              <a:buChar char="à"/>
+            </a:pPr>
+            <a:r>
+              <a:rPr lang="en-US" dirty="0">
+                <a:solidFill>
+                  <a:schemeClr val="tx1"/>
+                </a:solidFill>
+              </a:rPr>
+              <a:t>Smaller memory footprint</a:t>
+            </a:r>
+          </a:p>
+          <a:p>
+            <a:pPr>
+              <a:lnSpc>
+                <a:spcPct val="200000"/>
+              </a:lnSpc>
+            </a:pPr>
+            <a:endParaRPr lang="en-US" sz="2000" dirty="0"/>
+          </a:p>
+          <a:p>
+            <a:pPr>
+              <a:lnSpc>
+                <a:spcPct val="200000"/>
+              </a:lnSpc>
+            </a:pPr>
+            <a:r>
+              <a:rPr lang="en-US" sz="2000" dirty="0"/>
+              <a:t>Huge increase of available smartphones expected</a:t>
+            </a:r>
+          </a:p>
+          <a:p>
+            <a:pPr marL="342900" indent="-342900">
+              <a:lnSpc>
+                <a:spcPct val="200000"/>
+              </a:lnSpc>
+              <a:buFont typeface="Wingdings" panose="05000000000000000000" pitchFamily="2" charset="2"/>
+              <a:buChar char="à"/>
+            </a:pPr>
+            <a:r>
+              <a:rPr lang="en-US" dirty="0">
+                <a:solidFill>
+                  <a:schemeClr val="tx1"/>
+                </a:solidFill>
+                <a:sym typeface="Wingdings" panose="05000000000000000000" pitchFamily="2" charset="2"/>
+              </a:rPr>
+              <a:t>Need for robust and resource-efficient implementations</a:t>
+            </a:r>
+          </a:p>
+          <a:p>
+            <a:pPr marL="342900" indent="-342900">
+              <a:lnSpc>
+                <a:spcPct val="200000"/>
+              </a:lnSpc>
+              <a:buFont typeface="Wingdings" panose="05000000000000000000" pitchFamily="2" charset="2"/>
+              <a:buChar char="à"/>
+            </a:pPr>
+            <a:r>
+              <a:rPr lang="en-US" dirty="0">
+                <a:solidFill>
+                  <a:schemeClr val="tx1"/>
+                </a:solidFill>
+                <a:sym typeface="Wingdings" panose="05000000000000000000" pitchFamily="2" charset="2"/>
+              </a:rPr>
+              <a:t>Deep learning model</a:t>
+            </a:r>
+            <a:r>
+              <a:rPr lang="de-DE" dirty="0">
+                <a:solidFill>
+                  <a:schemeClr val="tx1"/>
+                </a:solidFill>
+                <a:sym typeface="Wingdings" panose="05000000000000000000" pitchFamily="2" charset="2"/>
+              </a:rPr>
+              <a:t>s </a:t>
+            </a:r>
+            <a:r>
+              <a:rPr lang="en-US" dirty="0">
+                <a:solidFill>
+                  <a:schemeClr val="tx1"/>
+                </a:solidFill>
+                <a:sym typeface="Wingdings" panose="05000000000000000000" pitchFamily="2" charset="2"/>
+              </a:rPr>
+              <a:t>can be used to achieve this</a:t>
+            </a:r>
+          </a:p>
+          <a:p>
+            <a:pPr marL="285750" indent="-285750">
+              <a:lnSpc>
+                <a:spcPct val="200000"/>
+              </a:lnSpc>
+              <a:buFont typeface="Wingdings" panose="05000000000000000000" pitchFamily="2" charset="2"/>
+              <a:buChar char="à"/>
+            </a:pPr>
+            <a:endParaRPr lang="de-DE" dirty="0">
+              <a:solidFill>
+                <a:schemeClr val="tx1"/>
+              </a:solidFill>
+            </a:endParaRPr>
           </a:p>
         </p:txBody>
       </p:sp>
     </p:spTree>
     <p:extLst>
       <p:ext uri="{BB962C8B-B14F-4D97-AF65-F5344CB8AC3E}">
-        <p14:creationId xmlns:p14="http://schemas.microsoft.com/office/powerpoint/2010/main" val="3579100488"/>
+        <p14:creationId xmlns:p14="http://schemas.microsoft.com/office/powerpoint/2010/main" val="1631079468"/>
       </p:ext>
     </p:extLst>
   </p:cSld>
   <p:clrMapOvr>
     <a:masterClrMapping/>
   </p:clrMapOvr>
+  <p:timing>
+    <p:tnLst>
+      <p:par>
+        <p:cTn id="1" dur="indefinite" restart="never" nodeType="tmRoot">
+          <p:childTnLst>
+            <p:seq concurrent="1" nextAc="seek">
+              <p:cTn id="2" dur="indefinite" nodeType="mainSeq">
+                <p:childTnLst>
+                  <p:par>
+                    <p:cTn id="3" fill="hold">
+                      <p:stCondLst>
+                        <p:cond delay="indefinite"/>
+                      </p:stCondLst>
+                      <p:childTnLst>
+                        <p:par>
+                          <p:cTn id="4" fill="hold">
+                            <p:stCondLst>
+                              <p:cond delay="0"/>
+                            </p:stCondLst>
+                            <p:childTnLst>
+                              <p:par>
+                                <p:cTn id="5" presetID="1" presetClass="entr" presetSubtype="0" fill="hold" grpId="0" nodeType="clickEffect">
+                                  <p:stCondLst>
+                                    <p:cond delay="0"/>
+                                  </p:stCondLst>
+                                  <p:childTnLst>
+                                    <p:set>
+                                      <p:cBhvr>
+                                        <p:cTn id="6" dur="1" fill="hold">
+                                          <p:stCondLst>
+                                            <p:cond delay="0"/>
+                                          </p:stCondLst>
+                                        </p:cTn>
+                                        <p:tgtEl>
+                                          <p:spTgt spid="6">
+                                            <p:txEl>
+                                              <p:pRg st="0" end="0"/>
+                                            </p:txEl>
+                                          </p:spTgt>
+                                        </p:tgtEl>
+                                        <p:attrNameLst>
+                                          <p:attrName>style.visibility</p:attrName>
+                                        </p:attrNameLst>
+                                      </p:cBhvr>
+                                      <p:to>
+                                        <p:strVal val="visible"/>
+                                      </p:to>
+                                    </p:set>
+                                  </p:childTnLst>
+                                </p:cTn>
+                              </p:par>
+                            </p:childTnLst>
+                          </p:cTn>
+                        </p:par>
+                      </p:childTnLst>
+                    </p:cTn>
+                  </p:par>
+                  <p:par>
+                    <p:cTn id="7" fill="hold">
+                      <p:stCondLst>
+                        <p:cond delay="indefinite"/>
+                      </p:stCondLst>
+                      <p:childTnLst>
+                        <p:par>
+                          <p:cTn id="8" fill="hold">
+                            <p:stCondLst>
+                              <p:cond delay="0"/>
+                            </p:stCondLst>
+                            <p:childTnLst>
+                              <p:par>
+                                <p:cTn id="9" presetID="1" presetClass="entr" presetSubtype="0" fill="hold" grpId="0" nodeType="clickEffect">
+                                  <p:stCondLst>
+                                    <p:cond delay="0"/>
+                                  </p:stCondLst>
+                                  <p:childTnLst>
+                                    <p:set>
+                                      <p:cBhvr>
+                                        <p:cTn id="10" dur="1" fill="hold">
+                                          <p:stCondLst>
+                                            <p:cond delay="0"/>
+                                          </p:stCondLst>
+                                        </p:cTn>
+                                        <p:tgtEl>
+                                          <p:spTgt spid="6">
+                                            <p:txEl>
+                                              <p:pRg st="1" end="1"/>
+                                            </p:txEl>
+                                          </p:spTgt>
+                                        </p:tgtEl>
+                                        <p:attrNameLst>
+                                          <p:attrName>style.visibility</p:attrName>
+                                        </p:attrNameLst>
+                                      </p:cBhvr>
+                                      <p:to>
+                                        <p:strVal val="visible"/>
+                                      </p:to>
+                                    </p:set>
+                                  </p:childTnLst>
+                                </p:cTn>
+                              </p:par>
+                            </p:childTnLst>
+                          </p:cTn>
+                        </p:par>
+                      </p:childTnLst>
+                    </p:cTn>
+                  </p:par>
+                  <p:par>
+                    <p:cTn id="11" fill="hold">
+                      <p:stCondLst>
+                        <p:cond delay="indefinite"/>
+                      </p:stCondLst>
+                      <p:childTnLst>
+                        <p:par>
+                          <p:cTn id="12" fill="hold">
+                            <p:stCondLst>
+                              <p:cond delay="0"/>
+                            </p:stCondLst>
+                            <p:childTnLst>
+                              <p:par>
+                                <p:cTn id="13" presetID="1" presetClass="entr" presetSubtype="0" fill="hold" grpId="0" nodeType="clickEffect">
+                                  <p:stCondLst>
+                                    <p:cond delay="0"/>
+                                  </p:stCondLst>
+                                  <p:childTnLst>
+                                    <p:set>
+                                      <p:cBhvr>
+                                        <p:cTn id="14" dur="1" fill="hold">
+                                          <p:stCondLst>
+                                            <p:cond delay="0"/>
+                                          </p:stCondLst>
+                                        </p:cTn>
+                                        <p:tgtEl>
+                                          <p:spTgt spid="6">
+                                            <p:txEl>
+                                              <p:pRg st="2" end="2"/>
+                                            </p:txEl>
+                                          </p:spTgt>
+                                        </p:tgtEl>
+                                        <p:attrNameLst>
+                                          <p:attrName>style.visibility</p:attrName>
+                                        </p:attrNameLst>
+                                      </p:cBhvr>
+                                      <p:to>
+                                        <p:strVal val="visible"/>
+                                      </p:to>
+                                    </p:set>
+                                  </p:childTnLst>
+                                </p:cTn>
+                              </p:par>
+                            </p:childTnLst>
+                          </p:cTn>
+                        </p:par>
+                      </p:childTnLst>
+                    </p:cTn>
+                  </p:par>
+                  <p:par>
+                    <p:cTn id="15" fill="hold">
+                      <p:stCondLst>
+                        <p:cond delay="indefinite"/>
+                      </p:stCondLst>
+                      <p:childTnLst>
+                        <p:par>
+                          <p:cTn id="16" fill="hold">
+                            <p:stCondLst>
+                              <p:cond delay="0"/>
+                            </p:stCondLst>
+                            <p:childTnLst>
+                              <p:par>
+                                <p:cTn id="17" presetID="1" presetClass="entr" presetSubtype="0" fill="hold" grpId="0" nodeType="clickEffect">
+                                  <p:stCondLst>
+                                    <p:cond delay="0"/>
+                                  </p:stCondLst>
+                                  <p:childTnLst>
+                                    <p:set>
+                                      <p:cBhvr>
+                                        <p:cTn id="18" dur="1" fill="hold">
+                                          <p:stCondLst>
+                                            <p:cond delay="0"/>
+                                          </p:stCondLst>
+                                        </p:cTn>
+                                        <p:tgtEl>
+                                          <p:spTgt spid="6">
+                                            <p:txEl>
+                                              <p:pRg st="4" end="4"/>
+                                            </p:txEl>
+                                          </p:spTgt>
+                                        </p:tgtEl>
+                                        <p:attrNameLst>
+                                          <p:attrName>style.visibility</p:attrName>
+                                        </p:attrNameLst>
+                                      </p:cBhvr>
+                                      <p:to>
+                                        <p:strVal val="visible"/>
+                                      </p:to>
+                                    </p:set>
+                                  </p:childTnLst>
+                                </p:cTn>
+                              </p:par>
+                            </p:childTnLst>
+                          </p:cTn>
+                        </p:par>
+                      </p:childTnLst>
+                    </p:cTn>
+                  </p:par>
+                  <p:par>
+                    <p:cTn id="19" fill="hold">
+                      <p:stCondLst>
+                        <p:cond delay="indefinite"/>
+                      </p:stCondLst>
+                      <p:childTnLst>
+                        <p:par>
+                          <p:cTn id="20" fill="hold">
+                            <p:stCondLst>
+                              <p:cond delay="0"/>
+                            </p:stCondLst>
+                            <p:childTnLst>
+                              <p:par>
+                                <p:cTn id="21" presetID="1" presetClass="entr" presetSubtype="0" fill="hold" grpId="0" nodeType="clickEffect">
+                                  <p:stCondLst>
+                                    <p:cond delay="0"/>
+                                  </p:stCondLst>
+                                  <p:childTnLst>
+                                    <p:set>
+                                      <p:cBhvr>
+                                        <p:cTn id="22" dur="1" fill="hold">
+                                          <p:stCondLst>
+                                            <p:cond delay="0"/>
+                                          </p:stCondLst>
+                                        </p:cTn>
+                                        <p:tgtEl>
+                                          <p:spTgt spid="6">
+                                            <p:txEl>
+                                              <p:pRg st="5" end="5"/>
+                                            </p:txEl>
+                                          </p:spTgt>
+                                        </p:tgtEl>
+                                        <p:attrNameLst>
+                                          <p:attrName>style.visibility</p:attrName>
+                                        </p:attrNameLst>
+                                      </p:cBhvr>
+                                      <p:to>
+                                        <p:strVal val="visible"/>
+                                      </p:to>
+                                    </p:set>
+                                  </p:childTnLst>
+                                </p:cTn>
+                              </p:par>
+                            </p:childTnLst>
+                          </p:cTn>
+                        </p:par>
+                      </p:childTnLst>
+                    </p:cTn>
+                  </p:par>
+                  <p:par>
+                    <p:cTn id="23" fill="hold">
+                      <p:stCondLst>
+                        <p:cond delay="indefinite"/>
+                      </p:stCondLst>
+                      <p:childTnLst>
+                        <p:par>
+                          <p:cTn id="24" fill="hold">
+                            <p:stCondLst>
+                              <p:cond delay="0"/>
+                            </p:stCondLst>
+                            <p:childTnLst>
+                              <p:par>
+                                <p:cTn id="25" presetID="1" presetClass="entr" presetSubtype="0" fill="hold" grpId="0" nodeType="clickEffect">
+                                  <p:stCondLst>
+                                    <p:cond delay="0"/>
+                                  </p:stCondLst>
+                                  <p:childTnLst>
+                                    <p:set>
+                                      <p:cBhvr>
+                                        <p:cTn id="26" dur="1" fill="hold">
+                                          <p:stCondLst>
+                                            <p:cond delay="0"/>
+                                          </p:stCondLst>
+                                        </p:cTn>
+                                        <p:tgtEl>
+                                          <p:spTgt spid="6">
+                                            <p:txEl>
+                                              <p:pRg st="6" end="6"/>
+                                            </p:txEl>
+                                          </p:spTgt>
+                                        </p:tgtEl>
+                                        <p:attrNameLst>
+                                          <p:attrName>style.visibility</p:attrName>
+                                        </p:attrNameLst>
+                                      </p:cBhvr>
+                                      <p:to>
+                                        <p:strVal val="visible"/>
+                                      </p:to>
+                                    </p:set>
+                                  </p:childTnLst>
+                                </p:cTn>
+                              </p:par>
+                            </p:childTnLst>
+                          </p:cTn>
+                        </p:par>
+                      </p:childTnLst>
+                    </p:cTn>
+                  </p:par>
+                </p:childTnLst>
+              </p:cTn>
+              <p:prevCondLst>
+                <p:cond evt="onPrev" delay="0">
+                  <p:tgtEl>
+                    <p:sldTgt/>
+                  </p:tgtEl>
+                </p:cond>
+              </p:prevCondLst>
+              <p:nextCondLst>
+                <p:cond evt="onNext" delay="0">
+                  <p:tgtEl>
+                    <p:sldTgt/>
+                  </p:tgtEl>
+                </p:cond>
+              </p:nextCondLst>
+            </p:seq>
+          </p:childTnLst>
+        </p:cTn>
+      </p:par>
+    </p:tnLst>
+    <p:bldLst>
+      <p:bldP spid="6" grpId="0" uiExpand="1" build="p"/>
+    </p:bldLst>
+  </p:timing>
 </p:sld>
 </file>
 
@@ -29726,6 +30152,100 @@
 </file>
 
 <file path=ppt/slides/slide20.xml><?xml version="1.0" encoding="utf-8"?>
+<p:sld xmlns:a="http://schemas.openxmlformats.org/drawingml/2006/main" xmlns:r="http://schemas.openxmlformats.org/officeDocument/2006/relationships" xmlns:p="http://schemas.openxmlformats.org/presentationml/2006/main">
+  <p:cSld>
+    <p:spTree>
+      <p:nvGrpSpPr>
+        <p:cNvPr id="1" name=""/>
+        <p:cNvGrpSpPr/>
+        <p:nvPr/>
+      </p:nvGrpSpPr>
+      <p:grpSpPr>
+        <a:xfrm>
+          <a:off x="0" y="0"/>
+          <a:ext cx="0" cy="0"/>
+          <a:chOff x="0" y="0"/>
+          <a:chExt cx="0" cy="0"/>
+        </a:xfrm>
+      </p:grpSpPr>
+      <p:sp>
+        <p:nvSpPr>
+          <p:cNvPr id="3" name="Foliennummernplatzhalter 2">
+            <a:extLst>
+              <a:ext uri="{FF2B5EF4-FFF2-40B4-BE49-F238E27FC236}">
+                <a16:creationId xmlns:a16="http://schemas.microsoft.com/office/drawing/2014/main" id="{A366489A-8C80-4D71-99AB-A1991302B570}"/>
+              </a:ext>
+            </a:extLst>
+          </p:cNvPr>
+          <p:cNvSpPr>
+            <a:spLocks noGrp="1"/>
+          </p:cNvSpPr>
+          <p:nvPr>
+            <p:ph type="sldNum" sz="quarter" idx="11"/>
+          </p:nvPr>
+        </p:nvSpPr>
+        <p:spPr/>
+        <p:txBody>
+          <a:bodyPr/>
+          <a:lstStyle/>
+          <a:p>
+            <a:fld id="{CE58CB1E-F828-4F11-99E0-327109AF9DA4}" type="slidenum">
+              <a:rPr lang="de-DE" smtClean="0"/>
+              <a:pPr/>
+              <a:t>20</a:t>
+            </a:fld>
+            <a:endParaRPr lang="de-DE" dirty="0"/>
+          </a:p>
+        </p:txBody>
+      </p:sp>
+      <p:sp>
+        <p:nvSpPr>
+          <p:cNvPr id="4" name="Titel 3">
+            <a:extLst>
+              <a:ext uri="{FF2B5EF4-FFF2-40B4-BE49-F238E27FC236}">
+                <a16:creationId xmlns:a16="http://schemas.microsoft.com/office/drawing/2014/main" id="{36ADE80A-1283-4AF4-A236-A4BF09D9B274}"/>
+              </a:ext>
+            </a:extLst>
+          </p:cNvPr>
+          <p:cNvSpPr>
+            <a:spLocks noGrp="1"/>
+          </p:cNvSpPr>
+          <p:nvPr>
+            <p:ph type="title"/>
+          </p:nvPr>
+        </p:nvSpPr>
+        <p:spPr>
+          <a:xfrm>
+            <a:off x="319090" y="3223816"/>
+            <a:ext cx="8508999" cy="410369"/>
+          </a:xfrm>
+        </p:spPr>
+        <p:txBody>
+          <a:bodyPr/>
+          <a:lstStyle/>
+          <a:p>
+            <a:pPr algn="ctr"/>
+            <a:r>
+              <a:rPr lang="en-US" dirty="0"/>
+              <a:t>Thank you for your attention!</a:t>
+            </a:r>
+          </a:p>
+        </p:txBody>
+      </p:sp>
+    </p:spTree>
+    <p:extLst>
+      <p:ext uri="{BB962C8B-B14F-4D97-AF65-F5344CB8AC3E}">
+        <p14:creationId xmlns:p14="http://schemas.microsoft.com/office/powerpoint/2010/main" val="3579100488"/>
+      </p:ext>
+    </p:extLst>
+  </p:cSld>
+  <p:clrMapOvr>
+    <a:masterClrMapping/>
+  </p:clrMapOvr>
+</p:sld>
+</file>
+
+<file path=ppt/slides/slide21.xml><?xml version="1.0" encoding="utf-8"?>
 <p:sld xmlns:a="http://schemas.openxmlformats.org/drawingml/2006/main" xmlns:r="http://schemas.openxmlformats.org/officeDocument/2006/relationships" xmlns:p="http://schemas.openxmlformats.org/presentationml/2006/main" show="0">
   <p:cSld>
     <p:spTree>
@@ -29766,7 +30286,7 @@
             <a:fld id="{CE58CB1E-F828-4F11-99E0-327109AF9DA4}" type="slidenum">
               <a:rPr lang="de-DE" smtClean="0"/>
               <a:pPr/>
-              <a:t>20</a:t>
+              <a:t>21</a:t>
             </a:fld>
             <a:endParaRPr lang="de-DE" dirty="0"/>
           </a:p>
@@ -29905,7 +30425,7 @@
 </p:sld>
 </file>
 
-<file path=ppt/slides/slide21.xml><?xml version="1.0" encoding="utf-8"?>
+<file path=ppt/slides/slide22.xml><?xml version="1.0" encoding="utf-8"?>
 <p:sld xmlns:a="http://schemas.openxmlformats.org/drawingml/2006/main" xmlns:r="http://schemas.openxmlformats.org/officeDocument/2006/relationships" xmlns:p="http://schemas.openxmlformats.org/presentationml/2006/main" show="0">
   <p:cSld>
     <p:spTree>
@@ -30068,7 +30588,7 @@
             <a:fld id="{CE58CB1E-F828-4F11-99E0-327109AF9DA4}" type="slidenum">
               <a:rPr lang="de-DE" smtClean="0"/>
               <a:pPr/>
-              <a:t>21</a:t>
+              <a:t>22</a:t>
             </a:fld>
             <a:endParaRPr lang="de-DE" dirty="0"/>
           </a:p>
@@ -30202,7 +30722,7 @@
 </p:sld>
 </file>
 
-<file path=ppt/slides/slide22.xml><?xml version="1.0" encoding="utf-8"?>
+<file path=ppt/slides/slide23.xml><?xml version="1.0" encoding="utf-8"?>
 <p:sld xmlns:a="http://schemas.openxmlformats.org/drawingml/2006/main" xmlns:r="http://schemas.openxmlformats.org/officeDocument/2006/relationships" xmlns:p="http://schemas.openxmlformats.org/presentationml/2006/main" show="0">
   <p:cSld>
     <p:spTree>
@@ -30243,7 +30763,7 @@
             <a:fld id="{CE58CB1E-F828-4F11-99E0-327109AF9DA4}" type="slidenum">
               <a:rPr lang="de-DE" smtClean="0"/>
               <a:pPr/>
-              <a:t>22</a:t>
+              <a:t>23</a:t>
             </a:fld>
             <a:endParaRPr lang="de-DE" dirty="0"/>
           </a:p>
@@ -31767,7 +32287,7 @@
 </p:sld>
 </file>
 
-<file path=ppt/slides/slide23.xml><?xml version="1.0" encoding="utf-8"?>
+<file path=ppt/slides/slide24.xml><?xml version="1.0" encoding="utf-8"?>
 <p:sld xmlns:a="http://schemas.openxmlformats.org/drawingml/2006/main" xmlns:r="http://schemas.openxmlformats.org/officeDocument/2006/relationships" xmlns:p="http://schemas.openxmlformats.org/presentationml/2006/main" show="0">
   <p:cSld>
     <p:spTree>
@@ -31936,7 +32456,7 @@
             <a:fld id="{CE58CB1E-F828-4F11-99E0-327109AF9DA4}" type="slidenum">
               <a:rPr lang="de-DE" smtClean="0"/>
               <a:pPr/>
-              <a:t>23</a:t>
+              <a:t>24</a:t>
             </a:fld>
             <a:endParaRPr lang="de-DE" dirty="0"/>
           </a:p>
@@ -32341,7 +32861,7 @@
 </p:sld>
 </file>
 
-<file path=ppt/slides/slide24.xml><?xml version="1.0" encoding="utf-8"?>
+<file path=ppt/slides/slide25.xml><?xml version="1.0" encoding="utf-8"?>
 <p:sld xmlns:a="http://schemas.openxmlformats.org/drawingml/2006/main" xmlns:r="http://schemas.openxmlformats.org/officeDocument/2006/relationships" xmlns:p="http://schemas.openxmlformats.org/presentationml/2006/main" show="0">
   <p:cSld>
     <p:spTree>
@@ -32432,7 +32952,7 @@
             <a:fld id="{CE58CB1E-F828-4F11-99E0-327109AF9DA4}" type="slidenum">
               <a:rPr lang="de-DE" smtClean="0"/>
               <a:pPr/>
-              <a:t>24</a:t>
+              <a:t>25</a:t>
             </a:fld>
             <a:endParaRPr lang="de-DE" dirty="0"/>
           </a:p>
@@ -32484,7 +33004,7 @@
 </p:sld>
 </file>
 
-<file path=ppt/slides/slide25.xml><?xml version="1.0" encoding="utf-8"?>
+<file path=ppt/slides/slide26.xml><?xml version="1.0" encoding="utf-8"?>
 <p:sld xmlns:a="http://schemas.openxmlformats.org/drawingml/2006/main" xmlns:r="http://schemas.openxmlformats.org/officeDocument/2006/relationships" xmlns:p="http://schemas.openxmlformats.org/presentationml/2006/main" show="0">
   <p:cSld>
     <p:spTree>
@@ -32525,7 +33045,7 @@
             <a:fld id="{CE58CB1E-F828-4F11-99E0-327109AF9DA4}" type="slidenum">
               <a:rPr lang="de-DE" smtClean="0"/>
               <a:pPr/>
-              <a:t>25</a:t>
+              <a:t>26</a:t>
             </a:fld>
             <a:endParaRPr lang="de-DE" dirty="0"/>
           </a:p>
@@ -33660,8 +34180,8 @@
         </p:nvSpPr>
         <p:spPr>
           <a:xfrm rot="21278460">
-            <a:off x="2286056" y="2690518"/>
-            <a:ext cx="2268057" cy="523220"/>
+            <a:off x="2097002" y="2620953"/>
+            <a:ext cx="2559483" cy="584775"/>
           </a:xfrm>
           <a:prstGeom prst="rect">
             <a:avLst/>
@@ -33676,7 +34196,7 @@
           <a:p>
             <a:pPr algn="ctr"/>
             <a:r>
-              <a:rPr lang="de-DE" sz="2800" b="1" cap="none" spc="0" dirty="0">
+              <a:rPr lang="de-DE" sz="3200" b="1" cap="none" spc="0" dirty="0">
                 <a:ln w="0">
                   <a:solidFill>
                     <a:srgbClr val="DAD7CB"/>
@@ -33695,7 +34215,7 @@
               </a:rPr>
               <a:t>Reading Aid</a:t>
             </a:r>
-            <a:endParaRPr lang="en-US" sz="2800" b="1" cap="none" spc="0" dirty="0">
+            <a:endParaRPr lang="en-US" sz="3200" b="1" cap="none" spc="0" dirty="0">
               <a:ln w="0">
                 <a:solidFill>
                   <a:srgbClr val="DAD7CB"/>
@@ -33910,7 +34430,7 @@
         </p:nvSpPr>
         <p:spPr>
           <a:xfrm rot="20499032">
-            <a:off x="416626" y="5256763"/>
+            <a:off x="295536" y="5223746"/>
             <a:ext cx="4166013" cy="523220"/>
           </a:xfrm>
           <a:prstGeom prst="rect">
@@ -33979,7 +34499,7 @@
         </p:nvSpPr>
         <p:spPr>
           <a:xfrm rot="21281008">
-            <a:off x="5092201" y="3587248"/>
+            <a:off x="5565362" y="3490900"/>
             <a:ext cx="3202544" cy="523220"/>
           </a:xfrm>
           <a:prstGeom prst="rect">
@@ -34109,8 +34629,8 @@
         </p:nvSpPr>
         <p:spPr>
           <a:xfrm rot="152216">
-            <a:off x="4612277" y="4290549"/>
-            <a:ext cx="2816798" cy="584775"/>
+            <a:off x="4498245" y="4276123"/>
+            <a:ext cx="2493567" cy="523220"/>
           </a:xfrm>
           <a:prstGeom prst="rect">
             <a:avLst/>
@@ -34125,14 +34645,14 @@
           <a:p>
             <a:pPr algn="ctr"/>
             <a:r>
-              <a:rPr lang="en-US" sz="3200" b="1" cap="none" spc="0" dirty="0">
+              <a:rPr lang="en-US" sz="2800" b="1" cap="none" spc="0" dirty="0">
                 <a:ln w="0">
                   <a:solidFill>
                     <a:srgbClr val="DAD7CB"/>
                   </a:solidFill>
                 </a:ln>
                 <a:solidFill>
-                  <a:srgbClr val="E37222"/>
+                  <a:srgbClr val="0065BD"/>
                 </a:solidFill>
                 <a:effectLst>
                   <a:outerShdw blurRad="38100" dist="25400" dir="5400000" algn="ctr" rotWithShape="0">
@@ -34144,14 +34664,14 @@
               </a:rPr>
               <a:t>Voice cloning</a:t>
             </a:r>
-            <a:endParaRPr lang="en-US" sz="4800" b="1" cap="none" spc="0" dirty="0">
+            <a:endParaRPr lang="en-US" sz="4400" b="1" cap="none" spc="0" dirty="0">
               <a:ln w="0">
                 <a:solidFill>
                   <a:srgbClr val="DAD7CB"/>
                 </a:solidFill>
               </a:ln>
               <a:solidFill>
-                <a:srgbClr val="E37222"/>
+                <a:srgbClr val="0065BD"/>
               </a:solidFill>
               <a:effectLst>
                 <a:outerShdw blurRad="38100" dist="25400" dir="5400000" algn="ctr" rotWithShape="0">
@@ -34178,8 +34698,8 @@
         </p:nvSpPr>
         <p:spPr>
           <a:xfrm rot="21105981">
-            <a:off x="1470078" y="3059492"/>
-            <a:ext cx="6056274" cy="584775"/>
+            <a:off x="2261501" y="3247124"/>
+            <a:ext cx="4595169" cy="461665"/>
           </a:xfrm>
           <a:prstGeom prst="rect">
             <a:avLst/>
@@ -34194,14 +34714,14 @@
           <a:p>
             <a:pPr algn="ctr"/>
             <a:r>
-              <a:rPr lang="en-US" sz="3200" b="1" cap="none" spc="0" dirty="0">
+              <a:rPr lang="en-US" sz="2400" b="1" cap="none" spc="0" dirty="0">
                 <a:ln w="0">
                   <a:solidFill>
                     <a:srgbClr val="DAD7CB"/>
                   </a:solidFill>
                 </a:ln>
                 <a:solidFill>
-                  <a:srgbClr val="E37222"/>
+                  <a:srgbClr val="0065BD"/>
                 </a:solidFill>
                 <a:effectLst>
                   <a:outerShdw blurRad="38100" dist="25400" dir="5400000" algn="ctr" rotWithShape="0">
@@ -34213,14 +34733,14 @@
               </a:rPr>
               <a:t>Speech-to-Speech Translation</a:t>
             </a:r>
-            <a:endParaRPr lang="en-US" sz="4800" b="1" cap="none" spc="0" dirty="0">
+            <a:endParaRPr lang="en-US" sz="4000" b="1" cap="none" spc="0" dirty="0">
               <a:ln w="0">
                 <a:solidFill>
                   <a:srgbClr val="DAD7CB"/>
                 </a:solidFill>
               </a:ln>
               <a:solidFill>
-                <a:srgbClr val="E37222"/>
+                <a:srgbClr val="0065BD"/>
               </a:solidFill>
               <a:effectLst>
                 <a:outerShdw blurRad="38100" dist="25400" dir="5400000" algn="ctr" rotWithShape="0">
@@ -34296,123 +34816,6 @@
                       </p:childTnLst>
                     </p:cTn>
                   </p:par>
-                  <p:par>
-                    <p:cTn id="7" fill="hold">
-                      <p:stCondLst>
-                        <p:cond delay="indefinite"/>
-                      </p:stCondLst>
-                      <p:childTnLst>
-                        <p:par>
-                          <p:cTn id="8" fill="hold">
-                            <p:stCondLst>
-                              <p:cond delay="0"/>
-                            </p:stCondLst>
-                            <p:childTnLst>
-                              <p:par>
-                                <p:cTn id="9" presetID="1" presetClass="exit" presetSubtype="0" fill="hold" grpId="1" nodeType="clickEffect">
-                                  <p:stCondLst>
-                                    <p:cond delay="0"/>
-                                  </p:stCondLst>
-                                  <p:childTnLst>
-                                    <p:set>
-                                      <p:cBhvr>
-                                        <p:cTn id="10" dur="1" fill="hold">
-                                          <p:stCondLst>
-                                            <p:cond delay="0"/>
-                                          </p:stCondLst>
-                                        </p:cTn>
-                                        <p:tgtEl>
-                                          <p:spTgt spid="15"/>
-                                        </p:tgtEl>
-                                        <p:attrNameLst>
-                                          <p:attrName>style.visibility</p:attrName>
-                                        </p:attrNameLst>
-                                      </p:cBhvr>
-                                      <p:to>
-                                        <p:strVal val="hidden"/>
-                                      </p:to>
-                                    </p:set>
-                                  </p:childTnLst>
-                                </p:cTn>
-                              </p:par>
-                              <p:par>
-                                <p:cTn id="11" presetID="1" presetClass="entr" presetSubtype="0" fill="hold" grpId="0" nodeType="withEffect">
-                                  <p:stCondLst>
-                                    <p:cond delay="0"/>
-                                  </p:stCondLst>
-                                  <p:childTnLst>
-                                    <p:set>
-                                      <p:cBhvr>
-                                        <p:cTn id="12" dur="1" fill="hold">
-                                          <p:stCondLst>
-                                            <p:cond delay="0"/>
-                                          </p:stCondLst>
-                                        </p:cTn>
-                                        <p:tgtEl>
-                                          <p:spTgt spid="17"/>
-                                        </p:tgtEl>
-                                        <p:attrNameLst>
-                                          <p:attrName>style.visibility</p:attrName>
-                                        </p:attrNameLst>
-                                      </p:cBhvr>
-                                      <p:to>
-                                        <p:strVal val="visible"/>
-                                      </p:to>
-                                    </p:set>
-                                  </p:childTnLst>
-                                </p:cTn>
-                              </p:par>
-                            </p:childTnLst>
-                          </p:cTn>
-                        </p:par>
-                      </p:childTnLst>
-                    </p:cTn>
-                  </p:par>
-                  <p:par>
-                    <p:cTn id="13" fill="hold">
-                      <p:stCondLst>
-                        <p:cond delay="indefinite"/>
-                      </p:stCondLst>
-                      <p:childTnLst>
-                        <p:par>
-                          <p:cTn id="14" fill="hold">
-                            <p:stCondLst>
-                              <p:cond delay="0"/>
-                            </p:stCondLst>
-                            <p:childTnLst>
-                              <p:par>
-                                <p:cTn id="15" presetID="1" presetClass="entr" presetSubtype="0" fill="hold" grpId="0" nodeType="clickEffect">
-                                  <p:stCondLst>
-                                    <p:cond delay="0"/>
-                                  </p:stCondLst>
-                                  <p:childTnLst>
-                                    <p:set>
-                                      <p:cBhvr>
-                                        <p:cTn id="16" dur="1" fill="hold">
-                                          <p:stCondLst>
-                                            <p:cond delay="0"/>
-                                          </p:stCondLst>
-                                        </p:cTn>
-                                        <p:tgtEl>
-                                          <p:spTgt spid="16"/>
-                                        </p:tgtEl>
-                                        <p:attrNameLst>
-                                          <p:attrName>style.visibility</p:attrName>
-                                        </p:attrNameLst>
-                                      </p:cBhvr>
-                                      <p:to>
-                                        <p:strVal val="visible"/>
-                                      </p:to>
-                                    </p:set>
-                                  </p:childTnLst>
-                                </p:cTn>
-                              </p:par>
-                            </p:childTnLst>
-                          </p:cTn>
-                        </p:par>
-                      </p:childTnLst>
-                    </p:cTn>
-                  </p:par>
                 </p:childTnLst>
               </p:cTn>
               <p:prevCondLst>
@@ -34436,9 +34839,6 @@
     </p:tnLst>
     <p:bldLst>
       <p:bldP spid="15" grpId="0" animBg="1"/>
-      <p:bldP spid="15" grpId="1" animBg="1"/>
-      <p:bldP spid="16" grpId="0"/>
-      <p:bldP spid="17" grpId="0"/>
     </p:bldLst>
   </p:timing>
 </p:sld>
@@ -35462,20 +35862,12 @@
                   </a:lnSpc>
                 </a:pPr>
                 <a:r>
-                  <a:rPr lang="de-DE" sz="1400" dirty="0">
-                    <a:solidFill>
-                      <a:srgbClr val="DAD7CB"/>
-                    </a:solidFill>
-                  </a:rPr>
-                  <a:t>Different </a:t>
-                </a:r>
-                <a:r>
                   <a:rPr lang="en-US" sz="1400" dirty="0">
                     <a:solidFill>
                       <a:srgbClr val="DAD7CB"/>
                     </a:solidFill>
                   </a:rPr>
-                  <a:t>Synthesis Models</a:t>
+                  <a:t>Depends on synthesis model</a:t>
                 </a:r>
               </a:p>
               <a:p>
@@ -35607,6 +35999,97 @@
           </p:sp>
         </p:grpSp>
       </p:grpSp>
+      <p:sp>
+        <p:nvSpPr>
+          <p:cNvPr id="14" name="Textfeld 13">
+            <a:extLst>
+              <a:ext uri="{FF2B5EF4-FFF2-40B4-BE49-F238E27FC236}">
+                <a16:creationId xmlns:a16="http://schemas.microsoft.com/office/drawing/2014/main" id="{7B2454C6-B587-4E2F-9534-37BBDD7C1B9C}"/>
+              </a:ext>
+            </a:extLst>
+          </p:cNvPr>
+          <p:cNvSpPr txBox="1"/>
+          <p:nvPr/>
+        </p:nvSpPr>
+        <p:spPr>
+          <a:xfrm>
+            <a:off x="942025" y="6204799"/>
+            <a:ext cx="7272909" cy="421077"/>
+          </a:xfrm>
+          <a:prstGeom prst="rect">
+            <a:avLst/>
+          </a:prstGeom>
+          <a:noFill/>
+        </p:spPr>
+        <p:txBody>
+          <a:bodyPr wrap="square" lIns="0" tIns="0" rIns="0" bIns="0" rtlCol="0">
+            <a:spAutoFit/>
+          </a:bodyPr>
+          <a:lstStyle/>
+          <a:p>
+            <a:pPr algn="ctr">
+              <a:lnSpc>
+                <a:spcPct val="114000"/>
+              </a:lnSpc>
+            </a:pPr>
+            <a:r>
+              <a:rPr lang="de-DE" sz="800" dirty="0">
+                <a:latin typeface="+mn-lt"/>
+              </a:rPr>
+              <a:t>Source: </a:t>
+            </a:r>
+            <a:r>
+              <a:rPr lang="de-DE" sz="800" dirty="0" err="1"/>
+              <a:t>Boroș</a:t>
+            </a:r>
+            <a:r>
+              <a:rPr lang="de-DE" sz="800" dirty="0"/>
+              <a:t> et al. (2015) </a:t>
+            </a:r>
+            <a:r>
+              <a:rPr lang="en-US" sz="800" dirty="0"/>
+              <a:t>Robust deep-learning models for text-to-speech synthesis support on embedded devices, Proceedings of the 7th</a:t>
+            </a:r>
+          </a:p>
+          <a:p>
+            <a:pPr algn="ctr">
+              <a:lnSpc>
+                <a:spcPct val="114000"/>
+              </a:lnSpc>
+            </a:pPr>
+            <a:r>
+              <a:rPr lang="en-US" sz="800" dirty="0"/>
+              <a:t>International Conference on Management of Computational and Collective </a:t>
+            </a:r>
+            <a:r>
+              <a:rPr lang="en-US" sz="800" dirty="0" err="1"/>
+              <a:t>intElligence</a:t>
+            </a:r>
+            <a:r>
+              <a:rPr lang="en-US" sz="800" dirty="0"/>
+              <a:t> in Digital </a:t>
+            </a:r>
+            <a:r>
+              <a:rPr lang="en-US" sz="800" dirty="0" err="1"/>
+              <a:t>EcoSystems</a:t>
+            </a:r>
+            <a:r>
+              <a:rPr lang="en-US" sz="800" dirty="0"/>
+              <a:t> (MEDES ’15)</a:t>
+            </a:r>
+          </a:p>
+          <a:p>
+            <a:pPr algn="ctr">
+              <a:lnSpc>
+                <a:spcPct val="114000"/>
+              </a:lnSpc>
+            </a:pPr>
+            <a:endParaRPr lang="en-US" sz="800" dirty="0">
+              <a:latin typeface="+mn-lt"/>
+            </a:endParaRPr>
+          </a:p>
+        </p:txBody>
+      </p:sp>
     </p:spTree>
     <p:extLst>
       <p:ext uri="{BB962C8B-B14F-4D97-AF65-F5344CB8AC3E}">
@@ -35820,305 +36303,173 @@
           </a:p>
         </p:txBody>
       </p:sp>
-      <p:grpSp>
-        <p:nvGrpSpPr>
-          <p:cNvPr id="48" name="Gruppieren 47">
+      <p:sp>
+        <p:nvSpPr>
+          <p:cNvPr id="7" name="Rechteck: abgerundete Ecken 6">
             <a:extLst>
               <a:ext uri="{FF2B5EF4-FFF2-40B4-BE49-F238E27FC236}">
-                <a16:creationId xmlns:a16="http://schemas.microsoft.com/office/drawing/2014/main" id="{C899957E-4507-4DA0-86BF-8F5A3CF85A61}"/>
+                <a16:creationId xmlns:a16="http://schemas.microsoft.com/office/drawing/2014/main" id="{B3E795D5-2C06-4B60-8717-22B38A86EDDC}"/>
               </a:ext>
             </a:extLst>
           </p:cNvPr>
-          <p:cNvGrpSpPr/>
+          <p:cNvSpPr/>
           <p:nvPr/>
-        </p:nvGrpSpPr>
-        <p:grpSpPr>
+        </p:nvSpPr>
+        <p:spPr>
           <a:xfrm>
-            <a:off x="3403589" y="3014582"/>
-            <a:ext cx="2774429" cy="684363"/>
-            <a:chOff x="3403589" y="3014582"/>
-            <a:chExt cx="2774429" cy="684363"/>
+            <a:off x="3403589" y="3338945"/>
+            <a:ext cx="2340000" cy="360000"/>
           </a:xfrm>
-        </p:grpSpPr>
-        <p:sp>
-          <p:nvSpPr>
-            <p:cNvPr id="7" name="Rechteck: abgerundete Ecken 6">
-              <a:extLst>
-                <a:ext uri="{FF2B5EF4-FFF2-40B4-BE49-F238E27FC236}">
-                  <a16:creationId xmlns:a16="http://schemas.microsoft.com/office/drawing/2014/main" id="{B3E795D5-2C06-4B60-8717-22B38A86EDDC}"/>
-                </a:ext>
-              </a:extLst>
-            </p:cNvPr>
-            <p:cNvSpPr/>
-            <p:nvPr/>
-          </p:nvSpPr>
-          <p:spPr>
-            <a:xfrm>
-              <a:off x="3403589" y="3338945"/>
-              <a:ext cx="2340000" cy="360000"/>
-            </a:xfrm>
-            <a:prstGeom prst="roundRect">
+          <a:prstGeom prst="roundRect">
+            <a:avLst/>
+          </a:prstGeom>
+          <a:solidFill>
+            <a:srgbClr val="0065BD"/>
+          </a:solidFill>
+          <a:ln>
+            <a:solidFill>
+              <a:srgbClr val="DAD7CB"/>
+            </a:solidFill>
+          </a:ln>
+        </p:spPr>
+        <p:style>
+          <a:lnRef idx="2">
+            <a:schemeClr val="accent1">
+              <a:shade val="50000"/>
+            </a:schemeClr>
+          </a:lnRef>
+          <a:fillRef idx="1">
+            <a:schemeClr val="accent1"/>
+          </a:fillRef>
+          <a:effectRef idx="0">
+            <a:schemeClr val="accent1"/>
+          </a:effectRef>
+          <a:fontRef idx="minor">
+            <a:schemeClr val="lt1"/>
+          </a:fontRef>
+        </p:style>
+        <p:txBody>
+          <a:bodyPr rot="0" spcFirstLastPara="0" vertOverflow="overflow" horzOverflow="overflow" vert="horz" wrap="square" lIns="91440" tIns="45720" rIns="91440" bIns="45720" numCol="1" spcCol="0" rtlCol="0" fromWordArt="0" anchor="ctr" anchorCtr="0" forceAA="0" compatLnSpc="1">
+            <a:prstTxWarp prst="textNoShape">
               <a:avLst/>
-            </a:prstGeom>
-            <a:solidFill>
-              <a:srgbClr val="0065BD"/>
-            </a:solidFill>
-            <a:ln>
-              <a:solidFill>
-                <a:srgbClr val="DAD7CB"/>
-              </a:solidFill>
-            </a:ln>
-          </p:spPr>
-          <p:style>
-            <a:lnRef idx="2">
-              <a:schemeClr val="accent1">
-                <a:shade val="50000"/>
-              </a:schemeClr>
-            </a:lnRef>
-            <a:fillRef idx="1">
-              <a:schemeClr val="accent1"/>
-            </a:fillRef>
-            <a:effectRef idx="0">
-              <a:schemeClr val="accent1"/>
-            </a:effectRef>
-            <a:fontRef idx="minor">
-              <a:schemeClr val="lt1"/>
-            </a:fontRef>
-          </p:style>
-          <p:txBody>
-            <a:bodyPr rot="0" spcFirstLastPara="0" vertOverflow="overflow" horzOverflow="overflow" vert="horz" wrap="square" lIns="91440" tIns="45720" rIns="91440" bIns="45720" numCol="1" spcCol="0" rtlCol="0" fromWordArt="0" anchor="ctr" anchorCtr="0" forceAA="0" compatLnSpc="1">
-              <a:prstTxWarp prst="textNoShape">
-                <a:avLst/>
-              </a:prstTxWarp>
-              <a:noAutofit/>
-            </a:bodyPr>
-            <a:lstStyle/>
-            <a:p>
-              <a:pPr algn="ctr">
-                <a:lnSpc>
-                  <a:spcPct val="114000"/>
-                </a:lnSpc>
-              </a:pPr>
-              <a:r>
-                <a:rPr lang="en-US" sz="1400">
-                  <a:solidFill>
-                    <a:srgbClr val="DAD7CB"/>
-                  </a:solidFill>
-                </a:rPr>
-                <a:t>Acoustic Model</a:t>
-              </a:r>
-            </a:p>
-          </p:txBody>
-        </p:sp>
-        <p:grpSp>
-          <p:nvGrpSpPr>
-            <p:cNvPr id="40" name="Gruppieren 39">
-              <a:extLst>
-                <a:ext uri="{FF2B5EF4-FFF2-40B4-BE49-F238E27FC236}">
-                  <a16:creationId xmlns:a16="http://schemas.microsoft.com/office/drawing/2014/main" id="{4C1BAE28-A8FD-402D-AEC6-DE682D837680}"/>
-                </a:ext>
-              </a:extLst>
-            </p:cNvPr>
-            <p:cNvGrpSpPr/>
-            <p:nvPr/>
-          </p:nvGrpSpPr>
-          <p:grpSpPr>
-            <a:xfrm>
-              <a:off x="4418712" y="3014582"/>
-              <a:ext cx="1759306" cy="276999"/>
-              <a:chOff x="4418712" y="3014582"/>
-              <a:chExt cx="1759306" cy="276999"/>
-            </a:xfrm>
-          </p:grpSpPr>
-          <p:sp>
-            <p:nvSpPr>
-              <p:cNvPr id="24" name="Rechteck 23">
-                <a:extLst>
-                  <a:ext uri="{FF2B5EF4-FFF2-40B4-BE49-F238E27FC236}">
-                    <a16:creationId xmlns:a16="http://schemas.microsoft.com/office/drawing/2014/main" id="{50624DDF-4ABD-4F3E-8E9A-346499394376}"/>
-                  </a:ext>
-                </a:extLst>
-              </p:cNvPr>
-              <p:cNvSpPr/>
-              <p:nvPr/>
-            </p:nvSpPr>
-            <p:spPr>
-              <a:xfrm>
-                <a:off x="4738201" y="3014582"/>
-                <a:ext cx="1439817" cy="276999"/>
-              </a:xfrm>
-              <a:prstGeom prst="rect">
-                <a:avLst/>
-              </a:prstGeom>
-              <a:noFill/>
-            </p:spPr>
-            <p:txBody>
-              <a:bodyPr wrap="none" lIns="91440" tIns="45720" rIns="91440" bIns="45720" anchor="ctr">
-                <a:spAutoFit/>
-              </a:bodyPr>
-              <a:lstStyle/>
-              <a:p>
-                <a:r>
-                  <a:rPr lang="en-US" sz="1200" b="1" cap="none" spc="0" dirty="0">
-                    <a:ln w="0">
-                      <a:solidFill>
-                        <a:srgbClr val="DAD7CB"/>
-                      </a:solidFill>
-                    </a:ln>
-                    <a:solidFill>
-                      <a:srgbClr val="E37222"/>
-                    </a:solidFill>
-                    <a:effectLst>
-                      <a:outerShdw blurRad="38100" dist="25400" dir="5400000" algn="ctr" rotWithShape="0">
-                        <a:srgbClr val="6E747A">
-                          <a:alpha val="43000"/>
-                        </a:srgbClr>
-                      </a:outerShdw>
-                    </a:effectLst>
-                  </a:rPr>
-                  <a:t>Context Features</a:t>
-                </a:r>
-              </a:p>
-            </p:txBody>
-          </p:sp>
-          <p:sp>
-            <p:nvSpPr>
-              <p:cNvPr id="28" name="Pfeil: nach unten 27">
-                <a:extLst>
-                  <a:ext uri="{FF2B5EF4-FFF2-40B4-BE49-F238E27FC236}">
-                    <a16:creationId xmlns:a16="http://schemas.microsoft.com/office/drawing/2014/main" id="{CA96C2F0-B465-4577-A136-E61AF29D8F89}"/>
-                  </a:ext>
-                </a:extLst>
-              </p:cNvPr>
-              <p:cNvSpPr/>
-              <p:nvPr/>
-            </p:nvSpPr>
-            <p:spPr>
-              <a:xfrm>
-                <a:off x="4418712" y="3046365"/>
-                <a:ext cx="305601" cy="220497"/>
-              </a:xfrm>
-              <a:prstGeom prst="downArrow">
-                <a:avLst>
-                  <a:gd name="adj1" fmla="val 45325"/>
-                  <a:gd name="adj2" fmla="val 53139"/>
-                </a:avLst>
-              </a:prstGeom>
-              <a:solidFill>
-                <a:srgbClr val="DAD7CB"/>
-              </a:solidFill>
-              <a:ln>
+            </a:prstTxWarp>
+            <a:noAutofit/>
+          </a:bodyPr>
+          <a:lstStyle/>
+          <a:p>
+            <a:pPr algn="ctr">
+              <a:lnSpc>
+                <a:spcPct val="114000"/>
+              </a:lnSpc>
+            </a:pPr>
+            <a:r>
+              <a:rPr lang="en-US" sz="1400">
                 <a:solidFill>
                   <a:srgbClr val="DAD7CB"/>
                 </a:solidFill>
-              </a:ln>
-            </p:spPr>
-            <p:style>
-              <a:lnRef idx="2">
-                <a:schemeClr val="accent1">
-                  <a:shade val="50000"/>
-                </a:schemeClr>
-              </a:lnRef>
-              <a:fillRef idx="1">
-                <a:schemeClr val="accent1"/>
-              </a:fillRef>
-              <a:effectRef idx="0">
-                <a:schemeClr val="accent1"/>
-              </a:effectRef>
-              <a:fontRef idx="minor">
-                <a:schemeClr val="lt1"/>
-              </a:fontRef>
-            </p:style>
-            <p:txBody>
-              <a:bodyPr rot="0" spcFirstLastPara="0" vertOverflow="overflow" horzOverflow="overflow" vert="horz" wrap="square" lIns="91440" tIns="45720" rIns="91440" bIns="45720" numCol="1" spcCol="0" rtlCol="0" fromWordArt="0" anchor="t" anchorCtr="0" forceAA="0" compatLnSpc="1">
-                <a:prstTxWarp prst="textNoShape">
-                  <a:avLst/>
-                </a:prstTxWarp>
-                <a:noAutofit/>
-              </a:bodyPr>
-              <a:lstStyle/>
-              <a:p>
-                <a:pPr algn="ctr">
-                  <a:lnSpc>
-                    <a:spcPct val="114000"/>
-                  </a:lnSpc>
-                </a:pPr>
-                <a:endParaRPr lang="en-US" dirty="0"/>
-              </a:p>
-            </p:txBody>
-          </p:sp>
-        </p:grpSp>
-      </p:grpSp>
-      <p:grpSp>
-        <p:nvGrpSpPr>
-          <p:cNvPr id="52" name="Gruppieren 51">
+              </a:rPr>
+              <a:t>Acoustic Model</a:t>
+            </a:r>
+          </a:p>
+        </p:txBody>
+      </p:sp>
+      <p:sp>
+        <p:nvSpPr>
+          <p:cNvPr id="28" name="Pfeil: nach unten 27">
             <a:extLst>
               <a:ext uri="{FF2B5EF4-FFF2-40B4-BE49-F238E27FC236}">
-                <a16:creationId xmlns:a16="http://schemas.microsoft.com/office/drawing/2014/main" id="{AAB1361D-A108-4AB3-B71A-ED227CC50E6A}"/>
+                <a16:creationId xmlns:a16="http://schemas.microsoft.com/office/drawing/2014/main" id="{CA96C2F0-B465-4577-A136-E61AF29D8F89}"/>
               </a:ext>
             </a:extLst>
           </p:cNvPr>
-          <p:cNvGrpSpPr/>
+          <p:cNvSpPr/>
           <p:nvPr/>
-        </p:nvGrpSpPr>
-        <p:grpSpPr>
+        </p:nvSpPr>
+        <p:spPr>
           <a:xfrm>
-            <a:off x="3403586" y="1785460"/>
-            <a:ext cx="2340000" cy="1209252"/>
-            <a:chOff x="3403586" y="1785460"/>
-            <a:chExt cx="2340000" cy="1209252"/>
+            <a:off x="4418712" y="3046365"/>
+            <a:ext cx="305601" cy="220497"/>
           </a:xfrm>
-        </p:grpSpPr>
-        <p:sp>
-          <p:nvSpPr>
-            <p:cNvPr id="10" name="Rechteck 9">
-              <a:extLst>
-                <a:ext uri="{FF2B5EF4-FFF2-40B4-BE49-F238E27FC236}">
-                  <a16:creationId xmlns:a16="http://schemas.microsoft.com/office/drawing/2014/main" id="{31981972-D692-46C9-8323-A114D8CEAB6E}"/>
-                </a:ext>
-              </a:extLst>
-            </p:cNvPr>
-            <p:cNvSpPr/>
-            <p:nvPr/>
-          </p:nvSpPr>
-          <p:spPr>
-            <a:xfrm>
-              <a:off x="4021810" y="1785460"/>
-              <a:ext cx="1099404" cy="646331"/>
-            </a:xfrm>
-            <a:prstGeom prst="rect">
+          <a:prstGeom prst="downArrow">
+            <a:avLst>
+              <a:gd name="adj1" fmla="val 45325"/>
+              <a:gd name="adj2" fmla="val 53139"/>
+            </a:avLst>
+          </a:prstGeom>
+          <a:solidFill>
+            <a:srgbClr val="DAD7CB"/>
+          </a:solidFill>
+          <a:ln>
+            <a:solidFill>
+              <a:srgbClr val="DAD7CB"/>
+            </a:solidFill>
+          </a:ln>
+        </p:spPr>
+        <p:style>
+          <a:lnRef idx="2">
+            <a:schemeClr val="accent1">
+              <a:shade val="50000"/>
+            </a:schemeClr>
+          </a:lnRef>
+          <a:fillRef idx="1">
+            <a:schemeClr val="accent1"/>
+          </a:fillRef>
+          <a:effectRef idx="0">
+            <a:schemeClr val="accent1"/>
+          </a:effectRef>
+          <a:fontRef idx="minor">
+            <a:schemeClr val="lt1"/>
+          </a:fontRef>
+        </p:style>
+        <p:txBody>
+          <a:bodyPr rot="0" spcFirstLastPara="0" vertOverflow="overflow" horzOverflow="overflow" vert="horz" wrap="square" lIns="91440" tIns="45720" rIns="91440" bIns="45720" numCol="1" spcCol="0" rtlCol="0" fromWordArt="0" anchor="t" anchorCtr="0" forceAA="0" compatLnSpc="1">
+            <a:prstTxWarp prst="textNoShape">
               <a:avLst/>
-            </a:prstGeom>
-            <a:noFill/>
-          </p:spPr>
-          <p:txBody>
-            <a:bodyPr wrap="none" lIns="91440" tIns="45720" rIns="91440" bIns="45720">
-              <a:spAutoFit/>
-            </a:bodyPr>
-            <a:lstStyle/>
-            <a:p>
-              <a:pPr algn="ctr"/>
-              <a:r>
-                <a:rPr lang="de-DE" sz="3600" b="1" cap="none" spc="0" dirty="0">
-                  <a:ln w="0">
-                    <a:solidFill>
-                      <a:srgbClr val="DAD7CB"/>
-                    </a:solidFill>
-                  </a:ln>
-                  <a:solidFill>
-                    <a:srgbClr val="0065BD"/>
-                  </a:solidFill>
-                  <a:effectLst>
-                    <a:outerShdw blurRad="38100" dist="25400" dir="5400000" algn="ctr" rotWithShape="0">
-                      <a:srgbClr val="6E747A">
-                        <a:alpha val="43000"/>
-                      </a:srgbClr>
-                    </a:outerShdw>
-                  </a:effectLst>
-                </a:rPr>
-                <a:t>Text</a:t>
-              </a:r>
-              <a:endParaRPr lang="de-DE" sz="5400" b="1" cap="none" spc="0" dirty="0">
+            </a:prstTxWarp>
+            <a:noAutofit/>
+          </a:bodyPr>
+          <a:lstStyle/>
+          <a:p>
+            <a:pPr algn="ctr">
+              <a:lnSpc>
+                <a:spcPct val="114000"/>
+              </a:lnSpc>
+            </a:pPr>
+            <a:endParaRPr lang="en-US" dirty="0"/>
+          </a:p>
+        </p:txBody>
+      </p:sp>
+      <p:sp>
+        <p:nvSpPr>
+          <p:cNvPr id="10" name="Rechteck 9">
+            <a:extLst>
+              <a:ext uri="{FF2B5EF4-FFF2-40B4-BE49-F238E27FC236}">
+                <a16:creationId xmlns:a16="http://schemas.microsoft.com/office/drawing/2014/main" id="{31981972-D692-46C9-8323-A114D8CEAB6E}"/>
+              </a:ext>
+            </a:extLst>
+          </p:cNvPr>
+          <p:cNvSpPr/>
+          <p:nvPr/>
+        </p:nvSpPr>
+        <p:spPr>
+          <a:xfrm>
+            <a:off x="4021810" y="1785460"/>
+            <a:ext cx="1099404" cy="646331"/>
+          </a:xfrm>
+          <a:prstGeom prst="rect">
+            <a:avLst/>
+          </a:prstGeom>
+          <a:noFill/>
+        </p:spPr>
+        <p:txBody>
+          <a:bodyPr wrap="none" lIns="91440" tIns="45720" rIns="91440" bIns="45720">
+            <a:spAutoFit/>
+          </a:bodyPr>
+          <a:lstStyle/>
+          <a:p>
+            <a:pPr algn="ctr"/>
+            <a:r>
+              <a:rPr lang="de-DE" sz="3600" b="1" cap="none" spc="0" dirty="0">
                 <a:ln w="0">
                   <a:solidFill>
                     <a:srgbClr val="DAD7CB"/>
@@ -36134,179 +36485,35 @@
                     </a:srgbClr>
                   </a:outerShdw>
                 </a:effectLst>
-              </a:endParaRPr>
-            </a:p>
-          </p:txBody>
-        </p:sp>
-        <p:grpSp>
-          <p:nvGrpSpPr>
-            <p:cNvPr id="47" name="Gruppieren 46">
-              <a:extLst>
-                <a:ext uri="{FF2B5EF4-FFF2-40B4-BE49-F238E27FC236}">
-                  <a16:creationId xmlns:a16="http://schemas.microsoft.com/office/drawing/2014/main" id="{ECB9FEA4-433B-420C-A940-5AD13E3B9A0C}"/>
-                </a:ext>
-              </a:extLst>
-            </p:cNvPr>
-            <p:cNvGrpSpPr/>
-            <p:nvPr/>
-          </p:nvGrpSpPr>
-          <p:grpSpPr>
-            <a:xfrm>
-              <a:off x="3403586" y="2364253"/>
-              <a:ext cx="2340000" cy="630459"/>
-              <a:chOff x="3403586" y="2364253"/>
-              <a:chExt cx="2340000" cy="630459"/>
-            </a:xfrm>
-          </p:grpSpPr>
-          <p:sp>
-            <p:nvSpPr>
-              <p:cNvPr id="6" name="Rechteck: abgerundete Ecken 5">
-                <a:extLst>
-                  <a:ext uri="{FF2B5EF4-FFF2-40B4-BE49-F238E27FC236}">
-                    <a16:creationId xmlns:a16="http://schemas.microsoft.com/office/drawing/2014/main" id="{B3211B43-B77B-49C2-B0CF-9E0D958D5340}"/>
-                  </a:ext>
-                </a:extLst>
-              </p:cNvPr>
-              <p:cNvSpPr/>
-              <p:nvPr/>
-            </p:nvSpPr>
-            <p:spPr>
-              <a:xfrm>
-                <a:off x="3403586" y="2634712"/>
-                <a:ext cx="2340000" cy="360000"/>
-              </a:xfrm>
-              <a:prstGeom prst="roundRect">
-                <a:avLst/>
-              </a:prstGeom>
-              <a:solidFill>
-                <a:srgbClr val="0065BD"/>
-              </a:solidFill>
-              <a:ln>
+              </a:rPr>
+              <a:t>Text</a:t>
+            </a:r>
+            <a:endParaRPr lang="de-DE" sz="5400" b="1" cap="none" spc="0" dirty="0">
+              <a:ln w="0">
                 <a:solidFill>
                   <a:srgbClr val="DAD7CB"/>
                 </a:solidFill>
               </a:ln>
-            </p:spPr>
-            <p:style>
-              <a:lnRef idx="2">
-                <a:schemeClr val="accent1">
-                  <a:shade val="50000"/>
-                </a:schemeClr>
-              </a:lnRef>
-              <a:fillRef idx="1">
-                <a:schemeClr val="accent1"/>
-              </a:fillRef>
-              <a:effectRef idx="0">
-                <a:schemeClr val="accent1"/>
-              </a:effectRef>
-              <a:fontRef idx="minor">
-                <a:schemeClr val="lt1"/>
-              </a:fontRef>
-            </p:style>
-            <p:txBody>
-              <a:bodyPr rot="0" spcFirstLastPara="0" vertOverflow="overflow" horzOverflow="overflow" vert="horz" wrap="square" lIns="91440" tIns="45720" rIns="91440" bIns="45720" numCol="1" spcCol="0" rtlCol="0" fromWordArt="0" anchor="ctr" anchorCtr="0" forceAA="0" compatLnSpc="1">
-                <a:prstTxWarp prst="textNoShape">
-                  <a:avLst/>
-                </a:prstTxWarp>
-                <a:noAutofit/>
-              </a:bodyPr>
-              <a:lstStyle/>
-              <a:p>
-                <a:pPr algn="ctr">
-                  <a:lnSpc>
-                    <a:spcPct val="114000"/>
-                  </a:lnSpc>
-                </a:pPr>
-                <a:r>
-                  <a:rPr lang="de-DE" sz="1400" dirty="0">
-                    <a:solidFill>
-                      <a:srgbClr val="DAD7CB"/>
-                    </a:solidFill>
-                  </a:rPr>
-                  <a:t>Text Analysis</a:t>
-                </a:r>
-                <a:endParaRPr lang="en-US" dirty="0">
-                  <a:solidFill>
-                    <a:srgbClr val="DAD7CB"/>
-                  </a:solidFill>
-                </a:endParaRPr>
-              </a:p>
-            </p:txBody>
-          </p:sp>
-          <p:sp>
-            <p:nvSpPr>
-              <p:cNvPr id="29" name="Pfeil: nach unten 28">
-                <a:extLst>
-                  <a:ext uri="{FF2B5EF4-FFF2-40B4-BE49-F238E27FC236}">
-                    <a16:creationId xmlns:a16="http://schemas.microsoft.com/office/drawing/2014/main" id="{59EA6FCA-1410-4706-8150-AB1474F1B592}"/>
-                  </a:ext>
-                </a:extLst>
-              </p:cNvPr>
-              <p:cNvSpPr/>
-              <p:nvPr/>
-            </p:nvSpPr>
-            <p:spPr>
-              <a:xfrm>
-                <a:off x="4418712" y="2364253"/>
-                <a:ext cx="305601" cy="220497"/>
-              </a:xfrm>
-              <a:prstGeom prst="downArrow">
-                <a:avLst>
-                  <a:gd name="adj1" fmla="val 45325"/>
-                  <a:gd name="adj2" fmla="val 53139"/>
-                </a:avLst>
-              </a:prstGeom>
               <a:solidFill>
-                <a:srgbClr val="DAD7CB"/>
+                <a:srgbClr val="0065BD"/>
               </a:solidFill>
-              <a:ln>
-                <a:solidFill>
-                  <a:srgbClr val="DAD7CB"/>
-                </a:solidFill>
-              </a:ln>
-            </p:spPr>
-            <p:style>
-              <a:lnRef idx="2">
-                <a:schemeClr val="accent1">
-                  <a:shade val="50000"/>
-                </a:schemeClr>
-              </a:lnRef>
-              <a:fillRef idx="1">
-                <a:schemeClr val="accent1"/>
-              </a:fillRef>
-              <a:effectRef idx="0">
-                <a:schemeClr val="accent1"/>
-              </a:effectRef>
-              <a:fontRef idx="minor">
-                <a:schemeClr val="lt1"/>
-              </a:fontRef>
-            </p:style>
-            <p:txBody>
-              <a:bodyPr rot="0" spcFirstLastPara="0" vertOverflow="overflow" horzOverflow="overflow" vert="horz" wrap="square" lIns="91440" tIns="45720" rIns="91440" bIns="45720" numCol="1" spcCol="0" rtlCol="0" fromWordArt="0" anchor="t" anchorCtr="0" forceAA="0" compatLnSpc="1">
-                <a:prstTxWarp prst="textNoShape">
-                  <a:avLst/>
-                </a:prstTxWarp>
-                <a:noAutofit/>
-              </a:bodyPr>
-              <a:lstStyle/>
-              <a:p>
-                <a:pPr algn="ctr">
-                  <a:lnSpc>
-                    <a:spcPct val="114000"/>
-                  </a:lnSpc>
-                </a:pPr>
-                <a:endParaRPr lang="en-US" dirty="0"/>
-              </a:p>
-            </p:txBody>
-          </p:sp>
-        </p:grpSp>
-      </p:grpSp>
+              <a:effectLst>
+                <a:outerShdw blurRad="38100" dist="25400" dir="5400000" algn="ctr" rotWithShape="0">
+                  <a:srgbClr val="6E747A">
+                    <a:alpha val="43000"/>
+                  </a:srgbClr>
+                </a:outerShdw>
+              </a:effectLst>
+            </a:endParaRPr>
+          </a:p>
+        </p:txBody>
+      </p:sp>
       <p:grpSp>
         <p:nvGrpSpPr>
-          <p:cNvPr id="49" name="Gruppieren 48">
+          <p:cNvPr id="47" name="Gruppieren 46">
             <a:extLst>
               <a:ext uri="{FF2B5EF4-FFF2-40B4-BE49-F238E27FC236}">
-                <a16:creationId xmlns:a16="http://schemas.microsoft.com/office/drawing/2014/main" id="{142F0C6F-370D-4DBD-96C1-FB70C85C002B}"/>
+                <a16:creationId xmlns:a16="http://schemas.microsoft.com/office/drawing/2014/main" id="{ECB9FEA4-433B-420C-A940-5AD13E3B9A0C}"/>
               </a:ext>
             </a:extLst>
           </p:cNvPr>
@@ -36315,18 +36522,18 @@
         </p:nvGrpSpPr>
         <p:grpSpPr>
           <a:xfrm>
-            <a:off x="3401512" y="3732322"/>
-            <a:ext cx="2853450" cy="676631"/>
-            <a:chOff x="3401512" y="3732322"/>
-            <a:chExt cx="2853450" cy="676631"/>
+            <a:off x="3403586" y="2364253"/>
+            <a:ext cx="2340000" cy="630459"/>
+            <a:chOff x="3403586" y="2364253"/>
+            <a:chExt cx="2340000" cy="630459"/>
           </a:xfrm>
         </p:grpSpPr>
         <p:sp>
           <p:nvSpPr>
-            <p:cNvPr id="8" name="Rechteck: abgerundete Ecken 7">
+            <p:cNvPr id="6" name="Rechteck: abgerundete Ecken 5">
               <a:extLst>
                 <a:ext uri="{FF2B5EF4-FFF2-40B4-BE49-F238E27FC236}">
-                  <a16:creationId xmlns:a16="http://schemas.microsoft.com/office/drawing/2014/main" id="{B31E4FB2-9B10-428A-91F9-3EBF9C069F00}"/>
+                  <a16:creationId xmlns:a16="http://schemas.microsoft.com/office/drawing/2014/main" id="{B3211B43-B77B-49C2-B0CF-9E0D958D5340}"/>
                 </a:ext>
               </a:extLst>
             </p:cNvPr>
@@ -36335,7 +36542,7 @@
           </p:nvSpPr>
           <p:spPr>
             <a:xfrm>
-              <a:off x="3401512" y="4048953"/>
+              <a:off x="3403586" y="2634712"/>
               <a:ext cx="2340000" cy="360000"/>
             </a:xfrm>
             <a:prstGeom prst="roundRect">
@@ -36386,9 +36593,9 @@
                     <a:srgbClr val="DAD7CB"/>
                   </a:solidFill>
                 </a:rPr>
-                <a:t>Parameter Generation</a:t>
+                <a:t>Text Analysis</a:t>
               </a:r>
-              <a:endParaRPr lang="en-US" sz="1400" dirty="0">
+              <a:endParaRPr lang="en-US" dirty="0">
                 <a:solidFill>
                   <a:srgbClr val="DAD7CB"/>
                 </a:solidFill>
@@ -36396,568 +36603,553 @@
             </a:p>
           </p:txBody>
         </p:sp>
-        <p:grpSp>
-          <p:nvGrpSpPr>
-            <p:cNvPr id="43" name="Gruppieren 42">
+        <p:sp>
+          <p:nvSpPr>
+            <p:cNvPr id="29" name="Pfeil: nach unten 28">
               <a:extLst>
                 <a:ext uri="{FF2B5EF4-FFF2-40B4-BE49-F238E27FC236}">
-                  <a16:creationId xmlns:a16="http://schemas.microsoft.com/office/drawing/2014/main" id="{FC692CEF-A44C-4268-8945-B4247E7DEE91}"/>
+                  <a16:creationId xmlns:a16="http://schemas.microsoft.com/office/drawing/2014/main" id="{59EA6FCA-1410-4706-8150-AB1474F1B592}"/>
                 </a:ext>
               </a:extLst>
             </p:cNvPr>
-            <p:cNvGrpSpPr/>
+            <p:cNvSpPr/>
             <p:nvPr/>
-          </p:nvGrpSpPr>
-          <p:grpSpPr>
+          </p:nvSpPr>
+          <p:spPr>
             <a:xfrm>
-              <a:off x="4418712" y="3732322"/>
-              <a:ext cx="1836250" cy="276999"/>
-              <a:chOff x="4418712" y="3732322"/>
-              <a:chExt cx="1836250" cy="276999"/>
+              <a:off x="4418712" y="2364253"/>
+              <a:ext cx="305601" cy="220497"/>
             </a:xfrm>
-          </p:grpSpPr>
-          <p:sp>
-            <p:nvSpPr>
-              <p:cNvPr id="26" name="Rechteck 25">
-                <a:extLst>
-                  <a:ext uri="{FF2B5EF4-FFF2-40B4-BE49-F238E27FC236}">
-                    <a16:creationId xmlns:a16="http://schemas.microsoft.com/office/drawing/2014/main" id="{264E0391-76E6-48ED-9C54-41CFB9B91AC6}"/>
-                  </a:ext>
-                </a:extLst>
-              </p:cNvPr>
-              <p:cNvSpPr/>
-              <p:nvPr/>
-            </p:nvSpPr>
-            <p:spPr>
-              <a:xfrm>
-                <a:off x="4738201" y="3732322"/>
-                <a:ext cx="1516761" cy="276999"/>
-              </a:xfrm>
-              <a:prstGeom prst="rect">
-                <a:avLst/>
-              </a:prstGeom>
-              <a:noFill/>
-            </p:spPr>
-            <p:txBody>
-              <a:bodyPr wrap="none" lIns="91440" tIns="45720" rIns="91440" bIns="45720" anchor="ctr">
-                <a:spAutoFit/>
-              </a:bodyPr>
-              <a:lstStyle/>
-              <a:p>
-                <a:r>
-                  <a:rPr lang="en-US" sz="1200" b="1" cap="none" spc="0">
-                    <a:ln w="0">
-                      <a:solidFill>
-                        <a:srgbClr val="DAD7CB"/>
-                      </a:solidFill>
-                    </a:ln>
-                    <a:solidFill>
-                      <a:srgbClr val="E37222"/>
-                    </a:solidFill>
-                    <a:effectLst>
-                      <a:outerShdw blurRad="38100" dist="25400" dir="5400000" algn="ctr" rotWithShape="0">
-                        <a:srgbClr val="6E747A">
-                          <a:alpha val="43000"/>
-                        </a:srgbClr>
-                      </a:outerShdw>
-                    </a:effectLst>
-                  </a:rPr>
-                  <a:t>Acoustic Features</a:t>
-                </a:r>
-              </a:p>
-            </p:txBody>
-          </p:sp>
-          <p:sp>
-            <p:nvSpPr>
-              <p:cNvPr id="30" name="Pfeil: nach unten 29">
-                <a:extLst>
-                  <a:ext uri="{FF2B5EF4-FFF2-40B4-BE49-F238E27FC236}">
-                    <a16:creationId xmlns:a16="http://schemas.microsoft.com/office/drawing/2014/main" id="{EF343515-105B-40FA-BAE9-3C225FD7358D}"/>
-                  </a:ext>
-                </a:extLst>
-              </p:cNvPr>
-              <p:cNvSpPr/>
-              <p:nvPr/>
-            </p:nvSpPr>
-            <p:spPr>
-              <a:xfrm>
-                <a:off x="4418712" y="3759010"/>
-                <a:ext cx="305601" cy="220497"/>
-              </a:xfrm>
-              <a:prstGeom prst="downArrow">
-                <a:avLst>
-                  <a:gd name="adj1" fmla="val 45325"/>
-                  <a:gd name="adj2" fmla="val 53139"/>
-                </a:avLst>
-              </a:prstGeom>
+            <a:prstGeom prst="downArrow">
+              <a:avLst>
+                <a:gd name="adj1" fmla="val 45325"/>
+                <a:gd name="adj2" fmla="val 53139"/>
+              </a:avLst>
+            </a:prstGeom>
+            <a:solidFill>
+              <a:srgbClr val="DAD7CB"/>
+            </a:solidFill>
+            <a:ln>
               <a:solidFill>
                 <a:srgbClr val="DAD7CB"/>
               </a:solidFill>
-              <a:ln>
+            </a:ln>
+          </p:spPr>
+          <p:style>
+            <a:lnRef idx="2">
+              <a:schemeClr val="accent1">
+                <a:shade val="50000"/>
+              </a:schemeClr>
+            </a:lnRef>
+            <a:fillRef idx="1">
+              <a:schemeClr val="accent1"/>
+            </a:fillRef>
+            <a:effectRef idx="0">
+              <a:schemeClr val="accent1"/>
+            </a:effectRef>
+            <a:fontRef idx="minor">
+              <a:schemeClr val="lt1"/>
+            </a:fontRef>
+          </p:style>
+          <p:txBody>
+            <a:bodyPr rot="0" spcFirstLastPara="0" vertOverflow="overflow" horzOverflow="overflow" vert="horz" wrap="square" lIns="91440" tIns="45720" rIns="91440" bIns="45720" numCol="1" spcCol="0" rtlCol="0" fromWordArt="0" anchor="t" anchorCtr="0" forceAA="0" compatLnSpc="1">
+              <a:prstTxWarp prst="textNoShape">
+                <a:avLst/>
+              </a:prstTxWarp>
+              <a:noAutofit/>
+            </a:bodyPr>
+            <a:lstStyle/>
+            <a:p>
+              <a:pPr algn="ctr">
+                <a:lnSpc>
+                  <a:spcPct val="114000"/>
+                </a:lnSpc>
+              </a:pPr>
+              <a:endParaRPr lang="en-US" dirty="0"/>
+            </a:p>
+          </p:txBody>
+        </p:sp>
+      </p:grpSp>
+      <p:sp>
+        <p:nvSpPr>
+          <p:cNvPr id="8" name="Rechteck: abgerundete Ecken 7">
+            <a:extLst>
+              <a:ext uri="{FF2B5EF4-FFF2-40B4-BE49-F238E27FC236}">
+                <a16:creationId xmlns:a16="http://schemas.microsoft.com/office/drawing/2014/main" id="{B31E4FB2-9B10-428A-91F9-3EBF9C069F00}"/>
+              </a:ext>
+            </a:extLst>
+          </p:cNvPr>
+          <p:cNvSpPr/>
+          <p:nvPr/>
+        </p:nvSpPr>
+        <p:spPr>
+          <a:xfrm>
+            <a:off x="3401512" y="4048953"/>
+            <a:ext cx="2340000" cy="360000"/>
+          </a:xfrm>
+          <a:prstGeom prst="roundRect">
+            <a:avLst/>
+          </a:prstGeom>
+          <a:solidFill>
+            <a:srgbClr val="0065BD"/>
+          </a:solidFill>
+          <a:ln>
+            <a:solidFill>
+              <a:srgbClr val="DAD7CB"/>
+            </a:solidFill>
+          </a:ln>
+        </p:spPr>
+        <p:style>
+          <a:lnRef idx="2">
+            <a:schemeClr val="accent1">
+              <a:shade val="50000"/>
+            </a:schemeClr>
+          </a:lnRef>
+          <a:fillRef idx="1">
+            <a:schemeClr val="accent1"/>
+          </a:fillRef>
+          <a:effectRef idx="0">
+            <a:schemeClr val="accent1"/>
+          </a:effectRef>
+          <a:fontRef idx="minor">
+            <a:schemeClr val="lt1"/>
+          </a:fontRef>
+        </p:style>
+        <p:txBody>
+          <a:bodyPr rot="0" spcFirstLastPara="0" vertOverflow="overflow" horzOverflow="overflow" vert="horz" wrap="square" lIns="91440" tIns="45720" rIns="91440" bIns="45720" numCol="1" spcCol="0" rtlCol="0" fromWordArt="0" anchor="ctr" anchorCtr="0" forceAA="0" compatLnSpc="1">
+            <a:prstTxWarp prst="textNoShape">
+              <a:avLst/>
+            </a:prstTxWarp>
+            <a:noAutofit/>
+          </a:bodyPr>
+          <a:lstStyle/>
+          <a:p>
+            <a:pPr algn="ctr">
+              <a:lnSpc>
+                <a:spcPct val="114000"/>
+              </a:lnSpc>
+            </a:pPr>
+            <a:r>
+              <a:rPr lang="de-DE" sz="1400" dirty="0">
+                <a:solidFill>
+                  <a:srgbClr val="DAD7CB"/>
+                </a:solidFill>
+              </a:rPr>
+              <a:t>Parameter Generation</a:t>
+            </a:r>
+            <a:endParaRPr lang="en-US" sz="1400" dirty="0">
+              <a:solidFill>
+                <a:srgbClr val="DAD7CB"/>
+              </a:solidFill>
+            </a:endParaRPr>
+          </a:p>
+        </p:txBody>
+      </p:sp>
+      <p:sp>
+        <p:nvSpPr>
+          <p:cNvPr id="30" name="Pfeil: nach unten 29">
+            <a:extLst>
+              <a:ext uri="{FF2B5EF4-FFF2-40B4-BE49-F238E27FC236}">
+                <a16:creationId xmlns:a16="http://schemas.microsoft.com/office/drawing/2014/main" id="{EF343515-105B-40FA-BAE9-3C225FD7358D}"/>
+              </a:ext>
+            </a:extLst>
+          </p:cNvPr>
+          <p:cNvSpPr/>
+          <p:nvPr/>
+        </p:nvSpPr>
+        <p:spPr>
+          <a:xfrm>
+            <a:off x="4418712" y="3759010"/>
+            <a:ext cx="305601" cy="220497"/>
+          </a:xfrm>
+          <a:prstGeom prst="downArrow">
+            <a:avLst>
+              <a:gd name="adj1" fmla="val 45325"/>
+              <a:gd name="adj2" fmla="val 53139"/>
+            </a:avLst>
+          </a:prstGeom>
+          <a:solidFill>
+            <a:srgbClr val="DAD7CB"/>
+          </a:solidFill>
+          <a:ln>
+            <a:solidFill>
+              <a:srgbClr val="DAD7CB"/>
+            </a:solidFill>
+          </a:ln>
+        </p:spPr>
+        <p:style>
+          <a:lnRef idx="2">
+            <a:schemeClr val="accent1">
+              <a:shade val="50000"/>
+            </a:schemeClr>
+          </a:lnRef>
+          <a:fillRef idx="1">
+            <a:schemeClr val="accent1"/>
+          </a:fillRef>
+          <a:effectRef idx="0">
+            <a:schemeClr val="accent1"/>
+          </a:effectRef>
+          <a:fontRef idx="minor">
+            <a:schemeClr val="lt1"/>
+          </a:fontRef>
+        </p:style>
+        <p:txBody>
+          <a:bodyPr rot="0" spcFirstLastPara="0" vertOverflow="overflow" horzOverflow="overflow" vert="horz" wrap="square" lIns="91440" tIns="45720" rIns="91440" bIns="45720" numCol="1" spcCol="0" rtlCol="0" fromWordArt="0" anchor="t" anchorCtr="0" forceAA="0" compatLnSpc="1">
+            <a:prstTxWarp prst="textNoShape">
+              <a:avLst/>
+            </a:prstTxWarp>
+            <a:noAutofit/>
+          </a:bodyPr>
+          <a:lstStyle/>
+          <a:p>
+            <a:pPr algn="ctr">
+              <a:lnSpc>
+                <a:spcPct val="114000"/>
+              </a:lnSpc>
+            </a:pPr>
+            <a:endParaRPr lang="en-US" dirty="0"/>
+          </a:p>
+        </p:txBody>
+      </p:sp>
+      <p:sp>
+        <p:nvSpPr>
+          <p:cNvPr id="9" name="Rechteck: abgerundete Ecken 8">
+            <a:extLst>
+              <a:ext uri="{FF2B5EF4-FFF2-40B4-BE49-F238E27FC236}">
+                <a16:creationId xmlns:a16="http://schemas.microsoft.com/office/drawing/2014/main" id="{76B54027-DEC3-4D05-A476-51CA5D4A3A0C}"/>
+              </a:ext>
+            </a:extLst>
+          </p:cNvPr>
+          <p:cNvSpPr/>
+          <p:nvPr/>
+        </p:nvSpPr>
+        <p:spPr>
+          <a:xfrm>
+            <a:off x="3401512" y="4759007"/>
+            <a:ext cx="2340000" cy="360000"/>
+          </a:xfrm>
+          <a:prstGeom prst="roundRect">
+            <a:avLst/>
+          </a:prstGeom>
+          <a:solidFill>
+            <a:srgbClr val="0065BD"/>
+          </a:solidFill>
+          <a:ln>
+            <a:solidFill>
+              <a:srgbClr val="DAD7CB"/>
+            </a:solidFill>
+          </a:ln>
+        </p:spPr>
+        <p:style>
+          <a:lnRef idx="2">
+            <a:schemeClr val="accent1">
+              <a:shade val="50000"/>
+            </a:schemeClr>
+          </a:lnRef>
+          <a:fillRef idx="1">
+            <a:schemeClr val="accent1"/>
+          </a:fillRef>
+          <a:effectRef idx="0">
+            <a:schemeClr val="accent1"/>
+          </a:effectRef>
+          <a:fontRef idx="minor">
+            <a:schemeClr val="lt1"/>
+          </a:fontRef>
+        </p:style>
+        <p:txBody>
+          <a:bodyPr rot="0" spcFirstLastPara="0" vertOverflow="overflow" horzOverflow="overflow" vert="horz" wrap="square" lIns="91440" tIns="45720" rIns="91440" bIns="45720" numCol="1" spcCol="0" rtlCol="0" fromWordArt="0" anchor="ctr" anchorCtr="0" forceAA="0" compatLnSpc="1">
+            <a:prstTxWarp prst="textNoShape">
+              <a:avLst/>
+            </a:prstTxWarp>
+            <a:noAutofit/>
+          </a:bodyPr>
+          <a:lstStyle/>
+          <a:p>
+            <a:pPr algn="ctr">
+              <a:lnSpc>
+                <a:spcPct val="114000"/>
+              </a:lnSpc>
+            </a:pPr>
+            <a:r>
+              <a:rPr lang="en-US" sz="1400">
+                <a:solidFill>
+                  <a:srgbClr val="DAD7CB"/>
+                </a:solidFill>
+              </a:rPr>
+              <a:t>Waveform Synthesis</a:t>
+            </a:r>
+          </a:p>
+        </p:txBody>
+      </p:sp>
+      <p:sp>
+        <p:nvSpPr>
+          <p:cNvPr id="27" name="Rechteck 26">
+            <a:extLst>
+              <a:ext uri="{FF2B5EF4-FFF2-40B4-BE49-F238E27FC236}">
+                <a16:creationId xmlns:a16="http://schemas.microsoft.com/office/drawing/2014/main" id="{E5725490-20FB-4606-91B1-C7AE40B7AAD4}"/>
+              </a:ext>
+            </a:extLst>
+          </p:cNvPr>
+          <p:cNvSpPr/>
+          <p:nvPr/>
+        </p:nvSpPr>
+        <p:spPr>
+          <a:xfrm>
+            <a:off x="4719151" y="4445479"/>
+            <a:ext cx="2583349" cy="276999"/>
+          </a:xfrm>
+          <a:prstGeom prst="rect">
+            <a:avLst/>
+          </a:prstGeom>
+          <a:noFill/>
+        </p:spPr>
+        <p:txBody>
+          <a:bodyPr wrap="square" lIns="91440" tIns="45720" rIns="91440" bIns="45720">
+            <a:spAutoFit/>
+          </a:bodyPr>
+          <a:lstStyle/>
+          <a:p>
+            <a:r>
+              <a:rPr lang="en-US" sz="1200" b="1" dirty="0">
+                <a:ln w="0">
+                  <a:solidFill>
+                    <a:srgbClr val="DAD7CB"/>
+                  </a:solidFill>
+                </a:ln>
+                <a:solidFill>
+                  <a:srgbClr val="E37222"/>
+                </a:solidFill>
+                <a:effectLst>
+                  <a:outerShdw blurRad="38100" dist="25400" dir="5400000" algn="ctr" rotWithShape="0">
+                    <a:srgbClr val="6E747A">
+                      <a:alpha val="43000"/>
+                    </a:srgbClr>
+                  </a:outerShdw>
+                </a:effectLst>
+              </a:rPr>
+              <a:t>Speech Parameters Trajectories</a:t>
+            </a:r>
+            <a:endParaRPr lang="en-US" sz="1200" b="1" cap="none" spc="0" dirty="0">
+              <a:ln w="0">
                 <a:solidFill>
                   <a:srgbClr val="DAD7CB"/>
                 </a:solidFill>
               </a:ln>
-            </p:spPr>
-            <p:style>
-              <a:lnRef idx="2">
-                <a:schemeClr val="accent1">
-                  <a:shade val="50000"/>
-                </a:schemeClr>
-              </a:lnRef>
-              <a:fillRef idx="1">
-                <a:schemeClr val="accent1"/>
-              </a:fillRef>
-              <a:effectRef idx="0">
-                <a:schemeClr val="accent1"/>
-              </a:effectRef>
-              <a:fontRef idx="minor">
-                <a:schemeClr val="lt1"/>
-              </a:fontRef>
-            </p:style>
-            <p:txBody>
-              <a:bodyPr rot="0" spcFirstLastPara="0" vertOverflow="overflow" horzOverflow="overflow" vert="horz" wrap="square" lIns="91440" tIns="45720" rIns="91440" bIns="45720" numCol="1" spcCol="0" rtlCol="0" fromWordArt="0" anchor="t" anchorCtr="0" forceAA="0" compatLnSpc="1">
-                <a:prstTxWarp prst="textNoShape">
-                  <a:avLst/>
-                </a:prstTxWarp>
-                <a:noAutofit/>
-              </a:bodyPr>
-              <a:lstStyle/>
-              <a:p>
-                <a:pPr algn="ctr">
-                  <a:lnSpc>
-                    <a:spcPct val="114000"/>
-                  </a:lnSpc>
-                </a:pPr>
-                <a:endParaRPr lang="en-US" dirty="0"/>
-              </a:p>
-            </p:txBody>
-          </p:sp>
-        </p:grpSp>
-      </p:grpSp>
-      <p:grpSp>
-        <p:nvGrpSpPr>
-          <p:cNvPr id="51" name="Gruppieren 50">
+              <a:solidFill>
+                <a:srgbClr val="E37222"/>
+              </a:solidFill>
+              <a:effectLst>
+                <a:outerShdw blurRad="38100" dist="25400" dir="5400000" algn="ctr" rotWithShape="0">
+                  <a:srgbClr val="6E747A">
+                    <a:alpha val="43000"/>
+                  </a:srgbClr>
+                </a:outerShdw>
+              </a:effectLst>
+            </a:endParaRPr>
+          </a:p>
+        </p:txBody>
+      </p:sp>
+      <p:sp>
+        <p:nvSpPr>
+          <p:cNvPr id="31" name="Pfeil: nach unten 30">
             <a:extLst>
               <a:ext uri="{FF2B5EF4-FFF2-40B4-BE49-F238E27FC236}">
-                <a16:creationId xmlns:a16="http://schemas.microsoft.com/office/drawing/2014/main" id="{22B3E13F-6C62-4AE9-BC61-70DE08FE6EB0}"/>
+                <a16:creationId xmlns:a16="http://schemas.microsoft.com/office/drawing/2014/main" id="{61E8129C-4D4E-488B-A083-9EB511800728}"/>
               </a:ext>
             </a:extLst>
           </p:cNvPr>
-          <p:cNvGrpSpPr/>
+          <p:cNvSpPr/>
           <p:nvPr/>
-        </p:nvGrpSpPr>
-        <p:grpSpPr>
+        </p:nvSpPr>
+        <p:spPr>
           <a:xfrm>
-            <a:off x="3401512" y="4445479"/>
-            <a:ext cx="3900988" cy="1503616"/>
-            <a:chOff x="3401512" y="4445479"/>
-            <a:chExt cx="3900988" cy="1503616"/>
+            <a:off x="4418712" y="4473731"/>
+            <a:ext cx="305601" cy="220497"/>
           </a:xfrm>
-        </p:grpSpPr>
-        <p:grpSp>
-          <p:nvGrpSpPr>
-            <p:cNvPr id="50" name="Gruppieren 49">
-              <a:extLst>
-                <a:ext uri="{FF2B5EF4-FFF2-40B4-BE49-F238E27FC236}">
-                  <a16:creationId xmlns:a16="http://schemas.microsoft.com/office/drawing/2014/main" id="{73AEEC87-B719-4FD2-A110-91A85BB0C534}"/>
-                </a:ext>
-              </a:extLst>
-            </p:cNvPr>
-            <p:cNvGrpSpPr/>
-            <p:nvPr/>
-          </p:nvGrpSpPr>
-          <p:grpSpPr>
-            <a:xfrm>
-              <a:off x="3401512" y="4445479"/>
-              <a:ext cx="3900988" cy="673528"/>
-              <a:chOff x="3401512" y="4445479"/>
-              <a:chExt cx="3900988" cy="673528"/>
-            </a:xfrm>
-          </p:grpSpPr>
-          <p:sp>
-            <p:nvSpPr>
-              <p:cNvPr id="9" name="Rechteck: abgerundete Ecken 8">
-                <a:extLst>
-                  <a:ext uri="{FF2B5EF4-FFF2-40B4-BE49-F238E27FC236}">
-                    <a16:creationId xmlns:a16="http://schemas.microsoft.com/office/drawing/2014/main" id="{76B54027-DEC3-4D05-A476-51CA5D4A3A0C}"/>
-                  </a:ext>
-                </a:extLst>
-              </p:cNvPr>
-              <p:cNvSpPr/>
-              <p:nvPr/>
-            </p:nvSpPr>
-            <p:spPr>
-              <a:xfrm>
-                <a:off x="3401512" y="4759007"/>
-                <a:ext cx="2340000" cy="360000"/>
-              </a:xfrm>
-              <a:prstGeom prst="roundRect">
-                <a:avLst/>
-              </a:prstGeom>
-              <a:solidFill>
-                <a:srgbClr val="0065BD"/>
-              </a:solidFill>
-              <a:ln>
+          <a:prstGeom prst="downArrow">
+            <a:avLst>
+              <a:gd name="adj1" fmla="val 45325"/>
+              <a:gd name="adj2" fmla="val 53139"/>
+            </a:avLst>
+          </a:prstGeom>
+          <a:solidFill>
+            <a:srgbClr val="DAD7CB"/>
+          </a:solidFill>
+          <a:ln>
+            <a:solidFill>
+              <a:srgbClr val="DAD7CB"/>
+            </a:solidFill>
+          </a:ln>
+        </p:spPr>
+        <p:style>
+          <a:lnRef idx="2">
+            <a:schemeClr val="accent1">
+              <a:shade val="50000"/>
+            </a:schemeClr>
+          </a:lnRef>
+          <a:fillRef idx="1">
+            <a:schemeClr val="accent1"/>
+          </a:fillRef>
+          <a:effectRef idx="0">
+            <a:schemeClr val="accent1"/>
+          </a:effectRef>
+          <a:fontRef idx="minor">
+            <a:schemeClr val="lt1"/>
+          </a:fontRef>
+        </p:style>
+        <p:txBody>
+          <a:bodyPr rot="0" spcFirstLastPara="0" vertOverflow="overflow" horzOverflow="overflow" vert="horz" wrap="square" lIns="91440" tIns="45720" rIns="91440" bIns="45720" numCol="1" spcCol="0" rtlCol="0" fromWordArt="0" anchor="t" anchorCtr="0" forceAA="0" compatLnSpc="1">
+            <a:prstTxWarp prst="textNoShape">
+              <a:avLst/>
+            </a:prstTxWarp>
+            <a:noAutofit/>
+          </a:bodyPr>
+          <a:lstStyle/>
+          <a:p>
+            <a:pPr algn="ctr">
+              <a:lnSpc>
+                <a:spcPct val="114000"/>
+              </a:lnSpc>
+            </a:pPr>
+            <a:endParaRPr lang="en-US" dirty="0"/>
+          </a:p>
+        </p:txBody>
+      </p:sp>
+      <p:sp>
+        <p:nvSpPr>
+          <p:cNvPr id="11" name="Rechteck 10">
+            <a:extLst>
+              <a:ext uri="{FF2B5EF4-FFF2-40B4-BE49-F238E27FC236}">
+                <a16:creationId xmlns:a16="http://schemas.microsoft.com/office/drawing/2014/main" id="{8FD159C3-583D-4A47-9576-F63A07D3C470}"/>
+              </a:ext>
+            </a:extLst>
+          </p:cNvPr>
+          <p:cNvSpPr/>
+          <p:nvPr/>
+        </p:nvSpPr>
+        <p:spPr>
+          <a:xfrm>
+            <a:off x="3660515" y="5302764"/>
+            <a:ext cx="1826142" cy="646331"/>
+          </a:xfrm>
+          <a:prstGeom prst="rect">
+            <a:avLst/>
+          </a:prstGeom>
+          <a:noFill/>
+        </p:spPr>
+        <p:txBody>
+          <a:bodyPr wrap="none" lIns="91440" tIns="45720" rIns="91440" bIns="45720">
+            <a:spAutoFit/>
+          </a:bodyPr>
+          <a:lstStyle/>
+          <a:p>
+            <a:pPr algn="ctr"/>
+            <a:r>
+              <a:rPr lang="de-DE" sz="3600" b="1" cap="none" spc="0" dirty="0">
+                <a:ln w="0">
+                  <a:solidFill>
+                    <a:srgbClr val="DAD7CB"/>
+                  </a:solidFill>
+                </a:ln>
+                <a:solidFill>
+                  <a:srgbClr val="0065BD"/>
+                </a:solidFill>
+                <a:effectLst>
+                  <a:outerShdw blurRad="38100" dist="25400" dir="5400000" algn="ctr" rotWithShape="0">
+                    <a:srgbClr val="6E747A">
+                      <a:alpha val="43000"/>
+                    </a:srgbClr>
+                  </a:outerShdw>
+                </a:effectLst>
+              </a:rPr>
+              <a:t>Speech</a:t>
+            </a:r>
+            <a:endParaRPr lang="de-DE" sz="5400" b="1" cap="none" spc="0" dirty="0">
+              <a:ln w="0">
                 <a:solidFill>
                   <a:srgbClr val="DAD7CB"/>
                 </a:solidFill>
               </a:ln>
-            </p:spPr>
-            <p:style>
-              <a:lnRef idx="2">
-                <a:schemeClr val="accent1">
-                  <a:shade val="50000"/>
-                </a:schemeClr>
-              </a:lnRef>
-              <a:fillRef idx="1">
-                <a:schemeClr val="accent1"/>
-              </a:fillRef>
-              <a:effectRef idx="0">
-                <a:schemeClr val="accent1"/>
-              </a:effectRef>
-              <a:fontRef idx="minor">
-                <a:schemeClr val="lt1"/>
-              </a:fontRef>
-            </p:style>
-            <p:txBody>
-              <a:bodyPr rot="0" spcFirstLastPara="0" vertOverflow="overflow" horzOverflow="overflow" vert="horz" wrap="square" lIns="91440" tIns="45720" rIns="91440" bIns="45720" numCol="1" spcCol="0" rtlCol="0" fromWordArt="0" anchor="ctr" anchorCtr="0" forceAA="0" compatLnSpc="1">
-                <a:prstTxWarp prst="textNoShape">
-                  <a:avLst/>
-                </a:prstTxWarp>
-                <a:noAutofit/>
-              </a:bodyPr>
-              <a:lstStyle/>
-              <a:p>
-                <a:pPr algn="ctr">
-                  <a:lnSpc>
-                    <a:spcPct val="114000"/>
-                  </a:lnSpc>
-                </a:pPr>
-                <a:r>
-                  <a:rPr lang="en-US" sz="1400">
-                    <a:solidFill>
-                      <a:srgbClr val="DAD7CB"/>
-                    </a:solidFill>
-                  </a:rPr>
-                  <a:t>Waveform Synthesis</a:t>
-                </a:r>
-              </a:p>
-            </p:txBody>
-          </p:sp>
-          <p:grpSp>
-            <p:nvGrpSpPr>
-              <p:cNvPr id="44" name="Gruppieren 43">
-                <a:extLst>
-                  <a:ext uri="{FF2B5EF4-FFF2-40B4-BE49-F238E27FC236}">
-                    <a16:creationId xmlns:a16="http://schemas.microsoft.com/office/drawing/2014/main" id="{D0616BB3-2C0B-49B4-999C-A3D767C3482C}"/>
-                  </a:ext>
-                </a:extLst>
-              </p:cNvPr>
-              <p:cNvGrpSpPr/>
-              <p:nvPr/>
-            </p:nvGrpSpPr>
-            <p:grpSpPr>
-              <a:xfrm>
-                <a:off x="4418712" y="4445479"/>
-                <a:ext cx="2883788" cy="276999"/>
-                <a:chOff x="4418712" y="4445479"/>
-                <a:chExt cx="2883788" cy="276999"/>
-              </a:xfrm>
-            </p:grpSpPr>
-            <p:sp>
-              <p:nvSpPr>
-                <p:cNvPr id="27" name="Rechteck 26">
-                  <a:extLst>
-                    <a:ext uri="{FF2B5EF4-FFF2-40B4-BE49-F238E27FC236}">
-                      <a16:creationId xmlns:a16="http://schemas.microsoft.com/office/drawing/2014/main" id="{E5725490-20FB-4606-91B1-C7AE40B7AAD4}"/>
-                    </a:ext>
-                  </a:extLst>
-                </p:cNvPr>
-                <p:cNvSpPr/>
-                <p:nvPr/>
-              </p:nvSpPr>
-              <p:spPr>
-                <a:xfrm>
-                  <a:off x="4719151" y="4445479"/>
-                  <a:ext cx="2583349" cy="276999"/>
-                </a:xfrm>
-                <a:prstGeom prst="rect">
-                  <a:avLst/>
-                </a:prstGeom>
-                <a:noFill/>
-              </p:spPr>
-              <p:txBody>
-                <a:bodyPr wrap="square" lIns="91440" tIns="45720" rIns="91440" bIns="45720">
-                  <a:spAutoFit/>
-                </a:bodyPr>
-                <a:lstStyle/>
-                <a:p>
-                  <a:r>
-                    <a:rPr lang="en-US" sz="1200" b="1" dirty="0">
-                      <a:ln w="0">
-                        <a:solidFill>
-                          <a:srgbClr val="DAD7CB"/>
-                        </a:solidFill>
-                      </a:ln>
-                      <a:solidFill>
-                        <a:srgbClr val="E37222"/>
-                      </a:solidFill>
-                      <a:effectLst>
-                        <a:outerShdw blurRad="38100" dist="25400" dir="5400000" algn="ctr" rotWithShape="0">
-                          <a:srgbClr val="6E747A">
-                            <a:alpha val="43000"/>
-                          </a:srgbClr>
-                        </a:outerShdw>
-                      </a:effectLst>
-                    </a:rPr>
-                    <a:t>Speech Parameters Trajectories</a:t>
-                  </a:r>
-                  <a:endParaRPr lang="en-US" sz="1200" b="1" cap="none" spc="0" dirty="0">
-                    <a:ln w="0">
-                      <a:solidFill>
-                        <a:srgbClr val="DAD7CB"/>
-                      </a:solidFill>
-                    </a:ln>
-                    <a:solidFill>
-                      <a:srgbClr val="E37222"/>
-                    </a:solidFill>
-                    <a:effectLst>
-                      <a:outerShdw blurRad="38100" dist="25400" dir="5400000" algn="ctr" rotWithShape="0">
-                        <a:srgbClr val="6E747A">
-                          <a:alpha val="43000"/>
-                        </a:srgbClr>
-                      </a:outerShdw>
-                    </a:effectLst>
-                  </a:endParaRPr>
-                </a:p>
-              </p:txBody>
-            </p:sp>
-            <p:sp>
-              <p:nvSpPr>
-                <p:cNvPr id="31" name="Pfeil: nach unten 30">
-                  <a:extLst>
-                    <a:ext uri="{FF2B5EF4-FFF2-40B4-BE49-F238E27FC236}">
-                      <a16:creationId xmlns:a16="http://schemas.microsoft.com/office/drawing/2014/main" id="{61E8129C-4D4E-488B-A083-9EB511800728}"/>
-                    </a:ext>
-                  </a:extLst>
-                </p:cNvPr>
-                <p:cNvSpPr/>
-                <p:nvPr/>
-              </p:nvSpPr>
-              <p:spPr>
-                <a:xfrm>
-                  <a:off x="4418712" y="4473731"/>
-                  <a:ext cx="305601" cy="220497"/>
-                </a:xfrm>
-                <a:prstGeom prst="downArrow">
-                  <a:avLst>
-                    <a:gd name="adj1" fmla="val 45325"/>
-                    <a:gd name="adj2" fmla="val 53139"/>
-                  </a:avLst>
-                </a:prstGeom>
-                <a:solidFill>
-                  <a:srgbClr val="DAD7CB"/>
-                </a:solidFill>
-                <a:ln>
-                  <a:solidFill>
-                    <a:srgbClr val="DAD7CB"/>
-                  </a:solidFill>
-                </a:ln>
-              </p:spPr>
-              <p:style>
-                <a:lnRef idx="2">
-                  <a:schemeClr val="accent1">
-                    <a:shade val="50000"/>
-                  </a:schemeClr>
-                </a:lnRef>
-                <a:fillRef idx="1">
-                  <a:schemeClr val="accent1"/>
-                </a:fillRef>
-                <a:effectRef idx="0">
-                  <a:schemeClr val="accent1"/>
-                </a:effectRef>
-                <a:fontRef idx="minor">
-                  <a:schemeClr val="lt1"/>
-                </a:fontRef>
-              </p:style>
-              <p:txBody>
-                <a:bodyPr rot="0" spcFirstLastPara="0" vertOverflow="overflow" horzOverflow="overflow" vert="horz" wrap="square" lIns="91440" tIns="45720" rIns="91440" bIns="45720" numCol="1" spcCol="0" rtlCol="0" fromWordArt="0" anchor="t" anchorCtr="0" forceAA="0" compatLnSpc="1">
-                  <a:prstTxWarp prst="textNoShape">
-                    <a:avLst/>
-                  </a:prstTxWarp>
-                  <a:noAutofit/>
-                </a:bodyPr>
-                <a:lstStyle/>
-                <a:p>
-                  <a:pPr algn="ctr">
-                    <a:lnSpc>
-                      <a:spcPct val="114000"/>
-                    </a:lnSpc>
-                  </a:pPr>
-                  <a:endParaRPr lang="en-US" dirty="0"/>
-                </a:p>
-              </p:txBody>
-            </p:sp>
-          </p:grpSp>
-        </p:grpSp>
-        <p:grpSp>
-          <p:nvGrpSpPr>
-            <p:cNvPr id="46" name="Gruppieren 45">
-              <a:extLst>
-                <a:ext uri="{FF2B5EF4-FFF2-40B4-BE49-F238E27FC236}">
-                  <a16:creationId xmlns:a16="http://schemas.microsoft.com/office/drawing/2014/main" id="{FAE0D197-81F2-4FD4-AEFA-6A48B5D7DF45}"/>
-                </a:ext>
-              </a:extLst>
-            </p:cNvPr>
-            <p:cNvGrpSpPr/>
-            <p:nvPr/>
-          </p:nvGrpSpPr>
-          <p:grpSpPr>
-            <a:xfrm>
-              <a:off x="3660515" y="5183786"/>
-              <a:ext cx="1826142" cy="765309"/>
-              <a:chOff x="3660515" y="5183786"/>
-              <a:chExt cx="1826142" cy="765309"/>
-            </a:xfrm>
-          </p:grpSpPr>
-          <p:sp>
-            <p:nvSpPr>
-              <p:cNvPr id="11" name="Rechteck 10">
-                <a:extLst>
-                  <a:ext uri="{FF2B5EF4-FFF2-40B4-BE49-F238E27FC236}">
-                    <a16:creationId xmlns:a16="http://schemas.microsoft.com/office/drawing/2014/main" id="{8FD159C3-583D-4A47-9576-F63A07D3C470}"/>
-                  </a:ext>
-                </a:extLst>
-              </p:cNvPr>
-              <p:cNvSpPr/>
-              <p:nvPr/>
-            </p:nvSpPr>
-            <p:spPr>
-              <a:xfrm>
-                <a:off x="3660515" y="5302764"/>
-                <a:ext cx="1826142" cy="646331"/>
-              </a:xfrm>
-              <a:prstGeom prst="rect">
-                <a:avLst/>
-              </a:prstGeom>
-              <a:noFill/>
-            </p:spPr>
-            <p:txBody>
-              <a:bodyPr wrap="none" lIns="91440" tIns="45720" rIns="91440" bIns="45720">
-                <a:spAutoFit/>
-              </a:bodyPr>
-              <a:lstStyle/>
-              <a:p>
-                <a:pPr algn="ctr"/>
-                <a:r>
-                  <a:rPr lang="de-DE" sz="3600" b="1" cap="none" spc="0" dirty="0">
-                    <a:ln w="0">
-                      <a:solidFill>
-                        <a:srgbClr val="DAD7CB"/>
-                      </a:solidFill>
-                    </a:ln>
-                    <a:solidFill>
-                      <a:srgbClr val="0065BD"/>
-                    </a:solidFill>
-                    <a:effectLst>
-                      <a:outerShdw blurRad="38100" dist="25400" dir="5400000" algn="ctr" rotWithShape="0">
-                        <a:srgbClr val="6E747A">
-                          <a:alpha val="43000"/>
-                        </a:srgbClr>
-                      </a:outerShdw>
-                    </a:effectLst>
-                  </a:rPr>
-                  <a:t>Speech</a:t>
-                </a:r>
-                <a:endParaRPr lang="de-DE" sz="5400" b="1" cap="none" spc="0" dirty="0">
-                  <a:ln w="0">
-                    <a:solidFill>
-                      <a:srgbClr val="DAD7CB"/>
-                    </a:solidFill>
-                  </a:ln>
-                  <a:solidFill>
-                    <a:srgbClr val="0065BD"/>
-                  </a:solidFill>
-                  <a:effectLst>
-                    <a:outerShdw blurRad="38100" dist="25400" dir="5400000" algn="ctr" rotWithShape="0">
-                      <a:srgbClr val="6E747A">
-                        <a:alpha val="43000"/>
-                      </a:srgbClr>
-                    </a:outerShdw>
-                  </a:effectLst>
-                </a:endParaRPr>
-              </a:p>
-            </p:txBody>
-          </p:sp>
-          <p:sp>
-            <p:nvSpPr>
-              <p:cNvPr id="32" name="Pfeil: nach unten 31">
-                <a:extLst>
-                  <a:ext uri="{FF2B5EF4-FFF2-40B4-BE49-F238E27FC236}">
-                    <a16:creationId xmlns:a16="http://schemas.microsoft.com/office/drawing/2014/main" id="{ECF39615-5C3B-4AF4-A6A8-5B2AE8EB710F}"/>
-                  </a:ext>
-                </a:extLst>
-              </p:cNvPr>
-              <p:cNvSpPr/>
-              <p:nvPr/>
-            </p:nvSpPr>
-            <p:spPr>
-              <a:xfrm>
-                <a:off x="4413550" y="5183786"/>
-                <a:ext cx="305601" cy="220497"/>
-              </a:xfrm>
-              <a:prstGeom prst="downArrow">
-                <a:avLst>
-                  <a:gd name="adj1" fmla="val 45325"/>
-                  <a:gd name="adj2" fmla="val 53139"/>
-                </a:avLst>
-              </a:prstGeom>
               <a:solidFill>
-                <a:srgbClr val="DAD7CB"/>
+                <a:srgbClr val="0065BD"/>
               </a:solidFill>
-              <a:ln>
-                <a:solidFill>
-                  <a:srgbClr val="DAD7CB"/>
-                </a:solidFill>
-              </a:ln>
-            </p:spPr>
-            <p:style>
-              <a:lnRef idx="2">
-                <a:schemeClr val="accent1">
-                  <a:shade val="50000"/>
-                </a:schemeClr>
-              </a:lnRef>
-              <a:fillRef idx="1">
-                <a:schemeClr val="accent1"/>
-              </a:fillRef>
-              <a:effectRef idx="0">
-                <a:schemeClr val="accent1"/>
-              </a:effectRef>
-              <a:fontRef idx="minor">
-                <a:schemeClr val="lt1"/>
-              </a:fontRef>
-            </p:style>
-            <p:txBody>
-              <a:bodyPr rot="0" spcFirstLastPara="0" vertOverflow="overflow" horzOverflow="overflow" vert="horz" wrap="square" lIns="91440" tIns="45720" rIns="91440" bIns="45720" numCol="1" spcCol="0" rtlCol="0" fromWordArt="0" anchor="t" anchorCtr="0" forceAA="0" compatLnSpc="1">
-                <a:prstTxWarp prst="textNoShape">
-                  <a:avLst/>
-                </a:prstTxWarp>
-                <a:noAutofit/>
-              </a:bodyPr>
-              <a:lstStyle/>
-              <a:p>
-                <a:pPr algn="ctr">
-                  <a:lnSpc>
-                    <a:spcPct val="114000"/>
-                  </a:lnSpc>
-                </a:pPr>
-                <a:endParaRPr lang="en-US" dirty="0"/>
-              </a:p>
-            </p:txBody>
-          </p:sp>
-        </p:grpSp>
-      </p:grpSp>
+              <a:effectLst>
+                <a:outerShdw blurRad="38100" dist="25400" dir="5400000" algn="ctr" rotWithShape="0">
+                  <a:srgbClr val="6E747A">
+                    <a:alpha val="43000"/>
+                  </a:srgbClr>
+                </a:outerShdw>
+              </a:effectLst>
+            </a:endParaRPr>
+          </a:p>
+        </p:txBody>
+      </p:sp>
+      <p:sp>
+        <p:nvSpPr>
+          <p:cNvPr id="32" name="Pfeil: nach unten 31">
+            <a:extLst>
+              <a:ext uri="{FF2B5EF4-FFF2-40B4-BE49-F238E27FC236}">
+                <a16:creationId xmlns:a16="http://schemas.microsoft.com/office/drawing/2014/main" id="{ECF39615-5C3B-4AF4-A6A8-5B2AE8EB710F}"/>
+              </a:ext>
+            </a:extLst>
+          </p:cNvPr>
+          <p:cNvSpPr/>
+          <p:nvPr/>
+        </p:nvSpPr>
+        <p:spPr>
+          <a:xfrm>
+            <a:off x="4413550" y="5183786"/>
+            <a:ext cx="305601" cy="220497"/>
+          </a:xfrm>
+          <a:prstGeom prst="downArrow">
+            <a:avLst>
+              <a:gd name="adj1" fmla="val 45325"/>
+              <a:gd name="adj2" fmla="val 53139"/>
+            </a:avLst>
+          </a:prstGeom>
+          <a:solidFill>
+            <a:srgbClr val="DAD7CB"/>
+          </a:solidFill>
+          <a:ln>
+            <a:solidFill>
+              <a:srgbClr val="DAD7CB"/>
+            </a:solidFill>
+          </a:ln>
+        </p:spPr>
+        <p:style>
+          <a:lnRef idx="2">
+            <a:schemeClr val="accent1">
+              <a:shade val="50000"/>
+            </a:schemeClr>
+          </a:lnRef>
+          <a:fillRef idx="1">
+            <a:schemeClr val="accent1"/>
+          </a:fillRef>
+          <a:effectRef idx="0">
+            <a:schemeClr val="accent1"/>
+          </a:effectRef>
+          <a:fontRef idx="minor">
+            <a:schemeClr val="lt1"/>
+          </a:fontRef>
+        </p:style>
+        <p:txBody>
+          <a:bodyPr rot="0" spcFirstLastPara="0" vertOverflow="overflow" horzOverflow="overflow" vert="horz" wrap="square" lIns="91440" tIns="45720" rIns="91440" bIns="45720" numCol="1" spcCol="0" rtlCol="0" fromWordArt="0" anchor="t" anchorCtr="0" forceAA="0" compatLnSpc="1">
+            <a:prstTxWarp prst="textNoShape">
+              <a:avLst/>
+            </a:prstTxWarp>
+            <a:noAutofit/>
+          </a:bodyPr>
+          <a:lstStyle/>
+          <a:p>
+            <a:pPr algn="ctr">
+              <a:lnSpc>
+                <a:spcPct val="114000"/>
+              </a:lnSpc>
+            </a:pPr>
+            <a:endParaRPr lang="en-US" dirty="0"/>
+          </a:p>
+        </p:txBody>
+      </p:sp>
       <p:grpSp>
         <p:nvGrpSpPr>
           <p:cNvPr id="53" name="Gruppieren 52">
@@ -37238,10 +37430,10 @@
       </p:grpSp>
       <p:grpSp>
         <p:nvGrpSpPr>
-          <p:cNvPr id="33" name="Gruppieren 32">
+          <p:cNvPr id="2" name="Gruppieren 1">
             <a:extLst>
               <a:ext uri="{FF2B5EF4-FFF2-40B4-BE49-F238E27FC236}">
-                <a16:creationId xmlns:a16="http://schemas.microsoft.com/office/drawing/2014/main" id="{139B1D50-51BB-40C9-97EA-1C23223DFACE}"/>
+                <a16:creationId xmlns:a16="http://schemas.microsoft.com/office/drawing/2014/main" id="{56FF23E0-5F07-4505-83CF-8CC6FDBD71C1}"/>
               </a:ext>
             </a:extLst>
           </p:cNvPr>
@@ -37250,18 +37442,18 @@
         </p:nvGrpSpPr>
         <p:grpSpPr>
           <a:xfrm>
-            <a:off x="6178018" y="1938110"/>
-            <a:ext cx="1488507" cy="1391221"/>
-            <a:chOff x="6178018" y="1938110"/>
-            <a:chExt cx="1488507" cy="1391221"/>
+            <a:off x="4738201" y="1938110"/>
+            <a:ext cx="2928324" cy="1391221"/>
+            <a:chOff x="4738201" y="1938110"/>
+            <a:chExt cx="2928324" cy="1391221"/>
           </a:xfrm>
         </p:grpSpPr>
         <p:sp>
           <p:nvSpPr>
-            <p:cNvPr id="35" name="Rechteck 34">
+            <p:cNvPr id="24" name="Rechteck 23">
               <a:extLst>
                 <a:ext uri="{FF2B5EF4-FFF2-40B4-BE49-F238E27FC236}">
-                  <a16:creationId xmlns:a16="http://schemas.microsoft.com/office/drawing/2014/main" id="{3987D21D-92CE-458D-B8D8-7D5F72B46936}"/>
+                  <a16:creationId xmlns:a16="http://schemas.microsoft.com/office/drawing/2014/main" id="{50624DDF-4ABD-4F3E-8E9A-346499394376}"/>
                 </a:ext>
               </a:extLst>
             </p:cNvPr>
@@ -37270,8 +37462,8 @@
           </p:nvSpPr>
           <p:spPr>
             <a:xfrm>
-              <a:off x="6782147" y="3009710"/>
-              <a:ext cx="877163" cy="276999"/>
+              <a:off x="4738201" y="3014582"/>
+              <a:ext cx="1439817" cy="276999"/>
             </a:xfrm>
             <a:prstGeom prst="rect">
               <a:avLst/>
@@ -37284,7 +37476,6 @@
             </a:bodyPr>
             <a:lstStyle/>
             <a:p>
-              <a:pPr algn="ctr"/>
               <a:r>
                 <a:rPr lang="en-US" sz="1200" b="1" cap="none" spc="0" dirty="0">
                   <a:ln w="0">
@@ -37303,17 +37494,407 @@
                     </a:outerShdw>
                   </a:effectLst>
                 </a:rPr>
-                <a:t>Phoneme</a:t>
+                <a:t>Context Features</a:t>
               </a:r>
             </a:p>
           </p:txBody>
         </p:sp>
+        <p:grpSp>
+          <p:nvGrpSpPr>
+            <p:cNvPr id="33" name="Gruppieren 32">
+              <a:extLst>
+                <a:ext uri="{FF2B5EF4-FFF2-40B4-BE49-F238E27FC236}">
+                  <a16:creationId xmlns:a16="http://schemas.microsoft.com/office/drawing/2014/main" id="{139B1D50-51BB-40C9-97EA-1C23223DFACE}"/>
+                </a:ext>
+              </a:extLst>
+            </p:cNvPr>
+            <p:cNvGrpSpPr/>
+            <p:nvPr/>
+          </p:nvGrpSpPr>
+          <p:grpSpPr>
+            <a:xfrm>
+              <a:off x="6178018" y="1938110"/>
+              <a:ext cx="1488507" cy="1391221"/>
+              <a:chOff x="6178018" y="1938110"/>
+              <a:chExt cx="1488507" cy="1391221"/>
+            </a:xfrm>
+          </p:grpSpPr>
+          <p:sp>
+            <p:nvSpPr>
+              <p:cNvPr id="35" name="Rechteck 34">
+                <a:extLst>
+                  <a:ext uri="{FF2B5EF4-FFF2-40B4-BE49-F238E27FC236}">
+                    <a16:creationId xmlns:a16="http://schemas.microsoft.com/office/drawing/2014/main" id="{3987D21D-92CE-458D-B8D8-7D5F72B46936}"/>
+                  </a:ext>
+                </a:extLst>
+              </p:cNvPr>
+              <p:cNvSpPr/>
+              <p:nvPr/>
+            </p:nvSpPr>
+            <p:spPr>
+              <a:xfrm>
+                <a:off x="6782147" y="3009710"/>
+                <a:ext cx="877163" cy="276999"/>
+              </a:xfrm>
+              <a:prstGeom prst="rect">
+                <a:avLst/>
+              </a:prstGeom>
+              <a:noFill/>
+            </p:spPr>
+            <p:txBody>
+              <a:bodyPr wrap="none" lIns="91440" tIns="45720" rIns="91440" bIns="45720" anchor="ctr">
+                <a:spAutoFit/>
+              </a:bodyPr>
+              <a:lstStyle/>
+              <a:p>
+                <a:pPr algn="ctr"/>
+                <a:r>
+                  <a:rPr lang="en-US" sz="1200" b="1" cap="none" spc="0" dirty="0">
+                    <a:ln w="0">
+                      <a:solidFill>
+                        <a:srgbClr val="DAD7CB"/>
+                      </a:solidFill>
+                    </a:ln>
+                    <a:solidFill>
+                      <a:srgbClr val="E37222"/>
+                    </a:solidFill>
+                    <a:effectLst>
+                      <a:outerShdw blurRad="38100" dist="25400" dir="5400000" algn="ctr" rotWithShape="0">
+                        <a:srgbClr val="6E747A">
+                          <a:alpha val="43000"/>
+                        </a:srgbClr>
+                      </a:outerShdw>
+                    </a:effectLst>
+                  </a:rPr>
+                  <a:t>Phoneme</a:t>
+                </a:r>
+              </a:p>
+            </p:txBody>
+          </p:sp>
+          <p:sp>
+            <p:nvSpPr>
+              <p:cNvPr id="37" name="Rechteck 36">
+                <a:extLst>
+                  <a:ext uri="{FF2B5EF4-FFF2-40B4-BE49-F238E27FC236}">
+                    <a16:creationId xmlns:a16="http://schemas.microsoft.com/office/drawing/2014/main" id="{DC84ED76-5769-4142-9717-611A76F43A77}"/>
+                  </a:ext>
+                </a:extLst>
+              </p:cNvPr>
+              <p:cNvSpPr/>
+              <p:nvPr/>
+            </p:nvSpPr>
+            <p:spPr>
+              <a:xfrm>
+                <a:off x="6841637" y="2745402"/>
+                <a:ext cx="766557" cy="276999"/>
+              </a:xfrm>
+              <a:prstGeom prst="rect">
+                <a:avLst/>
+              </a:prstGeom>
+              <a:noFill/>
+            </p:spPr>
+            <p:txBody>
+              <a:bodyPr wrap="none" lIns="91440" tIns="45720" rIns="91440" bIns="45720" anchor="ctr">
+                <a:spAutoFit/>
+              </a:bodyPr>
+              <a:lstStyle/>
+              <a:p>
+                <a:pPr algn="ctr"/>
+                <a:r>
+                  <a:rPr lang="en-US" sz="1200" b="1" cap="none" spc="0" dirty="0">
+                    <a:ln w="0">
+                      <a:solidFill>
+                        <a:srgbClr val="DAD7CB"/>
+                      </a:solidFill>
+                    </a:ln>
+                    <a:solidFill>
+                      <a:srgbClr val="E37222"/>
+                    </a:solidFill>
+                    <a:effectLst>
+                      <a:outerShdw blurRad="38100" dist="25400" dir="5400000" algn="ctr" rotWithShape="0">
+                        <a:srgbClr val="6E747A">
+                          <a:alpha val="43000"/>
+                        </a:srgbClr>
+                      </a:outerShdw>
+                    </a:effectLst>
+                  </a:rPr>
+                  <a:t>Syllable</a:t>
+                </a:r>
+              </a:p>
+            </p:txBody>
+          </p:sp>
+          <p:sp>
+            <p:nvSpPr>
+              <p:cNvPr id="38" name="Rechteck 37">
+                <a:extLst>
+                  <a:ext uri="{FF2B5EF4-FFF2-40B4-BE49-F238E27FC236}">
+                    <a16:creationId xmlns:a16="http://schemas.microsoft.com/office/drawing/2014/main" id="{9F61E866-C494-4006-9E97-80B9BC8AFCAC}"/>
+                  </a:ext>
+                </a:extLst>
+              </p:cNvPr>
+              <p:cNvSpPr/>
+              <p:nvPr/>
+            </p:nvSpPr>
+            <p:spPr>
+              <a:xfrm>
+                <a:off x="6932606" y="2455931"/>
+                <a:ext cx="576248" cy="276999"/>
+              </a:xfrm>
+              <a:prstGeom prst="rect">
+                <a:avLst/>
+              </a:prstGeom>
+              <a:noFill/>
+            </p:spPr>
+            <p:txBody>
+              <a:bodyPr wrap="none" lIns="91440" tIns="45720" rIns="91440" bIns="45720" anchor="ctr">
+                <a:spAutoFit/>
+              </a:bodyPr>
+              <a:lstStyle/>
+              <a:p>
+                <a:pPr algn="ctr"/>
+                <a:r>
+                  <a:rPr lang="en-US" sz="1200" b="1" cap="none" spc="0" dirty="0">
+                    <a:ln w="0">
+                      <a:solidFill>
+                        <a:srgbClr val="DAD7CB"/>
+                      </a:solidFill>
+                    </a:ln>
+                    <a:solidFill>
+                      <a:srgbClr val="E37222"/>
+                    </a:solidFill>
+                    <a:effectLst>
+                      <a:outerShdw blurRad="38100" dist="25400" dir="5400000" algn="ctr" rotWithShape="0">
+                        <a:srgbClr val="6E747A">
+                          <a:alpha val="43000"/>
+                        </a:srgbClr>
+                      </a:outerShdw>
+                    </a:effectLst>
+                  </a:rPr>
+                  <a:t>Word</a:t>
+                </a:r>
+              </a:p>
+            </p:txBody>
+          </p:sp>
+          <p:sp>
+            <p:nvSpPr>
+              <p:cNvPr id="39" name="Rechteck 38">
+                <a:extLst>
+                  <a:ext uri="{FF2B5EF4-FFF2-40B4-BE49-F238E27FC236}">
+                    <a16:creationId xmlns:a16="http://schemas.microsoft.com/office/drawing/2014/main" id="{998B9867-C823-4DBF-AF86-B35B679962FA}"/>
+                  </a:ext>
+                </a:extLst>
+              </p:cNvPr>
+              <p:cNvSpPr/>
+              <p:nvPr/>
+            </p:nvSpPr>
+            <p:spPr>
+              <a:xfrm>
+                <a:off x="6872718" y="2202418"/>
+                <a:ext cx="696024" cy="276999"/>
+              </a:xfrm>
+              <a:prstGeom prst="rect">
+                <a:avLst/>
+              </a:prstGeom>
+              <a:noFill/>
+            </p:spPr>
+            <p:txBody>
+              <a:bodyPr wrap="none" lIns="91440" tIns="45720" rIns="91440" bIns="45720" anchor="ctr">
+                <a:spAutoFit/>
+              </a:bodyPr>
+              <a:lstStyle/>
+              <a:p>
+                <a:pPr algn="ctr"/>
+                <a:r>
+                  <a:rPr lang="en-US" sz="1200" b="1" cap="none" spc="0" dirty="0">
+                    <a:ln w="0">
+                      <a:solidFill>
+                        <a:srgbClr val="DAD7CB"/>
+                      </a:solidFill>
+                    </a:ln>
+                    <a:solidFill>
+                      <a:srgbClr val="E37222"/>
+                    </a:solidFill>
+                    <a:effectLst>
+                      <a:outerShdw blurRad="38100" dist="25400" dir="5400000" algn="ctr" rotWithShape="0">
+                        <a:srgbClr val="6E747A">
+                          <a:alpha val="43000"/>
+                        </a:srgbClr>
+                      </a:outerShdw>
+                    </a:effectLst>
+                  </a:rPr>
+                  <a:t>Phrase</a:t>
+                </a:r>
+              </a:p>
+            </p:txBody>
+          </p:sp>
+          <p:sp>
+            <p:nvSpPr>
+              <p:cNvPr id="42" name="Rechteck 41">
+                <a:extLst>
+                  <a:ext uri="{FF2B5EF4-FFF2-40B4-BE49-F238E27FC236}">
+                    <a16:creationId xmlns:a16="http://schemas.microsoft.com/office/drawing/2014/main" id="{1BA62AFF-6331-45A9-BE06-9BD7829FD696}"/>
+                  </a:ext>
+                </a:extLst>
+              </p:cNvPr>
+              <p:cNvSpPr/>
+              <p:nvPr/>
+            </p:nvSpPr>
+            <p:spPr>
+              <a:xfrm>
+                <a:off x="6774934" y="1938110"/>
+                <a:ext cx="891591" cy="276999"/>
+              </a:xfrm>
+              <a:prstGeom prst="rect">
+                <a:avLst/>
+              </a:prstGeom>
+              <a:noFill/>
+            </p:spPr>
+            <p:txBody>
+              <a:bodyPr wrap="none" lIns="91440" tIns="45720" rIns="91440" bIns="45720" anchor="ctr">
+                <a:spAutoFit/>
+              </a:bodyPr>
+              <a:lstStyle/>
+              <a:p>
+                <a:pPr algn="ctr"/>
+                <a:r>
+                  <a:rPr lang="en-US" sz="1200" b="1" cap="none" spc="0" dirty="0">
+                    <a:ln w="0">
+                      <a:solidFill>
+                        <a:srgbClr val="DAD7CB"/>
+                      </a:solidFill>
+                    </a:ln>
+                    <a:solidFill>
+                      <a:srgbClr val="E37222"/>
+                    </a:solidFill>
+                    <a:effectLst>
+                      <a:outerShdw blurRad="38100" dist="25400" dir="5400000" algn="ctr" rotWithShape="0">
+                        <a:srgbClr val="6E747A">
+                          <a:alpha val="43000"/>
+                        </a:srgbClr>
+                      </a:outerShdw>
+                    </a:effectLst>
+                  </a:rPr>
+                  <a:t>Utterance</a:t>
+                </a:r>
+              </a:p>
+            </p:txBody>
+          </p:sp>
+          <p:cxnSp>
+            <p:nvCxnSpPr>
+              <p:cNvPr id="12" name="Gerader Verbinder 11">
+                <a:extLst>
+                  <a:ext uri="{FF2B5EF4-FFF2-40B4-BE49-F238E27FC236}">
+                    <a16:creationId xmlns:a16="http://schemas.microsoft.com/office/drawing/2014/main" id="{A9D92737-1B64-4D86-8292-12EA931540BF}"/>
+                  </a:ext>
+                </a:extLst>
+              </p:cNvPr>
+              <p:cNvCxnSpPr>
+                <a:cxnSpLocks/>
+                <a:stCxn id="24" idx="3"/>
+              </p:cNvCxnSpPr>
+              <p:nvPr/>
+            </p:nvCxnSpPr>
+            <p:spPr>
+              <a:xfrm>
+                <a:off x="6178018" y="3153082"/>
+                <a:ext cx="604129" cy="176249"/>
+              </a:xfrm>
+              <a:prstGeom prst="line">
+                <a:avLst/>
+              </a:prstGeom>
+              <a:ln>
+                <a:solidFill>
+                  <a:srgbClr val="0065BD"/>
+                </a:solidFill>
+              </a:ln>
+            </p:spPr>
+            <p:style>
+              <a:lnRef idx="1">
+                <a:schemeClr val="accent1"/>
+              </a:lnRef>
+              <a:fillRef idx="0">
+                <a:schemeClr val="accent1"/>
+              </a:fillRef>
+              <a:effectRef idx="0">
+                <a:schemeClr val="accent1"/>
+              </a:effectRef>
+              <a:fontRef idx="minor">
+                <a:schemeClr val="tx1"/>
+              </a:fontRef>
+            </p:style>
+          </p:cxnSp>
+          <p:cxnSp>
+            <p:nvCxnSpPr>
+              <p:cNvPr id="45" name="Gerader Verbinder 44">
+                <a:extLst>
+                  <a:ext uri="{FF2B5EF4-FFF2-40B4-BE49-F238E27FC236}">
+                    <a16:creationId xmlns:a16="http://schemas.microsoft.com/office/drawing/2014/main" id="{0348626E-E35A-4A61-9612-53BFC1127007}"/>
+                  </a:ext>
+                </a:extLst>
+              </p:cNvPr>
+              <p:cNvCxnSpPr>
+                <a:cxnSpLocks/>
+                <a:stCxn id="24" idx="3"/>
+              </p:cNvCxnSpPr>
+              <p:nvPr/>
+            </p:nvCxnSpPr>
+            <p:spPr>
+              <a:xfrm flipV="1">
+                <a:off x="6178018" y="1947846"/>
+                <a:ext cx="596916" cy="1205236"/>
+              </a:xfrm>
+              <a:prstGeom prst="line">
+                <a:avLst/>
+              </a:prstGeom>
+              <a:ln>
+                <a:solidFill>
+                  <a:srgbClr val="0065BD"/>
+                </a:solidFill>
+              </a:ln>
+            </p:spPr>
+            <p:style>
+              <a:lnRef idx="1">
+                <a:schemeClr val="accent1"/>
+              </a:lnRef>
+              <a:fillRef idx="0">
+                <a:schemeClr val="accent1"/>
+              </a:fillRef>
+              <a:effectRef idx="0">
+                <a:schemeClr val="accent1"/>
+              </a:effectRef>
+              <a:fontRef idx="minor">
+                <a:schemeClr val="tx1"/>
+              </a:fontRef>
+            </p:style>
+          </p:cxnSp>
+        </p:grpSp>
+      </p:grpSp>
+      <p:grpSp>
+        <p:nvGrpSpPr>
+          <p:cNvPr id="5" name="Gruppieren 4">
+            <a:extLst>
+              <a:ext uri="{FF2B5EF4-FFF2-40B4-BE49-F238E27FC236}">
+                <a16:creationId xmlns:a16="http://schemas.microsoft.com/office/drawing/2014/main" id="{E27A0A6D-C90E-4603-BB4A-2EC5D7B8C811}"/>
+              </a:ext>
+            </a:extLst>
+          </p:cNvPr>
+          <p:cNvGrpSpPr/>
+          <p:nvPr/>
+        </p:nvGrpSpPr>
+        <p:grpSpPr>
+          <a:xfrm>
+            <a:off x="4738201" y="3572656"/>
+            <a:ext cx="3785030" cy="597468"/>
+            <a:chOff x="4738201" y="3572656"/>
+            <a:chExt cx="3785030" cy="597468"/>
+          </a:xfrm>
+        </p:grpSpPr>
         <p:sp>
           <p:nvSpPr>
-            <p:cNvPr id="37" name="Rechteck 36">
+            <p:cNvPr id="26" name="Rechteck 25">
               <a:extLst>
                 <a:ext uri="{FF2B5EF4-FFF2-40B4-BE49-F238E27FC236}">
-                  <a16:creationId xmlns:a16="http://schemas.microsoft.com/office/drawing/2014/main" id="{DC84ED76-5769-4142-9717-611A76F43A77}"/>
+                  <a16:creationId xmlns:a16="http://schemas.microsoft.com/office/drawing/2014/main" id="{264E0391-76E6-48ED-9C54-41CFB9B91AC6}"/>
                 </a:ext>
               </a:extLst>
             </p:cNvPr>
@@ -37322,8 +37903,8 @@
           </p:nvSpPr>
           <p:spPr>
             <a:xfrm>
-              <a:off x="6841637" y="2745402"/>
-              <a:ext cx="766557" cy="276999"/>
+              <a:off x="4738201" y="3732322"/>
+              <a:ext cx="1516761" cy="276999"/>
             </a:xfrm>
             <a:prstGeom prst="rect">
               <a:avLst/>
@@ -37336,7 +37917,6 @@
             </a:bodyPr>
             <a:lstStyle/>
             <a:p>
-              <a:pPr algn="ctr"/>
               <a:r>
                 <a:rPr lang="en-US" sz="1200" b="1" cap="none" spc="0" dirty="0">
                   <a:ln w="0">
@@ -37355,468 +37935,224 @@
                     </a:outerShdw>
                   </a:effectLst>
                 </a:rPr>
-                <a:t>Syllable</a:t>
+                <a:t>Acoustic Features</a:t>
               </a:r>
             </a:p>
           </p:txBody>
         </p:sp>
-        <p:sp>
-          <p:nvSpPr>
-            <p:cNvPr id="38" name="Rechteck 37">
+        <p:grpSp>
+          <p:nvGrpSpPr>
+            <p:cNvPr id="34" name="Gruppieren 33">
               <a:extLst>
                 <a:ext uri="{FF2B5EF4-FFF2-40B4-BE49-F238E27FC236}">
-                  <a16:creationId xmlns:a16="http://schemas.microsoft.com/office/drawing/2014/main" id="{9F61E866-C494-4006-9E97-80B9BC8AFCAC}"/>
+                  <a16:creationId xmlns:a16="http://schemas.microsoft.com/office/drawing/2014/main" id="{A3ECE3C6-8F85-4D02-B000-812896920A40}"/>
                 </a:ext>
               </a:extLst>
             </p:cNvPr>
-            <p:cNvSpPr/>
+            <p:cNvGrpSpPr/>
             <p:nvPr/>
-          </p:nvSpPr>
-          <p:spPr>
+          </p:nvGrpSpPr>
+          <p:grpSpPr>
             <a:xfrm>
-              <a:off x="6932606" y="2455931"/>
-              <a:ext cx="576248" cy="276999"/>
+              <a:off x="6254962" y="3572656"/>
+              <a:ext cx="2268269" cy="597468"/>
+              <a:chOff x="6254962" y="3572656"/>
+              <a:chExt cx="2268269" cy="597468"/>
             </a:xfrm>
-            <a:prstGeom prst="rect">
-              <a:avLst/>
-            </a:prstGeom>
-            <a:noFill/>
-          </p:spPr>
-          <p:txBody>
-            <a:bodyPr wrap="none" lIns="91440" tIns="45720" rIns="91440" bIns="45720" anchor="ctr">
-              <a:spAutoFit/>
-            </a:bodyPr>
-            <a:lstStyle/>
-            <a:p>
-              <a:pPr algn="ctr"/>
-              <a:r>
-                <a:rPr lang="en-US" sz="1200" b="1" cap="none" spc="0" dirty="0">
-                  <a:ln w="0">
+          </p:grpSpPr>
+          <p:sp>
+            <p:nvSpPr>
+              <p:cNvPr id="54" name="Rechteck 53">
+                <a:extLst>
+                  <a:ext uri="{FF2B5EF4-FFF2-40B4-BE49-F238E27FC236}">
+                    <a16:creationId xmlns:a16="http://schemas.microsoft.com/office/drawing/2014/main" id="{339B7276-2740-452C-9682-5802BFD63B0C}"/>
+                  </a:ext>
+                </a:extLst>
+              </p:cNvPr>
+              <p:cNvSpPr/>
+              <p:nvPr/>
+            </p:nvSpPr>
+            <p:spPr>
+              <a:xfrm>
+                <a:off x="6790865" y="3572656"/>
+                <a:ext cx="1667444" cy="276999"/>
+              </a:xfrm>
+              <a:prstGeom prst="rect">
+                <a:avLst/>
+              </a:prstGeom>
+              <a:noFill/>
+            </p:spPr>
+            <p:txBody>
+              <a:bodyPr wrap="none" lIns="91440" tIns="45720" rIns="91440" bIns="45720" anchor="ctr">
+                <a:spAutoFit/>
+              </a:bodyPr>
+              <a:lstStyle/>
+              <a:p>
+                <a:pPr algn="ctr"/>
+                <a:r>
+                  <a:rPr lang="en-US" sz="1200" b="1" cap="none" spc="0" dirty="0">
+                    <a:ln w="0">
+                      <a:solidFill>
+                        <a:srgbClr val="DAD7CB"/>
+                      </a:solidFill>
+                    </a:ln>
                     <a:solidFill>
-                      <a:srgbClr val="DAD7CB"/>
+                      <a:srgbClr val="E37222"/>
                     </a:solidFill>
-                  </a:ln>
-                  <a:solidFill>
-                    <a:srgbClr val="E37222"/>
-                  </a:solidFill>
-                  <a:effectLst>
-                    <a:outerShdw blurRad="38100" dist="25400" dir="5400000" algn="ctr" rotWithShape="0">
-                      <a:srgbClr val="6E747A">
-                        <a:alpha val="43000"/>
-                      </a:srgbClr>
-                    </a:outerShdw>
-                  </a:effectLst>
-                </a:rPr>
-                <a:t>Word</a:t>
-              </a:r>
-            </a:p>
-          </p:txBody>
-        </p:sp>
-        <p:sp>
-          <p:nvSpPr>
-            <p:cNvPr id="39" name="Rechteck 38">
-              <a:extLst>
-                <a:ext uri="{FF2B5EF4-FFF2-40B4-BE49-F238E27FC236}">
-                  <a16:creationId xmlns:a16="http://schemas.microsoft.com/office/drawing/2014/main" id="{998B9867-C823-4DBF-AF86-B35B679962FA}"/>
-                </a:ext>
-              </a:extLst>
-            </p:cNvPr>
-            <p:cNvSpPr/>
-            <p:nvPr/>
-          </p:nvSpPr>
-          <p:spPr>
-            <a:xfrm>
-              <a:off x="6872718" y="2202418"/>
-              <a:ext cx="696024" cy="276999"/>
-            </a:xfrm>
-            <a:prstGeom prst="rect">
-              <a:avLst/>
-            </a:prstGeom>
-            <a:noFill/>
-          </p:spPr>
-          <p:txBody>
-            <a:bodyPr wrap="none" lIns="91440" tIns="45720" rIns="91440" bIns="45720" anchor="ctr">
-              <a:spAutoFit/>
-            </a:bodyPr>
-            <a:lstStyle/>
-            <a:p>
-              <a:pPr algn="ctr"/>
-              <a:r>
-                <a:rPr lang="en-US" sz="1200" b="1" cap="none" spc="0" dirty="0">
-                  <a:ln w="0">
+                    <a:effectLst>
+                      <a:outerShdw blurRad="38100" dist="25400" dir="5400000" algn="ctr" rotWithShape="0">
+                        <a:srgbClr val="6E747A">
+                          <a:alpha val="43000"/>
+                        </a:srgbClr>
+                      </a:outerShdw>
+                    </a:effectLst>
+                  </a:rPr>
+                  <a:t>Spectral Parameters</a:t>
+                </a:r>
+              </a:p>
+            </p:txBody>
+          </p:sp>
+          <p:sp>
+            <p:nvSpPr>
+              <p:cNvPr id="55" name="Rechteck 54">
+                <a:extLst>
+                  <a:ext uri="{FF2B5EF4-FFF2-40B4-BE49-F238E27FC236}">
+                    <a16:creationId xmlns:a16="http://schemas.microsoft.com/office/drawing/2014/main" id="{68DBA8CD-70B7-4D9D-A75D-520140B8E5CD}"/>
+                  </a:ext>
+                </a:extLst>
+              </p:cNvPr>
+              <p:cNvSpPr/>
+              <p:nvPr/>
+            </p:nvSpPr>
+            <p:spPr>
+              <a:xfrm>
+                <a:off x="6725944" y="3893125"/>
+                <a:ext cx="1797287" cy="276999"/>
+              </a:xfrm>
+              <a:prstGeom prst="rect">
+                <a:avLst/>
+              </a:prstGeom>
+              <a:noFill/>
+            </p:spPr>
+            <p:txBody>
+              <a:bodyPr wrap="none" lIns="91440" tIns="45720" rIns="91440" bIns="45720" anchor="ctr">
+                <a:spAutoFit/>
+              </a:bodyPr>
+              <a:lstStyle/>
+              <a:p>
+                <a:pPr algn="ctr"/>
+                <a:r>
+                  <a:rPr lang="en-US" sz="1200" b="1" cap="none" spc="0" dirty="0">
+                    <a:ln w="0">
+                      <a:solidFill>
+                        <a:srgbClr val="DAD7CB"/>
+                      </a:solidFill>
+                    </a:ln>
                     <a:solidFill>
-                      <a:srgbClr val="DAD7CB"/>
+                      <a:srgbClr val="E37222"/>
                     </a:solidFill>
-                  </a:ln>
-                  <a:solidFill>
-                    <a:srgbClr val="E37222"/>
-                  </a:solidFill>
-                  <a:effectLst>
-                    <a:outerShdw blurRad="38100" dist="25400" dir="5400000" algn="ctr" rotWithShape="0">
-                      <a:srgbClr val="6E747A">
-                        <a:alpha val="43000"/>
-                      </a:srgbClr>
-                    </a:outerShdw>
-                  </a:effectLst>
-                </a:rPr>
-                <a:t>Phrase</a:t>
-              </a:r>
-            </a:p>
-          </p:txBody>
-        </p:sp>
-        <p:sp>
-          <p:nvSpPr>
-            <p:cNvPr id="42" name="Rechteck 41">
-              <a:extLst>
-                <a:ext uri="{FF2B5EF4-FFF2-40B4-BE49-F238E27FC236}">
-                  <a16:creationId xmlns:a16="http://schemas.microsoft.com/office/drawing/2014/main" id="{1BA62AFF-6331-45A9-BE06-9BD7829FD696}"/>
-                </a:ext>
-              </a:extLst>
-            </p:cNvPr>
-            <p:cNvSpPr/>
-            <p:nvPr/>
-          </p:nvSpPr>
-          <p:spPr>
-            <a:xfrm>
-              <a:off x="6774934" y="1938110"/>
-              <a:ext cx="891591" cy="276999"/>
-            </a:xfrm>
-            <a:prstGeom prst="rect">
-              <a:avLst/>
-            </a:prstGeom>
-            <a:noFill/>
-          </p:spPr>
-          <p:txBody>
-            <a:bodyPr wrap="none" lIns="91440" tIns="45720" rIns="91440" bIns="45720" anchor="ctr">
-              <a:spAutoFit/>
-            </a:bodyPr>
-            <a:lstStyle/>
-            <a:p>
-              <a:pPr algn="ctr"/>
-              <a:r>
-                <a:rPr lang="en-US" sz="1200" b="1" cap="none" spc="0" dirty="0">
-                  <a:ln w="0">
-                    <a:solidFill>
-                      <a:srgbClr val="DAD7CB"/>
-                    </a:solidFill>
-                  </a:ln>
-                  <a:solidFill>
-                    <a:srgbClr val="E37222"/>
-                  </a:solidFill>
-                  <a:effectLst>
-                    <a:outerShdw blurRad="38100" dist="25400" dir="5400000" algn="ctr" rotWithShape="0">
-                      <a:srgbClr val="6E747A">
-                        <a:alpha val="43000"/>
-                      </a:srgbClr>
-                    </a:outerShdw>
-                  </a:effectLst>
-                </a:rPr>
-                <a:t>Utterance</a:t>
-              </a:r>
-            </a:p>
-          </p:txBody>
-        </p:sp>
-        <p:cxnSp>
-          <p:nvCxnSpPr>
-            <p:cNvPr id="12" name="Gerader Verbinder 11">
-              <a:extLst>
-                <a:ext uri="{FF2B5EF4-FFF2-40B4-BE49-F238E27FC236}">
-                  <a16:creationId xmlns:a16="http://schemas.microsoft.com/office/drawing/2014/main" id="{A9D92737-1B64-4D86-8292-12EA931540BF}"/>
-                </a:ext>
-              </a:extLst>
-            </p:cNvPr>
-            <p:cNvCxnSpPr>
-              <a:cxnSpLocks/>
-              <a:stCxn id="24" idx="3"/>
-            </p:cNvCxnSpPr>
-            <p:nvPr/>
-          </p:nvCxnSpPr>
-          <p:spPr>
-            <a:xfrm>
-              <a:off x="6178018" y="3153082"/>
-              <a:ext cx="604129" cy="176249"/>
-            </a:xfrm>
-            <a:prstGeom prst="line">
-              <a:avLst/>
-            </a:prstGeom>
-            <a:ln>
-              <a:solidFill>
-                <a:srgbClr val="0065BD"/>
-              </a:solidFill>
-            </a:ln>
-          </p:spPr>
-          <p:style>
-            <a:lnRef idx="1">
-              <a:schemeClr val="accent1"/>
-            </a:lnRef>
-            <a:fillRef idx="0">
-              <a:schemeClr val="accent1"/>
-            </a:fillRef>
-            <a:effectRef idx="0">
-              <a:schemeClr val="accent1"/>
-            </a:effectRef>
-            <a:fontRef idx="minor">
-              <a:schemeClr val="tx1"/>
-            </a:fontRef>
-          </p:style>
-        </p:cxnSp>
-        <p:cxnSp>
-          <p:nvCxnSpPr>
-            <p:cNvPr id="45" name="Gerader Verbinder 44">
-              <a:extLst>
-                <a:ext uri="{FF2B5EF4-FFF2-40B4-BE49-F238E27FC236}">
-                  <a16:creationId xmlns:a16="http://schemas.microsoft.com/office/drawing/2014/main" id="{0348626E-E35A-4A61-9612-53BFC1127007}"/>
-                </a:ext>
-              </a:extLst>
-            </p:cNvPr>
-            <p:cNvCxnSpPr>
-              <a:cxnSpLocks/>
-              <a:stCxn id="24" idx="3"/>
-            </p:cNvCxnSpPr>
-            <p:nvPr/>
-          </p:nvCxnSpPr>
-          <p:spPr>
-            <a:xfrm flipV="1">
-              <a:off x="6178018" y="1947846"/>
-              <a:ext cx="596916" cy="1205236"/>
-            </a:xfrm>
-            <a:prstGeom prst="line">
-              <a:avLst/>
-            </a:prstGeom>
-            <a:ln>
-              <a:solidFill>
-                <a:srgbClr val="0065BD"/>
-              </a:solidFill>
-            </a:ln>
-          </p:spPr>
-          <p:style>
-            <a:lnRef idx="1">
-              <a:schemeClr val="accent1"/>
-            </a:lnRef>
-            <a:fillRef idx="0">
-              <a:schemeClr val="accent1"/>
-            </a:fillRef>
-            <a:effectRef idx="0">
-              <a:schemeClr val="accent1"/>
-            </a:effectRef>
-            <a:fontRef idx="minor">
-              <a:schemeClr val="tx1"/>
-            </a:fontRef>
-          </p:style>
-        </p:cxnSp>
-      </p:grpSp>
-      <p:grpSp>
-        <p:nvGrpSpPr>
-          <p:cNvPr id="34" name="Gruppieren 33">
-            <a:extLst>
-              <a:ext uri="{FF2B5EF4-FFF2-40B4-BE49-F238E27FC236}">
-                <a16:creationId xmlns:a16="http://schemas.microsoft.com/office/drawing/2014/main" id="{A3ECE3C6-8F85-4D02-B000-812896920A40}"/>
-              </a:ext>
-            </a:extLst>
-          </p:cNvPr>
-          <p:cNvGrpSpPr/>
-          <p:nvPr/>
-        </p:nvGrpSpPr>
-        <p:grpSpPr>
-          <a:xfrm>
-            <a:off x="6254962" y="3572656"/>
-            <a:ext cx="2268269" cy="597468"/>
-            <a:chOff x="6254962" y="3572656"/>
-            <a:chExt cx="2268269" cy="597468"/>
-          </a:xfrm>
-        </p:grpSpPr>
-        <p:sp>
-          <p:nvSpPr>
-            <p:cNvPr id="54" name="Rechteck 53">
-              <a:extLst>
-                <a:ext uri="{FF2B5EF4-FFF2-40B4-BE49-F238E27FC236}">
-                  <a16:creationId xmlns:a16="http://schemas.microsoft.com/office/drawing/2014/main" id="{339B7276-2740-452C-9682-5802BFD63B0C}"/>
-                </a:ext>
-              </a:extLst>
-            </p:cNvPr>
-            <p:cNvSpPr/>
-            <p:nvPr/>
-          </p:nvSpPr>
-          <p:spPr>
-            <a:xfrm>
-              <a:off x="6790865" y="3572656"/>
-              <a:ext cx="1667444" cy="276999"/>
-            </a:xfrm>
-            <a:prstGeom prst="rect">
-              <a:avLst/>
-            </a:prstGeom>
-            <a:noFill/>
-          </p:spPr>
-          <p:txBody>
-            <a:bodyPr wrap="none" lIns="91440" tIns="45720" rIns="91440" bIns="45720" anchor="ctr">
-              <a:spAutoFit/>
-            </a:bodyPr>
-            <a:lstStyle/>
-            <a:p>
-              <a:pPr algn="ctr"/>
-              <a:r>
-                <a:rPr lang="en-US" sz="1200" b="1" cap="none" spc="0" dirty="0">
-                  <a:ln w="0">
-                    <a:solidFill>
-                      <a:srgbClr val="DAD7CB"/>
-                    </a:solidFill>
-                  </a:ln>
-                  <a:solidFill>
-                    <a:srgbClr val="E37222"/>
-                  </a:solidFill>
-                  <a:effectLst>
-                    <a:outerShdw blurRad="38100" dist="25400" dir="5400000" algn="ctr" rotWithShape="0">
-                      <a:srgbClr val="6E747A">
-                        <a:alpha val="43000"/>
-                      </a:srgbClr>
-                    </a:outerShdw>
-                  </a:effectLst>
-                </a:rPr>
-                <a:t>Spectral Parameters</a:t>
-              </a:r>
-            </a:p>
-          </p:txBody>
-        </p:sp>
-        <p:sp>
-          <p:nvSpPr>
-            <p:cNvPr id="55" name="Rechteck 54">
-              <a:extLst>
-                <a:ext uri="{FF2B5EF4-FFF2-40B4-BE49-F238E27FC236}">
-                  <a16:creationId xmlns:a16="http://schemas.microsoft.com/office/drawing/2014/main" id="{68DBA8CD-70B7-4D9D-A75D-520140B8E5CD}"/>
-                </a:ext>
-              </a:extLst>
-            </p:cNvPr>
-            <p:cNvSpPr/>
-            <p:nvPr/>
-          </p:nvSpPr>
-          <p:spPr>
-            <a:xfrm>
-              <a:off x="6725944" y="3893125"/>
-              <a:ext cx="1797287" cy="276999"/>
-            </a:xfrm>
-            <a:prstGeom prst="rect">
-              <a:avLst/>
-            </a:prstGeom>
-            <a:noFill/>
-          </p:spPr>
-          <p:txBody>
-            <a:bodyPr wrap="none" lIns="91440" tIns="45720" rIns="91440" bIns="45720" anchor="ctr">
-              <a:spAutoFit/>
-            </a:bodyPr>
-            <a:lstStyle/>
-            <a:p>
-              <a:pPr algn="ctr"/>
-              <a:r>
-                <a:rPr lang="en-US" sz="1200" b="1" cap="none" spc="0" dirty="0">
-                  <a:ln w="0">
-                    <a:solidFill>
-                      <a:srgbClr val="DAD7CB"/>
-                    </a:solidFill>
-                  </a:ln>
-                  <a:solidFill>
-                    <a:srgbClr val="E37222"/>
-                  </a:solidFill>
-                  <a:effectLst>
-                    <a:outerShdw blurRad="38100" dist="25400" dir="5400000" algn="ctr" rotWithShape="0">
-                      <a:srgbClr val="6E747A">
-                        <a:alpha val="43000"/>
-                      </a:srgbClr>
-                    </a:outerShdw>
-                  </a:effectLst>
-                </a:rPr>
-                <a:t>Excitation Parameters</a:t>
-              </a:r>
-            </a:p>
-          </p:txBody>
-        </p:sp>
-        <p:cxnSp>
-          <p:nvCxnSpPr>
-            <p:cNvPr id="56" name="Gerader Verbinder 55">
-              <a:extLst>
-                <a:ext uri="{FF2B5EF4-FFF2-40B4-BE49-F238E27FC236}">
-                  <a16:creationId xmlns:a16="http://schemas.microsoft.com/office/drawing/2014/main" id="{70268131-96A9-4560-B129-D5F89BC01C11}"/>
-                </a:ext>
-              </a:extLst>
-            </p:cNvPr>
-            <p:cNvCxnSpPr>
-              <a:cxnSpLocks/>
-              <a:stCxn id="26" idx="3"/>
-            </p:cNvCxnSpPr>
-            <p:nvPr/>
-          </p:nvCxnSpPr>
-          <p:spPr>
-            <a:xfrm flipV="1">
-              <a:off x="6254962" y="3586195"/>
-              <a:ext cx="535903" cy="284627"/>
-            </a:xfrm>
-            <a:prstGeom prst="line">
-              <a:avLst/>
-            </a:prstGeom>
-            <a:ln>
-              <a:solidFill>
-                <a:srgbClr val="0065BD"/>
-              </a:solidFill>
-            </a:ln>
-          </p:spPr>
-          <p:style>
-            <a:lnRef idx="1">
-              <a:schemeClr val="accent1"/>
-            </a:lnRef>
-            <a:fillRef idx="0">
-              <a:schemeClr val="accent1"/>
-            </a:fillRef>
-            <a:effectRef idx="0">
-              <a:schemeClr val="accent1"/>
-            </a:effectRef>
-            <a:fontRef idx="minor">
-              <a:schemeClr val="tx1"/>
-            </a:fontRef>
-          </p:style>
-        </p:cxnSp>
-        <p:cxnSp>
-          <p:nvCxnSpPr>
-            <p:cNvPr id="57" name="Gerader Verbinder 56">
-              <a:extLst>
-                <a:ext uri="{FF2B5EF4-FFF2-40B4-BE49-F238E27FC236}">
-                  <a16:creationId xmlns:a16="http://schemas.microsoft.com/office/drawing/2014/main" id="{051DE8B7-E87A-4D08-A39D-E3115B716DD3}"/>
-                </a:ext>
-              </a:extLst>
-            </p:cNvPr>
-            <p:cNvCxnSpPr>
-              <a:cxnSpLocks/>
-              <a:stCxn id="26" idx="3"/>
-            </p:cNvCxnSpPr>
-            <p:nvPr/>
-          </p:nvCxnSpPr>
-          <p:spPr>
-            <a:xfrm>
-              <a:off x="6254962" y="3870822"/>
-              <a:ext cx="519972" cy="284626"/>
-            </a:xfrm>
-            <a:prstGeom prst="line">
-              <a:avLst/>
-            </a:prstGeom>
-            <a:ln>
-              <a:solidFill>
-                <a:srgbClr val="0065BD"/>
-              </a:solidFill>
-            </a:ln>
-          </p:spPr>
-          <p:style>
-            <a:lnRef idx="1">
-              <a:schemeClr val="accent1"/>
-            </a:lnRef>
-            <a:fillRef idx="0">
-              <a:schemeClr val="accent1"/>
-            </a:fillRef>
-            <a:effectRef idx="0">
-              <a:schemeClr val="accent1"/>
-            </a:effectRef>
-            <a:fontRef idx="minor">
-              <a:schemeClr val="tx1"/>
-            </a:fontRef>
-          </p:style>
-        </p:cxnSp>
+                    <a:effectLst>
+                      <a:outerShdw blurRad="38100" dist="25400" dir="5400000" algn="ctr" rotWithShape="0">
+                        <a:srgbClr val="6E747A">
+                          <a:alpha val="43000"/>
+                        </a:srgbClr>
+                      </a:outerShdw>
+                    </a:effectLst>
+                  </a:rPr>
+                  <a:t>Excitation Parameters</a:t>
+                </a:r>
+              </a:p>
+            </p:txBody>
+          </p:sp>
+          <p:cxnSp>
+            <p:nvCxnSpPr>
+              <p:cNvPr id="56" name="Gerader Verbinder 55">
+                <a:extLst>
+                  <a:ext uri="{FF2B5EF4-FFF2-40B4-BE49-F238E27FC236}">
+                    <a16:creationId xmlns:a16="http://schemas.microsoft.com/office/drawing/2014/main" id="{70268131-96A9-4560-B129-D5F89BC01C11}"/>
+                  </a:ext>
+                </a:extLst>
+              </p:cNvPr>
+              <p:cNvCxnSpPr>
+                <a:cxnSpLocks/>
+                <a:stCxn id="26" idx="3"/>
+              </p:cNvCxnSpPr>
+              <p:nvPr/>
+            </p:nvCxnSpPr>
+            <p:spPr>
+              <a:xfrm flipV="1">
+                <a:off x="6254962" y="3586195"/>
+                <a:ext cx="535903" cy="284627"/>
+              </a:xfrm>
+              <a:prstGeom prst="line">
+                <a:avLst/>
+              </a:prstGeom>
+              <a:ln>
+                <a:solidFill>
+                  <a:srgbClr val="0065BD"/>
+                </a:solidFill>
+              </a:ln>
+            </p:spPr>
+            <p:style>
+              <a:lnRef idx="1">
+                <a:schemeClr val="accent1"/>
+              </a:lnRef>
+              <a:fillRef idx="0">
+                <a:schemeClr val="accent1"/>
+              </a:fillRef>
+              <a:effectRef idx="0">
+                <a:schemeClr val="accent1"/>
+              </a:effectRef>
+              <a:fontRef idx="minor">
+                <a:schemeClr val="tx1"/>
+              </a:fontRef>
+            </p:style>
+          </p:cxnSp>
+          <p:cxnSp>
+            <p:nvCxnSpPr>
+              <p:cNvPr id="57" name="Gerader Verbinder 56">
+                <a:extLst>
+                  <a:ext uri="{FF2B5EF4-FFF2-40B4-BE49-F238E27FC236}">
+                    <a16:creationId xmlns:a16="http://schemas.microsoft.com/office/drawing/2014/main" id="{051DE8B7-E87A-4D08-A39D-E3115B716DD3}"/>
+                  </a:ext>
+                </a:extLst>
+              </p:cNvPr>
+              <p:cNvCxnSpPr>
+                <a:cxnSpLocks/>
+                <a:stCxn id="26" idx="3"/>
+              </p:cNvCxnSpPr>
+              <p:nvPr/>
+            </p:nvCxnSpPr>
+            <p:spPr>
+              <a:xfrm>
+                <a:off x="6254962" y="3870822"/>
+                <a:ext cx="519972" cy="284626"/>
+              </a:xfrm>
+              <a:prstGeom prst="line">
+                <a:avLst/>
+              </a:prstGeom>
+              <a:ln>
+                <a:solidFill>
+                  <a:srgbClr val="0065BD"/>
+                </a:solidFill>
+              </a:ln>
+            </p:spPr>
+            <p:style>
+              <a:lnRef idx="1">
+                <a:schemeClr val="accent1"/>
+              </a:lnRef>
+              <a:fillRef idx="0">
+                <a:schemeClr val="accent1"/>
+              </a:fillRef>
+              <a:effectRef idx="0">
+                <a:schemeClr val="accent1"/>
+              </a:effectRef>
+              <a:fontRef idx="minor">
+                <a:schemeClr val="tx1"/>
+              </a:fontRef>
+            </p:style>
+          </p:cxnSp>
+        </p:grpSp>
       </p:grpSp>
     </p:spTree>
     <p:extLst>
@@ -37828,6 +38164,219 @@
   <p:clrMapOvr>
     <a:masterClrMapping/>
   </p:clrMapOvr>
+  <p:timing>
+    <p:tnLst>
+      <p:par>
+        <p:cTn id="1" dur="indefinite" restart="never" nodeType="tmRoot">
+          <p:childTnLst>
+            <p:seq concurrent="1" nextAc="seek">
+              <p:cTn id="2" dur="indefinite" nodeType="mainSeq">
+                <p:childTnLst>
+                  <p:par>
+                    <p:cTn id="3" fill="hold">
+                      <p:stCondLst>
+                        <p:cond delay="indefinite"/>
+                      </p:stCondLst>
+                      <p:childTnLst>
+                        <p:par>
+                          <p:cTn id="4" fill="hold">
+                            <p:stCondLst>
+                              <p:cond delay="0"/>
+                            </p:stCondLst>
+                            <p:childTnLst>
+                              <p:par>
+                                <p:cTn id="5" presetID="1" presetClass="entr" presetSubtype="0" fill="hold" nodeType="clickEffect">
+                                  <p:stCondLst>
+                                    <p:cond delay="0"/>
+                                  </p:stCondLst>
+                                  <p:childTnLst>
+                                    <p:set>
+                                      <p:cBhvr>
+                                        <p:cTn id="6" dur="1" fill="hold">
+                                          <p:stCondLst>
+                                            <p:cond delay="0"/>
+                                          </p:stCondLst>
+                                        </p:cTn>
+                                        <p:tgtEl>
+                                          <p:spTgt spid="53"/>
+                                        </p:tgtEl>
+                                        <p:attrNameLst>
+                                          <p:attrName>style.visibility</p:attrName>
+                                        </p:attrNameLst>
+                                      </p:cBhvr>
+                                      <p:to>
+                                        <p:strVal val="visible"/>
+                                      </p:to>
+                                    </p:set>
+                                  </p:childTnLst>
+                                </p:cTn>
+                              </p:par>
+                            </p:childTnLst>
+                          </p:cTn>
+                        </p:par>
+                      </p:childTnLst>
+                    </p:cTn>
+                  </p:par>
+                  <p:par>
+                    <p:cTn id="7" fill="hold">
+                      <p:stCondLst>
+                        <p:cond delay="indefinite"/>
+                      </p:stCondLst>
+                      <p:childTnLst>
+                        <p:par>
+                          <p:cTn id="8" fill="hold">
+                            <p:stCondLst>
+                              <p:cond delay="0"/>
+                            </p:stCondLst>
+                            <p:childTnLst>
+                              <p:par>
+                                <p:cTn id="9" presetID="1" presetClass="entr" presetSubtype="0" fill="hold" nodeType="clickEffect">
+                                  <p:stCondLst>
+                                    <p:cond delay="0"/>
+                                  </p:stCondLst>
+                                  <p:childTnLst>
+                                    <p:set>
+                                      <p:cBhvr>
+                                        <p:cTn id="10" dur="1" fill="hold">
+                                          <p:stCondLst>
+                                            <p:cond delay="0"/>
+                                          </p:stCondLst>
+                                        </p:cTn>
+                                        <p:tgtEl>
+                                          <p:spTgt spid="2"/>
+                                        </p:tgtEl>
+                                        <p:attrNameLst>
+                                          <p:attrName>style.visibility</p:attrName>
+                                        </p:attrNameLst>
+                                      </p:cBhvr>
+                                      <p:to>
+                                        <p:strVal val="visible"/>
+                                      </p:to>
+                                    </p:set>
+                                  </p:childTnLst>
+                                </p:cTn>
+                              </p:par>
+                            </p:childTnLst>
+                          </p:cTn>
+                        </p:par>
+                      </p:childTnLst>
+                    </p:cTn>
+                  </p:par>
+                  <p:par>
+                    <p:cTn id="11" fill="hold">
+                      <p:stCondLst>
+                        <p:cond delay="indefinite"/>
+                      </p:stCondLst>
+                      <p:childTnLst>
+                        <p:par>
+                          <p:cTn id="12" fill="hold">
+                            <p:stCondLst>
+                              <p:cond delay="0"/>
+                            </p:stCondLst>
+                            <p:childTnLst>
+                              <p:par>
+                                <p:cTn id="13" presetID="1" presetClass="entr" presetSubtype="0" fill="hold" nodeType="clickEffect">
+                                  <p:stCondLst>
+                                    <p:cond delay="0"/>
+                                  </p:stCondLst>
+                                  <p:childTnLst>
+                                    <p:set>
+                                      <p:cBhvr>
+                                        <p:cTn id="14" dur="1" fill="hold">
+                                          <p:stCondLst>
+                                            <p:cond delay="0"/>
+                                          </p:stCondLst>
+                                        </p:cTn>
+                                        <p:tgtEl>
+                                          <p:spTgt spid="5"/>
+                                        </p:tgtEl>
+                                        <p:attrNameLst>
+                                          <p:attrName>style.visibility</p:attrName>
+                                        </p:attrNameLst>
+                                      </p:cBhvr>
+                                      <p:to>
+                                        <p:strVal val="visible"/>
+                                      </p:to>
+                                    </p:set>
+                                  </p:childTnLst>
+                                </p:cTn>
+                              </p:par>
+                            </p:childTnLst>
+                          </p:cTn>
+                        </p:par>
+                      </p:childTnLst>
+                    </p:cTn>
+                  </p:par>
+                  <p:par>
+                    <p:cTn id="15" fill="hold">
+                      <p:stCondLst>
+                        <p:cond delay="indefinite"/>
+                      </p:stCondLst>
+                      <p:childTnLst>
+                        <p:par>
+                          <p:cTn id="16" fill="hold">
+                            <p:stCondLst>
+                              <p:cond delay="0"/>
+                            </p:stCondLst>
+                            <p:childTnLst>
+                              <p:par>
+                                <p:cTn id="17" presetID="1" presetClass="entr" presetSubtype="0" fill="hold" grpId="0" nodeType="clickEffect">
+                                  <p:stCondLst>
+                                    <p:cond delay="0"/>
+                                  </p:stCondLst>
+                                  <p:childTnLst>
+                                    <p:set>
+                                      <p:cBhvr>
+                                        <p:cTn id="18" dur="1" fill="hold">
+                                          <p:stCondLst>
+                                            <p:cond delay="0"/>
+                                          </p:stCondLst>
+                                        </p:cTn>
+                                        <p:tgtEl>
+                                          <p:spTgt spid="27"/>
+                                        </p:tgtEl>
+                                        <p:attrNameLst>
+                                          <p:attrName>style.visibility</p:attrName>
+                                        </p:attrNameLst>
+                                      </p:cBhvr>
+                                      <p:to>
+                                        <p:strVal val="visible"/>
+                                      </p:to>
+                                    </p:set>
+                                  </p:childTnLst>
+                                </p:cTn>
+                              </p:par>
+                            </p:childTnLst>
+                          </p:cTn>
+                        </p:par>
+                      </p:childTnLst>
+                    </p:cTn>
+                  </p:par>
+                </p:childTnLst>
+              </p:cTn>
+              <p:prevCondLst>
+                <p:cond evt="onPrev" delay="0">
+                  <p:tgtEl>
+                    <p:sldTgt/>
+                  </p:tgtEl>
+                </p:cond>
+              </p:prevCondLst>
+              <p:nextCondLst>
+                <p:cond evt="onNext" delay="0">
+                  <p:tgtEl>
+                    <p:sldTgt/>
+                  </p:tgtEl>
+                </p:cond>
+              </p:nextCondLst>
+            </p:seq>
+          </p:childTnLst>
+        </p:cTn>
+      </p:par>
+    </p:tnLst>
+    <p:bldLst>
+      <p:bldP spid="27" grpId="0"/>
+    </p:bldLst>
+  </p:timing>
 </p:sld>
 </file>
 
@@ -37921,7 +38470,7 @@
           <p:nvPr>
             <p:extLst>
               <p:ext uri="{D42A27DB-BD31-4B8C-83A1-F6EECF244321}">
-                <p14:modId xmlns:p14="http://schemas.microsoft.com/office/powerpoint/2010/main" val="2683983931"/>
+                <p14:modId xmlns:p14="http://schemas.microsoft.com/office/powerpoint/2010/main" val="938480508"/>
               </p:ext>
             </p:extLst>
           </p:nvPr>
@@ -38040,9 +38589,25 @@
                     <a:p>
                       <a:pPr algn="ctr"/>
                       <a:r>
-                        <a:rPr lang="en-US" noProof="0"/>
+                        <a:rPr lang="en-US" noProof="0" dirty="0"/>
                         <a:t>Formant-based</a:t>
                       </a:r>
+                    </a:p>
+                    <a:p>
+                      <a:pPr algn="ctr"/>
+                      <a:r>
+                        <a:rPr lang="de-DE" sz="1400" noProof="0" dirty="0"/>
+                        <a:t>(</a:t>
+                      </a:r>
+                      <a:r>
+                        <a:rPr lang="de-DE" sz="1400" noProof="0" dirty="0" err="1"/>
+                        <a:t>Parametric</a:t>
+                      </a:r>
+                      <a:r>
+                        <a:rPr lang="de-DE" sz="1400" noProof="0" dirty="0"/>
+                        <a:t>)</a:t>
+                      </a:r>
+                      <a:endParaRPr lang="en-US" noProof="0" dirty="0"/>
                     </a:p>
                   </a:txBody>
                   <a:tcPr anchor="ctr"/>
@@ -38089,9 +38654,64 @@
                     <a:p>
                       <a:pPr algn="ctr"/>
                       <a:r>
-                        <a:rPr lang="en-US" noProof="0"/>
+                        <a:rPr lang="en-US" noProof="0" dirty="0"/>
                         <a:t>Unit-selection</a:t>
                       </a:r>
+                    </a:p>
+                    <a:p>
+                      <a:pPr algn="ctr"/>
+                      <a:r>
+                        <a:rPr kumimoji="0" lang="de-DE" sz="1400" b="0" i="0" u="none" strike="noStrike" kern="1200" cap="none" spc="0" normalizeH="0" baseline="0" noProof="0" dirty="0">
+                          <a:ln>
+                            <a:noFill/>
+                          </a:ln>
+                          <a:solidFill>
+                            <a:prstClr val="black"/>
+                          </a:solidFill>
+                          <a:effectLst/>
+                          <a:uLnTx/>
+                          <a:uFillTx/>
+                          <a:latin typeface="+mn-lt"/>
+                          <a:ea typeface="+mn-ea"/>
+                          <a:cs typeface="+mn-cs"/>
+                        </a:rPr>
+                        <a:t>(</a:t>
+                      </a:r>
+                      <a:r>
+                        <a:rPr kumimoji="0" lang="de-DE" sz="1400" b="0" i="0" u="none" strike="noStrike" kern="1200" cap="none" spc="0" normalizeH="0" baseline="0" noProof="0" dirty="0" err="1">
+                          <a:ln>
+                            <a:noFill/>
+                          </a:ln>
+                          <a:solidFill>
+                            <a:prstClr val="black"/>
+                          </a:solidFill>
+                          <a:effectLst/>
+                          <a:uLnTx/>
+                          <a:uFillTx/>
+                          <a:latin typeface="+mn-lt"/>
+                          <a:ea typeface="+mn-ea"/>
+                          <a:cs typeface="+mn-cs"/>
+                        </a:rPr>
+                        <a:t>Concatenative</a:t>
+                      </a:r>
+                      <a:r>
+                        <a:rPr kumimoji="0" lang="de-DE" sz="1400" b="0" i="0" u="none" strike="noStrike" kern="1200" cap="none" spc="0" normalizeH="0" baseline="0" noProof="0" dirty="0">
+                          <a:ln>
+                            <a:noFill/>
+                          </a:ln>
+                          <a:solidFill>
+                            <a:prstClr val="black"/>
+                          </a:solidFill>
+                          <a:effectLst/>
+                          <a:uLnTx/>
+                          <a:uFillTx/>
+                          <a:latin typeface="+mn-lt"/>
+                          <a:ea typeface="+mn-ea"/>
+                          <a:cs typeface="+mn-cs"/>
+                        </a:rPr>
+                        <a:t>)</a:t>
+                      </a:r>
+                      <a:endParaRPr lang="en-US" noProof="0" dirty="0"/>
                     </a:p>
                   </a:txBody>
                   <a:tcPr anchor="ctr"/>
@@ -38138,9 +38758,93 @@
                     <a:p>
                       <a:pPr algn="ctr"/>
                       <a:r>
-                        <a:rPr lang="en-US" noProof="0"/>
+                        <a:rPr lang="en-US" noProof="0" dirty="0"/>
                         <a:t>HMM-based</a:t>
                       </a:r>
+                    </a:p>
+                    <a:p>
+                      <a:pPr marL="0" marR="0" lvl="0" indent="0" algn="ctr" defTabSz="914400" rtl="0" eaLnBrk="1" fontAlgn="auto" latinLnBrk="0" hangingPunct="1">
+                        <a:lnSpc>
+                          <a:spcPct val="100000"/>
+                        </a:lnSpc>
+                        <a:spcBef>
+                          <a:spcPts val="0"/>
+                        </a:spcBef>
+                        <a:spcAft>
+                          <a:spcPts val="0"/>
+                        </a:spcAft>
+                        <a:buClrTx/>
+                        <a:buSzTx/>
+                        <a:buFontTx/>
+                        <a:buNone/>
+                        <a:tabLst/>
+                        <a:defRPr/>
+                      </a:pPr>
+                      <a:r>
+                        <a:rPr kumimoji="0" lang="de-DE" sz="1400" b="0" i="0" u="none" strike="noStrike" kern="1200" cap="none" spc="0" normalizeH="0" baseline="0" noProof="0" dirty="0">
+                          <a:ln>
+                            <a:noFill/>
+                          </a:ln>
+                          <a:solidFill>
+                            <a:prstClr val="black"/>
+                          </a:solidFill>
+                          <a:effectLst/>
+                          <a:uLnTx/>
+                          <a:uFillTx/>
+                          <a:latin typeface="+mn-lt"/>
+                          <a:ea typeface="+mn-ea"/>
+                          <a:cs typeface="+mn-cs"/>
+                        </a:rPr>
+                        <a:t>(Statistical </a:t>
+                      </a:r>
+                      <a:r>
+                        <a:rPr kumimoji="0" lang="de-DE" sz="1400" b="0" i="0" u="none" strike="noStrike" kern="1200" cap="none" spc="0" normalizeH="0" baseline="0" noProof="0" dirty="0" err="1">
+                          <a:ln>
+                            <a:noFill/>
+                          </a:ln>
+                          <a:solidFill>
+                            <a:prstClr val="black"/>
+                          </a:solidFill>
+                          <a:effectLst/>
+                          <a:uLnTx/>
+                          <a:uFillTx/>
+                          <a:latin typeface="+mn-lt"/>
+                          <a:ea typeface="+mn-ea"/>
+                          <a:cs typeface="+mn-cs"/>
+                        </a:rPr>
+                        <a:t>parametric</a:t>
+                      </a:r>
+                      <a:r>
+                        <a:rPr kumimoji="0" lang="de-DE" sz="1400" b="0" i="0" u="none" strike="noStrike" kern="1200" cap="none" spc="0" normalizeH="0" baseline="0" noProof="0" dirty="0">
+                          <a:ln>
+                            <a:noFill/>
+                          </a:ln>
+                          <a:solidFill>
+                            <a:prstClr val="black"/>
+                          </a:solidFill>
+                          <a:effectLst/>
+                          <a:uLnTx/>
+                          <a:uFillTx/>
+                          <a:latin typeface="+mn-lt"/>
+                          <a:ea typeface="+mn-ea"/>
+                          <a:cs typeface="+mn-cs"/>
+                        </a:rPr>
+                        <a:t>)</a:t>
+                      </a:r>
+                      <a:endParaRPr kumimoji="0" lang="en-US" sz="1800" b="0" i="0" u="none" strike="noStrike" kern="1200" cap="none" spc="0" normalizeH="0" baseline="0" noProof="0" dirty="0">
+                        <a:ln>
+                          <a:noFill/>
+                        </a:ln>
+                        <a:solidFill>
+                          <a:prstClr val="black"/>
+                        </a:solidFill>
+                        <a:effectLst/>
+                        <a:uLnTx/>
+                        <a:uFillTx/>
+                        <a:latin typeface="+mn-lt"/>
+                        <a:ea typeface="+mn-ea"/>
+                        <a:cs typeface="+mn-cs"/>
+                      </a:endParaRPr>
                     </a:p>
                   </a:txBody>
                   <a:tcPr anchor="ctr"/>

--- a/pres/Final_Presentation_V02.pptx
+++ b/pres/Final_Presentation_V02.pptx
@@ -10,10 +10,10 @@
     <p:sldMasterId id="2147483697" r:id="rId6"/>
   </p:sldMasterIdLst>
   <p:notesMasterIdLst>
-    <p:notesMasterId r:id="rId32"/>
+    <p:notesMasterId r:id="rId33"/>
   </p:notesMasterIdLst>
   <p:handoutMasterIdLst>
-    <p:handoutMasterId r:id="rId33"/>
+    <p:handoutMasterId r:id="rId34"/>
   </p:handoutMasterIdLst>
   <p:sldIdLst>
     <p:sldId id="403" r:id="rId7"/>
@@ -25,22 +25,23 @@
     <p:sldId id="410" r:id="rId13"/>
     <p:sldId id="412" r:id="rId14"/>
     <p:sldId id="428" r:id="rId15"/>
-    <p:sldId id="406" r:id="rId16"/>
-    <p:sldId id="400" r:id="rId17"/>
-    <p:sldId id="425" r:id="rId18"/>
-    <p:sldId id="405" r:id="rId19"/>
-    <p:sldId id="423" r:id="rId20"/>
-    <p:sldId id="414" r:id="rId21"/>
-    <p:sldId id="430" r:id="rId22"/>
-    <p:sldId id="408" r:id="rId23"/>
-    <p:sldId id="407" r:id="rId24"/>
-    <p:sldId id="409" r:id="rId25"/>
-    <p:sldId id="422" r:id="rId26"/>
-    <p:sldId id="411" r:id="rId27"/>
-    <p:sldId id="426" r:id="rId28"/>
-    <p:sldId id="417" r:id="rId29"/>
-    <p:sldId id="419" r:id="rId30"/>
-    <p:sldId id="415" r:id="rId31"/>
+    <p:sldId id="431" r:id="rId16"/>
+    <p:sldId id="406" r:id="rId17"/>
+    <p:sldId id="400" r:id="rId18"/>
+    <p:sldId id="425" r:id="rId19"/>
+    <p:sldId id="405" r:id="rId20"/>
+    <p:sldId id="423" r:id="rId21"/>
+    <p:sldId id="414" r:id="rId22"/>
+    <p:sldId id="430" r:id="rId23"/>
+    <p:sldId id="408" r:id="rId24"/>
+    <p:sldId id="407" r:id="rId25"/>
+    <p:sldId id="409" r:id="rId26"/>
+    <p:sldId id="422" r:id="rId27"/>
+    <p:sldId id="411" r:id="rId28"/>
+    <p:sldId id="426" r:id="rId29"/>
+    <p:sldId id="417" r:id="rId30"/>
+    <p:sldId id="419" r:id="rId31"/>
+    <p:sldId id="415" r:id="rId32"/>
   </p:sldIdLst>
   <p:sldSz cx="9144000" cy="6858000" type="screen4x3"/>
   <p:notesSz cx="9925050" cy="6665913"/>
@@ -11814,7 +11815,7 @@
               <a:pPr>
                 <a:defRPr/>
               </a:pPr>
-              <a:t>18/07/2017</a:t>
+              <a:t>19/07/2017</a:t>
             </a:fld>
             <a:endParaRPr lang="en-GB" dirty="0"/>
           </a:p>
@@ -12033,7 +12034,7 @@
               <a:pPr>
                 <a:defRPr/>
               </a:pPr>
-              <a:t>18/07/2017</a:t>
+              <a:t>19/07/2017</a:t>
             </a:fld>
             <a:endParaRPr lang="en-GB"/>
           </a:p>
@@ -12503,72 +12504,412 @@
         </p:nvSpPr>
         <p:spPr/>
         <p:txBody>
-          <a:bodyPr/>
+          <a:bodyPr>
+            <a:normAutofit lnSpcReduction="10000"/>
+          </a:bodyPr>
           <a:lstStyle/>
           <a:p>
-            <a:pPr marL="285750" indent="-285750">
-              <a:buFont typeface="Arial" panose="020B0604020202020204" pitchFamily="34" charset="0"/>
-              <a:buChar char="•"/>
+            <a:pPr marL="0" marR="0" lvl="0" indent="0" algn="l" defTabSz="914400" rtl="0" eaLnBrk="1" fontAlgn="base" latinLnBrk="0" hangingPunct="1">
+              <a:lnSpc>
+                <a:spcPct val="100000"/>
+              </a:lnSpc>
+              <a:spcBef>
+                <a:spcPct val="30000"/>
+              </a:spcBef>
+              <a:spcAft>
+                <a:spcPct val="0"/>
+              </a:spcAft>
+              <a:buClrTx/>
+              <a:buSzTx/>
+              <a:buFontTx/>
+              <a:buNone/>
+              <a:tabLst/>
+              <a:defRPr/>
             </a:pPr>
             <a:r>
-              <a:rPr lang="de-DE" dirty="0" err="1"/>
-              <a:t>Tremendous</a:t>
-            </a:r>
-            <a:r>
-              <a:rPr lang="de-DE" dirty="0"/>
-              <a:t> </a:t>
-            </a:r>
-            <a:r>
-              <a:rPr lang="de-DE" dirty="0" err="1"/>
-              <a:t>reduction</a:t>
-            </a:r>
-            <a:r>
-              <a:rPr lang="de-DE" dirty="0"/>
-              <a:t> </a:t>
-            </a:r>
-            <a:r>
-              <a:rPr lang="de-DE" dirty="0" err="1"/>
-              <a:t>of</a:t>
-            </a:r>
-            <a:r>
-              <a:rPr lang="de-DE" dirty="0"/>
-              <a:t> </a:t>
-            </a:r>
-            <a:r>
-              <a:rPr lang="de-DE" dirty="0" err="1"/>
-              <a:t>footprint</a:t>
-            </a:r>
-            <a:r>
-              <a:rPr lang="de-DE" dirty="0"/>
-              <a:t> </a:t>
-            </a:r>
-            <a:r>
-              <a:rPr lang="de-DE" dirty="0" err="1"/>
-              <a:t>size</a:t>
-            </a:r>
+              <a:rPr lang="en-US" sz="1200" b="1" i="0" u="none" strike="noStrike" kern="1200" baseline="0" dirty="0">
+                <a:solidFill>
+                  <a:schemeClr val="tx1"/>
+                </a:solidFill>
+                <a:latin typeface="Arial" pitchFamily="34" charset="0"/>
+                <a:ea typeface="+mn-ea"/>
+                <a:cs typeface="Arial" pitchFamily="34" charset="0"/>
+              </a:rPr>
+              <a:t>Syllabification</a:t>
+            </a:r>
+            <a:r>
+              <a:rPr lang="en-US" sz="1200" b="0" i="0" u="none" strike="noStrike" kern="1200" baseline="0" dirty="0">
+                <a:solidFill>
+                  <a:schemeClr val="tx1"/>
+                </a:solidFill>
+                <a:latin typeface="Arial" pitchFamily="34" charset="0"/>
+                <a:ea typeface="+mn-ea"/>
+                <a:cs typeface="Arial" pitchFamily="34" charset="0"/>
+              </a:rPr>
+              <a:t>: the decomposition of words into their phonological units.</a:t>
+            </a:r>
+          </a:p>
+          <a:p>
             <a:endParaRPr lang="de-DE" dirty="0"/>
           </a:p>
           <a:p>
-            <a:pPr marL="285750" indent="-285750">
-              <a:buFont typeface="Arial" panose="020B0604020202020204" pitchFamily="34" charset="0"/>
-              <a:buChar char="•"/>
+            <a:r>
+              <a:rPr lang="en-US" sz="1200" b="1" i="0" u="none" strike="noStrike" kern="1200" baseline="0" dirty="0">
+                <a:solidFill>
+                  <a:schemeClr val="tx1"/>
+                </a:solidFill>
+                <a:latin typeface="Arial" pitchFamily="34" charset="0"/>
+                <a:ea typeface="+mn-ea"/>
+                <a:cs typeface="Arial" pitchFamily="34" charset="0"/>
+              </a:rPr>
+              <a:t>Phonetic transcription</a:t>
+            </a:r>
+            <a:r>
+              <a:rPr lang="en-US" sz="1200" b="0" i="0" u="none" strike="noStrike" kern="1200" baseline="0" dirty="0">
+                <a:solidFill>
+                  <a:schemeClr val="tx1"/>
+                </a:solidFill>
+                <a:latin typeface="Arial" pitchFamily="34" charset="0"/>
+                <a:ea typeface="+mn-ea"/>
+                <a:cs typeface="Arial" pitchFamily="34" charset="0"/>
+              </a:rPr>
+              <a:t>: the process of “translation” from letters to phonemes (also known as letter-to-sound or grapheme-to-phoneme translation)</a:t>
+            </a:r>
+            <a:endParaRPr lang="de-DE" sz="1200" b="0" i="0" u="none" strike="noStrike" kern="1200" baseline="0" dirty="0">
+              <a:solidFill>
+                <a:schemeClr val="tx1"/>
+              </a:solidFill>
+              <a:latin typeface="Arial" pitchFamily="34" charset="0"/>
+              <a:ea typeface="+mn-ea"/>
+              <a:cs typeface="Arial" pitchFamily="34" charset="0"/>
+            </a:endParaRPr>
+          </a:p>
+          <a:p>
+            <a:endParaRPr lang="en-US" sz="1200" b="0" i="0" u="none" strike="noStrike" kern="1200" baseline="0" dirty="0">
+              <a:solidFill>
+                <a:schemeClr val="tx1"/>
+              </a:solidFill>
+              <a:latin typeface="Arial" pitchFamily="34" charset="0"/>
+              <a:ea typeface="+mn-ea"/>
+              <a:cs typeface="Arial" pitchFamily="34" charset="0"/>
+            </a:endParaRPr>
+          </a:p>
+          <a:p>
+            <a:r>
+              <a:rPr lang="en-US" sz="1200" b="1" i="0" u="none" strike="noStrike" kern="1200" baseline="0" dirty="0">
+                <a:solidFill>
+                  <a:schemeClr val="tx1"/>
+                </a:solidFill>
+                <a:latin typeface="Arial" pitchFamily="34" charset="0"/>
+                <a:ea typeface="+mn-ea"/>
+                <a:cs typeface="Arial" pitchFamily="34" charset="0"/>
+              </a:rPr>
+              <a:t>Part-of-speech (POS) tagging </a:t>
+            </a:r>
+            <a:r>
+              <a:rPr lang="en-US" sz="1200" b="0" i="0" u="none" strike="noStrike" kern="1200" baseline="0" dirty="0">
+                <a:solidFill>
+                  <a:schemeClr val="tx1"/>
+                </a:solidFill>
+                <a:latin typeface="Arial" pitchFamily="34" charset="0"/>
+                <a:ea typeface="+mn-ea"/>
+                <a:cs typeface="Arial" pitchFamily="34" charset="0"/>
+              </a:rPr>
+              <a:t>is the process of assigning each word in a sentence its uniquely interpretable tag - its part of speech. </a:t>
+            </a:r>
+          </a:p>
+          <a:p>
+            <a:pPr marL="171450" indent="-171450">
+              <a:buFont typeface="Wingdings" panose="05000000000000000000" pitchFamily="2" charset="2"/>
+              <a:buChar char="à"/>
             </a:pPr>
             <a:r>
-              <a:rPr lang="de-DE" dirty="0" err="1"/>
-              <a:t>Accuracy</a:t>
-            </a:r>
-            <a:r>
-              <a:rPr lang="de-DE" dirty="0"/>
-              <a:t> not </a:t>
-            </a:r>
-            <a:r>
-              <a:rPr lang="de-DE" dirty="0" err="1"/>
-              <a:t>significantly</a:t>
-            </a:r>
-            <a:r>
-              <a:rPr lang="de-DE" dirty="0"/>
-              <a:t> </a:t>
-            </a:r>
+              <a:rPr lang="en-US" sz="1200" b="0" i="0" u="none" strike="noStrike" kern="1200" baseline="0" dirty="0">
+                <a:solidFill>
+                  <a:schemeClr val="tx1"/>
+                </a:solidFill>
+                <a:latin typeface="Arial" pitchFamily="34" charset="0"/>
+                <a:ea typeface="+mn-ea"/>
+                <a:cs typeface="Arial" pitchFamily="34" charset="0"/>
+              </a:rPr>
+              <a:t>choose the correct pronunciation for a homophone word</a:t>
+            </a:r>
+          </a:p>
+          <a:p>
+            <a:pPr marL="0" indent="0">
+              <a:buFont typeface="Wingdings" panose="05000000000000000000" pitchFamily="2" charset="2"/>
+              <a:buNone/>
+            </a:pPr>
+            <a:r>
+              <a:rPr lang="de-DE" sz="1200" b="0" i="0" u="none" strike="noStrike" kern="1200" baseline="0" dirty="0">
+                <a:solidFill>
+                  <a:schemeClr val="tx1"/>
+                </a:solidFill>
+                <a:latin typeface="Arial" pitchFamily="34" charset="0"/>
+                <a:ea typeface="+mn-ea"/>
+                <a:cs typeface="Arial" pitchFamily="34" charset="0"/>
+              </a:rPr>
+              <a:t>N: </a:t>
+            </a:r>
+            <a:r>
+              <a:rPr lang="de-DE" sz="1200" b="0" i="0" u="none" strike="noStrike" kern="1200" baseline="0" dirty="0" err="1">
+                <a:solidFill>
+                  <a:schemeClr val="tx1"/>
+                </a:solidFill>
+                <a:latin typeface="Arial" pitchFamily="34" charset="0"/>
+                <a:ea typeface="+mn-ea"/>
+                <a:cs typeface="Arial" pitchFamily="34" charset="0"/>
+              </a:rPr>
+              <a:t>Nouns</a:t>
+            </a:r>
+            <a:r>
+              <a:rPr lang="de-DE" sz="1200" b="0" i="0" u="none" strike="noStrike" kern="1200" baseline="0" dirty="0">
+                <a:solidFill>
+                  <a:schemeClr val="tx1"/>
+                </a:solidFill>
+                <a:latin typeface="Arial" pitchFamily="34" charset="0"/>
+                <a:ea typeface="+mn-ea"/>
+                <a:cs typeface="Arial" pitchFamily="34" charset="0"/>
+              </a:rPr>
+              <a:t>    V: Verbs     A: </a:t>
+            </a:r>
+            <a:r>
+              <a:rPr lang="de-DE" sz="1200" b="0" i="0" u="none" strike="noStrike" kern="1200" baseline="0" dirty="0" err="1">
+                <a:solidFill>
+                  <a:schemeClr val="tx1"/>
+                </a:solidFill>
+                <a:latin typeface="Arial" pitchFamily="34" charset="0"/>
+                <a:ea typeface="+mn-ea"/>
+                <a:cs typeface="Arial" pitchFamily="34" charset="0"/>
+              </a:rPr>
+              <a:t>Adjectives</a:t>
+            </a:r>
+            <a:r>
+              <a:rPr lang="de-DE" sz="1200" b="0" i="0" u="none" strike="noStrike" kern="1200" baseline="0" dirty="0">
+                <a:solidFill>
+                  <a:schemeClr val="tx1"/>
+                </a:solidFill>
+                <a:latin typeface="Arial" pitchFamily="34" charset="0"/>
+                <a:ea typeface="+mn-ea"/>
+                <a:cs typeface="Arial" pitchFamily="34" charset="0"/>
+              </a:rPr>
+              <a:t>      R: Adverbs</a:t>
+            </a:r>
+          </a:p>
+          <a:p>
+            <a:pPr marL="0" indent="0">
+              <a:buFont typeface="Wingdings" panose="05000000000000000000" pitchFamily="2" charset="2"/>
+              <a:buNone/>
+            </a:pPr>
+            <a:r>
+              <a:rPr lang="de-DE" sz="1200" b="0" i="0" u="none" strike="noStrike" kern="1200" baseline="0" dirty="0">
+                <a:solidFill>
+                  <a:schemeClr val="tx1"/>
+                </a:solidFill>
+                <a:latin typeface="Arial" pitchFamily="34" charset="0"/>
+                <a:ea typeface="+mn-ea"/>
+                <a:cs typeface="Arial" pitchFamily="34" charset="0"/>
+              </a:rPr>
+              <a:t>feminine/</a:t>
+            </a:r>
+            <a:r>
+              <a:rPr lang="de-DE" sz="1200" b="0" i="0" u="none" strike="noStrike" kern="1200" baseline="0" dirty="0" err="1">
+                <a:solidFill>
+                  <a:schemeClr val="tx1"/>
+                </a:solidFill>
+                <a:latin typeface="Arial" pitchFamily="34" charset="0"/>
+                <a:ea typeface="+mn-ea"/>
+                <a:cs typeface="Arial" pitchFamily="34" charset="0"/>
+              </a:rPr>
+              <a:t>maskular</a:t>
+            </a:r>
+            <a:r>
+              <a:rPr lang="de-DE" sz="1200" b="0" i="0" u="none" strike="noStrike" kern="1200" baseline="0" dirty="0">
+                <a:solidFill>
+                  <a:schemeClr val="tx1"/>
+                </a:solidFill>
+                <a:latin typeface="Arial" pitchFamily="34" charset="0"/>
+                <a:ea typeface="+mn-ea"/>
+                <a:cs typeface="Arial" pitchFamily="34" charset="0"/>
+              </a:rPr>
+              <a:t>, </a:t>
+            </a:r>
+            <a:r>
+              <a:rPr lang="de-DE" sz="1200" b="0" i="0" u="none" strike="noStrike" kern="1200" baseline="0" dirty="0" err="1">
+                <a:solidFill>
+                  <a:schemeClr val="tx1"/>
+                </a:solidFill>
+                <a:latin typeface="Arial" pitchFamily="34" charset="0"/>
+                <a:ea typeface="+mn-ea"/>
+                <a:cs typeface="Arial" pitchFamily="34" charset="0"/>
+              </a:rPr>
+              <a:t>singular</a:t>
+            </a:r>
+            <a:r>
+              <a:rPr lang="de-DE" sz="1200" b="0" i="0" u="none" strike="noStrike" kern="1200" baseline="0" dirty="0">
+                <a:solidFill>
+                  <a:schemeClr val="tx1"/>
+                </a:solidFill>
+                <a:latin typeface="Arial" pitchFamily="34" charset="0"/>
+                <a:ea typeface="+mn-ea"/>
+                <a:cs typeface="Arial" pitchFamily="34" charset="0"/>
+              </a:rPr>
+              <a:t>/</a:t>
+            </a:r>
+            <a:r>
+              <a:rPr lang="de-DE" sz="1200" b="0" i="0" u="none" strike="noStrike" kern="1200" baseline="0" dirty="0" err="1">
+                <a:solidFill>
+                  <a:schemeClr val="tx1"/>
+                </a:solidFill>
+                <a:latin typeface="Arial" pitchFamily="34" charset="0"/>
+                <a:ea typeface="+mn-ea"/>
+                <a:cs typeface="Arial" pitchFamily="34" charset="0"/>
+              </a:rPr>
+              <a:t>plular</a:t>
+            </a:r>
+            <a:r>
+              <a:rPr lang="de-DE" sz="1200" b="0" i="0" u="none" strike="noStrike" kern="1200" baseline="0" dirty="0">
+                <a:solidFill>
+                  <a:schemeClr val="tx1"/>
+                </a:solidFill>
+                <a:latin typeface="Arial" pitchFamily="34" charset="0"/>
+                <a:ea typeface="+mn-ea"/>
+                <a:cs typeface="Arial" pitchFamily="34" charset="0"/>
+              </a:rPr>
+              <a:t>, </a:t>
+            </a:r>
+            <a:r>
+              <a:rPr lang="de-DE" sz="1200" b="0" i="0" u="none" strike="noStrike" kern="1200" baseline="0" dirty="0" err="1">
+                <a:solidFill>
+                  <a:schemeClr val="tx1"/>
+                </a:solidFill>
+                <a:latin typeface="Arial" pitchFamily="34" charset="0"/>
+                <a:ea typeface="+mn-ea"/>
+                <a:cs typeface="Arial" pitchFamily="34" charset="0"/>
+              </a:rPr>
+              <a:t>cases</a:t>
+            </a:r>
+            <a:endParaRPr lang="en-US" sz="1200" b="0" i="0" u="none" strike="noStrike" kern="1200" baseline="0" dirty="0">
+              <a:solidFill>
+                <a:schemeClr val="tx1"/>
+              </a:solidFill>
+              <a:latin typeface="Arial" pitchFamily="34" charset="0"/>
+              <a:ea typeface="+mn-ea"/>
+              <a:cs typeface="Arial" pitchFamily="34" charset="0"/>
+            </a:endParaRPr>
+          </a:p>
+          <a:p>
+            <a:endParaRPr lang="de-DE" sz="1200" b="0" i="0" u="none" strike="noStrike" kern="1200" baseline="0" dirty="0">
+              <a:solidFill>
+                <a:schemeClr val="tx1"/>
+              </a:solidFill>
+              <a:latin typeface="Arial" pitchFamily="34" charset="0"/>
+              <a:ea typeface="+mn-ea"/>
+              <a:cs typeface="Arial" pitchFamily="34" charset="0"/>
+            </a:endParaRPr>
+          </a:p>
+          <a:p>
+            <a:pPr marL="0" marR="0" lvl="0" indent="0" algn="l" defTabSz="914400" rtl="0" eaLnBrk="1" fontAlgn="base" latinLnBrk="0" hangingPunct="1">
+              <a:lnSpc>
+                <a:spcPct val="100000"/>
+              </a:lnSpc>
+              <a:spcBef>
+                <a:spcPct val="30000"/>
+              </a:spcBef>
+              <a:spcAft>
+                <a:spcPct val="0"/>
+              </a:spcAft>
+              <a:buClrTx/>
+              <a:buSzTx/>
+              <a:buFontTx/>
+              <a:buNone/>
+              <a:tabLst/>
+              <a:defRPr/>
+            </a:pPr>
+            <a:r>
+              <a:rPr lang="en-US" sz="1200" b="1" i="0" u="none" strike="noStrike" kern="1200" baseline="0" dirty="0">
+                <a:solidFill>
+                  <a:schemeClr val="tx1"/>
+                </a:solidFill>
+                <a:latin typeface="Arial" pitchFamily="34" charset="0"/>
+                <a:ea typeface="+mn-ea"/>
+                <a:cs typeface="Arial" pitchFamily="34" charset="0"/>
+              </a:rPr>
+              <a:t>Lexical stress prediction</a:t>
+            </a:r>
+            <a:r>
+              <a:rPr lang="en-US" sz="1200" b="0" i="0" u="none" strike="noStrike" kern="1200" baseline="0" dirty="0">
+                <a:solidFill>
+                  <a:schemeClr val="tx1"/>
+                </a:solidFill>
+                <a:latin typeface="Arial" pitchFamily="34" charset="0"/>
+                <a:ea typeface="+mn-ea"/>
+                <a:cs typeface="Arial" pitchFamily="34" charset="0"/>
+              </a:rPr>
+              <a:t>: Certain syllables inside a word have a higher prominence compared to its neighboring syllables, giving the word a specific sound. </a:t>
+            </a:r>
+          </a:p>
+          <a:p>
+            <a:pPr marL="0" marR="0" lvl="0" indent="0" algn="l" defTabSz="914400" rtl="0" eaLnBrk="1" fontAlgn="base" latinLnBrk="0" hangingPunct="1">
+              <a:lnSpc>
+                <a:spcPct val="100000"/>
+              </a:lnSpc>
+              <a:spcBef>
+                <a:spcPct val="30000"/>
+              </a:spcBef>
+              <a:spcAft>
+                <a:spcPct val="0"/>
+              </a:spcAft>
+              <a:buClrTx/>
+              <a:buSzTx/>
+              <a:buFontTx/>
+              <a:buNone/>
+              <a:tabLst/>
+              <a:defRPr/>
+            </a:pPr>
+            <a:r>
+              <a:rPr lang="en-US" sz="1200" b="0" i="0" u="none" strike="noStrike" kern="1200" baseline="0" dirty="0">
+                <a:solidFill>
+                  <a:schemeClr val="tx1"/>
+                </a:solidFill>
+                <a:latin typeface="Arial" pitchFamily="34" charset="0"/>
+                <a:ea typeface="+mn-ea"/>
+                <a:cs typeface="Arial" pitchFamily="34" charset="0"/>
+                <a:sym typeface="Wingdings" panose="05000000000000000000" pitchFamily="2" charset="2"/>
+              </a:rPr>
+              <a:t> </a:t>
+            </a:r>
+            <a:r>
+              <a:rPr lang="en-US" sz="1200" b="0" i="0" u="none" strike="noStrike" kern="1200" baseline="0" dirty="0">
+                <a:solidFill>
+                  <a:schemeClr val="tx1"/>
+                </a:solidFill>
+                <a:latin typeface="Arial" pitchFamily="34" charset="0"/>
+                <a:ea typeface="+mn-ea"/>
+                <a:cs typeface="Arial" pitchFamily="34" charset="0"/>
+              </a:rPr>
+              <a:t>choose the correct pronunciation for a homophone word</a:t>
+            </a:r>
+          </a:p>
+          <a:p>
+            <a:endParaRPr lang="de-DE" sz="1200" b="0" i="0" u="none" strike="noStrike" kern="1200" baseline="0" dirty="0">
+              <a:solidFill>
+                <a:schemeClr val="tx1"/>
+              </a:solidFill>
+              <a:latin typeface="Arial" pitchFamily="34" charset="0"/>
+              <a:ea typeface="+mn-ea"/>
+              <a:cs typeface="Arial" pitchFamily="34" charset="0"/>
+            </a:endParaRPr>
+          </a:p>
+          <a:p>
+            <a:endParaRPr lang="en-US" sz="1200" b="0" i="0" u="none" strike="noStrike" kern="1200" baseline="0" dirty="0">
+              <a:solidFill>
+                <a:schemeClr val="tx1"/>
+              </a:solidFill>
+              <a:latin typeface="Arial" pitchFamily="34" charset="0"/>
+              <a:ea typeface="+mn-ea"/>
+              <a:cs typeface="Arial" pitchFamily="34" charset="0"/>
+            </a:endParaRPr>
           </a:p>
           <a:p>
             <a:endParaRPr lang="en-US" dirty="0"/>
@@ -12607,7 +12948,7 @@
     </p:spTree>
     <p:extLst>
       <p:ext uri="{BB962C8B-B14F-4D97-AF65-F5344CB8AC3E}">
-        <p14:creationId xmlns:p14="http://schemas.microsoft.com/office/powerpoint/2010/main" val="1302609574"/>
+        <p14:creationId xmlns:p14="http://schemas.microsoft.com/office/powerpoint/2010/main" val="1801823156"/>
       </p:ext>
     </p:extLst>
   </p:cSld>
@@ -12661,27 +13002,13 @@
           <a:bodyPr/>
           <a:lstStyle/>
           <a:p>
-            <a:r>
-              <a:rPr lang="en-US" b="1" noProof="0" dirty="0"/>
-              <a:t>Objective evaluation</a:t>
-            </a:r>
-          </a:p>
-          <a:p>
             <a:pPr marL="285750" indent="-285750">
               <a:buFont typeface="Arial" panose="020B0604020202020204" pitchFamily="34" charset="0"/>
               <a:buChar char="•"/>
             </a:pPr>
             <a:r>
               <a:rPr lang="de-DE" dirty="0" err="1"/>
-              <a:t>Distortion</a:t>
-            </a:r>
-            <a:r>
-              <a:rPr lang="de-DE" dirty="0"/>
-              <a:t> (Mel-</a:t>
-            </a:r>
-            <a:r>
-              <a:rPr lang="de-DE" dirty="0" err="1"/>
-              <a:t>cepstral</a:t>
+              <a:t>Tremendous</a:t>
             </a:r>
             <a:r>
               <a:rPr lang="de-DE" dirty="0"/>
@@ -12689,15 +13016,31 @@
             </a:r>
             <a:r>
               <a:rPr lang="de-DE" dirty="0" err="1"/>
-              <a:t>distortion</a:t>
+              <a:t>reduction</a:t>
             </a:r>
             <a:r>
               <a:rPr lang="de-DE" dirty="0"/>
-              <a:t>, </a:t>
-            </a:r>
-            <a:r>
-              <a:rPr lang="en-US" dirty="0"/>
-              <a:t>Aperiodicity distortion)</a:t>
+              <a:t> </a:t>
+            </a:r>
+            <a:r>
+              <a:rPr lang="de-DE" dirty="0" err="1"/>
+              <a:t>of</a:t>
+            </a:r>
+            <a:r>
+              <a:rPr lang="de-DE" dirty="0"/>
+              <a:t> </a:t>
+            </a:r>
+            <a:r>
+              <a:rPr lang="de-DE" dirty="0" err="1"/>
+              <a:t>footprint</a:t>
+            </a:r>
+            <a:r>
+              <a:rPr lang="de-DE" dirty="0"/>
+              <a:t> </a:t>
+            </a:r>
+            <a:r>
+              <a:rPr lang="de-DE" dirty="0" err="1"/>
+              <a:t>size</a:t>
             </a:r>
             <a:endParaRPr lang="de-DE" dirty="0"/>
           </a:p>
@@ -12707,47 +13050,20 @@
               <a:buChar char="•"/>
             </a:pPr>
             <a:r>
+              <a:rPr lang="de-DE" dirty="0" err="1"/>
+              <a:t>Accuracy</a:t>
+            </a:r>
+            <a:r>
               <a:rPr lang="de-DE" dirty="0"/>
-              <a:t>Error rate (</a:t>
+              <a:t> not </a:t>
             </a:r>
             <a:r>
               <a:rPr lang="de-DE" dirty="0" err="1"/>
-              <a:t>Voiced</a:t>
+              <a:t>significantly</a:t>
             </a:r>
             <a:r>
               <a:rPr lang="de-DE" dirty="0"/>
-              <a:t>/</a:t>
-            </a:r>
-            <a:r>
-              <a:rPr lang="de-DE" dirty="0" err="1"/>
-              <a:t>Unvoiced</a:t>
-            </a:r>
-            <a:r>
-              <a:rPr lang="de-DE" dirty="0"/>
-              <a:t> Error Rate, </a:t>
-            </a:r>
-            <a:r>
-              <a:rPr lang="en-US" dirty="0"/>
-              <a:t>Root mean squared errors (RMSE) in log F0)</a:t>
-            </a:r>
-            <a:endParaRPr lang="de-DE" dirty="0"/>
-          </a:p>
-          <a:p>
-            <a:endParaRPr lang="de-DE" dirty="0"/>
-          </a:p>
-          <a:p>
-            <a:r>
-              <a:rPr lang="en-US" b="1" noProof="0" dirty="0"/>
-              <a:t>Subjective evaluation</a:t>
-            </a:r>
-            <a:endParaRPr lang="en-US" noProof="0" dirty="0"/>
-          </a:p>
-          <a:p>
-            <a:r>
-              <a:rPr lang="en-US" noProof="0" dirty="0">
-                <a:sym typeface="Wingdings" panose="05000000000000000000" pitchFamily="2" charset="2"/>
-              </a:rPr>
-              <a:t>Played back speech samples of conventional and DNN-based system to different listeners, who chose their preferred system (or „Neutral“)</a:t>
+              <a:t> </a:t>
             </a:r>
           </a:p>
           <a:p>
@@ -12778,7 +13094,7 @@
               <a:pPr>
                 <a:defRPr/>
               </a:pPr>
-              <a:t>20</a:t>
+              <a:t>17</a:t>
             </a:fld>
             <a:endParaRPr lang="en-GB"/>
           </a:p>
@@ -12787,7 +13103,7 @@
     </p:spTree>
     <p:extLst>
       <p:ext uri="{BB962C8B-B14F-4D97-AF65-F5344CB8AC3E}">
-        <p14:creationId xmlns:p14="http://schemas.microsoft.com/office/powerpoint/2010/main" val="3804367099"/>
+        <p14:creationId xmlns:p14="http://schemas.microsoft.com/office/powerpoint/2010/main" val="1302609574"/>
       </p:ext>
     </p:extLst>
   </p:cSld>
@@ -12838,19 +13154,48 @@
         </p:nvSpPr>
         <p:spPr/>
         <p:txBody>
-          <a:bodyPr>
-            <a:normAutofit fontScale="77500" lnSpcReduction="20000"/>
-          </a:bodyPr>
+          <a:bodyPr/>
           <a:lstStyle/>
+          <a:p>
+            <a:r>
+              <a:rPr lang="en-US" b="1" noProof="0" dirty="0"/>
+              <a:t>Objective evaluation</a:t>
+            </a:r>
+          </a:p>
           <a:p>
             <a:pPr marL="285750" indent="-285750">
               <a:buFont typeface="Arial" panose="020B0604020202020204" pitchFamily="34" charset="0"/>
               <a:buChar char="•"/>
             </a:pPr>
             <a:r>
-              <a:rPr lang="en-US" sz="1200" dirty="0"/>
-              <a:t>Different Approaches -&gt; Advantages and Drawbacks</a:t>
-            </a:r>
+              <a:rPr lang="de-DE" dirty="0" err="1"/>
+              <a:t>Distortion</a:t>
+            </a:r>
+            <a:r>
+              <a:rPr lang="de-DE" dirty="0"/>
+              <a:t> (Mel-</a:t>
+            </a:r>
+            <a:r>
+              <a:rPr lang="de-DE" dirty="0" err="1"/>
+              <a:t>cepstral</a:t>
+            </a:r>
+            <a:r>
+              <a:rPr lang="de-DE" dirty="0"/>
+              <a:t> </a:t>
+            </a:r>
+            <a:r>
+              <a:rPr lang="de-DE" dirty="0" err="1"/>
+              <a:t>distortion</a:t>
+            </a:r>
+            <a:r>
+              <a:rPr lang="de-DE" dirty="0"/>
+              <a:t>, </a:t>
+            </a:r>
+            <a:r>
+              <a:rPr lang="en-US" dirty="0"/>
+              <a:t>Aperiodicity distortion)</a:t>
+            </a:r>
+            <a:endParaRPr lang="de-DE" dirty="0"/>
           </a:p>
           <a:p>
             <a:pPr marL="285750" indent="-285750">
@@ -12858,187 +13203,48 @@
               <a:buChar char="•"/>
             </a:pPr>
             <a:r>
-              <a:rPr lang="de-DE" sz="1200" dirty="0"/>
-              <a:t>T</a:t>
-            </a:r>
-            <a:r>
-              <a:rPr lang="en-US" sz="1200" dirty="0"/>
-              <a:t>raining and Synthesis Part</a:t>
-            </a:r>
-          </a:p>
-          <a:p>
-            <a:pPr marL="285750" indent="-285750">
-              <a:buFont typeface="Arial" panose="020B0604020202020204" pitchFamily="34" charset="0"/>
-              <a:buChar char="•"/>
-            </a:pPr>
-            <a:r>
-              <a:rPr lang="en-US" sz="1200" dirty="0"/>
-              <a:t>generating the </a:t>
-            </a:r>
-            <a:r>
-              <a:rPr lang="en-US" sz="1200" i="1" dirty="0"/>
-              <a:t>average </a:t>
-            </a:r>
-            <a:r>
-              <a:rPr lang="en-US" sz="1200" dirty="0"/>
-              <a:t>of some sets of similarly sounding speech segments.</a:t>
-            </a:r>
-          </a:p>
-          <a:p>
-            <a:pPr marL="285750" indent="-285750">
-              <a:buFont typeface="Arial" panose="020B0604020202020204" pitchFamily="34" charset="0"/>
-              <a:buChar char="•"/>
-            </a:pPr>
-            <a:r>
-              <a:rPr lang="de-DE" sz="1200" dirty="0"/>
-              <a:t>(</a:t>
-            </a:r>
-            <a:r>
-              <a:rPr lang="de-DE" sz="1200" dirty="0" err="1"/>
-              <a:t>Decision</a:t>
-            </a:r>
-            <a:r>
-              <a:rPr lang="de-DE" sz="1200" dirty="0"/>
-              <a:t> </a:t>
-            </a:r>
-            <a:r>
-              <a:rPr lang="de-DE" sz="1200" dirty="0" err="1"/>
-              <a:t>Trees</a:t>
-            </a:r>
-            <a:r>
-              <a:rPr lang="de-DE" sz="1200" dirty="0"/>
-              <a:t> / (Maximum </a:t>
-            </a:r>
-            <a:r>
-              <a:rPr lang="de-DE" sz="1200" dirty="0" err="1"/>
-              <a:t>Likelyhood</a:t>
-            </a:r>
-            <a:r>
-              <a:rPr lang="de-DE" sz="1200" dirty="0"/>
-              <a:t> Parameter Generation) )</a:t>
-            </a:r>
-          </a:p>
-          <a:p>
-            <a:endParaRPr lang="en-US" sz="1200" dirty="0"/>
-          </a:p>
-          <a:p>
-            <a:pPr marL="285750" indent="-285750">
-              <a:buFont typeface="Arial" panose="020B0604020202020204" pitchFamily="34" charset="0"/>
-              <a:buChar char="•"/>
-            </a:pPr>
-            <a:r>
-              <a:rPr lang="en-US" sz="1200" dirty="0"/>
-              <a:t>The model is parametric because it describes the speech using parameters, rather than stored exemplars. </a:t>
-            </a:r>
-          </a:p>
-          <a:p>
-            <a:pPr marL="285750" indent="-285750">
-              <a:buFont typeface="Arial" panose="020B0604020202020204" pitchFamily="34" charset="0"/>
-              <a:buChar char="•"/>
-            </a:pPr>
-            <a:r>
-              <a:rPr lang="en-US" sz="1200" dirty="0"/>
-              <a:t>It is statistical because it describes those parameters using statistics (e.g., means and variances of probability density functions) which capture the distribution of parameter values found in the training data.</a:t>
-            </a:r>
-          </a:p>
-          <a:p>
-            <a:pPr marL="285750" indent="-285750">
-              <a:buFont typeface="Arial" panose="020B0604020202020204" pitchFamily="34" charset="0"/>
-              <a:buChar char="•"/>
-            </a:pPr>
-            <a:endParaRPr lang="de-DE" sz="1200" dirty="0"/>
-          </a:p>
-          <a:p>
-            <a:r>
-              <a:rPr lang="de-DE" sz="1200" dirty="0"/>
-              <a:t>Training:</a:t>
-            </a:r>
-          </a:p>
-          <a:p>
-            <a:pPr marL="228600" indent="-228600">
-              <a:buAutoNum type="arabicPeriod"/>
-            </a:pPr>
-            <a:r>
-              <a:rPr lang="en-US" sz="1200" dirty="0"/>
-              <a:t>both spectrum (e.g., </a:t>
-            </a:r>
-            <a:r>
-              <a:rPr lang="en-US" sz="1200" dirty="0" err="1"/>
-              <a:t>mel</a:t>
-            </a:r>
-            <a:r>
-              <a:rPr lang="en-US" sz="1200" dirty="0"/>
-              <a:t>-cepstral coefficients and their dynamic features) and excitation (e.g., log F0 and its dynamic features) parameters are extracted from a database of natural speech and modeled by a set of multi-stream context-dependent HMMs</a:t>
-            </a:r>
-          </a:p>
-          <a:p>
-            <a:pPr marL="228600" indent="-228600">
-              <a:buAutoNum type="arabicPeriod"/>
-            </a:pPr>
-            <a:r>
-              <a:rPr lang="en-US" sz="1200" dirty="0"/>
-              <a:t>linguistic and prosodic contexts are taken into account in addition to phonetic ones</a:t>
-            </a:r>
-            <a:endParaRPr lang="de-DE" sz="1200" dirty="0"/>
-          </a:p>
-          <a:p>
-            <a:pPr marL="228600" indent="-228600">
-              <a:buAutoNum type="arabicPeriod"/>
-            </a:pPr>
-            <a:endParaRPr lang="de-DE" sz="1200" dirty="0"/>
-          </a:p>
-          <a:p>
-            <a:endParaRPr lang="de-DE" sz="1200" dirty="0"/>
-          </a:p>
-          <a:p>
-            <a:r>
-              <a:rPr lang="de-DE" sz="1200" dirty="0"/>
-              <a:t>Synthesis:</a:t>
-            </a:r>
-          </a:p>
-          <a:p>
-            <a:pPr marL="228600" indent="-228600">
-              <a:buAutoNum type="arabicPeriod"/>
-            </a:pPr>
-            <a:r>
-              <a:rPr lang="en-US" sz="1200" dirty="0"/>
-              <a:t>word sequence is converted into a context dependent label sequence</a:t>
-            </a:r>
-          </a:p>
-          <a:p>
-            <a:pPr marL="228600" indent="-228600">
-              <a:buAutoNum type="arabicPeriod"/>
-            </a:pPr>
-            <a:r>
-              <a:rPr lang="en-US" sz="1200" dirty="0"/>
-              <a:t>utterance HMM is constructed by concatenating the context-dependent HMMs according to the label sequence</a:t>
-            </a:r>
-          </a:p>
-          <a:p>
-            <a:pPr marL="228600" indent="-228600">
-              <a:buAutoNum type="arabicPeriod"/>
-            </a:pPr>
-            <a:r>
-              <a:rPr lang="en-US" sz="1200" dirty="0"/>
-              <a:t>the speech parameter generation algorithm generates the sequences of spectral and excitation parameters from the utterance HMM</a:t>
-            </a:r>
-          </a:p>
-          <a:p>
-            <a:pPr marL="228600" indent="-228600">
-              <a:buAutoNum type="arabicPeriod"/>
-            </a:pPr>
-            <a:r>
-              <a:rPr lang="en-US" sz="1200" dirty="0"/>
-              <a:t>speech waveform is synthesized from the generated spectral and excitation parameters using excitation generation and a speech synthesis filter</a:t>
-            </a:r>
-            <a:endParaRPr lang="de-DE" sz="1200" dirty="0"/>
-          </a:p>
-          <a:p>
-            <a:pPr marL="285750" indent="-285750">
-              <a:buFont typeface="Arial" panose="020B0604020202020204" pitchFamily="34" charset="0"/>
-              <a:buChar char="•"/>
-            </a:pPr>
-            <a:endParaRPr lang="de-DE" sz="1200" dirty="0"/>
+              <a:rPr lang="de-DE" dirty="0"/>
+              <a:t>Error rate (</a:t>
+            </a:r>
+            <a:r>
+              <a:rPr lang="de-DE" dirty="0" err="1"/>
+              <a:t>Voiced</a:t>
+            </a:r>
+            <a:r>
+              <a:rPr lang="de-DE" dirty="0"/>
+              <a:t>/</a:t>
+            </a:r>
+            <a:r>
+              <a:rPr lang="de-DE" dirty="0" err="1"/>
+              <a:t>Unvoiced</a:t>
+            </a:r>
+            <a:r>
+              <a:rPr lang="de-DE" dirty="0"/>
+              <a:t> Error Rate, </a:t>
+            </a:r>
+            <a:r>
+              <a:rPr lang="en-US" dirty="0"/>
+              <a:t>Root mean squared errors (RMSE) in log F0)</a:t>
+            </a:r>
+            <a:endParaRPr lang="de-DE" dirty="0"/>
+          </a:p>
+          <a:p>
+            <a:endParaRPr lang="de-DE" dirty="0"/>
+          </a:p>
+          <a:p>
+            <a:r>
+              <a:rPr lang="en-US" b="1" noProof="0" dirty="0"/>
+              <a:t>Subjective evaluation</a:t>
+            </a:r>
+            <a:endParaRPr lang="en-US" noProof="0" dirty="0"/>
+          </a:p>
+          <a:p>
+            <a:r>
+              <a:rPr lang="en-US" noProof="0" dirty="0">
+                <a:sym typeface="Wingdings" panose="05000000000000000000" pitchFamily="2" charset="2"/>
+              </a:rPr>
+              <a:t>Played back speech samples of conventional and DNN-based system to different listeners, who chose their preferred system (or „Neutral“)</a:t>
+            </a:r>
           </a:p>
           <a:p>
             <a:endParaRPr lang="en-US" dirty="0"/>
@@ -13077,7 +13283,7 @@
     </p:spTree>
     <p:extLst>
       <p:ext uri="{BB962C8B-B14F-4D97-AF65-F5344CB8AC3E}">
-        <p14:creationId xmlns:p14="http://schemas.microsoft.com/office/powerpoint/2010/main" val="3117794628"/>
+        <p14:creationId xmlns:p14="http://schemas.microsoft.com/office/powerpoint/2010/main" val="3804367099"/>
       </p:ext>
     </p:extLst>
   </p:cSld>
@@ -13129,6 +13335,266 @@
         <p:spPr/>
         <p:txBody>
           <a:bodyPr>
+            <a:normAutofit fontScale="85000" lnSpcReduction="20000"/>
+          </a:bodyPr>
+          <a:lstStyle/>
+          <a:p>
+            <a:pPr marL="285750" indent="-285750">
+              <a:buFont typeface="Arial" panose="020B0604020202020204" pitchFamily="34" charset="0"/>
+              <a:buChar char="•"/>
+            </a:pPr>
+            <a:r>
+              <a:rPr lang="de-DE" sz="1200" dirty="0"/>
+              <a:t>T</a:t>
+            </a:r>
+            <a:r>
+              <a:rPr lang="en-US" sz="1200" dirty="0"/>
+              <a:t>raining and Synthesis Part</a:t>
+            </a:r>
+          </a:p>
+          <a:p>
+            <a:pPr marL="285750" indent="-285750">
+              <a:buFont typeface="Arial" panose="020B0604020202020204" pitchFamily="34" charset="0"/>
+              <a:buChar char="•"/>
+            </a:pPr>
+            <a:r>
+              <a:rPr lang="en-US" sz="1200" dirty="0"/>
+              <a:t>generating the </a:t>
+            </a:r>
+            <a:r>
+              <a:rPr lang="en-US" sz="1200" i="1" dirty="0"/>
+              <a:t>average </a:t>
+            </a:r>
+            <a:r>
+              <a:rPr lang="en-US" sz="1200" dirty="0"/>
+              <a:t>of some sets of similarly sounding speech segments.</a:t>
+            </a:r>
+          </a:p>
+          <a:p>
+            <a:pPr marL="285750" indent="-285750">
+              <a:buFont typeface="Arial" panose="020B0604020202020204" pitchFamily="34" charset="0"/>
+              <a:buChar char="•"/>
+            </a:pPr>
+            <a:r>
+              <a:rPr lang="de-DE" sz="1200" dirty="0"/>
+              <a:t>(</a:t>
+            </a:r>
+            <a:r>
+              <a:rPr lang="de-DE" sz="1200" dirty="0" err="1"/>
+              <a:t>Decision</a:t>
+            </a:r>
+            <a:r>
+              <a:rPr lang="de-DE" sz="1200" dirty="0"/>
+              <a:t> </a:t>
+            </a:r>
+            <a:r>
+              <a:rPr lang="de-DE" sz="1200" dirty="0" err="1"/>
+              <a:t>Trees</a:t>
+            </a:r>
+            <a:r>
+              <a:rPr lang="de-DE" sz="1200" dirty="0"/>
+              <a:t> / (Maximum </a:t>
+            </a:r>
+            <a:r>
+              <a:rPr lang="de-DE" sz="1200" dirty="0" err="1"/>
+              <a:t>Likelyhood</a:t>
+            </a:r>
+            <a:r>
+              <a:rPr lang="de-DE" sz="1200" dirty="0"/>
+              <a:t> Parameter Generation) )</a:t>
+            </a:r>
+          </a:p>
+          <a:p>
+            <a:endParaRPr lang="en-US" sz="1200" dirty="0"/>
+          </a:p>
+          <a:p>
+            <a:pPr marL="285750" indent="-285750">
+              <a:buFont typeface="Arial" panose="020B0604020202020204" pitchFamily="34" charset="0"/>
+              <a:buChar char="•"/>
+            </a:pPr>
+            <a:endParaRPr lang="de-DE" sz="1200" dirty="0"/>
+          </a:p>
+          <a:p>
+            <a:r>
+              <a:rPr lang="de-DE" sz="1200" dirty="0"/>
+              <a:t>Training:</a:t>
+            </a:r>
+          </a:p>
+          <a:p>
+            <a:pPr marL="228600" indent="-228600">
+              <a:buAutoNum type="arabicPeriod"/>
+            </a:pPr>
+            <a:r>
+              <a:rPr lang="en-US" sz="1200" dirty="0"/>
+              <a:t>both spectrum (e.g., </a:t>
+            </a:r>
+            <a:r>
+              <a:rPr lang="en-US" sz="1200" dirty="0" err="1"/>
+              <a:t>mel</a:t>
+            </a:r>
+            <a:r>
+              <a:rPr lang="en-US" sz="1200" dirty="0"/>
+              <a:t>-cepstral coefficients and their dynamic features) and excitation (e.g., log F0 and its dynamic features) parameters are extracted from a database of natural speech and modeled by a set of multi-stream context-dependent HMMs</a:t>
+            </a:r>
+          </a:p>
+          <a:p>
+            <a:pPr marL="228600" indent="-228600">
+              <a:buAutoNum type="arabicPeriod"/>
+            </a:pPr>
+            <a:r>
+              <a:rPr lang="en-US" sz="1200" dirty="0"/>
+              <a:t>linguistic and prosodic contexts are taken into account in addition to phonetic ones</a:t>
+            </a:r>
+            <a:endParaRPr lang="de-DE" sz="1200" dirty="0"/>
+          </a:p>
+          <a:p>
+            <a:pPr marL="228600" indent="-228600">
+              <a:buAutoNum type="arabicPeriod"/>
+            </a:pPr>
+            <a:endParaRPr lang="de-DE" sz="1200" dirty="0"/>
+          </a:p>
+          <a:p>
+            <a:endParaRPr lang="de-DE" sz="1200" dirty="0"/>
+          </a:p>
+          <a:p>
+            <a:r>
+              <a:rPr lang="de-DE" sz="1200" dirty="0"/>
+              <a:t>Synthesis:</a:t>
+            </a:r>
+          </a:p>
+          <a:p>
+            <a:pPr marL="228600" indent="-228600">
+              <a:buAutoNum type="arabicPeriod"/>
+            </a:pPr>
+            <a:r>
+              <a:rPr lang="en-US" sz="1200" dirty="0"/>
+              <a:t>word sequence is converted into a context dependent label sequence</a:t>
+            </a:r>
+          </a:p>
+          <a:p>
+            <a:pPr marL="228600" indent="-228600">
+              <a:buAutoNum type="arabicPeriod"/>
+            </a:pPr>
+            <a:r>
+              <a:rPr lang="en-US" sz="1200" dirty="0"/>
+              <a:t>utterance HMM is constructed by concatenating the context-dependent HMMs according to the label sequence</a:t>
+            </a:r>
+          </a:p>
+          <a:p>
+            <a:pPr marL="228600" indent="-228600">
+              <a:buAutoNum type="arabicPeriod"/>
+            </a:pPr>
+            <a:r>
+              <a:rPr lang="en-US" sz="1200" dirty="0"/>
+              <a:t>the speech parameter generation algorithm generates the sequences of spectral and excitation parameters from the utterance HMM</a:t>
+            </a:r>
+          </a:p>
+          <a:p>
+            <a:pPr marL="228600" indent="-228600">
+              <a:buAutoNum type="arabicPeriod"/>
+            </a:pPr>
+            <a:r>
+              <a:rPr lang="en-US" sz="1200" dirty="0"/>
+              <a:t>speech waveform is synthesized from the generated spectral and excitation parameters using excitation generation and a speech synthesis filter</a:t>
+            </a:r>
+            <a:endParaRPr lang="de-DE" sz="1200" dirty="0"/>
+          </a:p>
+          <a:p>
+            <a:pPr marL="285750" indent="-285750">
+              <a:buFont typeface="Arial" panose="020B0604020202020204" pitchFamily="34" charset="0"/>
+              <a:buChar char="•"/>
+            </a:pPr>
+            <a:endParaRPr lang="de-DE" sz="1200" dirty="0"/>
+          </a:p>
+          <a:p>
+            <a:endParaRPr lang="en-US" dirty="0"/>
+          </a:p>
+        </p:txBody>
+      </p:sp>
+      <p:sp>
+        <p:nvSpPr>
+          <p:cNvPr id="4" name="Foliennummernplatzhalter 3"/>
+          <p:cNvSpPr>
+            <a:spLocks noGrp="1"/>
+          </p:cNvSpPr>
+          <p:nvPr>
+            <p:ph type="sldNum" sz="quarter" idx="10"/>
+          </p:nvPr>
+        </p:nvSpPr>
+        <p:spPr/>
+        <p:txBody>
+          <a:bodyPr/>
+          <a:lstStyle/>
+          <a:p>
+            <a:pPr>
+              <a:defRPr/>
+            </a:pPr>
+            <a:fld id="{00AFC6D0-44D5-4EB7-828F-6F464F83D79A}" type="slidenum">
+              <a:rPr lang="en-GB" smtClean="0"/>
+              <a:pPr>
+                <a:defRPr/>
+              </a:pPr>
+              <a:t>22</a:t>
+            </a:fld>
+            <a:endParaRPr lang="en-GB"/>
+          </a:p>
+        </p:txBody>
+      </p:sp>
+    </p:spTree>
+    <p:extLst>
+      <p:ext uri="{BB962C8B-B14F-4D97-AF65-F5344CB8AC3E}">
+        <p14:creationId xmlns:p14="http://schemas.microsoft.com/office/powerpoint/2010/main" val="3117794628"/>
+      </p:ext>
+    </p:extLst>
+  </p:cSld>
+  <p:clrMapOvr>
+    <a:masterClrMapping/>
+  </p:clrMapOvr>
+</p:notes>
+</file>
+
+<file path=ppt/notesSlides/notesSlide14.xml><?xml version="1.0" encoding="utf-8"?>
+<p:notes xmlns:a="http://schemas.openxmlformats.org/drawingml/2006/main" xmlns:r="http://schemas.openxmlformats.org/officeDocument/2006/relationships" xmlns:p="http://schemas.openxmlformats.org/presentationml/2006/main">
+  <p:cSld>
+    <p:spTree>
+      <p:nvGrpSpPr>
+        <p:cNvPr id="1" name=""/>
+        <p:cNvGrpSpPr/>
+        <p:nvPr/>
+      </p:nvGrpSpPr>
+      <p:grpSpPr>
+        <a:xfrm>
+          <a:off x="0" y="0"/>
+          <a:ext cx="0" cy="0"/>
+          <a:chOff x="0" y="0"/>
+          <a:chExt cx="0" cy="0"/>
+        </a:xfrm>
+      </p:grpSpPr>
+      <p:sp>
+        <p:nvSpPr>
+          <p:cNvPr id="2" name="Folienbildplatzhalter 1"/>
+          <p:cNvSpPr>
+            <a:spLocks noGrp="1" noRot="1" noChangeAspect="1"/>
+          </p:cNvSpPr>
+          <p:nvPr>
+            <p:ph type="sldImg"/>
+          </p:nvPr>
+        </p:nvSpPr>
+        <p:spPr/>
+      </p:sp>
+      <p:sp>
+        <p:nvSpPr>
+          <p:cNvPr id="3" name="Notizenplatzhalter 2"/>
+          <p:cNvSpPr>
+            <a:spLocks noGrp="1"/>
+          </p:cNvSpPr>
+          <p:nvPr>
+            <p:ph type="body" idx="1"/>
+          </p:nvPr>
+        </p:nvSpPr>
+        <p:spPr/>
+        <p:txBody>
+          <a:bodyPr>
             <a:normAutofit fontScale="40000" lnSpcReduction="20000"/>
           </a:bodyPr>
           <a:lstStyle/>
@@ -13440,7 +13906,7 @@
               <a:pPr>
                 <a:defRPr/>
               </a:pPr>
-              <a:t>22</a:t>
+              <a:t>23</a:t>
             </a:fld>
             <a:endParaRPr lang="en-GB"/>
           </a:p>
@@ -13503,17 +13969,6 @@
           <a:bodyPr/>
           <a:lstStyle/>
           <a:p>
-            <a:r>
-              <a:rPr lang="en-US" sz="1200" b="0" i="0" u="none" strike="noStrike" kern="1200" baseline="0" dirty="0">
-                <a:solidFill>
-                  <a:schemeClr val="tx1"/>
-                </a:solidFill>
-                <a:latin typeface="Arial" pitchFamily="34" charset="0"/>
-                <a:ea typeface="+mn-ea"/>
-                <a:cs typeface="Arial" pitchFamily="34" charset="0"/>
-              </a:rPr>
-              <a:t>With the second type, CTS, the waveform is generated out of a linguistic description without any information of the respective text. In this way, no natural language processing is required, but nevertheless CTS has not made any important impact yet</a:t>
-            </a:r>
             <a:endParaRPr lang="en-US" dirty="0"/>
           </a:p>
         </p:txBody>
@@ -14494,48 +14949,33 @@
           <a:bodyPr/>
           <a:lstStyle/>
           <a:p>
-            <a:pPr marL="285750" indent="-285750">
-              <a:lnSpc>
-                <a:spcPct val="100000"/>
-              </a:lnSpc>
-              <a:spcAft>
-                <a:spcPts val="1200"/>
-              </a:spcAft>
+            <a:pPr marL="0" indent="0">
               <a:buFont typeface="Arial" panose="020B0604020202020204" pitchFamily="34" charset="0"/>
-              <a:buChar char="•"/>
+              <a:buNone/>
             </a:pPr>
             <a:r>
-              <a:rPr lang="en-US" dirty="0"/>
-              <a:t>Using a Deep Neural Network (DNN) as acoustic model</a:t>
-            </a:r>
-          </a:p>
-          <a:p>
-            <a:pPr marL="285750" indent="-285750">
-              <a:lnSpc>
-                <a:spcPct val="100000"/>
-              </a:lnSpc>
-              <a:spcAft>
-                <a:spcPts val="1200"/>
-              </a:spcAft>
+              <a:rPr lang="en-US" sz="1200" dirty="0"/>
+              <a:t>The model is parametric because it describes the speech using parameters, rather than stored exemplars. </a:t>
+            </a:r>
+          </a:p>
+          <a:p>
+            <a:pPr marL="0" indent="0">
               <a:buFont typeface="Arial" panose="020B0604020202020204" pitchFamily="34" charset="0"/>
-              <a:buChar char="•"/>
+              <a:buNone/>
             </a:pPr>
-            <a:r>
-              <a:rPr lang="de-DE" dirty="0" err="1"/>
-              <a:t>Only</a:t>
-            </a:r>
-            <a:r>
-              <a:rPr lang="de-DE" dirty="0"/>
-              <a:t> </a:t>
-            </a:r>
-            <a:r>
-              <a:rPr lang="de-DE" dirty="0" err="1"/>
-              <a:t>modification</a:t>
-            </a:r>
-            <a:r>
-              <a:rPr lang="de-DE" dirty="0"/>
-              <a:t> in Back-end</a:t>
-            </a:r>
+            <a:endParaRPr lang="en-US" sz="1200" dirty="0"/>
+          </a:p>
+          <a:p>
+            <a:pPr marL="0" indent="0">
+              <a:buFont typeface="Arial" panose="020B0604020202020204" pitchFamily="34" charset="0"/>
+              <a:buNone/>
+            </a:pPr>
+            <a:r>
+              <a:rPr lang="en-US" sz="1200" dirty="0"/>
+              <a:t>It is statistical because it describes those parameters using statistics (e.g., means and variances of probability density functions) which capture the distribution of parameter values found in the training data.</a:t>
+            </a:r>
+          </a:p>
+          <a:p>
             <a:endParaRPr lang="en-US" dirty="0"/>
           </a:p>
         </p:txBody>
@@ -14563,7 +15003,7 @@
               <a:pPr>
                 <a:defRPr/>
               </a:pPr>
-              <a:t>11</a:t>
+              <a:t>9</a:t>
             </a:fld>
             <a:endParaRPr lang="en-GB"/>
           </a:p>
@@ -14572,7 +15012,7 @@
     </p:spTree>
     <p:extLst>
       <p:ext uri="{BB962C8B-B14F-4D97-AF65-F5344CB8AC3E}">
-        <p14:creationId xmlns:p14="http://schemas.microsoft.com/office/powerpoint/2010/main" val="3142891854"/>
+        <p14:creationId xmlns:p14="http://schemas.microsoft.com/office/powerpoint/2010/main" val="3670572707"/>
       </p:ext>
     </p:extLst>
   </p:cSld>
@@ -14626,66 +15066,47 @@
           <a:bodyPr/>
           <a:lstStyle/>
           <a:p>
-            <a:pPr marL="0" marR="0" lvl="0" indent="0" algn="l" defTabSz="914400" rtl="0" eaLnBrk="1" fontAlgn="base" latinLnBrk="0" hangingPunct="1">
+            <a:pPr marL="285750" indent="-285750">
               <a:lnSpc>
                 <a:spcPct val="100000"/>
               </a:lnSpc>
-              <a:spcBef>
-                <a:spcPct val="30000"/>
-              </a:spcBef>
               <a:spcAft>
-                <a:spcPct val="0"/>
+                <a:spcPts val="1200"/>
               </a:spcAft>
-              <a:buClrTx/>
-              <a:buSzTx/>
-              <a:buFontTx/>
-              <a:buNone/>
-              <a:tabLst/>
-              <a:defRPr/>
+              <a:buFont typeface="Arial" panose="020B0604020202020204" pitchFamily="34" charset="0"/>
+              <a:buChar char="•"/>
             </a:pPr>
             <a:r>
               <a:rPr lang="en-US" dirty="0"/>
-              <a:t>The DNN-based systems consistently outperformed the HMM-based ones in voiced/unvoiced classification and aperiodicity prediction. The DNN-based systems with many layers were similar to or better than the HMM-based ones in Mel-cepstral distortion. On the other hand, the HMM-based systems outperformed the DNN-based ones in log F0 prediction in most cases.</a:t>
-            </a:r>
-            <a:endParaRPr lang="de-DE" b="1" dirty="0"/>
-          </a:p>
-          <a:p>
-            <a:endParaRPr lang="de-DE" dirty="0"/>
-          </a:p>
-          <a:p>
-            <a:r>
-              <a:rPr lang="en-US" sz="1200" b="0" i="0" u="none" strike="noStrike" kern="1200" baseline="0" dirty="0">
-                <a:solidFill>
-                  <a:schemeClr val="tx1"/>
-                </a:solidFill>
-                <a:latin typeface="Arial" pitchFamily="34" charset="0"/>
-                <a:ea typeface="+mn-ea"/>
-                <a:cs typeface="Arial" pitchFamily="34" charset="0"/>
-              </a:rPr>
-              <a:t>the DNN-based systems were preferred significantly to the HMM-based ones in all three model sizes. The subjects reported that the DNN-based systems were less muffled.</a:t>
-            </a:r>
-          </a:p>
-          <a:p>
-            <a:endParaRPr lang="de-DE" sz="1200" b="0" i="0" u="none" strike="noStrike" kern="1200" baseline="0" dirty="0">
-              <a:solidFill>
-                <a:schemeClr val="tx1"/>
-              </a:solidFill>
-              <a:latin typeface="Arial" pitchFamily="34" charset="0"/>
-              <a:ea typeface="+mn-ea"/>
-              <a:cs typeface="Arial" pitchFamily="34" charset="0"/>
-            </a:endParaRPr>
-          </a:p>
-          <a:p>
-            <a:r>
-              <a:rPr lang="en-US" sz="1200" b="0" i="0" u="none" strike="noStrike" kern="1200" baseline="0" dirty="0">
-                <a:solidFill>
-                  <a:schemeClr val="tx1"/>
-                </a:solidFill>
-                <a:latin typeface="Arial" pitchFamily="34" charset="0"/>
-                <a:ea typeface="+mn-ea"/>
-                <a:cs typeface="Arial" pitchFamily="34" charset="0"/>
-              </a:rPr>
-              <a:t>The authors expect that better prediction of Mel-cepstral coefficients by the DNN-based systems contributed to the preference.</a:t>
+              <a:t>Using a Deep Neural Network (DNN) as acoustic model</a:t>
+            </a:r>
+          </a:p>
+          <a:p>
+            <a:pPr marL="285750" indent="-285750">
+              <a:lnSpc>
+                <a:spcPct val="100000"/>
+              </a:lnSpc>
+              <a:spcAft>
+                <a:spcPts val="1200"/>
+              </a:spcAft>
+              <a:buFont typeface="Arial" panose="020B0604020202020204" pitchFamily="34" charset="0"/>
+              <a:buChar char="•"/>
+            </a:pPr>
+            <a:r>
+              <a:rPr lang="de-DE" dirty="0" err="1"/>
+              <a:t>Only</a:t>
+            </a:r>
+            <a:r>
+              <a:rPr lang="de-DE" dirty="0"/>
+              <a:t> </a:t>
+            </a:r>
+            <a:r>
+              <a:rPr lang="de-DE" dirty="0" err="1"/>
+              <a:t>modification</a:t>
+            </a:r>
+            <a:r>
+              <a:rPr lang="de-DE" dirty="0"/>
+              <a:t> in Back-end</a:t>
             </a:r>
             <a:endParaRPr lang="en-US" dirty="0"/>
           </a:p>
@@ -14723,7 +15144,7 @@
     </p:spTree>
     <p:extLst>
       <p:ext uri="{BB962C8B-B14F-4D97-AF65-F5344CB8AC3E}">
-        <p14:creationId xmlns:p14="http://schemas.microsoft.com/office/powerpoint/2010/main" val="373799104"/>
+        <p14:creationId xmlns:p14="http://schemas.microsoft.com/office/powerpoint/2010/main" val="3142891854"/>
       </p:ext>
     </p:extLst>
   </p:cSld>
@@ -14777,117 +15198,67 @@
           <a:bodyPr/>
           <a:lstStyle/>
           <a:p>
-            <a:pPr marL="285750" indent="-285750">
-              <a:buFont typeface="Arial" panose="020B0604020202020204" pitchFamily="34" charset="0"/>
-              <a:buChar char="•"/>
+            <a:pPr marL="0" marR="0" lvl="0" indent="0" algn="l" defTabSz="914400" rtl="0" eaLnBrk="1" fontAlgn="base" latinLnBrk="0" hangingPunct="1">
+              <a:lnSpc>
+                <a:spcPct val="100000"/>
+              </a:lnSpc>
+              <a:spcBef>
+                <a:spcPct val="30000"/>
+              </a:spcBef>
+              <a:spcAft>
+                <a:spcPct val="0"/>
+              </a:spcAft>
+              <a:buClrTx/>
+              <a:buSzTx/>
+              <a:buFontTx/>
+              <a:buNone/>
+              <a:tabLst/>
+              <a:defRPr/>
             </a:pPr>
             <a:r>
               <a:rPr lang="en-US" dirty="0"/>
-              <a:t>2.1 billion smartphone users worldwide in 2016</a:t>
-            </a:r>
-          </a:p>
-          <a:p>
-            <a:pPr marL="285750" indent="-285750">
-              <a:buFont typeface="Arial" panose="020B0604020202020204" pitchFamily="34" charset="0"/>
-              <a:buChar char="•"/>
-            </a:pPr>
-            <a:r>
-              <a:rPr lang="en-US" dirty="0"/>
-              <a:t>in 2016 about 1.5 billion new smartphones were sold</a:t>
-            </a:r>
-          </a:p>
-          <a:p>
-            <a:pPr marL="285750" indent="-285750">
-              <a:buFont typeface="Wingdings" panose="05000000000000000000" pitchFamily="2" charset="2"/>
-              <a:buChar char="à"/>
-            </a:pPr>
-            <a:r>
-              <a:rPr lang="en-US" dirty="0">
-                <a:sym typeface="Wingdings" panose="05000000000000000000" pitchFamily="2" charset="2"/>
+              <a:t>The DNN-based systems consistently outperformed the HMM-based ones in voiced/unvoiced classification and aperiodicity prediction. The DNN-based systems with many layers were similar to or better than the HMM-based ones in Mel-cepstral distortion. On the other hand, the HMM-based systems outperformed the DNN-based ones in log F0 prediction in most cases.</a:t>
+            </a:r>
+            <a:endParaRPr lang="de-DE" b="1" dirty="0"/>
+          </a:p>
+          <a:p>
+            <a:endParaRPr lang="de-DE" dirty="0"/>
+          </a:p>
+          <a:p>
+            <a:r>
+              <a:rPr lang="en-US" sz="1200" b="0" i="0" u="none" strike="noStrike" kern="1200" baseline="0" dirty="0">
+                <a:solidFill>
+                  <a:schemeClr val="tx1"/>
+                </a:solidFill>
+                <a:latin typeface="Arial" pitchFamily="34" charset="0"/>
+                <a:ea typeface="+mn-ea"/>
+                <a:cs typeface="Arial" pitchFamily="34" charset="0"/>
               </a:rPr>
-              <a:t>Speech as extension</a:t>
-            </a:r>
-          </a:p>
-          <a:p>
-            <a:pPr marL="285750" indent="-285750">
-              <a:buFont typeface="Wingdings" panose="05000000000000000000" pitchFamily="2" charset="2"/>
-              <a:buChar char="à"/>
-            </a:pPr>
-            <a:r>
-              <a:rPr lang="de-DE" dirty="0">
-                <a:sym typeface="Wingdings" panose="05000000000000000000" pitchFamily="2" charset="2"/>
+              <a:t>the DNN-based systems were preferred significantly to the HMM-based ones in all three model sizes. The subjects reported that the DNN-based systems were less muffled.</a:t>
+            </a:r>
+          </a:p>
+          <a:p>
+            <a:endParaRPr lang="de-DE" sz="1200" b="0" i="0" u="none" strike="noStrike" kern="1200" baseline="0" dirty="0">
+              <a:solidFill>
+                <a:schemeClr val="tx1"/>
+              </a:solidFill>
+              <a:latin typeface="Arial" pitchFamily="34" charset="0"/>
+              <a:ea typeface="+mn-ea"/>
+              <a:cs typeface="Arial" pitchFamily="34" charset="0"/>
+            </a:endParaRPr>
+          </a:p>
+          <a:p>
+            <a:r>
+              <a:rPr lang="en-US" sz="1200" b="0" i="0" u="none" strike="noStrike" kern="1200" baseline="0" dirty="0">
+                <a:solidFill>
+                  <a:schemeClr val="tx1"/>
+                </a:solidFill>
+                <a:latin typeface="Arial" pitchFamily="34" charset="0"/>
+                <a:ea typeface="+mn-ea"/>
+                <a:cs typeface="Arial" pitchFamily="34" charset="0"/>
               </a:rPr>
-              <a:t>S</a:t>
-            </a:r>
-            <a:r>
-              <a:rPr lang="en-US" dirty="0" err="1">
-                <a:sym typeface="Wingdings" panose="05000000000000000000" pitchFamily="2" charset="2"/>
-              </a:rPr>
-              <a:t>peech</a:t>
-            </a:r>
-            <a:r>
-              <a:rPr lang="en-US" dirty="0">
-                <a:sym typeface="Wingdings" panose="05000000000000000000" pitchFamily="2" charset="2"/>
-              </a:rPr>
-              <a:t> as main output</a:t>
-            </a:r>
-          </a:p>
-          <a:p>
-            <a:pPr marL="285750" indent="-285750">
-              <a:buFont typeface="Wingdings" panose="05000000000000000000" pitchFamily="2" charset="2"/>
-              <a:buChar char="à"/>
-            </a:pPr>
-            <a:r>
-              <a:rPr lang="de-DE" dirty="0">
-                <a:sym typeface="Wingdings" panose="05000000000000000000" pitchFamily="2" charset="2"/>
-              </a:rPr>
-              <a:t>Help </a:t>
-            </a:r>
-            <a:r>
-              <a:rPr lang="de-DE" dirty="0" err="1">
-                <a:sym typeface="Wingdings" panose="05000000000000000000" pitchFamily="2" charset="2"/>
-              </a:rPr>
-              <a:t>visually</a:t>
-            </a:r>
-            <a:r>
-              <a:rPr lang="de-DE" dirty="0">
-                <a:sym typeface="Wingdings" panose="05000000000000000000" pitchFamily="2" charset="2"/>
-              </a:rPr>
-              <a:t> </a:t>
-            </a:r>
-            <a:r>
-              <a:rPr lang="de-DE" dirty="0" err="1">
-                <a:sym typeface="Wingdings" panose="05000000000000000000" pitchFamily="2" charset="2"/>
-              </a:rPr>
-              <a:t>impaired</a:t>
-            </a:r>
-            <a:r>
-              <a:rPr lang="de-DE" dirty="0">
-                <a:sym typeface="Wingdings" panose="05000000000000000000" pitchFamily="2" charset="2"/>
-              </a:rPr>
-              <a:t> </a:t>
-            </a:r>
-            <a:r>
-              <a:rPr lang="de-DE" dirty="0" err="1">
-                <a:sym typeface="Wingdings" panose="05000000000000000000" pitchFamily="2" charset="2"/>
-              </a:rPr>
-              <a:t>or</a:t>
-            </a:r>
-            <a:r>
-              <a:rPr lang="de-DE" dirty="0">
-                <a:sym typeface="Wingdings" panose="05000000000000000000" pitchFamily="2" charset="2"/>
-              </a:rPr>
-              <a:t> blind </a:t>
-            </a:r>
-            <a:r>
-              <a:rPr lang="de-DE" dirty="0" err="1">
-                <a:sym typeface="Wingdings" panose="05000000000000000000" pitchFamily="2" charset="2"/>
-              </a:rPr>
-              <a:t>people</a:t>
-            </a:r>
-            <a:endParaRPr lang="en-US" dirty="0"/>
-          </a:p>
-          <a:p>
+              <a:t>The authors expect that better prediction of Mel-cepstral coefficients by the DNN-based systems contributed to the preference.</a:t>
+            </a:r>
             <a:endParaRPr lang="en-US" dirty="0"/>
           </a:p>
         </p:txBody>
@@ -14915,7 +15286,7 @@
               <a:pPr>
                 <a:defRPr/>
               </a:pPr>
-              <a:t>14</a:t>
+              <a:t>13</a:t>
             </a:fld>
             <a:endParaRPr lang="en-GB"/>
           </a:p>
@@ -14924,7 +15295,7 @@
     </p:spTree>
     <p:extLst>
       <p:ext uri="{BB962C8B-B14F-4D97-AF65-F5344CB8AC3E}">
-        <p14:creationId xmlns:p14="http://schemas.microsoft.com/office/powerpoint/2010/main" val="17025348"/>
+        <p14:creationId xmlns:p14="http://schemas.microsoft.com/office/powerpoint/2010/main" val="373799104"/>
       </p:ext>
     </p:extLst>
   </p:cSld>
@@ -14978,252 +15349,115 @@
           <a:bodyPr/>
           <a:lstStyle/>
           <a:p>
-            <a:pPr marL="0" marR="0" lvl="0" indent="0" algn="l" defTabSz="914400" rtl="0" eaLnBrk="1" fontAlgn="base" latinLnBrk="0" hangingPunct="1">
-              <a:lnSpc>
-                <a:spcPct val="100000"/>
-              </a:lnSpc>
-              <a:spcBef>
-                <a:spcPct val="30000"/>
-              </a:spcBef>
-              <a:spcAft>
-                <a:spcPct val="0"/>
-              </a:spcAft>
-              <a:buClrTx/>
-              <a:buSzTx/>
-              <a:buFontTx/>
-              <a:buNone/>
-              <a:tabLst/>
-              <a:defRPr/>
+            <a:pPr marL="285750" indent="-285750">
+              <a:buFont typeface="Arial" panose="020B0604020202020204" pitchFamily="34" charset="0"/>
+              <a:buChar char="•"/>
             </a:pPr>
             <a:r>
-              <a:rPr lang="en-US" sz="1200" b="1" i="0" u="none" strike="noStrike" kern="1200" baseline="0" dirty="0">
-                <a:solidFill>
-                  <a:schemeClr val="tx1"/>
-                </a:solidFill>
-                <a:latin typeface="Arial" pitchFamily="34" charset="0"/>
-                <a:ea typeface="+mn-ea"/>
-                <a:cs typeface="Arial" pitchFamily="34" charset="0"/>
-              </a:rPr>
-              <a:t>Syllabification</a:t>
-            </a:r>
-            <a:r>
-              <a:rPr lang="en-US" sz="1200" b="0" i="0" u="none" strike="noStrike" kern="1200" baseline="0" dirty="0">
-                <a:solidFill>
-                  <a:schemeClr val="tx1"/>
-                </a:solidFill>
-                <a:latin typeface="Arial" pitchFamily="34" charset="0"/>
-                <a:ea typeface="+mn-ea"/>
-                <a:cs typeface="Arial" pitchFamily="34" charset="0"/>
-              </a:rPr>
-              <a:t>: the decomposition of words into their phonological units.</a:t>
-            </a:r>
-          </a:p>
-          <a:p>
-            <a:endParaRPr lang="de-DE" dirty="0"/>
-          </a:p>
-          <a:p>
-            <a:r>
-              <a:rPr lang="en-US" sz="1200" b="1" i="0" u="none" strike="noStrike" kern="1200" baseline="0" dirty="0">
-                <a:solidFill>
-                  <a:schemeClr val="tx1"/>
-                </a:solidFill>
-                <a:latin typeface="Arial" pitchFamily="34" charset="0"/>
-                <a:ea typeface="+mn-ea"/>
-                <a:cs typeface="Arial" pitchFamily="34" charset="0"/>
-              </a:rPr>
-              <a:t>Phonetic transcription</a:t>
-            </a:r>
-            <a:r>
-              <a:rPr lang="en-US" sz="1200" b="0" i="0" u="none" strike="noStrike" kern="1200" baseline="0" dirty="0">
-                <a:solidFill>
-                  <a:schemeClr val="tx1"/>
-                </a:solidFill>
-                <a:latin typeface="Arial" pitchFamily="34" charset="0"/>
-                <a:ea typeface="+mn-ea"/>
-                <a:cs typeface="Arial" pitchFamily="34" charset="0"/>
-              </a:rPr>
-              <a:t>: the process of “translation” from letters to phonemes (also known as letter-to-sound or grapheme-to-phoneme translation)</a:t>
-            </a:r>
-            <a:endParaRPr lang="de-DE" sz="1200" b="0" i="0" u="none" strike="noStrike" kern="1200" baseline="0" dirty="0">
-              <a:solidFill>
-                <a:schemeClr val="tx1"/>
-              </a:solidFill>
-              <a:latin typeface="Arial" pitchFamily="34" charset="0"/>
-              <a:ea typeface="+mn-ea"/>
-              <a:cs typeface="Arial" pitchFamily="34" charset="0"/>
-            </a:endParaRPr>
-          </a:p>
-          <a:p>
-            <a:endParaRPr lang="en-US" sz="1200" b="0" i="0" u="none" strike="noStrike" kern="1200" baseline="0" dirty="0">
-              <a:solidFill>
-                <a:schemeClr val="tx1"/>
-              </a:solidFill>
-              <a:latin typeface="Arial" pitchFamily="34" charset="0"/>
-              <a:ea typeface="+mn-ea"/>
-              <a:cs typeface="Arial" pitchFamily="34" charset="0"/>
-            </a:endParaRPr>
-          </a:p>
-          <a:p>
-            <a:r>
-              <a:rPr lang="en-US" sz="1200" b="1" i="0" u="none" strike="noStrike" kern="1200" baseline="0" dirty="0">
-                <a:solidFill>
-                  <a:schemeClr val="tx1"/>
-                </a:solidFill>
-                <a:latin typeface="Arial" pitchFamily="34" charset="0"/>
-                <a:ea typeface="+mn-ea"/>
-                <a:cs typeface="Arial" pitchFamily="34" charset="0"/>
-              </a:rPr>
-              <a:t>Part-of-speech (POS) tagging </a:t>
-            </a:r>
-            <a:r>
-              <a:rPr lang="en-US" sz="1200" b="0" i="0" u="none" strike="noStrike" kern="1200" baseline="0" dirty="0">
-                <a:solidFill>
-                  <a:schemeClr val="tx1"/>
-                </a:solidFill>
-                <a:latin typeface="Arial" pitchFamily="34" charset="0"/>
-                <a:ea typeface="+mn-ea"/>
-                <a:cs typeface="Arial" pitchFamily="34" charset="0"/>
-              </a:rPr>
-              <a:t>is the process of assigning each word in a sentence its uniquely interpretable tag - its part of speech. </a:t>
-            </a:r>
-          </a:p>
-          <a:p>
-            <a:r>
-              <a:rPr lang="en-US" sz="1200" b="0" i="0" u="none" strike="noStrike" kern="1200" baseline="0" dirty="0">
-                <a:solidFill>
-                  <a:schemeClr val="tx1"/>
-                </a:solidFill>
-                <a:latin typeface="Arial" pitchFamily="34" charset="0"/>
-                <a:ea typeface="+mn-ea"/>
-                <a:cs typeface="Arial" pitchFamily="34" charset="0"/>
+              <a:rPr lang="en-US" dirty="0"/>
+              <a:t>2.1 billion smartphone users worldwide in 2016</a:t>
+            </a:r>
+          </a:p>
+          <a:p>
+            <a:pPr marL="285750" indent="-285750">
+              <a:buFont typeface="Arial" panose="020B0604020202020204" pitchFamily="34" charset="0"/>
+              <a:buChar char="•"/>
+            </a:pPr>
+            <a:r>
+              <a:rPr lang="en-US" dirty="0"/>
+              <a:t>in 2016 about 1.5 billion new smartphones were sold</a:t>
+            </a:r>
+          </a:p>
+          <a:p>
+            <a:pPr marL="285750" indent="-285750">
+              <a:buFont typeface="Wingdings" panose="05000000000000000000" pitchFamily="2" charset="2"/>
+              <a:buChar char="à"/>
+            </a:pPr>
+            <a:r>
+              <a:rPr lang="en-US" dirty="0">
                 <a:sym typeface="Wingdings" panose="05000000000000000000" pitchFamily="2" charset="2"/>
               </a:rPr>
-              <a:t> </a:t>
-            </a:r>
-            <a:r>
-              <a:rPr lang="en-US" sz="1200" b="0" i="0" u="none" strike="noStrike" kern="1200" baseline="0" dirty="0">
-                <a:solidFill>
-                  <a:schemeClr val="tx1"/>
-                </a:solidFill>
-                <a:latin typeface="Arial" pitchFamily="34" charset="0"/>
-                <a:ea typeface="+mn-ea"/>
-                <a:cs typeface="Arial" pitchFamily="34" charset="0"/>
-              </a:rPr>
-              <a:t>choose the correct pronunciation for a homophone word</a:t>
-            </a:r>
-          </a:p>
-          <a:p>
-            <a:endParaRPr lang="de-DE" sz="1200" b="0" i="0" u="none" strike="noStrike" kern="1200" baseline="0" dirty="0">
-              <a:solidFill>
-                <a:schemeClr val="tx1"/>
-              </a:solidFill>
-              <a:latin typeface="Arial" pitchFamily="34" charset="0"/>
-              <a:ea typeface="+mn-ea"/>
-              <a:cs typeface="Arial" pitchFamily="34" charset="0"/>
-            </a:endParaRPr>
-          </a:p>
-          <a:p>
-            <a:pPr marL="0" marR="0" lvl="0" indent="0" algn="l" defTabSz="914400" rtl="0" eaLnBrk="1" fontAlgn="base" latinLnBrk="0" hangingPunct="1">
-              <a:lnSpc>
-                <a:spcPct val="100000"/>
-              </a:lnSpc>
-              <a:spcBef>
-                <a:spcPct val="30000"/>
-              </a:spcBef>
-              <a:spcAft>
-                <a:spcPct val="0"/>
-              </a:spcAft>
-              <a:buClrTx/>
-              <a:buSzTx/>
-              <a:buFontTx/>
-              <a:buNone/>
-              <a:tabLst/>
-              <a:defRPr/>
+              <a:t>Speech as extension</a:t>
+            </a:r>
+          </a:p>
+          <a:p>
+            <a:pPr marL="285750" indent="-285750">
+              <a:buFont typeface="Wingdings" panose="05000000000000000000" pitchFamily="2" charset="2"/>
+              <a:buChar char="à"/>
             </a:pPr>
             <a:r>
-              <a:rPr lang="en-US" sz="1200" b="1" i="0" u="none" strike="noStrike" kern="1200" baseline="0" dirty="0">
-                <a:solidFill>
-                  <a:schemeClr val="tx1"/>
-                </a:solidFill>
-                <a:latin typeface="Arial" pitchFamily="34" charset="0"/>
-                <a:ea typeface="+mn-ea"/>
-                <a:cs typeface="Arial" pitchFamily="34" charset="0"/>
-              </a:rPr>
-              <a:t>Lexical stress prediction</a:t>
-            </a:r>
-            <a:r>
-              <a:rPr lang="en-US" sz="1200" b="0" i="0" u="none" strike="noStrike" kern="1200" baseline="0" dirty="0">
-                <a:solidFill>
-                  <a:schemeClr val="tx1"/>
-                </a:solidFill>
-                <a:latin typeface="Arial" pitchFamily="34" charset="0"/>
-                <a:ea typeface="+mn-ea"/>
-                <a:cs typeface="Arial" pitchFamily="34" charset="0"/>
-              </a:rPr>
-              <a:t>: Certain syllables inside a word have a higher prominence compared to its neighboring syllables, giving the word a specific sound. </a:t>
-            </a:r>
-          </a:p>
-          <a:p>
-            <a:pPr marL="0" marR="0" lvl="0" indent="0" algn="l" defTabSz="914400" rtl="0" eaLnBrk="1" fontAlgn="base" latinLnBrk="0" hangingPunct="1">
-              <a:lnSpc>
-                <a:spcPct val="100000"/>
-              </a:lnSpc>
-              <a:spcBef>
-                <a:spcPct val="30000"/>
-              </a:spcBef>
-              <a:spcAft>
-                <a:spcPct val="0"/>
-              </a:spcAft>
-              <a:buClrTx/>
-              <a:buSzTx/>
-              <a:buFontTx/>
-              <a:buNone/>
-              <a:tabLst/>
-              <a:defRPr/>
-            </a:pPr>
-            <a:r>
-              <a:rPr lang="en-US" sz="1200" b="0" i="0" u="none" strike="noStrike" kern="1200" baseline="0" dirty="0">
-                <a:solidFill>
-                  <a:schemeClr val="tx1"/>
-                </a:solidFill>
-                <a:latin typeface="Arial" pitchFamily="34" charset="0"/>
-                <a:ea typeface="+mn-ea"/>
-                <a:cs typeface="Arial" pitchFamily="34" charset="0"/>
+              <a:rPr lang="de-DE" dirty="0">
                 <a:sym typeface="Wingdings" panose="05000000000000000000" pitchFamily="2" charset="2"/>
               </a:rPr>
-              <a:t> </a:t>
-            </a:r>
-            <a:r>
-              <a:rPr lang="en-US" sz="1200" b="0" i="0" u="none" strike="noStrike" kern="1200" baseline="0" dirty="0">
-                <a:solidFill>
-                  <a:schemeClr val="tx1"/>
-                </a:solidFill>
-                <a:latin typeface="Arial" pitchFamily="34" charset="0"/>
-                <a:ea typeface="+mn-ea"/>
-                <a:cs typeface="Arial" pitchFamily="34" charset="0"/>
+              <a:t>S</a:t>
+            </a:r>
+            <a:r>
+              <a:rPr lang="en-US" dirty="0" err="1">
+                <a:sym typeface="Wingdings" panose="05000000000000000000" pitchFamily="2" charset="2"/>
               </a:rPr>
-              <a:t>choose the correct pronunciation for a homophone word</a:t>
-            </a:r>
-          </a:p>
-          <a:p>
-            <a:endParaRPr lang="de-DE" sz="1200" b="0" i="0" u="none" strike="noStrike" kern="1200" baseline="0" dirty="0">
-              <a:solidFill>
-                <a:schemeClr val="tx1"/>
-              </a:solidFill>
-              <a:latin typeface="Arial" pitchFamily="34" charset="0"/>
-              <a:ea typeface="+mn-ea"/>
-              <a:cs typeface="Arial" pitchFamily="34" charset="0"/>
-            </a:endParaRPr>
-          </a:p>
-          <a:p>
-            <a:endParaRPr lang="en-US" sz="1200" b="0" i="0" u="none" strike="noStrike" kern="1200" baseline="0" dirty="0">
-              <a:solidFill>
-                <a:schemeClr val="tx1"/>
-              </a:solidFill>
-              <a:latin typeface="Arial" pitchFamily="34" charset="0"/>
-              <a:ea typeface="+mn-ea"/>
-              <a:cs typeface="Arial" pitchFamily="34" charset="0"/>
-            </a:endParaRPr>
+              <a:t>peech</a:t>
+            </a:r>
+            <a:r>
+              <a:rPr lang="en-US" dirty="0">
+                <a:sym typeface="Wingdings" panose="05000000000000000000" pitchFamily="2" charset="2"/>
+              </a:rPr>
+              <a:t> as main output</a:t>
+            </a:r>
+          </a:p>
+          <a:p>
+            <a:pPr marL="285750" indent="-285750">
+              <a:buFont typeface="Wingdings" panose="05000000000000000000" pitchFamily="2" charset="2"/>
+              <a:buChar char="à"/>
+            </a:pPr>
+            <a:r>
+              <a:rPr lang="de-DE" dirty="0">
+                <a:sym typeface="Wingdings" panose="05000000000000000000" pitchFamily="2" charset="2"/>
+              </a:rPr>
+              <a:t>Help </a:t>
+            </a:r>
+            <a:r>
+              <a:rPr lang="de-DE" dirty="0" err="1">
+                <a:sym typeface="Wingdings" panose="05000000000000000000" pitchFamily="2" charset="2"/>
+              </a:rPr>
+              <a:t>visually</a:t>
+            </a:r>
+            <a:r>
+              <a:rPr lang="de-DE" dirty="0">
+                <a:sym typeface="Wingdings" panose="05000000000000000000" pitchFamily="2" charset="2"/>
+              </a:rPr>
+              <a:t> </a:t>
+            </a:r>
+            <a:r>
+              <a:rPr lang="de-DE" dirty="0" err="1">
+                <a:sym typeface="Wingdings" panose="05000000000000000000" pitchFamily="2" charset="2"/>
+              </a:rPr>
+              <a:t>impaired</a:t>
+            </a:r>
+            <a:r>
+              <a:rPr lang="de-DE" dirty="0">
+                <a:sym typeface="Wingdings" panose="05000000000000000000" pitchFamily="2" charset="2"/>
+              </a:rPr>
+              <a:t> </a:t>
+            </a:r>
+            <a:r>
+              <a:rPr lang="de-DE" dirty="0" err="1">
+                <a:sym typeface="Wingdings" panose="05000000000000000000" pitchFamily="2" charset="2"/>
+              </a:rPr>
+              <a:t>or</a:t>
+            </a:r>
+            <a:r>
+              <a:rPr lang="de-DE" dirty="0">
+                <a:sym typeface="Wingdings" panose="05000000000000000000" pitchFamily="2" charset="2"/>
+              </a:rPr>
+              <a:t> blind </a:t>
+            </a:r>
+            <a:r>
+              <a:rPr lang="de-DE" dirty="0" err="1">
+                <a:sym typeface="Wingdings" panose="05000000000000000000" pitchFamily="2" charset="2"/>
+              </a:rPr>
+              <a:t>people</a:t>
+            </a:r>
+            <a:endParaRPr lang="en-US" dirty="0"/>
           </a:p>
           <a:p>
             <a:endParaRPr lang="en-US" dirty="0"/>
@@ -15262,7 +15496,7 @@
     </p:spTree>
     <p:extLst>
       <p:ext uri="{BB962C8B-B14F-4D97-AF65-F5344CB8AC3E}">
-        <p14:creationId xmlns:p14="http://schemas.microsoft.com/office/powerpoint/2010/main" val="1801823156"/>
+        <p14:creationId xmlns:p14="http://schemas.microsoft.com/office/powerpoint/2010/main" val="17025348"/>
       </p:ext>
     </p:extLst>
   </p:cSld>
@@ -23125,6 +23359,55 @@
           <a:effectLst/>
         </p:spPr>
       </p:pic>
+      <p:sp>
+        <p:nvSpPr>
+          <p:cNvPr id="4" name="Textfeld 3">
+            <a:extLst>
+              <a:ext uri="{FF2B5EF4-FFF2-40B4-BE49-F238E27FC236}">
+                <a16:creationId xmlns:a16="http://schemas.microsoft.com/office/drawing/2014/main" id="{B04329CF-368A-4EA3-95F1-D49FC06F7574}"/>
+              </a:ext>
+            </a:extLst>
+          </p:cNvPr>
+          <p:cNvSpPr txBox="1"/>
+          <p:nvPr/>
+        </p:nvSpPr>
+        <p:spPr>
+          <a:xfrm>
+            <a:off x="2795262" y="5199864"/>
+            <a:ext cx="3349318" cy="140359"/>
+          </a:xfrm>
+          <a:prstGeom prst="rect">
+            <a:avLst/>
+          </a:prstGeom>
+          <a:noFill/>
+        </p:spPr>
+        <p:txBody>
+          <a:bodyPr wrap="square" lIns="0" tIns="0" rIns="0" bIns="0" rtlCol="0">
+            <a:spAutoFit/>
+          </a:bodyPr>
+          <a:lstStyle/>
+          <a:p>
+            <a:pPr algn="ctr">
+              <a:lnSpc>
+                <a:spcPct val="114000"/>
+              </a:lnSpc>
+            </a:pPr>
+            <a:r>
+              <a:rPr lang="de-DE" sz="800" dirty="0">
+                <a:latin typeface="+mn-lt"/>
+              </a:rPr>
+              <a:t>Source: </a:t>
+            </a:r>
+            <a:r>
+              <a:rPr lang="de-DE" sz="800" dirty="0"/>
+              <a:t>https://lingojam.com/StephenHawkingVoiceGenerator</a:t>
+            </a:r>
+            <a:endParaRPr lang="en-US" sz="800" dirty="0">
+              <a:latin typeface="+mn-lt"/>
+            </a:endParaRPr>
+          </a:p>
+        </p:txBody>
+      </p:sp>
     </p:spTree>
     <p:extLst>
       <p:ext uri="{BB962C8B-B14F-4D97-AF65-F5344CB8AC3E}">
@@ -23271,6 +23554,292 @@
           <p:cNvPr id="3" name="Foliennummernplatzhalter 2">
             <a:extLst>
               <a:ext uri="{FF2B5EF4-FFF2-40B4-BE49-F238E27FC236}">
+                <a16:creationId xmlns:a16="http://schemas.microsoft.com/office/drawing/2014/main" id="{897BBC7A-4199-4751-AFCA-982BC610F8F7}"/>
+              </a:ext>
+            </a:extLst>
+          </p:cNvPr>
+          <p:cNvSpPr>
+            <a:spLocks noGrp="1"/>
+          </p:cNvSpPr>
+          <p:nvPr>
+            <p:ph type="sldNum" sz="quarter" idx="11"/>
+          </p:nvPr>
+        </p:nvSpPr>
+        <p:spPr/>
+        <p:txBody>
+          <a:bodyPr/>
+          <a:lstStyle/>
+          <a:p>
+            <a:fld id="{CE58CB1E-F828-4F11-99E0-327109AF9DA4}" type="slidenum">
+              <a:rPr lang="de-DE" smtClean="0"/>
+              <a:pPr/>
+              <a:t>10</a:t>
+            </a:fld>
+            <a:endParaRPr lang="de-DE" dirty="0"/>
+          </a:p>
+        </p:txBody>
+      </p:sp>
+      <p:sp>
+        <p:nvSpPr>
+          <p:cNvPr id="4" name="Titel 3">
+            <a:extLst>
+              <a:ext uri="{FF2B5EF4-FFF2-40B4-BE49-F238E27FC236}">
+                <a16:creationId xmlns:a16="http://schemas.microsoft.com/office/drawing/2014/main" id="{50AB3C6E-C921-46F4-9312-5B49DC3AD52E}"/>
+              </a:ext>
+            </a:extLst>
+          </p:cNvPr>
+          <p:cNvSpPr>
+            <a:spLocks noGrp="1"/>
+          </p:cNvSpPr>
+          <p:nvPr>
+            <p:ph type="title"/>
+          </p:nvPr>
+        </p:nvSpPr>
+        <p:spPr/>
+        <p:txBody>
+          <a:bodyPr/>
+          <a:lstStyle/>
+          <a:p>
+            <a:r>
+              <a:rPr lang="en-US" dirty="0"/>
+              <a:t>Demonstration of HMM-based speech synthesis</a:t>
+            </a:r>
+          </a:p>
+        </p:txBody>
+      </p:sp>
+      <p:pic>
+        <p:nvPicPr>
+          <p:cNvPr id="9" name="hmm-demo-02b">
+            <a:hlinkClick r:id="" action="ppaction://media"/>
+            <a:extLst>
+              <a:ext uri="{FF2B5EF4-FFF2-40B4-BE49-F238E27FC236}">
+                <a16:creationId xmlns:a16="http://schemas.microsoft.com/office/drawing/2014/main" id="{99C39F01-5875-4A27-B4F5-AB4C58DAE957}"/>
+              </a:ext>
+            </a:extLst>
+          </p:cNvPr>
+          <p:cNvPicPr>
+            <a:picLocks noChangeAspect="1"/>
+          </p:cNvPicPr>
+          <p:nvPr>
+            <a:audioFile r:link="rId2"/>
+            <p:extLst>
+              <p:ext uri="{DAA4B4D4-6D71-4841-9C94-3DE7FCFB9230}">
+                <p14:media xmlns:p14="http://schemas.microsoft.com/office/powerpoint/2010/main" r:embed="rId1"/>
+              </p:ext>
+            </p:extLst>
+          </p:nvPr>
+        </p:nvPicPr>
+        <p:blipFill>
+          <a:blip r:embed="rId4"/>
+          <a:stretch>
+            <a:fillRect/>
+          </a:stretch>
+        </p:blipFill>
+        <p:spPr>
+          <a:xfrm>
+            <a:off x="3411000" y="2743954"/>
+            <a:ext cx="2322000" cy="2322000"/>
+          </a:xfrm>
+          <a:prstGeom prst="rect">
+            <a:avLst/>
+          </a:prstGeom>
+        </p:spPr>
+      </p:pic>
+      <p:sp>
+        <p:nvSpPr>
+          <p:cNvPr id="10" name="Textfeld 9">
+            <a:extLst>
+              <a:ext uri="{FF2B5EF4-FFF2-40B4-BE49-F238E27FC236}">
+                <a16:creationId xmlns:a16="http://schemas.microsoft.com/office/drawing/2014/main" id="{63841B31-EC75-4AA1-AC51-3ED630CF3C3D}"/>
+              </a:ext>
+            </a:extLst>
+          </p:cNvPr>
+          <p:cNvSpPr txBox="1"/>
+          <p:nvPr/>
+        </p:nvSpPr>
+        <p:spPr>
+          <a:xfrm>
+            <a:off x="2795262" y="5362826"/>
+            <a:ext cx="3349318" cy="140359"/>
+          </a:xfrm>
+          <a:prstGeom prst="rect">
+            <a:avLst/>
+          </a:prstGeom>
+          <a:noFill/>
+        </p:spPr>
+        <p:txBody>
+          <a:bodyPr wrap="square" lIns="0" tIns="0" rIns="0" bIns="0" rtlCol="0">
+            <a:spAutoFit/>
+          </a:bodyPr>
+          <a:lstStyle/>
+          <a:p>
+            <a:pPr algn="ctr">
+              <a:lnSpc>
+                <a:spcPct val="114000"/>
+              </a:lnSpc>
+            </a:pPr>
+            <a:r>
+              <a:rPr lang="de-DE" sz="800" dirty="0">
+                <a:latin typeface="+mn-lt"/>
+              </a:rPr>
+              <a:t>Source: </a:t>
+            </a:r>
+            <a:r>
+              <a:rPr lang="de-DE" sz="800" dirty="0"/>
+              <a:t>http://flite-hts-engine.sp.nitech.ac.jp/index.php</a:t>
+            </a:r>
+            <a:endParaRPr lang="en-US" sz="800" dirty="0">
+              <a:latin typeface="+mn-lt"/>
+            </a:endParaRPr>
+          </a:p>
+        </p:txBody>
+      </p:sp>
+    </p:spTree>
+    <p:extLst>
+      <p:ext uri="{BB962C8B-B14F-4D97-AF65-F5344CB8AC3E}">
+        <p14:creationId xmlns:p14="http://schemas.microsoft.com/office/powerpoint/2010/main" val="979947822"/>
+      </p:ext>
+    </p:extLst>
+  </p:cSld>
+  <p:clrMapOvr>
+    <a:masterClrMapping/>
+  </p:clrMapOvr>
+  <p:timing>
+    <p:tnLst>
+      <p:par>
+        <p:cTn id="1" dur="indefinite" restart="never" nodeType="tmRoot">
+          <p:childTnLst>
+            <p:seq concurrent="1" nextAc="seek">
+              <p:cTn id="2" dur="indefinite" nodeType="mainSeq">
+                <p:childTnLst>
+                  <p:par>
+                    <p:cTn id="3" fill="hold">
+                      <p:stCondLst>
+                        <p:cond delay="indefinite"/>
+                      </p:stCondLst>
+                      <p:childTnLst>
+                        <p:par>
+                          <p:cTn id="4" fill="hold">
+                            <p:stCondLst>
+                              <p:cond delay="0"/>
+                            </p:stCondLst>
+                            <p:childTnLst>
+                              <p:par>
+                                <p:cTn id="5" presetID="1" presetClass="entr" presetSubtype="0" fill="hold" nodeType="clickEffect">
+                                  <p:stCondLst>
+                                    <p:cond delay="0"/>
+                                  </p:stCondLst>
+                                  <p:childTnLst>
+                                    <p:set>
+                                      <p:cBhvr>
+                                        <p:cTn id="6" dur="1" fill="hold">
+                                          <p:stCondLst>
+                                            <p:cond delay="0"/>
+                                          </p:stCondLst>
+                                        </p:cTn>
+                                        <p:tgtEl>
+                                          <p:spTgt spid="9"/>
+                                        </p:tgtEl>
+                                        <p:attrNameLst>
+                                          <p:attrName>style.visibility</p:attrName>
+                                        </p:attrNameLst>
+                                      </p:cBhvr>
+                                      <p:to>
+                                        <p:strVal val="visible"/>
+                                      </p:to>
+                                    </p:set>
+                                  </p:childTnLst>
+                                </p:cTn>
+                              </p:par>
+                              <p:par>
+                                <p:cTn id="7" presetID="1" presetClass="mediacall" presetSubtype="0" fill="hold" nodeType="withEffect">
+                                  <p:stCondLst>
+                                    <p:cond delay="0"/>
+                                  </p:stCondLst>
+                                  <p:childTnLst>
+                                    <p:cmd type="call" cmd="playFrom(0.0)">
+                                      <p:cBhvr>
+                                        <p:cTn id="8" dur="5035" fill="hold"/>
+                                        <p:tgtEl>
+                                          <p:spTgt spid="9"/>
+                                        </p:tgtEl>
+                                      </p:cBhvr>
+                                    </p:cmd>
+                                  </p:childTnLst>
+                                </p:cTn>
+                              </p:par>
+                            </p:childTnLst>
+                          </p:cTn>
+                        </p:par>
+                      </p:childTnLst>
+                    </p:cTn>
+                  </p:par>
+                </p:childTnLst>
+              </p:cTn>
+              <p:prevCondLst>
+                <p:cond evt="onPrev" delay="0">
+                  <p:tgtEl>
+                    <p:sldTgt/>
+                  </p:tgtEl>
+                </p:cond>
+              </p:prevCondLst>
+              <p:nextCondLst>
+                <p:cond evt="onNext" delay="0">
+                  <p:tgtEl>
+                    <p:sldTgt/>
+                  </p:tgtEl>
+                </p:cond>
+              </p:nextCondLst>
+            </p:seq>
+            <p:audio>
+              <p:cMediaNode vol="80000">
+                <p:cTn id="9" fill="hold" display="0">
+                  <p:stCondLst>
+                    <p:cond delay="indefinite"/>
+                  </p:stCondLst>
+                  <p:endCondLst>
+                    <p:cond evt="onStopAudio" delay="0">
+                      <p:tgtEl>
+                        <p:sldTgt/>
+                      </p:tgtEl>
+                    </p:cond>
+                  </p:endCondLst>
+                </p:cTn>
+                <p:tgtEl>
+                  <p:spTgt spid="9"/>
+                </p:tgtEl>
+              </p:cMediaNode>
+            </p:audio>
+          </p:childTnLst>
+        </p:cTn>
+      </p:par>
+    </p:tnLst>
+  </p:timing>
+</p:sld>
+</file>
+
+<file path=ppt/slides/slide11.xml><?xml version="1.0" encoding="utf-8"?>
+<p:sld xmlns:a="http://schemas.openxmlformats.org/drawingml/2006/main" xmlns:r="http://schemas.openxmlformats.org/officeDocument/2006/relationships" xmlns:p="http://schemas.openxmlformats.org/presentationml/2006/main">
+  <p:cSld>
+    <p:spTree>
+      <p:nvGrpSpPr>
+        <p:cNvPr id="1" name=""/>
+        <p:cNvGrpSpPr/>
+        <p:nvPr/>
+      </p:nvGrpSpPr>
+      <p:grpSpPr>
+        <a:xfrm>
+          <a:off x="0" y="0"/>
+          <a:ext cx="0" cy="0"/>
+          <a:chOff x="0" y="0"/>
+          <a:chExt cx="0" cy="0"/>
+        </a:xfrm>
+      </p:grpSpPr>
+      <p:sp>
+        <p:nvSpPr>
+          <p:cNvPr id="3" name="Foliennummernplatzhalter 2">
+            <a:extLst>
+              <a:ext uri="{FF2B5EF4-FFF2-40B4-BE49-F238E27FC236}">
                 <a16:creationId xmlns:a16="http://schemas.microsoft.com/office/drawing/2014/main" id="{1365DE39-A1A7-40D2-AE79-CC14FF2E3805}"/>
               </a:ext>
             </a:extLst>
@@ -23290,7 +23859,7 @@
             <a:fld id="{CE58CB1E-F828-4F11-99E0-327109AF9DA4}" type="slidenum">
               <a:rPr lang="de-DE" smtClean="0"/>
               <a:pPr/>
-              <a:t>10</a:t>
+              <a:t>11</a:t>
             </a:fld>
             <a:endParaRPr lang="de-DE" dirty="0"/>
           </a:p>
@@ -23778,7 +24347,7 @@
 </p:sld>
 </file>
 
-<file path=ppt/slides/slide11.xml><?xml version="1.0" encoding="utf-8"?>
+<file path=ppt/slides/slide12.xml><?xml version="1.0" encoding="utf-8"?>
 <p:sld xmlns:a="http://schemas.openxmlformats.org/drawingml/2006/main" xmlns:r="http://schemas.openxmlformats.org/officeDocument/2006/relationships" xmlns:p="http://schemas.openxmlformats.org/presentationml/2006/main">
   <p:cSld>
     <p:spTree>
@@ -23819,7 +24388,7 @@
             <a:fld id="{CE58CB1E-F828-4F11-99E0-327109AF9DA4}" type="slidenum">
               <a:rPr lang="de-DE" smtClean="0"/>
               <a:pPr/>
-              <a:t>11</a:t>
+              <a:t>12</a:t>
             </a:fld>
             <a:endParaRPr lang="de-DE" dirty="0"/>
           </a:p>
@@ -24722,7 +25291,7 @@
 </p:sld>
 </file>
 
-<file path=ppt/slides/slide12.xml><?xml version="1.0" encoding="utf-8"?>
+<file path=ppt/slides/slide13.xml><?xml version="1.0" encoding="utf-8"?>
 <p:sld xmlns:a="http://schemas.openxmlformats.org/drawingml/2006/main" xmlns:r="http://schemas.openxmlformats.org/officeDocument/2006/relationships" xmlns:p="http://schemas.openxmlformats.org/presentationml/2006/main">
   <p:cSld>
     <p:spTree>
@@ -24763,7 +25332,7 @@
             <a:fld id="{CE58CB1E-F828-4F11-99E0-327109AF9DA4}" type="slidenum">
               <a:rPr lang="de-DE" smtClean="0"/>
               <a:pPr/>
-              <a:t>12</a:t>
+              <a:t>13</a:t>
             </a:fld>
             <a:endParaRPr lang="de-DE" dirty="0"/>
           </a:p>
@@ -24995,69 +25564,6 @@
           </a:p>
         </p:txBody>
       </p:sp>
-      <p:sp>
-        <p:nvSpPr>
-          <p:cNvPr id="7" name="Textfeld 6">
-            <a:extLst>
-              <a:ext uri="{FF2B5EF4-FFF2-40B4-BE49-F238E27FC236}">
-                <a16:creationId xmlns:a16="http://schemas.microsoft.com/office/drawing/2014/main" id="{121CD71C-36ED-41B3-A518-02A6C7E87746}"/>
-              </a:ext>
-            </a:extLst>
-          </p:cNvPr>
-          <p:cNvSpPr txBox="1"/>
-          <p:nvPr/>
-        </p:nvSpPr>
-        <p:spPr>
-          <a:xfrm>
-            <a:off x="5723662" y="3915720"/>
-            <a:ext cx="1783117" cy="210507"/>
-          </a:xfrm>
-          <a:prstGeom prst="rect">
-            <a:avLst/>
-          </a:prstGeom>
-          <a:noFill/>
-        </p:spPr>
-        <p:txBody>
-          <a:bodyPr wrap="none" lIns="0" tIns="0" rIns="0" bIns="0" rtlCol="0">
-            <a:spAutoFit/>
-          </a:bodyPr>
-          <a:lstStyle/>
-          <a:p>
-            <a:pPr algn="ctr">
-              <a:lnSpc>
-                <a:spcPct val="114000"/>
-              </a:lnSpc>
-            </a:pPr>
-            <a:r>
-              <a:rPr lang="de-DE" sz="1200" dirty="0">
-                <a:latin typeface="+mn-lt"/>
-              </a:rPr>
-              <a:t>Table 2: </a:t>
-            </a:r>
-            <a:r>
-              <a:rPr lang="de-DE" sz="1200" dirty="0" err="1">
-                <a:latin typeface="+mn-lt"/>
-              </a:rPr>
-              <a:t>Subjective</a:t>
-            </a:r>
-            <a:r>
-              <a:rPr lang="de-DE" sz="1200" dirty="0">
-                <a:latin typeface="+mn-lt"/>
-              </a:rPr>
-              <a:t> </a:t>
-            </a:r>
-            <a:r>
-              <a:rPr lang="de-DE" sz="1200" dirty="0" err="1">
-                <a:latin typeface="+mn-lt"/>
-              </a:rPr>
-              <a:t>scores</a:t>
-            </a:r>
-            <a:endParaRPr lang="en-US" sz="1200" dirty="0" err="1">
-              <a:latin typeface="+mn-lt"/>
-            </a:endParaRPr>
-          </a:p>
-        </p:txBody>
-      </p:sp>
       <p:graphicFrame>
         <p:nvGraphicFramePr>
           <p:cNvPr id="10" name="Tabelle 9">
@@ -25073,14 +25579,14 @@
           <p:nvPr>
             <p:extLst>
               <p:ext uri="{D42A27DB-BD31-4B8C-83A1-F6EECF244321}">
-                <p14:modId xmlns:p14="http://schemas.microsoft.com/office/powerpoint/2010/main" val="1190775371"/>
+                <p14:modId xmlns:p14="http://schemas.microsoft.com/office/powerpoint/2010/main" val="2806156833"/>
               </p:ext>
             </p:extLst>
           </p:nvPr>
         </p:nvGraphicFramePr>
         <p:xfrm>
-          <a:off x="4541519" y="4208206"/>
-          <a:ext cx="4285416" cy="1750191"/>
+          <a:off x="4166647" y="4208206"/>
+          <a:ext cx="4660287" cy="1919406"/>
         </p:xfrm>
         <a:graphic>
           <a:graphicData uri="http://schemas.openxmlformats.org/drawingml/2006/table">
@@ -25089,21 +25595,21 @@
                 <a:tableStyleId>{69012ECD-51FC-41F1-AA8D-1B2483CD663E}</a:tableStyleId>
               </a:tblPr>
               <a:tblGrid>
-                <a:gridCol w="1428472">
+                <a:gridCol w="1404594">
                   <a:extLst>
                     <a:ext uri="{9D8B030D-6E8A-4147-A177-3AD203B41FA5}">
                       <a16:colId xmlns:a16="http://schemas.microsoft.com/office/drawing/2014/main" val="1221610781"/>
                     </a:ext>
                   </a:extLst>
                 </a:gridCol>
-                <a:gridCol w="1428472">
+                <a:gridCol w="2055044">
                   <a:extLst>
                     <a:ext uri="{9D8B030D-6E8A-4147-A177-3AD203B41FA5}">
                       <a16:colId xmlns:a16="http://schemas.microsoft.com/office/drawing/2014/main" val="629480466"/>
                     </a:ext>
                   </a:extLst>
                 </a:gridCol>
-                <a:gridCol w="1428472">
+                <a:gridCol w="1200649">
                   <a:extLst>
                     <a:ext uri="{9D8B030D-6E8A-4147-A177-3AD203B41FA5}">
                       <a16:colId xmlns:a16="http://schemas.microsoft.com/office/drawing/2014/main" val="388423807"/>
@@ -25133,6 +25639,54 @@
                           </a:solidFill>
                         </a:rPr>
                         <a:t>based</a:t>
+                      </a:r>
+                      <a:endParaRPr lang="de-DE" sz="1600" dirty="0">
+                        <a:solidFill>
+                          <a:srgbClr val="DAD7CB"/>
+                        </a:solidFill>
+                      </a:endParaRPr>
+                    </a:p>
+                    <a:p>
+                      <a:pPr algn="ctr"/>
+                      <a:r>
+                        <a:rPr lang="de-DE" sz="1200" dirty="0">
+                          <a:solidFill>
+                            <a:srgbClr val="DAD7CB"/>
+                          </a:solidFill>
+                        </a:rPr>
+                        <a:t>(</a:t>
+                      </a:r>
+                      <a:r>
+                        <a:rPr lang="de-DE" sz="1200" dirty="0" err="1">
+                          <a:solidFill>
+                            <a:srgbClr val="DAD7CB"/>
+                          </a:solidFill>
+                        </a:rPr>
+                        <a:t>scaling</a:t>
+                      </a:r>
+                      <a:r>
+                        <a:rPr lang="de-DE" sz="1200" dirty="0">
+                          <a:solidFill>
+                            <a:srgbClr val="DAD7CB"/>
+                          </a:solidFill>
+                        </a:rPr>
+                        <a:t> </a:t>
+                      </a:r>
+                      <a:r>
+                        <a:rPr lang="de-DE" sz="1200" dirty="0" err="1">
+                          <a:solidFill>
+                            <a:srgbClr val="DAD7CB"/>
+                          </a:solidFill>
+                        </a:rPr>
+                        <a:t>factor</a:t>
+                      </a:r>
+                      <a:r>
+                        <a:rPr lang="de-DE" sz="1200" dirty="0">
+                          <a:solidFill>
+                            <a:srgbClr val="DAD7CB"/>
+                          </a:solidFill>
+                        </a:rPr>
+                        <a:t>)</a:t>
                       </a:r>
                       <a:endParaRPr lang="en-US" sz="1600" dirty="0">
                         <a:solidFill>
@@ -25169,7 +25723,55 @@
                         </a:rPr>
                         <a:t>based</a:t>
                       </a:r>
-                      <a:endParaRPr lang="en-US" sz="1600" dirty="0">
+                      <a:endParaRPr lang="de-DE" sz="1600" dirty="0">
+                        <a:solidFill>
+                          <a:srgbClr val="DAD7CB"/>
+                        </a:solidFill>
+                      </a:endParaRPr>
+                    </a:p>
+                    <a:p>
+                      <a:pPr algn="ctr"/>
+                      <a:r>
+                        <a:rPr lang="de-DE" sz="1200" dirty="0">
+                          <a:solidFill>
+                            <a:srgbClr val="DAD7CB"/>
+                          </a:solidFill>
+                        </a:rPr>
+                        <a:t>(</a:t>
+                      </a:r>
+                      <a:r>
+                        <a:rPr lang="de-DE" sz="1200" dirty="0" err="1">
+                          <a:solidFill>
+                            <a:srgbClr val="DAD7CB"/>
+                          </a:solidFill>
+                        </a:rPr>
+                        <a:t>neurons</a:t>
+                      </a:r>
+                      <a:r>
+                        <a:rPr lang="de-DE" sz="1200" dirty="0">
+                          <a:solidFill>
+                            <a:srgbClr val="DAD7CB"/>
+                          </a:solidFill>
+                        </a:rPr>
+                        <a:t> per </a:t>
+                      </a:r>
+                      <a:r>
+                        <a:rPr lang="de-DE" sz="1200" dirty="0" err="1">
+                          <a:solidFill>
+                            <a:srgbClr val="DAD7CB"/>
+                          </a:solidFill>
+                        </a:rPr>
+                        <a:t>layer</a:t>
+                      </a:r>
+                      <a:r>
+                        <a:rPr lang="de-DE" sz="1200" dirty="0">
+                          <a:solidFill>
+                            <a:srgbClr val="DAD7CB"/>
+                          </a:solidFill>
+                        </a:rPr>
+                        <a:t>)</a:t>
+                      </a:r>
+                      <a:endParaRPr lang="en-US" sz="1400" dirty="0">
                         <a:solidFill>
                           <a:srgbClr val="DAD7CB"/>
                         </a:solidFill>
@@ -25196,6 +25798,9 @@
                         </a:rPr>
                         <a:t>Neutral</a:t>
                       </a:r>
+                    </a:p>
+                    <a:p>
+                      <a:pPr algn="ctr"/>
                       <a:endParaRPr lang="en-US" sz="1600" dirty="0">
                         <a:solidFill>
                           <a:srgbClr val="DAD7CB"/>
@@ -25224,7 +25829,7 @@
                       <a:pPr algn="ctr"/>
                       <a:r>
                         <a:rPr lang="de-DE" sz="1600" dirty="0"/>
-                        <a:t>15.8 %</a:t>
+                        <a:t>15.8 % (16)</a:t>
                       </a:r>
                     </a:p>
                   </a:txBody>
@@ -25238,7 +25843,7 @@
                       <a:pPr algn="ctr"/>
                       <a:r>
                         <a:rPr lang="de-DE" sz="1600" dirty="0"/>
-                        <a:t>38.5 %</a:t>
+                        <a:t>38.5 % (256)</a:t>
                       </a:r>
                       <a:endParaRPr lang="en-US" sz="1600" dirty="0"/>
                     </a:p>
@@ -25274,7 +25879,7 @@
                       <a:pPr algn="ctr"/>
                       <a:r>
                         <a:rPr lang="de-DE" sz="1600" dirty="0"/>
-                        <a:t>16.1 %</a:t>
+                        <a:t>16.1 % (4)</a:t>
                       </a:r>
                       <a:endParaRPr lang="en-US" sz="1600" dirty="0"/>
                     </a:p>
@@ -25289,7 +25894,7 @@
                       <a:pPr algn="ctr"/>
                       <a:r>
                         <a:rPr lang="de-DE" sz="1600" dirty="0"/>
-                        <a:t>27.2 %</a:t>
+                        <a:t>27.2 % (512)</a:t>
                       </a:r>
                       <a:endParaRPr lang="en-US" sz="1600" dirty="0"/>
                     </a:p>
@@ -25326,7 +25931,7 @@
                       <a:pPr algn="ctr"/>
                       <a:r>
                         <a:rPr lang="de-DE" sz="1600" dirty="0"/>
-                        <a:t>12.7 %</a:t>
+                        <a:t>12.7 % (1)</a:t>
                       </a:r>
                       <a:endParaRPr lang="en-US" sz="1600" dirty="0"/>
                     </a:p>
@@ -25341,7 +25946,7 @@
                       <a:pPr algn="ctr"/>
                       <a:r>
                         <a:rPr lang="de-DE" sz="1600" dirty="0"/>
-                        <a:t>36.6 %</a:t>
+                        <a:t>36.6 % (1024)</a:t>
                       </a:r>
                       <a:endParaRPr lang="en-US" sz="1600" dirty="0"/>
                     </a:p>
@@ -25373,50 +25978,134 @@
           </a:graphicData>
         </a:graphic>
       </p:graphicFrame>
-      <p:sp>
-        <p:nvSpPr>
-          <p:cNvPr id="11" name="Textfeld 10">
+      <p:grpSp>
+        <p:nvGrpSpPr>
+          <p:cNvPr id="2" name="Gruppieren 1">
             <a:extLst>
               <a:ext uri="{FF2B5EF4-FFF2-40B4-BE49-F238E27FC236}">
-                <a16:creationId xmlns:a16="http://schemas.microsoft.com/office/drawing/2014/main" id="{8BFF8368-9E18-4EA4-BD65-A1182E0381A2}"/>
+                <a16:creationId xmlns:a16="http://schemas.microsoft.com/office/drawing/2014/main" id="{EC7850E5-2193-4809-A70F-F4F0705BCAAF}"/>
               </a:ext>
             </a:extLst>
           </p:cNvPr>
-          <p:cNvSpPr txBox="1"/>
+          <p:cNvGrpSpPr/>
           <p:nvPr/>
-        </p:nvSpPr>
-        <p:spPr>
+        </p:nvGrpSpPr>
+        <p:grpSpPr>
           <a:xfrm>
-            <a:off x="4541519" y="6040376"/>
-            <a:ext cx="4147405" cy="268984"/>
+            <a:off x="4541519" y="3915720"/>
+            <a:ext cx="4147405" cy="2544470"/>
+            <a:chOff x="4541519" y="3915720"/>
+            <a:chExt cx="4147405" cy="2544470"/>
           </a:xfrm>
-          <a:prstGeom prst="rect">
-            <a:avLst/>
-          </a:prstGeom>
-          <a:noFill/>
-        </p:spPr>
-        <p:txBody>
-          <a:bodyPr wrap="square" lIns="0" tIns="0" rIns="0" bIns="0" rtlCol="0">
-            <a:spAutoFit/>
-          </a:bodyPr>
-          <a:lstStyle/>
-          <a:p>
-            <a:pPr algn="ctr">
-              <a:lnSpc>
-                <a:spcPct val="114000"/>
-              </a:lnSpc>
-            </a:pPr>
-            <a:r>
-              <a:rPr lang="de-DE" sz="800" dirty="0"/>
-              <a:t>Source: Zen et al. (2013) </a:t>
-            </a:r>
-            <a:r>
-              <a:rPr lang="en-US" sz="800" dirty="0"/>
-              <a:t>Statistical parametric speech synthesis using deep neural networks, IEEE International Conference on Acoustics, Speech and Signal Processing</a:t>
-            </a:r>
-          </a:p>
-        </p:txBody>
-      </p:sp>
+        </p:grpSpPr>
+        <p:sp>
+          <p:nvSpPr>
+            <p:cNvPr id="7" name="Textfeld 6">
+              <a:extLst>
+                <a:ext uri="{FF2B5EF4-FFF2-40B4-BE49-F238E27FC236}">
+                  <a16:creationId xmlns:a16="http://schemas.microsoft.com/office/drawing/2014/main" id="{121CD71C-36ED-41B3-A518-02A6C7E87746}"/>
+                </a:ext>
+              </a:extLst>
+            </p:cNvPr>
+            <p:cNvSpPr txBox="1"/>
+            <p:nvPr/>
+          </p:nvSpPr>
+          <p:spPr>
+            <a:xfrm>
+              <a:off x="5723662" y="3915720"/>
+              <a:ext cx="1783117" cy="210507"/>
+            </a:xfrm>
+            <a:prstGeom prst="rect">
+              <a:avLst/>
+            </a:prstGeom>
+            <a:noFill/>
+          </p:spPr>
+          <p:txBody>
+            <a:bodyPr wrap="none" lIns="0" tIns="0" rIns="0" bIns="0" rtlCol="0">
+              <a:spAutoFit/>
+            </a:bodyPr>
+            <a:lstStyle/>
+            <a:p>
+              <a:pPr algn="ctr">
+                <a:lnSpc>
+                  <a:spcPct val="114000"/>
+                </a:lnSpc>
+              </a:pPr>
+              <a:r>
+                <a:rPr lang="de-DE" sz="1200" dirty="0">
+                  <a:latin typeface="+mn-lt"/>
+                </a:rPr>
+                <a:t>Table 2: </a:t>
+              </a:r>
+              <a:r>
+                <a:rPr lang="de-DE" sz="1200" dirty="0" err="1">
+                  <a:latin typeface="+mn-lt"/>
+                </a:rPr>
+                <a:t>Subjective</a:t>
+              </a:r>
+              <a:r>
+                <a:rPr lang="de-DE" sz="1200" dirty="0">
+                  <a:latin typeface="+mn-lt"/>
+                </a:rPr>
+                <a:t> </a:t>
+              </a:r>
+              <a:r>
+                <a:rPr lang="de-DE" sz="1200" dirty="0" err="1">
+                  <a:latin typeface="+mn-lt"/>
+                </a:rPr>
+                <a:t>scores</a:t>
+              </a:r>
+              <a:endParaRPr lang="en-US" sz="1200" dirty="0" err="1">
+                <a:latin typeface="+mn-lt"/>
+              </a:endParaRPr>
+            </a:p>
+          </p:txBody>
+        </p:sp>
+        <p:sp>
+          <p:nvSpPr>
+            <p:cNvPr id="11" name="Textfeld 10">
+              <a:extLst>
+                <a:ext uri="{FF2B5EF4-FFF2-40B4-BE49-F238E27FC236}">
+                  <a16:creationId xmlns:a16="http://schemas.microsoft.com/office/drawing/2014/main" id="{8BFF8368-9E18-4EA4-BD65-A1182E0381A2}"/>
+                </a:ext>
+              </a:extLst>
+            </p:cNvPr>
+            <p:cNvSpPr txBox="1"/>
+            <p:nvPr/>
+          </p:nvSpPr>
+          <p:spPr>
+            <a:xfrm>
+              <a:off x="4541519" y="6191206"/>
+              <a:ext cx="4147405" cy="268984"/>
+            </a:xfrm>
+            <a:prstGeom prst="rect">
+              <a:avLst/>
+            </a:prstGeom>
+            <a:noFill/>
+          </p:spPr>
+          <p:txBody>
+            <a:bodyPr wrap="square" lIns="0" tIns="0" rIns="0" bIns="0" rtlCol="0">
+              <a:spAutoFit/>
+            </a:bodyPr>
+            <a:lstStyle/>
+            <a:p>
+              <a:pPr algn="ctr">
+                <a:lnSpc>
+                  <a:spcPct val="114000"/>
+                </a:lnSpc>
+              </a:pPr>
+              <a:r>
+                <a:rPr lang="de-DE" sz="800" dirty="0"/>
+                <a:t>Source: Zen et al. (2013) </a:t>
+              </a:r>
+              <a:r>
+                <a:rPr lang="en-US" sz="800" dirty="0"/>
+                <a:t>Statistical parametric speech synthesis using deep neural networks, IEEE International Conference on Acoustics, Speech and Signal Processing</a:t>
+              </a:r>
+            </a:p>
+          </p:txBody>
+        </p:sp>
+      </p:grpSp>
     </p:spTree>
     <p:extLst>
       <p:ext uri="{BB962C8B-B14F-4D97-AF65-F5344CB8AC3E}">
@@ -25427,10 +26116,112 @@
   <p:clrMapOvr>
     <a:masterClrMapping/>
   </p:clrMapOvr>
+  <p:timing>
+    <p:tnLst>
+      <p:par>
+        <p:cTn id="1" dur="indefinite" restart="never" nodeType="tmRoot">
+          <p:childTnLst>
+            <p:seq concurrent="1" nextAc="seek">
+              <p:cTn id="2" dur="indefinite" nodeType="mainSeq">
+                <p:childTnLst>
+                  <p:par>
+                    <p:cTn id="3" fill="hold">
+                      <p:stCondLst>
+                        <p:cond delay="indefinite"/>
+                      </p:stCondLst>
+                      <p:childTnLst>
+                        <p:par>
+                          <p:cTn id="4" fill="hold">
+                            <p:stCondLst>
+                              <p:cond delay="0"/>
+                            </p:stCondLst>
+                            <p:childTnLst>
+                              <p:par>
+                                <p:cTn id="5" presetID="1" presetClass="entr" presetSubtype="0" fill="hold" nodeType="clickEffect">
+                                  <p:stCondLst>
+                                    <p:cond delay="0"/>
+                                  </p:stCondLst>
+                                  <p:childTnLst>
+                                    <p:set>
+                                      <p:cBhvr>
+                                        <p:cTn id="6" dur="1" fill="hold">
+                                          <p:stCondLst>
+                                            <p:cond delay="0"/>
+                                          </p:stCondLst>
+                                        </p:cTn>
+                                        <p:tgtEl>
+                                          <p:spTgt spid="10"/>
+                                        </p:tgtEl>
+                                        <p:attrNameLst>
+                                          <p:attrName>style.visibility</p:attrName>
+                                        </p:attrNameLst>
+                                      </p:cBhvr>
+                                      <p:to>
+                                        <p:strVal val="visible"/>
+                                      </p:to>
+                                    </p:set>
+                                  </p:childTnLst>
+                                </p:cTn>
+                              </p:par>
+                              <p:par>
+                                <p:cTn id="7" presetID="1" presetClass="entr" presetSubtype="0" fill="hold" nodeType="withEffect">
+                                  <p:stCondLst>
+                                    <p:cond delay="0"/>
+                                  </p:stCondLst>
+                                  <p:childTnLst>
+                                    <p:set>
+                                      <p:cBhvr>
+                                        <p:cTn id="8" dur="1" fill="hold">
+                                          <p:stCondLst>
+                                            <p:cond delay="0"/>
+                                          </p:stCondLst>
+                                        </p:cTn>
+                                        <p:tgtEl>
+                                          <p:spTgt spid="2"/>
+                                        </p:tgtEl>
+                                        <p:attrNameLst>
+                                          <p:attrName>style.visibility</p:attrName>
+                                        </p:attrNameLst>
+                                      </p:cBhvr>
+                                      <p:to>
+                                        <p:strVal val="visible"/>
+                                      </p:to>
+                                    </p:set>
+                                  </p:childTnLst>
+                                </p:cTn>
+                              </p:par>
+                            </p:childTnLst>
+                          </p:cTn>
+                        </p:par>
+                      </p:childTnLst>
+                    </p:cTn>
+                  </p:par>
+                </p:childTnLst>
+              </p:cTn>
+              <p:prevCondLst>
+                <p:cond evt="onPrev" delay="0">
+                  <p:tgtEl>
+                    <p:sldTgt/>
+                  </p:tgtEl>
+                </p:cond>
+              </p:prevCondLst>
+              <p:nextCondLst>
+                <p:cond evt="onNext" delay="0">
+                  <p:tgtEl>
+                    <p:sldTgt/>
+                  </p:tgtEl>
+                </p:cond>
+              </p:nextCondLst>
+            </p:seq>
+          </p:childTnLst>
+        </p:cTn>
+      </p:par>
+    </p:tnLst>
+  </p:timing>
 </p:sld>
 </file>
 
-<file path=ppt/slides/slide13.xml><?xml version="1.0" encoding="utf-8"?>
+<file path=ppt/slides/slide14.xml><?xml version="1.0" encoding="utf-8"?>
 <p:sld xmlns:a="http://schemas.openxmlformats.org/drawingml/2006/main" xmlns:r="http://schemas.openxmlformats.org/officeDocument/2006/relationships" xmlns:p="http://schemas.openxmlformats.org/presentationml/2006/main">
   <p:cSld>
     <p:spTree>
@@ -25617,7 +26408,7 @@
             <a:fld id="{CE58CB1E-F828-4F11-99E0-327109AF9DA4}" type="slidenum">
               <a:rPr lang="de-DE" smtClean="0"/>
               <a:pPr/>
-              <a:t>13</a:t>
+              <a:t>14</a:t>
             </a:fld>
             <a:endParaRPr lang="de-DE" dirty="0"/>
           </a:p>
@@ -25763,33 +26554,15 @@
                                   </p:childTnLst>
                                 </p:cTn>
                               </p:par>
-                            </p:childTnLst>
-                          </p:cTn>
-                        </p:par>
-                      </p:childTnLst>
-                    </p:cTn>
-                  </p:par>
-                  <p:par>
-                    <p:cTn id="10" fill="hold">
-                      <p:stCondLst>
-                        <p:cond delay="indefinite"/>
-                      </p:stCondLst>
-                      <p:childTnLst>
-                        <p:par>
-                          <p:cTn id="11" fill="hold">
-                            <p:stCondLst>
-                              <p:cond delay="0"/>
-                            </p:stCondLst>
-                            <p:childTnLst>
                               <p:par>
-                                <p:cTn id="12" presetID="19" presetClass="emph" presetSubtype="0" fill="hold" grpId="0" nodeType="clickEffect">
+                                <p:cTn id="10" presetID="19" presetClass="emph" presetSubtype="0" fill="hold" grpId="0" nodeType="withEffect">
                                   <p:stCondLst>
                                     <p:cond delay="0"/>
                                   </p:stCondLst>
                                   <p:childTnLst>
                                     <p:animClr clrSpc="rgb" dir="cw">
                                       <p:cBhvr override="childStyle">
-                                        <p:cTn id="13" dur="500" fill="hold"/>
+                                        <p:cTn id="11" dur="500" fill="hold"/>
                                         <p:tgtEl>
                                           <p:spTgt spid="2">
                                             <p:txEl>
@@ -25807,7 +26580,7 @@
                                     </p:animClr>
                                     <p:animClr clrSpc="rgb" dir="cw">
                                       <p:cBhvr>
-                                        <p:cTn id="14" dur="500" fill="hold"/>
+                                        <p:cTn id="12" dur="500" fill="hold"/>
                                         <p:tgtEl>
                                           <p:spTgt spid="2">
                                             <p:txEl>
@@ -25825,7 +26598,7 @@
                                     </p:animClr>
                                     <p:set>
                                       <p:cBhvr>
-                                        <p:cTn id="15" dur="500" fill="hold"/>
+                                        <p:cTn id="13" dur="500" fill="hold"/>
                                         <p:tgtEl>
                                           <p:spTgt spid="2">
                                             <p:txEl>
@@ -25843,7 +26616,7 @@
                                     </p:set>
                                     <p:set>
                                       <p:cBhvr>
-                                        <p:cTn id="16" dur="500" fill="hold"/>
+                                        <p:cTn id="14" dur="500" fill="hold"/>
                                         <p:tgtEl>
                                           <p:spTgt spid="2">
                                             <p:txEl>
@@ -25863,14 +26636,14 @@
                                 </p:cTn>
                               </p:par>
                               <p:par>
-                                <p:cTn id="17" presetID="19" presetClass="emph" presetSubtype="0" fill="hold" grpId="2" nodeType="withEffect">
+                                <p:cTn id="15" presetID="19" presetClass="emph" presetSubtype="0" fill="hold" grpId="2" nodeType="withEffect">
                                   <p:stCondLst>
                                     <p:cond delay="0"/>
                                   </p:stCondLst>
                                   <p:childTnLst>
                                     <p:animClr clrSpc="rgb" dir="cw">
                                       <p:cBhvr override="childStyle">
-                                        <p:cTn id="18" dur="500" fill="hold"/>
+                                        <p:cTn id="16" dur="500" fill="hold"/>
                                         <p:tgtEl>
                                           <p:spTgt spid="2">
                                             <p:txEl>
@@ -25888,7 +26661,7 @@
                                     </p:animClr>
                                     <p:animClr clrSpc="rgb" dir="cw">
                                       <p:cBhvr>
-                                        <p:cTn id="19" dur="500" fill="hold"/>
+                                        <p:cTn id="17" dur="500" fill="hold"/>
                                         <p:tgtEl>
                                           <p:spTgt spid="2">
                                             <p:txEl>
@@ -25906,7 +26679,7 @@
                                     </p:animClr>
                                     <p:set>
                                       <p:cBhvr>
-                                        <p:cTn id="20" dur="500" fill="hold"/>
+                                        <p:cTn id="18" dur="500" fill="hold"/>
                                         <p:tgtEl>
                                           <p:spTgt spid="2">
                                             <p:txEl>
@@ -25924,7 +26697,7 @@
                                     </p:set>
                                     <p:set>
                                       <p:cBhvr>
-                                        <p:cTn id="21" dur="500" fill="hold"/>
+                                        <p:cTn id="19" dur="500" fill="hold"/>
                                         <p:tgtEl>
                                           <p:spTgt spid="2">
                                             <p:txEl>
@@ -25978,7 +26751,7 @@
 </p:sld>
 </file>
 
-<file path=ppt/slides/slide14.xml><?xml version="1.0" encoding="utf-8"?>
+<file path=ppt/slides/slide15.xml><?xml version="1.0" encoding="utf-8"?>
 <p:sld xmlns:a="http://schemas.openxmlformats.org/drawingml/2006/main" xmlns:r="http://schemas.openxmlformats.org/officeDocument/2006/relationships" xmlns:p="http://schemas.openxmlformats.org/presentationml/2006/main">
   <p:cSld>
     <p:spTree>
@@ -26019,7 +26792,7 @@
             <a:fld id="{CE58CB1E-F828-4F11-99E0-327109AF9DA4}" type="slidenum">
               <a:rPr lang="de-DE" smtClean="0"/>
               <a:pPr/>
-              <a:t>14</a:t>
+              <a:t>15</a:t>
             </a:fld>
             <a:endParaRPr lang="de-DE" dirty="0"/>
           </a:p>
@@ -26536,7 +27309,7 @@
 </p:sld>
 </file>
 
-<file path=ppt/slides/slide15.xml><?xml version="1.0" encoding="utf-8"?>
+<file path=ppt/slides/slide16.xml><?xml version="1.0" encoding="utf-8"?>
 <p:sld xmlns:a="http://schemas.openxmlformats.org/drawingml/2006/main" xmlns:r="http://schemas.openxmlformats.org/officeDocument/2006/relationships" xmlns:p="http://schemas.openxmlformats.org/presentationml/2006/main">
   <p:cSld>
     <p:spTree>
@@ -26596,7 +27369,7 @@
             </a:pPr>
             <a:r>
               <a:rPr lang="en-US" dirty="0"/>
-              <a:t>Syllabification (SYL)		letters to syllables</a:t>
+              <a:t>Syllabification (SYL)		extraction of syllables</a:t>
             </a:r>
           </a:p>
           <a:p>
@@ -26611,7 +27384,7 @@
             </a:pPr>
             <a:r>
               <a:rPr lang="en-US" dirty="0"/>
-              <a:t>Phonetic transcription (PT)	letters to phonemes</a:t>
+              <a:t>Phonetic transcription (PT)	extraction of phonemes</a:t>
             </a:r>
           </a:p>
           <a:p>
@@ -26626,7 +27399,7 @@
             </a:pPr>
             <a:r>
               <a:rPr lang="en-US" dirty="0"/>
-              <a:t>Part-of-speech tagging (POT)	letters to morpho-syntactic descriptors</a:t>
+              <a:t>Part-of-speech tagging (POT)	assigning each word a unified tag</a:t>
             </a:r>
           </a:p>
           <a:p>
@@ -26641,7 +27414,7 @@
             </a:pPr>
             <a:r>
               <a:rPr lang="en-US" dirty="0"/>
-              <a:t>Lexical stress prediction (LSP)	letters to stress indication (yes/no)</a:t>
+              <a:t>Lexical stress prediction (LSP)	decision when to stress a syllable</a:t>
             </a:r>
           </a:p>
         </p:txBody>
@@ -26670,7 +27443,7 @@
             <a:fld id="{CE58CB1E-F828-4F11-99E0-327109AF9DA4}" type="slidenum">
               <a:rPr lang="de-DE" smtClean="0"/>
               <a:pPr/>
-              <a:t>15</a:t>
+              <a:t>16</a:t>
             </a:fld>
             <a:endParaRPr lang="de-DE" dirty="0"/>
           </a:p>
@@ -26722,7 +27495,7 @@
 </p:sld>
 </file>
 
-<file path=ppt/slides/slide16.xml><?xml version="1.0" encoding="utf-8"?>
+<file path=ppt/slides/slide17.xml><?xml version="1.0" encoding="utf-8"?>
 <p:sld xmlns:a="http://schemas.openxmlformats.org/drawingml/2006/main" xmlns:r="http://schemas.openxmlformats.org/officeDocument/2006/relationships" xmlns:p="http://schemas.openxmlformats.org/presentationml/2006/main">
   <p:cSld>
     <p:spTree>
@@ -26763,7 +27536,7 @@
             <a:fld id="{CE58CB1E-F828-4F11-99E0-327109AF9DA4}" type="slidenum">
               <a:rPr lang="de-DE" smtClean="0"/>
               <a:pPr/>
-              <a:t>16</a:t>
+              <a:t>17</a:t>
             </a:fld>
             <a:endParaRPr lang="de-DE" dirty="0"/>
           </a:p>
@@ -28031,7 +28804,7 @@
 </p:sld>
 </file>
 
-<file path=ppt/slides/slide17.xml><?xml version="1.0" encoding="utf-8"?>
+<file path=ppt/slides/slide18.xml><?xml version="1.0" encoding="utf-8"?>
 <p:sld xmlns:a="http://schemas.openxmlformats.org/drawingml/2006/main" xmlns:r="http://schemas.openxmlformats.org/officeDocument/2006/relationships" xmlns:p="http://schemas.openxmlformats.org/presentationml/2006/main">
   <p:cSld>
     <p:spTree>
@@ -28218,7 +28991,7 @@
             <a:fld id="{CE58CB1E-F828-4F11-99E0-327109AF9DA4}" type="slidenum">
               <a:rPr lang="de-DE" smtClean="0"/>
               <a:pPr/>
-              <a:t>17</a:t>
+              <a:t>18</a:t>
             </a:fld>
             <a:endParaRPr lang="de-DE" dirty="0"/>
           </a:p>
@@ -28364,33 +29137,15 @@
                                   </p:childTnLst>
                                 </p:cTn>
                               </p:par>
-                            </p:childTnLst>
-                          </p:cTn>
-                        </p:par>
-                      </p:childTnLst>
-                    </p:cTn>
-                  </p:par>
-                  <p:par>
-                    <p:cTn id="10" fill="hold">
-                      <p:stCondLst>
-                        <p:cond delay="indefinite"/>
-                      </p:stCondLst>
-                      <p:childTnLst>
-                        <p:par>
-                          <p:cTn id="11" fill="hold">
-                            <p:stCondLst>
-                              <p:cond delay="0"/>
-                            </p:stCondLst>
-                            <p:childTnLst>
                               <p:par>
-                                <p:cTn id="12" presetID="19" presetClass="emph" presetSubtype="0" fill="hold" grpId="0" nodeType="clickEffect">
+                                <p:cTn id="10" presetID="19" presetClass="emph" presetSubtype="0" fill="hold" grpId="0" nodeType="withEffect">
                                   <p:stCondLst>
                                     <p:cond delay="0"/>
                                   </p:stCondLst>
                                   <p:childTnLst>
                                     <p:animClr clrSpc="rgb" dir="cw">
                                       <p:cBhvr override="childStyle">
-                                        <p:cTn id="13" dur="500" fill="hold"/>
+                                        <p:cTn id="11" dur="500" fill="hold"/>
                                         <p:tgtEl>
                                           <p:spTgt spid="2">
                                             <p:txEl>
@@ -28408,7 +29163,7 @@
                                     </p:animClr>
                                     <p:animClr clrSpc="rgb" dir="cw">
                                       <p:cBhvr>
-                                        <p:cTn id="14" dur="500" fill="hold"/>
+                                        <p:cTn id="12" dur="500" fill="hold"/>
                                         <p:tgtEl>
                                           <p:spTgt spid="2">
                                             <p:txEl>
@@ -28426,7 +29181,7 @@
                                     </p:animClr>
                                     <p:set>
                                       <p:cBhvr>
-                                        <p:cTn id="15" dur="500" fill="hold"/>
+                                        <p:cTn id="13" dur="500" fill="hold"/>
                                         <p:tgtEl>
                                           <p:spTgt spid="2">
                                             <p:txEl>
@@ -28444,7 +29199,7 @@
                                     </p:set>
                                     <p:set>
                                       <p:cBhvr>
-                                        <p:cTn id="16" dur="500" fill="hold"/>
+                                        <p:cTn id="14" dur="500" fill="hold"/>
                                         <p:tgtEl>
                                           <p:spTgt spid="2">
                                             <p:txEl>
@@ -28464,14 +29219,14 @@
                                 </p:cTn>
                               </p:par>
                               <p:par>
-                                <p:cTn id="17" presetID="19" presetClass="emph" presetSubtype="0" fill="hold" grpId="2" nodeType="withEffect">
+                                <p:cTn id="15" presetID="19" presetClass="emph" presetSubtype="0" fill="hold" grpId="2" nodeType="withEffect">
                                   <p:stCondLst>
                                     <p:cond delay="0"/>
                                   </p:stCondLst>
                                   <p:childTnLst>
                                     <p:animClr clrSpc="rgb" dir="cw">
                                       <p:cBhvr override="childStyle">
-                                        <p:cTn id="18" dur="500" fill="hold"/>
+                                        <p:cTn id="16" dur="500" fill="hold"/>
                                         <p:tgtEl>
                                           <p:spTgt spid="2">
                                             <p:txEl>
@@ -28489,7 +29244,7 @@
                                     </p:animClr>
                                     <p:animClr clrSpc="rgb" dir="cw">
                                       <p:cBhvr>
-                                        <p:cTn id="19" dur="500" fill="hold"/>
+                                        <p:cTn id="17" dur="500" fill="hold"/>
                                         <p:tgtEl>
                                           <p:spTgt spid="2">
                                             <p:txEl>
@@ -28507,7 +29262,7 @@
                                     </p:animClr>
                                     <p:set>
                                       <p:cBhvr>
-                                        <p:cTn id="20" dur="500" fill="hold"/>
+                                        <p:cTn id="18" dur="500" fill="hold"/>
                                         <p:tgtEl>
                                           <p:spTgt spid="2">
                                             <p:txEl>
@@ -28525,7 +29280,7 @@
                                     </p:set>
                                     <p:set>
                                       <p:cBhvr>
-                                        <p:cTn id="21" dur="500" fill="hold"/>
+                                        <p:cTn id="19" dur="500" fill="hold"/>
                                         <p:tgtEl>
                                           <p:spTgt spid="2">
                                             <p:txEl>
@@ -28579,879 +29334,6 @@
 </p:sld>
 </file>
 
-<file path=ppt/slides/slide18.xml><?xml version="1.0" encoding="utf-8"?>
-<p:sld xmlns:a="http://schemas.openxmlformats.org/drawingml/2006/main" xmlns:r="http://schemas.openxmlformats.org/officeDocument/2006/relationships" xmlns:p="http://schemas.openxmlformats.org/presentationml/2006/main">
-  <p:cSld>
-    <p:spTree>
-      <p:nvGrpSpPr>
-        <p:cNvPr id="1" name=""/>
-        <p:cNvGrpSpPr/>
-        <p:nvPr/>
-      </p:nvGrpSpPr>
-      <p:grpSpPr>
-        <a:xfrm>
-          <a:off x="0" y="0"/>
-          <a:ext cx="0" cy="0"/>
-          <a:chOff x="0" y="0"/>
-          <a:chExt cx="0" cy="0"/>
-        </a:xfrm>
-      </p:grpSpPr>
-      <p:sp>
-        <p:nvSpPr>
-          <p:cNvPr id="3" name="Foliennummernplatzhalter 2">
-            <a:extLst>
-              <a:ext uri="{FF2B5EF4-FFF2-40B4-BE49-F238E27FC236}">
-                <a16:creationId xmlns:a16="http://schemas.microsoft.com/office/drawing/2014/main" id="{A366489A-8C80-4D71-99AB-A1991302B570}"/>
-              </a:ext>
-            </a:extLst>
-          </p:cNvPr>
-          <p:cNvSpPr>
-            <a:spLocks noGrp="1"/>
-          </p:cNvSpPr>
-          <p:nvPr>
-            <p:ph type="sldNum" sz="quarter" idx="11"/>
-          </p:nvPr>
-        </p:nvSpPr>
-        <p:spPr/>
-        <p:txBody>
-          <a:bodyPr/>
-          <a:lstStyle/>
-          <a:p>
-            <a:fld id="{CE58CB1E-F828-4F11-99E0-327109AF9DA4}" type="slidenum">
-              <a:rPr lang="de-DE" smtClean="0"/>
-              <a:pPr/>
-              <a:t>18</a:t>
-            </a:fld>
-            <a:endParaRPr lang="de-DE" dirty="0"/>
-          </a:p>
-        </p:txBody>
-      </p:sp>
-      <p:sp>
-        <p:nvSpPr>
-          <p:cNvPr id="4" name="Titel 3">
-            <a:extLst>
-              <a:ext uri="{FF2B5EF4-FFF2-40B4-BE49-F238E27FC236}">
-                <a16:creationId xmlns:a16="http://schemas.microsoft.com/office/drawing/2014/main" id="{36ADE80A-1283-4AF4-A236-A4BF09D9B274}"/>
-              </a:ext>
-            </a:extLst>
-          </p:cNvPr>
-          <p:cNvSpPr>
-            <a:spLocks noGrp="1"/>
-          </p:cNvSpPr>
-          <p:nvPr>
-            <p:ph type="title"/>
-          </p:nvPr>
-        </p:nvSpPr>
-        <p:spPr/>
-        <p:txBody>
-          <a:bodyPr/>
-          <a:lstStyle/>
-          <a:p>
-            <a:r>
-              <a:rPr lang="en-US" dirty="0"/>
-              <a:t>Conclusions</a:t>
-            </a:r>
-          </a:p>
-        </p:txBody>
-      </p:sp>
-      <p:sp>
-        <p:nvSpPr>
-          <p:cNvPr id="6" name="Inhaltsplatzhalter 1">
-            <a:extLst>
-              <a:ext uri="{FF2B5EF4-FFF2-40B4-BE49-F238E27FC236}">
-                <a16:creationId xmlns:a16="http://schemas.microsoft.com/office/drawing/2014/main" id="{58A1E258-94EF-416A-9D10-EA9DB5B6DB07}"/>
-              </a:ext>
-            </a:extLst>
-          </p:cNvPr>
-          <p:cNvSpPr>
-            <a:spLocks noGrp="1"/>
-          </p:cNvSpPr>
-          <p:nvPr>
-            <p:ph idx="10"/>
-          </p:nvPr>
-        </p:nvSpPr>
-        <p:spPr>
-          <a:xfrm>
-            <a:off x="319088" y="1978720"/>
-            <a:ext cx="8508999" cy="4136945"/>
-          </a:xfrm>
-        </p:spPr>
-        <p:txBody>
-          <a:bodyPr/>
-          <a:lstStyle/>
-          <a:p>
-            <a:pPr>
-              <a:lnSpc>
-                <a:spcPct val="200000"/>
-              </a:lnSpc>
-            </a:pPr>
-            <a:r>
-              <a:rPr lang="en-US" sz="2000" dirty="0">
-                <a:solidFill>
-                  <a:schemeClr val="tx1"/>
-                </a:solidFill>
-              </a:rPr>
-              <a:t>Introduction of deep learning models into speech synthesis</a:t>
-            </a:r>
-          </a:p>
-          <a:p>
-            <a:pPr marL="342900" indent="-342900">
-              <a:lnSpc>
-                <a:spcPct val="200000"/>
-              </a:lnSpc>
-              <a:buFont typeface="Wingdings" panose="05000000000000000000" pitchFamily="2" charset="2"/>
-              <a:buChar char="à"/>
-            </a:pPr>
-            <a:r>
-              <a:rPr lang="en-US" sz="2000" dirty="0">
-                <a:solidFill>
-                  <a:schemeClr val="tx1"/>
-                </a:solidFill>
-              </a:rPr>
-              <a:t>Smaller memory footprint</a:t>
-            </a:r>
-          </a:p>
-          <a:p>
-            <a:pPr marL="342900" indent="-342900">
-              <a:lnSpc>
-                <a:spcPct val="200000"/>
-              </a:lnSpc>
-              <a:buFont typeface="Wingdings" panose="05000000000000000000" pitchFamily="2" charset="2"/>
-              <a:buChar char="à"/>
-            </a:pPr>
-            <a:r>
-              <a:rPr lang="en-US" sz="2000" dirty="0">
-                <a:solidFill>
-                  <a:schemeClr val="tx1"/>
-                </a:solidFill>
-              </a:rPr>
-              <a:t>Better voice quality</a:t>
-            </a:r>
-          </a:p>
-          <a:p>
-            <a:pPr>
-              <a:lnSpc>
-                <a:spcPct val="200000"/>
-              </a:lnSpc>
-            </a:pPr>
-            <a:r>
-              <a:rPr lang="en-US" sz="2000" dirty="0"/>
-              <a:t>Huge increase of available smartphones expected</a:t>
-            </a:r>
-          </a:p>
-          <a:p>
-            <a:pPr marL="342900" indent="-342900">
-              <a:lnSpc>
-                <a:spcPct val="200000"/>
-              </a:lnSpc>
-              <a:buFont typeface="Wingdings" panose="05000000000000000000" pitchFamily="2" charset="2"/>
-              <a:buChar char="à"/>
-            </a:pPr>
-            <a:r>
-              <a:rPr lang="en-US" sz="2000" dirty="0">
-                <a:solidFill>
-                  <a:schemeClr val="tx1"/>
-                </a:solidFill>
-                <a:sym typeface="Wingdings" panose="05000000000000000000" pitchFamily="2" charset="2"/>
-              </a:rPr>
-              <a:t>Need for robust and resource-efficient implementations</a:t>
-            </a:r>
-          </a:p>
-          <a:p>
-            <a:pPr marL="342900" indent="-342900">
-              <a:lnSpc>
-                <a:spcPct val="200000"/>
-              </a:lnSpc>
-              <a:buFont typeface="Wingdings" panose="05000000000000000000" pitchFamily="2" charset="2"/>
-              <a:buChar char="à"/>
-            </a:pPr>
-            <a:r>
-              <a:rPr lang="en-US" sz="2000" dirty="0">
-                <a:solidFill>
-                  <a:schemeClr val="tx1"/>
-                </a:solidFill>
-                <a:sym typeface="Wingdings" panose="05000000000000000000" pitchFamily="2" charset="2"/>
-              </a:rPr>
-              <a:t>Deep learning model</a:t>
-            </a:r>
-            <a:r>
-              <a:rPr lang="de-DE" sz="2000" dirty="0">
-                <a:solidFill>
-                  <a:schemeClr val="tx1"/>
-                </a:solidFill>
-                <a:sym typeface="Wingdings" panose="05000000000000000000" pitchFamily="2" charset="2"/>
-              </a:rPr>
-              <a:t>s </a:t>
-            </a:r>
-            <a:r>
-              <a:rPr lang="en-US" sz="2000" dirty="0">
-                <a:solidFill>
-                  <a:schemeClr val="tx1"/>
-                </a:solidFill>
-                <a:sym typeface="Wingdings" panose="05000000000000000000" pitchFamily="2" charset="2"/>
-              </a:rPr>
-              <a:t>can be used to achieve this</a:t>
-            </a:r>
-          </a:p>
-          <a:p>
-            <a:pPr marL="285750" indent="-285750">
-              <a:lnSpc>
-                <a:spcPct val="200000"/>
-              </a:lnSpc>
-              <a:buFont typeface="Wingdings" panose="05000000000000000000" pitchFamily="2" charset="2"/>
-              <a:buChar char="à"/>
-            </a:pPr>
-            <a:endParaRPr lang="de-DE" dirty="0">
-              <a:solidFill>
-                <a:schemeClr val="tx1"/>
-              </a:solidFill>
-            </a:endParaRPr>
-          </a:p>
-        </p:txBody>
-      </p:sp>
-    </p:spTree>
-    <p:extLst>
-      <p:ext uri="{BB962C8B-B14F-4D97-AF65-F5344CB8AC3E}">
-        <p14:creationId xmlns:p14="http://schemas.microsoft.com/office/powerpoint/2010/main" val="1631079468"/>
-      </p:ext>
-    </p:extLst>
-  </p:cSld>
-  <p:clrMapOvr>
-    <a:masterClrMapping/>
-  </p:clrMapOvr>
-  <p:timing>
-    <p:tnLst>
-      <p:par>
-        <p:cTn id="1" dur="indefinite" restart="never" nodeType="tmRoot">
-          <p:childTnLst>
-            <p:seq concurrent="1" nextAc="seek">
-              <p:cTn id="2" dur="indefinite" nodeType="mainSeq">
-                <p:childTnLst>
-                  <p:par>
-                    <p:cTn id="3" fill="hold">
-                      <p:stCondLst>
-                        <p:cond delay="indefinite"/>
-                        <p:cond evt="onBegin" delay="0">
-                          <p:tn val="2"/>
-                        </p:cond>
-                      </p:stCondLst>
-                      <p:childTnLst>
-                        <p:par>
-                          <p:cTn id="4" fill="hold">
-                            <p:stCondLst>
-                              <p:cond delay="0"/>
-                            </p:stCondLst>
-                            <p:childTnLst>
-                              <p:par>
-                                <p:cTn id="5" presetID="19" presetClass="emph" presetSubtype="0" fill="hold" grpId="1" nodeType="withEffect">
-                                  <p:stCondLst>
-                                    <p:cond delay="0"/>
-                                  </p:stCondLst>
-                                  <p:childTnLst>
-                                    <p:animClr clrSpc="rgb" dir="cw">
-                                      <p:cBhvr override="childStyle">
-                                        <p:cTn id="6" dur="500" fill="hold"/>
-                                        <p:tgtEl>
-                                          <p:spTgt spid="6">
-                                            <p:txEl>
-                                              <p:pRg st="0" end="0"/>
-                                            </p:txEl>
-                                          </p:spTgt>
-                                        </p:tgtEl>
-                                        <p:attrNameLst>
-                                          <p:attrName>style.color</p:attrName>
-                                        </p:attrNameLst>
-                                      </p:cBhvr>
-                                      <p:to>
-                                        <a:srgbClr val="D8D8D8"/>
-                                      </p:to>
-                                    </p:animClr>
-                                    <p:animClr clrSpc="rgb" dir="cw">
-                                      <p:cBhvr>
-                                        <p:cTn id="7" dur="500" fill="hold"/>
-                                        <p:tgtEl>
-                                          <p:spTgt spid="6">
-                                            <p:txEl>
-                                              <p:pRg st="0" end="0"/>
-                                            </p:txEl>
-                                          </p:spTgt>
-                                        </p:tgtEl>
-                                        <p:attrNameLst>
-                                          <p:attrName>fillcolor</p:attrName>
-                                        </p:attrNameLst>
-                                      </p:cBhvr>
-                                      <p:to>
-                                        <a:srgbClr val="D8D8D8"/>
-                                      </p:to>
-                                    </p:animClr>
-                                    <p:set>
-                                      <p:cBhvr>
-                                        <p:cTn id="8" dur="500" fill="hold"/>
-                                        <p:tgtEl>
-                                          <p:spTgt spid="6">
-                                            <p:txEl>
-                                              <p:pRg st="0" end="0"/>
-                                            </p:txEl>
-                                          </p:spTgt>
-                                        </p:tgtEl>
-                                        <p:attrNameLst>
-                                          <p:attrName>fill.type</p:attrName>
-                                        </p:attrNameLst>
-                                      </p:cBhvr>
-                                      <p:to>
-                                        <p:strVal val="solid"/>
-                                      </p:to>
-                                    </p:set>
-                                    <p:set>
-                                      <p:cBhvr>
-                                        <p:cTn id="9" dur="500" fill="hold"/>
-                                        <p:tgtEl>
-                                          <p:spTgt spid="6">
-                                            <p:txEl>
-                                              <p:pRg st="0" end="0"/>
-                                            </p:txEl>
-                                          </p:spTgt>
-                                        </p:tgtEl>
-                                        <p:attrNameLst>
-                                          <p:attrName>fill.on</p:attrName>
-                                        </p:attrNameLst>
-                                      </p:cBhvr>
-                                      <p:to>
-                                        <p:strVal val="true"/>
-                                      </p:to>
-                                    </p:set>
-                                  </p:childTnLst>
-                                </p:cTn>
-                              </p:par>
-                            </p:childTnLst>
-                          </p:cTn>
-                        </p:par>
-                      </p:childTnLst>
-                    </p:cTn>
-                  </p:par>
-                  <p:par>
-                    <p:cTn id="10" fill="hold">
-                      <p:stCondLst>
-                        <p:cond delay="indefinite"/>
-                      </p:stCondLst>
-                      <p:childTnLst>
-                        <p:par>
-                          <p:cTn id="11" fill="hold">
-                            <p:stCondLst>
-                              <p:cond delay="0"/>
-                            </p:stCondLst>
-                            <p:childTnLst>
-                              <p:par>
-                                <p:cTn id="12" presetID="19" presetClass="emph" presetSubtype="0" fill="hold" grpId="1" nodeType="clickEffect">
-                                  <p:stCondLst>
-                                    <p:cond delay="0"/>
-                                  </p:stCondLst>
-                                  <p:childTnLst>
-                                    <p:animClr clrSpc="rgb" dir="cw">
-                                      <p:cBhvr override="childStyle">
-                                        <p:cTn id="13" dur="500" fill="hold"/>
-                                        <p:tgtEl>
-                                          <p:spTgt spid="6">
-                                            <p:txEl>
-                                              <p:pRg st="1" end="1"/>
-                                            </p:txEl>
-                                          </p:spTgt>
-                                        </p:tgtEl>
-                                        <p:attrNameLst>
-                                          <p:attrName>style.color</p:attrName>
-                                        </p:attrNameLst>
-                                      </p:cBhvr>
-                                      <p:to>
-                                        <a:srgbClr val="D8D8D8"/>
-                                      </p:to>
-                                    </p:animClr>
-                                    <p:animClr clrSpc="rgb" dir="cw">
-                                      <p:cBhvr>
-                                        <p:cTn id="14" dur="500" fill="hold"/>
-                                        <p:tgtEl>
-                                          <p:spTgt spid="6">
-                                            <p:txEl>
-                                              <p:pRg st="1" end="1"/>
-                                            </p:txEl>
-                                          </p:spTgt>
-                                        </p:tgtEl>
-                                        <p:attrNameLst>
-                                          <p:attrName>fillcolor</p:attrName>
-                                        </p:attrNameLst>
-                                      </p:cBhvr>
-                                      <p:to>
-                                        <a:srgbClr val="D8D8D8"/>
-                                      </p:to>
-                                    </p:animClr>
-                                    <p:set>
-                                      <p:cBhvr>
-                                        <p:cTn id="15" dur="500" fill="hold"/>
-                                        <p:tgtEl>
-                                          <p:spTgt spid="6">
-                                            <p:txEl>
-                                              <p:pRg st="1" end="1"/>
-                                            </p:txEl>
-                                          </p:spTgt>
-                                        </p:tgtEl>
-                                        <p:attrNameLst>
-                                          <p:attrName>fill.type</p:attrName>
-                                        </p:attrNameLst>
-                                      </p:cBhvr>
-                                      <p:to>
-                                        <p:strVal val="solid"/>
-                                      </p:to>
-                                    </p:set>
-                                    <p:set>
-                                      <p:cBhvr>
-                                        <p:cTn id="16" dur="500" fill="hold"/>
-                                        <p:tgtEl>
-                                          <p:spTgt spid="6">
-                                            <p:txEl>
-                                              <p:pRg st="1" end="1"/>
-                                            </p:txEl>
-                                          </p:spTgt>
-                                        </p:tgtEl>
-                                        <p:attrNameLst>
-                                          <p:attrName>fill.on</p:attrName>
-                                        </p:attrNameLst>
-                                      </p:cBhvr>
-                                      <p:to>
-                                        <p:strVal val="true"/>
-                                      </p:to>
-                                    </p:set>
-                                  </p:childTnLst>
-                                </p:cTn>
-                              </p:par>
-                            </p:childTnLst>
-                          </p:cTn>
-                        </p:par>
-                      </p:childTnLst>
-                    </p:cTn>
-                  </p:par>
-                  <p:par>
-                    <p:cTn id="17" fill="hold">
-                      <p:stCondLst>
-                        <p:cond delay="indefinite"/>
-                      </p:stCondLst>
-                      <p:childTnLst>
-                        <p:par>
-                          <p:cTn id="18" fill="hold">
-                            <p:stCondLst>
-                              <p:cond delay="0"/>
-                            </p:stCondLst>
-                            <p:childTnLst>
-                              <p:par>
-                                <p:cTn id="19" presetID="19" presetClass="emph" presetSubtype="0" fill="hold" grpId="1" nodeType="clickEffect">
-                                  <p:stCondLst>
-                                    <p:cond delay="0"/>
-                                  </p:stCondLst>
-                                  <p:childTnLst>
-                                    <p:animClr clrSpc="rgb" dir="cw">
-                                      <p:cBhvr override="childStyle">
-                                        <p:cTn id="20" dur="500" fill="hold"/>
-                                        <p:tgtEl>
-                                          <p:spTgt spid="6">
-                                            <p:txEl>
-                                              <p:pRg st="2" end="2"/>
-                                            </p:txEl>
-                                          </p:spTgt>
-                                        </p:tgtEl>
-                                        <p:attrNameLst>
-                                          <p:attrName>style.color</p:attrName>
-                                        </p:attrNameLst>
-                                      </p:cBhvr>
-                                      <p:to>
-                                        <a:srgbClr val="D8D8D8"/>
-                                      </p:to>
-                                    </p:animClr>
-                                    <p:animClr clrSpc="rgb" dir="cw">
-                                      <p:cBhvr>
-                                        <p:cTn id="21" dur="500" fill="hold"/>
-                                        <p:tgtEl>
-                                          <p:spTgt spid="6">
-                                            <p:txEl>
-                                              <p:pRg st="2" end="2"/>
-                                            </p:txEl>
-                                          </p:spTgt>
-                                        </p:tgtEl>
-                                        <p:attrNameLst>
-                                          <p:attrName>fillcolor</p:attrName>
-                                        </p:attrNameLst>
-                                      </p:cBhvr>
-                                      <p:to>
-                                        <a:srgbClr val="D8D8D8"/>
-                                      </p:to>
-                                    </p:animClr>
-                                    <p:set>
-                                      <p:cBhvr>
-                                        <p:cTn id="22" dur="500" fill="hold"/>
-                                        <p:tgtEl>
-                                          <p:spTgt spid="6">
-                                            <p:txEl>
-                                              <p:pRg st="2" end="2"/>
-                                            </p:txEl>
-                                          </p:spTgt>
-                                        </p:tgtEl>
-                                        <p:attrNameLst>
-                                          <p:attrName>fill.type</p:attrName>
-                                        </p:attrNameLst>
-                                      </p:cBhvr>
-                                      <p:to>
-                                        <p:strVal val="solid"/>
-                                      </p:to>
-                                    </p:set>
-                                    <p:set>
-                                      <p:cBhvr>
-                                        <p:cTn id="23" dur="500" fill="hold"/>
-                                        <p:tgtEl>
-                                          <p:spTgt spid="6">
-                                            <p:txEl>
-                                              <p:pRg st="2" end="2"/>
-                                            </p:txEl>
-                                          </p:spTgt>
-                                        </p:tgtEl>
-                                        <p:attrNameLst>
-                                          <p:attrName>fill.on</p:attrName>
-                                        </p:attrNameLst>
-                                      </p:cBhvr>
-                                      <p:to>
-                                        <p:strVal val="true"/>
-                                      </p:to>
-                                    </p:set>
-                                  </p:childTnLst>
-                                </p:cTn>
-                              </p:par>
-                            </p:childTnLst>
-                          </p:cTn>
-                        </p:par>
-                      </p:childTnLst>
-                    </p:cTn>
-                  </p:par>
-                  <p:par>
-                    <p:cTn id="24" fill="hold">
-                      <p:stCondLst>
-                        <p:cond delay="indefinite"/>
-                      </p:stCondLst>
-                      <p:childTnLst>
-                        <p:par>
-                          <p:cTn id="25" fill="hold">
-                            <p:stCondLst>
-                              <p:cond delay="0"/>
-                            </p:stCondLst>
-                            <p:childTnLst>
-                              <p:par>
-                                <p:cTn id="26" presetID="19" presetClass="emph" presetSubtype="0" fill="hold" grpId="1" nodeType="clickEffect">
-                                  <p:stCondLst>
-                                    <p:cond delay="0"/>
-                                  </p:stCondLst>
-                                  <p:childTnLst>
-                                    <p:animClr clrSpc="rgb" dir="cw">
-                                      <p:cBhvr override="childStyle">
-                                        <p:cTn id="27" dur="500" fill="hold"/>
-                                        <p:tgtEl>
-                                          <p:spTgt spid="6">
-                                            <p:txEl>
-                                              <p:pRg st="3" end="3"/>
-                                            </p:txEl>
-                                          </p:spTgt>
-                                        </p:tgtEl>
-                                        <p:attrNameLst>
-                                          <p:attrName>style.color</p:attrName>
-                                        </p:attrNameLst>
-                                      </p:cBhvr>
-                                      <p:to>
-                                        <a:srgbClr val="D8D8D8"/>
-                                      </p:to>
-                                    </p:animClr>
-                                    <p:animClr clrSpc="rgb" dir="cw">
-                                      <p:cBhvr>
-                                        <p:cTn id="28" dur="500" fill="hold"/>
-                                        <p:tgtEl>
-                                          <p:spTgt spid="6">
-                                            <p:txEl>
-                                              <p:pRg st="3" end="3"/>
-                                            </p:txEl>
-                                          </p:spTgt>
-                                        </p:tgtEl>
-                                        <p:attrNameLst>
-                                          <p:attrName>fillcolor</p:attrName>
-                                        </p:attrNameLst>
-                                      </p:cBhvr>
-                                      <p:to>
-                                        <a:srgbClr val="D8D8D8"/>
-                                      </p:to>
-                                    </p:animClr>
-                                    <p:set>
-                                      <p:cBhvr>
-                                        <p:cTn id="29" dur="500" fill="hold"/>
-                                        <p:tgtEl>
-                                          <p:spTgt spid="6">
-                                            <p:txEl>
-                                              <p:pRg st="3" end="3"/>
-                                            </p:txEl>
-                                          </p:spTgt>
-                                        </p:tgtEl>
-                                        <p:attrNameLst>
-                                          <p:attrName>fill.type</p:attrName>
-                                        </p:attrNameLst>
-                                      </p:cBhvr>
-                                      <p:to>
-                                        <p:strVal val="solid"/>
-                                      </p:to>
-                                    </p:set>
-                                    <p:set>
-                                      <p:cBhvr>
-                                        <p:cTn id="30" dur="500" fill="hold"/>
-                                        <p:tgtEl>
-                                          <p:spTgt spid="6">
-                                            <p:txEl>
-                                              <p:pRg st="3" end="3"/>
-                                            </p:txEl>
-                                          </p:spTgt>
-                                        </p:tgtEl>
-                                        <p:attrNameLst>
-                                          <p:attrName>fill.on</p:attrName>
-                                        </p:attrNameLst>
-                                      </p:cBhvr>
-                                      <p:to>
-                                        <p:strVal val="true"/>
-                                      </p:to>
-                                    </p:set>
-                                  </p:childTnLst>
-                                </p:cTn>
-                              </p:par>
-                            </p:childTnLst>
-                          </p:cTn>
-                        </p:par>
-                      </p:childTnLst>
-                    </p:cTn>
-                  </p:par>
-                  <p:par>
-                    <p:cTn id="31" fill="hold">
-                      <p:stCondLst>
-                        <p:cond delay="indefinite"/>
-                      </p:stCondLst>
-                      <p:childTnLst>
-                        <p:par>
-                          <p:cTn id="32" fill="hold">
-                            <p:stCondLst>
-                              <p:cond delay="0"/>
-                            </p:stCondLst>
-                            <p:childTnLst>
-                              <p:par>
-                                <p:cTn id="33" presetID="19" presetClass="emph" presetSubtype="0" fill="hold" grpId="1" nodeType="clickEffect">
-                                  <p:stCondLst>
-                                    <p:cond delay="0"/>
-                                  </p:stCondLst>
-                                  <p:childTnLst>
-                                    <p:animClr clrSpc="rgb" dir="cw">
-                                      <p:cBhvr override="childStyle">
-                                        <p:cTn id="34" dur="500" fill="hold"/>
-                                        <p:tgtEl>
-                                          <p:spTgt spid="6">
-                                            <p:txEl>
-                                              <p:pRg st="4" end="4"/>
-                                            </p:txEl>
-                                          </p:spTgt>
-                                        </p:tgtEl>
-                                        <p:attrNameLst>
-                                          <p:attrName>style.color</p:attrName>
-                                        </p:attrNameLst>
-                                      </p:cBhvr>
-                                      <p:to>
-                                        <a:srgbClr val="D8D8D8"/>
-                                      </p:to>
-                                    </p:animClr>
-                                    <p:animClr clrSpc="rgb" dir="cw">
-                                      <p:cBhvr>
-                                        <p:cTn id="35" dur="500" fill="hold"/>
-                                        <p:tgtEl>
-                                          <p:spTgt spid="6">
-                                            <p:txEl>
-                                              <p:pRg st="4" end="4"/>
-                                            </p:txEl>
-                                          </p:spTgt>
-                                        </p:tgtEl>
-                                        <p:attrNameLst>
-                                          <p:attrName>fillcolor</p:attrName>
-                                        </p:attrNameLst>
-                                      </p:cBhvr>
-                                      <p:to>
-                                        <a:srgbClr val="D8D8D8"/>
-                                      </p:to>
-                                    </p:animClr>
-                                    <p:set>
-                                      <p:cBhvr>
-                                        <p:cTn id="36" dur="500" fill="hold"/>
-                                        <p:tgtEl>
-                                          <p:spTgt spid="6">
-                                            <p:txEl>
-                                              <p:pRg st="4" end="4"/>
-                                            </p:txEl>
-                                          </p:spTgt>
-                                        </p:tgtEl>
-                                        <p:attrNameLst>
-                                          <p:attrName>fill.type</p:attrName>
-                                        </p:attrNameLst>
-                                      </p:cBhvr>
-                                      <p:to>
-                                        <p:strVal val="solid"/>
-                                      </p:to>
-                                    </p:set>
-                                    <p:set>
-                                      <p:cBhvr>
-                                        <p:cTn id="37" dur="500" fill="hold"/>
-                                        <p:tgtEl>
-                                          <p:spTgt spid="6">
-                                            <p:txEl>
-                                              <p:pRg st="4" end="4"/>
-                                            </p:txEl>
-                                          </p:spTgt>
-                                        </p:tgtEl>
-                                        <p:attrNameLst>
-                                          <p:attrName>fill.on</p:attrName>
-                                        </p:attrNameLst>
-                                      </p:cBhvr>
-                                      <p:to>
-                                        <p:strVal val="true"/>
-                                      </p:to>
-                                    </p:set>
-                                  </p:childTnLst>
-                                </p:cTn>
-                              </p:par>
-                            </p:childTnLst>
-                          </p:cTn>
-                        </p:par>
-                      </p:childTnLst>
-                    </p:cTn>
-                  </p:par>
-                  <p:par>
-                    <p:cTn id="38" fill="hold">
-                      <p:stCondLst>
-                        <p:cond delay="indefinite"/>
-                      </p:stCondLst>
-                      <p:childTnLst>
-                        <p:par>
-                          <p:cTn id="39" fill="hold">
-                            <p:stCondLst>
-                              <p:cond delay="0"/>
-                            </p:stCondLst>
-                            <p:childTnLst>
-                              <p:par>
-                                <p:cTn id="40" presetID="19" presetClass="emph" presetSubtype="0" fill="hold" grpId="1" nodeType="clickEffect">
-                                  <p:stCondLst>
-                                    <p:cond delay="0"/>
-                                  </p:stCondLst>
-                                  <p:childTnLst>
-                                    <p:animClr clrSpc="rgb" dir="cw">
-                                      <p:cBhvr override="childStyle">
-                                        <p:cTn id="41" dur="500" fill="hold"/>
-                                        <p:tgtEl>
-                                          <p:spTgt spid="6">
-                                            <p:txEl>
-                                              <p:pRg st="5" end="5"/>
-                                            </p:txEl>
-                                          </p:spTgt>
-                                        </p:tgtEl>
-                                        <p:attrNameLst>
-                                          <p:attrName>style.color</p:attrName>
-                                        </p:attrNameLst>
-                                      </p:cBhvr>
-                                      <p:to>
-                                        <a:srgbClr val="D8D8D8"/>
-                                      </p:to>
-                                    </p:animClr>
-                                    <p:animClr clrSpc="rgb" dir="cw">
-                                      <p:cBhvr>
-                                        <p:cTn id="42" dur="500" fill="hold"/>
-                                        <p:tgtEl>
-                                          <p:spTgt spid="6">
-                                            <p:txEl>
-                                              <p:pRg st="5" end="5"/>
-                                            </p:txEl>
-                                          </p:spTgt>
-                                        </p:tgtEl>
-                                        <p:attrNameLst>
-                                          <p:attrName>fillcolor</p:attrName>
-                                        </p:attrNameLst>
-                                      </p:cBhvr>
-                                      <p:to>
-                                        <a:srgbClr val="D8D8D8"/>
-                                      </p:to>
-                                    </p:animClr>
-                                    <p:set>
-                                      <p:cBhvr>
-                                        <p:cTn id="43" dur="500" fill="hold"/>
-                                        <p:tgtEl>
-                                          <p:spTgt spid="6">
-                                            <p:txEl>
-                                              <p:pRg st="5" end="5"/>
-                                            </p:txEl>
-                                          </p:spTgt>
-                                        </p:tgtEl>
-                                        <p:attrNameLst>
-                                          <p:attrName>fill.type</p:attrName>
-                                        </p:attrNameLst>
-                                      </p:cBhvr>
-                                      <p:to>
-                                        <p:strVal val="solid"/>
-                                      </p:to>
-                                    </p:set>
-                                    <p:set>
-                                      <p:cBhvr>
-                                        <p:cTn id="44" dur="500" fill="hold"/>
-                                        <p:tgtEl>
-                                          <p:spTgt spid="6">
-                                            <p:txEl>
-                                              <p:pRg st="5" end="5"/>
-                                            </p:txEl>
-                                          </p:spTgt>
-                                        </p:tgtEl>
-                                        <p:attrNameLst>
-                                          <p:attrName>fill.on</p:attrName>
-                                        </p:attrNameLst>
-                                      </p:cBhvr>
-                                      <p:to>
-                                        <p:strVal val="true"/>
-                                      </p:to>
-                                    </p:set>
-                                  </p:childTnLst>
-                                </p:cTn>
-                              </p:par>
-                            </p:childTnLst>
-                          </p:cTn>
-                        </p:par>
-                      </p:childTnLst>
-                    </p:cTn>
-                  </p:par>
-                </p:childTnLst>
-              </p:cTn>
-              <p:prevCondLst>
-                <p:cond evt="onPrev" delay="0">
-                  <p:tgtEl>
-                    <p:sldTgt/>
-                  </p:tgtEl>
-                </p:cond>
-              </p:prevCondLst>
-              <p:nextCondLst>
-                <p:cond evt="onNext" delay="0">
-                  <p:tgtEl>
-                    <p:sldTgt/>
-                  </p:tgtEl>
-                </p:cond>
-              </p:nextCondLst>
-            </p:seq>
-          </p:childTnLst>
-        </p:cTn>
-      </p:par>
-    </p:tnLst>
-    <p:bldLst>
-      <p:bldP spid="6" grpId="1" uiExpand="1" build="p"/>
-    </p:bldLst>
-  </p:timing>
-</p:sld>
-</file>
-
 <file path=ppt/slides/slide19.xml><?xml version="1.0" encoding="utf-8"?>
 <p:sld xmlns:a="http://schemas.openxmlformats.org/drawingml/2006/main" xmlns:r="http://schemas.openxmlformats.org/officeDocument/2006/relationships" xmlns:p="http://schemas.openxmlformats.org/presentationml/2006/main">
   <p:cSld>
@@ -29515,34 +29397,518 @@
             <p:ph type="title"/>
           </p:nvPr>
         </p:nvSpPr>
+        <p:spPr/>
+        <p:txBody>
+          <a:bodyPr/>
+          <a:lstStyle/>
+          <a:p>
+            <a:r>
+              <a:rPr lang="en-US" dirty="0"/>
+              <a:t>Conclusions</a:t>
+            </a:r>
+          </a:p>
+        </p:txBody>
+      </p:sp>
+      <p:sp>
+        <p:nvSpPr>
+          <p:cNvPr id="6" name="Inhaltsplatzhalter 1">
+            <a:extLst>
+              <a:ext uri="{FF2B5EF4-FFF2-40B4-BE49-F238E27FC236}">
+                <a16:creationId xmlns:a16="http://schemas.microsoft.com/office/drawing/2014/main" id="{58A1E258-94EF-416A-9D10-EA9DB5B6DB07}"/>
+              </a:ext>
+            </a:extLst>
+          </p:cNvPr>
+          <p:cNvSpPr>
+            <a:spLocks noGrp="1"/>
+          </p:cNvSpPr>
+          <p:nvPr>
+            <p:ph idx="10"/>
+          </p:nvPr>
+        </p:nvSpPr>
         <p:spPr>
           <a:xfrm>
-            <a:off x="319090" y="3223816"/>
-            <a:ext cx="8508999" cy="410369"/>
+            <a:off x="319088" y="1978720"/>
+            <a:ext cx="8508999" cy="4136945"/>
           </a:xfrm>
         </p:spPr>
         <p:txBody>
           <a:bodyPr/>
           <a:lstStyle/>
           <a:p>
-            <a:pPr algn="ctr"/>
-            <a:r>
-              <a:rPr lang="en-US" dirty="0"/>
-              <a:t>Thank you for your attention!</a:t>
-            </a:r>
+            <a:pPr>
+              <a:lnSpc>
+                <a:spcPct val="200000"/>
+              </a:lnSpc>
+            </a:pPr>
+            <a:r>
+              <a:rPr lang="en-US" sz="2000" dirty="0">
+                <a:solidFill>
+                  <a:schemeClr val="tx1"/>
+                </a:solidFill>
+              </a:rPr>
+              <a:t>Introduction of deep learning models into speech synthesis</a:t>
+            </a:r>
+          </a:p>
+          <a:p>
+            <a:pPr marL="342900" indent="-342900">
+              <a:lnSpc>
+                <a:spcPct val="200000"/>
+              </a:lnSpc>
+              <a:buFont typeface="Wingdings" panose="05000000000000000000" pitchFamily="2" charset="2"/>
+              <a:buChar char="à"/>
+            </a:pPr>
+            <a:r>
+              <a:rPr lang="en-US" dirty="0">
+                <a:solidFill>
+                  <a:schemeClr val="tx1"/>
+                </a:solidFill>
+              </a:rPr>
+              <a:t>Better voice quality</a:t>
+            </a:r>
+          </a:p>
+          <a:p>
+            <a:pPr marL="342900" indent="-342900">
+              <a:lnSpc>
+                <a:spcPct val="200000"/>
+              </a:lnSpc>
+              <a:buFont typeface="Wingdings" panose="05000000000000000000" pitchFamily="2" charset="2"/>
+              <a:buChar char="à"/>
+            </a:pPr>
+            <a:r>
+              <a:rPr lang="en-US" dirty="0">
+                <a:solidFill>
+                  <a:schemeClr val="tx1"/>
+                </a:solidFill>
+              </a:rPr>
+              <a:t>Smaller memory footprint</a:t>
+            </a:r>
+          </a:p>
+          <a:p>
+            <a:pPr>
+              <a:lnSpc>
+                <a:spcPct val="200000"/>
+              </a:lnSpc>
+            </a:pPr>
+            <a:endParaRPr lang="en-US" sz="2000" dirty="0"/>
+          </a:p>
+          <a:p>
+            <a:pPr>
+              <a:lnSpc>
+                <a:spcPct val="200000"/>
+              </a:lnSpc>
+            </a:pPr>
+            <a:r>
+              <a:rPr lang="en-US" sz="2000" dirty="0"/>
+              <a:t>Huge increase of available smartphones expected</a:t>
+            </a:r>
+          </a:p>
+          <a:p>
+            <a:pPr marL="342900" indent="-342900">
+              <a:lnSpc>
+                <a:spcPct val="200000"/>
+              </a:lnSpc>
+              <a:buFont typeface="Wingdings" panose="05000000000000000000" pitchFamily="2" charset="2"/>
+              <a:buChar char="à"/>
+            </a:pPr>
+            <a:r>
+              <a:rPr lang="en-US" dirty="0">
+                <a:solidFill>
+                  <a:schemeClr val="tx1"/>
+                </a:solidFill>
+                <a:sym typeface="Wingdings" panose="05000000000000000000" pitchFamily="2" charset="2"/>
+              </a:rPr>
+              <a:t>Need for robust and resource-efficient implementations</a:t>
+            </a:r>
+          </a:p>
+          <a:p>
+            <a:pPr marL="342900" indent="-342900">
+              <a:lnSpc>
+                <a:spcPct val="200000"/>
+              </a:lnSpc>
+              <a:buFont typeface="Wingdings" panose="05000000000000000000" pitchFamily="2" charset="2"/>
+              <a:buChar char="à"/>
+            </a:pPr>
+            <a:r>
+              <a:rPr lang="en-US" dirty="0">
+                <a:solidFill>
+                  <a:schemeClr val="tx1"/>
+                </a:solidFill>
+                <a:sym typeface="Wingdings" panose="05000000000000000000" pitchFamily="2" charset="2"/>
+              </a:rPr>
+              <a:t>Deep learning model</a:t>
+            </a:r>
+            <a:r>
+              <a:rPr lang="de-DE" dirty="0">
+                <a:solidFill>
+                  <a:schemeClr val="tx1"/>
+                </a:solidFill>
+                <a:sym typeface="Wingdings" panose="05000000000000000000" pitchFamily="2" charset="2"/>
+              </a:rPr>
+              <a:t>s </a:t>
+            </a:r>
+            <a:r>
+              <a:rPr lang="en-US" dirty="0">
+                <a:solidFill>
+                  <a:schemeClr val="tx1"/>
+                </a:solidFill>
+                <a:sym typeface="Wingdings" panose="05000000000000000000" pitchFamily="2" charset="2"/>
+              </a:rPr>
+              <a:t>can be used to achieve this</a:t>
+            </a:r>
+          </a:p>
+          <a:p>
+            <a:pPr marL="285750" indent="-285750">
+              <a:lnSpc>
+                <a:spcPct val="200000"/>
+              </a:lnSpc>
+              <a:buFont typeface="Wingdings" panose="05000000000000000000" pitchFamily="2" charset="2"/>
+              <a:buChar char="à"/>
+            </a:pPr>
+            <a:endParaRPr lang="de-DE" dirty="0">
+              <a:solidFill>
+                <a:schemeClr val="tx1"/>
+              </a:solidFill>
+            </a:endParaRPr>
           </a:p>
         </p:txBody>
       </p:sp>
     </p:spTree>
     <p:extLst>
       <p:ext uri="{BB962C8B-B14F-4D97-AF65-F5344CB8AC3E}">
-        <p14:creationId xmlns:p14="http://schemas.microsoft.com/office/powerpoint/2010/main" val="3579100488"/>
+        <p14:creationId xmlns:p14="http://schemas.microsoft.com/office/powerpoint/2010/main" val="1631079468"/>
       </p:ext>
     </p:extLst>
   </p:cSld>
   <p:clrMapOvr>
     <a:masterClrMapping/>
   </p:clrMapOvr>
+  <p:timing>
+    <p:tnLst>
+      <p:par>
+        <p:cTn id="1" dur="indefinite" restart="never" nodeType="tmRoot">
+          <p:childTnLst>
+            <p:seq concurrent="1" nextAc="seek">
+              <p:cTn id="2" dur="indefinite" nodeType="mainSeq">
+                <p:childTnLst>
+                  <p:par>
+                    <p:cTn id="3" fill="hold">
+                      <p:stCondLst>
+                        <p:cond delay="indefinite"/>
+                      </p:stCondLst>
+                      <p:childTnLst>
+                        <p:par>
+                          <p:cTn id="4" fill="hold">
+                            <p:stCondLst>
+                              <p:cond delay="0"/>
+                            </p:stCondLst>
+                            <p:childTnLst>
+                              <p:par>
+                                <p:cTn id="5" presetID="1" presetClass="entr" presetSubtype="0" fill="hold" grpId="0" nodeType="clickEffect">
+                                  <p:stCondLst>
+                                    <p:cond delay="0"/>
+                                  </p:stCondLst>
+                                  <p:childTnLst>
+                                    <p:set>
+                                      <p:cBhvr>
+                                        <p:cTn id="6" dur="1" fill="hold">
+                                          <p:stCondLst>
+                                            <p:cond delay="0"/>
+                                          </p:stCondLst>
+                                        </p:cTn>
+                                        <p:tgtEl>
+                                          <p:spTgt spid="6">
+                                            <p:txEl>
+                                              <p:pRg st="0" end="0"/>
+                                            </p:txEl>
+                                          </p:spTgt>
+                                        </p:tgtEl>
+                                        <p:attrNameLst>
+                                          <p:attrName>style.visibility</p:attrName>
+                                        </p:attrNameLst>
+                                      </p:cBhvr>
+                                      <p:to>
+                                        <p:strVal val="visible"/>
+                                      </p:to>
+                                    </p:set>
+                                  </p:childTnLst>
+                                </p:cTn>
+                              </p:par>
+                            </p:childTnLst>
+                          </p:cTn>
+                        </p:par>
+                      </p:childTnLst>
+                    </p:cTn>
+                  </p:par>
+                  <p:par>
+                    <p:cTn id="7" fill="hold">
+                      <p:stCondLst>
+                        <p:cond delay="indefinite"/>
+                      </p:stCondLst>
+                      <p:childTnLst>
+                        <p:par>
+                          <p:cTn id="8" fill="hold">
+                            <p:stCondLst>
+                              <p:cond delay="0"/>
+                            </p:stCondLst>
+                            <p:childTnLst>
+                              <p:par>
+                                <p:cTn id="9" presetID="1" presetClass="entr" presetSubtype="0" fill="hold" grpId="0" nodeType="clickEffect">
+                                  <p:stCondLst>
+                                    <p:cond delay="0"/>
+                                  </p:stCondLst>
+                                  <p:childTnLst>
+                                    <p:set>
+                                      <p:cBhvr>
+                                        <p:cTn id="10" dur="1" fill="hold">
+                                          <p:stCondLst>
+                                            <p:cond delay="0"/>
+                                          </p:stCondLst>
+                                        </p:cTn>
+                                        <p:tgtEl>
+                                          <p:spTgt spid="6">
+                                            <p:txEl>
+                                              <p:pRg st="1" end="1"/>
+                                            </p:txEl>
+                                          </p:spTgt>
+                                        </p:tgtEl>
+                                        <p:attrNameLst>
+                                          <p:attrName>style.visibility</p:attrName>
+                                        </p:attrNameLst>
+                                      </p:cBhvr>
+                                      <p:to>
+                                        <p:strVal val="visible"/>
+                                      </p:to>
+                                    </p:set>
+                                  </p:childTnLst>
+                                </p:cTn>
+                              </p:par>
+                            </p:childTnLst>
+                          </p:cTn>
+                        </p:par>
+                      </p:childTnLst>
+                    </p:cTn>
+                  </p:par>
+                  <p:par>
+                    <p:cTn id="11" fill="hold">
+                      <p:stCondLst>
+                        <p:cond delay="indefinite"/>
+                      </p:stCondLst>
+                      <p:childTnLst>
+                        <p:par>
+                          <p:cTn id="12" fill="hold">
+                            <p:stCondLst>
+                              <p:cond delay="0"/>
+                            </p:stCondLst>
+                            <p:childTnLst>
+                              <p:par>
+                                <p:cTn id="13" presetID="1" presetClass="entr" presetSubtype="0" fill="hold" grpId="0" nodeType="clickEffect">
+                                  <p:stCondLst>
+                                    <p:cond delay="0"/>
+                                  </p:stCondLst>
+                                  <p:childTnLst>
+                                    <p:set>
+                                      <p:cBhvr>
+                                        <p:cTn id="14" dur="1" fill="hold">
+                                          <p:stCondLst>
+                                            <p:cond delay="0"/>
+                                          </p:stCondLst>
+                                        </p:cTn>
+                                        <p:tgtEl>
+                                          <p:spTgt spid="6">
+                                            <p:txEl>
+                                              <p:pRg st="2" end="2"/>
+                                            </p:txEl>
+                                          </p:spTgt>
+                                        </p:tgtEl>
+                                        <p:attrNameLst>
+                                          <p:attrName>style.visibility</p:attrName>
+                                        </p:attrNameLst>
+                                      </p:cBhvr>
+                                      <p:to>
+                                        <p:strVal val="visible"/>
+                                      </p:to>
+                                    </p:set>
+                                  </p:childTnLst>
+                                </p:cTn>
+                              </p:par>
+                            </p:childTnLst>
+                          </p:cTn>
+                        </p:par>
+                      </p:childTnLst>
+                    </p:cTn>
+                  </p:par>
+                  <p:par>
+                    <p:cTn id="15" fill="hold">
+                      <p:stCondLst>
+                        <p:cond delay="indefinite"/>
+                      </p:stCondLst>
+                      <p:childTnLst>
+                        <p:par>
+                          <p:cTn id="16" fill="hold">
+                            <p:stCondLst>
+                              <p:cond delay="0"/>
+                            </p:stCondLst>
+                            <p:childTnLst>
+                              <p:par>
+                                <p:cTn id="17" presetID="1" presetClass="entr" presetSubtype="0" fill="hold" grpId="0" nodeType="clickEffect">
+                                  <p:stCondLst>
+                                    <p:cond delay="0"/>
+                                  </p:stCondLst>
+                                  <p:childTnLst>
+                                    <p:set>
+                                      <p:cBhvr>
+                                        <p:cTn id="18" dur="1" fill="hold">
+                                          <p:stCondLst>
+                                            <p:cond delay="0"/>
+                                          </p:stCondLst>
+                                        </p:cTn>
+                                        <p:tgtEl>
+                                          <p:spTgt spid="6">
+                                            <p:txEl>
+                                              <p:pRg st="4" end="4"/>
+                                            </p:txEl>
+                                          </p:spTgt>
+                                        </p:tgtEl>
+                                        <p:attrNameLst>
+                                          <p:attrName>style.visibility</p:attrName>
+                                        </p:attrNameLst>
+                                      </p:cBhvr>
+                                      <p:to>
+                                        <p:strVal val="visible"/>
+                                      </p:to>
+                                    </p:set>
+                                  </p:childTnLst>
+                                </p:cTn>
+                              </p:par>
+                            </p:childTnLst>
+                          </p:cTn>
+                        </p:par>
+                      </p:childTnLst>
+                    </p:cTn>
+                  </p:par>
+                  <p:par>
+                    <p:cTn id="19" fill="hold">
+                      <p:stCondLst>
+                        <p:cond delay="indefinite"/>
+                      </p:stCondLst>
+                      <p:childTnLst>
+                        <p:par>
+                          <p:cTn id="20" fill="hold">
+                            <p:stCondLst>
+                              <p:cond delay="0"/>
+                            </p:stCondLst>
+                            <p:childTnLst>
+                              <p:par>
+                                <p:cTn id="21" presetID="1" presetClass="entr" presetSubtype="0" fill="hold" grpId="0" nodeType="clickEffect">
+                                  <p:stCondLst>
+                                    <p:cond delay="0"/>
+                                  </p:stCondLst>
+                                  <p:childTnLst>
+                                    <p:set>
+                                      <p:cBhvr>
+                                        <p:cTn id="22" dur="1" fill="hold">
+                                          <p:stCondLst>
+                                            <p:cond delay="0"/>
+                                          </p:stCondLst>
+                                        </p:cTn>
+                                        <p:tgtEl>
+                                          <p:spTgt spid="6">
+                                            <p:txEl>
+                                              <p:pRg st="5" end="5"/>
+                                            </p:txEl>
+                                          </p:spTgt>
+                                        </p:tgtEl>
+                                        <p:attrNameLst>
+                                          <p:attrName>style.visibility</p:attrName>
+                                        </p:attrNameLst>
+                                      </p:cBhvr>
+                                      <p:to>
+                                        <p:strVal val="visible"/>
+                                      </p:to>
+                                    </p:set>
+                                  </p:childTnLst>
+                                </p:cTn>
+                              </p:par>
+                            </p:childTnLst>
+                          </p:cTn>
+                        </p:par>
+                      </p:childTnLst>
+                    </p:cTn>
+                  </p:par>
+                  <p:par>
+                    <p:cTn id="23" fill="hold">
+                      <p:stCondLst>
+                        <p:cond delay="indefinite"/>
+                      </p:stCondLst>
+                      <p:childTnLst>
+                        <p:par>
+                          <p:cTn id="24" fill="hold">
+                            <p:stCondLst>
+                              <p:cond delay="0"/>
+                            </p:stCondLst>
+                            <p:childTnLst>
+                              <p:par>
+                                <p:cTn id="25" presetID="1" presetClass="entr" presetSubtype="0" fill="hold" grpId="0" nodeType="clickEffect">
+                                  <p:stCondLst>
+                                    <p:cond delay="0"/>
+                                  </p:stCondLst>
+                                  <p:childTnLst>
+                                    <p:set>
+                                      <p:cBhvr>
+                                        <p:cTn id="26" dur="1" fill="hold">
+                                          <p:stCondLst>
+                                            <p:cond delay="0"/>
+                                          </p:stCondLst>
+                                        </p:cTn>
+                                        <p:tgtEl>
+                                          <p:spTgt spid="6">
+                                            <p:txEl>
+                                              <p:pRg st="6" end="6"/>
+                                            </p:txEl>
+                                          </p:spTgt>
+                                        </p:tgtEl>
+                                        <p:attrNameLst>
+                                          <p:attrName>style.visibility</p:attrName>
+                                        </p:attrNameLst>
+                                      </p:cBhvr>
+                                      <p:to>
+                                        <p:strVal val="visible"/>
+                                      </p:to>
+                                    </p:set>
+                                  </p:childTnLst>
+                                </p:cTn>
+                              </p:par>
+                            </p:childTnLst>
+                          </p:cTn>
+                        </p:par>
+                      </p:childTnLst>
+                    </p:cTn>
+                  </p:par>
+                </p:childTnLst>
+              </p:cTn>
+              <p:prevCondLst>
+                <p:cond evt="onPrev" delay="0">
+                  <p:tgtEl>
+                    <p:sldTgt/>
+                  </p:tgtEl>
+                </p:cond>
+              </p:prevCondLst>
+              <p:nextCondLst>
+                <p:cond evt="onNext" delay="0">
+                  <p:tgtEl>
+                    <p:sldTgt/>
+                  </p:tgtEl>
+                </p:cond>
+              </p:nextCondLst>
+            </p:seq>
+          </p:childTnLst>
+        </p:cTn>
+      </p:par>
+    </p:tnLst>
+    <p:bldLst>
+      <p:bldP spid="6" grpId="0" uiExpand="1" build="p"/>
+    </p:bldLst>
+  </p:timing>
 </p:sld>
 </file>
 
@@ -29726,6 +30092,100 @@
 </file>
 
 <file path=ppt/slides/slide20.xml><?xml version="1.0" encoding="utf-8"?>
+<p:sld xmlns:a="http://schemas.openxmlformats.org/drawingml/2006/main" xmlns:r="http://schemas.openxmlformats.org/officeDocument/2006/relationships" xmlns:p="http://schemas.openxmlformats.org/presentationml/2006/main">
+  <p:cSld>
+    <p:spTree>
+      <p:nvGrpSpPr>
+        <p:cNvPr id="1" name=""/>
+        <p:cNvGrpSpPr/>
+        <p:nvPr/>
+      </p:nvGrpSpPr>
+      <p:grpSpPr>
+        <a:xfrm>
+          <a:off x="0" y="0"/>
+          <a:ext cx="0" cy="0"/>
+          <a:chOff x="0" y="0"/>
+          <a:chExt cx="0" cy="0"/>
+        </a:xfrm>
+      </p:grpSpPr>
+      <p:sp>
+        <p:nvSpPr>
+          <p:cNvPr id="3" name="Foliennummernplatzhalter 2">
+            <a:extLst>
+              <a:ext uri="{FF2B5EF4-FFF2-40B4-BE49-F238E27FC236}">
+                <a16:creationId xmlns:a16="http://schemas.microsoft.com/office/drawing/2014/main" id="{A366489A-8C80-4D71-99AB-A1991302B570}"/>
+              </a:ext>
+            </a:extLst>
+          </p:cNvPr>
+          <p:cNvSpPr>
+            <a:spLocks noGrp="1"/>
+          </p:cNvSpPr>
+          <p:nvPr>
+            <p:ph type="sldNum" sz="quarter" idx="11"/>
+          </p:nvPr>
+        </p:nvSpPr>
+        <p:spPr/>
+        <p:txBody>
+          <a:bodyPr/>
+          <a:lstStyle/>
+          <a:p>
+            <a:fld id="{CE58CB1E-F828-4F11-99E0-327109AF9DA4}" type="slidenum">
+              <a:rPr lang="de-DE" smtClean="0"/>
+              <a:pPr/>
+              <a:t>20</a:t>
+            </a:fld>
+            <a:endParaRPr lang="de-DE" dirty="0"/>
+          </a:p>
+        </p:txBody>
+      </p:sp>
+      <p:sp>
+        <p:nvSpPr>
+          <p:cNvPr id="4" name="Titel 3">
+            <a:extLst>
+              <a:ext uri="{FF2B5EF4-FFF2-40B4-BE49-F238E27FC236}">
+                <a16:creationId xmlns:a16="http://schemas.microsoft.com/office/drawing/2014/main" id="{36ADE80A-1283-4AF4-A236-A4BF09D9B274}"/>
+              </a:ext>
+            </a:extLst>
+          </p:cNvPr>
+          <p:cNvSpPr>
+            <a:spLocks noGrp="1"/>
+          </p:cNvSpPr>
+          <p:nvPr>
+            <p:ph type="title"/>
+          </p:nvPr>
+        </p:nvSpPr>
+        <p:spPr>
+          <a:xfrm>
+            <a:off x="319090" y="3223816"/>
+            <a:ext cx="8508999" cy="410369"/>
+          </a:xfrm>
+        </p:spPr>
+        <p:txBody>
+          <a:bodyPr/>
+          <a:lstStyle/>
+          <a:p>
+            <a:pPr algn="ctr"/>
+            <a:r>
+              <a:rPr lang="en-US" dirty="0"/>
+              <a:t>Thank you for your attention!</a:t>
+            </a:r>
+          </a:p>
+        </p:txBody>
+      </p:sp>
+    </p:spTree>
+    <p:extLst>
+      <p:ext uri="{BB962C8B-B14F-4D97-AF65-F5344CB8AC3E}">
+        <p14:creationId xmlns:p14="http://schemas.microsoft.com/office/powerpoint/2010/main" val="3579100488"/>
+      </p:ext>
+    </p:extLst>
+  </p:cSld>
+  <p:clrMapOvr>
+    <a:masterClrMapping/>
+  </p:clrMapOvr>
+</p:sld>
+</file>
+
+<file path=ppt/slides/slide21.xml><?xml version="1.0" encoding="utf-8"?>
 <p:sld xmlns:a="http://schemas.openxmlformats.org/drawingml/2006/main" xmlns:r="http://schemas.openxmlformats.org/officeDocument/2006/relationships" xmlns:p="http://schemas.openxmlformats.org/presentationml/2006/main" show="0">
   <p:cSld>
     <p:spTree>
@@ -29766,7 +30226,7 @@
             <a:fld id="{CE58CB1E-F828-4F11-99E0-327109AF9DA4}" type="slidenum">
               <a:rPr lang="de-DE" smtClean="0"/>
               <a:pPr/>
-              <a:t>20</a:t>
+              <a:t>21</a:t>
             </a:fld>
             <a:endParaRPr lang="de-DE" dirty="0"/>
           </a:p>
@@ -29905,7 +30365,7 @@
 </p:sld>
 </file>
 
-<file path=ppt/slides/slide21.xml><?xml version="1.0" encoding="utf-8"?>
+<file path=ppt/slides/slide22.xml><?xml version="1.0" encoding="utf-8"?>
 <p:sld xmlns:a="http://schemas.openxmlformats.org/drawingml/2006/main" xmlns:r="http://schemas.openxmlformats.org/officeDocument/2006/relationships" xmlns:p="http://schemas.openxmlformats.org/presentationml/2006/main" show="0">
   <p:cSld>
     <p:spTree>
@@ -30068,7 +30528,7 @@
             <a:fld id="{CE58CB1E-F828-4F11-99E0-327109AF9DA4}" type="slidenum">
               <a:rPr lang="de-DE" smtClean="0"/>
               <a:pPr/>
-              <a:t>21</a:t>
+              <a:t>22</a:t>
             </a:fld>
             <a:endParaRPr lang="de-DE" dirty="0"/>
           </a:p>
@@ -30202,7 +30662,7 @@
 </p:sld>
 </file>
 
-<file path=ppt/slides/slide22.xml><?xml version="1.0" encoding="utf-8"?>
+<file path=ppt/slides/slide23.xml><?xml version="1.0" encoding="utf-8"?>
 <p:sld xmlns:a="http://schemas.openxmlformats.org/drawingml/2006/main" xmlns:r="http://schemas.openxmlformats.org/officeDocument/2006/relationships" xmlns:p="http://schemas.openxmlformats.org/presentationml/2006/main" show="0">
   <p:cSld>
     <p:spTree>
@@ -30243,7 +30703,7 @@
             <a:fld id="{CE58CB1E-F828-4F11-99E0-327109AF9DA4}" type="slidenum">
               <a:rPr lang="de-DE" smtClean="0"/>
               <a:pPr/>
-              <a:t>22</a:t>
+              <a:t>23</a:t>
             </a:fld>
             <a:endParaRPr lang="de-DE" dirty="0"/>
           </a:p>
@@ -31767,7 +32227,7 @@
 </p:sld>
 </file>
 
-<file path=ppt/slides/slide23.xml><?xml version="1.0" encoding="utf-8"?>
+<file path=ppt/slides/slide24.xml><?xml version="1.0" encoding="utf-8"?>
 <p:sld xmlns:a="http://schemas.openxmlformats.org/drawingml/2006/main" xmlns:r="http://schemas.openxmlformats.org/officeDocument/2006/relationships" xmlns:p="http://schemas.openxmlformats.org/presentationml/2006/main" show="0">
   <p:cSld>
     <p:spTree>
@@ -31936,7 +32396,7 @@
             <a:fld id="{CE58CB1E-F828-4F11-99E0-327109AF9DA4}" type="slidenum">
               <a:rPr lang="de-DE" smtClean="0"/>
               <a:pPr/>
-              <a:t>23</a:t>
+              <a:t>24</a:t>
             </a:fld>
             <a:endParaRPr lang="de-DE" dirty="0"/>
           </a:p>
@@ -32341,7 +32801,7 @@
 </p:sld>
 </file>
 
-<file path=ppt/slides/slide24.xml><?xml version="1.0" encoding="utf-8"?>
+<file path=ppt/slides/slide25.xml><?xml version="1.0" encoding="utf-8"?>
 <p:sld xmlns:a="http://schemas.openxmlformats.org/drawingml/2006/main" xmlns:r="http://schemas.openxmlformats.org/officeDocument/2006/relationships" xmlns:p="http://schemas.openxmlformats.org/presentationml/2006/main" show="0">
   <p:cSld>
     <p:spTree>
@@ -32432,7 +32892,7 @@
             <a:fld id="{CE58CB1E-F828-4F11-99E0-327109AF9DA4}" type="slidenum">
               <a:rPr lang="de-DE" smtClean="0"/>
               <a:pPr/>
-              <a:t>24</a:t>
+              <a:t>25</a:t>
             </a:fld>
             <a:endParaRPr lang="de-DE" dirty="0"/>
           </a:p>
@@ -32484,7 +32944,7 @@
 </p:sld>
 </file>
 
-<file path=ppt/slides/slide25.xml><?xml version="1.0" encoding="utf-8"?>
+<file path=ppt/slides/slide26.xml><?xml version="1.0" encoding="utf-8"?>
 <p:sld xmlns:a="http://schemas.openxmlformats.org/drawingml/2006/main" xmlns:r="http://schemas.openxmlformats.org/officeDocument/2006/relationships" xmlns:p="http://schemas.openxmlformats.org/presentationml/2006/main" show="0">
   <p:cSld>
     <p:spTree>
@@ -32525,7 +32985,7 @@
             <a:fld id="{CE58CB1E-F828-4F11-99E0-327109AF9DA4}" type="slidenum">
               <a:rPr lang="de-DE" smtClean="0"/>
               <a:pPr/>
-              <a:t>25</a:t>
+              <a:t>26</a:t>
             </a:fld>
             <a:endParaRPr lang="de-DE" dirty="0"/>
           </a:p>
@@ -33660,8 +34120,8 @@
         </p:nvSpPr>
         <p:spPr>
           <a:xfrm rot="21278460">
-            <a:off x="2286056" y="2690518"/>
-            <a:ext cx="2268057" cy="523220"/>
+            <a:off x="2097002" y="2620953"/>
+            <a:ext cx="2559483" cy="584775"/>
           </a:xfrm>
           <a:prstGeom prst="rect">
             <a:avLst/>
@@ -33676,7 +34136,7 @@
           <a:p>
             <a:pPr algn="ctr"/>
             <a:r>
-              <a:rPr lang="de-DE" sz="2800" b="1" cap="none" spc="0" dirty="0">
+              <a:rPr lang="de-DE" sz="3200" b="1" cap="none" spc="0" dirty="0">
                 <a:ln w="0">
                   <a:solidFill>
                     <a:srgbClr val="DAD7CB"/>
@@ -33695,7 +34155,7 @@
               </a:rPr>
               <a:t>Reading Aid</a:t>
             </a:r>
-            <a:endParaRPr lang="en-US" sz="2800" b="1" cap="none" spc="0" dirty="0">
+            <a:endParaRPr lang="en-US" sz="3200" b="1" cap="none" spc="0" dirty="0">
               <a:ln w="0">
                 <a:solidFill>
                   <a:srgbClr val="DAD7CB"/>
@@ -33910,7 +34370,7 @@
         </p:nvSpPr>
         <p:spPr>
           <a:xfrm rot="20499032">
-            <a:off x="416626" y="5256763"/>
+            <a:off x="295536" y="5223746"/>
             <a:ext cx="4166013" cy="523220"/>
           </a:xfrm>
           <a:prstGeom prst="rect">
@@ -33979,7 +34439,7 @@
         </p:nvSpPr>
         <p:spPr>
           <a:xfrm rot="21281008">
-            <a:off x="5092201" y="3587248"/>
+            <a:off x="5565362" y="3490900"/>
             <a:ext cx="3202544" cy="523220"/>
           </a:xfrm>
           <a:prstGeom prst="rect">
@@ -34109,8 +34569,8 @@
         </p:nvSpPr>
         <p:spPr>
           <a:xfrm rot="152216">
-            <a:off x="4612277" y="4290549"/>
-            <a:ext cx="2816798" cy="584775"/>
+            <a:off x="4498245" y="4276123"/>
+            <a:ext cx="2493567" cy="523220"/>
           </a:xfrm>
           <a:prstGeom prst="rect">
             <a:avLst/>
@@ -34125,14 +34585,14 @@
           <a:p>
             <a:pPr algn="ctr"/>
             <a:r>
-              <a:rPr lang="en-US" sz="3200" b="1" cap="none" spc="0" dirty="0">
+              <a:rPr lang="en-US" sz="2800" b="1" cap="none" spc="0" dirty="0">
                 <a:ln w="0">
                   <a:solidFill>
                     <a:srgbClr val="DAD7CB"/>
                   </a:solidFill>
                 </a:ln>
                 <a:solidFill>
-                  <a:srgbClr val="E37222"/>
+                  <a:srgbClr val="0065BD"/>
                 </a:solidFill>
                 <a:effectLst>
                   <a:outerShdw blurRad="38100" dist="25400" dir="5400000" algn="ctr" rotWithShape="0">
@@ -34144,14 +34604,14 @@
               </a:rPr>
               <a:t>Voice cloning</a:t>
             </a:r>
-            <a:endParaRPr lang="en-US" sz="4800" b="1" cap="none" spc="0" dirty="0">
+            <a:endParaRPr lang="en-US" sz="4400" b="1" cap="none" spc="0" dirty="0">
               <a:ln w="0">
                 <a:solidFill>
                   <a:srgbClr val="DAD7CB"/>
                 </a:solidFill>
               </a:ln>
               <a:solidFill>
-                <a:srgbClr val="E37222"/>
+                <a:srgbClr val="0065BD"/>
               </a:solidFill>
               <a:effectLst>
                 <a:outerShdw blurRad="38100" dist="25400" dir="5400000" algn="ctr" rotWithShape="0">
@@ -34178,8 +34638,8 @@
         </p:nvSpPr>
         <p:spPr>
           <a:xfrm rot="21105981">
-            <a:off x="1470078" y="3059492"/>
-            <a:ext cx="6056274" cy="584775"/>
+            <a:off x="2261501" y="3247124"/>
+            <a:ext cx="4595169" cy="461665"/>
           </a:xfrm>
           <a:prstGeom prst="rect">
             <a:avLst/>
@@ -34194,14 +34654,14 @@
           <a:p>
             <a:pPr algn="ctr"/>
             <a:r>
-              <a:rPr lang="en-US" sz="3200" b="1" cap="none" spc="0" dirty="0">
+              <a:rPr lang="en-US" sz="2400" b="1" cap="none" spc="0" dirty="0">
                 <a:ln w="0">
                   <a:solidFill>
                     <a:srgbClr val="DAD7CB"/>
                   </a:solidFill>
                 </a:ln>
                 <a:solidFill>
-                  <a:srgbClr val="E37222"/>
+                  <a:srgbClr val="0065BD"/>
                 </a:solidFill>
                 <a:effectLst>
                   <a:outerShdw blurRad="38100" dist="25400" dir="5400000" algn="ctr" rotWithShape="0">
@@ -34213,14 +34673,14 @@
               </a:rPr>
               <a:t>Speech-to-Speech Translation</a:t>
             </a:r>
-            <a:endParaRPr lang="en-US" sz="4800" b="1" cap="none" spc="0" dirty="0">
+            <a:endParaRPr lang="en-US" sz="4000" b="1" cap="none" spc="0" dirty="0">
               <a:ln w="0">
                 <a:solidFill>
                   <a:srgbClr val="DAD7CB"/>
                 </a:solidFill>
               </a:ln>
               <a:solidFill>
-                <a:srgbClr val="E37222"/>
+                <a:srgbClr val="0065BD"/>
               </a:solidFill>
               <a:effectLst>
                 <a:outerShdw blurRad="38100" dist="25400" dir="5400000" algn="ctr" rotWithShape="0">
@@ -34296,123 +34756,6 @@
                       </p:childTnLst>
                     </p:cTn>
                   </p:par>
-                  <p:par>
-                    <p:cTn id="7" fill="hold">
-                      <p:stCondLst>
-                        <p:cond delay="indefinite"/>
-                      </p:stCondLst>
-                      <p:childTnLst>
-                        <p:par>
-                          <p:cTn id="8" fill="hold">
-                            <p:stCondLst>
-                              <p:cond delay="0"/>
-                            </p:stCondLst>
-                            <p:childTnLst>
-                              <p:par>
-                                <p:cTn id="9" presetID="1" presetClass="exit" presetSubtype="0" fill="hold" grpId="1" nodeType="clickEffect">
-                                  <p:stCondLst>
-                                    <p:cond delay="0"/>
-                                  </p:stCondLst>
-                                  <p:childTnLst>
-                                    <p:set>
-                                      <p:cBhvr>
-                                        <p:cTn id="10" dur="1" fill="hold">
-                                          <p:stCondLst>
-                                            <p:cond delay="0"/>
-                                          </p:stCondLst>
-                                        </p:cTn>
-                                        <p:tgtEl>
-                                          <p:spTgt spid="15"/>
-                                        </p:tgtEl>
-                                        <p:attrNameLst>
-                                          <p:attrName>style.visibility</p:attrName>
-                                        </p:attrNameLst>
-                                      </p:cBhvr>
-                                      <p:to>
-                                        <p:strVal val="hidden"/>
-                                      </p:to>
-                                    </p:set>
-                                  </p:childTnLst>
-                                </p:cTn>
-                              </p:par>
-                              <p:par>
-                                <p:cTn id="11" presetID="1" presetClass="entr" presetSubtype="0" fill="hold" grpId="0" nodeType="withEffect">
-                                  <p:stCondLst>
-                                    <p:cond delay="0"/>
-                                  </p:stCondLst>
-                                  <p:childTnLst>
-                                    <p:set>
-                                      <p:cBhvr>
-                                        <p:cTn id="12" dur="1" fill="hold">
-                                          <p:stCondLst>
-                                            <p:cond delay="0"/>
-                                          </p:stCondLst>
-                                        </p:cTn>
-                                        <p:tgtEl>
-                                          <p:spTgt spid="17"/>
-                                        </p:tgtEl>
-                                        <p:attrNameLst>
-                                          <p:attrName>style.visibility</p:attrName>
-                                        </p:attrNameLst>
-                                      </p:cBhvr>
-                                      <p:to>
-                                        <p:strVal val="visible"/>
-                                      </p:to>
-                                    </p:set>
-                                  </p:childTnLst>
-                                </p:cTn>
-                              </p:par>
-                            </p:childTnLst>
-                          </p:cTn>
-                        </p:par>
-                      </p:childTnLst>
-                    </p:cTn>
-                  </p:par>
-                  <p:par>
-                    <p:cTn id="13" fill="hold">
-                      <p:stCondLst>
-                        <p:cond delay="indefinite"/>
-                      </p:stCondLst>
-                      <p:childTnLst>
-                        <p:par>
-                          <p:cTn id="14" fill="hold">
-                            <p:stCondLst>
-                              <p:cond delay="0"/>
-                            </p:stCondLst>
-                            <p:childTnLst>
-                              <p:par>
-                                <p:cTn id="15" presetID="1" presetClass="entr" presetSubtype="0" fill="hold" grpId="0" nodeType="clickEffect">
-                                  <p:stCondLst>
-                                    <p:cond delay="0"/>
-                                  </p:stCondLst>
-                                  <p:childTnLst>
-                                    <p:set>
-                                      <p:cBhvr>
-                                        <p:cTn id="16" dur="1" fill="hold">
-                                          <p:stCondLst>
-                                            <p:cond delay="0"/>
-                                          </p:stCondLst>
-                                        </p:cTn>
-                                        <p:tgtEl>
-                                          <p:spTgt spid="16"/>
-                                        </p:tgtEl>
-                                        <p:attrNameLst>
-                                          <p:attrName>style.visibility</p:attrName>
-                                        </p:attrNameLst>
-                                      </p:cBhvr>
-                                      <p:to>
-                                        <p:strVal val="visible"/>
-                                      </p:to>
-                                    </p:set>
-                                  </p:childTnLst>
-                                </p:cTn>
-                              </p:par>
-                            </p:childTnLst>
-                          </p:cTn>
-                        </p:par>
-                      </p:childTnLst>
-                    </p:cTn>
-                  </p:par>
                 </p:childTnLst>
               </p:cTn>
               <p:prevCondLst>
@@ -34436,9 +34779,6 @@
     </p:tnLst>
     <p:bldLst>
       <p:bldP spid="15" grpId="0" animBg="1"/>
-      <p:bldP spid="15" grpId="1" animBg="1"/>
-      <p:bldP spid="16" grpId="0"/>
-      <p:bldP spid="17" grpId="0"/>
     </p:bldLst>
   </p:timing>
 </p:sld>
@@ -35462,20 +35802,12 @@
                   </a:lnSpc>
                 </a:pPr>
                 <a:r>
-                  <a:rPr lang="de-DE" sz="1400" dirty="0">
-                    <a:solidFill>
-                      <a:srgbClr val="DAD7CB"/>
-                    </a:solidFill>
-                  </a:rPr>
-                  <a:t>Different </a:t>
-                </a:r>
-                <a:r>
                   <a:rPr lang="en-US" sz="1400" dirty="0">
                     <a:solidFill>
                       <a:srgbClr val="DAD7CB"/>
                     </a:solidFill>
                   </a:rPr>
-                  <a:t>Synthesis Models</a:t>
+                  <a:t>Depends on synthesis model</a:t>
                 </a:r>
               </a:p>
               <a:p>
@@ -35607,6 +35939,97 @@
           </p:sp>
         </p:grpSp>
       </p:grpSp>
+      <p:sp>
+        <p:nvSpPr>
+          <p:cNvPr id="14" name="Textfeld 13">
+            <a:extLst>
+              <a:ext uri="{FF2B5EF4-FFF2-40B4-BE49-F238E27FC236}">
+                <a16:creationId xmlns:a16="http://schemas.microsoft.com/office/drawing/2014/main" id="{7B2454C6-B587-4E2F-9534-37BBDD7C1B9C}"/>
+              </a:ext>
+            </a:extLst>
+          </p:cNvPr>
+          <p:cNvSpPr txBox="1"/>
+          <p:nvPr/>
+        </p:nvSpPr>
+        <p:spPr>
+          <a:xfrm>
+            <a:off x="942025" y="6204799"/>
+            <a:ext cx="7272909" cy="421077"/>
+          </a:xfrm>
+          <a:prstGeom prst="rect">
+            <a:avLst/>
+          </a:prstGeom>
+          <a:noFill/>
+        </p:spPr>
+        <p:txBody>
+          <a:bodyPr wrap="square" lIns="0" tIns="0" rIns="0" bIns="0" rtlCol="0">
+            <a:spAutoFit/>
+          </a:bodyPr>
+          <a:lstStyle/>
+          <a:p>
+            <a:pPr algn="ctr">
+              <a:lnSpc>
+                <a:spcPct val="114000"/>
+              </a:lnSpc>
+            </a:pPr>
+            <a:r>
+              <a:rPr lang="de-DE" sz="800" dirty="0">
+                <a:latin typeface="+mn-lt"/>
+              </a:rPr>
+              <a:t>Source: </a:t>
+            </a:r>
+            <a:r>
+              <a:rPr lang="de-DE" sz="800" dirty="0" err="1"/>
+              <a:t>Boroș</a:t>
+            </a:r>
+            <a:r>
+              <a:rPr lang="de-DE" sz="800" dirty="0"/>
+              <a:t> et al. (2015) </a:t>
+            </a:r>
+            <a:r>
+              <a:rPr lang="en-US" sz="800" dirty="0"/>
+              <a:t>Robust deep-learning models for text-to-speech synthesis support on embedded devices, Proceedings of the 7th</a:t>
+            </a:r>
+          </a:p>
+          <a:p>
+            <a:pPr algn="ctr">
+              <a:lnSpc>
+                <a:spcPct val="114000"/>
+              </a:lnSpc>
+            </a:pPr>
+            <a:r>
+              <a:rPr lang="en-US" sz="800" dirty="0"/>
+              <a:t>International Conference on Management of Computational and Collective </a:t>
+            </a:r>
+            <a:r>
+              <a:rPr lang="en-US" sz="800" dirty="0" err="1"/>
+              <a:t>intElligence</a:t>
+            </a:r>
+            <a:r>
+              <a:rPr lang="en-US" sz="800" dirty="0"/>
+              <a:t> in Digital </a:t>
+            </a:r>
+            <a:r>
+              <a:rPr lang="en-US" sz="800" dirty="0" err="1"/>
+              <a:t>EcoSystems</a:t>
+            </a:r>
+            <a:r>
+              <a:rPr lang="en-US" sz="800" dirty="0"/>
+              <a:t> (MEDES ’15)</a:t>
+            </a:r>
+          </a:p>
+          <a:p>
+            <a:pPr algn="ctr">
+              <a:lnSpc>
+                <a:spcPct val="114000"/>
+              </a:lnSpc>
+            </a:pPr>
+            <a:endParaRPr lang="en-US" sz="800" dirty="0">
+              <a:latin typeface="+mn-lt"/>
+            </a:endParaRPr>
+          </a:p>
+        </p:txBody>
+      </p:sp>
     </p:spTree>
     <p:extLst>
       <p:ext uri="{BB962C8B-B14F-4D97-AF65-F5344CB8AC3E}">
@@ -35820,305 +36243,173 @@
           </a:p>
         </p:txBody>
       </p:sp>
-      <p:grpSp>
-        <p:nvGrpSpPr>
-          <p:cNvPr id="48" name="Gruppieren 47">
+      <p:sp>
+        <p:nvSpPr>
+          <p:cNvPr id="7" name="Rechteck: abgerundete Ecken 6">
             <a:extLst>
               <a:ext uri="{FF2B5EF4-FFF2-40B4-BE49-F238E27FC236}">
-                <a16:creationId xmlns:a16="http://schemas.microsoft.com/office/drawing/2014/main" id="{C899957E-4507-4DA0-86BF-8F5A3CF85A61}"/>
+                <a16:creationId xmlns:a16="http://schemas.microsoft.com/office/drawing/2014/main" id="{B3E795D5-2C06-4B60-8717-22B38A86EDDC}"/>
               </a:ext>
             </a:extLst>
           </p:cNvPr>
-          <p:cNvGrpSpPr/>
+          <p:cNvSpPr/>
           <p:nvPr/>
-        </p:nvGrpSpPr>
-        <p:grpSpPr>
+        </p:nvSpPr>
+        <p:spPr>
           <a:xfrm>
-            <a:off x="3403589" y="3014582"/>
-            <a:ext cx="2774429" cy="684363"/>
-            <a:chOff x="3403589" y="3014582"/>
-            <a:chExt cx="2774429" cy="684363"/>
+            <a:off x="3403589" y="3338945"/>
+            <a:ext cx="2340000" cy="360000"/>
           </a:xfrm>
-        </p:grpSpPr>
-        <p:sp>
-          <p:nvSpPr>
-            <p:cNvPr id="7" name="Rechteck: abgerundete Ecken 6">
-              <a:extLst>
-                <a:ext uri="{FF2B5EF4-FFF2-40B4-BE49-F238E27FC236}">
-                  <a16:creationId xmlns:a16="http://schemas.microsoft.com/office/drawing/2014/main" id="{B3E795D5-2C06-4B60-8717-22B38A86EDDC}"/>
-                </a:ext>
-              </a:extLst>
-            </p:cNvPr>
-            <p:cNvSpPr/>
-            <p:nvPr/>
-          </p:nvSpPr>
-          <p:spPr>
-            <a:xfrm>
-              <a:off x="3403589" y="3338945"/>
-              <a:ext cx="2340000" cy="360000"/>
-            </a:xfrm>
-            <a:prstGeom prst="roundRect">
+          <a:prstGeom prst="roundRect">
+            <a:avLst/>
+          </a:prstGeom>
+          <a:solidFill>
+            <a:srgbClr val="0065BD"/>
+          </a:solidFill>
+          <a:ln>
+            <a:solidFill>
+              <a:srgbClr val="DAD7CB"/>
+            </a:solidFill>
+          </a:ln>
+        </p:spPr>
+        <p:style>
+          <a:lnRef idx="2">
+            <a:schemeClr val="accent1">
+              <a:shade val="50000"/>
+            </a:schemeClr>
+          </a:lnRef>
+          <a:fillRef idx="1">
+            <a:schemeClr val="accent1"/>
+          </a:fillRef>
+          <a:effectRef idx="0">
+            <a:schemeClr val="accent1"/>
+          </a:effectRef>
+          <a:fontRef idx="minor">
+            <a:schemeClr val="lt1"/>
+          </a:fontRef>
+        </p:style>
+        <p:txBody>
+          <a:bodyPr rot="0" spcFirstLastPara="0" vertOverflow="overflow" horzOverflow="overflow" vert="horz" wrap="square" lIns="91440" tIns="45720" rIns="91440" bIns="45720" numCol="1" spcCol="0" rtlCol="0" fromWordArt="0" anchor="ctr" anchorCtr="0" forceAA="0" compatLnSpc="1">
+            <a:prstTxWarp prst="textNoShape">
               <a:avLst/>
-            </a:prstGeom>
-            <a:solidFill>
-              <a:srgbClr val="0065BD"/>
-            </a:solidFill>
-            <a:ln>
-              <a:solidFill>
-                <a:srgbClr val="DAD7CB"/>
-              </a:solidFill>
-            </a:ln>
-          </p:spPr>
-          <p:style>
-            <a:lnRef idx="2">
-              <a:schemeClr val="accent1">
-                <a:shade val="50000"/>
-              </a:schemeClr>
-            </a:lnRef>
-            <a:fillRef idx="1">
-              <a:schemeClr val="accent1"/>
-            </a:fillRef>
-            <a:effectRef idx="0">
-              <a:schemeClr val="accent1"/>
-            </a:effectRef>
-            <a:fontRef idx="minor">
-              <a:schemeClr val="lt1"/>
-            </a:fontRef>
-          </p:style>
-          <p:txBody>
-            <a:bodyPr rot="0" spcFirstLastPara="0" vertOverflow="overflow" horzOverflow="overflow" vert="horz" wrap="square" lIns="91440" tIns="45720" rIns="91440" bIns="45720" numCol="1" spcCol="0" rtlCol="0" fromWordArt="0" anchor="ctr" anchorCtr="0" forceAA="0" compatLnSpc="1">
-              <a:prstTxWarp prst="textNoShape">
-                <a:avLst/>
-              </a:prstTxWarp>
-              <a:noAutofit/>
-            </a:bodyPr>
-            <a:lstStyle/>
-            <a:p>
-              <a:pPr algn="ctr">
-                <a:lnSpc>
-                  <a:spcPct val="114000"/>
-                </a:lnSpc>
-              </a:pPr>
-              <a:r>
-                <a:rPr lang="en-US" sz="1400">
-                  <a:solidFill>
-                    <a:srgbClr val="DAD7CB"/>
-                  </a:solidFill>
-                </a:rPr>
-                <a:t>Acoustic Model</a:t>
-              </a:r>
-            </a:p>
-          </p:txBody>
-        </p:sp>
-        <p:grpSp>
-          <p:nvGrpSpPr>
-            <p:cNvPr id="40" name="Gruppieren 39">
-              <a:extLst>
-                <a:ext uri="{FF2B5EF4-FFF2-40B4-BE49-F238E27FC236}">
-                  <a16:creationId xmlns:a16="http://schemas.microsoft.com/office/drawing/2014/main" id="{4C1BAE28-A8FD-402D-AEC6-DE682D837680}"/>
-                </a:ext>
-              </a:extLst>
-            </p:cNvPr>
-            <p:cNvGrpSpPr/>
-            <p:nvPr/>
-          </p:nvGrpSpPr>
-          <p:grpSpPr>
-            <a:xfrm>
-              <a:off x="4418712" y="3014582"/>
-              <a:ext cx="1759306" cy="276999"/>
-              <a:chOff x="4418712" y="3014582"/>
-              <a:chExt cx="1759306" cy="276999"/>
-            </a:xfrm>
-          </p:grpSpPr>
-          <p:sp>
-            <p:nvSpPr>
-              <p:cNvPr id="24" name="Rechteck 23">
-                <a:extLst>
-                  <a:ext uri="{FF2B5EF4-FFF2-40B4-BE49-F238E27FC236}">
-                    <a16:creationId xmlns:a16="http://schemas.microsoft.com/office/drawing/2014/main" id="{50624DDF-4ABD-4F3E-8E9A-346499394376}"/>
-                  </a:ext>
-                </a:extLst>
-              </p:cNvPr>
-              <p:cNvSpPr/>
-              <p:nvPr/>
-            </p:nvSpPr>
-            <p:spPr>
-              <a:xfrm>
-                <a:off x="4738201" y="3014582"/>
-                <a:ext cx="1439817" cy="276999"/>
-              </a:xfrm>
-              <a:prstGeom prst="rect">
-                <a:avLst/>
-              </a:prstGeom>
-              <a:noFill/>
-            </p:spPr>
-            <p:txBody>
-              <a:bodyPr wrap="none" lIns="91440" tIns="45720" rIns="91440" bIns="45720" anchor="ctr">
-                <a:spAutoFit/>
-              </a:bodyPr>
-              <a:lstStyle/>
-              <a:p>
-                <a:r>
-                  <a:rPr lang="en-US" sz="1200" b="1" cap="none" spc="0" dirty="0">
-                    <a:ln w="0">
-                      <a:solidFill>
-                        <a:srgbClr val="DAD7CB"/>
-                      </a:solidFill>
-                    </a:ln>
-                    <a:solidFill>
-                      <a:srgbClr val="E37222"/>
-                    </a:solidFill>
-                    <a:effectLst>
-                      <a:outerShdw blurRad="38100" dist="25400" dir="5400000" algn="ctr" rotWithShape="0">
-                        <a:srgbClr val="6E747A">
-                          <a:alpha val="43000"/>
-                        </a:srgbClr>
-                      </a:outerShdw>
-                    </a:effectLst>
-                  </a:rPr>
-                  <a:t>Context Features</a:t>
-                </a:r>
-              </a:p>
-            </p:txBody>
-          </p:sp>
-          <p:sp>
-            <p:nvSpPr>
-              <p:cNvPr id="28" name="Pfeil: nach unten 27">
-                <a:extLst>
-                  <a:ext uri="{FF2B5EF4-FFF2-40B4-BE49-F238E27FC236}">
-                    <a16:creationId xmlns:a16="http://schemas.microsoft.com/office/drawing/2014/main" id="{CA96C2F0-B465-4577-A136-E61AF29D8F89}"/>
-                  </a:ext>
-                </a:extLst>
-              </p:cNvPr>
-              <p:cNvSpPr/>
-              <p:nvPr/>
-            </p:nvSpPr>
-            <p:spPr>
-              <a:xfrm>
-                <a:off x="4418712" y="3046365"/>
-                <a:ext cx="305601" cy="220497"/>
-              </a:xfrm>
-              <a:prstGeom prst="downArrow">
-                <a:avLst>
-                  <a:gd name="adj1" fmla="val 45325"/>
-                  <a:gd name="adj2" fmla="val 53139"/>
-                </a:avLst>
-              </a:prstGeom>
-              <a:solidFill>
-                <a:srgbClr val="DAD7CB"/>
-              </a:solidFill>
-              <a:ln>
+            </a:prstTxWarp>
+            <a:noAutofit/>
+          </a:bodyPr>
+          <a:lstStyle/>
+          <a:p>
+            <a:pPr algn="ctr">
+              <a:lnSpc>
+                <a:spcPct val="114000"/>
+              </a:lnSpc>
+            </a:pPr>
+            <a:r>
+              <a:rPr lang="en-US" sz="1400">
                 <a:solidFill>
                   <a:srgbClr val="DAD7CB"/>
                 </a:solidFill>
-              </a:ln>
-            </p:spPr>
-            <p:style>
-              <a:lnRef idx="2">
-                <a:schemeClr val="accent1">
-                  <a:shade val="50000"/>
-                </a:schemeClr>
-              </a:lnRef>
-              <a:fillRef idx="1">
-                <a:schemeClr val="accent1"/>
-              </a:fillRef>
-              <a:effectRef idx="0">
-                <a:schemeClr val="accent1"/>
-              </a:effectRef>
-              <a:fontRef idx="minor">
-                <a:schemeClr val="lt1"/>
-              </a:fontRef>
-            </p:style>
-            <p:txBody>
-              <a:bodyPr rot="0" spcFirstLastPara="0" vertOverflow="overflow" horzOverflow="overflow" vert="horz" wrap="square" lIns="91440" tIns="45720" rIns="91440" bIns="45720" numCol="1" spcCol="0" rtlCol="0" fromWordArt="0" anchor="t" anchorCtr="0" forceAA="0" compatLnSpc="1">
-                <a:prstTxWarp prst="textNoShape">
-                  <a:avLst/>
-                </a:prstTxWarp>
-                <a:noAutofit/>
-              </a:bodyPr>
-              <a:lstStyle/>
-              <a:p>
-                <a:pPr algn="ctr">
-                  <a:lnSpc>
-                    <a:spcPct val="114000"/>
-                  </a:lnSpc>
-                </a:pPr>
-                <a:endParaRPr lang="en-US" dirty="0"/>
-              </a:p>
-            </p:txBody>
-          </p:sp>
-        </p:grpSp>
-      </p:grpSp>
-      <p:grpSp>
-        <p:nvGrpSpPr>
-          <p:cNvPr id="52" name="Gruppieren 51">
+              </a:rPr>
+              <a:t>Acoustic Model</a:t>
+            </a:r>
+          </a:p>
+        </p:txBody>
+      </p:sp>
+      <p:sp>
+        <p:nvSpPr>
+          <p:cNvPr id="28" name="Pfeil: nach unten 27">
             <a:extLst>
               <a:ext uri="{FF2B5EF4-FFF2-40B4-BE49-F238E27FC236}">
-                <a16:creationId xmlns:a16="http://schemas.microsoft.com/office/drawing/2014/main" id="{AAB1361D-A108-4AB3-B71A-ED227CC50E6A}"/>
+                <a16:creationId xmlns:a16="http://schemas.microsoft.com/office/drawing/2014/main" id="{CA96C2F0-B465-4577-A136-E61AF29D8F89}"/>
               </a:ext>
             </a:extLst>
           </p:cNvPr>
-          <p:cNvGrpSpPr/>
+          <p:cNvSpPr/>
           <p:nvPr/>
-        </p:nvGrpSpPr>
-        <p:grpSpPr>
+        </p:nvSpPr>
+        <p:spPr>
           <a:xfrm>
-            <a:off x="3403586" y="1785460"/>
-            <a:ext cx="2340000" cy="1209252"/>
-            <a:chOff x="3403586" y="1785460"/>
-            <a:chExt cx="2340000" cy="1209252"/>
+            <a:off x="4418712" y="3046365"/>
+            <a:ext cx="305601" cy="220497"/>
           </a:xfrm>
-        </p:grpSpPr>
-        <p:sp>
-          <p:nvSpPr>
-            <p:cNvPr id="10" name="Rechteck 9">
-              <a:extLst>
-                <a:ext uri="{FF2B5EF4-FFF2-40B4-BE49-F238E27FC236}">
-                  <a16:creationId xmlns:a16="http://schemas.microsoft.com/office/drawing/2014/main" id="{31981972-D692-46C9-8323-A114D8CEAB6E}"/>
-                </a:ext>
-              </a:extLst>
-            </p:cNvPr>
-            <p:cNvSpPr/>
-            <p:nvPr/>
-          </p:nvSpPr>
-          <p:spPr>
-            <a:xfrm>
-              <a:off x="4021810" y="1785460"/>
-              <a:ext cx="1099404" cy="646331"/>
-            </a:xfrm>
-            <a:prstGeom prst="rect">
+          <a:prstGeom prst="downArrow">
+            <a:avLst>
+              <a:gd name="adj1" fmla="val 45325"/>
+              <a:gd name="adj2" fmla="val 53139"/>
+            </a:avLst>
+          </a:prstGeom>
+          <a:solidFill>
+            <a:srgbClr val="DAD7CB"/>
+          </a:solidFill>
+          <a:ln>
+            <a:solidFill>
+              <a:srgbClr val="DAD7CB"/>
+            </a:solidFill>
+          </a:ln>
+        </p:spPr>
+        <p:style>
+          <a:lnRef idx="2">
+            <a:schemeClr val="accent1">
+              <a:shade val="50000"/>
+            </a:schemeClr>
+          </a:lnRef>
+          <a:fillRef idx="1">
+            <a:schemeClr val="accent1"/>
+          </a:fillRef>
+          <a:effectRef idx="0">
+            <a:schemeClr val="accent1"/>
+          </a:effectRef>
+          <a:fontRef idx="minor">
+            <a:schemeClr val="lt1"/>
+          </a:fontRef>
+        </p:style>
+        <p:txBody>
+          <a:bodyPr rot="0" spcFirstLastPara="0" vertOverflow="overflow" horzOverflow="overflow" vert="horz" wrap="square" lIns="91440" tIns="45720" rIns="91440" bIns="45720" numCol="1" spcCol="0" rtlCol="0" fromWordArt="0" anchor="t" anchorCtr="0" forceAA="0" compatLnSpc="1">
+            <a:prstTxWarp prst="textNoShape">
               <a:avLst/>
-            </a:prstGeom>
-            <a:noFill/>
-          </p:spPr>
-          <p:txBody>
-            <a:bodyPr wrap="none" lIns="91440" tIns="45720" rIns="91440" bIns="45720">
-              <a:spAutoFit/>
-            </a:bodyPr>
-            <a:lstStyle/>
-            <a:p>
-              <a:pPr algn="ctr"/>
-              <a:r>
-                <a:rPr lang="de-DE" sz="3600" b="1" cap="none" spc="0" dirty="0">
-                  <a:ln w="0">
-                    <a:solidFill>
-                      <a:srgbClr val="DAD7CB"/>
-                    </a:solidFill>
-                  </a:ln>
-                  <a:solidFill>
-                    <a:srgbClr val="0065BD"/>
-                  </a:solidFill>
-                  <a:effectLst>
-                    <a:outerShdw blurRad="38100" dist="25400" dir="5400000" algn="ctr" rotWithShape="0">
-                      <a:srgbClr val="6E747A">
-                        <a:alpha val="43000"/>
-                      </a:srgbClr>
-                    </a:outerShdw>
-                  </a:effectLst>
-                </a:rPr>
-                <a:t>Text</a:t>
-              </a:r>
-              <a:endParaRPr lang="de-DE" sz="5400" b="1" cap="none" spc="0" dirty="0">
+            </a:prstTxWarp>
+            <a:noAutofit/>
+          </a:bodyPr>
+          <a:lstStyle/>
+          <a:p>
+            <a:pPr algn="ctr">
+              <a:lnSpc>
+                <a:spcPct val="114000"/>
+              </a:lnSpc>
+            </a:pPr>
+            <a:endParaRPr lang="en-US" dirty="0"/>
+          </a:p>
+        </p:txBody>
+      </p:sp>
+      <p:sp>
+        <p:nvSpPr>
+          <p:cNvPr id="10" name="Rechteck 9">
+            <a:extLst>
+              <a:ext uri="{FF2B5EF4-FFF2-40B4-BE49-F238E27FC236}">
+                <a16:creationId xmlns:a16="http://schemas.microsoft.com/office/drawing/2014/main" id="{31981972-D692-46C9-8323-A114D8CEAB6E}"/>
+              </a:ext>
+            </a:extLst>
+          </p:cNvPr>
+          <p:cNvSpPr/>
+          <p:nvPr/>
+        </p:nvSpPr>
+        <p:spPr>
+          <a:xfrm>
+            <a:off x="4021810" y="1785460"/>
+            <a:ext cx="1099404" cy="646331"/>
+          </a:xfrm>
+          <a:prstGeom prst="rect">
+            <a:avLst/>
+          </a:prstGeom>
+          <a:noFill/>
+        </p:spPr>
+        <p:txBody>
+          <a:bodyPr wrap="none" lIns="91440" tIns="45720" rIns="91440" bIns="45720">
+            <a:spAutoFit/>
+          </a:bodyPr>
+          <a:lstStyle/>
+          <a:p>
+            <a:pPr algn="ctr"/>
+            <a:r>
+              <a:rPr lang="de-DE" sz="3600" b="1" cap="none" spc="0" dirty="0">
                 <a:ln w="0">
                   <a:solidFill>
                     <a:srgbClr val="DAD7CB"/>
@@ -36134,179 +36425,35 @@
                     </a:srgbClr>
                   </a:outerShdw>
                 </a:effectLst>
-              </a:endParaRPr>
-            </a:p>
-          </p:txBody>
-        </p:sp>
-        <p:grpSp>
-          <p:nvGrpSpPr>
-            <p:cNvPr id="47" name="Gruppieren 46">
-              <a:extLst>
-                <a:ext uri="{FF2B5EF4-FFF2-40B4-BE49-F238E27FC236}">
-                  <a16:creationId xmlns:a16="http://schemas.microsoft.com/office/drawing/2014/main" id="{ECB9FEA4-433B-420C-A940-5AD13E3B9A0C}"/>
-                </a:ext>
-              </a:extLst>
-            </p:cNvPr>
-            <p:cNvGrpSpPr/>
-            <p:nvPr/>
-          </p:nvGrpSpPr>
-          <p:grpSpPr>
-            <a:xfrm>
-              <a:off x="3403586" y="2364253"/>
-              <a:ext cx="2340000" cy="630459"/>
-              <a:chOff x="3403586" y="2364253"/>
-              <a:chExt cx="2340000" cy="630459"/>
-            </a:xfrm>
-          </p:grpSpPr>
-          <p:sp>
-            <p:nvSpPr>
-              <p:cNvPr id="6" name="Rechteck: abgerundete Ecken 5">
-                <a:extLst>
-                  <a:ext uri="{FF2B5EF4-FFF2-40B4-BE49-F238E27FC236}">
-                    <a16:creationId xmlns:a16="http://schemas.microsoft.com/office/drawing/2014/main" id="{B3211B43-B77B-49C2-B0CF-9E0D958D5340}"/>
-                  </a:ext>
-                </a:extLst>
-              </p:cNvPr>
-              <p:cNvSpPr/>
-              <p:nvPr/>
-            </p:nvSpPr>
-            <p:spPr>
-              <a:xfrm>
-                <a:off x="3403586" y="2634712"/>
-                <a:ext cx="2340000" cy="360000"/>
-              </a:xfrm>
-              <a:prstGeom prst="roundRect">
-                <a:avLst/>
-              </a:prstGeom>
-              <a:solidFill>
-                <a:srgbClr val="0065BD"/>
-              </a:solidFill>
-              <a:ln>
+              </a:rPr>
+              <a:t>Text</a:t>
+            </a:r>
+            <a:endParaRPr lang="de-DE" sz="5400" b="1" cap="none" spc="0" dirty="0">
+              <a:ln w="0">
                 <a:solidFill>
                   <a:srgbClr val="DAD7CB"/>
                 </a:solidFill>
               </a:ln>
-            </p:spPr>
-            <p:style>
-              <a:lnRef idx="2">
-                <a:schemeClr val="accent1">
-                  <a:shade val="50000"/>
-                </a:schemeClr>
-              </a:lnRef>
-              <a:fillRef idx="1">
-                <a:schemeClr val="accent1"/>
-              </a:fillRef>
-              <a:effectRef idx="0">
-                <a:schemeClr val="accent1"/>
-              </a:effectRef>
-              <a:fontRef idx="minor">
-                <a:schemeClr val="lt1"/>
-              </a:fontRef>
-            </p:style>
-            <p:txBody>
-              <a:bodyPr rot="0" spcFirstLastPara="0" vertOverflow="overflow" horzOverflow="overflow" vert="horz" wrap="square" lIns="91440" tIns="45720" rIns="91440" bIns="45720" numCol="1" spcCol="0" rtlCol="0" fromWordArt="0" anchor="ctr" anchorCtr="0" forceAA="0" compatLnSpc="1">
-                <a:prstTxWarp prst="textNoShape">
-                  <a:avLst/>
-                </a:prstTxWarp>
-                <a:noAutofit/>
-              </a:bodyPr>
-              <a:lstStyle/>
-              <a:p>
-                <a:pPr algn="ctr">
-                  <a:lnSpc>
-                    <a:spcPct val="114000"/>
-                  </a:lnSpc>
-                </a:pPr>
-                <a:r>
-                  <a:rPr lang="de-DE" sz="1400" dirty="0">
-                    <a:solidFill>
-                      <a:srgbClr val="DAD7CB"/>
-                    </a:solidFill>
-                  </a:rPr>
-                  <a:t>Text Analysis</a:t>
-                </a:r>
-                <a:endParaRPr lang="en-US" dirty="0">
-                  <a:solidFill>
-                    <a:srgbClr val="DAD7CB"/>
-                  </a:solidFill>
-                </a:endParaRPr>
-              </a:p>
-            </p:txBody>
-          </p:sp>
-          <p:sp>
-            <p:nvSpPr>
-              <p:cNvPr id="29" name="Pfeil: nach unten 28">
-                <a:extLst>
-                  <a:ext uri="{FF2B5EF4-FFF2-40B4-BE49-F238E27FC236}">
-                    <a16:creationId xmlns:a16="http://schemas.microsoft.com/office/drawing/2014/main" id="{59EA6FCA-1410-4706-8150-AB1474F1B592}"/>
-                  </a:ext>
-                </a:extLst>
-              </p:cNvPr>
-              <p:cNvSpPr/>
-              <p:nvPr/>
-            </p:nvSpPr>
-            <p:spPr>
-              <a:xfrm>
-                <a:off x="4418712" y="2364253"/>
-                <a:ext cx="305601" cy="220497"/>
-              </a:xfrm>
-              <a:prstGeom prst="downArrow">
-                <a:avLst>
-                  <a:gd name="adj1" fmla="val 45325"/>
-                  <a:gd name="adj2" fmla="val 53139"/>
-                </a:avLst>
-              </a:prstGeom>
               <a:solidFill>
-                <a:srgbClr val="DAD7CB"/>
+                <a:srgbClr val="0065BD"/>
               </a:solidFill>
-              <a:ln>
-                <a:solidFill>
-                  <a:srgbClr val="DAD7CB"/>
-                </a:solidFill>
-              </a:ln>
-            </p:spPr>
-            <p:style>
-              <a:lnRef idx="2">
-                <a:schemeClr val="accent1">
-                  <a:shade val="50000"/>
-                </a:schemeClr>
-              </a:lnRef>
-              <a:fillRef idx="1">
-                <a:schemeClr val="accent1"/>
-              </a:fillRef>
-              <a:effectRef idx="0">
-                <a:schemeClr val="accent1"/>
-              </a:effectRef>
-              <a:fontRef idx="minor">
-                <a:schemeClr val="lt1"/>
-              </a:fontRef>
-            </p:style>
-            <p:txBody>
-              <a:bodyPr rot="0" spcFirstLastPara="0" vertOverflow="overflow" horzOverflow="overflow" vert="horz" wrap="square" lIns="91440" tIns="45720" rIns="91440" bIns="45720" numCol="1" spcCol="0" rtlCol="0" fromWordArt="0" anchor="t" anchorCtr="0" forceAA="0" compatLnSpc="1">
-                <a:prstTxWarp prst="textNoShape">
-                  <a:avLst/>
-                </a:prstTxWarp>
-                <a:noAutofit/>
-              </a:bodyPr>
-              <a:lstStyle/>
-              <a:p>
-                <a:pPr algn="ctr">
-                  <a:lnSpc>
-                    <a:spcPct val="114000"/>
-                  </a:lnSpc>
-                </a:pPr>
-                <a:endParaRPr lang="en-US" dirty="0"/>
-              </a:p>
-            </p:txBody>
-          </p:sp>
-        </p:grpSp>
-      </p:grpSp>
+              <a:effectLst>
+                <a:outerShdw blurRad="38100" dist="25400" dir="5400000" algn="ctr" rotWithShape="0">
+                  <a:srgbClr val="6E747A">
+                    <a:alpha val="43000"/>
+                  </a:srgbClr>
+                </a:outerShdw>
+              </a:effectLst>
+            </a:endParaRPr>
+          </a:p>
+        </p:txBody>
+      </p:sp>
       <p:grpSp>
         <p:nvGrpSpPr>
-          <p:cNvPr id="49" name="Gruppieren 48">
+          <p:cNvPr id="47" name="Gruppieren 46">
             <a:extLst>
               <a:ext uri="{FF2B5EF4-FFF2-40B4-BE49-F238E27FC236}">
-                <a16:creationId xmlns:a16="http://schemas.microsoft.com/office/drawing/2014/main" id="{142F0C6F-370D-4DBD-96C1-FB70C85C002B}"/>
+                <a16:creationId xmlns:a16="http://schemas.microsoft.com/office/drawing/2014/main" id="{ECB9FEA4-433B-420C-A940-5AD13E3B9A0C}"/>
               </a:ext>
             </a:extLst>
           </p:cNvPr>
@@ -36315,18 +36462,18 @@
         </p:nvGrpSpPr>
         <p:grpSpPr>
           <a:xfrm>
-            <a:off x="3401512" y="3732322"/>
-            <a:ext cx="2853450" cy="676631"/>
-            <a:chOff x="3401512" y="3732322"/>
-            <a:chExt cx="2853450" cy="676631"/>
+            <a:off x="3403586" y="2364253"/>
+            <a:ext cx="2340000" cy="630459"/>
+            <a:chOff x="3403586" y="2364253"/>
+            <a:chExt cx="2340000" cy="630459"/>
           </a:xfrm>
         </p:grpSpPr>
         <p:sp>
           <p:nvSpPr>
-            <p:cNvPr id="8" name="Rechteck: abgerundete Ecken 7">
+            <p:cNvPr id="6" name="Rechteck: abgerundete Ecken 5">
               <a:extLst>
                 <a:ext uri="{FF2B5EF4-FFF2-40B4-BE49-F238E27FC236}">
-                  <a16:creationId xmlns:a16="http://schemas.microsoft.com/office/drawing/2014/main" id="{B31E4FB2-9B10-428A-91F9-3EBF9C069F00}"/>
+                  <a16:creationId xmlns:a16="http://schemas.microsoft.com/office/drawing/2014/main" id="{B3211B43-B77B-49C2-B0CF-9E0D958D5340}"/>
                 </a:ext>
               </a:extLst>
             </p:cNvPr>
@@ -36335,7 +36482,7 @@
           </p:nvSpPr>
           <p:spPr>
             <a:xfrm>
-              <a:off x="3401512" y="4048953"/>
+              <a:off x="3403586" y="2634712"/>
               <a:ext cx="2340000" cy="360000"/>
             </a:xfrm>
             <a:prstGeom prst="roundRect">
@@ -36386,9 +36533,9 @@
                     <a:srgbClr val="DAD7CB"/>
                   </a:solidFill>
                 </a:rPr>
-                <a:t>Parameter Generation</a:t>
+                <a:t>Text Analysis</a:t>
               </a:r>
-              <a:endParaRPr lang="en-US" sz="1400" dirty="0">
+              <a:endParaRPr lang="en-US" dirty="0">
                 <a:solidFill>
                   <a:srgbClr val="DAD7CB"/>
                 </a:solidFill>
@@ -36396,568 +36543,553 @@
             </a:p>
           </p:txBody>
         </p:sp>
-        <p:grpSp>
-          <p:nvGrpSpPr>
-            <p:cNvPr id="43" name="Gruppieren 42">
+        <p:sp>
+          <p:nvSpPr>
+            <p:cNvPr id="29" name="Pfeil: nach unten 28">
               <a:extLst>
                 <a:ext uri="{FF2B5EF4-FFF2-40B4-BE49-F238E27FC236}">
-                  <a16:creationId xmlns:a16="http://schemas.microsoft.com/office/drawing/2014/main" id="{FC692CEF-A44C-4268-8945-B4247E7DEE91}"/>
+                  <a16:creationId xmlns:a16="http://schemas.microsoft.com/office/drawing/2014/main" id="{59EA6FCA-1410-4706-8150-AB1474F1B592}"/>
                 </a:ext>
               </a:extLst>
             </p:cNvPr>
-            <p:cNvGrpSpPr/>
+            <p:cNvSpPr/>
             <p:nvPr/>
-          </p:nvGrpSpPr>
-          <p:grpSpPr>
+          </p:nvSpPr>
+          <p:spPr>
             <a:xfrm>
-              <a:off x="4418712" y="3732322"/>
-              <a:ext cx="1836250" cy="276999"/>
-              <a:chOff x="4418712" y="3732322"/>
-              <a:chExt cx="1836250" cy="276999"/>
+              <a:off x="4418712" y="2364253"/>
+              <a:ext cx="305601" cy="220497"/>
             </a:xfrm>
-          </p:grpSpPr>
-          <p:sp>
-            <p:nvSpPr>
-              <p:cNvPr id="26" name="Rechteck 25">
-                <a:extLst>
-                  <a:ext uri="{FF2B5EF4-FFF2-40B4-BE49-F238E27FC236}">
-                    <a16:creationId xmlns:a16="http://schemas.microsoft.com/office/drawing/2014/main" id="{264E0391-76E6-48ED-9C54-41CFB9B91AC6}"/>
-                  </a:ext>
-                </a:extLst>
-              </p:cNvPr>
-              <p:cNvSpPr/>
-              <p:nvPr/>
-            </p:nvSpPr>
-            <p:spPr>
-              <a:xfrm>
-                <a:off x="4738201" y="3732322"/>
-                <a:ext cx="1516761" cy="276999"/>
-              </a:xfrm>
-              <a:prstGeom prst="rect">
-                <a:avLst/>
-              </a:prstGeom>
-              <a:noFill/>
-            </p:spPr>
-            <p:txBody>
-              <a:bodyPr wrap="none" lIns="91440" tIns="45720" rIns="91440" bIns="45720" anchor="ctr">
-                <a:spAutoFit/>
-              </a:bodyPr>
-              <a:lstStyle/>
-              <a:p>
-                <a:r>
-                  <a:rPr lang="en-US" sz="1200" b="1" cap="none" spc="0">
-                    <a:ln w="0">
-                      <a:solidFill>
-                        <a:srgbClr val="DAD7CB"/>
-                      </a:solidFill>
-                    </a:ln>
-                    <a:solidFill>
-                      <a:srgbClr val="E37222"/>
-                    </a:solidFill>
-                    <a:effectLst>
-                      <a:outerShdw blurRad="38100" dist="25400" dir="5400000" algn="ctr" rotWithShape="0">
-                        <a:srgbClr val="6E747A">
-                          <a:alpha val="43000"/>
-                        </a:srgbClr>
-                      </a:outerShdw>
-                    </a:effectLst>
-                  </a:rPr>
-                  <a:t>Acoustic Features</a:t>
-                </a:r>
-              </a:p>
-            </p:txBody>
-          </p:sp>
-          <p:sp>
-            <p:nvSpPr>
-              <p:cNvPr id="30" name="Pfeil: nach unten 29">
-                <a:extLst>
-                  <a:ext uri="{FF2B5EF4-FFF2-40B4-BE49-F238E27FC236}">
-                    <a16:creationId xmlns:a16="http://schemas.microsoft.com/office/drawing/2014/main" id="{EF343515-105B-40FA-BAE9-3C225FD7358D}"/>
-                  </a:ext>
-                </a:extLst>
-              </p:cNvPr>
-              <p:cNvSpPr/>
-              <p:nvPr/>
-            </p:nvSpPr>
-            <p:spPr>
-              <a:xfrm>
-                <a:off x="4418712" y="3759010"/>
-                <a:ext cx="305601" cy="220497"/>
-              </a:xfrm>
-              <a:prstGeom prst="downArrow">
-                <a:avLst>
-                  <a:gd name="adj1" fmla="val 45325"/>
-                  <a:gd name="adj2" fmla="val 53139"/>
-                </a:avLst>
-              </a:prstGeom>
+            <a:prstGeom prst="downArrow">
+              <a:avLst>
+                <a:gd name="adj1" fmla="val 45325"/>
+                <a:gd name="adj2" fmla="val 53139"/>
+              </a:avLst>
+            </a:prstGeom>
+            <a:solidFill>
+              <a:srgbClr val="DAD7CB"/>
+            </a:solidFill>
+            <a:ln>
               <a:solidFill>
                 <a:srgbClr val="DAD7CB"/>
               </a:solidFill>
-              <a:ln>
+            </a:ln>
+          </p:spPr>
+          <p:style>
+            <a:lnRef idx="2">
+              <a:schemeClr val="accent1">
+                <a:shade val="50000"/>
+              </a:schemeClr>
+            </a:lnRef>
+            <a:fillRef idx="1">
+              <a:schemeClr val="accent1"/>
+            </a:fillRef>
+            <a:effectRef idx="0">
+              <a:schemeClr val="accent1"/>
+            </a:effectRef>
+            <a:fontRef idx="minor">
+              <a:schemeClr val="lt1"/>
+            </a:fontRef>
+          </p:style>
+          <p:txBody>
+            <a:bodyPr rot="0" spcFirstLastPara="0" vertOverflow="overflow" horzOverflow="overflow" vert="horz" wrap="square" lIns="91440" tIns="45720" rIns="91440" bIns="45720" numCol="1" spcCol="0" rtlCol="0" fromWordArt="0" anchor="t" anchorCtr="0" forceAA="0" compatLnSpc="1">
+              <a:prstTxWarp prst="textNoShape">
+                <a:avLst/>
+              </a:prstTxWarp>
+              <a:noAutofit/>
+            </a:bodyPr>
+            <a:lstStyle/>
+            <a:p>
+              <a:pPr algn="ctr">
+                <a:lnSpc>
+                  <a:spcPct val="114000"/>
+                </a:lnSpc>
+              </a:pPr>
+              <a:endParaRPr lang="en-US" dirty="0"/>
+            </a:p>
+          </p:txBody>
+        </p:sp>
+      </p:grpSp>
+      <p:sp>
+        <p:nvSpPr>
+          <p:cNvPr id="8" name="Rechteck: abgerundete Ecken 7">
+            <a:extLst>
+              <a:ext uri="{FF2B5EF4-FFF2-40B4-BE49-F238E27FC236}">
+                <a16:creationId xmlns:a16="http://schemas.microsoft.com/office/drawing/2014/main" id="{B31E4FB2-9B10-428A-91F9-3EBF9C069F00}"/>
+              </a:ext>
+            </a:extLst>
+          </p:cNvPr>
+          <p:cNvSpPr/>
+          <p:nvPr/>
+        </p:nvSpPr>
+        <p:spPr>
+          <a:xfrm>
+            <a:off x="3401512" y="4048953"/>
+            <a:ext cx="2340000" cy="360000"/>
+          </a:xfrm>
+          <a:prstGeom prst="roundRect">
+            <a:avLst/>
+          </a:prstGeom>
+          <a:solidFill>
+            <a:srgbClr val="0065BD"/>
+          </a:solidFill>
+          <a:ln>
+            <a:solidFill>
+              <a:srgbClr val="DAD7CB"/>
+            </a:solidFill>
+          </a:ln>
+        </p:spPr>
+        <p:style>
+          <a:lnRef idx="2">
+            <a:schemeClr val="accent1">
+              <a:shade val="50000"/>
+            </a:schemeClr>
+          </a:lnRef>
+          <a:fillRef idx="1">
+            <a:schemeClr val="accent1"/>
+          </a:fillRef>
+          <a:effectRef idx="0">
+            <a:schemeClr val="accent1"/>
+          </a:effectRef>
+          <a:fontRef idx="minor">
+            <a:schemeClr val="lt1"/>
+          </a:fontRef>
+        </p:style>
+        <p:txBody>
+          <a:bodyPr rot="0" spcFirstLastPara="0" vertOverflow="overflow" horzOverflow="overflow" vert="horz" wrap="square" lIns="91440" tIns="45720" rIns="91440" bIns="45720" numCol="1" spcCol="0" rtlCol="0" fromWordArt="0" anchor="ctr" anchorCtr="0" forceAA="0" compatLnSpc="1">
+            <a:prstTxWarp prst="textNoShape">
+              <a:avLst/>
+            </a:prstTxWarp>
+            <a:noAutofit/>
+          </a:bodyPr>
+          <a:lstStyle/>
+          <a:p>
+            <a:pPr algn="ctr">
+              <a:lnSpc>
+                <a:spcPct val="114000"/>
+              </a:lnSpc>
+            </a:pPr>
+            <a:r>
+              <a:rPr lang="de-DE" sz="1400" dirty="0">
+                <a:solidFill>
+                  <a:srgbClr val="DAD7CB"/>
+                </a:solidFill>
+              </a:rPr>
+              <a:t>Parameter Generation</a:t>
+            </a:r>
+            <a:endParaRPr lang="en-US" sz="1400" dirty="0">
+              <a:solidFill>
+                <a:srgbClr val="DAD7CB"/>
+              </a:solidFill>
+            </a:endParaRPr>
+          </a:p>
+        </p:txBody>
+      </p:sp>
+      <p:sp>
+        <p:nvSpPr>
+          <p:cNvPr id="30" name="Pfeil: nach unten 29">
+            <a:extLst>
+              <a:ext uri="{FF2B5EF4-FFF2-40B4-BE49-F238E27FC236}">
+                <a16:creationId xmlns:a16="http://schemas.microsoft.com/office/drawing/2014/main" id="{EF343515-105B-40FA-BAE9-3C225FD7358D}"/>
+              </a:ext>
+            </a:extLst>
+          </p:cNvPr>
+          <p:cNvSpPr/>
+          <p:nvPr/>
+        </p:nvSpPr>
+        <p:spPr>
+          <a:xfrm>
+            <a:off x="4418712" y="3759010"/>
+            <a:ext cx="305601" cy="220497"/>
+          </a:xfrm>
+          <a:prstGeom prst="downArrow">
+            <a:avLst>
+              <a:gd name="adj1" fmla="val 45325"/>
+              <a:gd name="adj2" fmla="val 53139"/>
+            </a:avLst>
+          </a:prstGeom>
+          <a:solidFill>
+            <a:srgbClr val="DAD7CB"/>
+          </a:solidFill>
+          <a:ln>
+            <a:solidFill>
+              <a:srgbClr val="DAD7CB"/>
+            </a:solidFill>
+          </a:ln>
+        </p:spPr>
+        <p:style>
+          <a:lnRef idx="2">
+            <a:schemeClr val="accent1">
+              <a:shade val="50000"/>
+            </a:schemeClr>
+          </a:lnRef>
+          <a:fillRef idx="1">
+            <a:schemeClr val="accent1"/>
+          </a:fillRef>
+          <a:effectRef idx="0">
+            <a:schemeClr val="accent1"/>
+          </a:effectRef>
+          <a:fontRef idx="minor">
+            <a:schemeClr val="lt1"/>
+          </a:fontRef>
+        </p:style>
+        <p:txBody>
+          <a:bodyPr rot="0" spcFirstLastPara="0" vertOverflow="overflow" horzOverflow="overflow" vert="horz" wrap="square" lIns="91440" tIns="45720" rIns="91440" bIns="45720" numCol="1" spcCol="0" rtlCol="0" fromWordArt="0" anchor="t" anchorCtr="0" forceAA="0" compatLnSpc="1">
+            <a:prstTxWarp prst="textNoShape">
+              <a:avLst/>
+            </a:prstTxWarp>
+            <a:noAutofit/>
+          </a:bodyPr>
+          <a:lstStyle/>
+          <a:p>
+            <a:pPr algn="ctr">
+              <a:lnSpc>
+                <a:spcPct val="114000"/>
+              </a:lnSpc>
+            </a:pPr>
+            <a:endParaRPr lang="en-US" dirty="0"/>
+          </a:p>
+        </p:txBody>
+      </p:sp>
+      <p:sp>
+        <p:nvSpPr>
+          <p:cNvPr id="9" name="Rechteck: abgerundete Ecken 8">
+            <a:extLst>
+              <a:ext uri="{FF2B5EF4-FFF2-40B4-BE49-F238E27FC236}">
+                <a16:creationId xmlns:a16="http://schemas.microsoft.com/office/drawing/2014/main" id="{76B54027-DEC3-4D05-A476-51CA5D4A3A0C}"/>
+              </a:ext>
+            </a:extLst>
+          </p:cNvPr>
+          <p:cNvSpPr/>
+          <p:nvPr/>
+        </p:nvSpPr>
+        <p:spPr>
+          <a:xfrm>
+            <a:off x="3401512" y="4759007"/>
+            <a:ext cx="2340000" cy="360000"/>
+          </a:xfrm>
+          <a:prstGeom prst="roundRect">
+            <a:avLst/>
+          </a:prstGeom>
+          <a:solidFill>
+            <a:srgbClr val="0065BD"/>
+          </a:solidFill>
+          <a:ln>
+            <a:solidFill>
+              <a:srgbClr val="DAD7CB"/>
+            </a:solidFill>
+          </a:ln>
+        </p:spPr>
+        <p:style>
+          <a:lnRef idx="2">
+            <a:schemeClr val="accent1">
+              <a:shade val="50000"/>
+            </a:schemeClr>
+          </a:lnRef>
+          <a:fillRef idx="1">
+            <a:schemeClr val="accent1"/>
+          </a:fillRef>
+          <a:effectRef idx="0">
+            <a:schemeClr val="accent1"/>
+          </a:effectRef>
+          <a:fontRef idx="minor">
+            <a:schemeClr val="lt1"/>
+          </a:fontRef>
+        </p:style>
+        <p:txBody>
+          <a:bodyPr rot="0" spcFirstLastPara="0" vertOverflow="overflow" horzOverflow="overflow" vert="horz" wrap="square" lIns="91440" tIns="45720" rIns="91440" bIns="45720" numCol="1" spcCol="0" rtlCol="0" fromWordArt="0" anchor="ctr" anchorCtr="0" forceAA="0" compatLnSpc="1">
+            <a:prstTxWarp prst="textNoShape">
+              <a:avLst/>
+            </a:prstTxWarp>
+            <a:noAutofit/>
+          </a:bodyPr>
+          <a:lstStyle/>
+          <a:p>
+            <a:pPr algn="ctr">
+              <a:lnSpc>
+                <a:spcPct val="114000"/>
+              </a:lnSpc>
+            </a:pPr>
+            <a:r>
+              <a:rPr lang="en-US" sz="1400">
+                <a:solidFill>
+                  <a:srgbClr val="DAD7CB"/>
+                </a:solidFill>
+              </a:rPr>
+              <a:t>Waveform Synthesis</a:t>
+            </a:r>
+          </a:p>
+        </p:txBody>
+      </p:sp>
+      <p:sp>
+        <p:nvSpPr>
+          <p:cNvPr id="27" name="Rechteck 26">
+            <a:extLst>
+              <a:ext uri="{FF2B5EF4-FFF2-40B4-BE49-F238E27FC236}">
+                <a16:creationId xmlns:a16="http://schemas.microsoft.com/office/drawing/2014/main" id="{E5725490-20FB-4606-91B1-C7AE40B7AAD4}"/>
+              </a:ext>
+            </a:extLst>
+          </p:cNvPr>
+          <p:cNvSpPr/>
+          <p:nvPr/>
+        </p:nvSpPr>
+        <p:spPr>
+          <a:xfrm>
+            <a:off x="4719151" y="4445479"/>
+            <a:ext cx="2583349" cy="276999"/>
+          </a:xfrm>
+          <a:prstGeom prst="rect">
+            <a:avLst/>
+          </a:prstGeom>
+          <a:noFill/>
+        </p:spPr>
+        <p:txBody>
+          <a:bodyPr wrap="square" lIns="91440" tIns="45720" rIns="91440" bIns="45720">
+            <a:spAutoFit/>
+          </a:bodyPr>
+          <a:lstStyle/>
+          <a:p>
+            <a:r>
+              <a:rPr lang="en-US" sz="1200" b="1" dirty="0">
+                <a:ln w="0">
+                  <a:solidFill>
+                    <a:srgbClr val="DAD7CB"/>
+                  </a:solidFill>
+                </a:ln>
+                <a:solidFill>
+                  <a:srgbClr val="E37222"/>
+                </a:solidFill>
+                <a:effectLst>
+                  <a:outerShdw blurRad="38100" dist="25400" dir="5400000" algn="ctr" rotWithShape="0">
+                    <a:srgbClr val="6E747A">
+                      <a:alpha val="43000"/>
+                    </a:srgbClr>
+                  </a:outerShdw>
+                </a:effectLst>
+              </a:rPr>
+              <a:t>Speech Parameters Trajectories</a:t>
+            </a:r>
+            <a:endParaRPr lang="en-US" sz="1200" b="1" cap="none" spc="0" dirty="0">
+              <a:ln w="0">
                 <a:solidFill>
                   <a:srgbClr val="DAD7CB"/>
                 </a:solidFill>
               </a:ln>
-            </p:spPr>
-            <p:style>
-              <a:lnRef idx="2">
-                <a:schemeClr val="accent1">
-                  <a:shade val="50000"/>
-                </a:schemeClr>
-              </a:lnRef>
-              <a:fillRef idx="1">
-                <a:schemeClr val="accent1"/>
-              </a:fillRef>
-              <a:effectRef idx="0">
-                <a:schemeClr val="accent1"/>
-              </a:effectRef>
-              <a:fontRef idx="minor">
-                <a:schemeClr val="lt1"/>
-              </a:fontRef>
-            </p:style>
-            <p:txBody>
-              <a:bodyPr rot="0" spcFirstLastPara="0" vertOverflow="overflow" horzOverflow="overflow" vert="horz" wrap="square" lIns="91440" tIns="45720" rIns="91440" bIns="45720" numCol="1" spcCol="0" rtlCol="0" fromWordArt="0" anchor="t" anchorCtr="0" forceAA="0" compatLnSpc="1">
-                <a:prstTxWarp prst="textNoShape">
-                  <a:avLst/>
-                </a:prstTxWarp>
-                <a:noAutofit/>
-              </a:bodyPr>
-              <a:lstStyle/>
-              <a:p>
-                <a:pPr algn="ctr">
-                  <a:lnSpc>
-                    <a:spcPct val="114000"/>
-                  </a:lnSpc>
-                </a:pPr>
-                <a:endParaRPr lang="en-US" dirty="0"/>
-              </a:p>
-            </p:txBody>
-          </p:sp>
-        </p:grpSp>
-      </p:grpSp>
-      <p:grpSp>
-        <p:nvGrpSpPr>
-          <p:cNvPr id="51" name="Gruppieren 50">
+              <a:solidFill>
+                <a:srgbClr val="E37222"/>
+              </a:solidFill>
+              <a:effectLst>
+                <a:outerShdw blurRad="38100" dist="25400" dir="5400000" algn="ctr" rotWithShape="0">
+                  <a:srgbClr val="6E747A">
+                    <a:alpha val="43000"/>
+                  </a:srgbClr>
+                </a:outerShdw>
+              </a:effectLst>
+            </a:endParaRPr>
+          </a:p>
+        </p:txBody>
+      </p:sp>
+      <p:sp>
+        <p:nvSpPr>
+          <p:cNvPr id="31" name="Pfeil: nach unten 30">
             <a:extLst>
               <a:ext uri="{FF2B5EF4-FFF2-40B4-BE49-F238E27FC236}">
-                <a16:creationId xmlns:a16="http://schemas.microsoft.com/office/drawing/2014/main" id="{22B3E13F-6C62-4AE9-BC61-70DE08FE6EB0}"/>
+                <a16:creationId xmlns:a16="http://schemas.microsoft.com/office/drawing/2014/main" id="{61E8129C-4D4E-488B-A083-9EB511800728}"/>
               </a:ext>
             </a:extLst>
           </p:cNvPr>
-          <p:cNvGrpSpPr/>
+          <p:cNvSpPr/>
           <p:nvPr/>
-        </p:nvGrpSpPr>
-        <p:grpSpPr>
+        </p:nvSpPr>
+        <p:spPr>
           <a:xfrm>
-            <a:off x="3401512" y="4445479"/>
-            <a:ext cx="3900988" cy="1503616"/>
-            <a:chOff x="3401512" y="4445479"/>
-            <a:chExt cx="3900988" cy="1503616"/>
+            <a:off x="4418712" y="4473731"/>
+            <a:ext cx="305601" cy="220497"/>
           </a:xfrm>
-        </p:grpSpPr>
-        <p:grpSp>
-          <p:nvGrpSpPr>
-            <p:cNvPr id="50" name="Gruppieren 49">
-              <a:extLst>
-                <a:ext uri="{FF2B5EF4-FFF2-40B4-BE49-F238E27FC236}">
-                  <a16:creationId xmlns:a16="http://schemas.microsoft.com/office/drawing/2014/main" id="{73AEEC87-B719-4FD2-A110-91A85BB0C534}"/>
-                </a:ext>
-              </a:extLst>
-            </p:cNvPr>
-            <p:cNvGrpSpPr/>
-            <p:nvPr/>
-          </p:nvGrpSpPr>
-          <p:grpSpPr>
-            <a:xfrm>
-              <a:off x="3401512" y="4445479"/>
-              <a:ext cx="3900988" cy="673528"/>
-              <a:chOff x="3401512" y="4445479"/>
-              <a:chExt cx="3900988" cy="673528"/>
-            </a:xfrm>
-          </p:grpSpPr>
-          <p:sp>
-            <p:nvSpPr>
-              <p:cNvPr id="9" name="Rechteck: abgerundete Ecken 8">
-                <a:extLst>
-                  <a:ext uri="{FF2B5EF4-FFF2-40B4-BE49-F238E27FC236}">
-                    <a16:creationId xmlns:a16="http://schemas.microsoft.com/office/drawing/2014/main" id="{76B54027-DEC3-4D05-A476-51CA5D4A3A0C}"/>
-                  </a:ext>
-                </a:extLst>
-              </p:cNvPr>
-              <p:cNvSpPr/>
-              <p:nvPr/>
-            </p:nvSpPr>
-            <p:spPr>
-              <a:xfrm>
-                <a:off x="3401512" y="4759007"/>
-                <a:ext cx="2340000" cy="360000"/>
-              </a:xfrm>
-              <a:prstGeom prst="roundRect">
-                <a:avLst/>
-              </a:prstGeom>
-              <a:solidFill>
-                <a:srgbClr val="0065BD"/>
-              </a:solidFill>
-              <a:ln>
+          <a:prstGeom prst="downArrow">
+            <a:avLst>
+              <a:gd name="adj1" fmla="val 45325"/>
+              <a:gd name="adj2" fmla="val 53139"/>
+            </a:avLst>
+          </a:prstGeom>
+          <a:solidFill>
+            <a:srgbClr val="DAD7CB"/>
+          </a:solidFill>
+          <a:ln>
+            <a:solidFill>
+              <a:srgbClr val="DAD7CB"/>
+            </a:solidFill>
+          </a:ln>
+        </p:spPr>
+        <p:style>
+          <a:lnRef idx="2">
+            <a:schemeClr val="accent1">
+              <a:shade val="50000"/>
+            </a:schemeClr>
+          </a:lnRef>
+          <a:fillRef idx="1">
+            <a:schemeClr val="accent1"/>
+          </a:fillRef>
+          <a:effectRef idx="0">
+            <a:schemeClr val="accent1"/>
+          </a:effectRef>
+          <a:fontRef idx="minor">
+            <a:schemeClr val="lt1"/>
+          </a:fontRef>
+        </p:style>
+        <p:txBody>
+          <a:bodyPr rot="0" spcFirstLastPara="0" vertOverflow="overflow" horzOverflow="overflow" vert="horz" wrap="square" lIns="91440" tIns="45720" rIns="91440" bIns="45720" numCol="1" spcCol="0" rtlCol="0" fromWordArt="0" anchor="t" anchorCtr="0" forceAA="0" compatLnSpc="1">
+            <a:prstTxWarp prst="textNoShape">
+              <a:avLst/>
+            </a:prstTxWarp>
+            <a:noAutofit/>
+          </a:bodyPr>
+          <a:lstStyle/>
+          <a:p>
+            <a:pPr algn="ctr">
+              <a:lnSpc>
+                <a:spcPct val="114000"/>
+              </a:lnSpc>
+            </a:pPr>
+            <a:endParaRPr lang="en-US" dirty="0"/>
+          </a:p>
+        </p:txBody>
+      </p:sp>
+      <p:sp>
+        <p:nvSpPr>
+          <p:cNvPr id="11" name="Rechteck 10">
+            <a:extLst>
+              <a:ext uri="{FF2B5EF4-FFF2-40B4-BE49-F238E27FC236}">
+                <a16:creationId xmlns:a16="http://schemas.microsoft.com/office/drawing/2014/main" id="{8FD159C3-583D-4A47-9576-F63A07D3C470}"/>
+              </a:ext>
+            </a:extLst>
+          </p:cNvPr>
+          <p:cNvSpPr/>
+          <p:nvPr/>
+        </p:nvSpPr>
+        <p:spPr>
+          <a:xfrm>
+            <a:off x="3660515" y="5302764"/>
+            <a:ext cx="1826142" cy="646331"/>
+          </a:xfrm>
+          <a:prstGeom prst="rect">
+            <a:avLst/>
+          </a:prstGeom>
+          <a:noFill/>
+        </p:spPr>
+        <p:txBody>
+          <a:bodyPr wrap="none" lIns="91440" tIns="45720" rIns="91440" bIns="45720">
+            <a:spAutoFit/>
+          </a:bodyPr>
+          <a:lstStyle/>
+          <a:p>
+            <a:pPr algn="ctr"/>
+            <a:r>
+              <a:rPr lang="de-DE" sz="3600" b="1" cap="none" spc="0" dirty="0">
+                <a:ln w="0">
+                  <a:solidFill>
+                    <a:srgbClr val="DAD7CB"/>
+                  </a:solidFill>
+                </a:ln>
+                <a:solidFill>
+                  <a:srgbClr val="0065BD"/>
+                </a:solidFill>
+                <a:effectLst>
+                  <a:outerShdw blurRad="38100" dist="25400" dir="5400000" algn="ctr" rotWithShape="0">
+                    <a:srgbClr val="6E747A">
+                      <a:alpha val="43000"/>
+                    </a:srgbClr>
+                  </a:outerShdw>
+                </a:effectLst>
+              </a:rPr>
+              <a:t>Speech</a:t>
+            </a:r>
+            <a:endParaRPr lang="de-DE" sz="5400" b="1" cap="none" spc="0" dirty="0">
+              <a:ln w="0">
                 <a:solidFill>
                   <a:srgbClr val="DAD7CB"/>
                 </a:solidFill>
               </a:ln>
-            </p:spPr>
-            <p:style>
-              <a:lnRef idx="2">
-                <a:schemeClr val="accent1">
-                  <a:shade val="50000"/>
-                </a:schemeClr>
-              </a:lnRef>
-              <a:fillRef idx="1">
-                <a:schemeClr val="accent1"/>
-              </a:fillRef>
-              <a:effectRef idx="0">
-                <a:schemeClr val="accent1"/>
-              </a:effectRef>
-              <a:fontRef idx="minor">
-                <a:schemeClr val="lt1"/>
-              </a:fontRef>
-            </p:style>
-            <p:txBody>
-              <a:bodyPr rot="0" spcFirstLastPara="0" vertOverflow="overflow" horzOverflow="overflow" vert="horz" wrap="square" lIns="91440" tIns="45720" rIns="91440" bIns="45720" numCol="1" spcCol="0" rtlCol="0" fromWordArt="0" anchor="ctr" anchorCtr="0" forceAA="0" compatLnSpc="1">
-                <a:prstTxWarp prst="textNoShape">
-                  <a:avLst/>
-                </a:prstTxWarp>
-                <a:noAutofit/>
-              </a:bodyPr>
-              <a:lstStyle/>
-              <a:p>
-                <a:pPr algn="ctr">
-                  <a:lnSpc>
-                    <a:spcPct val="114000"/>
-                  </a:lnSpc>
-                </a:pPr>
-                <a:r>
-                  <a:rPr lang="en-US" sz="1400">
-                    <a:solidFill>
-                      <a:srgbClr val="DAD7CB"/>
-                    </a:solidFill>
-                  </a:rPr>
-                  <a:t>Waveform Synthesis</a:t>
-                </a:r>
-              </a:p>
-            </p:txBody>
-          </p:sp>
-          <p:grpSp>
-            <p:nvGrpSpPr>
-              <p:cNvPr id="44" name="Gruppieren 43">
-                <a:extLst>
-                  <a:ext uri="{FF2B5EF4-FFF2-40B4-BE49-F238E27FC236}">
-                    <a16:creationId xmlns:a16="http://schemas.microsoft.com/office/drawing/2014/main" id="{D0616BB3-2C0B-49B4-999C-A3D767C3482C}"/>
-                  </a:ext>
-                </a:extLst>
-              </p:cNvPr>
-              <p:cNvGrpSpPr/>
-              <p:nvPr/>
-            </p:nvGrpSpPr>
-            <p:grpSpPr>
-              <a:xfrm>
-                <a:off x="4418712" y="4445479"/>
-                <a:ext cx="2883788" cy="276999"/>
-                <a:chOff x="4418712" y="4445479"/>
-                <a:chExt cx="2883788" cy="276999"/>
-              </a:xfrm>
-            </p:grpSpPr>
-            <p:sp>
-              <p:nvSpPr>
-                <p:cNvPr id="27" name="Rechteck 26">
-                  <a:extLst>
-                    <a:ext uri="{FF2B5EF4-FFF2-40B4-BE49-F238E27FC236}">
-                      <a16:creationId xmlns:a16="http://schemas.microsoft.com/office/drawing/2014/main" id="{E5725490-20FB-4606-91B1-C7AE40B7AAD4}"/>
-                    </a:ext>
-                  </a:extLst>
-                </p:cNvPr>
-                <p:cNvSpPr/>
-                <p:nvPr/>
-              </p:nvSpPr>
-              <p:spPr>
-                <a:xfrm>
-                  <a:off x="4719151" y="4445479"/>
-                  <a:ext cx="2583349" cy="276999"/>
-                </a:xfrm>
-                <a:prstGeom prst="rect">
-                  <a:avLst/>
-                </a:prstGeom>
-                <a:noFill/>
-              </p:spPr>
-              <p:txBody>
-                <a:bodyPr wrap="square" lIns="91440" tIns="45720" rIns="91440" bIns="45720">
-                  <a:spAutoFit/>
-                </a:bodyPr>
-                <a:lstStyle/>
-                <a:p>
-                  <a:r>
-                    <a:rPr lang="en-US" sz="1200" b="1" dirty="0">
-                      <a:ln w="0">
-                        <a:solidFill>
-                          <a:srgbClr val="DAD7CB"/>
-                        </a:solidFill>
-                      </a:ln>
-                      <a:solidFill>
-                        <a:srgbClr val="E37222"/>
-                      </a:solidFill>
-                      <a:effectLst>
-                        <a:outerShdw blurRad="38100" dist="25400" dir="5400000" algn="ctr" rotWithShape="0">
-                          <a:srgbClr val="6E747A">
-                            <a:alpha val="43000"/>
-                          </a:srgbClr>
-                        </a:outerShdw>
-                      </a:effectLst>
-                    </a:rPr>
-                    <a:t>Speech Parameters Trajectories</a:t>
-                  </a:r>
-                  <a:endParaRPr lang="en-US" sz="1200" b="1" cap="none" spc="0" dirty="0">
-                    <a:ln w="0">
-                      <a:solidFill>
-                        <a:srgbClr val="DAD7CB"/>
-                      </a:solidFill>
-                    </a:ln>
-                    <a:solidFill>
-                      <a:srgbClr val="E37222"/>
-                    </a:solidFill>
-                    <a:effectLst>
-                      <a:outerShdw blurRad="38100" dist="25400" dir="5400000" algn="ctr" rotWithShape="0">
-                        <a:srgbClr val="6E747A">
-                          <a:alpha val="43000"/>
-                        </a:srgbClr>
-                      </a:outerShdw>
-                    </a:effectLst>
-                  </a:endParaRPr>
-                </a:p>
-              </p:txBody>
-            </p:sp>
-            <p:sp>
-              <p:nvSpPr>
-                <p:cNvPr id="31" name="Pfeil: nach unten 30">
-                  <a:extLst>
-                    <a:ext uri="{FF2B5EF4-FFF2-40B4-BE49-F238E27FC236}">
-                      <a16:creationId xmlns:a16="http://schemas.microsoft.com/office/drawing/2014/main" id="{61E8129C-4D4E-488B-A083-9EB511800728}"/>
-                    </a:ext>
-                  </a:extLst>
-                </p:cNvPr>
-                <p:cNvSpPr/>
-                <p:nvPr/>
-              </p:nvSpPr>
-              <p:spPr>
-                <a:xfrm>
-                  <a:off x="4418712" y="4473731"/>
-                  <a:ext cx="305601" cy="220497"/>
-                </a:xfrm>
-                <a:prstGeom prst="downArrow">
-                  <a:avLst>
-                    <a:gd name="adj1" fmla="val 45325"/>
-                    <a:gd name="adj2" fmla="val 53139"/>
-                  </a:avLst>
-                </a:prstGeom>
-                <a:solidFill>
-                  <a:srgbClr val="DAD7CB"/>
-                </a:solidFill>
-                <a:ln>
-                  <a:solidFill>
-                    <a:srgbClr val="DAD7CB"/>
-                  </a:solidFill>
-                </a:ln>
-              </p:spPr>
-              <p:style>
-                <a:lnRef idx="2">
-                  <a:schemeClr val="accent1">
-                    <a:shade val="50000"/>
-                  </a:schemeClr>
-                </a:lnRef>
-                <a:fillRef idx="1">
-                  <a:schemeClr val="accent1"/>
-                </a:fillRef>
-                <a:effectRef idx="0">
-                  <a:schemeClr val="accent1"/>
-                </a:effectRef>
-                <a:fontRef idx="minor">
-                  <a:schemeClr val="lt1"/>
-                </a:fontRef>
-              </p:style>
-              <p:txBody>
-                <a:bodyPr rot="0" spcFirstLastPara="0" vertOverflow="overflow" horzOverflow="overflow" vert="horz" wrap="square" lIns="91440" tIns="45720" rIns="91440" bIns="45720" numCol="1" spcCol="0" rtlCol="0" fromWordArt="0" anchor="t" anchorCtr="0" forceAA="0" compatLnSpc="1">
-                  <a:prstTxWarp prst="textNoShape">
-                    <a:avLst/>
-                  </a:prstTxWarp>
-                  <a:noAutofit/>
-                </a:bodyPr>
-                <a:lstStyle/>
-                <a:p>
-                  <a:pPr algn="ctr">
-                    <a:lnSpc>
-                      <a:spcPct val="114000"/>
-                    </a:lnSpc>
-                  </a:pPr>
-                  <a:endParaRPr lang="en-US" dirty="0"/>
-                </a:p>
-              </p:txBody>
-            </p:sp>
-          </p:grpSp>
-        </p:grpSp>
-        <p:grpSp>
-          <p:nvGrpSpPr>
-            <p:cNvPr id="46" name="Gruppieren 45">
-              <a:extLst>
-                <a:ext uri="{FF2B5EF4-FFF2-40B4-BE49-F238E27FC236}">
-                  <a16:creationId xmlns:a16="http://schemas.microsoft.com/office/drawing/2014/main" id="{FAE0D197-81F2-4FD4-AEFA-6A48B5D7DF45}"/>
-                </a:ext>
-              </a:extLst>
-            </p:cNvPr>
-            <p:cNvGrpSpPr/>
-            <p:nvPr/>
-          </p:nvGrpSpPr>
-          <p:grpSpPr>
-            <a:xfrm>
-              <a:off x="3660515" y="5183786"/>
-              <a:ext cx="1826142" cy="765309"/>
-              <a:chOff x="3660515" y="5183786"/>
-              <a:chExt cx="1826142" cy="765309"/>
-            </a:xfrm>
-          </p:grpSpPr>
-          <p:sp>
-            <p:nvSpPr>
-              <p:cNvPr id="11" name="Rechteck 10">
-                <a:extLst>
-                  <a:ext uri="{FF2B5EF4-FFF2-40B4-BE49-F238E27FC236}">
-                    <a16:creationId xmlns:a16="http://schemas.microsoft.com/office/drawing/2014/main" id="{8FD159C3-583D-4A47-9576-F63A07D3C470}"/>
-                  </a:ext>
-                </a:extLst>
-              </p:cNvPr>
-              <p:cNvSpPr/>
-              <p:nvPr/>
-            </p:nvSpPr>
-            <p:spPr>
-              <a:xfrm>
-                <a:off x="3660515" y="5302764"/>
-                <a:ext cx="1826142" cy="646331"/>
-              </a:xfrm>
-              <a:prstGeom prst="rect">
-                <a:avLst/>
-              </a:prstGeom>
-              <a:noFill/>
-            </p:spPr>
-            <p:txBody>
-              <a:bodyPr wrap="none" lIns="91440" tIns="45720" rIns="91440" bIns="45720">
-                <a:spAutoFit/>
-              </a:bodyPr>
-              <a:lstStyle/>
-              <a:p>
-                <a:pPr algn="ctr"/>
-                <a:r>
-                  <a:rPr lang="de-DE" sz="3600" b="1" cap="none" spc="0" dirty="0">
-                    <a:ln w="0">
-                      <a:solidFill>
-                        <a:srgbClr val="DAD7CB"/>
-                      </a:solidFill>
-                    </a:ln>
-                    <a:solidFill>
-                      <a:srgbClr val="0065BD"/>
-                    </a:solidFill>
-                    <a:effectLst>
-                      <a:outerShdw blurRad="38100" dist="25400" dir="5400000" algn="ctr" rotWithShape="0">
-                        <a:srgbClr val="6E747A">
-                          <a:alpha val="43000"/>
-                        </a:srgbClr>
-                      </a:outerShdw>
-                    </a:effectLst>
-                  </a:rPr>
-                  <a:t>Speech</a:t>
-                </a:r>
-                <a:endParaRPr lang="de-DE" sz="5400" b="1" cap="none" spc="0" dirty="0">
-                  <a:ln w="0">
-                    <a:solidFill>
-                      <a:srgbClr val="DAD7CB"/>
-                    </a:solidFill>
-                  </a:ln>
-                  <a:solidFill>
-                    <a:srgbClr val="0065BD"/>
-                  </a:solidFill>
-                  <a:effectLst>
-                    <a:outerShdw blurRad="38100" dist="25400" dir="5400000" algn="ctr" rotWithShape="0">
-                      <a:srgbClr val="6E747A">
-                        <a:alpha val="43000"/>
-                      </a:srgbClr>
-                    </a:outerShdw>
-                  </a:effectLst>
-                </a:endParaRPr>
-              </a:p>
-            </p:txBody>
-          </p:sp>
-          <p:sp>
-            <p:nvSpPr>
-              <p:cNvPr id="32" name="Pfeil: nach unten 31">
-                <a:extLst>
-                  <a:ext uri="{FF2B5EF4-FFF2-40B4-BE49-F238E27FC236}">
-                    <a16:creationId xmlns:a16="http://schemas.microsoft.com/office/drawing/2014/main" id="{ECF39615-5C3B-4AF4-A6A8-5B2AE8EB710F}"/>
-                  </a:ext>
-                </a:extLst>
-              </p:cNvPr>
-              <p:cNvSpPr/>
-              <p:nvPr/>
-            </p:nvSpPr>
-            <p:spPr>
-              <a:xfrm>
-                <a:off x="4413550" y="5183786"/>
-                <a:ext cx="305601" cy="220497"/>
-              </a:xfrm>
-              <a:prstGeom prst="downArrow">
-                <a:avLst>
-                  <a:gd name="adj1" fmla="val 45325"/>
-                  <a:gd name="adj2" fmla="val 53139"/>
-                </a:avLst>
-              </a:prstGeom>
               <a:solidFill>
-                <a:srgbClr val="DAD7CB"/>
+                <a:srgbClr val="0065BD"/>
               </a:solidFill>
-              <a:ln>
-                <a:solidFill>
-                  <a:srgbClr val="DAD7CB"/>
-                </a:solidFill>
-              </a:ln>
-            </p:spPr>
-            <p:style>
-              <a:lnRef idx="2">
-                <a:schemeClr val="accent1">
-                  <a:shade val="50000"/>
-                </a:schemeClr>
-              </a:lnRef>
-              <a:fillRef idx="1">
-                <a:schemeClr val="accent1"/>
-              </a:fillRef>
-              <a:effectRef idx="0">
-                <a:schemeClr val="accent1"/>
-              </a:effectRef>
-              <a:fontRef idx="minor">
-                <a:schemeClr val="lt1"/>
-              </a:fontRef>
-            </p:style>
-            <p:txBody>
-              <a:bodyPr rot="0" spcFirstLastPara="0" vertOverflow="overflow" horzOverflow="overflow" vert="horz" wrap="square" lIns="91440" tIns="45720" rIns="91440" bIns="45720" numCol="1" spcCol="0" rtlCol="0" fromWordArt="0" anchor="t" anchorCtr="0" forceAA="0" compatLnSpc="1">
-                <a:prstTxWarp prst="textNoShape">
-                  <a:avLst/>
-                </a:prstTxWarp>
-                <a:noAutofit/>
-              </a:bodyPr>
-              <a:lstStyle/>
-              <a:p>
-                <a:pPr algn="ctr">
-                  <a:lnSpc>
-                    <a:spcPct val="114000"/>
-                  </a:lnSpc>
-                </a:pPr>
-                <a:endParaRPr lang="en-US" dirty="0"/>
-              </a:p>
-            </p:txBody>
-          </p:sp>
-        </p:grpSp>
-      </p:grpSp>
+              <a:effectLst>
+                <a:outerShdw blurRad="38100" dist="25400" dir="5400000" algn="ctr" rotWithShape="0">
+                  <a:srgbClr val="6E747A">
+                    <a:alpha val="43000"/>
+                  </a:srgbClr>
+                </a:outerShdw>
+              </a:effectLst>
+            </a:endParaRPr>
+          </a:p>
+        </p:txBody>
+      </p:sp>
+      <p:sp>
+        <p:nvSpPr>
+          <p:cNvPr id="32" name="Pfeil: nach unten 31">
+            <a:extLst>
+              <a:ext uri="{FF2B5EF4-FFF2-40B4-BE49-F238E27FC236}">
+                <a16:creationId xmlns:a16="http://schemas.microsoft.com/office/drawing/2014/main" id="{ECF39615-5C3B-4AF4-A6A8-5B2AE8EB710F}"/>
+              </a:ext>
+            </a:extLst>
+          </p:cNvPr>
+          <p:cNvSpPr/>
+          <p:nvPr/>
+        </p:nvSpPr>
+        <p:spPr>
+          <a:xfrm>
+            <a:off x="4413550" y="5183786"/>
+            <a:ext cx="305601" cy="220497"/>
+          </a:xfrm>
+          <a:prstGeom prst="downArrow">
+            <a:avLst>
+              <a:gd name="adj1" fmla="val 45325"/>
+              <a:gd name="adj2" fmla="val 53139"/>
+            </a:avLst>
+          </a:prstGeom>
+          <a:solidFill>
+            <a:srgbClr val="DAD7CB"/>
+          </a:solidFill>
+          <a:ln>
+            <a:solidFill>
+              <a:srgbClr val="DAD7CB"/>
+            </a:solidFill>
+          </a:ln>
+        </p:spPr>
+        <p:style>
+          <a:lnRef idx="2">
+            <a:schemeClr val="accent1">
+              <a:shade val="50000"/>
+            </a:schemeClr>
+          </a:lnRef>
+          <a:fillRef idx="1">
+            <a:schemeClr val="accent1"/>
+          </a:fillRef>
+          <a:effectRef idx="0">
+            <a:schemeClr val="accent1"/>
+          </a:effectRef>
+          <a:fontRef idx="minor">
+            <a:schemeClr val="lt1"/>
+          </a:fontRef>
+        </p:style>
+        <p:txBody>
+          <a:bodyPr rot="0" spcFirstLastPara="0" vertOverflow="overflow" horzOverflow="overflow" vert="horz" wrap="square" lIns="91440" tIns="45720" rIns="91440" bIns="45720" numCol="1" spcCol="0" rtlCol="0" fromWordArt="0" anchor="t" anchorCtr="0" forceAA="0" compatLnSpc="1">
+            <a:prstTxWarp prst="textNoShape">
+              <a:avLst/>
+            </a:prstTxWarp>
+            <a:noAutofit/>
+          </a:bodyPr>
+          <a:lstStyle/>
+          <a:p>
+            <a:pPr algn="ctr">
+              <a:lnSpc>
+                <a:spcPct val="114000"/>
+              </a:lnSpc>
+            </a:pPr>
+            <a:endParaRPr lang="en-US" dirty="0"/>
+          </a:p>
+        </p:txBody>
+      </p:sp>
       <p:grpSp>
         <p:nvGrpSpPr>
           <p:cNvPr id="53" name="Gruppieren 52">
@@ -37238,10 +37370,10 @@
       </p:grpSp>
       <p:grpSp>
         <p:nvGrpSpPr>
-          <p:cNvPr id="33" name="Gruppieren 32">
+          <p:cNvPr id="2" name="Gruppieren 1">
             <a:extLst>
               <a:ext uri="{FF2B5EF4-FFF2-40B4-BE49-F238E27FC236}">
-                <a16:creationId xmlns:a16="http://schemas.microsoft.com/office/drawing/2014/main" id="{139B1D50-51BB-40C9-97EA-1C23223DFACE}"/>
+                <a16:creationId xmlns:a16="http://schemas.microsoft.com/office/drawing/2014/main" id="{56FF23E0-5F07-4505-83CF-8CC6FDBD71C1}"/>
               </a:ext>
             </a:extLst>
           </p:cNvPr>
@@ -37250,18 +37382,18 @@
         </p:nvGrpSpPr>
         <p:grpSpPr>
           <a:xfrm>
-            <a:off x="6178018" y="1938110"/>
-            <a:ext cx="1488507" cy="1391221"/>
-            <a:chOff x="6178018" y="1938110"/>
-            <a:chExt cx="1488507" cy="1391221"/>
+            <a:off x="4738201" y="1938110"/>
+            <a:ext cx="2928324" cy="1391221"/>
+            <a:chOff x="4738201" y="1938110"/>
+            <a:chExt cx="2928324" cy="1391221"/>
           </a:xfrm>
         </p:grpSpPr>
         <p:sp>
           <p:nvSpPr>
-            <p:cNvPr id="35" name="Rechteck 34">
+            <p:cNvPr id="24" name="Rechteck 23">
               <a:extLst>
                 <a:ext uri="{FF2B5EF4-FFF2-40B4-BE49-F238E27FC236}">
-                  <a16:creationId xmlns:a16="http://schemas.microsoft.com/office/drawing/2014/main" id="{3987D21D-92CE-458D-B8D8-7D5F72B46936}"/>
+                  <a16:creationId xmlns:a16="http://schemas.microsoft.com/office/drawing/2014/main" id="{50624DDF-4ABD-4F3E-8E9A-346499394376}"/>
                 </a:ext>
               </a:extLst>
             </p:cNvPr>
@@ -37270,8 +37402,8 @@
           </p:nvSpPr>
           <p:spPr>
             <a:xfrm>
-              <a:off x="6782147" y="3009710"/>
-              <a:ext cx="877163" cy="276999"/>
+              <a:off x="4738201" y="3014582"/>
+              <a:ext cx="1439817" cy="276999"/>
             </a:xfrm>
             <a:prstGeom prst="rect">
               <a:avLst/>
@@ -37284,7 +37416,6 @@
             </a:bodyPr>
             <a:lstStyle/>
             <a:p>
-              <a:pPr algn="ctr"/>
               <a:r>
                 <a:rPr lang="en-US" sz="1200" b="1" cap="none" spc="0" dirty="0">
                   <a:ln w="0">
@@ -37303,17 +37434,407 @@
                     </a:outerShdw>
                   </a:effectLst>
                 </a:rPr>
-                <a:t>Phoneme</a:t>
+                <a:t>Context Features</a:t>
               </a:r>
             </a:p>
           </p:txBody>
         </p:sp>
+        <p:grpSp>
+          <p:nvGrpSpPr>
+            <p:cNvPr id="33" name="Gruppieren 32">
+              <a:extLst>
+                <a:ext uri="{FF2B5EF4-FFF2-40B4-BE49-F238E27FC236}">
+                  <a16:creationId xmlns:a16="http://schemas.microsoft.com/office/drawing/2014/main" id="{139B1D50-51BB-40C9-97EA-1C23223DFACE}"/>
+                </a:ext>
+              </a:extLst>
+            </p:cNvPr>
+            <p:cNvGrpSpPr/>
+            <p:nvPr/>
+          </p:nvGrpSpPr>
+          <p:grpSpPr>
+            <a:xfrm>
+              <a:off x="6178018" y="1938110"/>
+              <a:ext cx="1488507" cy="1391221"/>
+              <a:chOff x="6178018" y="1938110"/>
+              <a:chExt cx="1488507" cy="1391221"/>
+            </a:xfrm>
+          </p:grpSpPr>
+          <p:sp>
+            <p:nvSpPr>
+              <p:cNvPr id="35" name="Rechteck 34">
+                <a:extLst>
+                  <a:ext uri="{FF2B5EF4-FFF2-40B4-BE49-F238E27FC236}">
+                    <a16:creationId xmlns:a16="http://schemas.microsoft.com/office/drawing/2014/main" id="{3987D21D-92CE-458D-B8D8-7D5F72B46936}"/>
+                  </a:ext>
+                </a:extLst>
+              </p:cNvPr>
+              <p:cNvSpPr/>
+              <p:nvPr/>
+            </p:nvSpPr>
+            <p:spPr>
+              <a:xfrm>
+                <a:off x="6782147" y="3009710"/>
+                <a:ext cx="877163" cy="276999"/>
+              </a:xfrm>
+              <a:prstGeom prst="rect">
+                <a:avLst/>
+              </a:prstGeom>
+              <a:noFill/>
+            </p:spPr>
+            <p:txBody>
+              <a:bodyPr wrap="none" lIns="91440" tIns="45720" rIns="91440" bIns="45720" anchor="ctr">
+                <a:spAutoFit/>
+              </a:bodyPr>
+              <a:lstStyle/>
+              <a:p>
+                <a:pPr algn="ctr"/>
+                <a:r>
+                  <a:rPr lang="en-US" sz="1200" b="1" cap="none" spc="0" dirty="0">
+                    <a:ln w="0">
+                      <a:solidFill>
+                        <a:srgbClr val="DAD7CB"/>
+                      </a:solidFill>
+                    </a:ln>
+                    <a:solidFill>
+                      <a:srgbClr val="E37222"/>
+                    </a:solidFill>
+                    <a:effectLst>
+                      <a:outerShdw blurRad="38100" dist="25400" dir="5400000" algn="ctr" rotWithShape="0">
+                        <a:srgbClr val="6E747A">
+                          <a:alpha val="43000"/>
+                        </a:srgbClr>
+                      </a:outerShdw>
+                    </a:effectLst>
+                  </a:rPr>
+                  <a:t>Phoneme</a:t>
+                </a:r>
+              </a:p>
+            </p:txBody>
+          </p:sp>
+          <p:sp>
+            <p:nvSpPr>
+              <p:cNvPr id="37" name="Rechteck 36">
+                <a:extLst>
+                  <a:ext uri="{FF2B5EF4-FFF2-40B4-BE49-F238E27FC236}">
+                    <a16:creationId xmlns:a16="http://schemas.microsoft.com/office/drawing/2014/main" id="{DC84ED76-5769-4142-9717-611A76F43A77}"/>
+                  </a:ext>
+                </a:extLst>
+              </p:cNvPr>
+              <p:cNvSpPr/>
+              <p:nvPr/>
+            </p:nvSpPr>
+            <p:spPr>
+              <a:xfrm>
+                <a:off x="6841637" y="2745402"/>
+                <a:ext cx="766557" cy="276999"/>
+              </a:xfrm>
+              <a:prstGeom prst="rect">
+                <a:avLst/>
+              </a:prstGeom>
+              <a:noFill/>
+            </p:spPr>
+            <p:txBody>
+              <a:bodyPr wrap="none" lIns="91440" tIns="45720" rIns="91440" bIns="45720" anchor="ctr">
+                <a:spAutoFit/>
+              </a:bodyPr>
+              <a:lstStyle/>
+              <a:p>
+                <a:pPr algn="ctr"/>
+                <a:r>
+                  <a:rPr lang="en-US" sz="1200" b="1" cap="none" spc="0" dirty="0">
+                    <a:ln w="0">
+                      <a:solidFill>
+                        <a:srgbClr val="DAD7CB"/>
+                      </a:solidFill>
+                    </a:ln>
+                    <a:solidFill>
+                      <a:srgbClr val="E37222"/>
+                    </a:solidFill>
+                    <a:effectLst>
+                      <a:outerShdw blurRad="38100" dist="25400" dir="5400000" algn="ctr" rotWithShape="0">
+                        <a:srgbClr val="6E747A">
+                          <a:alpha val="43000"/>
+                        </a:srgbClr>
+                      </a:outerShdw>
+                    </a:effectLst>
+                  </a:rPr>
+                  <a:t>Syllable</a:t>
+                </a:r>
+              </a:p>
+            </p:txBody>
+          </p:sp>
+          <p:sp>
+            <p:nvSpPr>
+              <p:cNvPr id="38" name="Rechteck 37">
+                <a:extLst>
+                  <a:ext uri="{FF2B5EF4-FFF2-40B4-BE49-F238E27FC236}">
+                    <a16:creationId xmlns:a16="http://schemas.microsoft.com/office/drawing/2014/main" id="{9F61E866-C494-4006-9E97-80B9BC8AFCAC}"/>
+                  </a:ext>
+                </a:extLst>
+              </p:cNvPr>
+              <p:cNvSpPr/>
+              <p:nvPr/>
+            </p:nvSpPr>
+            <p:spPr>
+              <a:xfrm>
+                <a:off x="6932606" y="2455931"/>
+                <a:ext cx="576248" cy="276999"/>
+              </a:xfrm>
+              <a:prstGeom prst="rect">
+                <a:avLst/>
+              </a:prstGeom>
+              <a:noFill/>
+            </p:spPr>
+            <p:txBody>
+              <a:bodyPr wrap="none" lIns="91440" tIns="45720" rIns="91440" bIns="45720" anchor="ctr">
+                <a:spAutoFit/>
+              </a:bodyPr>
+              <a:lstStyle/>
+              <a:p>
+                <a:pPr algn="ctr"/>
+                <a:r>
+                  <a:rPr lang="en-US" sz="1200" b="1" cap="none" spc="0" dirty="0">
+                    <a:ln w="0">
+                      <a:solidFill>
+                        <a:srgbClr val="DAD7CB"/>
+                      </a:solidFill>
+                    </a:ln>
+                    <a:solidFill>
+                      <a:srgbClr val="E37222"/>
+                    </a:solidFill>
+                    <a:effectLst>
+                      <a:outerShdw blurRad="38100" dist="25400" dir="5400000" algn="ctr" rotWithShape="0">
+                        <a:srgbClr val="6E747A">
+                          <a:alpha val="43000"/>
+                        </a:srgbClr>
+                      </a:outerShdw>
+                    </a:effectLst>
+                  </a:rPr>
+                  <a:t>Word</a:t>
+                </a:r>
+              </a:p>
+            </p:txBody>
+          </p:sp>
+          <p:sp>
+            <p:nvSpPr>
+              <p:cNvPr id="39" name="Rechteck 38">
+                <a:extLst>
+                  <a:ext uri="{FF2B5EF4-FFF2-40B4-BE49-F238E27FC236}">
+                    <a16:creationId xmlns:a16="http://schemas.microsoft.com/office/drawing/2014/main" id="{998B9867-C823-4DBF-AF86-B35B679962FA}"/>
+                  </a:ext>
+                </a:extLst>
+              </p:cNvPr>
+              <p:cNvSpPr/>
+              <p:nvPr/>
+            </p:nvSpPr>
+            <p:spPr>
+              <a:xfrm>
+                <a:off x="6872718" y="2202418"/>
+                <a:ext cx="696024" cy="276999"/>
+              </a:xfrm>
+              <a:prstGeom prst="rect">
+                <a:avLst/>
+              </a:prstGeom>
+              <a:noFill/>
+            </p:spPr>
+            <p:txBody>
+              <a:bodyPr wrap="none" lIns="91440" tIns="45720" rIns="91440" bIns="45720" anchor="ctr">
+                <a:spAutoFit/>
+              </a:bodyPr>
+              <a:lstStyle/>
+              <a:p>
+                <a:pPr algn="ctr"/>
+                <a:r>
+                  <a:rPr lang="en-US" sz="1200" b="1" cap="none" spc="0" dirty="0">
+                    <a:ln w="0">
+                      <a:solidFill>
+                        <a:srgbClr val="DAD7CB"/>
+                      </a:solidFill>
+                    </a:ln>
+                    <a:solidFill>
+                      <a:srgbClr val="E37222"/>
+                    </a:solidFill>
+                    <a:effectLst>
+                      <a:outerShdw blurRad="38100" dist="25400" dir="5400000" algn="ctr" rotWithShape="0">
+                        <a:srgbClr val="6E747A">
+                          <a:alpha val="43000"/>
+                        </a:srgbClr>
+                      </a:outerShdw>
+                    </a:effectLst>
+                  </a:rPr>
+                  <a:t>Phrase</a:t>
+                </a:r>
+              </a:p>
+            </p:txBody>
+          </p:sp>
+          <p:sp>
+            <p:nvSpPr>
+              <p:cNvPr id="42" name="Rechteck 41">
+                <a:extLst>
+                  <a:ext uri="{FF2B5EF4-FFF2-40B4-BE49-F238E27FC236}">
+                    <a16:creationId xmlns:a16="http://schemas.microsoft.com/office/drawing/2014/main" id="{1BA62AFF-6331-45A9-BE06-9BD7829FD696}"/>
+                  </a:ext>
+                </a:extLst>
+              </p:cNvPr>
+              <p:cNvSpPr/>
+              <p:nvPr/>
+            </p:nvSpPr>
+            <p:spPr>
+              <a:xfrm>
+                <a:off x="6774934" y="1938110"/>
+                <a:ext cx="891591" cy="276999"/>
+              </a:xfrm>
+              <a:prstGeom prst="rect">
+                <a:avLst/>
+              </a:prstGeom>
+              <a:noFill/>
+            </p:spPr>
+            <p:txBody>
+              <a:bodyPr wrap="none" lIns="91440" tIns="45720" rIns="91440" bIns="45720" anchor="ctr">
+                <a:spAutoFit/>
+              </a:bodyPr>
+              <a:lstStyle/>
+              <a:p>
+                <a:pPr algn="ctr"/>
+                <a:r>
+                  <a:rPr lang="en-US" sz="1200" b="1" cap="none" spc="0" dirty="0">
+                    <a:ln w="0">
+                      <a:solidFill>
+                        <a:srgbClr val="DAD7CB"/>
+                      </a:solidFill>
+                    </a:ln>
+                    <a:solidFill>
+                      <a:srgbClr val="E37222"/>
+                    </a:solidFill>
+                    <a:effectLst>
+                      <a:outerShdw blurRad="38100" dist="25400" dir="5400000" algn="ctr" rotWithShape="0">
+                        <a:srgbClr val="6E747A">
+                          <a:alpha val="43000"/>
+                        </a:srgbClr>
+                      </a:outerShdw>
+                    </a:effectLst>
+                  </a:rPr>
+                  <a:t>Utterance</a:t>
+                </a:r>
+              </a:p>
+            </p:txBody>
+          </p:sp>
+          <p:cxnSp>
+            <p:nvCxnSpPr>
+              <p:cNvPr id="12" name="Gerader Verbinder 11">
+                <a:extLst>
+                  <a:ext uri="{FF2B5EF4-FFF2-40B4-BE49-F238E27FC236}">
+                    <a16:creationId xmlns:a16="http://schemas.microsoft.com/office/drawing/2014/main" id="{A9D92737-1B64-4D86-8292-12EA931540BF}"/>
+                  </a:ext>
+                </a:extLst>
+              </p:cNvPr>
+              <p:cNvCxnSpPr>
+                <a:cxnSpLocks/>
+                <a:stCxn id="24" idx="3"/>
+              </p:cNvCxnSpPr>
+              <p:nvPr/>
+            </p:nvCxnSpPr>
+            <p:spPr>
+              <a:xfrm>
+                <a:off x="6178018" y="3153082"/>
+                <a:ext cx="604129" cy="176249"/>
+              </a:xfrm>
+              <a:prstGeom prst="line">
+                <a:avLst/>
+              </a:prstGeom>
+              <a:ln>
+                <a:solidFill>
+                  <a:srgbClr val="0065BD"/>
+                </a:solidFill>
+              </a:ln>
+            </p:spPr>
+            <p:style>
+              <a:lnRef idx="1">
+                <a:schemeClr val="accent1"/>
+              </a:lnRef>
+              <a:fillRef idx="0">
+                <a:schemeClr val="accent1"/>
+              </a:fillRef>
+              <a:effectRef idx="0">
+                <a:schemeClr val="accent1"/>
+              </a:effectRef>
+              <a:fontRef idx="minor">
+                <a:schemeClr val="tx1"/>
+              </a:fontRef>
+            </p:style>
+          </p:cxnSp>
+          <p:cxnSp>
+            <p:nvCxnSpPr>
+              <p:cNvPr id="45" name="Gerader Verbinder 44">
+                <a:extLst>
+                  <a:ext uri="{FF2B5EF4-FFF2-40B4-BE49-F238E27FC236}">
+                    <a16:creationId xmlns:a16="http://schemas.microsoft.com/office/drawing/2014/main" id="{0348626E-E35A-4A61-9612-53BFC1127007}"/>
+                  </a:ext>
+                </a:extLst>
+              </p:cNvPr>
+              <p:cNvCxnSpPr>
+                <a:cxnSpLocks/>
+                <a:stCxn id="24" idx="3"/>
+              </p:cNvCxnSpPr>
+              <p:nvPr/>
+            </p:nvCxnSpPr>
+            <p:spPr>
+              <a:xfrm flipV="1">
+                <a:off x="6178018" y="1947846"/>
+                <a:ext cx="596916" cy="1205236"/>
+              </a:xfrm>
+              <a:prstGeom prst="line">
+                <a:avLst/>
+              </a:prstGeom>
+              <a:ln>
+                <a:solidFill>
+                  <a:srgbClr val="0065BD"/>
+                </a:solidFill>
+              </a:ln>
+            </p:spPr>
+            <p:style>
+              <a:lnRef idx="1">
+                <a:schemeClr val="accent1"/>
+              </a:lnRef>
+              <a:fillRef idx="0">
+                <a:schemeClr val="accent1"/>
+              </a:fillRef>
+              <a:effectRef idx="0">
+                <a:schemeClr val="accent1"/>
+              </a:effectRef>
+              <a:fontRef idx="minor">
+                <a:schemeClr val="tx1"/>
+              </a:fontRef>
+            </p:style>
+          </p:cxnSp>
+        </p:grpSp>
+      </p:grpSp>
+      <p:grpSp>
+        <p:nvGrpSpPr>
+          <p:cNvPr id="5" name="Gruppieren 4">
+            <a:extLst>
+              <a:ext uri="{FF2B5EF4-FFF2-40B4-BE49-F238E27FC236}">
+                <a16:creationId xmlns:a16="http://schemas.microsoft.com/office/drawing/2014/main" id="{E27A0A6D-C90E-4603-BB4A-2EC5D7B8C811}"/>
+              </a:ext>
+            </a:extLst>
+          </p:cNvPr>
+          <p:cNvGrpSpPr/>
+          <p:nvPr/>
+        </p:nvGrpSpPr>
+        <p:grpSpPr>
+          <a:xfrm>
+            <a:off x="4738201" y="3572656"/>
+            <a:ext cx="3785030" cy="597468"/>
+            <a:chOff x="4738201" y="3572656"/>
+            <a:chExt cx="3785030" cy="597468"/>
+          </a:xfrm>
+        </p:grpSpPr>
         <p:sp>
           <p:nvSpPr>
-            <p:cNvPr id="37" name="Rechteck 36">
+            <p:cNvPr id="26" name="Rechteck 25">
               <a:extLst>
                 <a:ext uri="{FF2B5EF4-FFF2-40B4-BE49-F238E27FC236}">
-                  <a16:creationId xmlns:a16="http://schemas.microsoft.com/office/drawing/2014/main" id="{DC84ED76-5769-4142-9717-611A76F43A77}"/>
+                  <a16:creationId xmlns:a16="http://schemas.microsoft.com/office/drawing/2014/main" id="{264E0391-76E6-48ED-9C54-41CFB9B91AC6}"/>
                 </a:ext>
               </a:extLst>
             </p:cNvPr>
@@ -37322,8 +37843,8 @@
           </p:nvSpPr>
           <p:spPr>
             <a:xfrm>
-              <a:off x="6841637" y="2745402"/>
-              <a:ext cx="766557" cy="276999"/>
+              <a:off x="4738201" y="3732322"/>
+              <a:ext cx="1516761" cy="276999"/>
             </a:xfrm>
             <a:prstGeom prst="rect">
               <a:avLst/>
@@ -37336,7 +37857,6 @@
             </a:bodyPr>
             <a:lstStyle/>
             <a:p>
-              <a:pPr algn="ctr"/>
               <a:r>
                 <a:rPr lang="en-US" sz="1200" b="1" cap="none" spc="0" dirty="0">
                   <a:ln w="0">
@@ -37355,468 +37875,224 @@
                     </a:outerShdw>
                   </a:effectLst>
                 </a:rPr>
-                <a:t>Syllable</a:t>
+                <a:t>Acoustic Features</a:t>
               </a:r>
             </a:p>
           </p:txBody>
         </p:sp>
-        <p:sp>
-          <p:nvSpPr>
-            <p:cNvPr id="38" name="Rechteck 37">
+        <p:grpSp>
+          <p:nvGrpSpPr>
+            <p:cNvPr id="34" name="Gruppieren 33">
               <a:extLst>
                 <a:ext uri="{FF2B5EF4-FFF2-40B4-BE49-F238E27FC236}">
-                  <a16:creationId xmlns:a16="http://schemas.microsoft.com/office/drawing/2014/main" id="{9F61E866-C494-4006-9E97-80B9BC8AFCAC}"/>
+                  <a16:creationId xmlns:a16="http://schemas.microsoft.com/office/drawing/2014/main" id="{A3ECE3C6-8F85-4D02-B000-812896920A40}"/>
                 </a:ext>
               </a:extLst>
             </p:cNvPr>
-            <p:cNvSpPr/>
+            <p:cNvGrpSpPr/>
             <p:nvPr/>
-          </p:nvSpPr>
-          <p:spPr>
+          </p:nvGrpSpPr>
+          <p:grpSpPr>
             <a:xfrm>
-              <a:off x="6932606" y="2455931"/>
-              <a:ext cx="576248" cy="276999"/>
+              <a:off x="6254962" y="3572656"/>
+              <a:ext cx="2268269" cy="597468"/>
+              <a:chOff x="6254962" y="3572656"/>
+              <a:chExt cx="2268269" cy="597468"/>
             </a:xfrm>
-            <a:prstGeom prst="rect">
-              <a:avLst/>
-            </a:prstGeom>
-            <a:noFill/>
-          </p:spPr>
-          <p:txBody>
-            <a:bodyPr wrap="none" lIns="91440" tIns="45720" rIns="91440" bIns="45720" anchor="ctr">
-              <a:spAutoFit/>
-            </a:bodyPr>
-            <a:lstStyle/>
-            <a:p>
-              <a:pPr algn="ctr"/>
-              <a:r>
-                <a:rPr lang="en-US" sz="1200" b="1" cap="none" spc="0" dirty="0">
-                  <a:ln w="0">
+          </p:grpSpPr>
+          <p:sp>
+            <p:nvSpPr>
+              <p:cNvPr id="54" name="Rechteck 53">
+                <a:extLst>
+                  <a:ext uri="{FF2B5EF4-FFF2-40B4-BE49-F238E27FC236}">
+                    <a16:creationId xmlns:a16="http://schemas.microsoft.com/office/drawing/2014/main" id="{339B7276-2740-452C-9682-5802BFD63B0C}"/>
+                  </a:ext>
+                </a:extLst>
+              </p:cNvPr>
+              <p:cNvSpPr/>
+              <p:nvPr/>
+            </p:nvSpPr>
+            <p:spPr>
+              <a:xfrm>
+                <a:off x="6790865" y="3572656"/>
+                <a:ext cx="1667444" cy="276999"/>
+              </a:xfrm>
+              <a:prstGeom prst="rect">
+                <a:avLst/>
+              </a:prstGeom>
+              <a:noFill/>
+            </p:spPr>
+            <p:txBody>
+              <a:bodyPr wrap="none" lIns="91440" tIns="45720" rIns="91440" bIns="45720" anchor="ctr">
+                <a:spAutoFit/>
+              </a:bodyPr>
+              <a:lstStyle/>
+              <a:p>
+                <a:pPr algn="ctr"/>
+                <a:r>
+                  <a:rPr lang="en-US" sz="1200" b="1" cap="none" spc="0" dirty="0">
+                    <a:ln w="0">
+                      <a:solidFill>
+                        <a:srgbClr val="DAD7CB"/>
+                      </a:solidFill>
+                    </a:ln>
                     <a:solidFill>
-                      <a:srgbClr val="DAD7CB"/>
+                      <a:srgbClr val="E37222"/>
                     </a:solidFill>
-                  </a:ln>
-                  <a:solidFill>
-                    <a:srgbClr val="E37222"/>
-                  </a:solidFill>
-                  <a:effectLst>
-                    <a:outerShdw blurRad="38100" dist="25400" dir="5400000" algn="ctr" rotWithShape="0">
-                      <a:srgbClr val="6E747A">
-                        <a:alpha val="43000"/>
-                      </a:srgbClr>
-                    </a:outerShdw>
-                  </a:effectLst>
-                </a:rPr>
-                <a:t>Word</a:t>
-              </a:r>
-            </a:p>
-          </p:txBody>
-        </p:sp>
-        <p:sp>
-          <p:nvSpPr>
-            <p:cNvPr id="39" name="Rechteck 38">
-              <a:extLst>
-                <a:ext uri="{FF2B5EF4-FFF2-40B4-BE49-F238E27FC236}">
-                  <a16:creationId xmlns:a16="http://schemas.microsoft.com/office/drawing/2014/main" id="{998B9867-C823-4DBF-AF86-B35B679962FA}"/>
-                </a:ext>
-              </a:extLst>
-            </p:cNvPr>
-            <p:cNvSpPr/>
-            <p:nvPr/>
-          </p:nvSpPr>
-          <p:spPr>
-            <a:xfrm>
-              <a:off x="6872718" y="2202418"/>
-              <a:ext cx="696024" cy="276999"/>
-            </a:xfrm>
-            <a:prstGeom prst="rect">
-              <a:avLst/>
-            </a:prstGeom>
-            <a:noFill/>
-          </p:spPr>
-          <p:txBody>
-            <a:bodyPr wrap="none" lIns="91440" tIns="45720" rIns="91440" bIns="45720" anchor="ctr">
-              <a:spAutoFit/>
-            </a:bodyPr>
-            <a:lstStyle/>
-            <a:p>
-              <a:pPr algn="ctr"/>
-              <a:r>
-                <a:rPr lang="en-US" sz="1200" b="1" cap="none" spc="0" dirty="0">
-                  <a:ln w="0">
+                    <a:effectLst>
+                      <a:outerShdw blurRad="38100" dist="25400" dir="5400000" algn="ctr" rotWithShape="0">
+                        <a:srgbClr val="6E747A">
+                          <a:alpha val="43000"/>
+                        </a:srgbClr>
+                      </a:outerShdw>
+                    </a:effectLst>
+                  </a:rPr>
+                  <a:t>Spectral Parameters</a:t>
+                </a:r>
+              </a:p>
+            </p:txBody>
+          </p:sp>
+          <p:sp>
+            <p:nvSpPr>
+              <p:cNvPr id="55" name="Rechteck 54">
+                <a:extLst>
+                  <a:ext uri="{FF2B5EF4-FFF2-40B4-BE49-F238E27FC236}">
+                    <a16:creationId xmlns:a16="http://schemas.microsoft.com/office/drawing/2014/main" id="{68DBA8CD-70B7-4D9D-A75D-520140B8E5CD}"/>
+                  </a:ext>
+                </a:extLst>
+              </p:cNvPr>
+              <p:cNvSpPr/>
+              <p:nvPr/>
+            </p:nvSpPr>
+            <p:spPr>
+              <a:xfrm>
+                <a:off x="6725944" y="3893125"/>
+                <a:ext cx="1797287" cy="276999"/>
+              </a:xfrm>
+              <a:prstGeom prst="rect">
+                <a:avLst/>
+              </a:prstGeom>
+              <a:noFill/>
+            </p:spPr>
+            <p:txBody>
+              <a:bodyPr wrap="none" lIns="91440" tIns="45720" rIns="91440" bIns="45720" anchor="ctr">
+                <a:spAutoFit/>
+              </a:bodyPr>
+              <a:lstStyle/>
+              <a:p>
+                <a:pPr algn="ctr"/>
+                <a:r>
+                  <a:rPr lang="en-US" sz="1200" b="1" cap="none" spc="0" dirty="0">
+                    <a:ln w="0">
+                      <a:solidFill>
+                        <a:srgbClr val="DAD7CB"/>
+                      </a:solidFill>
+                    </a:ln>
                     <a:solidFill>
-                      <a:srgbClr val="DAD7CB"/>
+                      <a:srgbClr val="E37222"/>
                     </a:solidFill>
-                  </a:ln>
-                  <a:solidFill>
-                    <a:srgbClr val="E37222"/>
-                  </a:solidFill>
-                  <a:effectLst>
-                    <a:outerShdw blurRad="38100" dist="25400" dir="5400000" algn="ctr" rotWithShape="0">
-                      <a:srgbClr val="6E747A">
-                        <a:alpha val="43000"/>
-                      </a:srgbClr>
-                    </a:outerShdw>
-                  </a:effectLst>
-                </a:rPr>
-                <a:t>Phrase</a:t>
-              </a:r>
-            </a:p>
-          </p:txBody>
-        </p:sp>
-        <p:sp>
-          <p:nvSpPr>
-            <p:cNvPr id="42" name="Rechteck 41">
-              <a:extLst>
-                <a:ext uri="{FF2B5EF4-FFF2-40B4-BE49-F238E27FC236}">
-                  <a16:creationId xmlns:a16="http://schemas.microsoft.com/office/drawing/2014/main" id="{1BA62AFF-6331-45A9-BE06-9BD7829FD696}"/>
-                </a:ext>
-              </a:extLst>
-            </p:cNvPr>
-            <p:cNvSpPr/>
-            <p:nvPr/>
-          </p:nvSpPr>
-          <p:spPr>
-            <a:xfrm>
-              <a:off x="6774934" y="1938110"/>
-              <a:ext cx="891591" cy="276999"/>
-            </a:xfrm>
-            <a:prstGeom prst="rect">
-              <a:avLst/>
-            </a:prstGeom>
-            <a:noFill/>
-          </p:spPr>
-          <p:txBody>
-            <a:bodyPr wrap="none" lIns="91440" tIns="45720" rIns="91440" bIns="45720" anchor="ctr">
-              <a:spAutoFit/>
-            </a:bodyPr>
-            <a:lstStyle/>
-            <a:p>
-              <a:pPr algn="ctr"/>
-              <a:r>
-                <a:rPr lang="en-US" sz="1200" b="1" cap="none" spc="0" dirty="0">
-                  <a:ln w="0">
-                    <a:solidFill>
-                      <a:srgbClr val="DAD7CB"/>
-                    </a:solidFill>
-                  </a:ln>
-                  <a:solidFill>
-                    <a:srgbClr val="E37222"/>
-                  </a:solidFill>
-                  <a:effectLst>
-                    <a:outerShdw blurRad="38100" dist="25400" dir="5400000" algn="ctr" rotWithShape="0">
-                      <a:srgbClr val="6E747A">
-                        <a:alpha val="43000"/>
-                      </a:srgbClr>
-                    </a:outerShdw>
-                  </a:effectLst>
-                </a:rPr>
-                <a:t>Utterance</a:t>
-              </a:r>
-            </a:p>
-          </p:txBody>
-        </p:sp>
-        <p:cxnSp>
-          <p:nvCxnSpPr>
-            <p:cNvPr id="12" name="Gerader Verbinder 11">
-              <a:extLst>
-                <a:ext uri="{FF2B5EF4-FFF2-40B4-BE49-F238E27FC236}">
-                  <a16:creationId xmlns:a16="http://schemas.microsoft.com/office/drawing/2014/main" id="{A9D92737-1B64-4D86-8292-12EA931540BF}"/>
-                </a:ext>
-              </a:extLst>
-            </p:cNvPr>
-            <p:cNvCxnSpPr>
-              <a:cxnSpLocks/>
-              <a:stCxn id="24" idx="3"/>
-            </p:cNvCxnSpPr>
-            <p:nvPr/>
-          </p:nvCxnSpPr>
-          <p:spPr>
-            <a:xfrm>
-              <a:off x="6178018" y="3153082"/>
-              <a:ext cx="604129" cy="176249"/>
-            </a:xfrm>
-            <a:prstGeom prst="line">
-              <a:avLst/>
-            </a:prstGeom>
-            <a:ln>
-              <a:solidFill>
-                <a:srgbClr val="0065BD"/>
-              </a:solidFill>
-            </a:ln>
-          </p:spPr>
-          <p:style>
-            <a:lnRef idx="1">
-              <a:schemeClr val="accent1"/>
-            </a:lnRef>
-            <a:fillRef idx="0">
-              <a:schemeClr val="accent1"/>
-            </a:fillRef>
-            <a:effectRef idx="0">
-              <a:schemeClr val="accent1"/>
-            </a:effectRef>
-            <a:fontRef idx="minor">
-              <a:schemeClr val="tx1"/>
-            </a:fontRef>
-          </p:style>
-        </p:cxnSp>
-        <p:cxnSp>
-          <p:nvCxnSpPr>
-            <p:cNvPr id="45" name="Gerader Verbinder 44">
-              <a:extLst>
-                <a:ext uri="{FF2B5EF4-FFF2-40B4-BE49-F238E27FC236}">
-                  <a16:creationId xmlns:a16="http://schemas.microsoft.com/office/drawing/2014/main" id="{0348626E-E35A-4A61-9612-53BFC1127007}"/>
-                </a:ext>
-              </a:extLst>
-            </p:cNvPr>
-            <p:cNvCxnSpPr>
-              <a:cxnSpLocks/>
-              <a:stCxn id="24" idx="3"/>
-            </p:cNvCxnSpPr>
-            <p:nvPr/>
-          </p:nvCxnSpPr>
-          <p:spPr>
-            <a:xfrm flipV="1">
-              <a:off x="6178018" y="1947846"/>
-              <a:ext cx="596916" cy="1205236"/>
-            </a:xfrm>
-            <a:prstGeom prst="line">
-              <a:avLst/>
-            </a:prstGeom>
-            <a:ln>
-              <a:solidFill>
-                <a:srgbClr val="0065BD"/>
-              </a:solidFill>
-            </a:ln>
-          </p:spPr>
-          <p:style>
-            <a:lnRef idx="1">
-              <a:schemeClr val="accent1"/>
-            </a:lnRef>
-            <a:fillRef idx="0">
-              <a:schemeClr val="accent1"/>
-            </a:fillRef>
-            <a:effectRef idx="0">
-              <a:schemeClr val="accent1"/>
-            </a:effectRef>
-            <a:fontRef idx="minor">
-              <a:schemeClr val="tx1"/>
-            </a:fontRef>
-          </p:style>
-        </p:cxnSp>
-      </p:grpSp>
-      <p:grpSp>
-        <p:nvGrpSpPr>
-          <p:cNvPr id="34" name="Gruppieren 33">
-            <a:extLst>
-              <a:ext uri="{FF2B5EF4-FFF2-40B4-BE49-F238E27FC236}">
-                <a16:creationId xmlns:a16="http://schemas.microsoft.com/office/drawing/2014/main" id="{A3ECE3C6-8F85-4D02-B000-812896920A40}"/>
-              </a:ext>
-            </a:extLst>
-          </p:cNvPr>
-          <p:cNvGrpSpPr/>
-          <p:nvPr/>
-        </p:nvGrpSpPr>
-        <p:grpSpPr>
-          <a:xfrm>
-            <a:off x="6254962" y="3572656"/>
-            <a:ext cx="2268269" cy="597468"/>
-            <a:chOff x="6254962" y="3572656"/>
-            <a:chExt cx="2268269" cy="597468"/>
-          </a:xfrm>
-        </p:grpSpPr>
-        <p:sp>
-          <p:nvSpPr>
-            <p:cNvPr id="54" name="Rechteck 53">
-              <a:extLst>
-                <a:ext uri="{FF2B5EF4-FFF2-40B4-BE49-F238E27FC236}">
-                  <a16:creationId xmlns:a16="http://schemas.microsoft.com/office/drawing/2014/main" id="{339B7276-2740-452C-9682-5802BFD63B0C}"/>
-                </a:ext>
-              </a:extLst>
-            </p:cNvPr>
-            <p:cNvSpPr/>
-            <p:nvPr/>
-          </p:nvSpPr>
-          <p:spPr>
-            <a:xfrm>
-              <a:off x="6790865" y="3572656"/>
-              <a:ext cx="1667444" cy="276999"/>
-            </a:xfrm>
-            <a:prstGeom prst="rect">
-              <a:avLst/>
-            </a:prstGeom>
-            <a:noFill/>
-          </p:spPr>
-          <p:txBody>
-            <a:bodyPr wrap="none" lIns="91440" tIns="45720" rIns="91440" bIns="45720" anchor="ctr">
-              <a:spAutoFit/>
-            </a:bodyPr>
-            <a:lstStyle/>
-            <a:p>
-              <a:pPr algn="ctr"/>
-              <a:r>
-                <a:rPr lang="en-US" sz="1200" b="1" cap="none" spc="0" dirty="0">
-                  <a:ln w="0">
-                    <a:solidFill>
-                      <a:srgbClr val="DAD7CB"/>
-                    </a:solidFill>
-                  </a:ln>
-                  <a:solidFill>
-                    <a:srgbClr val="E37222"/>
-                  </a:solidFill>
-                  <a:effectLst>
-                    <a:outerShdw blurRad="38100" dist="25400" dir="5400000" algn="ctr" rotWithShape="0">
-                      <a:srgbClr val="6E747A">
-                        <a:alpha val="43000"/>
-                      </a:srgbClr>
-                    </a:outerShdw>
-                  </a:effectLst>
-                </a:rPr>
-                <a:t>Spectral Parameters</a:t>
-              </a:r>
-            </a:p>
-          </p:txBody>
-        </p:sp>
-        <p:sp>
-          <p:nvSpPr>
-            <p:cNvPr id="55" name="Rechteck 54">
-              <a:extLst>
-                <a:ext uri="{FF2B5EF4-FFF2-40B4-BE49-F238E27FC236}">
-                  <a16:creationId xmlns:a16="http://schemas.microsoft.com/office/drawing/2014/main" id="{68DBA8CD-70B7-4D9D-A75D-520140B8E5CD}"/>
-                </a:ext>
-              </a:extLst>
-            </p:cNvPr>
-            <p:cNvSpPr/>
-            <p:nvPr/>
-          </p:nvSpPr>
-          <p:spPr>
-            <a:xfrm>
-              <a:off x="6725944" y="3893125"/>
-              <a:ext cx="1797287" cy="276999"/>
-            </a:xfrm>
-            <a:prstGeom prst="rect">
-              <a:avLst/>
-            </a:prstGeom>
-            <a:noFill/>
-          </p:spPr>
-          <p:txBody>
-            <a:bodyPr wrap="none" lIns="91440" tIns="45720" rIns="91440" bIns="45720" anchor="ctr">
-              <a:spAutoFit/>
-            </a:bodyPr>
-            <a:lstStyle/>
-            <a:p>
-              <a:pPr algn="ctr"/>
-              <a:r>
-                <a:rPr lang="en-US" sz="1200" b="1" cap="none" spc="0" dirty="0">
-                  <a:ln w="0">
-                    <a:solidFill>
-                      <a:srgbClr val="DAD7CB"/>
-                    </a:solidFill>
-                  </a:ln>
-                  <a:solidFill>
-                    <a:srgbClr val="E37222"/>
-                  </a:solidFill>
-                  <a:effectLst>
-                    <a:outerShdw blurRad="38100" dist="25400" dir="5400000" algn="ctr" rotWithShape="0">
-                      <a:srgbClr val="6E747A">
-                        <a:alpha val="43000"/>
-                      </a:srgbClr>
-                    </a:outerShdw>
-                  </a:effectLst>
-                </a:rPr>
-                <a:t>Excitation Parameters</a:t>
-              </a:r>
-            </a:p>
-          </p:txBody>
-        </p:sp>
-        <p:cxnSp>
-          <p:nvCxnSpPr>
-            <p:cNvPr id="56" name="Gerader Verbinder 55">
-              <a:extLst>
-                <a:ext uri="{FF2B5EF4-FFF2-40B4-BE49-F238E27FC236}">
-                  <a16:creationId xmlns:a16="http://schemas.microsoft.com/office/drawing/2014/main" id="{70268131-96A9-4560-B129-D5F89BC01C11}"/>
-                </a:ext>
-              </a:extLst>
-            </p:cNvPr>
-            <p:cNvCxnSpPr>
-              <a:cxnSpLocks/>
-              <a:stCxn id="26" idx="3"/>
-            </p:cNvCxnSpPr>
-            <p:nvPr/>
-          </p:nvCxnSpPr>
-          <p:spPr>
-            <a:xfrm flipV="1">
-              <a:off x="6254962" y="3586195"/>
-              <a:ext cx="535903" cy="284627"/>
-            </a:xfrm>
-            <a:prstGeom prst="line">
-              <a:avLst/>
-            </a:prstGeom>
-            <a:ln>
-              <a:solidFill>
-                <a:srgbClr val="0065BD"/>
-              </a:solidFill>
-            </a:ln>
-          </p:spPr>
-          <p:style>
-            <a:lnRef idx="1">
-              <a:schemeClr val="accent1"/>
-            </a:lnRef>
-            <a:fillRef idx="0">
-              <a:schemeClr val="accent1"/>
-            </a:fillRef>
-            <a:effectRef idx="0">
-              <a:schemeClr val="accent1"/>
-            </a:effectRef>
-            <a:fontRef idx="minor">
-              <a:schemeClr val="tx1"/>
-            </a:fontRef>
-          </p:style>
-        </p:cxnSp>
-        <p:cxnSp>
-          <p:nvCxnSpPr>
-            <p:cNvPr id="57" name="Gerader Verbinder 56">
-              <a:extLst>
-                <a:ext uri="{FF2B5EF4-FFF2-40B4-BE49-F238E27FC236}">
-                  <a16:creationId xmlns:a16="http://schemas.microsoft.com/office/drawing/2014/main" id="{051DE8B7-E87A-4D08-A39D-E3115B716DD3}"/>
-                </a:ext>
-              </a:extLst>
-            </p:cNvPr>
-            <p:cNvCxnSpPr>
-              <a:cxnSpLocks/>
-              <a:stCxn id="26" idx="3"/>
-            </p:cNvCxnSpPr>
-            <p:nvPr/>
-          </p:nvCxnSpPr>
-          <p:spPr>
-            <a:xfrm>
-              <a:off x="6254962" y="3870822"/>
-              <a:ext cx="519972" cy="284626"/>
-            </a:xfrm>
-            <a:prstGeom prst="line">
-              <a:avLst/>
-            </a:prstGeom>
-            <a:ln>
-              <a:solidFill>
-                <a:srgbClr val="0065BD"/>
-              </a:solidFill>
-            </a:ln>
-          </p:spPr>
-          <p:style>
-            <a:lnRef idx="1">
-              <a:schemeClr val="accent1"/>
-            </a:lnRef>
-            <a:fillRef idx="0">
-              <a:schemeClr val="accent1"/>
-            </a:fillRef>
-            <a:effectRef idx="0">
-              <a:schemeClr val="accent1"/>
-            </a:effectRef>
-            <a:fontRef idx="minor">
-              <a:schemeClr val="tx1"/>
-            </a:fontRef>
-          </p:style>
-        </p:cxnSp>
+                    <a:effectLst>
+                      <a:outerShdw blurRad="38100" dist="25400" dir="5400000" algn="ctr" rotWithShape="0">
+                        <a:srgbClr val="6E747A">
+                          <a:alpha val="43000"/>
+                        </a:srgbClr>
+                      </a:outerShdw>
+                    </a:effectLst>
+                  </a:rPr>
+                  <a:t>Excitation Parameters</a:t>
+                </a:r>
+              </a:p>
+            </p:txBody>
+          </p:sp>
+          <p:cxnSp>
+            <p:nvCxnSpPr>
+              <p:cNvPr id="56" name="Gerader Verbinder 55">
+                <a:extLst>
+                  <a:ext uri="{FF2B5EF4-FFF2-40B4-BE49-F238E27FC236}">
+                    <a16:creationId xmlns:a16="http://schemas.microsoft.com/office/drawing/2014/main" id="{70268131-96A9-4560-B129-D5F89BC01C11}"/>
+                  </a:ext>
+                </a:extLst>
+              </p:cNvPr>
+              <p:cNvCxnSpPr>
+                <a:cxnSpLocks/>
+                <a:stCxn id="26" idx="3"/>
+              </p:cNvCxnSpPr>
+              <p:nvPr/>
+            </p:nvCxnSpPr>
+            <p:spPr>
+              <a:xfrm flipV="1">
+                <a:off x="6254962" y="3586195"/>
+                <a:ext cx="535903" cy="284627"/>
+              </a:xfrm>
+              <a:prstGeom prst="line">
+                <a:avLst/>
+              </a:prstGeom>
+              <a:ln>
+                <a:solidFill>
+                  <a:srgbClr val="0065BD"/>
+                </a:solidFill>
+              </a:ln>
+            </p:spPr>
+            <p:style>
+              <a:lnRef idx="1">
+                <a:schemeClr val="accent1"/>
+              </a:lnRef>
+              <a:fillRef idx="0">
+                <a:schemeClr val="accent1"/>
+              </a:fillRef>
+              <a:effectRef idx="0">
+                <a:schemeClr val="accent1"/>
+              </a:effectRef>
+              <a:fontRef idx="minor">
+                <a:schemeClr val="tx1"/>
+              </a:fontRef>
+            </p:style>
+          </p:cxnSp>
+          <p:cxnSp>
+            <p:nvCxnSpPr>
+              <p:cNvPr id="57" name="Gerader Verbinder 56">
+                <a:extLst>
+                  <a:ext uri="{FF2B5EF4-FFF2-40B4-BE49-F238E27FC236}">
+                    <a16:creationId xmlns:a16="http://schemas.microsoft.com/office/drawing/2014/main" id="{051DE8B7-E87A-4D08-A39D-E3115B716DD3}"/>
+                  </a:ext>
+                </a:extLst>
+              </p:cNvPr>
+              <p:cNvCxnSpPr>
+                <a:cxnSpLocks/>
+                <a:stCxn id="26" idx="3"/>
+              </p:cNvCxnSpPr>
+              <p:nvPr/>
+            </p:nvCxnSpPr>
+            <p:spPr>
+              <a:xfrm>
+                <a:off x="6254962" y="3870822"/>
+                <a:ext cx="519972" cy="284626"/>
+              </a:xfrm>
+              <a:prstGeom prst="line">
+                <a:avLst/>
+              </a:prstGeom>
+              <a:ln>
+                <a:solidFill>
+                  <a:srgbClr val="0065BD"/>
+                </a:solidFill>
+              </a:ln>
+            </p:spPr>
+            <p:style>
+              <a:lnRef idx="1">
+                <a:schemeClr val="accent1"/>
+              </a:lnRef>
+              <a:fillRef idx="0">
+                <a:schemeClr val="accent1"/>
+              </a:fillRef>
+              <a:effectRef idx="0">
+                <a:schemeClr val="accent1"/>
+              </a:effectRef>
+              <a:fontRef idx="minor">
+                <a:schemeClr val="tx1"/>
+              </a:fontRef>
+            </p:style>
+          </p:cxnSp>
+        </p:grpSp>
       </p:grpSp>
     </p:spTree>
     <p:extLst>
@@ -37828,6 +38104,219 @@
   <p:clrMapOvr>
     <a:masterClrMapping/>
   </p:clrMapOvr>
+  <p:timing>
+    <p:tnLst>
+      <p:par>
+        <p:cTn id="1" dur="indefinite" restart="never" nodeType="tmRoot">
+          <p:childTnLst>
+            <p:seq concurrent="1" nextAc="seek">
+              <p:cTn id="2" dur="indefinite" nodeType="mainSeq">
+                <p:childTnLst>
+                  <p:par>
+                    <p:cTn id="3" fill="hold">
+                      <p:stCondLst>
+                        <p:cond delay="indefinite"/>
+                      </p:stCondLst>
+                      <p:childTnLst>
+                        <p:par>
+                          <p:cTn id="4" fill="hold">
+                            <p:stCondLst>
+                              <p:cond delay="0"/>
+                            </p:stCondLst>
+                            <p:childTnLst>
+                              <p:par>
+                                <p:cTn id="5" presetID="1" presetClass="entr" presetSubtype="0" fill="hold" nodeType="clickEffect">
+                                  <p:stCondLst>
+                                    <p:cond delay="0"/>
+                                  </p:stCondLst>
+                                  <p:childTnLst>
+                                    <p:set>
+                                      <p:cBhvr>
+                                        <p:cTn id="6" dur="1" fill="hold">
+                                          <p:stCondLst>
+                                            <p:cond delay="0"/>
+                                          </p:stCondLst>
+                                        </p:cTn>
+                                        <p:tgtEl>
+                                          <p:spTgt spid="53"/>
+                                        </p:tgtEl>
+                                        <p:attrNameLst>
+                                          <p:attrName>style.visibility</p:attrName>
+                                        </p:attrNameLst>
+                                      </p:cBhvr>
+                                      <p:to>
+                                        <p:strVal val="visible"/>
+                                      </p:to>
+                                    </p:set>
+                                  </p:childTnLst>
+                                </p:cTn>
+                              </p:par>
+                            </p:childTnLst>
+                          </p:cTn>
+                        </p:par>
+                      </p:childTnLst>
+                    </p:cTn>
+                  </p:par>
+                  <p:par>
+                    <p:cTn id="7" fill="hold">
+                      <p:stCondLst>
+                        <p:cond delay="indefinite"/>
+                      </p:stCondLst>
+                      <p:childTnLst>
+                        <p:par>
+                          <p:cTn id="8" fill="hold">
+                            <p:stCondLst>
+                              <p:cond delay="0"/>
+                            </p:stCondLst>
+                            <p:childTnLst>
+                              <p:par>
+                                <p:cTn id="9" presetID="1" presetClass="entr" presetSubtype="0" fill="hold" nodeType="clickEffect">
+                                  <p:stCondLst>
+                                    <p:cond delay="0"/>
+                                  </p:stCondLst>
+                                  <p:childTnLst>
+                                    <p:set>
+                                      <p:cBhvr>
+                                        <p:cTn id="10" dur="1" fill="hold">
+                                          <p:stCondLst>
+                                            <p:cond delay="0"/>
+                                          </p:stCondLst>
+                                        </p:cTn>
+                                        <p:tgtEl>
+                                          <p:spTgt spid="2"/>
+                                        </p:tgtEl>
+                                        <p:attrNameLst>
+                                          <p:attrName>style.visibility</p:attrName>
+                                        </p:attrNameLst>
+                                      </p:cBhvr>
+                                      <p:to>
+                                        <p:strVal val="visible"/>
+                                      </p:to>
+                                    </p:set>
+                                  </p:childTnLst>
+                                </p:cTn>
+                              </p:par>
+                            </p:childTnLst>
+                          </p:cTn>
+                        </p:par>
+                      </p:childTnLst>
+                    </p:cTn>
+                  </p:par>
+                  <p:par>
+                    <p:cTn id="11" fill="hold">
+                      <p:stCondLst>
+                        <p:cond delay="indefinite"/>
+                      </p:stCondLst>
+                      <p:childTnLst>
+                        <p:par>
+                          <p:cTn id="12" fill="hold">
+                            <p:stCondLst>
+                              <p:cond delay="0"/>
+                            </p:stCondLst>
+                            <p:childTnLst>
+                              <p:par>
+                                <p:cTn id="13" presetID="1" presetClass="entr" presetSubtype="0" fill="hold" nodeType="clickEffect">
+                                  <p:stCondLst>
+                                    <p:cond delay="0"/>
+                                  </p:stCondLst>
+                                  <p:childTnLst>
+                                    <p:set>
+                                      <p:cBhvr>
+                                        <p:cTn id="14" dur="1" fill="hold">
+                                          <p:stCondLst>
+                                            <p:cond delay="0"/>
+                                          </p:stCondLst>
+                                        </p:cTn>
+                                        <p:tgtEl>
+                                          <p:spTgt spid="5"/>
+                                        </p:tgtEl>
+                                        <p:attrNameLst>
+                                          <p:attrName>style.visibility</p:attrName>
+                                        </p:attrNameLst>
+                                      </p:cBhvr>
+                                      <p:to>
+                                        <p:strVal val="visible"/>
+                                      </p:to>
+                                    </p:set>
+                                  </p:childTnLst>
+                                </p:cTn>
+                              </p:par>
+                            </p:childTnLst>
+                          </p:cTn>
+                        </p:par>
+                      </p:childTnLst>
+                    </p:cTn>
+                  </p:par>
+                  <p:par>
+                    <p:cTn id="15" fill="hold">
+                      <p:stCondLst>
+                        <p:cond delay="indefinite"/>
+                      </p:stCondLst>
+                      <p:childTnLst>
+                        <p:par>
+                          <p:cTn id="16" fill="hold">
+                            <p:stCondLst>
+                              <p:cond delay="0"/>
+                            </p:stCondLst>
+                            <p:childTnLst>
+                              <p:par>
+                                <p:cTn id="17" presetID="1" presetClass="entr" presetSubtype="0" fill="hold" grpId="0" nodeType="clickEffect">
+                                  <p:stCondLst>
+                                    <p:cond delay="0"/>
+                                  </p:stCondLst>
+                                  <p:childTnLst>
+                                    <p:set>
+                                      <p:cBhvr>
+                                        <p:cTn id="18" dur="1" fill="hold">
+                                          <p:stCondLst>
+                                            <p:cond delay="0"/>
+                                          </p:stCondLst>
+                                        </p:cTn>
+                                        <p:tgtEl>
+                                          <p:spTgt spid="27"/>
+                                        </p:tgtEl>
+                                        <p:attrNameLst>
+                                          <p:attrName>style.visibility</p:attrName>
+                                        </p:attrNameLst>
+                                      </p:cBhvr>
+                                      <p:to>
+                                        <p:strVal val="visible"/>
+                                      </p:to>
+                                    </p:set>
+                                  </p:childTnLst>
+                                </p:cTn>
+                              </p:par>
+                            </p:childTnLst>
+                          </p:cTn>
+                        </p:par>
+                      </p:childTnLst>
+                    </p:cTn>
+                  </p:par>
+                </p:childTnLst>
+              </p:cTn>
+              <p:prevCondLst>
+                <p:cond evt="onPrev" delay="0">
+                  <p:tgtEl>
+                    <p:sldTgt/>
+                  </p:tgtEl>
+                </p:cond>
+              </p:prevCondLst>
+              <p:nextCondLst>
+                <p:cond evt="onNext" delay="0">
+                  <p:tgtEl>
+                    <p:sldTgt/>
+                  </p:tgtEl>
+                </p:cond>
+              </p:nextCondLst>
+            </p:seq>
+          </p:childTnLst>
+        </p:cTn>
+      </p:par>
+    </p:tnLst>
+    <p:bldLst>
+      <p:bldP spid="27" grpId="0"/>
+    </p:bldLst>
+  </p:timing>
 </p:sld>
 </file>
 
@@ -37921,7 +38410,7 @@
           <p:nvPr>
             <p:extLst>
               <p:ext uri="{D42A27DB-BD31-4B8C-83A1-F6EECF244321}">
-                <p14:modId xmlns:p14="http://schemas.microsoft.com/office/powerpoint/2010/main" val="2683983931"/>
+                <p14:modId xmlns:p14="http://schemas.microsoft.com/office/powerpoint/2010/main" val="938480508"/>
               </p:ext>
             </p:extLst>
           </p:nvPr>
@@ -38040,9 +38529,25 @@
                     <a:p>
                       <a:pPr algn="ctr"/>
                       <a:r>
-                        <a:rPr lang="en-US" noProof="0"/>
+                        <a:rPr lang="en-US" noProof="0" dirty="0"/>
                         <a:t>Formant-based</a:t>
                       </a:r>
+                    </a:p>
+                    <a:p>
+                      <a:pPr algn="ctr"/>
+                      <a:r>
+                        <a:rPr lang="de-DE" sz="1400" noProof="0" dirty="0"/>
+                        <a:t>(</a:t>
+                      </a:r>
+                      <a:r>
+                        <a:rPr lang="de-DE" sz="1400" noProof="0" dirty="0" err="1"/>
+                        <a:t>Parametric</a:t>
+                      </a:r>
+                      <a:r>
+                        <a:rPr lang="de-DE" sz="1400" noProof="0" dirty="0"/>
+                        <a:t>)</a:t>
+                      </a:r>
+                      <a:endParaRPr lang="en-US" noProof="0" dirty="0"/>
                     </a:p>
                   </a:txBody>
                   <a:tcPr anchor="ctr"/>
@@ -38089,9 +38594,64 @@
                     <a:p>
                       <a:pPr algn="ctr"/>
                       <a:r>
-                        <a:rPr lang="en-US" noProof="0"/>
+                        <a:rPr lang="en-US" noProof="0" dirty="0"/>
                         <a:t>Unit-selection</a:t>
                       </a:r>
+                    </a:p>
+                    <a:p>
+                      <a:pPr algn="ctr"/>
+                      <a:r>
+                        <a:rPr kumimoji="0" lang="de-DE" sz="1400" b="0" i="0" u="none" strike="noStrike" kern="1200" cap="none" spc="0" normalizeH="0" baseline="0" noProof="0" dirty="0">
+                          <a:ln>
+                            <a:noFill/>
+                          </a:ln>
+                          <a:solidFill>
+                            <a:prstClr val="black"/>
+                          </a:solidFill>
+                          <a:effectLst/>
+                          <a:uLnTx/>
+                          <a:uFillTx/>
+                          <a:latin typeface="+mn-lt"/>
+                          <a:ea typeface="+mn-ea"/>
+                          <a:cs typeface="+mn-cs"/>
+                        </a:rPr>
+                        <a:t>(</a:t>
+                      </a:r>
+                      <a:r>
+                        <a:rPr kumimoji="0" lang="de-DE" sz="1400" b="0" i="0" u="none" strike="noStrike" kern="1200" cap="none" spc="0" normalizeH="0" baseline="0" noProof="0" dirty="0" err="1">
+                          <a:ln>
+                            <a:noFill/>
+                          </a:ln>
+                          <a:solidFill>
+                            <a:prstClr val="black"/>
+                          </a:solidFill>
+                          <a:effectLst/>
+                          <a:uLnTx/>
+                          <a:uFillTx/>
+                          <a:latin typeface="+mn-lt"/>
+                          <a:ea typeface="+mn-ea"/>
+                          <a:cs typeface="+mn-cs"/>
+                        </a:rPr>
+                        <a:t>Concatenative</a:t>
+                      </a:r>
+                      <a:r>
+                        <a:rPr kumimoji="0" lang="de-DE" sz="1400" b="0" i="0" u="none" strike="noStrike" kern="1200" cap="none" spc="0" normalizeH="0" baseline="0" noProof="0" dirty="0">
+                          <a:ln>
+                            <a:noFill/>
+                          </a:ln>
+                          <a:solidFill>
+                            <a:prstClr val="black"/>
+                          </a:solidFill>
+                          <a:effectLst/>
+                          <a:uLnTx/>
+                          <a:uFillTx/>
+                          <a:latin typeface="+mn-lt"/>
+                          <a:ea typeface="+mn-ea"/>
+                          <a:cs typeface="+mn-cs"/>
+                        </a:rPr>
+                        <a:t>)</a:t>
+                      </a:r>
+                      <a:endParaRPr lang="en-US" noProof="0" dirty="0"/>
                     </a:p>
                   </a:txBody>
                   <a:tcPr anchor="ctr"/>
@@ -38138,9 +38698,93 @@
                     <a:p>
                       <a:pPr algn="ctr"/>
                       <a:r>
-                        <a:rPr lang="en-US" noProof="0"/>
+                        <a:rPr lang="en-US" noProof="0" dirty="0"/>
                         <a:t>HMM-based</a:t>
                       </a:r>
+                    </a:p>
+                    <a:p>
+                      <a:pPr marL="0" marR="0" lvl="0" indent="0" algn="ctr" defTabSz="914400" rtl="0" eaLnBrk="1" fontAlgn="auto" latinLnBrk="0" hangingPunct="1">
+                        <a:lnSpc>
+                          <a:spcPct val="100000"/>
+                        </a:lnSpc>
+                        <a:spcBef>
+                          <a:spcPts val="0"/>
+                        </a:spcBef>
+                        <a:spcAft>
+                          <a:spcPts val="0"/>
+                        </a:spcAft>
+                        <a:buClrTx/>
+                        <a:buSzTx/>
+                        <a:buFontTx/>
+                        <a:buNone/>
+                        <a:tabLst/>
+                        <a:defRPr/>
+                      </a:pPr>
+                      <a:r>
+                        <a:rPr kumimoji="0" lang="de-DE" sz="1400" b="0" i="0" u="none" strike="noStrike" kern="1200" cap="none" spc="0" normalizeH="0" baseline="0" noProof="0" dirty="0">
+                          <a:ln>
+                            <a:noFill/>
+                          </a:ln>
+                          <a:solidFill>
+                            <a:prstClr val="black"/>
+                          </a:solidFill>
+                          <a:effectLst/>
+                          <a:uLnTx/>
+                          <a:uFillTx/>
+                          <a:latin typeface="+mn-lt"/>
+                          <a:ea typeface="+mn-ea"/>
+                          <a:cs typeface="+mn-cs"/>
+                        </a:rPr>
+                        <a:t>(Statistical </a:t>
+                      </a:r>
+                      <a:r>
+                        <a:rPr kumimoji="0" lang="de-DE" sz="1400" b="0" i="0" u="none" strike="noStrike" kern="1200" cap="none" spc="0" normalizeH="0" baseline="0" noProof="0" dirty="0" err="1">
+                          <a:ln>
+                            <a:noFill/>
+                          </a:ln>
+                          <a:solidFill>
+                            <a:prstClr val="black"/>
+                          </a:solidFill>
+                          <a:effectLst/>
+                          <a:uLnTx/>
+                          <a:uFillTx/>
+                          <a:latin typeface="+mn-lt"/>
+                          <a:ea typeface="+mn-ea"/>
+                          <a:cs typeface="+mn-cs"/>
+                        </a:rPr>
+                        <a:t>parametric</a:t>
+                      </a:r>
+                      <a:r>
+                        <a:rPr kumimoji="0" lang="de-DE" sz="1400" b="0" i="0" u="none" strike="noStrike" kern="1200" cap="none" spc="0" normalizeH="0" baseline="0" noProof="0" dirty="0">
+                          <a:ln>
+                            <a:noFill/>
+                          </a:ln>
+                          <a:solidFill>
+                            <a:prstClr val="black"/>
+                          </a:solidFill>
+                          <a:effectLst/>
+                          <a:uLnTx/>
+                          <a:uFillTx/>
+                          <a:latin typeface="+mn-lt"/>
+                          <a:ea typeface="+mn-ea"/>
+                          <a:cs typeface="+mn-cs"/>
+                        </a:rPr>
+                        <a:t>)</a:t>
+                      </a:r>
+                      <a:endParaRPr kumimoji="0" lang="en-US" sz="1800" b="0" i="0" u="none" strike="noStrike" kern="1200" cap="none" spc="0" normalizeH="0" baseline="0" noProof="0" dirty="0">
+                        <a:ln>
+                          <a:noFill/>
+                        </a:ln>
+                        <a:solidFill>
+                          <a:prstClr val="black"/>
+                        </a:solidFill>
+                        <a:effectLst/>
+                        <a:uLnTx/>
+                        <a:uFillTx/>
+                        <a:latin typeface="+mn-lt"/>
+                        <a:ea typeface="+mn-ea"/>
+                        <a:cs typeface="+mn-cs"/>
+                      </a:endParaRPr>
                     </a:p>
                   </a:txBody>
                   <a:tcPr anchor="ctr"/>

--- a/pres/Final_Presentation_V02.pptx
+++ b/pres/Final_Presentation_V02.pptx
@@ -23482,6 +23482,33 @@
                                   </p:childTnLst>
                                 </p:cTn>
                               </p:par>
+                              <p:par>
+                                <p:cTn id="9" presetID="1" presetClass="entr" presetSubtype="0" fill="hold" grpId="0" nodeType="withEffect">
+                                  <p:stCondLst>
+                                    <p:cond delay="0"/>
+                                  </p:stCondLst>
+                                  <p:childTnLst>
+                                    <p:set>
+                                      <p:cBhvr>
+                                        <p:cTn id="10" dur="1" fill="hold">
+                                          <p:stCondLst>
+                                            <p:cond delay="0"/>
+                                          </p:stCondLst>
+                                        </p:cTn>
+                                        <p:tgtEl>
+                                          <p:spTgt spid="4"/>
+                                        </p:tgtEl>
+                                        <p:attrNameLst>
+                                          <p:attrName>style.visibility</p:attrName>
+                                        </p:attrNameLst>
+                                      </p:cBhvr>
+                                      <p:to>
+                                        <p:strVal val="visible"/>
+                                      </p:to>
+                                    </p:set>
+                                  </p:childTnLst>
+                                </p:cTn>
+                              </p:par>
                             </p:childTnLst>
                           </p:cTn>
                         </p:par>
@@ -23507,7 +23534,7 @@
             </p:seq>
             <p:audio>
               <p:cMediaNode vol="80000">
-                <p:cTn id="9" fill="hold" display="0">
+                <p:cTn id="11" fill="hold" display="0">
                   <p:stCondLst>
                     <p:cond delay="indefinite"/>
                   </p:stCondLst>
@@ -23528,6 +23555,9 @@
         </p:cTn>
       </p:par>
     </p:tnLst>
+    <p:bldLst>
+      <p:bldP spid="4" grpId="0"/>
+    </p:bldLst>
   </p:timing>
 </p:sld>
 </file>
@@ -23768,6 +23798,33 @@
                                   </p:childTnLst>
                                 </p:cTn>
                               </p:par>
+                              <p:par>
+                                <p:cTn id="9" presetID="1" presetClass="entr" presetSubtype="0" fill="hold" grpId="0" nodeType="withEffect">
+                                  <p:stCondLst>
+                                    <p:cond delay="0"/>
+                                  </p:stCondLst>
+                                  <p:childTnLst>
+                                    <p:set>
+                                      <p:cBhvr>
+                                        <p:cTn id="10" dur="1" fill="hold">
+                                          <p:stCondLst>
+                                            <p:cond delay="0"/>
+                                          </p:stCondLst>
+                                        </p:cTn>
+                                        <p:tgtEl>
+                                          <p:spTgt spid="10"/>
+                                        </p:tgtEl>
+                                        <p:attrNameLst>
+                                          <p:attrName>style.visibility</p:attrName>
+                                        </p:attrNameLst>
+                                      </p:cBhvr>
+                                      <p:to>
+                                        <p:strVal val="visible"/>
+                                      </p:to>
+                                    </p:set>
+                                  </p:childTnLst>
+                                </p:cTn>
+                              </p:par>
                             </p:childTnLst>
                           </p:cTn>
                         </p:par>
@@ -23793,7 +23850,7 @@
             </p:seq>
             <p:audio>
               <p:cMediaNode vol="80000">
-                <p:cTn id="9" fill="hold" display="0">
+                <p:cTn id="11" fill="hold" display="0">
                   <p:stCondLst>
                     <p:cond delay="indefinite"/>
                   </p:stCondLst>
@@ -23814,6 +23871,9 @@
         </p:cTn>
       </p:par>
     </p:tnLst>
+    <p:bldLst>
+      <p:bldP spid="10" grpId="0"/>
+    </p:bldLst>
   </p:timing>
 </p:sld>
 </file>

--- a/pres/Final_Presentation_V02.pptx
+++ b/pres/Final_Presentation_V02.pptx
@@ -23637,44 +23637,6 @@
           </a:p>
         </p:txBody>
       </p:sp>
-      <p:pic>
-        <p:nvPicPr>
-          <p:cNvPr id="9" name="hmm-demo-02b">
-            <a:hlinkClick r:id="" action="ppaction://media"/>
-            <a:extLst>
-              <a:ext uri="{FF2B5EF4-FFF2-40B4-BE49-F238E27FC236}">
-                <a16:creationId xmlns:a16="http://schemas.microsoft.com/office/drawing/2014/main" id="{99C39F01-5875-4A27-B4F5-AB4C58DAE957}"/>
-              </a:ext>
-            </a:extLst>
-          </p:cNvPr>
-          <p:cNvPicPr>
-            <a:picLocks noChangeAspect="1"/>
-          </p:cNvPicPr>
-          <p:nvPr>
-            <a:audioFile r:link="rId2"/>
-            <p:extLst>
-              <p:ext uri="{DAA4B4D4-6D71-4841-9C94-3DE7FCFB9230}">
-                <p14:media xmlns:p14="http://schemas.microsoft.com/office/powerpoint/2010/main" r:embed="rId1"/>
-              </p:ext>
-            </p:extLst>
-          </p:nvPr>
-        </p:nvPicPr>
-        <p:blipFill>
-          <a:blip r:embed="rId4"/>
-          <a:stretch>
-            <a:fillRect/>
-          </a:stretch>
-        </p:blipFill>
-        <p:spPr>
-          <a:xfrm>
-            <a:off x="3411000" y="2743954"/>
-            <a:ext cx="2322000" cy="2322000"/>
-          </a:xfrm>
-          <a:prstGeom prst="rect">
-            <a:avLst/>
-          </a:prstGeom>
-        </p:spPr>
-      </p:pic>
       <p:sp>
         <p:nvSpPr>
           <p:cNvPr id="10" name="Textfeld 9">
@@ -23724,6 +23686,44 @@
           </a:p>
         </p:txBody>
       </p:sp>
+      <p:pic>
+        <p:nvPicPr>
+          <p:cNvPr id="2" name="hmm-demo-02b">
+            <a:hlinkClick r:id="" action="ppaction://media"/>
+            <a:extLst>
+              <a:ext uri="{FF2B5EF4-FFF2-40B4-BE49-F238E27FC236}">
+                <a16:creationId xmlns:a16="http://schemas.microsoft.com/office/drawing/2014/main" id="{ADE88A56-009C-4FA1-BE87-DC60EDEB7F9F}"/>
+              </a:ext>
+            </a:extLst>
+          </p:cNvPr>
+          <p:cNvPicPr>
+            <a:picLocks noChangeAspect="1"/>
+          </p:cNvPicPr>
+          <p:nvPr>
+            <a:audioFile r:link="rId2"/>
+            <p:extLst>
+              <p:ext uri="{DAA4B4D4-6D71-4841-9C94-3DE7FCFB9230}">
+                <p14:media xmlns:p14="http://schemas.microsoft.com/office/powerpoint/2010/main" r:embed="rId1"/>
+              </p:ext>
+            </p:extLst>
+          </p:nvPr>
+        </p:nvPicPr>
+        <p:blipFill>
+          <a:blip r:embed="rId4"/>
+          <a:stretch>
+            <a:fillRect/>
+          </a:stretch>
+        </p:blipFill>
+        <p:spPr>
+          <a:xfrm>
+            <a:off x="3411000" y="2553832"/>
+            <a:ext cx="2322000" cy="2322000"/>
+          </a:xfrm>
+          <a:prstGeom prst="rect">
+            <a:avLst/>
+          </a:prstGeom>
+        </p:spPr>
+      </p:pic>
     </p:spTree>
     <p:extLst>
       <p:ext uri="{BB962C8B-B14F-4D97-AF65-F5344CB8AC3E}">
@@ -23768,7 +23768,7 @@
                                           </p:stCondLst>
                                         </p:cTn>
                                         <p:tgtEl>
-                                          <p:spTgt spid="9"/>
+                                          <p:spTgt spid="2"/>
                                         </p:tgtEl>
                                         <p:attrNameLst>
                                           <p:attrName>style.visibility</p:attrName>
@@ -23789,9 +23789,9 @@
                                   <p:childTnLst>
                                     <p:cmd type="call" cmd="playFrom(0.0)">
                                       <p:cBhvr>
-                                        <p:cTn id="8" dur="5035" fill="hold"/>
+                                        <p:cTn id="8" dur="5840" fill="hold"/>
                                         <p:tgtEl>
-                                          <p:spTgt spid="9"/>
+                                          <p:spTgt spid="2"/>
                                         </p:tgtEl>
                                       </p:cBhvr>
                                     </p:cmd>
@@ -23863,7 +23863,7 @@
                   </p:endCondLst>
                 </p:cTn>
                 <p:tgtEl>
-                  <p:spTgt spid="9"/>
+                  <p:spTgt spid="2"/>
                 </p:tgtEl>
               </p:cMediaNode>
             </p:audio>

--- a/pres/Final_Presentation_V02.pptx
+++ b/pres/Final_Presentation_V02.pptx
@@ -10,10 +10,10 @@
     <p:sldMasterId id="2147483697" r:id="rId6"/>
   </p:sldMasterIdLst>
   <p:notesMasterIdLst>
-    <p:notesMasterId r:id="rId33"/>
+    <p:notesMasterId r:id="rId31"/>
   </p:notesMasterIdLst>
   <p:handoutMasterIdLst>
-    <p:handoutMasterId r:id="rId34"/>
+    <p:handoutMasterId r:id="rId32"/>
   </p:handoutMasterIdLst>
   <p:sldIdLst>
     <p:sldId id="403" r:id="rId7"/>
@@ -30,18 +30,16 @@
     <p:sldId id="400" r:id="rId18"/>
     <p:sldId id="425" r:id="rId19"/>
     <p:sldId id="405" r:id="rId20"/>
-    <p:sldId id="423" r:id="rId21"/>
-    <p:sldId id="414" r:id="rId22"/>
-    <p:sldId id="430" r:id="rId23"/>
-    <p:sldId id="408" r:id="rId24"/>
-    <p:sldId id="407" r:id="rId25"/>
-    <p:sldId id="409" r:id="rId26"/>
-    <p:sldId id="422" r:id="rId27"/>
+    <p:sldId id="414" r:id="rId21"/>
+    <p:sldId id="430" r:id="rId22"/>
+    <p:sldId id="408" r:id="rId23"/>
+    <p:sldId id="407" r:id="rId24"/>
+    <p:sldId id="409" r:id="rId25"/>
+    <p:sldId id="423" r:id="rId26"/>
+    <p:sldId id="432" r:id="rId27"/>
     <p:sldId id="411" r:id="rId28"/>
-    <p:sldId id="426" r:id="rId29"/>
-    <p:sldId id="417" r:id="rId30"/>
-    <p:sldId id="419" r:id="rId31"/>
-    <p:sldId id="415" r:id="rId32"/>
+    <p:sldId id="417" r:id="rId29"/>
+    <p:sldId id="419" r:id="rId30"/>
   </p:sldIdLst>
   <p:sldSz cx="9144000" cy="6858000" type="screen4x3"/>
   <p:notesSz cx="9925050" cy="6665913"/>
@@ -171,6 +169,58 @@
     </a:lvl9pPr>
   </p:defaultTextStyle>
   <p:extLst>
+    <p:ext uri="{521415D9-36F7-43E2-AB2F-B90AF26B5E84}">
+      <p14:sectionLst xmlns:p14="http://schemas.microsoft.com/office/powerpoint/2010/main">
+        <p14:section name="Intro" id="{29AE0750-E257-4440-8BAD-C1DB31D75EB2}">
+          <p14:sldIdLst>
+            <p14:sldId id="403"/>
+            <p14:sldId id="397"/>
+            <p14:sldId id="402"/>
+          </p14:sldIdLst>
+        </p14:section>
+        <p14:section name="Speech Synthesis in General" id="{2520E135-4A04-43DA-9A00-B91F93DBF0DC}">
+          <p14:sldIdLst>
+            <p14:sldId id="398"/>
+            <p14:sldId id="429"/>
+            <p14:sldId id="399"/>
+            <p14:sldId id="410"/>
+            <p14:sldId id="412"/>
+            <p14:sldId id="428"/>
+            <p14:sldId id="431"/>
+          </p14:sldIdLst>
+        </p14:section>
+        <p14:section name="Introducing Deep Learning Models" id="{AEEF9EA9-3651-4119-9C16-DD90080AC617}">
+          <p14:sldIdLst>
+            <p14:sldId id="406"/>
+            <p14:sldId id="400"/>
+            <p14:sldId id="425"/>
+          </p14:sldIdLst>
+        </p14:section>
+        <p14:section name="Speech Synthesis on Mobile Devices" id="{22A332EB-E2EB-4446-8A2C-B511E013B384}">
+          <p14:sldIdLst>
+            <p14:sldId id="405"/>
+            <p14:sldId id="414"/>
+            <p14:sldId id="430"/>
+          </p14:sldIdLst>
+        </p14:section>
+        <p14:section name="Conclusions" id="{B3942268-5E1D-49AB-8455-0817469229F3}">
+          <p14:sldIdLst>
+            <p14:sldId id="408"/>
+            <p14:sldId id="407"/>
+            <p14:sldId id="409"/>
+          </p14:sldIdLst>
+        </p14:section>
+        <p14:section name="Backup" id="{01028BB3-2A12-4CDE-8052-5EDDD686E288}">
+          <p14:sldIdLst>
+            <p14:sldId id="423"/>
+            <p14:sldId id="432"/>
+            <p14:sldId id="411"/>
+            <p14:sldId id="417"/>
+            <p14:sldId id="419"/>
+          </p14:sldIdLst>
+        </p14:section>
+      </p14:sectionLst>
+    </p:ext>
     <p:ext uri="{EFAFB233-063F-42B5-8137-9DF3F51BA10A}">
       <p15:sldGuideLst xmlns:p15="http://schemas.microsoft.com/office/powerpoint/2012/main">
         <p15:guide id="1" orient="horz" pos="2160">
@@ -12504,39 +12554,82 @@
         </p:nvSpPr>
         <p:spPr/>
         <p:txBody>
-          <a:bodyPr>
-            <a:normAutofit lnSpcReduction="10000"/>
-          </a:bodyPr>
+          <a:bodyPr/>
           <a:lstStyle/>
           <a:p>
-            <a:pPr marL="0" marR="0" lvl="0" indent="0" algn="l" defTabSz="914400" rtl="0" eaLnBrk="1" fontAlgn="base" latinLnBrk="0" hangingPunct="1">
-              <a:lnSpc>
-                <a:spcPct val="100000"/>
-              </a:lnSpc>
-              <a:spcBef>
-                <a:spcPct val="30000"/>
-              </a:spcBef>
-              <a:spcAft>
-                <a:spcPct val="0"/>
-              </a:spcAft>
-              <a:buClrTx/>
-              <a:buSzTx/>
-              <a:buFontTx/>
-              <a:buNone/>
-              <a:tabLst/>
-              <a:defRPr/>
+            <a:pPr marL="285750" indent="-285750">
+              <a:buFont typeface="Arial" panose="020B0604020202020204" pitchFamily="34" charset="0"/>
+              <a:buChar char="•"/>
             </a:pPr>
             <a:r>
-              <a:rPr lang="en-US" sz="1200" b="1" i="0" u="none" strike="noStrike" kern="1200" baseline="0" dirty="0">
-                <a:solidFill>
-                  <a:schemeClr val="tx1"/>
-                </a:solidFill>
-                <a:latin typeface="Arial" pitchFamily="34" charset="0"/>
-                <a:ea typeface="+mn-ea"/>
-                <a:cs typeface="Arial" pitchFamily="34" charset="0"/>
-              </a:rPr>
-              <a:t>Syllabification</a:t>
-            </a:r>
+              <a:rPr lang="de-DE" dirty="0" err="1"/>
+              <a:t>Tremendous</a:t>
+            </a:r>
+            <a:r>
+              <a:rPr lang="de-DE" dirty="0"/>
+              <a:t> </a:t>
+            </a:r>
+            <a:r>
+              <a:rPr lang="de-DE" dirty="0" err="1"/>
+              <a:t>reduction</a:t>
+            </a:r>
+            <a:r>
+              <a:rPr lang="de-DE" dirty="0"/>
+              <a:t> </a:t>
+            </a:r>
+            <a:r>
+              <a:rPr lang="de-DE" dirty="0" err="1"/>
+              <a:t>of</a:t>
+            </a:r>
+            <a:r>
+              <a:rPr lang="de-DE" dirty="0"/>
+              <a:t> </a:t>
+            </a:r>
+            <a:r>
+              <a:rPr lang="de-DE" dirty="0" err="1"/>
+              <a:t>footprint</a:t>
+            </a:r>
+            <a:r>
+              <a:rPr lang="de-DE" dirty="0"/>
+              <a:t> </a:t>
+            </a:r>
+            <a:r>
+              <a:rPr lang="de-DE" dirty="0" err="1"/>
+              <a:t>size</a:t>
+            </a:r>
+            <a:endParaRPr lang="de-DE" dirty="0"/>
+          </a:p>
+          <a:p>
+            <a:pPr marL="285750" indent="-285750">
+              <a:buFont typeface="Arial" panose="020B0604020202020204" pitchFamily="34" charset="0"/>
+              <a:buChar char="•"/>
+            </a:pPr>
+            <a:r>
+              <a:rPr lang="de-DE" dirty="0" err="1"/>
+              <a:t>Accuracy</a:t>
+            </a:r>
+            <a:r>
+              <a:rPr lang="de-DE" dirty="0"/>
+              <a:t> not </a:t>
+            </a:r>
+            <a:r>
+              <a:rPr lang="de-DE" dirty="0" err="1"/>
+              <a:t>significantly</a:t>
+            </a:r>
+            <a:r>
+              <a:rPr lang="de-DE" dirty="0"/>
+              <a:t> </a:t>
+            </a:r>
+            <a:r>
+              <a:rPr lang="de-DE" dirty="0" err="1"/>
+              <a:t>decreased</a:t>
+            </a:r>
+            <a:endParaRPr lang="de-DE" dirty="0"/>
+          </a:p>
+          <a:p>
+            <a:endParaRPr lang="de-DE" dirty="0"/>
+          </a:p>
+          <a:p>
             <a:r>
               <a:rPr lang="en-US" sz="1200" b="0" i="0" u="none" strike="noStrike" kern="1200" baseline="0" dirty="0">
                 <a:solidFill>
@@ -12546,372 +12639,8 @@
                 <a:ea typeface="+mn-ea"/>
                 <a:cs typeface="Arial" pitchFamily="34" charset="0"/>
               </a:rPr>
-              <a:t>: the decomposition of words into their phonological units.</a:t>
-            </a:r>
-          </a:p>
-          <a:p>
-            <a:endParaRPr lang="de-DE" dirty="0"/>
-          </a:p>
-          <a:p>
-            <a:r>
-              <a:rPr lang="en-US" sz="1200" b="1" i="0" u="none" strike="noStrike" kern="1200" baseline="0" dirty="0">
-                <a:solidFill>
-                  <a:schemeClr val="tx1"/>
-                </a:solidFill>
-                <a:latin typeface="Arial" pitchFamily="34" charset="0"/>
-                <a:ea typeface="+mn-ea"/>
-                <a:cs typeface="Arial" pitchFamily="34" charset="0"/>
-              </a:rPr>
-              <a:t>Phonetic transcription</a:t>
-            </a:r>
-            <a:r>
-              <a:rPr lang="en-US" sz="1200" b="0" i="0" u="none" strike="noStrike" kern="1200" baseline="0" dirty="0">
-                <a:solidFill>
-                  <a:schemeClr val="tx1"/>
-                </a:solidFill>
-                <a:latin typeface="Arial" pitchFamily="34" charset="0"/>
-                <a:ea typeface="+mn-ea"/>
-                <a:cs typeface="Arial" pitchFamily="34" charset="0"/>
-              </a:rPr>
-              <a:t>: the process of “translation” from letters to phonemes (also known as letter-to-sound or grapheme-to-phoneme translation)</a:t>
-            </a:r>
-            <a:endParaRPr lang="de-DE" sz="1200" b="0" i="0" u="none" strike="noStrike" kern="1200" baseline="0" dirty="0">
-              <a:solidFill>
-                <a:schemeClr val="tx1"/>
-              </a:solidFill>
-              <a:latin typeface="Arial" pitchFamily="34" charset="0"/>
-              <a:ea typeface="+mn-ea"/>
-              <a:cs typeface="Arial" pitchFamily="34" charset="0"/>
-            </a:endParaRPr>
-          </a:p>
-          <a:p>
-            <a:endParaRPr lang="en-US" sz="1200" b="0" i="0" u="none" strike="noStrike" kern="1200" baseline="0" dirty="0">
-              <a:solidFill>
-                <a:schemeClr val="tx1"/>
-              </a:solidFill>
-              <a:latin typeface="Arial" pitchFamily="34" charset="0"/>
-              <a:ea typeface="+mn-ea"/>
-              <a:cs typeface="Arial" pitchFamily="34" charset="0"/>
-            </a:endParaRPr>
-          </a:p>
-          <a:p>
-            <a:r>
-              <a:rPr lang="en-US" sz="1200" b="1" i="0" u="none" strike="noStrike" kern="1200" baseline="0" dirty="0">
-                <a:solidFill>
-                  <a:schemeClr val="tx1"/>
-                </a:solidFill>
-                <a:latin typeface="Arial" pitchFamily="34" charset="0"/>
-                <a:ea typeface="+mn-ea"/>
-                <a:cs typeface="Arial" pitchFamily="34" charset="0"/>
-              </a:rPr>
-              <a:t>Part-of-speech (POS) tagging </a:t>
-            </a:r>
-            <a:r>
-              <a:rPr lang="en-US" sz="1200" b="0" i="0" u="none" strike="noStrike" kern="1200" baseline="0" dirty="0">
-                <a:solidFill>
-                  <a:schemeClr val="tx1"/>
-                </a:solidFill>
-                <a:latin typeface="Arial" pitchFamily="34" charset="0"/>
-                <a:ea typeface="+mn-ea"/>
-                <a:cs typeface="Arial" pitchFamily="34" charset="0"/>
-              </a:rPr>
-              <a:t>is the process of assigning each word in a sentence its uniquely interpretable tag - its part of speech. </a:t>
-            </a:r>
-          </a:p>
-          <a:p>
-            <a:pPr marL="171450" indent="-171450">
-              <a:buFont typeface="Wingdings" panose="05000000000000000000" pitchFamily="2" charset="2"/>
-              <a:buChar char="à"/>
-            </a:pPr>
-            <a:r>
-              <a:rPr lang="en-US" sz="1200" b="0" i="0" u="none" strike="noStrike" kern="1200" baseline="0" dirty="0">
-                <a:solidFill>
-                  <a:schemeClr val="tx1"/>
-                </a:solidFill>
-                <a:latin typeface="Arial" pitchFamily="34" charset="0"/>
-                <a:ea typeface="+mn-ea"/>
-                <a:cs typeface="Arial" pitchFamily="34" charset="0"/>
-              </a:rPr>
-              <a:t>choose the correct pronunciation for a homophone word</a:t>
-            </a:r>
-          </a:p>
-          <a:p>
-            <a:pPr marL="0" indent="0">
-              <a:buFont typeface="Wingdings" panose="05000000000000000000" pitchFamily="2" charset="2"/>
-              <a:buNone/>
-            </a:pPr>
-            <a:r>
-              <a:rPr lang="de-DE" sz="1200" b="0" i="0" u="none" strike="noStrike" kern="1200" baseline="0" dirty="0">
-                <a:solidFill>
-                  <a:schemeClr val="tx1"/>
-                </a:solidFill>
-                <a:latin typeface="Arial" pitchFamily="34" charset="0"/>
-                <a:ea typeface="+mn-ea"/>
-                <a:cs typeface="Arial" pitchFamily="34" charset="0"/>
-              </a:rPr>
-              <a:t>N: </a:t>
-            </a:r>
-            <a:r>
-              <a:rPr lang="de-DE" sz="1200" b="0" i="0" u="none" strike="noStrike" kern="1200" baseline="0" dirty="0" err="1">
-                <a:solidFill>
-                  <a:schemeClr val="tx1"/>
-                </a:solidFill>
-                <a:latin typeface="Arial" pitchFamily="34" charset="0"/>
-                <a:ea typeface="+mn-ea"/>
-                <a:cs typeface="Arial" pitchFamily="34" charset="0"/>
-              </a:rPr>
-              <a:t>Nouns</a:t>
-            </a:r>
-            <a:r>
-              <a:rPr lang="de-DE" sz="1200" b="0" i="0" u="none" strike="noStrike" kern="1200" baseline="0" dirty="0">
-                <a:solidFill>
-                  <a:schemeClr val="tx1"/>
-                </a:solidFill>
-                <a:latin typeface="Arial" pitchFamily="34" charset="0"/>
-                <a:ea typeface="+mn-ea"/>
-                <a:cs typeface="Arial" pitchFamily="34" charset="0"/>
-              </a:rPr>
-              <a:t>    V: Verbs     A: </a:t>
-            </a:r>
-            <a:r>
-              <a:rPr lang="de-DE" sz="1200" b="0" i="0" u="none" strike="noStrike" kern="1200" baseline="0" dirty="0" err="1">
-                <a:solidFill>
-                  <a:schemeClr val="tx1"/>
-                </a:solidFill>
-                <a:latin typeface="Arial" pitchFamily="34" charset="0"/>
-                <a:ea typeface="+mn-ea"/>
-                <a:cs typeface="Arial" pitchFamily="34" charset="0"/>
-              </a:rPr>
-              <a:t>Adjectives</a:t>
-            </a:r>
-            <a:r>
-              <a:rPr lang="de-DE" sz="1200" b="0" i="0" u="none" strike="noStrike" kern="1200" baseline="0" dirty="0">
-                <a:solidFill>
-                  <a:schemeClr val="tx1"/>
-                </a:solidFill>
-                <a:latin typeface="Arial" pitchFamily="34" charset="0"/>
-                <a:ea typeface="+mn-ea"/>
-                <a:cs typeface="Arial" pitchFamily="34" charset="0"/>
-              </a:rPr>
-              <a:t>      R: Adverbs</a:t>
-            </a:r>
-          </a:p>
-          <a:p>
-            <a:pPr marL="0" indent="0">
-              <a:buFont typeface="Wingdings" panose="05000000000000000000" pitchFamily="2" charset="2"/>
-              <a:buNone/>
-            </a:pPr>
-            <a:r>
-              <a:rPr lang="de-DE" sz="1200" b="0" i="0" u="none" strike="noStrike" kern="1200" baseline="0" dirty="0">
-                <a:solidFill>
-                  <a:schemeClr val="tx1"/>
-                </a:solidFill>
-                <a:latin typeface="Arial" pitchFamily="34" charset="0"/>
-                <a:ea typeface="+mn-ea"/>
-                <a:cs typeface="Arial" pitchFamily="34" charset="0"/>
-              </a:rPr>
-              <a:t>feminine/</a:t>
-            </a:r>
-            <a:r>
-              <a:rPr lang="de-DE" sz="1200" b="0" i="0" u="none" strike="noStrike" kern="1200" baseline="0" dirty="0" err="1">
-                <a:solidFill>
-                  <a:schemeClr val="tx1"/>
-                </a:solidFill>
-                <a:latin typeface="Arial" pitchFamily="34" charset="0"/>
-                <a:ea typeface="+mn-ea"/>
-                <a:cs typeface="Arial" pitchFamily="34" charset="0"/>
-              </a:rPr>
-              <a:t>maskular</a:t>
-            </a:r>
-            <a:r>
-              <a:rPr lang="de-DE" sz="1200" b="0" i="0" u="none" strike="noStrike" kern="1200" baseline="0" dirty="0">
-                <a:solidFill>
-                  <a:schemeClr val="tx1"/>
-                </a:solidFill>
-                <a:latin typeface="Arial" pitchFamily="34" charset="0"/>
-                <a:ea typeface="+mn-ea"/>
-                <a:cs typeface="Arial" pitchFamily="34" charset="0"/>
-              </a:rPr>
-              <a:t>, </a:t>
-            </a:r>
-            <a:r>
-              <a:rPr lang="de-DE" sz="1200" b="0" i="0" u="none" strike="noStrike" kern="1200" baseline="0" dirty="0" err="1">
-                <a:solidFill>
-                  <a:schemeClr val="tx1"/>
-                </a:solidFill>
-                <a:latin typeface="Arial" pitchFamily="34" charset="0"/>
-                <a:ea typeface="+mn-ea"/>
-                <a:cs typeface="Arial" pitchFamily="34" charset="0"/>
-              </a:rPr>
-              <a:t>singular</a:t>
-            </a:r>
-            <a:r>
-              <a:rPr lang="de-DE" sz="1200" b="0" i="0" u="none" strike="noStrike" kern="1200" baseline="0" dirty="0">
-                <a:solidFill>
-                  <a:schemeClr val="tx1"/>
-                </a:solidFill>
-                <a:latin typeface="Arial" pitchFamily="34" charset="0"/>
-                <a:ea typeface="+mn-ea"/>
-                <a:cs typeface="Arial" pitchFamily="34" charset="0"/>
-              </a:rPr>
-              <a:t>/</a:t>
-            </a:r>
-            <a:r>
-              <a:rPr lang="de-DE" sz="1200" b="0" i="0" u="none" strike="noStrike" kern="1200" baseline="0" dirty="0" err="1">
-                <a:solidFill>
-                  <a:schemeClr val="tx1"/>
-                </a:solidFill>
-                <a:latin typeface="Arial" pitchFamily="34" charset="0"/>
-                <a:ea typeface="+mn-ea"/>
-                <a:cs typeface="Arial" pitchFamily="34" charset="0"/>
-              </a:rPr>
-              <a:t>plular</a:t>
-            </a:r>
-            <a:r>
-              <a:rPr lang="de-DE" sz="1200" b="0" i="0" u="none" strike="noStrike" kern="1200" baseline="0" dirty="0">
-                <a:solidFill>
-                  <a:schemeClr val="tx1"/>
-                </a:solidFill>
-                <a:latin typeface="Arial" pitchFamily="34" charset="0"/>
-                <a:ea typeface="+mn-ea"/>
-                <a:cs typeface="Arial" pitchFamily="34" charset="0"/>
-              </a:rPr>
-              <a:t>, </a:t>
-            </a:r>
-            <a:r>
-              <a:rPr lang="de-DE" sz="1200" b="0" i="0" u="none" strike="noStrike" kern="1200" baseline="0" dirty="0" err="1">
-                <a:solidFill>
-                  <a:schemeClr val="tx1"/>
-                </a:solidFill>
-                <a:latin typeface="Arial" pitchFamily="34" charset="0"/>
-                <a:ea typeface="+mn-ea"/>
-                <a:cs typeface="Arial" pitchFamily="34" charset="0"/>
-              </a:rPr>
-              <a:t>cases</a:t>
-            </a:r>
-            <a:endParaRPr lang="en-US" sz="1200" b="0" i="0" u="none" strike="noStrike" kern="1200" baseline="0" dirty="0">
-              <a:solidFill>
-                <a:schemeClr val="tx1"/>
-              </a:solidFill>
-              <a:latin typeface="Arial" pitchFamily="34" charset="0"/>
-              <a:ea typeface="+mn-ea"/>
-              <a:cs typeface="Arial" pitchFamily="34" charset="0"/>
-            </a:endParaRPr>
-          </a:p>
-          <a:p>
-            <a:endParaRPr lang="de-DE" sz="1200" b="0" i="0" u="none" strike="noStrike" kern="1200" baseline="0" dirty="0">
-              <a:solidFill>
-                <a:schemeClr val="tx1"/>
-              </a:solidFill>
-              <a:latin typeface="Arial" pitchFamily="34" charset="0"/>
-              <a:ea typeface="+mn-ea"/>
-              <a:cs typeface="Arial" pitchFamily="34" charset="0"/>
-            </a:endParaRPr>
-          </a:p>
-          <a:p>
-            <a:pPr marL="0" marR="0" lvl="0" indent="0" algn="l" defTabSz="914400" rtl="0" eaLnBrk="1" fontAlgn="base" latinLnBrk="0" hangingPunct="1">
-              <a:lnSpc>
-                <a:spcPct val="100000"/>
-              </a:lnSpc>
-              <a:spcBef>
-                <a:spcPct val="30000"/>
-              </a:spcBef>
-              <a:spcAft>
-                <a:spcPct val="0"/>
-              </a:spcAft>
-              <a:buClrTx/>
-              <a:buSzTx/>
-              <a:buFontTx/>
-              <a:buNone/>
-              <a:tabLst/>
-              <a:defRPr/>
-            </a:pPr>
-            <a:r>
-              <a:rPr lang="en-US" sz="1200" b="1" i="0" u="none" strike="noStrike" kern="1200" baseline="0" dirty="0">
-                <a:solidFill>
-                  <a:schemeClr val="tx1"/>
-                </a:solidFill>
-                <a:latin typeface="Arial" pitchFamily="34" charset="0"/>
-                <a:ea typeface="+mn-ea"/>
-                <a:cs typeface="Arial" pitchFamily="34" charset="0"/>
-              </a:rPr>
-              <a:t>Lexical stress prediction</a:t>
-            </a:r>
-            <a:r>
-              <a:rPr lang="en-US" sz="1200" b="0" i="0" u="none" strike="noStrike" kern="1200" baseline="0" dirty="0">
-                <a:solidFill>
-                  <a:schemeClr val="tx1"/>
-                </a:solidFill>
-                <a:latin typeface="Arial" pitchFamily="34" charset="0"/>
-                <a:ea typeface="+mn-ea"/>
-                <a:cs typeface="Arial" pitchFamily="34" charset="0"/>
-              </a:rPr>
-              <a:t>: Certain syllables inside a word have a higher prominence compared to its neighboring syllables, giving the word a specific sound. </a:t>
-            </a:r>
-          </a:p>
-          <a:p>
-            <a:pPr marL="0" marR="0" lvl="0" indent="0" algn="l" defTabSz="914400" rtl="0" eaLnBrk="1" fontAlgn="base" latinLnBrk="0" hangingPunct="1">
-              <a:lnSpc>
-                <a:spcPct val="100000"/>
-              </a:lnSpc>
-              <a:spcBef>
-                <a:spcPct val="30000"/>
-              </a:spcBef>
-              <a:spcAft>
-                <a:spcPct val="0"/>
-              </a:spcAft>
-              <a:buClrTx/>
-              <a:buSzTx/>
-              <a:buFontTx/>
-              <a:buNone/>
-              <a:tabLst/>
-              <a:defRPr/>
-            </a:pPr>
-            <a:r>
-              <a:rPr lang="en-US" sz="1200" b="0" i="0" u="none" strike="noStrike" kern="1200" baseline="0" dirty="0">
-                <a:solidFill>
-                  <a:schemeClr val="tx1"/>
-                </a:solidFill>
-                <a:latin typeface="Arial" pitchFamily="34" charset="0"/>
-                <a:ea typeface="+mn-ea"/>
-                <a:cs typeface="Arial" pitchFamily="34" charset="0"/>
-                <a:sym typeface="Wingdings" panose="05000000000000000000" pitchFamily="2" charset="2"/>
-              </a:rPr>
-              <a:t> </a:t>
-            </a:r>
-            <a:r>
-              <a:rPr lang="en-US" sz="1200" b="0" i="0" u="none" strike="noStrike" kern="1200" baseline="0" dirty="0">
-                <a:solidFill>
-                  <a:schemeClr val="tx1"/>
-                </a:solidFill>
-                <a:latin typeface="Arial" pitchFamily="34" charset="0"/>
-                <a:ea typeface="+mn-ea"/>
-                <a:cs typeface="Arial" pitchFamily="34" charset="0"/>
-              </a:rPr>
-              <a:t>choose the correct pronunciation for a homophone word</a:t>
-            </a:r>
-          </a:p>
-          <a:p>
-            <a:endParaRPr lang="de-DE" sz="1200" b="0" i="0" u="none" strike="noStrike" kern="1200" baseline="0" dirty="0">
-              <a:solidFill>
-                <a:schemeClr val="tx1"/>
-              </a:solidFill>
-              <a:latin typeface="Arial" pitchFamily="34" charset="0"/>
-              <a:ea typeface="+mn-ea"/>
-              <a:cs typeface="Arial" pitchFamily="34" charset="0"/>
-            </a:endParaRPr>
-          </a:p>
-          <a:p>
-            <a:endParaRPr lang="en-US" sz="1200" b="0" i="0" u="none" strike="noStrike" kern="1200" baseline="0" dirty="0">
-              <a:solidFill>
-                <a:schemeClr val="tx1"/>
-              </a:solidFill>
-              <a:latin typeface="Arial" pitchFamily="34" charset="0"/>
-              <a:ea typeface="+mn-ea"/>
-              <a:cs typeface="Arial" pitchFamily="34" charset="0"/>
-            </a:endParaRPr>
-          </a:p>
-          <a:p>
+              <a:t>As reference system, the Margin Infused Relaxed Algorithm (MIRA) is used.</a:t>
+            </a:r>
             <a:endParaRPr lang="en-US" dirty="0"/>
           </a:p>
         </p:txBody>
@@ -12948,7 +12677,7 @@
     </p:spTree>
     <p:extLst>
       <p:ext uri="{BB962C8B-B14F-4D97-AF65-F5344CB8AC3E}">
-        <p14:creationId xmlns:p14="http://schemas.microsoft.com/office/powerpoint/2010/main" val="1801823156"/>
+        <p14:creationId xmlns:p14="http://schemas.microsoft.com/office/powerpoint/2010/main" val="1302609574"/>
       </p:ext>
     </p:extLst>
   </p:cSld>
@@ -13003,68 +12732,103 @@
           <a:lstStyle/>
           <a:p>
             <a:pPr marL="285750" indent="-285750">
-              <a:buFont typeface="Arial" panose="020B0604020202020204" pitchFamily="34" charset="0"/>
-              <a:buChar char="•"/>
+              <a:buFont typeface="Wingdings" panose="05000000000000000000" pitchFamily="2" charset="2"/>
+              <a:buChar char="à"/>
             </a:pPr>
-            <a:r>
-              <a:rPr lang="de-DE" dirty="0" err="1"/>
-              <a:t>Tremendous</a:t>
-            </a:r>
-            <a:r>
-              <a:rPr lang="de-DE" dirty="0"/>
-              <a:t> </a:t>
-            </a:r>
-            <a:r>
-              <a:rPr lang="de-DE" dirty="0" err="1"/>
-              <a:t>reduction</a:t>
-            </a:r>
-            <a:r>
-              <a:rPr lang="de-DE" dirty="0"/>
-              <a:t> </a:t>
-            </a:r>
-            <a:r>
-              <a:rPr lang="de-DE" dirty="0" err="1"/>
-              <a:t>of</a:t>
-            </a:r>
-            <a:r>
-              <a:rPr lang="de-DE" dirty="0"/>
-              <a:t> </a:t>
-            </a:r>
-            <a:r>
-              <a:rPr lang="de-DE" dirty="0" err="1"/>
-              <a:t>footprint</a:t>
-            </a:r>
-            <a:r>
-              <a:rPr lang="de-DE" dirty="0"/>
-              <a:t> </a:t>
-            </a:r>
-            <a:r>
-              <a:rPr lang="de-DE" dirty="0" err="1"/>
-              <a:t>size</a:t>
-            </a:r>
-            <a:endParaRPr lang="de-DE" dirty="0"/>
+            <a:endParaRPr lang="en-US" dirty="0">
+              <a:sym typeface="Wingdings" panose="05000000000000000000" pitchFamily="2" charset="2"/>
+            </a:endParaRPr>
           </a:p>
           <a:p>
             <a:pPr marL="285750" indent="-285750">
-              <a:buFont typeface="Arial" panose="020B0604020202020204" pitchFamily="34" charset="0"/>
-              <a:buChar char="•"/>
+              <a:buFont typeface="Wingdings" panose="05000000000000000000" pitchFamily="2" charset="2"/>
+              <a:buChar char="à"/>
             </a:pPr>
             <a:r>
-              <a:rPr lang="de-DE" dirty="0" err="1"/>
-              <a:t>Accuracy</a:t>
-            </a:r>
-            <a:r>
-              <a:rPr lang="de-DE" dirty="0"/>
-              <a:t> not </a:t>
-            </a:r>
-            <a:r>
-              <a:rPr lang="de-DE" dirty="0" err="1"/>
-              <a:t>significantly</a:t>
-            </a:r>
-            <a:r>
-              <a:rPr lang="de-DE" dirty="0"/>
+              <a:rPr lang="en-US" dirty="0">
+                <a:sym typeface="Wingdings" panose="05000000000000000000" pitchFamily="2" charset="2"/>
+              </a:rPr>
+              <a:t>Speech as extension</a:t>
+            </a:r>
+          </a:p>
+          <a:p>
+            <a:pPr marL="285750" indent="-285750">
+              <a:buFont typeface="Wingdings" panose="05000000000000000000" pitchFamily="2" charset="2"/>
+              <a:buChar char="à"/>
+            </a:pPr>
+            <a:r>
+              <a:rPr lang="de-DE" dirty="0">
+                <a:sym typeface="Wingdings" panose="05000000000000000000" pitchFamily="2" charset="2"/>
+              </a:rPr>
+              <a:t>S</a:t>
+            </a:r>
+            <a:r>
+              <a:rPr lang="en-US" dirty="0" err="1">
+                <a:sym typeface="Wingdings" panose="05000000000000000000" pitchFamily="2" charset="2"/>
+              </a:rPr>
+              <a:t>peech</a:t>
+            </a:r>
+            <a:r>
+              <a:rPr lang="en-US" dirty="0">
+                <a:sym typeface="Wingdings" panose="05000000000000000000" pitchFamily="2" charset="2"/>
+              </a:rPr>
+              <a:t> as main output</a:t>
+            </a:r>
+          </a:p>
+          <a:p>
+            <a:pPr marL="285750" indent="-285750">
+              <a:buFont typeface="Wingdings" panose="05000000000000000000" pitchFamily="2" charset="2"/>
+              <a:buChar char="à"/>
+            </a:pPr>
+            <a:r>
+              <a:rPr lang="de-DE" dirty="0">
+                <a:sym typeface="Wingdings" panose="05000000000000000000" pitchFamily="2" charset="2"/>
+              </a:rPr>
+              <a:t>Help </a:t>
+            </a:r>
+            <a:r>
+              <a:rPr lang="de-DE" dirty="0" err="1">
+                <a:sym typeface="Wingdings" panose="05000000000000000000" pitchFamily="2" charset="2"/>
+              </a:rPr>
+              <a:t>visually</a:t>
+            </a:r>
+            <a:r>
+              <a:rPr lang="de-DE" dirty="0">
+                <a:sym typeface="Wingdings" panose="05000000000000000000" pitchFamily="2" charset="2"/>
+              </a:rPr>
               <a:t> </a:t>
             </a:r>
+            <a:r>
+              <a:rPr lang="de-DE" dirty="0" err="1">
+                <a:sym typeface="Wingdings" panose="05000000000000000000" pitchFamily="2" charset="2"/>
+              </a:rPr>
+              <a:t>impaired</a:t>
+            </a:r>
+            <a:r>
+              <a:rPr lang="de-DE" dirty="0">
+                <a:sym typeface="Wingdings" panose="05000000000000000000" pitchFamily="2" charset="2"/>
+              </a:rPr>
+              <a:t> </a:t>
+            </a:r>
+            <a:r>
+              <a:rPr lang="de-DE" dirty="0" err="1">
+                <a:sym typeface="Wingdings" panose="05000000000000000000" pitchFamily="2" charset="2"/>
+              </a:rPr>
+              <a:t>or</a:t>
+            </a:r>
+            <a:r>
+              <a:rPr lang="de-DE" dirty="0">
+                <a:sym typeface="Wingdings" panose="05000000000000000000" pitchFamily="2" charset="2"/>
+              </a:rPr>
+              <a:t> blind </a:t>
+            </a:r>
+            <a:r>
+              <a:rPr lang="de-DE" dirty="0" err="1">
+                <a:sym typeface="Wingdings" panose="05000000000000000000" pitchFamily="2" charset="2"/>
+              </a:rPr>
+              <a:t>people</a:t>
+            </a:r>
+            <a:endParaRPr lang="en-US" dirty="0"/>
           </a:p>
           <a:p>
             <a:endParaRPr lang="en-US" dirty="0"/>
@@ -13094,7 +12858,7 @@
               <a:pPr>
                 <a:defRPr/>
               </a:pPr>
-              <a:t>17</a:t>
+              <a:t>20</a:t>
             </a:fld>
             <a:endParaRPr lang="en-GB"/>
           </a:p>
@@ -13103,7 +12867,7 @@
     </p:spTree>
     <p:extLst>
       <p:ext uri="{BB962C8B-B14F-4D97-AF65-F5344CB8AC3E}">
-        <p14:creationId xmlns:p14="http://schemas.microsoft.com/office/powerpoint/2010/main" val="1302609574"/>
+        <p14:creationId xmlns:p14="http://schemas.microsoft.com/office/powerpoint/2010/main" val="17025348"/>
       </p:ext>
     </p:extLst>
   </p:cSld>
@@ -13154,186 +12918,6 @@
         </p:nvSpPr>
         <p:spPr/>
         <p:txBody>
-          <a:bodyPr/>
-          <a:lstStyle/>
-          <a:p>
-            <a:r>
-              <a:rPr lang="en-US" b="1" noProof="0" dirty="0"/>
-              <a:t>Objective evaluation</a:t>
-            </a:r>
-          </a:p>
-          <a:p>
-            <a:pPr marL="285750" indent="-285750">
-              <a:buFont typeface="Arial" panose="020B0604020202020204" pitchFamily="34" charset="0"/>
-              <a:buChar char="•"/>
-            </a:pPr>
-            <a:r>
-              <a:rPr lang="de-DE" dirty="0" err="1"/>
-              <a:t>Distortion</a:t>
-            </a:r>
-            <a:r>
-              <a:rPr lang="de-DE" dirty="0"/>
-              <a:t> (Mel-</a:t>
-            </a:r>
-            <a:r>
-              <a:rPr lang="de-DE" dirty="0" err="1"/>
-              <a:t>cepstral</a:t>
-            </a:r>
-            <a:r>
-              <a:rPr lang="de-DE" dirty="0"/>
-              <a:t> </a:t>
-            </a:r>
-            <a:r>
-              <a:rPr lang="de-DE" dirty="0" err="1"/>
-              <a:t>distortion</a:t>
-            </a:r>
-            <a:r>
-              <a:rPr lang="de-DE" dirty="0"/>
-              <a:t>, </a:t>
-            </a:r>
-            <a:r>
-              <a:rPr lang="en-US" dirty="0"/>
-              <a:t>Aperiodicity distortion)</a:t>
-            </a:r>
-            <a:endParaRPr lang="de-DE" dirty="0"/>
-          </a:p>
-          <a:p>
-            <a:pPr marL="285750" indent="-285750">
-              <a:buFont typeface="Arial" panose="020B0604020202020204" pitchFamily="34" charset="0"/>
-              <a:buChar char="•"/>
-            </a:pPr>
-            <a:r>
-              <a:rPr lang="de-DE" dirty="0"/>
-              <a:t>Error rate (</a:t>
-            </a:r>
-            <a:r>
-              <a:rPr lang="de-DE" dirty="0" err="1"/>
-              <a:t>Voiced</a:t>
-            </a:r>
-            <a:r>
-              <a:rPr lang="de-DE" dirty="0"/>
-              <a:t>/</a:t>
-            </a:r>
-            <a:r>
-              <a:rPr lang="de-DE" dirty="0" err="1"/>
-              <a:t>Unvoiced</a:t>
-            </a:r>
-            <a:r>
-              <a:rPr lang="de-DE" dirty="0"/>
-              <a:t> Error Rate, </a:t>
-            </a:r>
-            <a:r>
-              <a:rPr lang="en-US" dirty="0"/>
-              <a:t>Root mean squared errors (RMSE) in log F0)</a:t>
-            </a:r>
-            <a:endParaRPr lang="de-DE" dirty="0"/>
-          </a:p>
-          <a:p>
-            <a:endParaRPr lang="de-DE" dirty="0"/>
-          </a:p>
-          <a:p>
-            <a:r>
-              <a:rPr lang="en-US" b="1" noProof="0" dirty="0"/>
-              <a:t>Subjective evaluation</a:t>
-            </a:r>
-            <a:endParaRPr lang="en-US" noProof="0" dirty="0"/>
-          </a:p>
-          <a:p>
-            <a:r>
-              <a:rPr lang="en-US" noProof="0" dirty="0">
-                <a:sym typeface="Wingdings" panose="05000000000000000000" pitchFamily="2" charset="2"/>
-              </a:rPr>
-              <a:t>Played back speech samples of conventional and DNN-based system to different listeners, who chose their preferred system (or „Neutral“)</a:t>
-            </a:r>
-          </a:p>
-          <a:p>
-            <a:endParaRPr lang="en-US" dirty="0"/>
-          </a:p>
-        </p:txBody>
-      </p:sp>
-      <p:sp>
-        <p:nvSpPr>
-          <p:cNvPr id="4" name="Foliennummernplatzhalter 3"/>
-          <p:cNvSpPr>
-            <a:spLocks noGrp="1"/>
-          </p:cNvSpPr>
-          <p:nvPr>
-            <p:ph type="sldNum" sz="quarter" idx="10"/>
-          </p:nvPr>
-        </p:nvSpPr>
-        <p:spPr/>
-        <p:txBody>
-          <a:bodyPr/>
-          <a:lstStyle/>
-          <a:p>
-            <a:pPr>
-              <a:defRPr/>
-            </a:pPr>
-            <a:fld id="{00AFC6D0-44D5-4EB7-828F-6F464F83D79A}" type="slidenum">
-              <a:rPr lang="en-GB" smtClean="0"/>
-              <a:pPr>
-                <a:defRPr/>
-              </a:pPr>
-              <a:t>21</a:t>
-            </a:fld>
-            <a:endParaRPr lang="en-GB"/>
-          </a:p>
-        </p:txBody>
-      </p:sp>
-    </p:spTree>
-    <p:extLst>
-      <p:ext uri="{BB962C8B-B14F-4D97-AF65-F5344CB8AC3E}">
-        <p14:creationId xmlns:p14="http://schemas.microsoft.com/office/powerpoint/2010/main" val="3804367099"/>
-      </p:ext>
-    </p:extLst>
-  </p:cSld>
-  <p:clrMapOvr>
-    <a:masterClrMapping/>
-  </p:clrMapOvr>
-</p:notes>
-</file>
-
-<file path=ppt/notesSlides/notesSlide13.xml><?xml version="1.0" encoding="utf-8"?>
-<p:notes xmlns:a="http://schemas.openxmlformats.org/drawingml/2006/main" xmlns:r="http://schemas.openxmlformats.org/officeDocument/2006/relationships" xmlns:p="http://schemas.openxmlformats.org/presentationml/2006/main">
-  <p:cSld>
-    <p:spTree>
-      <p:nvGrpSpPr>
-        <p:cNvPr id="1" name=""/>
-        <p:cNvGrpSpPr/>
-        <p:nvPr/>
-      </p:nvGrpSpPr>
-      <p:grpSpPr>
-        <a:xfrm>
-          <a:off x="0" y="0"/>
-          <a:ext cx="0" cy="0"/>
-          <a:chOff x="0" y="0"/>
-          <a:chExt cx="0" cy="0"/>
-        </a:xfrm>
-      </p:grpSpPr>
-      <p:sp>
-        <p:nvSpPr>
-          <p:cNvPr id="2" name="Folienbildplatzhalter 1"/>
-          <p:cNvSpPr>
-            <a:spLocks noGrp="1" noRot="1" noChangeAspect="1"/>
-          </p:cNvSpPr>
-          <p:nvPr>
-            <p:ph type="sldImg"/>
-          </p:nvPr>
-        </p:nvSpPr>
-        <p:spPr/>
-      </p:sp>
-      <p:sp>
-        <p:nvSpPr>
-          <p:cNvPr id="3" name="Notizenplatzhalter 2"/>
-          <p:cNvSpPr>
-            <a:spLocks noGrp="1"/>
-          </p:cNvSpPr>
-          <p:nvPr>
-            <p:ph type="body" idx="1"/>
-          </p:nvPr>
-        </p:nvSpPr>
-        <p:spPr/>
-        <p:txBody>
           <a:bodyPr>
             <a:normAutofit fontScale="85000" lnSpcReduction="20000"/>
           </a:bodyPr>
@@ -13544,378 +13128,6 @@
     <p:extLst>
       <p:ext uri="{BB962C8B-B14F-4D97-AF65-F5344CB8AC3E}">
         <p14:creationId xmlns:p14="http://schemas.microsoft.com/office/powerpoint/2010/main" val="3117794628"/>
-      </p:ext>
-    </p:extLst>
-  </p:cSld>
-  <p:clrMapOvr>
-    <a:masterClrMapping/>
-  </p:clrMapOvr>
-</p:notes>
-</file>
-
-<file path=ppt/notesSlides/notesSlide14.xml><?xml version="1.0" encoding="utf-8"?>
-<p:notes xmlns:a="http://schemas.openxmlformats.org/drawingml/2006/main" xmlns:r="http://schemas.openxmlformats.org/officeDocument/2006/relationships" xmlns:p="http://schemas.openxmlformats.org/presentationml/2006/main">
-  <p:cSld>
-    <p:spTree>
-      <p:nvGrpSpPr>
-        <p:cNvPr id="1" name=""/>
-        <p:cNvGrpSpPr/>
-        <p:nvPr/>
-      </p:nvGrpSpPr>
-      <p:grpSpPr>
-        <a:xfrm>
-          <a:off x="0" y="0"/>
-          <a:ext cx="0" cy="0"/>
-          <a:chOff x="0" y="0"/>
-          <a:chExt cx="0" cy="0"/>
-        </a:xfrm>
-      </p:grpSpPr>
-      <p:sp>
-        <p:nvSpPr>
-          <p:cNvPr id="2" name="Folienbildplatzhalter 1"/>
-          <p:cNvSpPr>
-            <a:spLocks noGrp="1" noRot="1" noChangeAspect="1"/>
-          </p:cNvSpPr>
-          <p:nvPr>
-            <p:ph type="sldImg"/>
-          </p:nvPr>
-        </p:nvSpPr>
-        <p:spPr/>
-      </p:sp>
-      <p:sp>
-        <p:nvSpPr>
-          <p:cNvPr id="3" name="Notizenplatzhalter 2"/>
-          <p:cNvSpPr>
-            <a:spLocks noGrp="1"/>
-          </p:cNvSpPr>
-          <p:nvPr>
-            <p:ph type="body" idx="1"/>
-          </p:nvPr>
-        </p:nvSpPr>
-        <p:spPr/>
-        <p:txBody>
-          <a:bodyPr>
-            <a:normAutofit fontScale="40000" lnSpcReduction="20000"/>
-          </a:bodyPr>
-          <a:lstStyle/>
-          <a:p>
-            <a:r>
-              <a:rPr lang="de-DE" sz="1200" b="1" u="sng" dirty="0" err="1"/>
-              <a:t>Context</a:t>
-            </a:r>
-            <a:r>
-              <a:rPr lang="de-DE" sz="1200" b="1" u="sng" dirty="0"/>
-              <a:t> Features:</a:t>
-            </a:r>
-          </a:p>
-          <a:p>
-            <a:endParaRPr lang="en-US" sz="1200" b="1" dirty="0"/>
-          </a:p>
-          <a:p>
-            <a:r>
-              <a:rPr lang="en-US" sz="1200" b="1" dirty="0"/>
-              <a:t>phoneme:</a:t>
-            </a:r>
-          </a:p>
-          <a:p>
-            <a:pPr marL="171450" indent="-171450">
-              <a:buFontTx/>
-              <a:buChar char="-"/>
-            </a:pPr>
-            <a:r>
-              <a:rPr lang="en-US" sz="1200" dirty="0"/>
-              <a:t>current phoneme</a:t>
-            </a:r>
-          </a:p>
-          <a:p>
-            <a:pPr marL="171450" marR="0" lvl="0" indent="-171450" algn="l" defTabSz="914400" rtl="0" eaLnBrk="1" fontAlgn="base" latinLnBrk="0" hangingPunct="1">
-              <a:lnSpc>
-                <a:spcPct val="100000"/>
-              </a:lnSpc>
-              <a:spcBef>
-                <a:spcPct val="30000"/>
-              </a:spcBef>
-              <a:spcAft>
-                <a:spcPct val="0"/>
-              </a:spcAft>
-              <a:buClrTx/>
-              <a:buSzTx/>
-              <a:buFontTx/>
-              <a:buChar char="-"/>
-              <a:tabLst/>
-              <a:defRPr/>
-            </a:pPr>
-            <a:r>
-              <a:rPr lang="en-US" sz="1200" dirty="0"/>
-              <a:t>preceding and succeeding two phonemes</a:t>
-            </a:r>
-          </a:p>
-          <a:p>
-            <a:pPr marL="171450" indent="-171450">
-              <a:buFontTx/>
-              <a:buChar char="-"/>
-            </a:pPr>
-            <a:endParaRPr lang="en-US" sz="1200" dirty="0"/>
-          </a:p>
-          <a:p>
-            <a:r>
-              <a:rPr lang="en-US" sz="1200" b="1" dirty="0"/>
-              <a:t>syllable:</a:t>
-            </a:r>
-          </a:p>
-          <a:p>
-            <a:r>
-              <a:rPr lang="en-US" sz="1200" dirty="0"/>
-              <a:t>- numbers of phonemes within preceding, current, and succeeding syllables</a:t>
-            </a:r>
-          </a:p>
-          <a:p>
-            <a:pPr marL="171450" indent="-171450">
-              <a:buFontTx/>
-              <a:buChar char="-"/>
-            </a:pPr>
-            <a:r>
-              <a:rPr lang="en-US" sz="1200" dirty="0"/>
-              <a:t>stress and accent of preceding, current, and succeeding syllables</a:t>
-            </a:r>
-          </a:p>
-          <a:p>
-            <a:pPr marL="171450" indent="-171450">
-              <a:buFontTx/>
-              <a:buChar char="-"/>
-            </a:pPr>
-            <a:endParaRPr lang="de-DE" sz="1200" dirty="0"/>
-          </a:p>
-          <a:p>
-            <a:r>
-              <a:rPr lang="en-US" sz="1200" b="1" dirty="0"/>
-              <a:t>word:</a:t>
-            </a:r>
-          </a:p>
-          <a:p>
-            <a:r>
-              <a:rPr lang="en-US" sz="1200" dirty="0"/>
-              <a:t>- guess at part of speech of preceding, current, and succeeding words</a:t>
-            </a:r>
-          </a:p>
-          <a:p>
-            <a:r>
-              <a:rPr lang="en-US" sz="1200" dirty="0"/>
-              <a:t>- numbers of syllables within preceding, current, and succeeding words</a:t>
-            </a:r>
-          </a:p>
-          <a:p>
-            <a:pPr marL="0" indent="0">
-              <a:buFontTx/>
-              <a:buNone/>
-            </a:pPr>
-            <a:endParaRPr lang="en-US" sz="1200" dirty="0"/>
-          </a:p>
-          <a:p>
-            <a:r>
-              <a:rPr lang="en-US" sz="1200" b="1" dirty="0"/>
-              <a:t>phrase:</a:t>
-            </a:r>
-          </a:p>
-          <a:p>
-            <a:r>
-              <a:rPr lang="en-US" sz="1200" dirty="0"/>
-              <a:t>- numbers of syllables within preceding, current, and succeeding phrases</a:t>
-            </a:r>
-          </a:p>
-          <a:p>
-            <a:r>
-              <a:rPr lang="en-US" sz="1200" dirty="0"/>
-              <a:t>- position of current phrase in major phrases</a:t>
-            </a:r>
-          </a:p>
-          <a:p>
-            <a:endParaRPr lang="de-DE" dirty="0"/>
-          </a:p>
-          <a:p>
-            <a:r>
-              <a:rPr lang="en-US" sz="1200" b="1" i="1" dirty="0"/>
-              <a:t> </a:t>
-            </a:r>
-            <a:r>
-              <a:rPr lang="en-US" sz="1200" b="1" dirty="0"/>
-              <a:t>utterance:</a:t>
-            </a:r>
-          </a:p>
-          <a:p>
-            <a:r>
-              <a:rPr lang="en-US" sz="1200" dirty="0"/>
-              <a:t>- numbers of syllables, words, and phrases in utterance</a:t>
-            </a:r>
-          </a:p>
-          <a:p>
-            <a:endParaRPr lang="de-DE" b="0" u="none" dirty="0"/>
-          </a:p>
-          <a:p>
-            <a:endParaRPr lang="de-DE" b="1" u="sng" dirty="0"/>
-          </a:p>
-          <a:p>
-            <a:r>
-              <a:rPr lang="de-DE" b="1" u="sng" dirty="0" err="1"/>
-              <a:t>Acoustic</a:t>
-            </a:r>
-            <a:r>
-              <a:rPr lang="de-DE" b="1" u="sng" dirty="0"/>
-              <a:t> Features:</a:t>
-            </a:r>
-          </a:p>
-          <a:p>
-            <a:endParaRPr lang="de-DE" b="1" dirty="0"/>
-          </a:p>
-          <a:p>
-            <a:r>
-              <a:rPr lang="en-US" b="1" dirty="0"/>
-              <a:t>Spectral parameters:</a:t>
-            </a:r>
-            <a:r>
-              <a:rPr lang="en-US" dirty="0"/>
-              <a:t> 	Mel-cepstral coefficients and their dynamic features</a:t>
-            </a:r>
-          </a:p>
-          <a:p>
-            <a:endParaRPr lang="de-DE" dirty="0"/>
-          </a:p>
-          <a:p>
-            <a:r>
-              <a:rPr lang="en-US" b="1" dirty="0"/>
-              <a:t>Excitation parameters: 	</a:t>
-            </a:r>
-            <a:r>
-              <a:rPr lang="en-US" dirty="0"/>
-              <a:t>log F0 values and their dynamic features</a:t>
-            </a:r>
-          </a:p>
-          <a:p>
-            <a:endParaRPr lang="de-DE" dirty="0"/>
-          </a:p>
-          <a:p>
-            <a:endParaRPr lang="de-DE" dirty="0"/>
-          </a:p>
-          <a:p>
-            <a:r>
-              <a:rPr lang="en-US" b="1" dirty="0" err="1"/>
-              <a:t>mel</a:t>
-            </a:r>
-            <a:r>
-              <a:rPr lang="en-US" b="1" dirty="0"/>
-              <a:t>-frequency </a:t>
-            </a:r>
-            <a:r>
-              <a:rPr lang="en-US" b="1" dirty="0" err="1"/>
-              <a:t>cepstrum</a:t>
-            </a:r>
-            <a:r>
-              <a:rPr lang="en-US" dirty="0"/>
-              <a:t> (</a:t>
-            </a:r>
-            <a:r>
-              <a:rPr lang="en-US" b="1" dirty="0"/>
-              <a:t>MFC</a:t>
-            </a:r>
-            <a:r>
-              <a:rPr lang="en-US" dirty="0"/>
-              <a:t>) is a representation of the short-term </a:t>
-            </a:r>
-            <a:r>
-              <a:rPr lang="en-US" dirty="0">
-                <a:hlinkClick r:id="rId3" tooltip="Power spectrum"/>
-              </a:rPr>
-              <a:t>power spectrum</a:t>
-            </a:r>
-            <a:r>
-              <a:rPr lang="en-US" dirty="0"/>
-              <a:t> of a sound, based on a </a:t>
-            </a:r>
-            <a:r>
-              <a:rPr lang="en-US" dirty="0">
-                <a:hlinkClick r:id="rId4" tooltip="Cosine transform"/>
-              </a:rPr>
-              <a:t>linear cosine transform</a:t>
-            </a:r>
-            <a:r>
-              <a:rPr lang="en-US" dirty="0"/>
-              <a:t> of a </a:t>
-            </a:r>
-            <a:r>
-              <a:rPr lang="en-US" dirty="0">
-                <a:hlinkClick r:id="rId3" tooltip="Power spectrum"/>
-              </a:rPr>
-              <a:t>log power spectrum</a:t>
-            </a:r>
-            <a:r>
-              <a:rPr lang="en-US" dirty="0"/>
-              <a:t> on a </a:t>
-            </a:r>
-            <a:r>
-              <a:rPr lang="en-US" dirty="0">
-                <a:hlinkClick r:id="rId5" tooltip="Nonlinear system"/>
-              </a:rPr>
-              <a:t>nonlinear</a:t>
-            </a:r>
-            <a:r>
-              <a:rPr lang="en-US" dirty="0"/>
-              <a:t> </a:t>
-            </a:r>
-            <a:r>
-              <a:rPr lang="en-US" dirty="0" err="1">
-                <a:hlinkClick r:id="rId6" tooltip="Mel scale"/>
-              </a:rPr>
-              <a:t>mel</a:t>
-            </a:r>
-            <a:r>
-              <a:rPr lang="en-US" dirty="0">
-                <a:hlinkClick r:id="rId6" tooltip="Mel scale"/>
-              </a:rPr>
-              <a:t> scale</a:t>
-            </a:r>
-            <a:r>
-              <a:rPr lang="en-US" dirty="0"/>
-              <a:t> of frequency.</a:t>
-            </a:r>
-          </a:p>
-          <a:p>
-            <a:endParaRPr lang="en-US" dirty="0"/>
-          </a:p>
-        </p:txBody>
-      </p:sp>
-      <p:sp>
-        <p:nvSpPr>
-          <p:cNvPr id="4" name="Foliennummernplatzhalter 3"/>
-          <p:cNvSpPr>
-            <a:spLocks noGrp="1"/>
-          </p:cNvSpPr>
-          <p:nvPr>
-            <p:ph type="sldNum" sz="quarter" idx="10"/>
-          </p:nvPr>
-        </p:nvSpPr>
-        <p:spPr/>
-        <p:txBody>
-          <a:bodyPr/>
-          <a:lstStyle/>
-          <a:p>
-            <a:pPr>
-              <a:defRPr/>
-            </a:pPr>
-            <a:fld id="{00AFC6D0-44D5-4EB7-828F-6F464F83D79A}" type="slidenum">
-              <a:rPr lang="en-GB" smtClean="0"/>
-              <a:pPr>
-                <a:defRPr/>
-              </a:pPr>
-              <a:t>23</a:t>
-            </a:fld>
-            <a:endParaRPr lang="en-GB"/>
-          </a:p>
-        </p:txBody>
-      </p:sp>
-    </p:spTree>
-    <p:extLst>
-      <p:ext uri="{BB962C8B-B14F-4D97-AF65-F5344CB8AC3E}">
-        <p14:creationId xmlns:p14="http://schemas.microsoft.com/office/powerpoint/2010/main" val="725602883"/>
       </p:ext>
     </p:extLst>
   </p:cSld>
@@ -14068,7 +13280,32 @@
                 <a:ea typeface="+mn-ea"/>
                 <a:cs typeface="Arial" pitchFamily="34" charset="0"/>
               </a:rPr>
-              <a:t>With the second type, CTS, the waveform is generated out of a linguistic description without any information of the respective text. In this way, no natural language processing is required, but nevertheless CTS has not made any important impact yet</a:t>
+              <a:t>CTS: the waveform is generated out of a linguistic description without any information of the respective text. </a:t>
+            </a:r>
+          </a:p>
+          <a:p>
+            <a:r>
+              <a:rPr lang="en-US" sz="1200" b="0" i="0" u="none" strike="noStrike" kern="1200" baseline="0" dirty="0">
+                <a:solidFill>
+                  <a:schemeClr val="tx1"/>
+                </a:solidFill>
+                <a:latin typeface="Arial" pitchFamily="34" charset="0"/>
+                <a:ea typeface="+mn-ea"/>
+                <a:cs typeface="Arial" pitchFamily="34" charset="0"/>
+                <a:sym typeface="Wingdings" panose="05000000000000000000" pitchFamily="2" charset="2"/>
+              </a:rPr>
+              <a:t> No </a:t>
+            </a:r>
+            <a:r>
+              <a:rPr lang="en-US" sz="1200" b="0" i="0" u="none" strike="noStrike" kern="1200" baseline="0" dirty="0">
+                <a:solidFill>
+                  <a:schemeClr val="tx1"/>
+                </a:solidFill>
+                <a:latin typeface="Arial" pitchFamily="34" charset="0"/>
+                <a:ea typeface="+mn-ea"/>
+                <a:cs typeface="Arial" pitchFamily="34" charset="0"/>
+              </a:rPr>
+              <a:t>natural language processing is required, but nevertheless CTS has not made any important impact yet</a:t>
             </a:r>
             <a:endParaRPr lang="en-US" dirty="0"/>
           </a:p>
@@ -14158,7 +13395,7 @@
         <p:spPr/>
         <p:txBody>
           <a:bodyPr>
-            <a:normAutofit fontScale="77500" lnSpcReduction="20000"/>
+            <a:normAutofit fontScale="92500" lnSpcReduction="20000"/>
           </a:bodyPr>
           <a:lstStyle/>
           <a:p>
@@ -14452,42 +13689,6 @@
               <a:ea typeface="+mn-ea"/>
               <a:cs typeface="Arial" pitchFamily="34" charset="0"/>
             </a:endParaRPr>
-          </a:p>
-          <a:p>
-            <a:r>
-              <a:rPr lang="en-US" sz="1200" b="0" i="0" u="none" strike="noStrike" kern="1200" baseline="0" dirty="0">
-                <a:solidFill>
-                  <a:schemeClr val="tx1"/>
-                </a:solidFill>
-                <a:latin typeface="Arial" pitchFamily="34" charset="0"/>
-                <a:ea typeface="+mn-ea"/>
-                <a:cs typeface="Arial" pitchFamily="34" charset="0"/>
-              </a:rPr>
-              <a:t>The </a:t>
-            </a:r>
-            <a:r>
-              <a:rPr lang="en-US" sz="1200" b="1" i="0" u="none" strike="noStrike" kern="1200" baseline="0" dirty="0">
-                <a:solidFill>
-                  <a:schemeClr val="tx1"/>
-                </a:solidFill>
-                <a:latin typeface="Arial" pitchFamily="34" charset="0"/>
-                <a:ea typeface="+mn-ea"/>
-                <a:cs typeface="Arial" pitchFamily="34" charset="0"/>
-              </a:rPr>
-              <a:t>formant-based synthesis</a:t>
-            </a:r>
-            <a:r>
-              <a:rPr lang="en-US" sz="1200" b="0" i="0" u="none" strike="noStrike" kern="1200" baseline="0" dirty="0">
-                <a:solidFill>
-                  <a:schemeClr val="tx1"/>
-                </a:solidFill>
-                <a:latin typeface="Arial" pitchFamily="34" charset="0"/>
-                <a:ea typeface="+mn-ea"/>
-                <a:cs typeface="Arial" pitchFamily="34" charset="0"/>
-              </a:rPr>
-              <a:t> is the oldest approach. To generate a voice waveform, an excitation signal is fed into multiple formant filters, which describe the characteristics of the human vocal tract. The output of the filters then forms the voice waveform.</a:t>
-            </a:r>
-            <a:endParaRPr lang="en-US" dirty="0"/>
           </a:p>
         </p:txBody>
       </p:sp>
@@ -14955,7 +14156,15 @@
             </a:pPr>
             <a:r>
               <a:rPr lang="en-US" sz="1200" dirty="0"/>
-              <a:t>The model is parametric because it describes the speech using parameters, rather than stored exemplars. </a:t>
+              <a:t>The model is </a:t>
+            </a:r>
+            <a:r>
+              <a:rPr lang="en-US" sz="1200" b="1" dirty="0"/>
+              <a:t>parametric</a:t>
+            </a:r>
+            <a:r>
+              <a:rPr lang="en-US" sz="1200" dirty="0"/>
+              <a:t> because it describes the speech using parameters, rather than stored exemplars. </a:t>
             </a:r>
           </a:p>
           <a:p>
@@ -14972,11 +14181,94 @@
             </a:pPr>
             <a:r>
               <a:rPr lang="en-US" sz="1200" dirty="0"/>
-              <a:t>It is statistical because it describes those parameters using statistics (e.g., means and variances of probability density functions) which capture the distribution of parameter values found in the training data.</a:t>
+              <a:t>It is </a:t>
+            </a:r>
+            <a:r>
+              <a:rPr lang="en-US" sz="1200" b="1" dirty="0"/>
+              <a:t>statistical</a:t>
+            </a:r>
+            <a:r>
+              <a:rPr lang="en-US" sz="1200" dirty="0"/>
+              <a:t> because it describes those parameters using statistics (e.g., means and variances of probability density functions) which capture the distribution of parameter values found in the training data.</a:t>
             </a:r>
           </a:p>
           <a:p>
-            <a:endParaRPr lang="en-US" dirty="0"/>
+            <a:pPr marL="0" indent="0">
+              <a:buFont typeface="Arial" panose="020B0604020202020204" pitchFamily="34" charset="0"/>
+              <a:buNone/>
+            </a:pPr>
+            <a:endParaRPr lang="de-DE" sz="1200" dirty="0"/>
+          </a:p>
+          <a:p>
+            <a:r>
+              <a:rPr lang="en-US" sz="1200" b="0" i="0" u="none" strike="noStrike" kern="1200" baseline="0" dirty="0">
+                <a:solidFill>
+                  <a:schemeClr val="tx1"/>
+                </a:solidFill>
+                <a:latin typeface="Arial" pitchFamily="34" charset="0"/>
+                <a:ea typeface="+mn-ea"/>
+                <a:cs typeface="Arial" pitchFamily="34" charset="0"/>
+              </a:rPr>
+              <a:t>We can easily change </a:t>
+            </a:r>
+            <a:r>
+              <a:rPr lang="en-US" sz="1200" b="1" i="0" u="none" strike="noStrike" kern="1200" baseline="0" dirty="0">
+                <a:solidFill>
+                  <a:schemeClr val="tx1"/>
+                </a:solidFill>
+                <a:latin typeface="Arial" pitchFamily="34" charset="0"/>
+                <a:ea typeface="+mn-ea"/>
+                <a:cs typeface="Arial" pitchFamily="34" charset="0"/>
+              </a:rPr>
+              <a:t>voice characteristics, speaking styles, and emotions </a:t>
+            </a:r>
+            <a:r>
+              <a:rPr lang="en-US" sz="1200" b="0" i="0" u="none" strike="noStrike" kern="1200" baseline="0" dirty="0">
+                <a:solidFill>
+                  <a:schemeClr val="tx1"/>
+                </a:solidFill>
+                <a:latin typeface="Arial" pitchFamily="34" charset="0"/>
+                <a:ea typeface="+mn-ea"/>
+                <a:cs typeface="Arial" pitchFamily="34" charset="0"/>
+              </a:rPr>
+              <a:t>in statistical parametric synthesis by transforming its model parameters. </a:t>
+            </a:r>
+          </a:p>
+          <a:p>
+            <a:r>
+              <a:rPr lang="en-US" sz="1200" b="0" i="0" u="none" strike="noStrike" kern="1200" baseline="0" dirty="0">
+                <a:solidFill>
+                  <a:schemeClr val="tx1"/>
+                </a:solidFill>
+                <a:latin typeface="Arial" pitchFamily="34" charset="0"/>
+                <a:ea typeface="+mn-ea"/>
+                <a:cs typeface="Arial" pitchFamily="34" charset="0"/>
+              </a:rPr>
+              <a:t>Four major techniques to accomplish this: adaptation, interpolation, </a:t>
+            </a:r>
+            <a:r>
+              <a:rPr lang="en-US" sz="1200" b="0" i="0" u="none" strike="noStrike" kern="1200" baseline="0" dirty="0" err="1">
+                <a:solidFill>
+                  <a:schemeClr val="tx1"/>
+                </a:solidFill>
+                <a:latin typeface="Arial" pitchFamily="34" charset="0"/>
+                <a:ea typeface="+mn-ea"/>
+                <a:cs typeface="Arial" pitchFamily="34" charset="0"/>
+              </a:rPr>
+              <a:t>eigenvoice</a:t>
+            </a:r>
+            <a:r>
+              <a:rPr lang="en-US" sz="1200" b="0" i="0" u="none" strike="noStrike" kern="1200" baseline="0" dirty="0">
+                <a:solidFill>
+                  <a:schemeClr val="tx1"/>
+                </a:solidFill>
+                <a:latin typeface="Arial" pitchFamily="34" charset="0"/>
+                <a:ea typeface="+mn-ea"/>
+                <a:cs typeface="Arial" pitchFamily="34" charset="0"/>
+              </a:rPr>
+              <a:t>, and multiple regression.</a:t>
+            </a:r>
+            <a:endParaRPr lang="en-US" sz="1200" dirty="0"/>
           </a:p>
         </p:txBody>
       </p:sp>
@@ -15346,118 +14638,412 @@
         </p:nvSpPr>
         <p:spPr/>
         <p:txBody>
-          <a:bodyPr/>
+          <a:bodyPr>
+            <a:normAutofit lnSpcReduction="10000"/>
+          </a:bodyPr>
           <a:lstStyle/>
           <a:p>
-            <a:pPr marL="285750" indent="-285750">
-              <a:buFont typeface="Arial" panose="020B0604020202020204" pitchFamily="34" charset="0"/>
-              <a:buChar char="•"/>
+            <a:pPr marL="0" marR="0" lvl="0" indent="0" algn="l" defTabSz="914400" rtl="0" eaLnBrk="1" fontAlgn="base" latinLnBrk="0" hangingPunct="1">
+              <a:lnSpc>
+                <a:spcPct val="100000"/>
+              </a:lnSpc>
+              <a:spcBef>
+                <a:spcPct val="30000"/>
+              </a:spcBef>
+              <a:spcAft>
+                <a:spcPct val="0"/>
+              </a:spcAft>
+              <a:buClrTx/>
+              <a:buSzTx/>
+              <a:buFontTx/>
+              <a:buNone/>
+              <a:tabLst/>
+              <a:defRPr/>
             </a:pPr>
             <a:r>
-              <a:rPr lang="en-US" dirty="0"/>
-              <a:t>2.1 billion smartphone users worldwide in 2016</a:t>
+              <a:rPr lang="en-US" sz="1200" b="1" i="0" u="none" strike="noStrike" kern="1200" baseline="0" dirty="0">
+                <a:solidFill>
+                  <a:schemeClr val="tx1"/>
+                </a:solidFill>
+                <a:latin typeface="Arial" pitchFamily="34" charset="0"/>
+                <a:ea typeface="+mn-ea"/>
+                <a:cs typeface="Arial" pitchFamily="34" charset="0"/>
+              </a:rPr>
+              <a:t>Syllabification</a:t>
+            </a:r>
+            <a:r>
+              <a:rPr lang="en-US" sz="1200" b="0" i="0" u="none" strike="noStrike" kern="1200" baseline="0" dirty="0">
+                <a:solidFill>
+                  <a:schemeClr val="tx1"/>
+                </a:solidFill>
+                <a:latin typeface="Arial" pitchFamily="34" charset="0"/>
+                <a:ea typeface="+mn-ea"/>
+                <a:cs typeface="Arial" pitchFamily="34" charset="0"/>
+              </a:rPr>
+              <a:t>: the decomposition of words into their phonological units.</a:t>
             </a:r>
           </a:p>
           <a:p>
-            <a:pPr marL="285750" indent="-285750">
-              <a:buFont typeface="Arial" panose="020B0604020202020204" pitchFamily="34" charset="0"/>
-              <a:buChar char="•"/>
-            </a:pPr>
-            <a:r>
-              <a:rPr lang="en-US" dirty="0"/>
-              <a:t>in 2016 about 1.5 billion new smartphones were sold</a:t>
-            </a:r>
+            <a:endParaRPr lang="de-DE" dirty="0"/>
           </a:p>
           <a:p>
-            <a:pPr marL="285750" indent="-285750">
+            <a:r>
+              <a:rPr lang="en-US" sz="1200" b="1" i="0" u="none" strike="noStrike" kern="1200" baseline="0" dirty="0">
+                <a:solidFill>
+                  <a:schemeClr val="tx1"/>
+                </a:solidFill>
+                <a:latin typeface="Arial" pitchFamily="34" charset="0"/>
+                <a:ea typeface="+mn-ea"/>
+                <a:cs typeface="Arial" pitchFamily="34" charset="0"/>
+              </a:rPr>
+              <a:t>Phonetic transcription</a:t>
+            </a:r>
+            <a:r>
+              <a:rPr lang="en-US" sz="1200" b="0" i="0" u="none" strike="noStrike" kern="1200" baseline="0" dirty="0">
+                <a:solidFill>
+                  <a:schemeClr val="tx1"/>
+                </a:solidFill>
+                <a:latin typeface="Arial" pitchFamily="34" charset="0"/>
+                <a:ea typeface="+mn-ea"/>
+                <a:cs typeface="Arial" pitchFamily="34" charset="0"/>
+              </a:rPr>
+              <a:t>: the process of “translation” from letters to phonemes (also known as letter-to-sound or grapheme-to-phoneme translation)</a:t>
+            </a:r>
+            <a:endParaRPr lang="de-DE" sz="1200" b="0" i="0" u="none" strike="noStrike" kern="1200" baseline="0" dirty="0">
+              <a:solidFill>
+                <a:schemeClr val="tx1"/>
+              </a:solidFill>
+              <a:latin typeface="Arial" pitchFamily="34" charset="0"/>
+              <a:ea typeface="+mn-ea"/>
+              <a:cs typeface="Arial" pitchFamily="34" charset="0"/>
+            </a:endParaRPr>
+          </a:p>
+          <a:p>
+            <a:endParaRPr lang="en-US" sz="1200" b="0" i="0" u="none" strike="noStrike" kern="1200" baseline="0" dirty="0">
+              <a:solidFill>
+                <a:schemeClr val="tx1"/>
+              </a:solidFill>
+              <a:latin typeface="Arial" pitchFamily="34" charset="0"/>
+              <a:ea typeface="+mn-ea"/>
+              <a:cs typeface="Arial" pitchFamily="34" charset="0"/>
+            </a:endParaRPr>
+          </a:p>
+          <a:p>
+            <a:r>
+              <a:rPr lang="en-US" sz="1200" b="1" i="0" u="none" strike="noStrike" kern="1200" baseline="0" dirty="0">
+                <a:solidFill>
+                  <a:schemeClr val="tx1"/>
+                </a:solidFill>
+                <a:latin typeface="Arial" pitchFamily="34" charset="0"/>
+                <a:ea typeface="+mn-ea"/>
+                <a:cs typeface="Arial" pitchFamily="34" charset="0"/>
+              </a:rPr>
+              <a:t>Part-of-speech (POS) tagging </a:t>
+            </a:r>
+            <a:r>
+              <a:rPr lang="en-US" sz="1200" b="0" i="0" u="none" strike="noStrike" kern="1200" baseline="0" dirty="0">
+                <a:solidFill>
+                  <a:schemeClr val="tx1"/>
+                </a:solidFill>
+                <a:latin typeface="Arial" pitchFamily="34" charset="0"/>
+                <a:ea typeface="+mn-ea"/>
+                <a:cs typeface="Arial" pitchFamily="34" charset="0"/>
+              </a:rPr>
+              <a:t>is the process of assigning each word in a sentence its uniquely interpretable tag - its part of speech. </a:t>
+            </a:r>
+          </a:p>
+          <a:p>
+            <a:pPr marL="171450" indent="-171450">
               <a:buFont typeface="Wingdings" panose="05000000000000000000" pitchFamily="2" charset="2"/>
               <a:buChar char="à"/>
             </a:pPr>
             <a:r>
-              <a:rPr lang="en-US" dirty="0">
+              <a:rPr lang="en-US" sz="1200" b="0" i="0" u="none" strike="noStrike" kern="1200" baseline="0" dirty="0">
+                <a:solidFill>
+                  <a:schemeClr val="tx1"/>
+                </a:solidFill>
+                <a:latin typeface="Arial" pitchFamily="34" charset="0"/>
+                <a:ea typeface="+mn-ea"/>
+                <a:cs typeface="Arial" pitchFamily="34" charset="0"/>
+              </a:rPr>
+              <a:t>choose the correct pronunciation for a homophone word</a:t>
+            </a:r>
+          </a:p>
+          <a:p>
+            <a:pPr marL="0" indent="0">
+              <a:buFont typeface="Wingdings" panose="05000000000000000000" pitchFamily="2" charset="2"/>
+              <a:buNone/>
+            </a:pPr>
+            <a:r>
+              <a:rPr lang="de-DE" sz="1200" b="0" i="0" u="none" strike="noStrike" kern="1200" baseline="0" dirty="0">
+                <a:solidFill>
+                  <a:schemeClr val="tx1"/>
+                </a:solidFill>
+                <a:latin typeface="Arial" pitchFamily="34" charset="0"/>
+                <a:ea typeface="+mn-ea"/>
+                <a:cs typeface="Arial" pitchFamily="34" charset="0"/>
+              </a:rPr>
+              <a:t>N: </a:t>
+            </a:r>
+            <a:r>
+              <a:rPr lang="de-DE" sz="1200" b="0" i="0" u="none" strike="noStrike" kern="1200" baseline="0" dirty="0" err="1">
+                <a:solidFill>
+                  <a:schemeClr val="tx1"/>
+                </a:solidFill>
+                <a:latin typeface="Arial" pitchFamily="34" charset="0"/>
+                <a:ea typeface="+mn-ea"/>
+                <a:cs typeface="Arial" pitchFamily="34" charset="0"/>
+              </a:rPr>
+              <a:t>Nouns</a:t>
+            </a:r>
+            <a:r>
+              <a:rPr lang="de-DE" sz="1200" b="0" i="0" u="none" strike="noStrike" kern="1200" baseline="0" dirty="0">
+                <a:solidFill>
+                  <a:schemeClr val="tx1"/>
+                </a:solidFill>
+                <a:latin typeface="Arial" pitchFamily="34" charset="0"/>
+                <a:ea typeface="+mn-ea"/>
+                <a:cs typeface="Arial" pitchFamily="34" charset="0"/>
+              </a:rPr>
+              <a:t>    V: Verbs     A: </a:t>
+            </a:r>
+            <a:r>
+              <a:rPr lang="de-DE" sz="1200" b="0" i="0" u="none" strike="noStrike" kern="1200" baseline="0" dirty="0" err="1">
+                <a:solidFill>
+                  <a:schemeClr val="tx1"/>
+                </a:solidFill>
+                <a:latin typeface="Arial" pitchFamily="34" charset="0"/>
+                <a:ea typeface="+mn-ea"/>
+                <a:cs typeface="Arial" pitchFamily="34" charset="0"/>
+              </a:rPr>
+              <a:t>Adjectives</a:t>
+            </a:r>
+            <a:r>
+              <a:rPr lang="de-DE" sz="1200" b="0" i="0" u="none" strike="noStrike" kern="1200" baseline="0" dirty="0">
+                <a:solidFill>
+                  <a:schemeClr val="tx1"/>
+                </a:solidFill>
+                <a:latin typeface="Arial" pitchFamily="34" charset="0"/>
+                <a:ea typeface="+mn-ea"/>
+                <a:cs typeface="Arial" pitchFamily="34" charset="0"/>
+              </a:rPr>
+              <a:t>      R: Adverbs</a:t>
+            </a:r>
+          </a:p>
+          <a:p>
+            <a:pPr marL="0" indent="0">
+              <a:buFont typeface="Wingdings" panose="05000000000000000000" pitchFamily="2" charset="2"/>
+              <a:buNone/>
+            </a:pPr>
+            <a:r>
+              <a:rPr lang="de-DE" sz="1200" b="0" i="0" u="none" strike="noStrike" kern="1200" baseline="0" dirty="0">
+                <a:solidFill>
+                  <a:schemeClr val="tx1"/>
+                </a:solidFill>
+                <a:latin typeface="Arial" pitchFamily="34" charset="0"/>
+                <a:ea typeface="+mn-ea"/>
+                <a:cs typeface="Arial" pitchFamily="34" charset="0"/>
+              </a:rPr>
+              <a:t>feminine/</a:t>
+            </a:r>
+            <a:r>
+              <a:rPr lang="de-DE" sz="1200" b="0" i="0" u="none" strike="noStrike" kern="1200" baseline="0" dirty="0" err="1">
+                <a:solidFill>
+                  <a:schemeClr val="tx1"/>
+                </a:solidFill>
+                <a:latin typeface="Arial" pitchFamily="34" charset="0"/>
+                <a:ea typeface="+mn-ea"/>
+                <a:cs typeface="Arial" pitchFamily="34" charset="0"/>
+              </a:rPr>
+              <a:t>maskular</a:t>
+            </a:r>
+            <a:r>
+              <a:rPr lang="de-DE" sz="1200" b="0" i="0" u="none" strike="noStrike" kern="1200" baseline="0" dirty="0">
+                <a:solidFill>
+                  <a:schemeClr val="tx1"/>
+                </a:solidFill>
+                <a:latin typeface="Arial" pitchFamily="34" charset="0"/>
+                <a:ea typeface="+mn-ea"/>
+                <a:cs typeface="Arial" pitchFamily="34" charset="0"/>
+              </a:rPr>
+              <a:t>, </a:t>
+            </a:r>
+            <a:r>
+              <a:rPr lang="de-DE" sz="1200" b="0" i="0" u="none" strike="noStrike" kern="1200" baseline="0" dirty="0" err="1">
+                <a:solidFill>
+                  <a:schemeClr val="tx1"/>
+                </a:solidFill>
+                <a:latin typeface="Arial" pitchFamily="34" charset="0"/>
+                <a:ea typeface="+mn-ea"/>
+                <a:cs typeface="Arial" pitchFamily="34" charset="0"/>
+              </a:rPr>
+              <a:t>singular</a:t>
+            </a:r>
+            <a:r>
+              <a:rPr lang="de-DE" sz="1200" b="0" i="0" u="none" strike="noStrike" kern="1200" baseline="0" dirty="0">
+                <a:solidFill>
+                  <a:schemeClr val="tx1"/>
+                </a:solidFill>
+                <a:latin typeface="Arial" pitchFamily="34" charset="0"/>
+                <a:ea typeface="+mn-ea"/>
+                <a:cs typeface="Arial" pitchFamily="34" charset="0"/>
+              </a:rPr>
+              <a:t>/</a:t>
+            </a:r>
+            <a:r>
+              <a:rPr lang="de-DE" sz="1200" b="0" i="0" u="none" strike="noStrike" kern="1200" baseline="0" dirty="0" err="1">
+                <a:solidFill>
+                  <a:schemeClr val="tx1"/>
+                </a:solidFill>
+                <a:latin typeface="Arial" pitchFamily="34" charset="0"/>
+                <a:ea typeface="+mn-ea"/>
+                <a:cs typeface="Arial" pitchFamily="34" charset="0"/>
+              </a:rPr>
+              <a:t>plular</a:t>
+            </a:r>
+            <a:r>
+              <a:rPr lang="de-DE" sz="1200" b="0" i="0" u="none" strike="noStrike" kern="1200" baseline="0" dirty="0">
+                <a:solidFill>
+                  <a:schemeClr val="tx1"/>
+                </a:solidFill>
+                <a:latin typeface="Arial" pitchFamily="34" charset="0"/>
+                <a:ea typeface="+mn-ea"/>
+                <a:cs typeface="Arial" pitchFamily="34" charset="0"/>
+              </a:rPr>
+              <a:t>, </a:t>
+            </a:r>
+            <a:r>
+              <a:rPr lang="de-DE" sz="1200" b="0" i="0" u="none" strike="noStrike" kern="1200" baseline="0" dirty="0" err="1">
+                <a:solidFill>
+                  <a:schemeClr val="tx1"/>
+                </a:solidFill>
+                <a:latin typeface="Arial" pitchFamily="34" charset="0"/>
+                <a:ea typeface="+mn-ea"/>
+                <a:cs typeface="Arial" pitchFamily="34" charset="0"/>
+              </a:rPr>
+              <a:t>cases</a:t>
+            </a:r>
+            <a:endParaRPr lang="en-US" sz="1200" b="0" i="0" u="none" strike="noStrike" kern="1200" baseline="0" dirty="0">
+              <a:solidFill>
+                <a:schemeClr val="tx1"/>
+              </a:solidFill>
+              <a:latin typeface="Arial" pitchFamily="34" charset="0"/>
+              <a:ea typeface="+mn-ea"/>
+              <a:cs typeface="Arial" pitchFamily="34" charset="0"/>
+            </a:endParaRPr>
+          </a:p>
+          <a:p>
+            <a:endParaRPr lang="de-DE" sz="1200" b="0" i="0" u="none" strike="noStrike" kern="1200" baseline="0" dirty="0">
+              <a:solidFill>
+                <a:schemeClr val="tx1"/>
+              </a:solidFill>
+              <a:latin typeface="Arial" pitchFamily="34" charset="0"/>
+              <a:ea typeface="+mn-ea"/>
+              <a:cs typeface="Arial" pitchFamily="34" charset="0"/>
+            </a:endParaRPr>
+          </a:p>
+          <a:p>
+            <a:pPr marL="0" marR="0" lvl="0" indent="0" algn="l" defTabSz="914400" rtl="0" eaLnBrk="1" fontAlgn="base" latinLnBrk="0" hangingPunct="1">
+              <a:lnSpc>
+                <a:spcPct val="100000"/>
+              </a:lnSpc>
+              <a:spcBef>
+                <a:spcPct val="30000"/>
+              </a:spcBef>
+              <a:spcAft>
+                <a:spcPct val="0"/>
+              </a:spcAft>
+              <a:buClrTx/>
+              <a:buSzTx/>
+              <a:buFontTx/>
+              <a:buNone/>
+              <a:tabLst/>
+              <a:defRPr/>
+            </a:pPr>
+            <a:r>
+              <a:rPr lang="en-US" sz="1200" b="1" i="0" u="none" strike="noStrike" kern="1200" baseline="0" dirty="0">
+                <a:solidFill>
+                  <a:schemeClr val="tx1"/>
+                </a:solidFill>
+                <a:latin typeface="Arial" pitchFamily="34" charset="0"/>
+                <a:ea typeface="+mn-ea"/>
+                <a:cs typeface="Arial" pitchFamily="34" charset="0"/>
+              </a:rPr>
+              <a:t>Lexical stress prediction</a:t>
+            </a:r>
+            <a:r>
+              <a:rPr lang="en-US" sz="1200" b="0" i="0" u="none" strike="noStrike" kern="1200" baseline="0" dirty="0">
+                <a:solidFill>
+                  <a:schemeClr val="tx1"/>
+                </a:solidFill>
+                <a:latin typeface="Arial" pitchFamily="34" charset="0"/>
+                <a:ea typeface="+mn-ea"/>
+                <a:cs typeface="Arial" pitchFamily="34" charset="0"/>
+              </a:rPr>
+              <a:t>: Certain syllables inside a word have a higher prominence compared to its neighboring syllables, giving the word a specific sound. </a:t>
+            </a:r>
+          </a:p>
+          <a:p>
+            <a:pPr marL="0" marR="0" lvl="0" indent="0" algn="l" defTabSz="914400" rtl="0" eaLnBrk="1" fontAlgn="base" latinLnBrk="0" hangingPunct="1">
+              <a:lnSpc>
+                <a:spcPct val="100000"/>
+              </a:lnSpc>
+              <a:spcBef>
+                <a:spcPct val="30000"/>
+              </a:spcBef>
+              <a:spcAft>
+                <a:spcPct val="0"/>
+              </a:spcAft>
+              <a:buClrTx/>
+              <a:buSzTx/>
+              <a:buFontTx/>
+              <a:buNone/>
+              <a:tabLst/>
+              <a:defRPr/>
+            </a:pPr>
+            <a:r>
+              <a:rPr lang="en-US" sz="1200" b="0" i="0" u="none" strike="noStrike" kern="1200" baseline="0" dirty="0">
+                <a:solidFill>
+                  <a:schemeClr val="tx1"/>
+                </a:solidFill>
+                <a:latin typeface="Arial" pitchFamily="34" charset="0"/>
+                <a:ea typeface="+mn-ea"/>
+                <a:cs typeface="Arial" pitchFamily="34" charset="0"/>
                 <a:sym typeface="Wingdings" panose="05000000000000000000" pitchFamily="2" charset="2"/>
               </a:rPr>
-              <a:t>Speech as extension</a:t>
+              <a:t> </a:t>
+            </a:r>
+            <a:r>
+              <a:rPr lang="en-US" sz="1200" b="0" i="0" u="none" strike="noStrike" kern="1200" baseline="0" dirty="0">
+                <a:solidFill>
+                  <a:schemeClr val="tx1"/>
+                </a:solidFill>
+                <a:latin typeface="Arial" pitchFamily="34" charset="0"/>
+                <a:ea typeface="+mn-ea"/>
+                <a:cs typeface="Arial" pitchFamily="34" charset="0"/>
+              </a:rPr>
+              <a:t>choose the correct pronunciation for a homophone word</a:t>
             </a:r>
           </a:p>
           <a:p>
-            <a:pPr marL="285750" indent="-285750">
-              <a:buFont typeface="Wingdings" panose="05000000000000000000" pitchFamily="2" charset="2"/>
-              <a:buChar char="à"/>
-            </a:pPr>
-            <a:r>
-              <a:rPr lang="de-DE" dirty="0">
-                <a:sym typeface="Wingdings" panose="05000000000000000000" pitchFamily="2" charset="2"/>
-              </a:rPr>
-              <a:t>S</a:t>
-            </a:r>
-            <a:r>
-              <a:rPr lang="en-US" dirty="0" err="1">
-                <a:sym typeface="Wingdings" panose="05000000000000000000" pitchFamily="2" charset="2"/>
-              </a:rPr>
-              <a:t>peech</a:t>
-            </a:r>
-            <a:r>
-              <a:rPr lang="en-US" dirty="0">
-                <a:sym typeface="Wingdings" panose="05000000000000000000" pitchFamily="2" charset="2"/>
-              </a:rPr>
-              <a:t> as main output</a:t>
-            </a:r>
+            <a:endParaRPr lang="de-DE" sz="1200" b="0" i="0" u="none" strike="noStrike" kern="1200" baseline="0" dirty="0">
+              <a:solidFill>
+                <a:schemeClr val="tx1"/>
+              </a:solidFill>
+              <a:latin typeface="Arial" pitchFamily="34" charset="0"/>
+              <a:ea typeface="+mn-ea"/>
+              <a:cs typeface="Arial" pitchFamily="34" charset="0"/>
+            </a:endParaRPr>
           </a:p>
           <a:p>
-            <a:pPr marL="285750" indent="-285750">
-              <a:buFont typeface="Wingdings" panose="05000000000000000000" pitchFamily="2" charset="2"/>
-              <a:buChar char="à"/>
-            </a:pPr>
-            <a:r>
-              <a:rPr lang="de-DE" dirty="0">
-                <a:sym typeface="Wingdings" panose="05000000000000000000" pitchFamily="2" charset="2"/>
-              </a:rPr>
-              <a:t>Help </a:t>
-            </a:r>
-            <a:r>
-              <a:rPr lang="de-DE" dirty="0" err="1">
-                <a:sym typeface="Wingdings" panose="05000000000000000000" pitchFamily="2" charset="2"/>
-              </a:rPr>
-              <a:t>visually</a:t>
-            </a:r>
-            <a:r>
-              <a:rPr lang="de-DE" dirty="0">
-                <a:sym typeface="Wingdings" panose="05000000000000000000" pitchFamily="2" charset="2"/>
-              </a:rPr>
-              <a:t> </a:t>
-            </a:r>
-            <a:r>
-              <a:rPr lang="de-DE" dirty="0" err="1">
-                <a:sym typeface="Wingdings" panose="05000000000000000000" pitchFamily="2" charset="2"/>
-              </a:rPr>
-              <a:t>impaired</a:t>
-            </a:r>
-            <a:r>
-              <a:rPr lang="de-DE" dirty="0">
-                <a:sym typeface="Wingdings" panose="05000000000000000000" pitchFamily="2" charset="2"/>
-              </a:rPr>
-              <a:t> </a:t>
-            </a:r>
-            <a:r>
-              <a:rPr lang="de-DE" dirty="0" err="1">
-                <a:sym typeface="Wingdings" panose="05000000000000000000" pitchFamily="2" charset="2"/>
-              </a:rPr>
-              <a:t>or</a:t>
-            </a:r>
-            <a:r>
-              <a:rPr lang="de-DE" dirty="0">
-                <a:sym typeface="Wingdings" panose="05000000000000000000" pitchFamily="2" charset="2"/>
-              </a:rPr>
-              <a:t> blind </a:t>
-            </a:r>
-            <a:r>
-              <a:rPr lang="de-DE" dirty="0" err="1">
-                <a:sym typeface="Wingdings" panose="05000000000000000000" pitchFamily="2" charset="2"/>
-              </a:rPr>
-              <a:t>people</a:t>
-            </a:r>
-            <a:endParaRPr lang="en-US" dirty="0"/>
+            <a:endParaRPr lang="en-US" sz="1200" b="0" i="0" u="none" strike="noStrike" kern="1200" baseline="0" dirty="0">
+              <a:solidFill>
+                <a:schemeClr val="tx1"/>
+              </a:solidFill>
+              <a:latin typeface="Arial" pitchFamily="34" charset="0"/>
+              <a:ea typeface="+mn-ea"/>
+              <a:cs typeface="Arial" pitchFamily="34" charset="0"/>
+            </a:endParaRPr>
           </a:p>
           <a:p>
             <a:endParaRPr lang="en-US" dirty="0"/>
@@ -15496,7 +15082,7 @@
     </p:spTree>
     <p:extLst>
       <p:ext uri="{BB962C8B-B14F-4D97-AF65-F5344CB8AC3E}">
-        <p14:creationId xmlns:p14="http://schemas.microsoft.com/office/powerpoint/2010/main" val="17025348"/>
+        <p14:creationId xmlns:p14="http://schemas.microsoft.com/office/powerpoint/2010/main" val="1801823156"/>
       </p:ext>
     </p:extLst>
   </p:cSld>
@@ -25501,7 +25087,7 @@
             </a:pPr>
             <a:r>
               <a:rPr lang="en-US" dirty="0"/>
-              <a:t>HMM-based systems have a lower error rate in most cases</a:t>
+              <a:t>HMM-based systems have a lower error rate in some cases</a:t>
             </a:r>
           </a:p>
           <a:p>
@@ -25639,13 +25225,13 @@
           <p:nvPr>
             <p:extLst>
               <p:ext uri="{D42A27DB-BD31-4B8C-83A1-F6EECF244321}">
-                <p14:modId xmlns:p14="http://schemas.microsoft.com/office/powerpoint/2010/main" val="2806156833"/>
+                <p14:modId xmlns:p14="http://schemas.microsoft.com/office/powerpoint/2010/main" val="477852030"/>
               </p:ext>
             </p:extLst>
           </p:nvPr>
         </p:nvGraphicFramePr>
         <p:xfrm>
-          <a:off x="4166647" y="4208206"/>
+          <a:off x="4110085" y="4142217"/>
           <a:ext cx="4660287" cy="1919406"/>
         </p:xfrm>
         <a:graphic>
@@ -26052,7 +25638,7 @@
         </p:nvGrpSpPr>
         <p:grpSpPr>
           <a:xfrm>
-            <a:off x="4541519" y="3915720"/>
+            <a:off x="4484957" y="3849731"/>
             <a:ext cx="4147405" cy="2544470"/>
             <a:chOff x="4541519" y="3915720"/>
             <a:chExt cx="4147405" cy="2544470"/>
@@ -26197,7 +25783,7 @@
                             </p:stCondLst>
                             <p:childTnLst>
                               <p:par>
-                                <p:cTn id="5" presetID="1" presetClass="entr" presetSubtype="0" fill="hold" nodeType="clickEffect">
+                                <p:cTn id="5" presetID="1" presetClass="entr" presetSubtype="0" fill="hold" grpId="0" nodeType="clickEffect">
                                   <p:stCondLst>
                                     <p:cond delay="0"/>
                                   </p:stCondLst>
@@ -26205,6 +25791,228 @@
                                     <p:set>
                                       <p:cBhvr>
                                         <p:cTn id="6" dur="1" fill="hold">
+                                          <p:stCondLst>
+                                            <p:cond delay="0"/>
+                                          </p:stCondLst>
+                                        </p:cTn>
+                                        <p:tgtEl>
+                                          <p:spTgt spid="12">
+                                            <p:txEl>
+                                              <p:pRg st="0" end="0"/>
+                                            </p:txEl>
+                                          </p:spTgt>
+                                        </p:tgtEl>
+                                        <p:attrNameLst>
+                                          <p:attrName>style.visibility</p:attrName>
+                                        </p:attrNameLst>
+                                      </p:cBhvr>
+                                      <p:to>
+                                        <p:strVal val="visible"/>
+                                      </p:to>
+                                    </p:set>
+                                  </p:childTnLst>
+                                </p:cTn>
+                              </p:par>
+                              <p:par>
+                                <p:cTn id="7" presetID="1" presetClass="entr" presetSubtype="0" fill="hold" grpId="0" nodeType="withEffect">
+                                  <p:stCondLst>
+                                    <p:cond delay="0"/>
+                                  </p:stCondLst>
+                                  <p:childTnLst>
+                                    <p:set>
+                                      <p:cBhvr>
+                                        <p:cTn id="8" dur="1" fill="hold">
+                                          <p:stCondLst>
+                                            <p:cond delay="0"/>
+                                          </p:stCondLst>
+                                        </p:cTn>
+                                        <p:tgtEl>
+                                          <p:spTgt spid="12">
+                                            <p:txEl>
+                                              <p:pRg st="1" end="1"/>
+                                            </p:txEl>
+                                          </p:spTgt>
+                                        </p:tgtEl>
+                                        <p:attrNameLst>
+                                          <p:attrName>style.visibility</p:attrName>
+                                        </p:attrNameLst>
+                                      </p:cBhvr>
+                                      <p:to>
+                                        <p:strVal val="visible"/>
+                                      </p:to>
+                                    </p:set>
+                                  </p:childTnLst>
+                                </p:cTn>
+                              </p:par>
+                              <p:par>
+                                <p:cTn id="9" presetID="1" presetClass="entr" presetSubtype="0" fill="hold" grpId="0" nodeType="withEffect">
+                                  <p:stCondLst>
+                                    <p:cond delay="0"/>
+                                  </p:stCondLst>
+                                  <p:childTnLst>
+                                    <p:set>
+                                      <p:cBhvr>
+                                        <p:cTn id="10" dur="1" fill="hold">
+                                          <p:stCondLst>
+                                            <p:cond delay="0"/>
+                                          </p:stCondLst>
+                                        </p:cTn>
+                                        <p:tgtEl>
+                                          <p:spTgt spid="12">
+                                            <p:txEl>
+                                              <p:pRg st="2" end="2"/>
+                                            </p:txEl>
+                                          </p:spTgt>
+                                        </p:tgtEl>
+                                        <p:attrNameLst>
+                                          <p:attrName>style.visibility</p:attrName>
+                                        </p:attrNameLst>
+                                      </p:cBhvr>
+                                      <p:to>
+                                        <p:strVal val="visible"/>
+                                      </p:to>
+                                    </p:set>
+                                  </p:childTnLst>
+                                </p:cTn>
+                              </p:par>
+                            </p:childTnLst>
+                          </p:cTn>
+                        </p:par>
+                      </p:childTnLst>
+                    </p:cTn>
+                  </p:par>
+                  <p:par>
+                    <p:cTn id="11" fill="hold">
+                      <p:stCondLst>
+                        <p:cond delay="indefinite"/>
+                      </p:stCondLst>
+                      <p:childTnLst>
+                        <p:par>
+                          <p:cTn id="12" fill="hold">
+                            <p:stCondLst>
+                              <p:cond delay="0"/>
+                            </p:stCondLst>
+                            <p:childTnLst>
+                              <p:par>
+                                <p:cTn id="13" presetID="1" presetClass="entr" presetSubtype="0" fill="hold" grpId="0" nodeType="clickEffect">
+                                  <p:stCondLst>
+                                    <p:cond delay="0"/>
+                                  </p:stCondLst>
+                                  <p:childTnLst>
+                                    <p:set>
+                                      <p:cBhvr>
+                                        <p:cTn id="14" dur="1" fill="hold">
+                                          <p:stCondLst>
+                                            <p:cond delay="0"/>
+                                          </p:stCondLst>
+                                        </p:cTn>
+                                        <p:tgtEl>
+                                          <p:spTgt spid="12">
+                                            <p:txEl>
+                                              <p:pRg st="5" end="5"/>
+                                            </p:txEl>
+                                          </p:spTgt>
+                                        </p:tgtEl>
+                                        <p:attrNameLst>
+                                          <p:attrName>style.visibility</p:attrName>
+                                        </p:attrNameLst>
+                                      </p:cBhvr>
+                                      <p:to>
+                                        <p:strVal val="visible"/>
+                                      </p:to>
+                                    </p:set>
+                                  </p:childTnLst>
+                                </p:cTn>
+                              </p:par>
+                              <p:par>
+                                <p:cTn id="15" presetID="1" presetClass="entr" presetSubtype="0" fill="hold" grpId="0" nodeType="withEffect">
+                                  <p:stCondLst>
+                                    <p:cond delay="0"/>
+                                  </p:stCondLst>
+                                  <p:childTnLst>
+                                    <p:set>
+                                      <p:cBhvr>
+                                        <p:cTn id="16" dur="1" fill="hold">
+                                          <p:stCondLst>
+                                            <p:cond delay="0"/>
+                                          </p:stCondLst>
+                                        </p:cTn>
+                                        <p:tgtEl>
+                                          <p:spTgt spid="12">
+                                            <p:txEl>
+                                              <p:pRg st="6" end="6"/>
+                                            </p:txEl>
+                                          </p:spTgt>
+                                        </p:tgtEl>
+                                        <p:attrNameLst>
+                                          <p:attrName>style.visibility</p:attrName>
+                                        </p:attrNameLst>
+                                      </p:cBhvr>
+                                      <p:to>
+                                        <p:strVal val="visible"/>
+                                      </p:to>
+                                    </p:set>
+                                  </p:childTnLst>
+                                </p:cTn>
+                              </p:par>
+                              <p:par>
+                                <p:cTn id="17" presetID="1" presetClass="entr" presetSubtype="0" fill="hold" grpId="0" nodeType="withEffect">
+                                  <p:stCondLst>
+                                    <p:cond delay="0"/>
+                                  </p:stCondLst>
+                                  <p:childTnLst>
+                                    <p:set>
+                                      <p:cBhvr>
+                                        <p:cTn id="18" dur="1" fill="hold">
+                                          <p:stCondLst>
+                                            <p:cond delay="0"/>
+                                          </p:stCondLst>
+                                        </p:cTn>
+                                        <p:tgtEl>
+                                          <p:spTgt spid="12">
+                                            <p:txEl>
+                                              <p:pRg st="7" end="7"/>
+                                            </p:txEl>
+                                          </p:spTgt>
+                                        </p:tgtEl>
+                                        <p:attrNameLst>
+                                          <p:attrName>style.visibility</p:attrName>
+                                        </p:attrNameLst>
+                                      </p:cBhvr>
+                                      <p:to>
+                                        <p:strVal val="visible"/>
+                                      </p:to>
+                                    </p:set>
+                                  </p:childTnLst>
+                                </p:cTn>
+                              </p:par>
+                            </p:childTnLst>
+                          </p:cTn>
+                        </p:par>
+                      </p:childTnLst>
+                    </p:cTn>
+                  </p:par>
+                  <p:par>
+                    <p:cTn id="19" fill="hold">
+                      <p:stCondLst>
+                        <p:cond delay="indefinite"/>
+                      </p:stCondLst>
+                      <p:childTnLst>
+                        <p:par>
+                          <p:cTn id="20" fill="hold">
+                            <p:stCondLst>
+                              <p:cond delay="0"/>
+                            </p:stCondLst>
+                            <p:childTnLst>
+                              <p:par>
+                                <p:cTn id="21" presetID="1" presetClass="entr" presetSubtype="0" fill="hold" nodeType="clickEffect">
+                                  <p:stCondLst>
+                                    <p:cond delay="0"/>
+                                  </p:stCondLst>
+                                  <p:childTnLst>
+                                    <p:set>
+                                      <p:cBhvr>
+                                        <p:cTn id="22" dur="1" fill="hold">
                                           <p:stCondLst>
                                             <p:cond delay="0"/>
                                           </p:stCondLst>
@@ -26224,14 +26032,14 @@
                                 </p:cTn>
                               </p:par>
                               <p:par>
-                                <p:cTn id="7" presetID="1" presetClass="entr" presetSubtype="0" fill="hold" nodeType="withEffect">
+                                <p:cTn id="23" presetID="1" presetClass="entr" presetSubtype="0" fill="hold" nodeType="withEffect">
                                   <p:stCondLst>
                                     <p:cond delay="0"/>
                                   </p:stCondLst>
                                   <p:childTnLst>
                                     <p:set>
                                       <p:cBhvr>
-                                        <p:cTn id="8" dur="1" fill="hold">
+                                        <p:cTn id="24" dur="1" fill="hold">
                                           <p:stCondLst>
                                             <p:cond delay="0"/>
                                           </p:stCondLst>
@@ -26277,6 +26085,9 @@
         </p:cTn>
       </p:par>
     </p:tnLst>
+    <p:bldLst>
+      <p:bldP spid="12" grpId="0" uiExpand="1" build="p"/>
+    </p:bldLst>
   </p:timing>
 </p:sld>
 </file>
@@ -26830,6 +26641,133 @@
       </p:grpSpPr>
       <p:sp>
         <p:nvSpPr>
+          <p:cNvPr id="2" name="Inhaltsplatzhalter 1">
+            <a:extLst>
+              <a:ext uri="{FF2B5EF4-FFF2-40B4-BE49-F238E27FC236}">
+                <a16:creationId xmlns:a16="http://schemas.microsoft.com/office/drawing/2014/main" id="{CCB24830-1F4C-428D-9214-7C8500A3F887}"/>
+              </a:ext>
+            </a:extLst>
+          </p:cNvPr>
+          <p:cNvSpPr>
+            <a:spLocks noGrp="1"/>
+          </p:cNvSpPr>
+          <p:nvPr>
+            <p:ph idx="10"/>
+          </p:nvPr>
+        </p:nvSpPr>
+        <p:spPr>
+          <a:xfrm>
+            <a:off x="319088" y="1978720"/>
+            <a:ext cx="8617522" cy="3762204"/>
+          </a:xfrm>
+        </p:spPr>
+        <p:txBody>
+          <a:bodyPr/>
+          <a:lstStyle/>
+          <a:p>
+            <a:r>
+              <a:rPr lang="en-US" sz="2000" dirty="0"/>
+              <a:t>Introducing a DNN into the front-end of a TTS-System</a:t>
+            </a:r>
+          </a:p>
+          <a:p>
+            <a:endParaRPr lang="en-US" dirty="0"/>
+          </a:p>
+          <a:p>
+            <a:pPr marL="342900" indent="-342900">
+              <a:lnSpc>
+                <a:spcPct val="200000"/>
+              </a:lnSpc>
+              <a:buAutoNum type="arabicPeriod"/>
+              <a:tabLst>
+                <a:tab pos="3233738" algn="l"/>
+              </a:tabLst>
+            </a:pPr>
+            <a:r>
+              <a:rPr lang="en-US" dirty="0"/>
+              <a:t>Syllabification (SYL)		</a:t>
+            </a:r>
+            <a:r>
+              <a:rPr lang="en-US" dirty="0">
+                <a:sym typeface="Wingdings" panose="05000000000000000000" pitchFamily="2" charset="2"/>
+              </a:rPr>
+              <a:t></a:t>
+            </a:r>
+            <a:r>
+              <a:rPr lang="en-US" dirty="0"/>
+              <a:t>  extraction of syllables</a:t>
+            </a:r>
+          </a:p>
+          <a:p>
+            <a:pPr marL="342900" indent="-342900">
+              <a:lnSpc>
+                <a:spcPct val="200000"/>
+              </a:lnSpc>
+              <a:buAutoNum type="arabicPeriod"/>
+            </a:pPr>
+            <a:r>
+              <a:rPr lang="en-US" dirty="0"/>
+              <a:t>Phonetic transcription (PT)	</a:t>
+            </a:r>
+            <a:r>
+              <a:rPr lang="en-US" dirty="0">
+                <a:sym typeface="Wingdings" panose="05000000000000000000" pitchFamily="2" charset="2"/>
+              </a:rPr>
+              <a:t> </a:t>
+            </a:r>
+            <a:r>
+              <a:rPr lang="en-US" dirty="0"/>
+              <a:t>extraction of phonemes</a:t>
+            </a:r>
+          </a:p>
+          <a:p>
+            <a:pPr marL="342900" indent="-342900">
+              <a:lnSpc>
+                <a:spcPct val="200000"/>
+              </a:lnSpc>
+              <a:buAutoNum type="arabicPeriod"/>
+            </a:pPr>
+            <a:r>
+              <a:rPr lang="en-US" dirty="0"/>
+              <a:t>Part-of-speech tagging (POT)	</a:t>
+            </a:r>
+            <a:r>
+              <a:rPr lang="en-US" dirty="0">
+                <a:sym typeface="Wingdings" panose="05000000000000000000" pitchFamily="2" charset="2"/>
+              </a:rPr>
+              <a:t> </a:t>
+            </a:r>
+            <a:r>
+              <a:rPr lang="en-US" dirty="0"/>
+              <a:t>assigning each word a unified tag</a:t>
+            </a:r>
+          </a:p>
+          <a:p>
+            <a:pPr marL="342900" indent="-342900">
+              <a:lnSpc>
+                <a:spcPct val="200000"/>
+              </a:lnSpc>
+              <a:buAutoNum type="arabicPeriod"/>
+            </a:pPr>
+            <a:r>
+              <a:rPr lang="en-US" dirty="0"/>
+              <a:t>Lexical stress prediction (LSP)	</a:t>
+            </a:r>
+            <a:r>
+              <a:rPr lang="en-US" dirty="0">
+                <a:sym typeface="Wingdings" panose="05000000000000000000" pitchFamily="2" charset="2"/>
+              </a:rPr>
+              <a:t> </a:t>
+            </a:r>
+            <a:r>
+              <a:rPr lang="en-US" dirty="0"/>
+              <a:t>decision if to stress a syllable</a:t>
+            </a:r>
+          </a:p>
+        </p:txBody>
+      </p:sp>
+      <p:sp>
+        <p:nvSpPr>
           <p:cNvPr id="3" name="Foliennummernplatzhalter 2">
             <a:extLst>
               <a:ext uri="{FF2B5EF4-FFF2-40B4-BE49-F238E27FC236}">
@@ -26885,109 +26823,16 @@
           <a:lstStyle/>
           <a:p>
             <a:r>
-              <a:rPr lang="de-DE" dirty="0"/>
-              <a:t>Speech</a:t>
-            </a:r>
-            <a:r>
               <a:rPr lang="en-US" dirty="0"/>
-              <a:t> Synthesis on Mobile Devices</a:t>
-            </a:r>
-          </a:p>
-        </p:txBody>
-      </p:sp>
-      <p:graphicFrame>
-        <p:nvGraphicFramePr>
-          <p:cNvPr id="5" name="Diagramm 4">
-            <a:extLst>
-              <a:ext uri="{FF2B5EF4-FFF2-40B4-BE49-F238E27FC236}">
-                <a16:creationId xmlns:a16="http://schemas.microsoft.com/office/drawing/2014/main" id="{2456F06C-2D25-4F46-B0B4-7B8D2EDB37A2}"/>
-              </a:ext>
-            </a:extLst>
-          </p:cNvPr>
-          <p:cNvGraphicFramePr/>
-          <p:nvPr>
-            <p:extLst>
-              <p:ext uri="{D42A27DB-BD31-4B8C-83A1-F6EECF244321}">
-                <p14:modId xmlns:p14="http://schemas.microsoft.com/office/powerpoint/2010/main" val="1959505647"/>
-              </p:ext>
-            </p:extLst>
-          </p:nvPr>
-        </p:nvGraphicFramePr>
-        <p:xfrm>
-          <a:off x="2001011" y="1770282"/>
-          <a:ext cx="5145155" cy="4064000"/>
-        </p:xfrm>
-        <a:graphic>
-          <a:graphicData uri="http://schemas.openxmlformats.org/drawingml/2006/diagram">
-            <dgm:relIds xmlns:dgm="http://schemas.openxmlformats.org/drawingml/2006/diagram" xmlns:r="http://schemas.openxmlformats.org/officeDocument/2006/relationships" r:dm="rId3" r:lo="rId4" r:qs="rId5" r:cs="rId6"/>
-          </a:graphicData>
-        </a:graphic>
-      </p:graphicFrame>
-      <p:sp>
-        <p:nvSpPr>
-          <p:cNvPr id="9" name="Rechteck: abgerundete Ecken 8">
-            <a:extLst>
-              <a:ext uri="{FF2B5EF4-FFF2-40B4-BE49-F238E27FC236}">
-                <a16:creationId xmlns:a16="http://schemas.microsoft.com/office/drawing/2014/main" id="{17616325-6B57-477D-B1D4-6791C9B058EB}"/>
-              </a:ext>
-            </a:extLst>
-          </p:cNvPr>
-          <p:cNvSpPr/>
-          <p:nvPr/>
-        </p:nvSpPr>
-        <p:spPr>
-          <a:xfrm>
-            <a:off x="5190637" y="4835322"/>
-            <a:ext cx="2000886" cy="744528"/>
-          </a:xfrm>
-          <a:prstGeom prst="roundRect">
-            <a:avLst/>
-          </a:prstGeom>
-          <a:noFill/>
-          <a:ln w="28575">
-            <a:solidFill>
-              <a:srgbClr val="E37222"/>
-            </a:solidFill>
-          </a:ln>
-        </p:spPr>
-        <p:style>
-          <a:lnRef idx="2">
-            <a:schemeClr val="accent1">
-              <a:shade val="50000"/>
-            </a:schemeClr>
-          </a:lnRef>
-          <a:fillRef idx="1">
-            <a:schemeClr val="accent1"/>
-          </a:fillRef>
-          <a:effectRef idx="0">
-            <a:schemeClr val="accent1"/>
-          </a:effectRef>
-          <a:fontRef idx="minor">
-            <a:schemeClr val="lt1"/>
-          </a:fontRef>
-        </p:style>
-        <p:txBody>
-          <a:bodyPr rot="0" spcFirstLastPara="0" vertOverflow="overflow" horzOverflow="overflow" vert="horz" wrap="square" lIns="91440" tIns="45720" rIns="91440" bIns="45720" numCol="1" spcCol="0" rtlCol="0" fromWordArt="0" anchor="t" anchorCtr="0" forceAA="0" compatLnSpc="1">
-            <a:prstTxWarp prst="textNoShape">
-              <a:avLst/>
-            </a:prstTxWarp>
-            <a:noAutofit/>
-          </a:bodyPr>
-          <a:lstStyle/>
-          <a:p>
-            <a:pPr algn="ctr">
-              <a:lnSpc>
-                <a:spcPct val="114000"/>
-              </a:lnSpc>
-            </a:pPr>
-            <a:endParaRPr lang="en-US" dirty="0"/>
+              <a:t>One Approach to Decrease the Footprint Size</a:t>
+            </a:r>
           </a:p>
         </p:txBody>
       </p:sp>
     </p:spTree>
     <p:extLst>
       <p:ext uri="{BB962C8B-B14F-4D97-AF65-F5344CB8AC3E}">
-        <p14:creationId xmlns:p14="http://schemas.microsoft.com/office/powerpoint/2010/main" val="4147063911"/>
+        <p14:creationId xmlns:p14="http://schemas.microsoft.com/office/powerpoint/2010/main" val="4217063337"/>
       </p:ext>
     </p:extLst>
   </p:cSld>
@@ -27028,10 +26873,10 @@
                                           </p:stCondLst>
                                         </p:cTn>
                                         <p:tgtEl>
-                                          <p:spTgt spid="5">
-                                            <p:graphicEl>
-                                              <a:dgm id="{5CE9E46A-A270-4320-BAC8-4040DA667647}"/>
-                                            </p:graphicEl>
+                                          <p:spTgt spid="2">
+                                            <p:txEl>
+                                              <p:pRg st="0" end="0"/>
+                                            </p:txEl>
                                           </p:spTgt>
                                         </p:tgtEl>
                                         <p:attrNameLst>
@@ -27077,41 +26922,10 @@
                                           </p:stCondLst>
                                         </p:cTn>
                                         <p:tgtEl>
-                                          <p:spTgt spid="5">
-                                            <p:graphicEl>
-                                              <a:dgm id="{4C29F58F-00D9-43F6-8D88-025F6A292C3F}"/>
-                                            </p:graphicEl>
-                                          </p:spTgt>
-                                        </p:tgtEl>
-                                        <p:attrNameLst>
-                                          <p:attrName>style.visibility</p:attrName>
-                                        </p:attrNameLst>
-                                      </p:cBhvr>
-                                      <p:to>
-                                        <p:strVal val="visible"/>
-                                      </p:to>
-                                    </p:set>
-                                  </p:childTnLst>
-                                </p:cTn>
-                              </p:par>
-                              <p:par>
-                                <p:cTn id="11" presetID="1" presetClass="entr" presetSubtype="0" fill="hold" grpId="0" nodeType="withEffect">
-                                  <p:stCondLst>
-                                    <p:cond delay="0"/>
-                                  </p:stCondLst>
-                                  <p:childTnLst>
-                                    <p:set>
-                                      <p:cBhvr>
-                                        <p:cTn id="12" dur="1" fill="hold">
-                                          <p:stCondLst>
-                                            <p:cond delay="0"/>
-                                          </p:stCondLst>
-                                        </p:cTn>
-                                        <p:tgtEl>
-                                          <p:spTgt spid="5">
-                                            <p:graphicEl>
-                                              <a:dgm id="{31A3DF99-8659-406C-BEE7-F39AD2297B83}"/>
-                                            </p:graphicEl>
+                                          <p:spTgt spid="2">
+                                            <p:txEl>
+                                              <p:pRg st="2" end="2"/>
+                                            </p:txEl>
                                           </p:spTgt>
                                         </p:tgtEl>
                                         <p:attrNameLst>
@@ -27132,35 +26946,35 @@
                     </p:cTn>
                   </p:par>
                   <p:par>
-                    <p:cTn id="13" fill="hold">
+                    <p:cTn id="11" fill="hold">
                       <p:stCondLst>
                         <p:cond delay="indefinite"/>
                       </p:stCondLst>
                       <p:childTnLst>
                         <p:par>
-                          <p:cTn id="14" fill="hold">
+                          <p:cTn id="12" fill="hold">
                             <p:stCondLst>
                               <p:cond delay="0"/>
                             </p:stCondLst>
                             <p:childTnLst>
                               <p:par>
-                                <p:cTn id="15" presetID="1" presetClass="entr" presetSubtype="0" fill="hold" grpId="0" nodeType="clickEffect">
+                                <p:cTn id="13" presetID="1" presetClass="entr" presetSubtype="0" fill="hold" grpId="0" nodeType="clickEffect">
                                   <p:stCondLst>
                                     <p:cond delay="0"/>
                                   </p:stCondLst>
                                   <p:childTnLst>
                                     <p:set>
                                       <p:cBhvr>
-                                        <p:cTn id="16" dur="1" fill="hold">
+                                        <p:cTn id="14" dur="1" fill="hold">
                                           <p:stCondLst>
                                             <p:cond delay="0"/>
                                           </p:stCondLst>
                                         </p:cTn>
                                         <p:tgtEl>
-                                          <p:spTgt spid="5">
-                                            <p:graphicEl>
-                                              <a:dgm id="{87B76314-E5F3-4C3D-9A52-689AB841A118}"/>
-                                            </p:graphicEl>
+                                          <p:spTgt spid="2">
+                                            <p:txEl>
+                                              <p:pRg st="3" end="3"/>
+                                            </p:txEl>
                                           </p:spTgt>
                                         </p:tgtEl>
                                         <p:attrNameLst>
@@ -27174,8 +26988,26 @@
                                   </p:childTnLst>
                                 </p:cTn>
                               </p:par>
+                            </p:childTnLst>
+                          </p:cTn>
+                        </p:par>
+                      </p:childTnLst>
+                    </p:cTn>
+                  </p:par>
+                  <p:par>
+                    <p:cTn id="15" fill="hold">
+                      <p:stCondLst>
+                        <p:cond delay="indefinite"/>
+                      </p:stCondLst>
+                      <p:childTnLst>
+                        <p:par>
+                          <p:cTn id="16" fill="hold">
+                            <p:stCondLst>
+                              <p:cond delay="0"/>
+                            </p:stCondLst>
+                            <p:childTnLst>
                               <p:par>
-                                <p:cTn id="17" presetID="1" presetClass="entr" presetSubtype="0" fill="hold" grpId="0" nodeType="withEffect">
+                                <p:cTn id="17" presetID="1" presetClass="entr" presetSubtype="0" fill="hold" grpId="0" nodeType="clickEffect">
                                   <p:stCondLst>
                                     <p:cond delay="0"/>
                                   </p:stCondLst>
@@ -27188,10 +27020,10 @@
                                           </p:stCondLst>
                                         </p:cTn>
                                         <p:tgtEl>
-                                          <p:spTgt spid="5">
-                                            <p:graphicEl>
-                                              <a:dgm id="{3249EC3E-C3A9-4AD5-A894-47E93FED7D96}"/>
-                                            </p:graphicEl>
+                                          <p:spTgt spid="2">
+                                            <p:txEl>
+                                              <p:pRg st="4" end="4"/>
+                                            </p:txEl>
                                           </p:spTgt>
                                         </p:tgtEl>
                                         <p:attrNameLst>
@@ -27237,87 +27069,11 @@
                                           </p:stCondLst>
                                         </p:cTn>
                                         <p:tgtEl>
-                                          <p:spTgt spid="5">
-                                            <p:graphicEl>
-                                              <a:dgm id="{ECB5DE8D-14F8-45E6-AE84-C80B4B780DF7}"/>
-                                            </p:graphicEl>
+                                          <p:spTgt spid="2">
+                                            <p:txEl>
+                                              <p:pRg st="5" end="5"/>
+                                            </p:txEl>
                                           </p:spTgt>
-                                        </p:tgtEl>
-                                        <p:attrNameLst>
-                                          <p:attrName>style.visibility</p:attrName>
-                                        </p:attrNameLst>
-                                      </p:cBhvr>
-                                      <p:to>
-                                        <p:strVal val="visible"/>
-                                      </p:to>
-                                    </p:set>
-                                  </p:childTnLst>
-                                </p:cTn>
-                              </p:par>
-                              <p:par>
-                                <p:cTn id="23" presetID="1" presetClass="entr" presetSubtype="0" fill="hold" grpId="0" nodeType="withEffect">
-                                  <p:stCondLst>
-                                    <p:cond delay="0"/>
-                                  </p:stCondLst>
-                                  <p:childTnLst>
-                                    <p:set>
-                                      <p:cBhvr>
-                                        <p:cTn id="24" dur="1" fill="hold">
-                                          <p:stCondLst>
-                                            <p:cond delay="0"/>
-                                          </p:stCondLst>
-                                        </p:cTn>
-                                        <p:tgtEl>
-                                          <p:spTgt spid="5">
-                                            <p:graphicEl>
-                                              <a:dgm id="{45C214AA-913B-4D9D-9BF7-794B9B2AAB9F}"/>
-                                            </p:graphicEl>
-                                          </p:spTgt>
-                                        </p:tgtEl>
-                                        <p:attrNameLst>
-                                          <p:attrName>style.visibility</p:attrName>
-                                        </p:attrNameLst>
-                                      </p:cBhvr>
-                                      <p:to>
-                                        <p:strVal val="visible"/>
-                                      </p:to>
-                                    </p:set>
-                                  </p:childTnLst>
-                                </p:cTn>
-                              </p:par>
-                            </p:childTnLst>
-                          </p:cTn>
-                        </p:par>
-                      </p:childTnLst>
-                    </p:cTn>
-                  </p:par>
-                  <p:par>
-                    <p:cTn id="25" fill="hold">
-                      <p:stCondLst>
-                        <p:cond delay="indefinite"/>
-                      </p:stCondLst>
-                      <p:childTnLst>
-                        <p:par>
-                          <p:cTn id="26" fill="hold">
-                            <p:stCondLst>
-                              <p:cond delay="0"/>
-                            </p:stCondLst>
-                            <p:childTnLst>
-                              <p:par>
-                                <p:cTn id="27" presetID="1" presetClass="entr" presetSubtype="0" fill="hold" grpId="0" nodeType="clickEffect">
-                                  <p:stCondLst>
-                                    <p:cond delay="0"/>
-                                  </p:stCondLst>
-                                  <p:childTnLst>
-                                    <p:set>
-                                      <p:cBhvr>
-                                        <p:cTn id="28" dur="1" fill="hold">
-                                          <p:stCondLst>
-                                            <p:cond delay="0"/>
-                                          </p:stCondLst>
-                                        </p:cTn>
-                                        <p:tgtEl>
-                                          <p:spTgt spid="9"/>
                                         </p:tgtEl>
                                         <p:attrNameLst>
                                           <p:attrName>style.visibility</p:attrName>
@@ -27358,12 +27114,7 @@
       </p:par>
     </p:tnLst>
     <p:bldLst>
-      <p:bldGraphic spid="5" grpId="0">
-        <p:bldSub>
-          <a:bldDgm bld="lvlOne"/>
-        </p:bldSub>
-      </p:bldGraphic>
-      <p:bldP spid="9" grpId="0" animBg="1"/>
+      <p:bldP spid="2" grpId="0" uiExpand="1" build="p"/>
     </p:bldLst>
   </p:timing>
 </p:sld>
@@ -27386,99 +27137,6 @@
           <a:chExt cx="0" cy="0"/>
         </a:xfrm>
       </p:grpSpPr>
-      <p:sp>
-        <p:nvSpPr>
-          <p:cNvPr id="2" name="Inhaltsplatzhalter 1">
-            <a:extLst>
-              <a:ext uri="{FF2B5EF4-FFF2-40B4-BE49-F238E27FC236}">
-                <a16:creationId xmlns:a16="http://schemas.microsoft.com/office/drawing/2014/main" id="{CCB24830-1F4C-428D-9214-7C8500A3F887}"/>
-              </a:ext>
-            </a:extLst>
-          </p:cNvPr>
-          <p:cNvSpPr>
-            <a:spLocks noGrp="1"/>
-          </p:cNvSpPr>
-          <p:nvPr>
-            <p:ph idx="10"/>
-          </p:nvPr>
-        </p:nvSpPr>
-        <p:spPr>
-          <a:xfrm>
-            <a:off x="319088" y="1978720"/>
-            <a:ext cx="8617522" cy="3762204"/>
-          </a:xfrm>
-        </p:spPr>
-        <p:txBody>
-          <a:bodyPr/>
-          <a:lstStyle/>
-          <a:p>
-            <a:r>
-              <a:rPr lang="en-US" sz="2000" dirty="0"/>
-              <a:t>Introducing a DNN into the front-end of a TTS-System</a:t>
-            </a:r>
-          </a:p>
-          <a:p>
-            <a:endParaRPr lang="en-US" dirty="0"/>
-          </a:p>
-          <a:p>
-            <a:pPr marL="342900" indent="-342900">
-              <a:buAutoNum type="arabicPeriod"/>
-              <a:tabLst>
-                <a:tab pos="3233738" algn="l"/>
-              </a:tabLst>
-            </a:pPr>
-            <a:r>
-              <a:rPr lang="en-US" dirty="0"/>
-              <a:t>Syllabification (SYL)		extraction of syllables</a:t>
-            </a:r>
-          </a:p>
-          <a:p>
-            <a:pPr marL="342900" indent="-342900">
-              <a:buAutoNum type="arabicPeriod"/>
-            </a:pPr>
-            <a:endParaRPr lang="en-US" dirty="0"/>
-          </a:p>
-          <a:p>
-            <a:pPr marL="342900" indent="-342900">
-              <a:buAutoNum type="arabicPeriod"/>
-            </a:pPr>
-            <a:r>
-              <a:rPr lang="en-US" dirty="0"/>
-              <a:t>Phonetic transcription (PT)	extraction of phonemes</a:t>
-            </a:r>
-          </a:p>
-          <a:p>
-            <a:pPr marL="342900" indent="-342900">
-              <a:buAutoNum type="arabicPeriod"/>
-            </a:pPr>
-            <a:endParaRPr lang="en-US" dirty="0"/>
-          </a:p>
-          <a:p>
-            <a:pPr marL="342900" indent="-342900">
-              <a:buAutoNum type="arabicPeriod"/>
-            </a:pPr>
-            <a:r>
-              <a:rPr lang="en-US" dirty="0"/>
-              <a:t>Part-of-speech tagging (POT)	assigning each word a unified tag</a:t>
-            </a:r>
-          </a:p>
-          <a:p>
-            <a:pPr marL="342900" indent="-342900">
-              <a:buAutoNum type="arabicPeriod"/>
-            </a:pPr>
-            <a:endParaRPr lang="en-US" dirty="0"/>
-          </a:p>
-          <a:p>
-            <a:pPr marL="342900" indent="-342900">
-              <a:buAutoNum type="arabicPeriod"/>
-            </a:pPr>
-            <a:r>
-              <a:rPr lang="en-US" dirty="0"/>
-              <a:t>Lexical stress prediction (LSP)	decision when to stress a syllable</a:t>
-            </a:r>
-          </a:p>
-        </p:txBody>
-      </p:sp>
       <p:sp>
         <p:nvSpPr>
           <p:cNvPr id="3" name="Foliennummernplatzhalter 2">
@@ -27536,99 +27194,6 @@
           <a:lstStyle/>
           <a:p>
             <a:r>
-              <a:rPr lang="en-US" dirty="0"/>
-              <a:t>One Approach to Decrease the Footprint Size</a:t>
-            </a:r>
-          </a:p>
-        </p:txBody>
-      </p:sp>
-    </p:spTree>
-    <p:extLst>
-      <p:ext uri="{BB962C8B-B14F-4D97-AF65-F5344CB8AC3E}">
-        <p14:creationId xmlns:p14="http://schemas.microsoft.com/office/powerpoint/2010/main" val="4217063337"/>
-      </p:ext>
-    </p:extLst>
-  </p:cSld>
-  <p:clrMapOvr>
-    <a:masterClrMapping/>
-  </p:clrMapOvr>
-</p:sld>
-</file>
-
-<file path=ppt/slides/slide17.xml><?xml version="1.0" encoding="utf-8"?>
-<p:sld xmlns:a="http://schemas.openxmlformats.org/drawingml/2006/main" xmlns:r="http://schemas.openxmlformats.org/officeDocument/2006/relationships" xmlns:p="http://schemas.openxmlformats.org/presentationml/2006/main">
-  <p:cSld>
-    <p:spTree>
-      <p:nvGrpSpPr>
-        <p:cNvPr id="1" name=""/>
-        <p:cNvGrpSpPr/>
-        <p:nvPr/>
-      </p:nvGrpSpPr>
-      <p:grpSpPr>
-        <a:xfrm>
-          <a:off x="0" y="0"/>
-          <a:ext cx="0" cy="0"/>
-          <a:chOff x="0" y="0"/>
-          <a:chExt cx="0" cy="0"/>
-        </a:xfrm>
-      </p:grpSpPr>
-      <p:sp>
-        <p:nvSpPr>
-          <p:cNvPr id="3" name="Foliennummernplatzhalter 2">
-            <a:extLst>
-              <a:ext uri="{FF2B5EF4-FFF2-40B4-BE49-F238E27FC236}">
-                <a16:creationId xmlns:a16="http://schemas.microsoft.com/office/drawing/2014/main" id="{6C810AEA-BBE2-44B1-88DD-478EA67CF34D}"/>
-              </a:ext>
-            </a:extLst>
-          </p:cNvPr>
-          <p:cNvSpPr>
-            <a:spLocks noGrp="1"/>
-          </p:cNvSpPr>
-          <p:nvPr>
-            <p:ph type="sldNum" sz="quarter" idx="11"/>
-          </p:nvPr>
-        </p:nvSpPr>
-        <p:spPr/>
-        <p:txBody>
-          <a:bodyPr/>
-          <a:lstStyle/>
-          <a:p>
-            <a:fld id="{CE58CB1E-F828-4F11-99E0-327109AF9DA4}" type="slidenum">
-              <a:rPr lang="de-DE" smtClean="0"/>
-              <a:pPr/>
-              <a:t>17</a:t>
-            </a:fld>
-            <a:endParaRPr lang="de-DE" dirty="0"/>
-          </a:p>
-        </p:txBody>
-      </p:sp>
-      <p:sp>
-        <p:nvSpPr>
-          <p:cNvPr id="4" name="Titel 3">
-            <a:extLst>
-              <a:ext uri="{FF2B5EF4-FFF2-40B4-BE49-F238E27FC236}">
-                <a16:creationId xmlns:a16="http://schemas.microsoft.com/office/drawing/2014/main" id="{A25736C8-94FE-4213-9737-485C428229B7}"/>
-              </a:ext>
-            </a:extLst>
-          </p:cNvPr>
-          <p:cNvSpPr>
-            <a:spLocks noGrp="1"/>
-          </p:cNvSpPr>
-          <p:nvPr>
-            <p:ph type="title"/>
-          </p:nvPr>
-        </p:nvSpPr>
-        <p:spPr>
-          <a:xfrm>
-            <a:off x="319090" y="994334"/>
-            <a:ext cx="8508999" cy="410369"/>
-          </a:xfrm>
-        </p:spPr>
-        <p:txBody>
-          <a:bodyPr/>
-          <a:lstStyle/>
-          <a:p>
-            <a:r>
               <a:rPr lang="de-DE" dirty="0" err="1"/>
               <a:t>Results</a:t>
             </a:r>
@@ -27662,7 +27227,7 @@
         </p:nvSpPr>
         <p:spPr>
           <a:xfrm>
-            <a:off x="2650460" y="2602788"/>
+            <a:off x="2650460" y="2280056"/>
             <a:ext cx="3087961" cy="210507"/>
           </a:xfrm>
           <a:prstGeom prst="rect">
@@ -27710,7 +27275,7 @@
         </p:nvSpPr>
         <p:spPr>
           <a:xfrm>
-            <a:off x="882427" y="4685117"/>
+            <a:off x="882427" y="4362385"/>
             <a:ext cx="6624025" cy="268984"/>
           </a:xfrm>
           <a:prstGeom prst="rect">
@@ -27808,13 +27373,13 @@
           <p:nvPr>
             <p:extLst>
               <p:ext uri="{D42A27DB-BD31-4B8C-83A1-F6EECF244321}">
-                <p14:modId xmlns:p14="http://schemas.microsoft.com/office/powerpoint/2010/main" val="920047950"/>
+                <p14:modId xmlns:p14="http://schemas.microsoft.com/office/powerpoint/2010/main" val="1120022418"/>
               </p:ext>
             </p:extLst>
           </p:nvPr>
         </p:nvGraphicFramePr>
         <p:xfrm>
-          <a:off x="343589" y="2856519"/>
+          <a:off x="343589" y="2533787"/>
           <a:ext cx="8460000" cy="1750191"/>
         </p:xfrm>
         <a:graphic>
@@ -28525,7 +28090,7 @@
         </p:nvGrpSpPr>
         <p:grpSpPr>
           <a:xfrm>
-            <a:off x="2540352" y="3298518"/>
+            <a:off x="2540352" y="2975786"/>
             <a:ext cx="6212435" cy="1386599"/>
             <a:chOff x="2540352" y="3505911"/>
             <a:chExt cx="6212435" cy="1386599"/>
@@ -28776,6 +28341,417 @@
           </p:txBody>
         </p:sp>
       </p:grpSp>
+      <p:sp>
+        <p:nvSpPr>
+          <p:cNvPr id="12" name="Inhaltsplatzhalter 1">
+            <a:extLst>
+              <a:ext uri="{FF2B5EF4-FFF2-40B4-BE49-F238E27FC236}">
+                <a16:creationId xmlns:a16="http://schemas.microsoft.com/office/drawing/2014/main" id="{180FC9E3-B630-403D-A2CB-7E917AC8E112}"/>
+              </a:ext>
+            </a:extLst>
+          </p:cNvPr>
+          <p:cNvSpPr>
+            <a:spLocks noGrp="1"/>
+          </p:cNvSpPr>
+          <p:nvPr>
+            <p:ph idx="10"/>
+          </p:nvPr>
+        </p:nvSpPr>
+        <p:spPr>
+          <a:xfrm>
+            <a:off x="319088" y="5249731"/>
+            <a:ext cx="8508999" cy="790630"/>
+          </a:xfrm>
+        </p:spPr>
+        <p:txBody>
+          <a:bodyPr/>
+          <a:lstStyle/>
+          <a:p>
+            <a:pPr algn="ctr">
+              <a:lnSpc>
+                <a:spcPct val="200000"/>
+              </a:lnSpc>
+            </a:pPr>
+            <a:r>
+              <a:rPr lang="de-DE" sz="2000" dirty="0">
+                <a:solidFill>
+                  <a:schemeClr val="tx1"/>
+                </a:solidFill>
+              </a:rPr>
+              <a:t>Overall </a:t>
+            </a:r>
+            <a:r>
+              <a:rPr lang="de-DE" sz="2000" dirty="0" err="1">
+                <a:solidFill>
+                  <a:schemeClr val="tx1"/>
+                </a:solidFill>
+              </a:rPr>
+              <a:t>reduction</a:t>
+            </a:r>
+            <a:r>
+              <a:rPr lang="de-DE" sz="2000" dirty="0">
+                <a:solidFill>
+                  <a:schemeClr val="tx1"/>
+                </a:solidFill>
+              </a:rPr>
+              <a:t> </a:t>
+            </a:r>
+            <a:r>
+              <a:rPr lang="de-DE" sz="2000" dirty="0" err="1">
+                <a:solidFill>
+                  <a:schemeClr val="tx1"/>
+                </a:solidFill>
+              </a:rPr>
+              <a:t>of</a:t>
+            </a:r>
+            <a:r>
+              <a:rPr lang="de-DE" sz="2000" dirty="0">
+                <a:solidFill>
+                  <a:schemeClr val="tx1"/>
+                </a:solidFill>
+              </a:rPr>
+              <a:t> </a:t>
+            </a:r>
+            <a:r>
+              <a:rPr lang="de-DE" sz="2000" dirty="0" err="1">
+                <a:solidFill>
+                  <a:schemeClr val="tx1"/>
+                </a:solidFill>
+              </a:rPr>
+              <a:t>model</a:t>
+            </a:r>
+            <a:r>
+              <a:rPr lang="de-DE" sz="2000" dirty="0">
+                <a:solidFill>
+                  <a:schemeClr val="tx1"/>
+                </a:solidFill>
+              </a:rPr>
+              <a:t> </a:t>
+            </a:r>
+            <a:r>
+              <a:rPr lang="de-DE" sz="2000" dirty="0" err="1">
+                <a:solidFill>
+                  <a:schemeClr val="tx1"/>
+                </a:solidFill>
+              </a:rPr>
+              <a:t>size</a:t>
+            </a:r>
+            <a:r>
+              <a:rPr lang="de-DE" sz="2000" dirty="0">
+                <a:solidFill>
+                  <a:schemeClr val="tx1"/>
+                </a:solidFill>
+              </a:rPr>
+              <a:t> </a:t>
+            </a:r>
+            <a:r>
+              <a:rPr lang="de-DE" sz="2000" dirty="0" err="1">
+                <a:solidFill>
+                  <a:schemeClr val="tx1"/>
+                </a:solidFill>
+              </a:rPr>
+              <a:t>by</a:t>
+            </a:r>
+            <a:r>
+              <a:rPr lang="de-DE" sz="2000" dirty="0">
+                <a:solidFill>
+                  <a:schemeClr val="tx1"/>
+                </a:solidFill>
+              </a:rPr>
+              <a:t> ~ 60 %</a:t>
+            </a:r>
+            <a:endParaRPr lang="de-DE" sz="1800" dirty="0">
+              <a:solidFill>
+                <a:schemeClr val="tx1"/>
+              </a:solidFill>
+            </a:endParaRPr>
+          </a:p>
+        </p:txBody>
+      </p:sp>
+      <p:sp>
+        <p:nvSpPr>
+          <p:cNvPr id="2" name="Gleichschenkliges Dreieck 1">
+            <a:extLst>
+              <a:ext uri="{FF2B5EF4-FFF2-40B4-BE49-F238E27FC236}">
+                <a16:creationId xmlns:a16="http://schemas.microsoft.com/office/drawing/2014/main" id="{13F9C09C-0237-4A83-B572-307EC6EEA9E6}"/>
+              </a:ext>
+            </a:extLst>
+          </p:cNvPr>
+          <p:cNvSpPr/>
+          <p:nvPr/>
+        </p:nvSpPr>
+        <p:spPr>
+          <a:xfrm rot="10800000">
+            <a:off x="2694791" y="4860177"/>
+            <a:ext cx="3754419" cy="462578"/>
+          </a:xfrm>
+          <a:prstGeom prst="triangle">
+            <a:avLst/>
+          </a:prstGeom>
+          <a:solidFill>
+            <a:srgbClr val="0065BD"/>
+          </a:solidFill>
+          <a:ln>
+            <a:noFill/>
+          </a:ln>
+        </p:spPr>
+        <p:style>
+          <a:lnRef idx="2">
+            <a:schemeClr val="accent1">
+              <a:shade val="50000"/>
+            </a:schemeClr>
+          </a:lnRef>
+          <a:fillRef idx="1">
+            <a:schemeClr val="accent1"/>
+          </a:fillRef>
+          <a:effectRef idx="0">
+            <a:schemeClr val="accent1"/>
+          </a:effectRef>
+          <a:fontRef idx="minor">
+            <a:schemeClr val="lt1"/>
+          </a:fontRef>
+        </p:style>
+        <p:txBody>
+          <a:bodyPr rot="0" spcFirstLastPara="0" vertOverflow="overflow" horzOverflow="overflow" vert="horz" wrap="square" lIns="91440" tIns="45720" rIns="91440" bIns="45720" numCol="1" spcCol="0" rtlCol="0" fromWordArt="0" anchor="t" anchorCtr="0" forceAA="0" compatLnSpc="1">
+            <a:prstTxWarp prst="textNoShape">
+              <a:avLst/>
+            </a:prstTxWarp>
+            <a:noAutofit/>
+          </a:bodyPr>
+          <a:lstStyle/>
+          <a:p>
+            <a:pPr algn="ctr">
+              <a:lnSpc>
+                <a:spcPct val="114000"/>
+              </a:lnSpc>
+            </a:pPr>
+            <a:endParaRPr lang="en-US" dirty="0"/>
+          </a:p>
+        </p:txBody>
+      </p:sp>
+      <p:sp>
+        <p:nvSpPr>
+          <p:cNvPr id="16" name="Inhaltsplatzhalter 1">
+            <a:extLst>
+              <a:ext uri="{FF2B5EF4-FFF2-40B4-BE49-F238E27FC236}">
+                <a16:creationId xmlns:a16="http://schemas.microsoft.com/office/drawing/2014/main" id="{DD92E1B4-2637-43F7-B525-8FBE670C9854}"/>
+              </a:ext>
+            </a:extLst>
+          </p:cNvPr>
+          <p:cNvSpPr txBox="1">
+            <a:spLocks/>
+          </p:cNvSpPr>
+          <p:nvPr/>
+        </p:nvSpPr>
+        <p:spPr>
+          <a:xfrm>
+            <a:off x="7131754" y="5949464"/>
+            <a:ext cx="1861639" cy="480451"/>
+          </a:xfrm>
+          <a:prstGeom prst="rect">
+            <a:avLst/>
+          </a:prstGeom>
+          <a:noFill/>
+          <a:ln w="9525">
+            <a:noFill/>
+            <a:miter lim="800000"/>
+            <a:headEnd/>
+            <a:tailEnd/>
+          </a:ln>
+        </p:spPr>
+        <p:txBody>
+          <a:bodyPr vert="horz" wrap="square" lIns="0" tIns="0" rIns="0" bIns="0" numCol="1" anchor="t" anchorCtr="0" compatLnSpc="1">
+            <a:prstTxWarp prst="textNoShape">
+              <a:avLst/>
+            </a:prstTxWarp>
+          </a:bodyPr>
+          <a:lstStyle>
+            <a:lvl1pPr algn="l" rtl="0" eaLnBrk="0" fontAlgn="base" hangingPunct="0">
+              <a:lnSpc>
+                <a:spcPct val="150000"/>
+              </a:lnSpc>
+              <a:spcBef>
+                <a:spcPct val="0"/>
+              </a:spcBef>
+              <a:spcAft>
+                <a:spcPct val="0"/>
+              </a:spcAft>
+              <a:defRPr lang="de-DE" sz="1600" kern="1200" baseline="0" noProof="0" dirty="0" smtClean="0">
+                <a:solidFill>
+                  <a:srgbClr val="000000"/>
+                </a:solidFill>
+                <a:latin typeface="+mn-lt"/>
+                <a:ea typeface="+mn-ea"/>
+                <a:cs typeface="+mn-cs"/>
+              </a:defRPr>
+            </a:lvl1pPr>
+            <a:lvl2pPr marL="176213" indent="-176213" algn="l" rtl="0" eaLnBrk="0" fontAlgn="base" hangingPunct="0">
+              <a:lnSpc>
+                <a:spcPct val="100000"/>
+              </a:lnSpc>
+              <a:spcBef>
+                <a:spcPct val="0"/>
+              </a:spcBef>
+              <a:spcAft>
+                <a:spcPct val="0"/>
+              </a:spcAft>
+              <a:buFont typeface="Arial" charset="0"/>
+              <a:buChar char="•"/>
+              <a:defRPr lang="de-DE" sz="1600" kern="1200" noProof="0" dirty="0" smtClean="0">
+                <a:solidFill>
+                  <a:schemeClr val="tx1"/>
+                </a:solidFill>
+                <a:latin typeface="+mn-lt"/>
+                <a:ea typeface="+mn-ea"/>
+                <a:cs typeface="+mn-cs"/>
+              </a:defRPr>
+            </a:lvl2pPr>
+            <a:lvl3pPr marL="360363" indent="-184150" algn="l" rtl="0" eaLnBrk="0" fontAlgn="base" hangingPunct="0">
+              <a:lnSpc>
+                <a:spcPct val="125000"/>
+              </a:lnSpc>
+              <a:spcBef>
+                <a:spcPct val="0"/>
+              </a:spcBef>
+              <a:spcAft>
+                <a:spcPct val="0"/>
+              </a:spcAft>
+              <a:buFont typeface="Symbol" pitchFamily="18" charset="2"/>
+              <a:buChar char="-"/>
+              <a:defRPr sz="1400" kern="1200">
+                <a:solidFill>
+                  <a:schemeClr val="tx1"/>
+                </a:solidFill>
+                <a:latin typeface="+mn-lt"/>
+                <a:ea typeface="+mn-ea"/>
+                <a:cs typeface="+mn-cs"/>
+              </a:defRPr>
+            </a:lvl3pPr>
+            <a:lvl4pPr marL="538163" indent="-177800" algn="l" rtl="0" eaLnBrk="0" fontAlgn="base" hangingPunct="0">
+              <a:lnSpc>
+                <a:spcPct val="125000"/>
+              </a:lnSpc>
+              <a:spcBef>
+                <a:spcPct val="0"/>
+              </a:spcBef>
+              <a:spcAft>
+                <a:spcPct val="0"/>
+              </a:spcAft>
+              <a:buFont typeface="Symbol" pitchFamily="18" charset="2"/>
+              <a:buChar char="-"/>
+              <a:defRPr sz="1400" kern="1200">
+                <a:solidFill>
+                  <a:schemeClr val="tx1"/>
+                </a:solidFill>
+                <a:latin typeface="+mn-lt"/>
+                <a:ea typeface="+mn-ea"/>
+                <a:cs typeface="+mn-cs"/>
+              </a:defRPr>
+            </a:lvl4pPr>
+            <a:lvl5pPr marL="714375" indent="-176213" algn="l" rtl="0" eaLnBrk="0" fontAlgn="base" hangingPunct="0">
+              <a:lnSpc>
+                <a:spcPct val="125000"/>
+              </a:lnSpc>
+              <a:spcBef>
+                <a:spcPct val="0"/>
+              </a:spcBef>
+              <a:spcAft>
+                <a:spcPct val="0"/>
+              </a:spcAft>
+              <a:buFont typeface="Symbol" pitchFamily="18" charset="2"/>
+              <a:buChar char="-"/>
+              <a:defRPr sz="1400" kern="1200">
+                <a:solidFill>
+                  <a:schemeClr val="tx1"/>
+                </a:solidFill>
+                <a:latin typeface="+mn-lt"/>
+                <a:ea typeface="+mn-ea"/>
+                <a:cs typeface="+mn-cs"/>
+              </a:defRPr>
+            </a:lvl5pPr>
+            <a:lvl6pPr marL="2514600" indent="-228600" algn="l" defTabSz="914400" rtl="0" eaLnBrk="1" latinLnBrk="0" hangingPunct="1">
+              <a:spcBef>
+                <a:spcPct val="20000"/>
+              </a:spcBef>
+              <a:buFont typeface="Arial" pitchFamily="34" charset="0"/>
+              <a:buChar char="•"/>
+              <a:defRPr sz="2000" kern="1200">
+                <a:solidFill>
+                  <a:schemeClr val="tx1"/>
+                </a:solidFill>
+                <a:latin typeface="+mn-lt"/>
+                <a:ea typeface="+mn-ea"/>
+                <a:cs typeface="+mn-cs"/>
+              </a:defRPr>
+            </a:lvl6pPr>
+            <a:lvl7pPr marL="2971800" indent="-228600" algn="l" defTabSz="914400" rtl="0" eaLnBrk="1" latinLnBrk="0" hangingPunct="1">
+              <a:spcBef>
+                <a:spcPct val="20000"/>
+              </a:spcBef>
+              <a:buFont typeface="Arial" pitchFamily="34" charset="0"/>
+              <a:buChar char="•"/>
+              <a:defRPr sz="2000" kern="1200">
+                <a:solidFill>
+                  <a:schemeClr val="tx1"/>
+                </a:solidFill>
+                <a:latin typeface="+mn-lt"/>
+                <a:ea typeface="+mn-ea"/>
+                <a:cs typeface="+mn-cs"/>
+              </a:defRPr>
+            </a:lvl7pPr>
+            <a:lvl8pPr marL="3429000" indent="-228600" algn="l" defTabSz="914400" rtl="0" eaLnBrk="1" latinLnBrk="0" hangingPunct="1">
+              <a:spcBef>
+                <a:spcPct val="20000"/>
+              </a:spcBef>
+              <a:buFont typeface="Arial" pitchFamily="34" charset="0"/>
+              <a:buChar char="•"/>
+              <a:defRPr sz="2000" kern="1200">
+                <a:solidFill>
+                  <a:schemeClr val="tx1"/>
+                </a:solidFill>
+                <a:latin typeface="+mn-lt"/>
+                <a:ea typeface="+mn-ea"/>
+                <a:cs typeface="+mn-cs"/>
+              </a:defRPr>
+            </a:lvl8pPr>
+            <a:lvl9pPr marL="3886200" indent="-228600" algn="l" defTabSz="914400" rtl="0" eaLnBrk="1" latinLnBrk="0" hangingPunct="1">
+              <a:spcBef>
+                <a:spcPct val="20000"/>
+              </a:spcBef>
+              <a:buFont typeface="Arial" pitchFamily="34" charset="0"/>
+              <a:buChar char="•"/>
+              <a:defRPr sz="2000" kern="1200">
+                <a:solidFill>
+                  <a:schemeClr val="tx1"/>
+                </a:solidFill>
+                <a:latin typeface="+mn-lt"/>
+                <a:ea typeface="+mn-ea"/>
+                <a:cs typeface="+mn-cs"/>
+              </a:defRPr>
+            </a:lvl9pPr>
+          </a:lstStyle>
+          <a:p>
+            <a:pPr>
+              <a:lnSpc>
+                <a:spcPct val="200000"/>
+              </a:lnSpc>
+            </a:pPr>
+            <a:r>
+              <a:rPr lang="en-US" sz="1400" dirty="0">
+                <a:solidFill>
+                  <a:schemeClr val="tx1"/>
+                </a:solidFill>
+              </a:rPr>
+              <a:t>Con. = Conventional</a:t>
+            </a:r>
+            <a:endParaRPr lang="en-US" sz="1200" dirty="0">
+              <a:solidFill>
+                <a:schemeClr val="tx1"/>
+              </a:solidFill>
+            </a:endParaRPr>
+          </a:p>
+        </p:txBody>
+      </p:sp>
     </p:spTree>
     <p:extLst>
       <p:ext uri="{BB962C8B-B14F-4D97-AF65-F5344CB8AC3E}">
@@ -28839,6 +28815,82 @@
                       </p:childTnLst>
                     </p:cTn>
                   </p:par>
+                  <p:par>
+                    <p:cTn id="7" fill="hold">
+                      <p:stCondLst>
+                        <p:cond delay="indefinite"/>
+                      </p:stCondLst>
+                      <p:childTnLst>
+                        <p:par>
+                          <p:cTn id="8" fill="hold">
+                            <p:stCondLst>
+                              <p:cond delay="0"/>
+                            </p:stCondLst>
+                            <p:childTnLst>
+                              <p:par>
+                                <p:cTn id="9" presetID="1" presetClass="entr" presetSubtype="0" fill="hold" grpId="0" nodeType="clickEffect">
+                                  <p:stCondLst>
+                                    <p:cond delay="0"/>
+                                  </p:stCondLst>
+                                  <p:childTnLst>
+                                    <p:set>
+                                      <p:cBhvr>
+                                        <p:cTn id="10" dur="1" fill="hold">
+                                          <p:stCondLst>
+                                            <p:cond delay="0"/>
+                                          </p:stCondLst>
+                                        </p:cTn>
+                                        <p:tgtEl>
+                                          <p:spTgt spid="12">
+                                            <p:txEl>
+                                              <p:pRg st="0" end="0"/>
+                                            </p:txEl>
+                                          </p:spTgt>
+                                        </p:tgtEl>
+                                        <p:attrNameLst>
+                                          <p:attrName>style.visibility</p:attrName>
+                                        </p:attrNameLst>
+                                      </p:cBhvr>
+                                      <p:to>
+                                        <p:strVal val="visible"/>
+                                      </p:to>
+                                    </p:set>
+                                  </p:childTnLst>
+                                </p:cTn>
+                              </p:par>
+                              <p:par>
+                                <p:cTn id="11" presetID="1" presetClass="entr" presetSubtype="0" fill="hold" grpId="0" nodeType="withEffect">
+                                  <p:stCondLst>
+                                    <p:cond delay="0"/>
+                                  </p:stCondLst>
+                                  <p:childTnLst>
+                                    <p:set>
+                                      <p:cBhvr>
+                                        <p:cTn id="12" dur="1" fill="hold">
+                                          <p:stCondLst>
+                                            <p:cond delay="0"/>
+                                          </p:stCondLst>
+                                        </p:cTn>
+                                        <p:tgtEl>
+                                          <p:spTgt spid="2"/>
+                                        </p:tgtEl>
+                                        <p:attrNameLst>
+                                          <p:attrName>style.visibility</p:attrName>
+                                        </p:attrNameLst>
+                                      </p:cBhvr>
+                                      <p:to>
+                                        <p:strVal val="visible"/>
+                                      </p:to>
+                                    </p:set>
+                                  </p:childTnLst>
+                                </p:cTn>
+                              </p:par>
+                            </p:childTnLst>
+                          </p:cTn>
+                        </p:par>
+                      </p:childTnLst>
+                    </p:cTn>
+                  </p:par>
                 </p:childTnLst>
               </p:cTn>
               <p:prevCondLst>
@@ -28860,11 +28912,15 @@
         </p:cTn>
       </p:par>
     </p:tnLst>
+    <p:bldLst>
+      <p:bldP spid="12" grpId="0" uiExpand="1" build="p"/>
+      <p:bldP spid="2" grpId="0" animBg="1"/>
+    </p:bldLst>
   </p:timing>
 </p:sld>
 </file>
 
-<file path=ppt/slides/slide18.xml><?xml version="1.0" encoding="utf-8"?>
+<file path=ppt/slides/slide17.xml><?xml version="1.0" encoding="utf-8"?>
 <p:sld xmlns:a="http://schemas.openxmlformats.org/drawingml/2006/main" xmlns:r="http://schemas.openxmlformats.org/officeDocument/2006/relationships" xmlns:p="http://schemas.openxmlformats.org/presentationml/2006/main">
   <p:cSld>
     <p:spTree>
@@ -29051,7 +29107,7 @@
             <a:fld id="{CE58CB1E-F828-4F11-99E0-327109AF9DA4}" type="slidenum">
               <a:rPr lang="de-DE" smtClean="0"/>
               <a:pPr/>
-              <a:t>18</a:t>
+              <a:t>17</a:t>
             </a:fld>
             <a:endParaRPr lang="de-DE" dirty="0"/>
           </a:p>
@@ -29394,7 +29450,7 @@
 </p:sld>
 </file>
 
-<file path=ppt/slides/slide19.xml><?xml version="1.0" encoding="utf-8"?>
+<file path=ppt/slides/slide18.xml><?xml version="1.0" encoding="utf-8"?>
 <p:sld xmlns:a="http://schemas.openxmlformats.org/drawingml/2006/main" xmlns:r="http://schemas.openxmlformats.org/officeDocument/2006/relationships" xmlns:p="http://schemas.openxmlformats.org/presentationml/2006/main">
   <p:cSld>
     <p:spTree>
@@ -29435,7 +29491,7 @@
             <a:fld id="{CE58CB1E-F828-4F11-99E0-327109AF9DA4}" type="slidenum">
               <a:rPr lang="de-DE" smtClean="0"/>
               <a:pPr/>
-              <a:t>19</a:t>
+              <a:t>18</a:t>
             </a:fld>
             <a:endParaRPr lang="de-DE" dirty="0"/>
           </a:p>
@@ -29972,6 +30028,100 @@
 </p:sld>
 </file>
 
+<file path=ppt/slides/slide19.xml><?xml version="1.0" encoding="utf-8"?>
+<p:sld xmlns:a="http://schemas.openxmlformats.org/drawingml/2006/main" xmlns:r="http://schemas.openxmlformats.org/officeDocument/2006/relationships" xmlns:p="http://schemas.openxmlformats.org/presentationml/2006/main">
+  <p:cSld>
+    <p:spTree>
+      <p:nvGrpSpPr>
+        <p:cNvPr id="1" name=""/>
+        <p:cNvGrpSpPr/>
+        <p:nvPr/>
+      </p:nvGrpSpPr>
+      <p:grpSpPr>
+        <a:xfrm>
+          <a:off x="0" y="0"/>
+          <a:ext cx="0" cy="0"/>
+          <a:chOff x="0" y="0"/>
+          <a:chExt cx="0" cy="0"/>
+        </a:xfrm>
+      </p:grpSpPr>
+      <p:sp>
+        <p:nvSpPr>
+          <p:cNvPr id="3" name="Foliennummernplatzhalter 2">
+            <a:extLst>
+              <a:ext uri="{FF2B5EF4-FFF2-40B4-BE49-F238E27FC236}">
+                <a16:creationId xmlns:a16="http://schemas.microsoft.com/office/drawing/2014/main" id="{A366489A-8C80-4D71-99AB-A1991302B570}"/>
+              </a:ext>
+            </a:extLst>
+          </p:cNvPr>
+          <p:cNvSpPr>
+            <a:spLocks noGrp="1"/>
+          </p:cNvSpPr>
+          <p:nvPr>
+            <p:ph type="sldNum" sz="quarter" idx="11"/>
+          </p:nvPr>
+        </p:nvSpPr>
+        <p:spPr/>
+        <p:txBody>
+          <a:bodyPr/>
+          <a:lstStyle/>
+          <a:p>
+            <a:fld id="{CE58CB1E-F828-4F11-99E0-327109AF9DA4}" type="slidenum">
+              <a:rPr lang="de-DE" smtClean="0"/>
+              <a:pPr/>
+              <a:t>19</a:t>
+            </a:fld>
+            <a:endParaRPr lang="de-DE" dirty="0"/>
+          </a:p>
+        </p:txBody>
+      </p:sp>
+      <p:sp>
+        <p:nvSpPr>
+          <p:cNvPr id="4" name="Titel 3">
+            <a:extLst>
+              <a:ext uri="{FF2B5EF4-FFF2-40B4-BE49-F238E27FC236}">
+                <a16:creationId xmlns:a16="http://schemas.microsoft.com/office/drawing/2014/main" id="{36ADE80A-1283-4AF4-A236-A4BF09D9B274}"/>
+              </a:ext>
+            </a:extLst>
+          </p:cNvPr>
+          <p:cNvSpPr>
+            <a:spLocks noGrp="1"/>
+          </p:cNvSpPr>
+          <p:nvPr>
+            <p:ph type="title"/>
+          </p:nvPr>
+        </p:nvSpPr>
+        <p:spPr>
+          <a:xfrm>
+            <a:off x="319090" y="3223816"/>
+            <a:ext cx="8508999" cy="410369"/>
+          </a:xfrm>
+        </p:spPr>
+        <p:txBody>
+          <a:bodyPr/>
+          <a:lstStyle/>
+          <a:p>
+            <a:pPr algn="ctr"/>
+            <a:r>
+              <a:rPr lang="en-US" dirty="0"/>
+              <a:t>Thank you for your attention!</a:t>
+            </a:r>
+          </a:p>
+        </p:txBody>
+      </p:sp>
+    </p:spTree>
+    <p:extLst>
+      <p:ext uri="{BB962C8B-B14F-4D97-AF65-F5344CB8AC3E}">
+        <p14:creationId xmlns:p14="http://schemas.microsoft.com/office/powerpoint/2010/main" val="3579100488"/>
+      </p:ext>
+    </p:extLst>
+  </p:cSld>
+  <p:clrMapOvr>
+    <a:masterClrMapping/>
+  </p:clrMapOvr>
+</p:sld>
+</file>
+
 <file path=ppt/slides/slide2.xml><?xml version="1.0" encoding="utf-8"?>
 <p:sld xmlns:a="http://schemas.openxmlformats.org/drawingml/2006/main" xmlns:r="http://schemas.openxmlformats.org/officeDocument/2006/relationships" xmlns:p="http://schemas.openxmlformats.org/presentationml/2006/main">
   <p:cSld>
@@ -30152,7 +30302,7 @@
 </file>
 
 <file path=ppt/slides/slide20.xml><?xml version="1.0" encoding="utf-8"?>
-<p:sld xmlns:a="http://schemas.openxmlformats.org/drawingml/2006/main" xmlns:r="http://schemas.openxmlformats.org/officeDocument/2006/relationships" xmlns:p="http://schemas.openxmlformats.org/presentationml/2006/main">
+<p:sld xmlns:a="http://schemas.openxmlformats.org/drawingml/2006/main" xmlns:r="http://schemas.openxmlformats.org/officeDocument/2006/relationships" xmlns:p="http://schemas.openxmlformats.org/presentationml/2006/main" show="0">
   <p:cSld>
     <p:spTree>
       <p:nvGrpSpPr>
@@ -30173,7 +30323,7 @@
           <p:cNvPr id="3" name="Foliennummernplatzhalter 2">
             <a:extLst>
               <a:ext uri="{FF2B5EF4-FFF2-40B4-BE49-F238E27FC236}">
-                <a16:creationId xmlns:a16="http://schemas.microsoft.com/office/drawing/2014/main" id="{A366489A-8C80-4D71-99AB-A1991302B570}"/>
+                <a16:creationId xmlns:a16="http://schemas.microsoft.com/office/drawing/2014/main" id="{6C810AEA-BBE2-44B1-88DD-478EA67CF34D}"/>
               </a:ext>
             </a:extLst>
           </p:cNvPr>
@@ -30203,7 +30353,7 @@
           <p:cNvPr id="4" name="Titel 3">
             <a:extLst>
               <a:ext uri="{FF2B5EF4-FFF2-40B4-BE49-F238E27FC236}">
-                <a16:creationId xmlns:a16="http://schemas.microsoft.com/office/drawing/2014/main" id="{36ADE80A-1283-4AF4-A236-A4BF09D9B274}"/>
+                <a16:creationId xmlns:a16="http://schemas.microsoft.com/office/drawing/2014/main" id="{A25736C8-94FE-4213-9737-485C428229B7}"/>
               </a:ext>
             </a:extLst>
           </p:cNvPr>
@@ -30216,7 +30366,7 @@
         </p:nvSpPr>
         <p:spPr>
           <a:xfrm>
-            <a:off x="319090" y="3223816"/>
+            <a:off x="319090" y="994334"/>
             <a:ext cx="8508999" cy="410369"/>
           </a:xfrm>
         </p:spPr>
@@ -30224,24 +30374,381 @@
           <a:bodyPr/>
           <a:lstStyle/>
           <a:p>
-            <a:pPr algn="ctr"/>
+            <a:r>
+              <a:rPr lang="de-DE" dirty="0"/>
+              <a:t>Speech</a:t>
+            </a:r>
             <a:r>
               <a:rPr lang="en-US" dirty="0"/>
-              <a:t>Thank you for your attention!</a:t>
+              <a:t> Synthesis on Mobile Devices</a:t>
             </a:r>
           </a:p>
         </p:txBody>
       </p:sp>
+      <p:graphicFrame>
+        <p:nvGraphicFramePr>
+          <p:cNvPr id="5" name="Diagramm 4">
+            <a:extLst>
+              <a:ext uri="{FF2B5EF4-FFF2-40B4-BE49-F238E27FC236}">
+                <a16:creationId xmlns:a16="http://schemas.microsoft.com/office/drawing/2014/main" id="{2456F06C-2D25-4F46-B0B4-7B8D2EDB37A2}"/>
+              </a:ext>
+            </a:extLst>
+          </p:cNvPr>
+          <p:cNvGraphicFramePr/>
+          <p:nvPr>
+            <p:extLst>
+              <p:ext uri="{D42A27DB-BD31-4B8C-83A1-F6EECF244321}">
+                <p14:modId xmlns:p14="http://schemas.microsoft.com/office/powerpoint/2010/main" val="1959505647"/>
+              </p:ext>
+            </p:extLst>
+          </p:nvPr>
+        </p:nvGraphicFramePr>
+        <p:xfrm>
+          <a:off x="2001011" y="1770282"/>
+          <a:ext cx="5145155" cy="4064000"/>
+        </p:xfrm>
+        <a:graphic>
+          <a:graphicData uri="http://schemas.openxmlformats.org/drawingml/2006/diagram">
+            <dgm:relIds xmlns:dgm="http://schemas.openxmlformats.org/drawingml/2006/diagram" xmlns:r="http://schemas.openxmlformats.org/officeDocument/2006/relationships" r:dm="rId3" r:lo="rId4" r:qs="rId5" r:cs="rId6"/>
+          </a:graphicData>
+        </a:graphic>
+      </p:graphicFrame>
     </p:spTree>
     <p:extLst>
       <p:ext uri="{BB962C8B-B14F-4D97-AF65-F5344CB8AC3E}">
-        <p14:creationId xmlns:p14="http://schemas.microsoft.com/office/powerpoint/2010/main" val="3579100488"/>
+        <p14:creationId xmlns:p14="http://schemas.microsoft.com/office/powerpoint/2010/main" val="4147063911"/>
       </p:ext>
     </p:extLst>
   </p:cSld>
   <p:clrMapOvr>
     <a:masterClrMapping/>
   </p:clrMapOvr>
+  <p:timing>
+    <p:tnLst>
+      <p:par>
+        <p:cTn id="1" dur="indefinite" restart="never" nodeType="tmRoot">
+          <p:childTnLst>
+            <p:seq concurrent="1" nextAc="seek">
+              <p:cTn id="2" dur="indefinite" nodeType="mainSeq">
+                <p:childTnLst>
+                  <p:par>
+                    <p:cTn id="3" fill="hold">
+                      <p:stCondLst>
+                        <p:cond delay="indefinite"/>
+                      </p:stCondLst>
+                      <p:childTnLst>
+                        <p:par>
+                          <p:cTn id="4" fill="hold">
+                            <p:stCondLst>
+                              <p:cond delay="0"/>
+                            </p:stCondLst>
+                            <p:childTnLst>
+                              <p:par>
+                                <p:cTn id="5" presetID="1" presetClass="entr" presetSubtype="0" fill="hold" grpId="0" nodeType="clickEffect">
+                                  <p:stCondLst>
+                                    <p:cond delay="0"/>
+                                  </p:stCondLst>
+                                  <p:childTnLst>
+                                    <p:set>
+                                      <p:cBhvr>
+                                        <p:cTn id="6" dur="1" fill="hold">
+                                          <p:stCondLst>
+                                            <p:cond delay="0"/>
+                                          </p:stCondLst>
+                                        </p:cTn>
+                                        <p:tgtEl>
+                                          <p:spTgt spid="5">
+                                            <p:graphicEl>
+                                              <a:dgm id="{5CE9E46A-A270-4320-BAC8-4040DA667647}"/>
+                                            </p:graphicEl>
+                                          </p:spTgt>
+                                        </p:tgtEl>
+                                        <p:attrNameLst>
+                                          <p:attrName>style.visibility</p:attrName>
+                                        </p:attrNameLst>
+                                      </p:cBhvr>
+                                      <p:to>
+                                        <p:strVal val="visible"/>
+                                      </p:to>
+                                    </p:set>
+                                  </p:childTnLst>
+                                </p:cTn>
+                              </p:par>
+                            </p:childTnLst>
+                          </p:cTn>
+                        </p:par>
+                      </p:childTnLst>
+                    </p:cTn>
+                  </p:par>
+                  <p:par>
+                    <p:cTn id="7" fill="hold">
+                      <p:stCondLst>
+                        <p:cond delay="indefinite"/>
+                      </p:stCondLst>
+                      <p:childTnLst>
+                        <p:par>
+                          <p:cTn id="8" fill="hold">
+                            <p:stCondLst>
+                              <p:cond delay="0"/>
+                            </p:stCondLst>
+                            <p:childTnLst>
+                              <p:par>
+                                <p:cTn id="9" presetID="1" presetClass="entr" presetSubtype="0" fill="hold" grpId="0" nodeType="clickEffect">
+                                  <p:stCondLst>
+                                    <p:cond delay="0"/>
+                                  </p:stCondLst>
+                                  <p:childTnLst>
+                                    <p:set>
+                                      <p:cBhvr>
+                                        <p:cTn id="10" dur="1" fill="hold">
+                                          <p:stCondLst>
+                                            <p:cond delay="0"/>
+                                          </p:stCondLst>
+                                        </p:cTn>
+                                        <p:tgtEl>
+                                          <p:spTgt spid="5">
+                                            <p:graphicEl>
+                                              <a:dgm id="{4C29F58F-00D9-43F6-8D88-025F6A292C3F}"/>
+                                            </p:graphicEl>
+                                          </p:spTgt>
+                                        </p:tgtEl>
+                                        <p:attrNameLst>
+                                          <p:attrName>style.visibility</p:attrName>
+                                        </p:attrNameLst>
+                                      </p:cBhvr>
+                                      <p:to>
+                                        <p:strVal val="visible"/>
+                                      </p:to>
+                                    </p:set>
+                                  </p:childTnLst>
+                                </p:cTn>
+                              </p:par>
+                              <p:par>
+                                <p:cTn id="11" presetID="1" presetClass="entr" presetSubtype="0" fill="hold" grpId="0" nodeType="withEffect">
+                                  <p:stCondLst>
+                                    <p:cond delay="0"/>
+                                  </p:stCondLst>
+                                  <p:childTnLst>
+                                    <p:set>
+                                      <p:cBhvr>
+                                        <p:cTn id="12" dur="1" fill="hold">
+                                          <p:stCondLst>
+                                            <p:cond delay="0"/>
+                                          </p:stCondLst>
+                                        </p:cTn>
+                                        <p:tgtEl>
+                                          <p:spTgt spid="5">
+                                            <p:graphicEl>
+                                              <a:dgm id="{31A3DF99-8659-406C-BEE7-F39AD2297B83}"/>
+                                            </p:graphicEl>
+                                          </p:spTgt>
+                                        </p:tgtEl>
+                                        <p:attrNameLst>
+                                          <p:attrName>style.visibility</p:attrName>
+                                        </p:attrNameLst>
+                                      </p:cBhvr>
+                                      <p:to>
+                                        <p:strVal val="visible"/>
+                                      </p:to>
+                                    </p:set>
+                                  </p:childTnLst>
+                                </p:cTn>
+                              </p:par>
+                            </p:childTnLst>
+                          </p:cTn>
+                        </p:par>
+                      </p:childTnLst>
+                    </p:cTn>
+                  </p:par>
+                  <p:par>
+                    <p:cTn id="13" fill="hold">
+                      <p:stCondLst>
+                        <p:cond delay="indefinite"/>
+                      </p:stCondLst>
+                      <p:childTnLst>
+                        <p:par>
+                          <p:cTn id="14" fill="hold">
+                            <p:stCondLst>
+                              <p:cond delay="0"/>
+                            </p:stCondLst>
+                            <p:childTnLst>
+                              <p:par>
+                                <p:cTn id="15" presetID="1" presetClass="entr" presetSubtype="0" fill="hold" grpId="0" nodeType="clickEffect">
+                                  <p:stCondLst>
+                                    <p:cond delay="0"/>
+                                  </p:stCondLst>
+                                  <p:childTnLst>
+                                    <p:set>
+                                      <p:cBhvr>
+                                        <p:cTn id="16" dur="1" fill="hold">
+                                          <p:stCondLst>
+                                            <p:cond delay="0"/>
+                                          </p:stCondLst>
+                                        </p:cTn>
+                                        <p:tgtEl>
+                                          <p:spTgt spid="5">
+                                            <p:graphicEl>
+                                              <a:dgm id="{87B76314-E5F3-4C3D-9A52-689AB841A118}"/>
+                                            </p:graphicEl>
+                                          </p:spTgt>
+                                        </p:tgtEl>
+                                        <p:attrNameLst>
+                                          <p:attrName>style.visibility</p:attrName>
+                                        </p:attrNameLst>
+                                      </p:cBhvr>
+                                      <p:to>
+                                        <p:strVal val="visible"/>
+                                      </p:to>
+                                    </p:set>
+                                  </p:childTnLst>
+                                </p:cTn>
+                              </p:par>
+                              <p:par>
+                                <p:cTn id="17" presetID="1" presetClass="entr" presetSubtype="0" fill="hold" grpId="0" nodeType="withEffect">
+                                  <p:stCondLst>
+                                    <p:cond delay="0"/>
+                                  </p:stCondLst>
+                                  <p:childTnLst>
+                                    <p:set>
+                                      <p:cBhvr>
+                                        <p:cTn id="18" dur="1" fill="hold">
+                                          <p:stCondLst>
+                                            <p:cond delay="0"/>
+                                          </p:stCondLst>
+                                        </p:cTn>
+                                        <p:tgtEl>
+                                          <p:spTgt spid="5">
+                                            <p:graphicEl>
+                                              <a:dgm id="{3249EC3E-C3A9-4AD5-A894-47E93FED7D96}"/>
+                                            </p:graphicEl>
+                                          </p:spTgt>
+                                        </p:tgtEl>
+                                        <p:attrNameLst>
+                                          <p:attrName>style.visibility</p:attrName>
+                                        </p:attrNameLst>
+                                      </p:cBhvr>
+                                      <p:to>
+                                        <p:strVal val="visible"/>
+                                      </p:to>
+                                    </p:set>
+                                  </p:childTnLst>
+                                </p:cTn>
+                              </p:par>
+                            </p:childTnLst>
+                          </p:cTn>
+                        </p:par>
+                      </p:childTnLst>
+                    </p:cTn>
+                  </p:par>
+                  <p:par>
+                    <p:cTn id="19" fill="hold">
+                      <p:stCondLst>
+                        <p:cond delay="indefinite"/>
+                      </p:stCondLst>
+                      <p:childTnLst>
+                        <p:par>
+                          <p:cTn id="20" fill="hold">
+                            <p:stCondLst>
+                              <p:cond delay="0"/>
+                            </p:stCondLst>
+                            <p:childTnLst>
+                              <p:par>
+                                <p:cTn id="21" presetID="1" presetClass="entr" presetSubtype="0" fill="hold" grpId="0" nodeType="clickEffect">
+                                  <p:stCondLst>
+                                    <p:cond delay="0"/>
+                                  </p:stCondLst>
+                                  <p:childTnLst>
+                                    <p:set>
+                                      <p:cBhvr>
+                                        <p:cTn id="22" dur="1" fill="hold">
+                                          <p:stCondLst>
+                                            <p:cond delay="0"/>
+                                          </p:stCondLst>
+                                        </p:cTn>
+                                        <p:tgtEl>
+                                          <p:spTgt spid="5">
+                                            <p:graphicEl>
+                                              <a:dgm id="{ECB5DE8D-14F8-45E6-AE84-C80B4B780DF7}"/>
+                                            </p:graphicEl>
+                                          </p:spTgt>
+                                        </p:tgtEl>
+                                        <p:attrNameLst>
+                                          <p:attrName>style.visibility</p:attrName>
+                                        </p:attrNameLst>
+                                      </p:cBhvr>
+                                      <p:to>
+                                        <p:strVal val="visible"/>
+                                      </p:to>
+                                    </p:set>
+                                  </p:childTnLst>
+                                </p:cTn>
+                              </p:par>
+                              <p:par>
+                                <p:cTn id="23" presetID="1" presetClass="entr" presetSubtype="0" fill="hold" grpId="0" nodeType="withEffect">
+                                  <p:stCondLst>
+                                    <p:cond delay="0"/>
+                                  </p:stCondLst>
+                                  <p:childTnLst>
+                                    <p:set>
+                                      <p:cBhvr>
+                                        <p:cTn id="24" dur="1" fill="hold">
+                                          <p:stCondLst>
+                                            <p:cond delay="0"/>
+                                          </p:stCondLst>
+                                        </p:cTn>
+                                        <p:tgtEl>
+                                          <p:spTgt spid="5">
+                                            <p:graphicEl>
+                                              <a:dgm id="{45C214AA-913B-4D9D-9BF7-794B9B2AAB9F}"/>
+                                            </p:graphicEl>
+                                          </p:spTgt>
+                                        </p:tgtEl>
+                                        <p:attrNameLst>
+                                          <p:attrName>style.visibility</p:attrName>
+                                        </p:attrNameLst>
+                                      </p:cBhvr>
+                                      <p:to>
+                                        <p:strVal val="visible"/>
+                                      </p:to>
+                                    </p:set>
+                                  </p:childTnLst>
+                                </p:cTn>
+                              </p:par>
+                            </p:childTnLst>
+                          </p:cTn>
+                        </p:par>
+                      </p:childTnLst>
+                    </p:cTn>
+                  </p:par>
+                </p:childTnLst>
+              </p:cTn>
+              <p:prevCondLst>
+                <p:cond evt="onPrev" delay="0">
+                  <p:tgtEl>
+                    <p:sldTgt/>
+                  </p:tgtEl>
+                </p:cond>
+              </p:prevCondLst>
+              <p:nextCondLst>
+                <p:cond evt="onNext" delay="0">
+                  <p:tgtEl>
+                    <p:sldTgt/>
+                  </p:tgtEl>
+                </p:cond>
+              </p:nextCondLst>
+            </p:seq>
+          </p:childTnLst>
+        </p:cTn>
+      </p:par>
+    </p:tnLst>
+    <p:bldLst>
+      <p:bldGraphic spid="5" grpId="0">
+        <p:bldSub>
+          <a:bldDgm bld="lvlOne"/>
+        </p:bldSub>
+      </p:bldGraphic>
+    </p:bldLst>
+  </p:timing>
 </p:sld>
 </file>
 
@@ -30267,7 +30774,7 @@
           <p:cNvPr id="3" name="Foliennummernplatzhalter 2">
             <a:extLst>
               <a:ext uri="{FF2B5EF4-FFF2-40B4-BE49-F238E27FC236}">
-                <a16:creationId xmlns:a16="http://schemas.microsoft.com/office/drawing/2014/main" id="{20B5DD24-403D-46FA-8326-391926CA7754}"/>
+                <a16:creationId xmlns:a16="http://schemas.microsoft.com/office/drawing/2014/main" id="{0EB7D304-CCB1-42D7-BB7F-D7DD38201E2C}"/>
               </a:ext>
             </a:extLst>
           </p:cNvPr>
@@ -30297,7 +30804,7 @@
           <p:cNvPr id="4" name="Titel 3">
             <a:extLst>
               <a:ext uri="{FF2B5EF4-FFF2-40B4-BE49-F238E27FC236}">
-                <a16:creationId xmlns:a16="http://schemas.microsoft.com/office/drawing/2014/main" id="{F8BDCA49-7FDE-4D61-AB7D-4D1510B0D504}"/>
+                <a16:creationId xmlns:a16="http://schemas.microsoft.com/office/drawing/2014/main" id="{573FD8A6-1F4F-4311-B117-59D0DE048A9B}"/>
               </a:ext>
             </a:extLst>
           </p:cNvPr>
@@ -30308,114 +30815,122 @@
             <p:ph type="title"/>
           </p:nvPr>
         </p:nvSpPr>
-        <p:spPr>
-          <a:xfrm>
-            <a:off x="319090" y="994334"/>
-            <a:ext cx="8508999" cy="410369"/>
-          </a:xfrm>
-        </p:spPr>
+        <p:spPr/>
         <p:txBody>
           <a:bodyPr/>
           <a:lstStyle/>
           <a:p>
             <a:r>
               <a:rPr lang="de-DE" dirty="0"/>
-              <a:t>Evaluation </a:t>
+              <a:t>HMM-</a:t>
             </a:r>
             <a:r>
               <a:rPr lang="de-DE" dirty="0" err="1"/>
-              <a:t>of</a:t>
+              <a:t>based</a:t>
             </a:r>
             <a:r>
               <a:rPr lang="de-DE" dirty="0"/>
-              <a:t> Experiments</a:t>
+              <a:t> Speech Synthesis Model</a:t>
             </a:r>
             <a:endParaRPr lang="en-US" dirty="0"/>
           </a:p>
         </p:txBody>
       </p:sp>
-      <p:sp>
-        <p:nvSpPr>
-          <p:cNvPr id="12" name="Inhaltsplatzhalter 1">
+      <p:pic>
+        <p:nvPicPr>
+          <p:cNvPr id="5" name="Grafik 4">
             <a:extLst>
               <a:ext uri="{FF2B5EF4-FFF2-40B4-BE49-F238E27FC236}">
-                <a16:creationId xmlns:a16="http://schemas.microsoft.com/office/drawing/2014/main" id="{09321070-3227-412B-B57E-8CCCB6CD8DA7}"/>
+                <a16:creationId xmlns:a16="http://schemas.microsoft.com/office/drawing/2014/main" id="{709864E4-04B4-4A90-86A0-AC291F2F61E3}"/>
               </a:ext>
             </a:extLst>
           </p:cNvPr>
-          <p:cNvSpPr>
-            <a:spLocks noGrp="1"/>
-          </p:cNvSpPr>
-          <p:nvPr>
-            <p:ph idx="10"/>
-          </p:nvPr>
+          <p:cNvPicPr>
+            <a:picLocks noChangeAspect="1"/>
+          </p:cNvPicPr>
+          <p:nvPr/>
+        </p:nvPicPr>
+        <p:blipFill>
+          <a:blip r:embed="rId2"/>
+          <a:stretch>
+            <a:fillRect/>
+          </a:stretch>
+        </p:blipFill>
+        <p:spPr>
+          <a:xfrm>
+            <a:off x="1970172" y="1602464"/>
+            <a:ext cx="5212332" cy="3985460"/>
+          </a:xfrm>
+          <a:prstGeom prst="rect">
+            <a:avLst/>
+          </a:prstGeom>
+        </p:spPr>
+      </p:pic>
+      <p:sp>
+        <p:nvSpPr>
+          <p:cNvPr id="6" name="Textfeld 5">
+            <a:extLst>
+              <a:ext uri="{FF2B5EF4-FFF2-40B4-BE49-F238E27FC236}">
+                <a16:creationId xmlns:a16="http://schemas.microsoft.com/office/drawing/2014/main" id="{2FECC7B7-5C24-4307-9414-826082F54758}"/>
+              </a:ext>
+            </a:extLst>
+          </p:cNvPr>
+          <p:cNvSpPr txBox="1"/>
+          <p:nvPr/>
         </p:nvSpPr>
         <p:spPr>
           <a:xfrm>
-            <a:off x="319088" y="1978720"/>
-            <a:ext cx="8508999" cy="4330640"/>
+            <a:off x="1176909" y="5761634"/>
+            <a:ext cx="6624025" cy="268984"/>
           </a:xfrm>
+          <a:prstGeom prst="rect">
+            <a:avLst/>
+          </a:prstGeom>
+          <a:noFill/>
         </p:spPr>
         <p:txBody>
-          <a:bodyPr/>
+          <a:bodyPr wrap="square" lIns="0" tIns="0" rIns="0" bIns="0" rtlCol="0">
+            <a:spAutoFit/>
+          </a:bodyPr>
           <a:lstStyle/>
           <a:p>
-            <a:r>
-              <a:rPr lang="en-US" b="1" dirty="0"/>
-              <a:t>Objective evaluation</a:t>
+            <a:pPr algn="ctr">
+              <a:lnSpc>
+                <a:spcPct val="114000"/>
+              </a:lnSpc>
+            </a:pPr>
+            <a:r>
+              <a:rPr lang="de-DE" sz="800" dirty="0">
+                <a:latin typeface="+mn-lt"/>
+              </a:rPr>
+              <a:t>Source: Black et al. (2007) </a:t>
+            </a:r>
+            <a:r>
+              <a:rPr lang="en-US" sz="800" dirty="0">
+                <a:latin typeface="+mn-lt"/>
+              </a:rPr>
+              <a:t>Statistical Parametric Speech Synthesis, </a:t>
             </a:r>
           </a:p>
           <a:p>
-            <a:pPr marL="285750" indent="-285750">
-              <a:buFont typeface="Arial" panose="020B0604020202020204" pitchFamily="34" charset="0"/>
-              <a:buChar char="•"/>
+            <a:pPr algn="ctr">
+              <a:lnSpc>
+                <a:spcPct val="114000"/>
+              </a:lnSpc>
             </a:pPr>
             <a:r>
-              <a:rPr lang="en-US" dirty="0"/>
-              <a:t>Distortion </a:t>
-            </a:r>
-          </a:p>
-          <a:p>
-            <a:pPr marL="285750" indent="-285750">
-              <a:buFont typeface="Arial" panose="020B0604020202020204" pitchFamily="34" charset="0"/>
-              <a:buChar char="•"/>
-            </a:pPr>
-            <a:r>
-              <a:rPr lang="en-US" dirty="0"/>
-              <a:t>Error rate</a:t>
-            </a:r>
-          </a:p>
-          <a:p>
-            <a:pPr marL="285750" indent="-285750">
-              <a:buFont typeface="Arial" panose="020B0604020202020204" pitchFamily="34" charset="0"/>
-              <a:buChar char="•"/>
-            </a:pPr>
-            <a:endParaRPr lang="en-US" b="1" dirty="0"/>
-          </a:p>
-          <a:p>
-            <a:r>
-              <a:rPr lang="en-US" b="1" dirty="0"/>
-              <a:t>Subjective evaluation</a:t>
-            </a:r>
-            <a:endParaRPr lang="en-US" dirty="0"/>
-          </a:p>
-          <a:p>
-            <a:r>
-              <a:rPr lang="en-US" dirty="0">
-                <a:sym typeface="Wingdings" panose="05000000000000000000" pitchFamily="2" charset="2"/>
+              <a:rPr lang="en-US" sz="800" dirty="0">
+                <a:latin typeface="+mn-lt"/>
               </a:rPr>
-              <a:t>Played back speech samples of conventional and DNN-based system to different listeners, who chose their preferred system (or „Neutral“)</a:t>
-            </a:r>
-          </a:p>
-          <a:p>
-            <a:endParaRPr lang="de-DE" dirty="0"/>
+              <a:t>IEEE International Conference on Acoustics, Speech and Signal Processing - ICASSP ’07</a:t>
+            </a:r>
           </a:p>
         </p:txBody>
       </p:sp>
     </p:spTree>
     <p:extLst>
       <p:ext uri="{BB962C8B-B14F-4D97-AF65-F5344CB8AC3E}">
-        <p14:creationId xmlns:p14="http://schemas.microsoft.com/office/powerpoint/2010/main" val="1557741457"/>
+        <p14:creationId xmlns:p14="http://schemas.microsoft.com/office/powerpoint/2010/main" val="4292766025"/>
       </p:ext>
     </p:extLst>
   </p:cSld>
@@ -30741,1571 +31256,6 @@
       </p:grpSpPr>
       <p:sp>
         <p:nvSpPr>
-          <p:cNvPr id="3" name="Foliennummernplatzhalter 2">
-            <a:extLst>
-              <a:ext uri="{FF2B5EF4-FFF2-40B4-BE49-F238E27FC236}">
-                <a16:creationId xmlns:a16="http://schemas.microsoft.com/office/drawing/2014/main" id="{A576B45B-2320-4D41-80DF-A895AB334757}"/>
-              </a:ext>
-            </a:extLst>
-          </p:cNvPr>
-          <p:cNvSpPr>
-            <a:spLocks noGrp="1"/>
-          </p:cNvSpPr>
-          <p:nvPr>
-            <p:ph type="sldNum" sz="quarter" idx="11"/>
-          </p:nvPr>
-        </p:nvSpPr>
-        <p:spPr/>
-        <p:txBody>
-          <a:bodyPr/>
-          <a:lstStyle/>
-          <a:p>
-            <a:fld id="{CE58CB1E-F828-4F11-99E0-327109AF9DA4}" type="slidenum">
-              <a:rPr lang="de-DE" smtClean="0"/>
-              <a:pPr/>
-              <a:t>23</a:t>
-            </a:fld>
-            <a:endParaRPr lang="de-DE" dirty="0"/>
-          </a:p>
-        </p:txBody>
-      </p:sp>
-      <p:sp>
-        <p:nvSpPr>
-          <p:cNvPr id="4" name="Titel 3">
-            <a:extLst>
-              <a:ext uri="{FF2B5EF4-FFF2-40B4-BE49-F238E27FC236}">
-                <a16:creationId xmlns:a16="http://schemas.microsoft.com/office/drawing/2014/main" id="{1A32C16A-BA33-43A2-AAF5-A4E9C533D1A3}"/>
-              </a:ext>
-            </a:extLst>
-          </p:cNvPr>
-          <p:cNvSpPr>
-            <a:spLocks noGrp="1"/>
-          </p:cNvSpPr>
-          <p:nvPr>
-            <p:ph type="title"/>
-          </p:nvPr>
-        </p:nvSpPr>
-        <p:spPr>
-          <a:xfrm>
-            <a:off x="319090" y="994334"/>
-            <a:ext cx="8508999" cy="410369"/>
-          </a:xfrm>
-        </p:spPr>
-        <p:txBody>
-          <a:bodyPr/>
-          <a:lstStyle/>
-          <a:p>
-            <a:r>
-              <a:rPr lang="de-DE" dirty="0"/>
-              <a:t>Text-</a:t>
-            </a:r>
-            <a:r>
-              <a:rPr lang="de-DE" dirty="0" err="1"/>
-              <a:t>to</a:t>
-            </a:r>
-            <a:r>
-              <a:rPr lang="de-DE" dirty="0"/>
-              <a:t>-Speech – </a:t>
-            </a:r>
-            <a:r>
-              <a:rPr lang="de-DE" dirty="0" err="1"/>
-              <a:t>Function</a:t>
-            </a:r>
-            <a:r>
-              <a:rPr lang="de-DE" dirty="0"/>
-              <a:t> </a:t>
-            </a:r>
-            <a:r>
-              <a:rPr lang="de-DE" dirty="0" err="1"/>
-              <a:t>blocks</a:t>
-            </a:r>
-            <a:endParaRPr lang="en-US" dirty="0"/>
-          </a:p>
-        </p:txBody>
-      </p:sp>
-      <p:sp>
-        <p:nvSpPr>
-          <p:cNvPr id="6" name="Rechteck: abgerundete Ecken 5">
-            <a:extLst>
-              <a:ext uri="{FF2B5EF4-FFF2-40B4-BE49-F238E27FC236}">
-                <a16:creationId xmlns:a16="http://schemas.microsoft.com/office/drawing/2014/main" id="{B3211B43-B77B-49C2-B0CF-9E0D958D5340}"/>
-              </a:ext>
-            </a:extLst>
-          </p:cNvPr>
-          <p:cNvSpPr/>
-          <p:nvPr/>
-        </p:nvSpPr>
-        <p:spPr>
-          <a:xfrm>
-            <a:off x="1852690" y="2619586"/>
-            <a:ext cx="2340000" cy="540000"/>
-          </a:xfrm>
-          <a:prstGeom prst="roundRect">
-            <a:avLst/>
-          </a:prstGeom>
-          <a:solidFill>
-            <a:srgbClr val="0065BD"/>
-          </a:solidFill>
-          <a:ln>
-            <a:solidFill>
-              <a:srgbClr val="DAD7CB"/>
-            </a:solidFill>
-          </a:ln>
-        </p:spPr>
-        <p:style>
-          <a:lnRef idx="2">
-            <a:schemeClr val="accent1">
-              <a:shade val="50000"/>
-            </a:schemeClr>
-          </a:lnRef>
-          <a:fillRef idx="1">
-            <a:schemeClr val="accent1"/>
-          </a:fillRef>
-          <a:effectRef idx="0">
-            <a:schemeClr val="accent1"/>
-          </a:effectRef>
-          <a:fontRef idx="minor">
-            <a:schemeClr val="lt1"/>
-          </a:fontRef>
-        </p:style>
-        <p:txBody>
-          <a:bodyPr rot="0" spcFirstLastPara="0" vertOverflow="overflow" horzOverflow="overflow" vert="horz" wrap="square" lIns="91440" tIns="45720" rIns="91440" bIns="45720" numCol="1" spcCol="0" rtlCol="0" fromWordArt="0" anchor="ctr" anchorCtr="0" forceAA="0" compatLnSpc="1">
-            <a:prstTxWarp prst="textNoShape">
-              <a:avLst/>
-            </a:prstTxWarp>
-            <a:noAutofit/>
-          </a:bodyPr>
-          <a:lstStyle/>
-          <a:p>
-            <a:pPr algn="ctr">
-              <a:lnSpc>
-                <a:spcPct val="114000"/>
-              </a:lnSpc>
-            </a:pPr>
-            <a:r>
-              <a:rPr lang="de-DE" sz="1400" dirty="0">
-                <a:solidFill>
-                  <a:srgbClr val="DAD7CB"/>
-                </a:solidFill>
-              </a:rPr>
-              <a:t>Text Analysis</a:t>
-            </a:r>
-            <a:endParaRPr lang="en-US" dirty="0">
-              <a:solidFill>
-                <a:srgbClr val="DAD7CB"/>
-              </a:solidFill>
-            </a:endParaRPr>
-          </a:p>
-        </p:txBody>
-      </p:sp>
-      <p:sp>
-        <p:nvSpPr>
-          <p:cNvPr id="7" name="Rechteck: abgerundete Ecken 6">
-            <a:extLst>
-              <a:ext uri="{FF2B5EF4-FFF2-40B4-BE49-F238E27FC236}">
-                <a16:creationId xmlns:a16="http://schemas.microsoft.com/office/drawing/2014/main" id="{B3E795D5-2C06-4B60-8717-22B38A86EDDC}"/>
-              </a:ext>
-            </a:extLst>
-          </p:cNvPr>
-          <p:cNvSpPr/>
-          <p:nvPr/>
-        </p:nvSpPr>
-        <p:spPr>
-          <a:xfrm>
-            <a:off x="3022689" y="3339794"/>
-            <a:ext cx="2340000" cy="540000"/>
-          </a:xfrm>
-          <a:prstGeom prst="roundRect">
-            <a:avLst/>
-          </a:prstGeom>
-          <a:solidFill>
-            <a:srgbClr val="0065BD"/>
-          </a:solidFill>
-          <a:ln>
-            <a:solidFill>
-              <a:srgbClr val="DAD7CB"/>
-            </a:solidFill>
-          </a:ln>
-        </p:spPr>
-        <p:style>
-          <a:lnRef idx="2">
-            <a:schemeClr val="accent1">
-              <a:shade val="50000"/>
-            </a:schemeClr>
-          </a:lnRef>
-          <a:fillRef idx="1">
-            <a:schemeClr val="accent1"/>
-          </a:fillRef>
-          <a:effectRef idx="0">
-            <a:schemeClr val="accent1"/>
-          </a:effectRef>
-          <a:fontRef idx="minor">
-            <a:schemeClr val="lt1"/>
-          </a:fontRef>
-        </p:style>
-        <p:txBody>
-          <a:bodyPr rot="0" spcFirstLastPara="0" vertOverflow="overflow" horzOverflow="overflow" vert="horz" wrap="square" lIns="91440" tIns="45720" rIns="91440" bIns="45720" numCol="1" spcCol="0" rtlCol="0" fromWordArt="0" anchor="ctr" anchorCtr="0" forceAA="0" compatLnSpc="1">
-            <a:prstTxWarp prst="textNoShape">
-              <a:avLst/>
-            </a:prstTxWarp>
-            <a:noAutofit/>
-          </a:bodyPr>
-          <a:lstStyle/>
-          <a:p>
-            <a:pPr algn="ctr">
-              <a:lnSpc>
-                <a:spcPct val="114000"/>
-              </a:lnSpc>
-            </a:pPr>
-            <a:r>
-              <a:rPr lang="de-DE" sz="1400" dirty="0" err="1">
-                <a:solidFill>
-                  <a:srgbClr val="DAD7CB"/>
-                </a:solidFill>
-              </a:rPr>
-              <a:t>Acoustic</a:t>
-            </a:r>
-            <a:r>
-              <a:rPr lang="de-DE" sz="1400" dirty="0">
-                <a:solidFill>
-                  <a:srgbClr val="DAD7CB"/>
-                </a:solidFill>
-              </a:rPr>
-              <a:t> Model</a:t>
-            </a:r>
-            <a:endParaRPr lang="en-US" sz="1400" dirty="0">
-              <a:solidFill>
-                <a:srgbClr val="DAD7CB"/>
-              </a:solidFill>
-            </a:endParaRPr>
-          </a:p>
-        </p:txBody>
-      </p:sp>
-      <p:sp>
-        <p:nvSpPr>
-          <p:cNvPr id="8" name="Rechteck: abgerundete Ecken 7">
-            <a:extLst>
-              <a:ext uri="{FF2B5EF4-FFF2-40B4-BE49-F238E27FC236}">
-                <a16:creationId xmlns:a16="http://schemas.microsoft.com/office/drawing/2014/main" id="{B31E4FB2-9B10-428A-91F9-3EBF9C069F00}"/>
-              </a:ext>
-            </a:extLst>
-          </p:cNvPr>
-          <p:cNvSpPr/>
-          <p:nvPr/>
-        </p:nvSpPr>
-        <p:spPr>
-          <a:xfrm>
-            <a:off x="4192689" y="4060002"/>
-            <a:ext cx="2340000" cy="540000"/>
-          </a:xfrm>
-          <a:prstGeom prst="roundRect">
-            <a:avLst/>
-          </a:prstGeom>
-          <a:solidFill>
-            <a:srgbClr val="0065BD"/>
-          </a:solidFill>
-          <a:ln>
-            <a:solidFill>
-              <a:srgbClr val="DAD7CB"/>
-            </a:solidFill>
-          </a:ln>
-        </p:spPr>
-        <p:style>
-          <a:lnRef idx="2">
-            <a:schemeClr val="accent1">
-              <a:shade val="50000"/>
-            </a:schemeClr>
-          </a:lnRef>
-          <a:fillRef idx="1">
-            <a:schemeClr val="accent1"/>
-          </a:fillRef>
-          <a:effectRef idx="0">
-            <a:schemeClr val="accent1"/>
-          </a:effectRef>
-          <a:fontRef idx="minor">
-            <a:schemeClr val="lt1"/>
-          </a:fontRef>
-        </p:style>
-        <p:txBody>
-          <a:bodyPr rot="0" spcFirstLastPara="0" vertOverflow="overflow" horzOverflow="overflow" vert="horz" wrap="square" lIns="91440" tIns="45720" rIns="91440" bIns="45720" numCol="1" spcCol="0" rtlCol="0" fromWordArt="0" anchor="ctr" anchorCtr="0" forceAA="0" compatLnSpc="1">
-            <a:prstTxWarp prst="textNoShape">
-              <a:avLst/>
-            </a:prstTxWarp>
-            <a:noAutofit/>
-          </a:bodyPr>
-          <a:lstStyle/>
-          <a:p>
-            <a:pPr algn="ctr">
-              <a:lnSpc>
-                <a:spcPct val="114000"/>
-              </a:lnSpc>
-            </a:pPr>
-            <a:r>
-              <a:rPr lang="de-DE" sz="1400" dirty="0">
-                <a:solidFill>
-                  <a:srgbClr val="DAD7CB"/>
-                </a:solidFill>
-              </a:rPr>
-              <a:t>Parameter Generation</a:t>
-            </a:r>
-            <a:endParaRPr lang="en-US" sz="1400" dirty="0">
-              <a:solidFill>
-                <a:srgbClr val="DAD7CB"/>
-              </a:solidFill>
-            </a:endParaRPr>
-          </a:p>
-        </p:txBody>
-      </p:sp>
-      <p:sp>
-        <p:nvSpPr>
-          <p:cNvPr id="9" name="Rechteck: abgerundete Ecken 8">
-            <a:extLst>
-              <a:ext uri="{FF2B5EF4-FFF2-40B4-BE49-F238E27FC236}">
-                <a16:creationId xmlns:a16="http://schemas.microsoft.com/office/drawing/2014/main" id="{76B54027-DEC3-4D05-A476-51CA5D4A3A0C}"/>
-              </a:ext>
-            </a:extLst>
-          </p:cNvPr>
-          <p:cNvSpPr/>
-          <p:nvPr/>
-        </p:nvSpPr>
-        <p:spPr>
-          <a:xfrm>
-            <a:off x="5362689" y="4777263"/>
-            <a:ext cx="2340000" cy="540000"/>
-          </a:xfrm>
-          <a:prstGeom prst="roundRect">
-            <a:avLst/>
-          </a:prstGeom>
-          <a:solidFill>
-            <a:srgbClr val="0065BD"/>
-          </a:solidFill>
-          <a:ln>
-            <a:solidFill>
-              <a:srgbClr val="DAD7CB"/>
-            </a:solidFill>
-          </a:ln>
-        </p:spPr>
-        <p:style>
-          <a:lnRef idx="2">
-            <a:schemeClr val="accent1">
-              <a:shade val="50000"/>
-            </a:schemeClr>
-          </a:lnRef>
-          <a:fillRef idx="1">
-            <a:schemeClr val="accent1"/>
-          </a:fillRef>
-          <a:effectRef idx="0">
-            <a:schemeClr val="accent1"/>
-          </a:effectRef>
-          <a:fontRef idx="minor">
-            <a:schemeClr val="lt1"/>
-          </a:fontRef>
-        </p:style>
-        <p:txBody>
-          <a:bodyPr rot="0" spcFirstLastPara="0" vertOverflow="overflow" horzOverflow="overflow" vert="horz" wrap="square" lIns="91440" tIns="45720" rIns="91440" bIns="45720" numCol="1" spcCol="0" rtlCol="0" fromWordArt="0" anchor="ctr" anchorCtr="0" forceAA="0" compatLnSpc="1">
-            <a:prstTxWarp prst="textNoShape">
-              <a:avLst/>
-            </a:prstTxWarp>
-            <a:noAutofit/>
-          </a:bodyPr>
-          <a:lstStyle/>
-          <a:p>
-            <a:pPr algn="ctr">
-              <a:lnSpc>
-                <a:spcPct val="114000"/>
-              </a:lnSpc>
-            </a:pPr>
-            <a:r>
-              <a:rPr lang="de-DE" sz="1400" dirty="0" err="1">
-                <a:solidFill>
-                  <a:srgbClr val="DAD7CB"/>
-                </a:solidFill>
-              </a:rPr>
-              <a:t>Waveform</a:t>
-            </a:r>
-            <a:r>
-              <a:rPr lang="de-DE" sz="1400" dirty="0">
-                <a:solidFill>
-                  <a:srgbClr val="DAD7CB"/>
-                </a:solidFill>
-              </a:rPr>
-              <a:t> Synthesis</a:t>
-            </a:r>
-            <a:endParaRPr lang="en-US" sz="1400" dirty="0">
-              <a:solidFill>
-                <a:srgbClr val="DAD7CB"/>
-              </a:solidFill>
-            </a:endParaRPr>
-          </a:p>
-        </p:txBody>
-      </p:sp>
-      <p:sp>
-        <p:nvSpPr>
-          <p:cNvPr id="10" name="Rechteck 9">
-            <a:extLst>
-              <a:ext uri="{FF2B5EF4-FFF2-40B4-BE49-F238E27FC236}">
-                <a16:creationId xmlns:a16="http://schemas.microsoft.com/office/drawing/2014/main" id="{31981972-D692-46C9-8323-A114D8CEAB6E}"/>
-              </a:ext>
-            </a:extLst>
-          </p:cNvPr>
-          <p:cNvSpPr/>
-          <p:nvPr/>
-        </p:nvSpPr>
-        <p:spPr>
-          <a:xfrm>
-            <a:off x="2474058" y="1641413"/>
-            <a:ext cx="1099404" cy="646331"/>
-          </a:xfrm>
-          <a:prstGeom prst="rect">
-            <a:avLst/>
-          </a:prstGeom>
-          <a:noFill/>
-        </p:spPr>
-        <p:txBody>
-          <a:bodyPr wrap="none" lIns="91440" tIns="45720" rIns="91440" bIns="45720">
-            <a:spAutoFit/>
-          </a:bodyPr>
-          <a:lstStyle/>
-          <a:p>
-            <a:pPr algn="ctr"/>
-            <a:r>
-              <a:rPr lang="de-DE" sz="3600" b="1" cap="none" spc="0" dirty="0">
-                <a:ln w="0">
-                  <a:solidFill>
-                    <a:srgbClr val="DAD7CB"/>
-                  </a:solidFill>
-                </a:ln>
-                <a:solidFill>
-                  <a:srgbClr val="0065BD"/>
-                </a:solidFill>
-                <a:effectLst>
-                  <a:outerShdw blurRad="38100" dist="25400" dir="5400000" algn="ctr" rotWithShape="0">
-                    <a:srgbClr val="6E747A">
-                      <a:alpha val="43000"/>
-                    </a:srgbClr>
-                  </a:outerShdw>
-                </a:effectLst>
-              </a:rPr>
-              <a:t>Text</a:t>
-            </a:r>
-            <a:endParaRPr lang="de-DE" sz="5400" b="1" cap="none" spc="0" dirty="0">
-              <a:ln w="0">
-                <a:solidFill>
-                  <a:srgbClr val="DAD7CB"/>
-                </a:solidFill>
-              </a:ln>
-              <a:solidFill>
-                <a:srgbClr val="0065BD"/>
-              </a:solidFill>
-              <a:effectLst>
-                <a:outerShdw blurRad="38100" dist="25400" dir="5400000" algn="ctr" rotWithShape="0">
-                  <a:srgbClr val="6E747A">
-                    <a:alpha val="43000"/>
-                  </a:srgbClr>
-                </a:outerShdw>
-              </a:effectLst>
-            </a:endParaRPr>
-          </a:p>
-        </p:txBody>
-      </p:sp>
-      <p:sp>
-        <p:nvSpPr>
-          <p:cNvPr id="11" name="Rechteck 10">
-            <a:extLst>
-              <a:ext uri="{FF2B5EF4-FFF2-40B4-BE49-F238E27FC236}">
-                <a16:creationId xmlns:a16="http://schemas.microsoft.com/office/drawing/2014/main" id="{8FD159C3-583D-4A47-9576-F63A07D3C470}"/>
-              </a:ext>
-            </a:extLst>
-          </p:cNvPr>
-          <p:cNvSpPr/>
-          <p:nvPr/>
-        </p:nvSpPr>
-        <p:spPr>
-          <a:xfrm>
-            <a:off x="5619617" y="5590272"/>
-            <a:ext cx="1826142" cy="646331"/>
-          </a:xfrm>
-          <a:prstGeom prst="rect">
-            <a:avLst/>
-          </a:prstGeom>
-          <a:noFill/>
-        </p:spPr>
-        <p:txBody>
-          <a:bodyPr wrap="none" lIns="91440" tIns="45720" rIns="91440" bIns="45720">
-            <a:spAutoFit/>
-          </a:bodyPr>
-          <a:lstStyle/>
-          <a:p>
-            <a:pPr algn="ctr"/>
-            <a:r>
-              <a:rPr lang="de-DE" sz="3600" b="1" cap="none" spc="0" dirty="0">
-                <a:ln w="0">
-                  <a:solidFill>
-                    <a:srgbClr val="DAD7CB"/>
-                  </a:solidFill>
-                </a:ln>
-                <a:solidFill>
-                  <a:srgbClr val="0065BD"/>
-                </a:solidFill>
-                <a:effectLst>
-                  <a:outerShdw blurRad="38100" dist="25400" dir="5400000" algn="ctr" rotWithShape="0">
-                    <a:srgbClr val="6E747A">
-                      <a:alpha val="43000"/>
-                    </a:srgbClr>
-                  </a:outerShdw>
-                </a:effectLst>
-              </a:rPr>
-              <a:t>Speech</a:t>
-            </a:r>
-            <a:endParaRPr lang="de-DE" sz="5400" b="1" cap="none" spc="0" dirty="0">
-              <a:ln w="0">
-                <a:solidFill>
-                  <a:srgbClr val="DAD7CB"/>
-                </a:solidFill>
-              </a:ln>
-              <a:solidFill>
-                <a:srgbClr val="0065BD"/>
-              </a:solidFill>
-              <a:effectLst>
-                <a:outerShdw blurRad="38100" dist="25400" dir="5400000" algn="ctr" rotWithShape="0">
-                  <a:srgbClr val="6E747A">
-                    <a:alpha val="43000"/>
-                  </a:srgbClr>
-                </a:outerShdw>
-              </a:effectLst>
-            </a:endParaRPr>
-          </a:p>
-        </p:txBody>
-      </p:sp>
-      <p:sp>
-        <p:nvSpPr>
-          <p:cNvPr id="16" name="Pfeil: nach unten 15">
-            <a:extLst>
-              <a:ext uri="{FF2B5EF4-FFF2-40B4-BE49-F238E27FC236}">
-                <a16:creationId xmlns:a16="http://schemas.microsoft.com/office/drawing/2014/main" id="{1466565F-0762-483D-B8C1-765620AB3C4A}"/>
-              </a:ext>
-            </a:extLst>
-          </p:cNvPr>
-          <p:cNvSpPr/>
-          <p:nvPr/>
-        </p:nvSpPr>
-        <p:spPr>
-          <a:xfrm>
-            <a:off x="2869887" y="2233182"/>
-            <a:ext cx="305601" cy="334751"/>
-          </a:xfrm>
-          <a:prstGeom prst="downArrow">
-            <a:avLst>
-              <a:gd name="adj1" fmla="val 45325"/>
-              <a:gd name="adj2" fmla="val 53139"/>
-            </a:avLst>
-          </a:prstGeom>
-          <a:solidFill>
-            <a:srgbClr val="DAD7CB"/>
-          </a:solidFill>
-          <a:ln>
-            <a:solidFill>
-              <a:srgbClr val="DAD7CB"/>
-            </a:solidFill>
-          </a:ln>
-        </p:spPr>
-        <p:style>
-          <a:lnRef idx="2">
-            <a:schemeClr val="accent1">
-              <a:shade val="50000"/>
-            </a:schemeClr>
-          </a:lnRef>
-          <a:fillRef idx="1">
-            <a:schemeClr val="accent1"/>
-          </a:fillRef>
-          <a:effectRef idx="0">
-            <a:schemeClr val="accent1"/>
-          </a:effectRef>
-          <a:fontRef idx="minor">
-            <a:schemeClr val="lt1"/>
-          </a:fontRef>
-        </p:style>
-        <p:txBody>
-          <a:bodyPr rot="0" spcFirstLastPara="0" vertOverflow="overflow" horzOverflow="overflow" vert="horz" wrap="square" lIns="91440" tIns="45720" rIns="91440" bIns="45720" numCol="1" spcCol="0" rtlCol="0" fromWordArt="0" anchor="t" anchorCtr="0" forceAA="0" compatLnSpc="1">
-            <a:prstTxWarp prst="textNoShape">
-              <a:avLst/>
-            </a:prstTxWarp>
-            <a:noAutofit/>
-          </a:bodyPr>
-          <a:lstStyle/>
-          <a:p>
-            <a:pPr algn="ctr">
-              <a:lnSpc>
-                <a:spcPct val="114000"/>
-              </a:lnSpc>
-            </a:pPr>
-            <a:endParaRPr lang="en-US" dirty="0"/>
-          </a:p>
-        </p:txBody>
-      </p:sp>
-      <p:sp>
-        <p:nvSpPr>
-          <p:cNvPr id="18" name="Pfeil: gebogen 17">
-            <a:extLst>
-              <a:ext uri="{FF2B5EF4-FFF2-40B4-BE49-F238E27FC236}">
-                <a16:creationId xmlns:a16="http://schemas.microsoft.com/office/drawing/2014/main" id="{BB198A4D-4A0E-42C0-A72A-9EC22BAE4B60}"/>
-              </a:ext>
-            </a:extLst>
-          </p:cNvPr>
-          <p:cNvSpPr/>
-          <p:nvPr/>
-        </p:nvSpPr>
-        <p:spPr>
-          <a:xfrm rot="5400000">
-            <a:off x="4272269" y="2786769"/>
-            <a:ext cx="488096" cy="538211"/>
-          </a:xfrm>
-          <a:prstGeom prst="bentArrow">
-            <a:avLst>
-              <a:gd name="adj1" fmla="val 32309"/>
-              <a:gd name="adj2" fmla="val 31568"/>
-              <a:gd name="adj3" fmla="val 30801"/>
-              <a:gd name="adj4" fmla="val 43750"/>
-            </a:avLst>
-          </a:prstGeom>
-          <a:solidFill>
-            <a:srgbClr val="DAD7CB"/>
-          </a:solidFill>
-          <a:ln>
-            <a:noFill/>
-          </a:ln>
-        </p:spPr>
-        <p:style>
-          <a:lnRef idx="2">
-            <a:schemeClr val="accent1">
-              <a:shade val="50000"/>
-            </a:schemeClr>
-          </a:lnRef>
-          <a:fillRef idx="1">
-            <a:schemeClr val="accent1"/>
-          </a:fillRef>
-          <a:effectRef idx="0">
-            <a:schemeClr val="accent1"/>
-          </a:effectRef>
-          <a:fontRef idx="minor">
-            <a:schemeClr val="lt1"/>
-          </a:fontRef>
-        </p:style>
-        <p:txBody>
-          <a:bodyPr rot="0" spcFirstLastPara="0" vertOverflow="overflow" horzOverflow="overflow" vert="horz" wrap="square" lIns="91440" tIns="45720" rIns="91440" bIns="45720" numCol="1" spcCol="0" rtlCol="0" fromWordArt="0" anchor="t" anchorCtr="0" forceAA="0" compatLnSpc="1">
-            <a:prstTxWarp prst="textNoShape">
-              <a:avLst/>
-            </a:prstTxWarp>
-            <a:noAutofit/>
-          </a:bodyPr>
-          <a:lstStyle/>
-          <a:p>
-            <a:pPr algn="ctr">
-              <a:lnSpc>
-                <a:spcPct val="114000"/>
-              </a:lnSpc>
-            </a:pPr>
-            <a:endParaRPr lang="en-US" dirty="0">
-              <a:solidFill>
-                <a:schemeClr val="tx1"/>
-              </a:solidFill>
-            </a:endParaRPr>
-          </a:p>
-        </p:txBody>
-      </p:sp>
-      <p:sp>
-        <p:nvSpPr>
-          <p:cNvPr id="20" name="Pfeil: gebogen 19">
-            <a:extLst>
-              <a:ext uri="{FF2B5EF4-FFF2-40B4-BE49-F238E27FC236}">
-                <a16:creationId xmlns:a16="http://schemas.microsoft.com/office/drawing/2014/main" id="{C279B7DF-DAAC-42EB-BFFF-11B946C8BDC8}"/>
-              </a:ext>
-            </a:extLst>
-          </p:cNvPr>
-          <p:cNvSpPr/>
-          <p:nvPr/>
-        </p:nvSpPr>
-        <p:spPr>
-          <a:xfrm rot="5400000">
-            <a:off x="5440087" y="3499871"/>
-            <a:ext cx="488096" cy="538211"/>
-          </a:xfrm>
-          <a:prstGeom prst="bentArrow">
-            <a:avLst>
-              <a:gd name="adj1" fmla="val 32309"/>
-              <a:gd name="adj2" fmla="val 31568"/>
-              <a:gd name="adj3" fmla="val 30801"/>
-              <a:gd name="adj4" fmla="val 43750"/>
-            </a:avLst>
-          </a:prstGeom>
-          <a:solidFill>
-            <a:srgbClr val="DAD7CB"/>
-          </a:solidFill>
-          <a:ln>
-            <a:noFill/>
-          </a:ln>
-        </p:spPr>
-        <p:style>
-          <a:lnRef idx="2">
-            <a:schemeClr val="accent1">
-              <a:shade val="50000"/>
-            </a:schemeClr>
-          </a:lnRef>
-          <a:fillRef idx="1">
-            <a:schemeClr val="accent1"/>
-          </a:fillRef>
-          <a:effectRef idx="0">
-            <a:schemeClr val="accent1"/>
-          </a:effectRef>
-          <a:fontRef idx="minor">
-            <a:schemeClr val="lt1"/>
-          </a:fontRef>
-        </p:style>
-        <p:txBody>
-          <a:bodyPr rot="0" spcFirstLastPara="0" vertOverflow="overflow" horzOverflow="overflow" vert="horz" wrap="square" lIns="91440" tIns="45720" rIns="91440" bIns="45720" numCol="1" spcCol="0" rtlCol="0" fromWordArt="0" anchor="t" anchorCtr="0" forceAA="0" compatLnSpc="1">
-            <a:prstTxWarp prst="textNoShape">
-              <a:avLst/>
-            </a:prstTxWarp>
-            <a:noAutofit/>
-          </a:bodyPr>
-          <a:lstStyle/>
-          <a:p>
-            <a:pPr algn="ctr">
-              <a:lnSpc>
-                <a:spcPct val="114000"/>
-              </a:lnSpc>
-            </a:pPr>
-            <a:endParaRPr lang="en-US" dirty="0">
-              <a:solidFill>
-                <a:schemeClr val="tx1"/>
-              </a:solidFill>
-            </a:endParaRPr>
-          </a:p>
-        </p:txBody>
-      </p:sp>
-      <p:sp>
-        <p:nvSpPr>
-          <p:cNvPr id="21" name="Pfeil: gebogen 20">
-            <a:extLst>
-              <a:ext uri="{FF2B5EF4-FFF2-40B4-BE49-F238E27FC236}">
-                <a16:creationId xmlns:a16="http://schemas.microsoft.com/office/drawing/2014/main" id="{3CCEB961-BAD4-4AF3-BC5B-1D6038EA33E9}"/>
-              </a:ext>
-            </a:extLst>
-          </p:cNvPr>
-          <p:cNvSpPr/>
-          <p:nvPr/>
-        </p:nvSpPr>
-        <p:spPr>
-          <a:xfrm rot="5400000">
-            <a:off x="6602137" y="4217132"/>
-            <a:ext cx="488096" cy="538211"/>
-          </a:xfrm>
-          <a:prstGeom prst="bentArrow">
-            <a:avLst>
-              <a:gd name="adj1" fmla="val 32309"/>
-              <a:gd name="adj2" fmla="val 31568"/>
-              <a:gd name="adj3" fmla="val 30801"/>
-              <a:gd name="adj4" fmla="val 43750"/>
-            </a:avLst>
-          </a:prstGeom>
-          <a:solidFill>
-            <a:srgbClr val="DAD7CB"/>
-          </a:solidFill>
-          <a:ln>
-            <a:noFill/>
-          </a:ln>
-        </p:spPr>
-        <p:style>
-          <a:lnRef idx="2">
-            <a:schemeClr val="accent1">
-              <a:shade val="50000"/>
-            </a:schemeClr>
-          </a:lnRef>
-          <a:fillRef idx="1">
-            <a:schemeClr val="accent1"/>
-          </a:fillRef>
-          <a:effectRef idx="0">
-            <a:schemeClr val="accent1"/>
-          </a:effectRef>
-          <a:fontRef idx="minor">
-            <a:schemeClr val="lt1"/>
-          </a:fontRef>
-        </p:style>
-        <p:txBody>
-          <a:bodyPr rot="0" spcFirstLastPara="0" vertOverflow="overflow" horzOverflow="overflow" vert="horz" wrap="square" lIns="91440" tIns="45720" rIns="91440" bIns="45720" numCol="1" spcCol="0" rtlCol="0" fromWordArt="0" anchor="t" anchorCtr="0" forceAA="0" compatLnSpc="1">
-            <a:prstTxWarp prst="textNoShape">
-              <a:avLst/>
-            </a:prstTxWarp>
-            <a:noAutofit/>
-          </a:bodyPr>
-          <a:lstStyle/>
-          <a:p>
-            <a:pPr algn="ctr">
-              <a:lnSpc>
-                <a:spcPct val="114000"/>
-              </a:lnSpc>
-            </a:pPr>
-            <a:endParaRPr lang="en-US" dirty="0">
-              <a:solidFill>
-                <a:schemeClr val="tx1"/>
-              </a:solidFill>
-            </a:endParaRPr>
-          </a:p>
-        </p:txBody>
-      </p:sp>
-      <p:sp>
-        <p:nvSpPr>
-          <p:cNvPr id="23" name="Pfeil: nach unten 22">
-            <a:extLst>
-              <a:ext uri="{FF2B5EF4-FFF2-40B4-BE49-F238E27FC236}">
-                <a16:creationId xmlns:a16="http://schemas.microsoft.com/office/drawing/2014/main" id="{D46A8F93-9DD3-4342-BF47-003700968E76}"/>
-              </a:ext>
-            </a:extLst>
-          </p:cNvPr>
-          <p:cNvSpPr/>
-          <p:nvPr/>
-        </p:nvSpPr>
-        <p:spPr>
-          <a:xfrm>
-            <a:off x="6379887" y="5378658"/>
-            <a:ext cx="305601" cy="334751"/>
-          </a:xfrm>
-          <a:prstGeom prst="downArrow">
-            <a:avLst>
-              <a:gd name="adj1" fmla="val 45325"/>
-              <a:gd name="adj2" fmla="val 53139"/>
-            </a:avLst>
-          </a:prstGeom>
-          <a:solidFill>
-            <a:srgbClr val="DAD7CB"/>
-          </a:solidFill>
-          <a:ln>
-            <a:solidFill>
-              <a:srgbClr val="DAD7CB"/>
-            </a:solidFill>
-          </a:ln>
-        </p:spPr>
-        <p:style>
-          <a:lnRef idx="2">
-            <a:schemeClr val="accent1">
-              <a:shade val="50000"/>
-            </a:schemeClr>
-          </a:lnRef>
-          <a:fillRef idx="1">
-            <a:schemeClr val="accent1"/>
-          </a:fillRef>
-          <a:effectRef idx="0">
-            <a:schemeClr val="accent1"/>
-          </a:effectRef>
-          <a:fontRef idx="minor">
-            <a:schemeClr val="lt1"/>
-          </a:fontRef>
-        </p:style>
-        <p:txBody>
-          <a:bodyPr rot="0" spcFirstLastPara="0" vertOverflow="overflow" horzOverflow="overflow" vert="horz" wrap="square" lIns="91440" tIns="45720" rIns="91440" bIns="45720" numCol="1" spcCol="0" rtlCol="0" fromWordArt="0" anchor="t" anchorCtr="0" forceAA="0" compatLnSpc="1">
-            <a:prstTxWarp prst="textNoShape">
-              <a:avLst/>
-            </a:prstTxWarp>
-            <a:noAutofit/>
-          </a:bodyPr>
-          <a:lstStyle/>
-          <a:p>
-            <a:pPr algn="ctr">
-              <a:lnSpc>
-                <a:spcPct val="114000"/>
-              </a:lnSpc>
-            </a:pPr>
-            <a:endParaRPr lang="en-US" dirty="0"/>
-          </a:p>
-        </p:txBody>
-      </p:sp>
-      <p:grpSp>
-        <p:nvGrpSpPr>
-          <p:cNvPr id="17" name="Gruppieren 16">
-            <a:extLst>
-              <a:ext uri="{FF2B5EF4-FFF2-40B4-BE49-F238E27FC236}">
-                <a16:creationId xmlns:a16="http://schemas.microsoft.com/office/drawing/2014/main" id="{159FCA97-8E34-4F87-849D-A822DB046B90}"/>
-              </a:ext>
-            </a:extLst>
-          </p:cNvPr>
-          <p:cNvGrpSpPr/>
-          <p:nvPr/>
-        </p:nvGrpSpPr>
-        <p:grpSpPr>
-          <a:xfrm>
-            <a:off x="227850" y="2689531"/>
-            <a:ext cx="1382110" cy="1840526"/>
-            <a:chOff x="357241" y="2689531"/>
-            <a:chExt cx="1382110" cy="1840526"/>
-          </a:xfrm>
-        </p:grpSpPr>
-        <p:sp>
-          <p:nvSpPr>
-            <p:cNvPr id="22" name="Rechteck 21">
-              <a:extLst>
-                <a:ext uri="{FF2B5EF4-FFF2-40B4-BE49-F238E27FC236}">
-                  <a16:creationId xmlns:a16="http://schemas.microsoft.com/office/drawing/2014/main" id="{8CB83EF0-5086-40C2-AA1E-8048EDE1A8EF}"/>
-                </a:ext>
-              </a:extLst>
-            </p:cNvPr>
-            <p:cNvSpPr/>
-            <p:nvPr/>
-          </p:nvSpPr>
-          <p:spPr>
-            <a:xfrm>
-              <a:off x="357241" y="2689531"/>
-              <a:ext cx="1382110" cy="400110"/>
-            </a:xfrm>
-            <a:prstGeom prst="rect">
-              <a:avLst/>
-            </a:prstGeom>
-            <a:noFill/>
-          </p:spPr>
-          <p:txBody>
-            <a:bodyPr wrap="none" lIns="91440" tIns="45720" rIns="91440" bIns="45720">
-              <a:spAutoFit/>
-            </a:bodyPr>
-            <a:lstStyle/>
-            <a:p>
-              <a:pPr algn="ctr"/>
-              <a:r>
-                <a:rPr lang="de-DE" sz="2000" b="1" cap="none" spc="0" dirty="0">
-                  <a:ln w="0">
-                    <a:solidFill>
-                      <a:srgbClr val="DAD7CB"/>
-                    </a:solidFill>
-                  </a:ln>
-                  <a:solidFill>
-                    <a:srgbClr val="E37222"/>
-                  </a:solidFill>
-                  <a:effectLst>
-                    <a:outerShdw blurRad="38100" dist="25400" dir="5400000" algn="ctr" rotWithShape="0">
-                      <a:srgbClr val="6E747A">
-                        <a:alpha val="43000"/>
-                      </a:srgbClr>
-                    </a:outerShdw>
-                  </a:effectLst>
-                </a:rPr>
-                <a:t>Front-end</a:t>
-              </a:r>
-              <a:endParaRPr lang="de-DE" sz="4000" b="1" cap="none" spc="0" dirty="0">
-                <a:ln w="0">
-                  <a:solidFill>
-                    <a:srgbClr val="DAD7CB"/>
-                  </a:solidFill>
-                </a:ln>
-                <a:solidFill>
-                  <a:srgbClr val="E37222"/>
-                </a:solidFill>
-                <a:effectLst>
-                  <a:outerShdw blurRad="38100" dist="25400" dir="5400000" algn="ctr" rotWithShape="0">
-                    <a:srgbClr val="6E747A">
-                      <a:alpha val="43000"/>
-                    </a:srgbClr>
-                  </a:outerShdw>
-                </a:effectLst>
-              </a:endParaRPr>
-            </a:p>
-          </p:txBody>
-        </p:sp>
-        <p:sp>
-          <p:nvSpPr>
-            <p:cNvPr id="25" name="Rechteck 24">
-              <a:extLst>
-                <a:ext uri="{FF2B5EF4-FFF2-40B4-BE49-F238E27FC236}">
-                  <a16:creationId xmlns:a16="http://schemas.microsoft.com/office/drawing/2014/main" id="{7E180CDF-9237-4732-A4E8-29406C4E43E0}"/>
-                </a:ext>
-              </a:extLst>
-            </p:cNvPr>
-            <p:cNvSpPr/>
-            <p:nvPr/>
-          </p:nvSpPr>
-          <p:spPr>
-            <a:xfrm>
-              <a:off x="357241" y="4129947"/>
-              <a:ext cx="1340432" cy="400110"/>
-            </a:xfrm>
-            <a:prstGeom prst="rect">
-              <a:avLst/>
-            </a:prstGeom>
-            <a:noFill/>
-          </p:spPr>
-          <p:txBody>
-            <a:bodyPr wrap="none" lIns="91440" tIns="45720" rIns="91440" bIns="45720">
-              <a:spAutoFit/>
-            </a:bodyPr>
-            <a:lstStyle/>
-            <a:p>
-              <a:pPr algn="ctr"/>
-              <a:r>
-                <a:rPr lang="de-DE" sz="2000" b="1" cap="none" spc="0" dirty="0">
-                  <a:ln w="0">
-                    <a:solidFill>
-                      <a:srgbClr val="DAD7CB"/>
-                    </a:solidFill>
-                  </a:ln>
-                  <a:solidFill>
-                    <a:srgbClr val="E37222"/>
-                  </a:solidFill>
-                  <a:effectLst>
-                    <a:outerShdw blurRad="38100" dist="25400" dir="5400000" algn="ctr" rotWithShape="0">
-                      <a:srgbClr val="6E747A">
-                        <a:alpha val="43000"/>
-                      </a:srgbClr>
-                    </a:outerShdw>
-                  </a:effectLst>
-                </a:rPr>
-                <a:t>Back-end</a:t>
-              </a:r>
-              <a:endParaRPr lang="de-DE" sz="4000" b="1" cap="none" spc="0" dirty="0">
-                <a:ln w="0">
-                  <a:solidFill>
-                    <a:srgbClr val="DAD7CB"/>
-                  </a:solidFill>
-                </a:ln>
-                <a:solidFill>
-                  <a:srgbClr val="E37222"/>
-                </a:solidFill>
-                <a:effectLst>
-                  <a:outerShdw blurRad="38100" dist="25400" dir="5400000" algn="ctr" rotWithShape="0">
-                    <a:srgbClr val="6E747A">
-                      <a:alpha val="43000"/>
-                    </a:srgbClr>
-                  </a:outerShdw>
-                </a:effectLst>
-              </a:endParaRPr>
-            </a:p>
-          </p:txBody>
-        </p:sp>
-      </p:grpSp>
-      <p:sp>
-        <p:nvSpPr>
-          <p:cNvPr id="24" name="Rechteck 23">
-            <a:extLst>
-              <a:ext uri="{FF2B5EF4-FFF2-40B4-BE49-F238E27FC236}">
-                <a16:creationId xmlns:a16="http://schemas.microsoft.com/office/drawing/2014/main" id="{50624DDF-4ABD-4F3E-8E9A-346499394376}"/>
-              </a:ext>
-            </a:extLst>
-          </p:cNvPr>
-          <p:cNvSpPr/>
-          <p:nvPr/>
-        </p:nvSpPr>
-        <p:spPr>
-          <a:xfrm>
-            <a:off x="4728278" y="2626051"/>
-            <a:ext cx="2069797" cy="369332"/>
-          </a:xfrm>
-          <a:prstGeom prst="rect">
-            <a:avLst/>
-          </a:prstGeom>
-          <a:noFill/>
-        </p:spPr>
-        <p:txBody>
-          <a:bodyPr wrap="none" lIns="91440" tIns="45720" rIns="91440" bIns="45720">
-            <a:spAutoFit/>
-          </a:bodyPr>
-          <a:lstStyle/>
-          <a:p>
-            <a:pPr algn="ctr"/>
-            <a:r>
-              <a:rPr lang="de-DE" b="1" cap="none" spc="0" dirty="0" err="1">
-                <a:ln w="0">
-                  <a:solidFill>
-                    <a:srgbClr val="DAD7CB"/>
-                  </a:solidFill>
-                </a:ln>
-                <a:solidFill>
-                  <a:srgbClr val="E37222"/>
-                </a:solidFill>
-                <a:effectLst>
-                  <a:outerShdw blurRad="38100" dist="25400" dir="5400000" algn="ctr" rotWithShape="0">
-                    <a:srgbClr val="6E747A">
-                      <a:alpha val="43000"/>
-                    </a:srgbClr>
-                  </a:outerShdw>
-                </a:effectLst>
-              </a:rPr>
-              <a:t>Context</a:t>
-            </a:r>
-            <a:r>
-              <a:rPr lang="de-DE" b="1" cap="none" spc="0" dirty="0">
-                <a:ln w="0">
-                  <a:solidFill>
-                    <a:srgbClr val="DAD7CB"/>
-                  </a:solidFill>
-                </a:ln>
-                <a:solidFill>
-                  <a:srgbClr val="E37222"/>
-                </a:solidFill>
-                <a:effectLst>
-                  <a:outerShdw blurRad="38100" dist="25400" dir="5400000" algn="ctr" rotWithShape="0">
-                    <a:srgbClr val="6E747A">
-                      <a:alpha val="43000"/>
-                    </a:srgbClr>
-                  </a:outerShdw>
-                </a:effectLst>
-              </a:rPr>
-              <a:t> Features</a:t>
-            </a:r>
-          </a:p>
-        </p:txBody>
-      </p:sp>
-      <p:sp>
-        <p:nvSpPr>
-          <p:cNvPr id="26" name="Rechteck 25">
-            <a:extLst>
-              <a:ext uri="{FF2B5EF4-FFF2-40B4-BE49-F238E27FC236}">
-                <a16:creationId xmlns:a16="http://schemas.microsoft.com/office/drawing/2014/main" id="{264E0391-76E6-48ED-9C54-41CFB9B91AC6}"/>
-              </a:ext>
-            </a:extLst>
-          </p:cNvPr>
-          <p:cNvSpPr/>
-          <p:nvPr/>
-        </p:nvSpPr>
-        <p:spPr>
-          <a:xfrm>
-            <a:off x="5851560" y="3307749"/>
-            <a:ext cx="2185214" cy="369332"/>
-          </a:xfrm>
-          <a:prstGeom prst="rect">
-            <a:avLst/>
-          </a:prstGeom>
-          <a:noFill/>
-        </p:spPr>
-        <p:txBody>
-          <a:bodyPr wrap="none" lIns="91440" tIns="45720" rIns="91440" bIns="45720">
-            <a:spAutoFit/>
-          </a:bodyPr>
-          <a:lstStyle/>
-          <a:p>
-            <a:pPr algn="ctr"/>
-            <a:r>
-              <a:rPr lang="de-DE" b="1" cap="none" spc="0" dirty="0" err="1">
-                <a:ln w="0">
-                  <a:solidFill>
-                    <a:srgbClr val="DAD7CB"/>
-                  </a:solidFill>
-                </a:ln>
-                <a:solidFill>
-                  <a:srgbClr val="E37222"/>
-                </a:solidFill>
-                <a:effectLst>
-                  <a:outerShdw blurRad="38100" dist="25400" dir="5400000" algn="ctr" rotWithShape="0">
-                    <a:srgbClr val="6E747A">
-                      <a:alpha val="43000"/>
-                    </a:srgbClr>
-                  </a:outerShdw>
-                </a:effectLst>
-              </a:rPr>
-              <a:t>Acoustic</a:t>
-            </a:r>
-            <a:r>
-              <a:rPr lang="de-DE" b="1" cap="none" spc="0" dirty="0">
-                <a:ln w="0">
-                  <a:solidFill>
-                    <a:srgbClr val="DAD7CB"/>
-                  </a:solidFill>
-                </a:ln>
-                <a:solidFill>
-                  <a:srgbClr val="E37222"/>
-                </a:solidFill>
-                <a:effectLst>
-                  <a:outerShdw blurRad="38100" dist="25400" dir="5400000" algn="ctr" rotWithShape="0">
-                    <a:srgbClr val="6E747A">
-                      <a:alpha val="43000"/>
-                    </a:srgbClr>
-                  </a:outerShdw>
-                </a:effectLst>
-              </a:rPr>
-              <a:t> Features</a:t>
-            </a:r>
-          </a:p>
-        </p:txBody>
-      </p:sp>
-      <p:sp>
-        <p:nvSpPr>
-          <p:cNvPr id="27" name="Rechteck 26">
-            <a:extLst>
-              <a:ext uri="{FF2B5EF4-FFF2-40B4-BE49-F238E27FC236}">
-                <a16:creationId xmlns:a16="http://schemas.microsoft.com/office/drawing/2014/main" id="{E5725490-20FB-4606-91B1-C7AE40B7AAD4}"/>
-              </a:ext>
-            </a:extLst>
-          </p:cNvPr>
-          <p:cNvSpPr/>
-          <p:nvPr/>
-        </p:nvSpPr>
-        <p:spPr>
-          <a:xfrm>
-            <a:off x="6848030" y="3905165"/>
-            <a:ext cx="2390398" cy="646331"/>
-          </a:xfrm>
-          <a:prstGeom prst="rect">
-            <a:avLst/>
-          </a:prstGeom>
-          <a:noFill/>
-        </p:spPr>
-        <p:txBody>
-          <a:bodyPr wrap="none" lIns="91440" tIns="45720" rIns="91440" bIns="45720">
-            <a:spAutoFit/>
-          </a:bodyPr>
-          <a:lstStyle/>
-          <a:p>
-            <a:pPr algn="ctr"/>
-            <a:r>
-              <a:rPr lang="de-DE" b="1" dirty="0">
-                <a:ln w="0">
-                  <a:solidFill>
-                    <a:srgbClr val="DAD7CB"/>
-                  </a:solidFill>
-                </a:ln>
-                <a:solidFill>
-                  <a:srgbClr val="E37222"/>
-                </a:solidFill>
-                <a:effectLst>
-                  <a:outerShdw blurRad="38100" dist="25400" dir="5400000" algn="ctr" rotWithShape="0">
-                    <a:srgbClr val="6E747A">
-                      <a:alpha val="43000"/>
-                    </a:srgbClr>
-                  </a:outerShdw>
-                </a:effectLst>
-              </a:rPr>
-              <a:t>Speech Parameters </a:t>
-            </a:r>
-          </a:p>
-          <a:p>
-            <a:pPr algn="ctr"/>
-            <a:r>
-              <a:rPr lang="de-DE" b="1" dirty="0" err="1">
-                <a:ln w="0">
-                  <a:solidFill>
-                    <a:srgbClr val="DAD7CB"/>
-                  </a:solidFill>
-                </a:ln>
-                <a:solidFill>
-                  <a:srgbClr val="E37222"/>
-                </a:solidFill>
-                <a:effectLst>
-                  <a:outerShdw blurRad="38100" dist="25400" dir="5400000" algn="ctr" rotWithShape="0">
-                    <a:srgbClr val="6E747A">
-                      <a:alpha val="43000"/>
-                    </a:srgbClr>
-                  </a:outerShdw>
-                </a:effectLst>
-              </a:rPr>
-              <a:t>Trajectories</a:t>
-            </a:r>
-            <a:endParaRPr lang="de-DE" b="1" cap="none" spc="0" dirty="0">
-              <a:ln w="0">
-                <a:solidFill>
-                  <a:srgbClr val="DAD7CB"/>
-                </a:solidFill>
-              </a:ln>
-              <a:solidFill>
-                <a:srgbClr val="E37222"/>
-              </a:solidFill>
-              <a:effectLst>
-                <a:outerShdw blurRad="38100" dist="25400" dir="5400000" algn="ctr" rotWithShape="0">
-                  <a:srgbClr val="6E747A">
-                    <a:alpha val="43000"/>
-                  </a:srgbClr>
-                </a:outerShdw>
-              </a:effectLst>
-            </a:endParaRPr>
-          </a:p>
-        </p:txBody>
-      </p:sp>
-    </p:spTree>
-    <p:extLst>
-      <p:ext uri="{BB962C8B-B14F-4D97-AF65-F5344CB8AC3E}">
-        <p14:creationId xmlns:p14="http://schemas.microsoft.com/office/powerpoint/2010/main" val="146294467"/>
-      </p:ext>
-    </p:extLst>
-  </p:cSld>
-  <p:clrMapOvr>
-    <a:masterClrMapping/>
-  </p:clrMapOvr>
-  <p:timing>
-    <p:tnLst>
-      <p:par>
-        <p:cTn id="1" dur="indefinite" restart="never" nodeType="tmRoot">
-          <p:childTnLst>
-            <p:seq concurrent="1" nextAc="seek">
-              <p:cTn id="2" dur="indefinite" nodeType="mainSeq">
-                <p:childTnLst>
-                  <p:par>
-                    <p:cTn id="3" fill="hold">
-                      <p:stCondLst>
-                        <p:cond delay="indefinite"/>
-                      </p:stCondLst>
-                      <p:childTnLst>
-                        <p:par>
-                          <p:cTn id="4" fill="hold">
-                            <p:stCondLst>
-                              <p:cond delay="0"/>
-                            </p:stCondLst>
-                            <p:childTnLst>
-                              <p:par>
-                                <p:cTn id="5" presetID="1" presetClass="entr" presetSubtype="0" fill="hold" nodeType="clickEffect">
-                                  <p:stCondLst>
-                                    <p:cond delay="0"/>
-                                  </p:stCondLst>
-                                  <p:childTnLst>
-                                    <p:set>
-                                      <p:cBhvr>
-                                        <p:cTn id="6" dur="1" fill="hold">
-                                          <p:stCondLst>
-                                            <p:cond delay="0"/>
-                                          </p:stCondLst>
-                                        </p:cTn>
-                                        <p:tgtEl>
-                                          <p:spTgt spid="17"/>
-                                        </p:tgtEl>
-                                        <p:attrNameLst>
-                                          <p:attrName>style.visibility</p:attrName>
-                                        </p:attrNameLst>
-                                      </p:cBhvr>
-                                      <p:to>
-                                        <p:strVal val="visible"/>
-                                      </p:to>
-                                    </p:set>
-                                  </p:childTnLst>
-                                </p:cTn>
-                              </p:par>
-                            </p:childTnLst>
-                          </p:cTn>
-                        </p:par>
-                      </p:childTnLst>
-                    </p:cTn>
-                  </p:par>
-                  <p:par>
-                    <p:cTn id="7" fill="hold">
-                      <p:stCondLst>
-                        <p:cond delay="indefinite"/>
-                      </p:stCondLst>
-                      <p:childTnLst>
-                        <p:par>
-                          <p:cTn id="8" fill="hold">
-                            <p:stCondLst>
-                              <p:cond delay="0"/>
-                            </p:stCondLst>
-                            <p:childTnLst>
-                              <p:par>
-                                <p:cTn id="9" presetID="1" presetClass="exit" presetSubtype="0" fill="hold" nodeType="clickEffect">
-                                  <p:stCondLst>
-                                    <p:cond delay="0"/>
-                                  </p:stCondLst>
-                                  <p:childTnLst>
-                                    <p:set>
-                                      <p:cBhvr>
-                                        <p:cTn id="10" dur="1" fill="hold">
-                                          <p:stCondLst>
-                                            <p:cond delay="0"/>
-                                          </p:stCondLst>
-                                        </p:cTn>
-                                        <p:tgtEl>
-                                          <p:spTgt spid="17"/>
-                                        </p:tgtEl>
-                                        <p:attrNameLst>
-                                          <p:attrName>style.visibility</p:attrName>
-                                        </p:attrNameLst>
-                                      </p:cBhvr>
-                                      <p:to>
-                                        <p:strVal val="hidden"/>
-                                      </p:to>
-                                    </p:set>
-                                  </p:childTnLst>
-                                </p:cTn>
-                              </p:par>
-                            </p:childTnLst>
-                          </p:cTn>
-                        </p:par>
-                      </p:childTnLst>
-                    </p:cTn>
-                  </p:par>
-                  <p:par>
-                    <p:cTn id="11" fill="hold">
-                      <p:stCondLst>
-                        <p:cond delay="indefinite"/>
-                      </p:stCondLst>
-                      <p:childTnLst>
-                        <p:par>
-                          <p:cTn id="12" fill="hold">
-                            <p:stCondLst>
-                              <p:cond delay="0"/>
-                            </p:stCondLst>
-                            <p:childTnLst>
-                              <p:par>
-                                <p:cTn id="13" presetID="1" presetClass="entr" presetSubtype="0" fill="hold" grpId="0" nodeType="clickEffect">
-                                  <p:stCondLst>
-                                    <p:cond delay="0"/>
-                                  </p:stCondLst>
-                                  <p:childTnLst>
-                                    <p:set>
-                                      <p:cBhvr>
-                                        <p:cTn id="14" dur="1" fill="hold">
-                                          <p:stCondLst>
-                                            <p:cond delay="0"/>
-                                          </p:stCondLst>
-                                        </p:cTn>
-                                        <p:tgtEl>
-                                          <p:spTgt spid="24"/>
-                                        </p:tgtEl>
-                                        <p:attrNameLst>
-                                          <p:attrName>style.visibility</p:attrName>
-                                        </p:attrNameLst>
-                                      </p:cBhvr>
-                                      <p:to>
-                                        <p:strVal val="visible"/>
-                                      </p:to>
-                                    </p:set>
-                                  </p:childTnLst>
-                                </p:cTn>
-                              </p:par>
-                            </p:childTnLst>
-                          </p:cTn>
-                        </p:par>
-                      </p:childTnLst>
-                    </p:cTn>
-                  </p:par>
-                  <p:par>
-                    <p:cTn id="15" fill="hold">
-                      <p:stCondLst>
-                        <p:cond delay="indefinite"/>
-                      </p:stCondLst>
-                      <p:childTnLst>
-                        <p:par>
-                          <p:cTn id="16" fill="hold">
-                            <p:stCondLst>
-                              <p:cond delay="0"/>
-                            </p:stCondLst>
-                            <p:childTnLst>
-                              <p:par>
-                                <p:cTn id="17" presetID="1" presetClass="entr" presetSubtype="0" fill="hold" grpId="0" nodeType="clickEffect">
-                                  <p:stCondLst>
-                                    <p:cond delay="0"/>
-                                  </p:stCondLst>
-                                  <p:childTnLst>
-                                    <p:set>
-                                      <p:cBhvr>
-                                        <p:cTn id="18" dur="1" fill="hold">
-                                          <p:stCondLst>
-                                            <p:cond delay="0"/>
-                                          </p:stCondLst>
-                                        </p:cTn>
-                                        <p:tgtEl>
-                                          <p:spTgt spid="26"/>
-                                        </p:tgtEl>
-                                        <p:attrNameLst>
-                                          <p:attrName>style.visibility</p:attrName>
-                                        </p:attrNameLst>
-                                      </p:cBhvr>
-                                      <p:to>
-                                        <p:strVal val="visible"/>
-                                      </p:to>
-                                    </p:set>
-                                  </p:childTnLst>
-                                </p:cTn>
-                              </p:par>
-                            </p:childTnLst>
-                          </p:cTn>
-                        </p:par>
-                      </p:childTnLst>
-                    </p:cTn>
-                  </p:par>
-                  <p:par>
-                    <p:cTn id="19" fill="hold">
-                      <p:stCondLst>
-                        <p:cond delay="indefinite"/>
-                      </p:stCondLst>
-                      <p:childTnLst>
-                        <p:par>
-                          <p:cTn id="20" fill="hold">
-                            <p:stCondLst>
-                              <p:cond delay="0"/>
-                            </p:stCondLst>
-                            <p:childTnLst>
-                              <p:par>
-                                <p:cTn id="21" presetID="1" presetClass="entr" presetSubtype="0" fill="hold" grpId="0" nodeType="clickEffect">
-                                  <p:stCondLst>
-                                    <p:cond delay="0"/>
-                                  </p:stCondLst>
-                                  <p:childTnLst>
-                                    <p:set>
-                                      <p:cBhvr>
-                                        <p:cTn id="22" dur="1" fill="hold">
-                                          <p:stCondLst>
-                                            <p:cond delay="0"/>
-                                          </p:stCondLst>
-                                        </p:cTn>
-                                        <p:tgtEl>
-                                          <p:spTgt spid="27"/>
-                                        </p:tgtEl>
-                                        <p:attrNameLst>
-                                          <p:attrName>style.visibility</p:attrName>
-                                        </p:attrNameLst>
-                                      </p:cBhvr>
-                                      <p:to>
-                                        <p:strVal val="visible"/>
-                                      </p:to>
-                                    </p:set>
-                                  </p:childTnLst>
-                                </p:cTn>
-                              </p:par>
-                            </p:childTnLst>
-                          </p:cTn>
-                        </p:par>
-                      </p:childTnLst>
-                    </p:cTn>
-                  </p:par>
-                </p:childTnLst>
-              </p:cTn>
-              <p:prevCondLst>
-                <p:cond evt="onPrev" delay="0">
-                  <p:tgtEl>
-                    <p:sldTgt/>
-                  </p:tgtEl>
-                </p:cond>
-              </p:prevCondLst>
-              <p:nextCondLst>
-                <p:cond evt="onNext" delay="0">
-                  <p:tgtEl>
-                    <p:sldTgt/>
-                  </p:tgtEl>
-                </p:cond>
-              </p:nextCondLst>
-            </p:seq>
-          </p:childTnLst>
-        </p:cTn>
-      </p:par>
-    </p:tnLst>
-    <p:bldLst>
-      <p:bldP spid="24" grpId="0"/>
-      <p:bldP spid="26" grpId="0"/>
-      <p:bldP spid="27" grpId="0"/>
-    </p:bldLst>
-  </p:timing>
-</p:sld>
-</file>
-
-<file path=ppt/slides/slide24.xml><?xml version="1.0" encoding="utf-8"?>
-<p:sld xmlns:a="http://schemas.openxmlformats.org/drawingml/2006/main" xmlns:r="http://schemas.openxmlformats.org/officeDocument/2006/relationships" xmlns:p="http://schemas.openxmlformats.org/presentationml/2006/main" show="0">
-  <p:cSld>
-    <p:spTree>
-      <p:nvGrpSpPr>
-        <p:cNvPr id="1" name=""/>
-        <p:cNvGrpSpPr/>
-        <p:nvPr/>
-      </p:nvGrpSpPr>
-      <p:grpSpPr>
-        <a:xfrm>
-          <a:off x="0" y="0"/>
-          <a:ext cx="0" cy="0"/>
-          <a:chOff x="0" y="0"/>
-          <a:chExt cx="0" cy="0"/>
-        </a:xfrm>
-      </p:grpSpPr>
-      <p:sp>
-        <p:nvSpPr>
           <p:cNvPr id="2" name="Inhaltsplatzhalter 1">
             <a:extLst>
               <a:ext uri="{FF2B5EF4-FFF2-40B4-BE49-F238E27FC236}">
@@ -32456,7 +31406,7 @@
             <a:fld id="{CE58CB1E-F828-4F11-99E0-327109AF9DA4}" type="slidenum">
               <a:rPr lang="de-DE" smtClean="0"/>
               <a:pPr/>
-              <a:t>24</a:t>
+              <a:t>23</a:t>
             </a:fld>
             <a:endParaRPr lang="de-DE" dirty="0"/>
           </a:p>
@@ -32861,7 +31811,7 @@
 </p:sld>
 </file>
 
-<file path=ppt/slides/slide25.xml><?xml version="1.0" encoding="utf-8"?>
+<file path=ppt/slides/slide24.xml><?xml version="1.0" encoding="utf-8"?>
 <p:sld xmlns:a="http://schemas.openxmlformats.org/drawingml/2006/main" xmlns:r="http://schemas.openxmlformats.org/officeDocument/2006/relationships" xmlns:p="http://schemas.openxmlformats.org/presentationml/2006/main" show="0">
   <p:cSld>
     <p:spTree>
@@ -32952,7 +31902,7 @@
             <a:fld id="{CE58CB1E-F828-4F11-99E0-327109AF9DA4}" type="slidenum">
               <a:rPr lang="de-DE" smtClean="0"/>
               <a:pPr/>
-              <a:t>25</a:t>
+              <a:t>24</a:t>
             </a:fld>
             <a:endParaRPr lang="de-DE" dirty="0"/>
           </a:p>
@@ -32995,171 +31945,6 @@
     <p:extLst>
       <p:ext uri="{BB962C8B-B14F-4D97-AF65-F5344CB8AC3E}">
         <p14:creationId xmlns:p14="http://schemas.microsoft.com/office/powerpoint/2010/main" val="3044677271"/>
-      </p:ext>
-    </p:extLst>
-  </p:cSld>
-  <p:clrMapOvr>
-    <a:masterClrMapping/>
-  </p:clrMapOvr>
-</p:sld>
-</file>
-
-<file path=ppt/slides/slide26.xml><?xml version="1.0" encoding="utf-8"?>
-<p:sld xmlns:a="http://schemas.openxmlformats.org/drawingml/2006/main" xmlns:r="http://schemas.openxmlformats.org/officeDocument/2006/relationships" xmlns:p="http://schemas.openxmlformats.org/presentationml/2006/main" show="0">
-  <p:cSld>
-    <p:spTree>
-      <p:nvGrpSpPr>
-        <p:cNvPr id="1" name=""/>
-        <p:cNvGrpSpPr/>
-        <p:nvPr/>
-      </p:nvGrpSpPr>
-      <p:grpSpPr>
-        <a:xfrm>
-          <a:off x="0" y="0"/>
-          <a:ext cx="0" cy="0"/>
-          <a:chOff x="0" y="0"/>
-          <a:chExt cx="0" cy="0"/>
-        </a:xfrm>
-      </p:grpSpPr>
-      <p:sp>
-        <p:nvSpPr>
-          <p:cNvPr id="3" name="Foliennummernplatzhalter 2">
-            <a:extLst>
-              <a:ext uri="{FF2B5EF4-FFF2-40B4-BE49-F238E27FC236}">
-                <a16:creationId xmlns:a16="http://schemas.microsoft.com/office/drawing/2014/main" id="{A366489A-8C80-4D71-99AB-A1991302B570}"/>
-              </a:ext>
-            </a:extLst>
-          </p:cNvPr>
-          <p:cNvSpPr>
-            <a:spLocks noGrp="1"/>
-          </p:cNvSpPr>
-          <p:nvPr>
-            <p:ph type="sldNum" sz="quarter" idx="11"/>
-          </p:nvPr>
-        </p:nvSpPr>
-        <p:spPr/>
-        <p:txBody>
-          <a:bodyPr/>
-          <a:lstStyle/>
-          <a:p>
-            <a:fld id="{CE58CB1E-F828-4F11-99E0-327109AF9DA4}" type="slidenum">
-              <a:rPr lang="de-DE" smtClean="0"/>
-              <a:pPr/>
-              <a:t>26</a:t>
-            </a:fld>
-            <a:endParaRPr lang="de-DE" dirty="0"/>
-          </a:p>
-        </p:txBody>
-      </p:sp>
-      <p:sp>
-        <p:nvSpPr>
-          <p:cNvPr id="6" name="Titel 5">
-            <a:extLst>
-              <a:ext uri="{FF2B5EF4-FFF2-40B4-BE49-F238E27FC236}">
-                <a16:creationId xmlns:a16="http://schemas.microsoft.com/office/drawing/2014/main" id="{AF4FFFC7-AFD1-43AD-B0C0-CB8EF4855441}"/>
-              </a:ext>
-            </a:extLst>
-          </p:cNvPr>
-          <p:cNvSpPr>
-            <a:spLocks noGrp="1"/>
-          </p:cNvSpPr>
-          <p:nvPr>
-            <p:ph type="title"/>
-          </p:nvPr>
-        </p:nvSpPr>
-        <p:spPr/>
-        <p:txBody>
-          <a:bodyPr/>
-          <a:lstStyle/>
-          <a:p>
-            <a:r>
-              <a:rPr lang="de-DE" dirty="0" err="1"/>
-              <a:t>To</a:t>
-            </a:r>
-            <a:r>
-              <a:rPr lang="de-DE" dirty="0"/>
-              <a:t> Do:</a:t>
-            </a:r>
-            <a:endParaRPr lang="en-US" dirty="0"/>
-          </a:p>
-        </p:txBody>
-      </p:sp>
-      <p:sp>
-        <p:nvSpPr>
-          <p:cNvPr id="7" name="Inhaltsplatzhalter 1">
-            <a:extLst>
-              <a:ext uri="{FF2B5EF4-FFF2-40B4-BE49-F238E27FC236}">
-                <a16:creationId xmlns:a16="http://schemas.microsoft.com/office/drawing/2014/main" id="{023F1E19-4D86-40F0-A196-BB880250BBF1}"/>
-              </a:ext>
-            </a:extLst>
-          </p:cNvPr>
-          <p:cNvSpPr>
-            <a:spLocks noGrp="1"/>
-          </p:cNvSpPr>
-          <p:nvPr>
-            <p:ph idx="10"/>
-          </p:nvPr>
-        </p:nvSpPr>
-        <p:spPr>
-          <a:xfrm>
-            <a:off x="319088" y="1978720"/>
-            <a:ext cx="8508999" cy="4330640"/>
-          </a:xfrm>
-        </p:spPr>
-        <p:txBody>
-          <a:bodyPr/>
-          <a:lstStyle/>
-          <a:p>
-            <a:pPr marL="285750" indent="-285750">
-              <a:buFont typeface="Arial" panose="020B0604020202020204" pitchFamily="34" charset="0"/>
-              <a:buChar char="•"/>
-            </a:pPr>
-            <a:r>
-              <a:rPr lang="de-DE" dirty="0"/>
-              <a:t>Sources</a:t>
-            </a:r>
-          </a:p>
-          <a:p>
-            <a:pPr marL="285750" indent="-285750">
-              <a:buFont typeface="Arial" panose="020B0604020202020204" pitchFamily="34" charset="0"/>
-              <a:buChar char="•"/>
-            </a:pPr>
-            <a:r>
-              <a:rPr lang="de-DE" dirty="0"/>
-              <a:t>Sounds </a:t>
-            </a:r>
-            <a:r>
-              <a:rPr lang="de-DE" dirty="0" err="1"/>
-              <a:t>as</a:t>
-            </a:r>
-            <a:r>
-              <a:rPr lang="de-DE" dirty="0"/>
-              <a:t> Intro and Outro ?!</a:t>
-            </a:r>
-          </a:p>
-          <a:p>
-            <a:pPr marL="285750" indent="-285750">
-              <a:buFont typeface="Arial" panose="020B0604020202020204" pitchFamily="34" charset="0"/>
-              <a:buChar char="•"/>
-            </a:pPr>
-            <a:endParaRPr lang="de-DE" dirty="0"/>
-          </a:p>
-          <a:p>
-            <a:pPr marL="285750" indent="-285750">
-              <a:buFont typeface="Arial" panose="020B0604020202020204" pitchFamily="34" charset="0"/>
-              <a:buChar char="•"/>
-            </a:pPr>
-            <a:r>
-              <a:rPr lang="de-DE" dirty="0"/>
-              <a:t>Handouts?!</a:t>
-            </a:r>
-          </a:p>
-        </p:txBody>
-      </p:sp>
-    </p:spTree>
-    <p:extLst>
-      <p:ext uri="{BB962C8B-B14F-4D97-AF65-F5344CB8AC3E}">
-        <p14:creationId xmlns:p14="http://schemas.microsoft.com/office/powerpoint/2010/main" val="2315660020"/>
       </p:ext>
     </p:extLst>
   </p:cSld>
@@ -34361,8 +33146,8 @@
         </p:nvSpPr>
         <p:spPr>
           <a:xfrm rot="20986066">
-            <a:off x="3631502" y="5249155"/>
-            <a:ext cx="5103193" cy="523220"/>
+            <a:off x="3641922" y="5249155"/>
+            <a:ext cx="5082353" cy="523220"/>
           </a:xfrm>
           <a:prstGeom prst="rect">
             <a:avLst/>
@@ -34394,7 +33179,7 @@
                   </a:outerShdw>
                 </a:effectLst>
               </a:rPr>
-              <a:t>Communication of Air Traffic</a:t>
+              <a:t>Communication in Air Traffic</a:t>
             </a:r>
             <a:endParaRPr lang="en-US" sz="2400" b="1" cap="none" spc="0" dirty="0">
               <a:ln w="0">
@@ -34556,67 +33341,6 @@
       </p:sp>
       <p:sp>
         <p:nvSpPr>
-          <p:cNvPr id="15" name="Ellipse 14">
-            <a:extLst>
-              <a:ext uri="{FF2B5EF4-FFF2-40B4-BE49-F238E27FC236}">
-                <a16:creationId xmlns:a16="http://schemas.microsoft.com/office/drawing/2014/main" id="{6D9BF4BE-CBE1-45FA-804E-0A1EC36ED04F}"/>
-              </a:ext>
-            </a:extLst>
-          </p:cNvPr>
-          <p:cNvSpPr/>
-          <p:nvPr/>
-        </p:nvSpPr>
-        <p:spPr>
-          <a:xfrm rot="21019288">
-            <a:off x="3453384" y="5051457"/>
-            <a:ext cx="5459429" cy="1057288"/>
-          </a:xfrm>
-          <a:prstGeom prst="ellipse">
-            <a:avLst/>
-          </a:prstGeom>
-          <a:noFill/>
-          <a:ln>
-            <a:solidFill>
-              <a:srgbClr val="E37222"/>
-            </a:solidFill>
-          </a:ln>
-        </p:spPr>
-        <p:style>
-          <a:lnRef idx="2">
-            <a:schemeClr val="accent1">
-              <a:shade val="50000"/>
-            </a:schemeClr>
-          </a:lnRef>
-          <a:fillRef idx="1">
-            <a:schemeClr val="accent1"/>
-          </a:fillRef>
-          <a:effectRef idx="0">
-            <a:schemeClr val="accent1"/>
-          </a:effectRef>
-          <a:fontRef idx="minor">
-            <a:schemeClr val="lt1"/>
-          </a:fontRef>
-        </p:style>
-        <p:txBody>
-          <a:bodyPr rot="0" spcFirstLastPara="0" vertOverflow="overflow" horzOverflow="overflow" vert="horz" wrap="square" lIns="91440" tIns="45720" rIns="91440" bIns="45720" numCol="1" spcCol="0" rtlCol="0" fromWordArt="0" anchor="t" anchorCtr="0" forceAA="0" compatLnSpc="1">
-            <a:prstTxWarp prst="textNoShape">
-              <a:avLst/>
-            </a:prstTxWarp>
-            <a:noAutofit/>
-          </a:bodyPr>
-          <a:lstStyle/>
-          <a:p>
-            <a:pPr algn="ctr">
-              <a:lnSpc>
-                <a:spcPct val="114000"/>
-              </a:lnSpc>
-            </a:pPr>
-            <a:endParaRPr lang="en-US" dirty="0"/>
-          </a:p>
-        </p:txBody>
-      </p:sp>
-      <p:sp>
-        <p:nvSpPr>
           <p:cNvPr id="16" name="Rechteck 15">
             <a:extLst>
               <a:ext uri="{FF2B5EF4-FFF2-40B4-BE49-F238E27FC236}">
@@ -34763,84 +33487,6 @@
   <p:clrMapOvr>
     <a:masterClrMapping/>
   </p:clrMapOvr>
-  <p:timing>
-    <p:tnLst>
-      <p:par>
-        <p:cTn id="1" dur="indefinite" restart="never" nodeType="tmRoot">
-          <p:childTnLst>
-            <p:seq concurrent="1" nextAc="seek">
-              <p:cTn id="2" dur="indefinite" nodeType="mainSeq">
-                <p:childTnLst>
-                  <p:par>
-                    <p:cTn id="3" fill="hold">
-                      <p:stCondLst>
-                        <p:cond delay="indefinite"/>
-                      </p:stCondLst>
-                      <p:childTnLst>
-                        <p:par>
-                          <p:cTn id="4" fill="hold">
-                            <p:stCondLst>
-                              <p:cond delay="0"/>
-                            </p:stCondLst>
-                            <p:childTnLst>
-                              <p:par>
-                                <p:cTn id="5" presetID="1" presetClass="entr" presetSubtype="0" fill="hold" grpId="0" nodeType="clickEffect">
-                                  <p:stCondLst>
-                                    <p:cond delay="0"/>
-                                  </p:stCondLst>
-                                  <p:childTnLst>
-                                    <p:set>
-                                      <p:cBhvr>
-                                        <p:cTn id="6" dur="1" fill="hold">
-                                          <p:stCondLst>
-                                            <p:cond delay="0"/>
-                                          </p:stCondLst>
-                                        </p:cTn>
-                                        <p:tgtEl>
-                                          <p:spTgt spid="15"/>
-                                        </p:tgtEl>
-                                        <p:attrNameLst>
-                                          <p:attrName>style.visibility</p:attrName>
-                                        </p:attrNameLst>
-                                      </p:cBhvr>
-                                      <p:to>
-                                        <p:strVal val="visible"/>
-                                      </p:to>
-                                    </p:set>
-                                  </p:childTnLst>
-                                </p:cTn>
-                              </p:par>
-                            </p:childTnLst>
-                          </p:cTn>
-                        </p:par>
-                      </p:childTnLst>
-                    </p:cTn>
-                  </p:par>
-                </p:childTnLst>
-              </p:cTn>
-              <p:prevCondLst>
-                <p:cond evt="onPrev" delay="0">
-                  <p:tgtEl>
-                    <p:sldTgt/>
-                  </p:tgtEl>
-                </p:cond>
-              </p:prevCondLst>
-              <p:nextCondLst>
-                <p:cond evt="onNext" delay="0">
-                  <p:tgtEl>
-                    <p:sldTgt/>
-                  </p:tgtEl>
-                </p:cond>
-              </p:nextCondLst>
-            </p:seq>
-          </p:childTnLst>
-        </p:cTn>
-      </p:par>
-    </p:tnLst>
-    <p:bldLst>
-      <p:bldP spid="15" grpId="0" animBg="1"/>
-    </p:bldLst>
-  </p:timing>
 </p:sld>
 </file>
 
@@ -34968,6 +33614,54 @@
           </a:graphicData>
         </a:graphic>
       </p:graphicFrame>
+      <p:sp>
+        <p:nvSpPr>
+          <p:cNvPr id="5" name="Textfeld 4">
+            <a:extLst>
+              <a:ext uri="{FF2B5EF4-FFF2-40B4-BE49-F238E27FC236}">
+                <a16:creationId xmlns:a16="http://schemas.microsoft.com/office/drawing/2014/main" id="{3B964DE1-8290-41B3-9CE6-96BB76B85F6A}"/>
+              </a:ext>
+            </a:extLst>
+          </p:cNvPr>
+          <p:cNvSpPr txBox="1"/>
+          <p:nvPr/>
+        </p:nvSpPr>
+        <p:spPr>
+          <a:xfrm>
+            <a:off x="3918235" y="5940791"/>
+            <a:ext cx="1307530" cy="128625"/>
+          </a:xfrm>
+          <a:prstGeom prst="rect">
+            <a:avLst/>
+          </a:prstGeom>
+          <a:noFill/>
+        </p:spPr>
+        <p:txBody>
+          <a:bodyPr wrap="square" lIns="0" tIns="0" rIns="0" bIns="0" rtlCol="0">
+            <a:spAutoFit/>
+          </a:bodyPr>
+          <a:lstStyle/>
+          <a:p>
+            <a:pPr algn="ctr">
+              <a:lnSpc>
+                <a:spcPct val="114000"/>
+              </a:lnSpc>
+            </a:pPr>
+            <a:r>
+              <a:rPr lang="de-DE" sz="800" dirty="0">
+                <a:latin typeface="+mn-lt"/>
+              </a:rPr>
+              <a:t>Source: Own </a:t>
+            </a:r>
+            <a:r>
+              <a:rPr lang="en-US" sz="800" dirty="0">
+                <a:latin typeface="+mn-lt"/>
+              </a:rPr>
+              <a:t>visualization</a:t>
+            </a:r>
+          </a:p>
+        </p:txBody>
+      </p:sp>
     </p:spTree>
     <p:extLst>
       <p:ext uri="{BB962C8B-B14F-4D97-AF65-F5344CB8AC3E}">
@@ -35029,6 +33723,33 @@
                                   </p:childTnLst>
                                 </p:cTn>
                               </p:par>
+                              <p:par>
+                                <p:cTn id="7" presetID="1" presetClass="entr" presetSubtype="0" fill="hold" grpId="0" nodeType="withEffect">
+                                  <p:stCondLst>
+                                    <p:cond delay="0"/>
+                                  </p:stCondLst>
+                                  <p:childTnLst>
+                                    <p:set>
+                                      <p:cBhvr>
+                                        <p:cTn id="8" dur="1" fill="hold">
+                                          <p:stCondLst>
+                                            <p:cond delay="0"/>
+                                          </p:stCondLst>
+                                        </p:cTn>
+                                        <p:tgtEl>
+                                          <p:spTgt spid="5"/>
+                                        </p:tgtEl>
+                                        <p:attrNameLst>
+                                          <p:attrName>style.visibility</p:attrName>
+                                        </p:attrNameLst>
+                                      </p:cBhvr>
+                                      <p:to>
+                                        <p:strVal val="visible"/>
+                                      </p:to>
+                                    </p:set>
+                                  </p:childTnLst>
+                                </p:cTn>
+                              </p:par>
                             </p:childTnLst>
                           </p:cTn>
                         </p:par>
@@ -35036,26 +33757,26 @@
                     </p:cTn>
                   </p:par>
                   <p:par>
-                    <p:cTn id="7" fill="hold">
+                    <p:cTn id="9" fill="hold">
                       <p:stCondLst>
                         <p:cond delay="indefinite"/>
                       </p:stCondLst>
                       <p:childTnLst>
                         <p:par>
-                          <p:cTn id="8" fill="hold">
+                          <p:cTn id="10" fill="hold">
                             <p:stCondLst>
                               <p:cond delay="0"/>
                             </p:stCondLst>
                             <p:childTnLst>
                               <p:par>
-                                <p:cTn id="9" presetID="1" presetClass="entr" presetSubtype="0" fill="hold" grpId="0" nodeType="clickEffect">
+                                <p:cTn id="11" presetID="1" presetClass="entr" presetSubtype="0" fill="hold" grpId="0" nodeType="clickEffect">
                                   <p:stCondLst>
                                     <p:cond delay="0"/>
                                   </p:stCondLst>
                                   <p:childTnLst>
                                     <p:set>
                                       <p:cBhvr>
-                                        <p:cTn id="10" dur="1" fill="hold">
+                                        <p:cTn id="12" dur="1" fill="hold">
                                           <p:stCondLst>
                                             <p:cond delay="0"/>
                                           </p:stCondLst>
@@ -35079,14 +33800,14 @@
                                 </p:cTn>
                               </p:par>
                               <p:par>
-                                <p:cTn id="11" presetID="1" presetClass="entr" presetSubtype="0" fill="hold" grpId="0" nodeType="withEffect">
+                                <p:cTn id="13" presetID="1" presetClass="entr" presetSubtype="0" fill="hold" grpId="0" nodeType="withEffect">
                                   <p:stCondLst>
                                     <p:cond delay="0"/>
                                   </p:stCondLst>
                                   <p:childTnLst>
                                     <p:set>
                                       <p:cBhvr>
-                                        <p:cTn id="12" dur="1" fill="hold">
+                                        <p:cTn id="14" dur="1" fill="hold">
                                           <p:stCondLst>
                                             <p:cond delay="0"/>
                                           </p:stCondLst>
@@ -35116,26 +33837,26 @@
                     </p:cTn>
                   </p:par>
                   <p:par>
-                    <p:cTn id="13" fill="hold">
+                    <p:cTn id="15" fill="hold">
                       <p:stCondLst>
                         <p:cond delay="indefinite"/>
                       </p:stCondLst>
                       <p:childTnLst>
                         <p:par>
-                          <p:cTn id="14" fill="hold">
+                          <p:cTn id="16" fill="hold">
                             <p:stCondLst>
                               <p:cond delay="0"/>
                             </p:stCondLst>
                             <p:childTnLst>
                               <p:par>
-                                <p:cTn id="15" presetID="1" presetClass="entr" presetSubtype="0" fill="hold" grpId="0" nodeType="clickEffect">
+                                <p:cTn id="17" presetID="1" presetClass="entr" presetSubtype="0" fill="hold" grpId="0" nodeType="clickEffect">
                                   <p:stCondLst>
                                     <p:cond delay="0"/>
                                   </p:stCondLst>
                                   <p:childTnLst>
                                     <p:set>
                                       <p:cBhvr>
-                                        <p:cTn id="16" dur="1" fill="hold">
+                                        <p:cTn id="18" dur="1" fill="hold">
                                           <p:stCondLst>
                                             <p:cond delay="0"/>
                                           </p:stCondLst>
@@ -35159,14 +33880,14 @@
                                 </p:cTn>
                               </p:par>
                               <p:par>
-                                <p:cTn id="17" presetID="1" presetClass="entr" presetSubtype="0" fill="hold" grpId="0" nodeType="withEffect">
+                                <p:cTn id="19" presetID="1" presetClass="entr" presetSubtype="0" fill="hold" grpId="0" nodeType="withEffect">
                                   <p:stCondLst>
                                     <p:cond delay="0"/>
                                   </p:stCondLst>
                                   <p:childTnLst>
                                     <p:set>
                                       <p:cBhvr>
-                                        <p:cTn id="18" dur="1" fill="hold">
+                                        <p:cTn id="20" dur="1" fill="hold">
                                           <p:stCondLst>
                                             <p:cond delay="0"/>
                                           </p:stCondLst>
@@ -35196,26 +33917,26 @@
                     </p:cTn>
                   </p:par>
                   <p:par>
-                    <p:cTn id="19" fill="hold">
+                    <p:cTn id="21" fill="hold">
                       <p:stCondLst>
                         <p:cond delay="indefinite"/>
                       </p:stCondLst>
                       <p:childTnLst>
                         <p:par>
-                          <p:cTn id="20" fill="hold">
+                          <p:cTn id="22" fill="hold">
                             <p:stCondLst>
                               <p:cond delay="0"/>
                             </p:stCondLst>
                             <p:childTnLst>
                               <p:par>
-                                <p:cTn id="21" presetID="1" presetClass="entr" presetSubtype="0" fill="hold" grpId="0" nodeType="clickEffect">
+                                <p:cTn id="23" presetID="1" presetClass="entr" presetSubtype="0" fill="hold" grpId="0" nodeType="clickEffect">
                                   <p:stCondLst>
                                     <p:cond delay="0"/>
                                   </p:stCondLst>
                                   <p:childTnLst>
                                     <p:set>
                                       <p:cBhvr>
-                                        <p:cTn id="22" dur="1" fill="hold">
+                                        <p:cTn id="24" dur="1" fill="hold">
                                           <p:stCondLst>
                                             <p:cond delay="0"/>
                                           </p:stCondLst>
@@ -35239,14 +33960,14 @@
                                 </p:cTn>
                               </p:par>
                               <p:par>
-                                <p:cTn id="23" presetID="1" presetClass="entr" presetSubtype="0" fill="hold" grpId="0" nodeType="withEffect">
+                                <p:cTn id="25" presetID="1" presetClass="entr" presetSubtype="0" fill="hold" grpId="0" nodeType="withEffect">
                                   <p:stCondLst>
                                     <p:cond delay="0"/>
                                   </p:stCondLst>
                                   <p:childTnLst>
                                     <p:set>
                                       <p:cBhvr>
-                                        <p:cTn id="24" dur="1" fill="hold">
+                                        <p:cTn id="26" dur="1" fill="hold">
                                           <p:stCondLst>
                                             <p:cond delay="0"/>
                                           </p:stCondLst>
@@ -35302,6 +34023,7 @@
           <a:bldDgm bld="lvlOne"/>
         </p:bldSub>
       </p:bldGraphic>
+      <p:bldP spid="5" grpId="0"/>
     </p:bldLst>
   </p:timing>
 </p:sld>
@@ -35390,7 +34112,7 @@
             </a:r>
             <a:r>
               <a:rPr lang="de-DE" dirty="0"/>
-              <a:t>-Speech - </a:t>
+              <a:t>-Speech – </a:t>
             </a:r>
             <a:r>
               <a:rPr lang="de-DE" dirty="0" err="1"/>
@@ -36147,6 +34869,33 @@
                                   </p:childTnLst>
                                 </p:cTn>
                               </p:par>
+                              <p:par>
+                                <p:cTn id="7" presetID="1" presetClass="entr" presetSubtype="0" fill="hold" grpId="0" nodeType="withEffect">
+                                  <p:stCondLst>
+                                    <p:cond delay="0"/>
+                                  </p:stCondLst>
+                                  <p:childTnLst>
+                                    <p:set>
+                                      <p:cBhvr>
+                                        <p:cTn id="8" dur="1" fill="hold">
+                                          <p:stCondLst>
+                                            <p:cond delay="0"/>
+                                          </p:stCondLst>
+                                        </p:cTn>
+                                        <p:tgtEl>
+                                          <p:spTgt spid="14"/>
+                                        </p:tgtEl>
+                                        <p:attrNameLst>
+                                          <p:attrName>style.visibility</p:attrName>
+                                        </p:attrNameLst>
+                                      </p:cBhvr>
+                                      <p:to>
+                                        <p:strVal val="visible"/>
+                                      </p:to>
+                                    </p:set>
+                                  </p:childTnLst>
+                                </p:cTn>
+                              </p:par>
                             </p:childTnLst>
                           </p:cTn>
                         </p:par>
@@ -36154,26 +34903,26 @@
                     </p:cTn>
                   </p:par>
                   <p:par>
-                    <p:cTn id="7" fill="hold">
+                    <p:cTn id="9" fill="hold">
                       <p:stCondLst>
                         <p:cond delay="indefinite"/>
                       </p:stCondLst>
                       <p:childTnLst>
                         <p:par>
-                          <p:cTn id="8" fill="hold">
+                          <p:cTn id="10" fill="hold">
                             <p:stCondLst>
                               <p:cond delay="0"/>
                             </p:stCondLst>
                             <p:childTnLst>
                               <p:par>
-                                <p:cTn id="9" presetID="1" presetClass="entr" presetSubtype="0" fill="hold" nodeType="clickEffect">
+                                <p:cTn id="11" presetID="1" presetClass="entr" presetSubtype="0" fill="hold" nodeType="clickEffect">
                                   <p:stCondLst>
                                     <p:cond delay="0"/>
                                   </p:stCondLst>
                                   <p:childTnLst>
                                     <p:set>
                                       <p:cBhvr>
-                                        <p:cTn id="10" dur="1" fill="hold">
+                                        <p:cTn id="12" dur="1" fill="hold">
                                           <p:stCondLst>
                                             <p:cond delay="0"/>
                                           </p:stCondLst>
@@ -36219,6 +34968,9 @@
         </p:cTn>
       </p:par>
     </p:tnLst>
+    <p:bldLst>
+      <p:bldP spid="14" grpId="0"/>
+    </p:bldLst>
   </p:timing>
 </p:sld>
 </file>
@@ -38154,6 +36906,54 @@
           </p:cxnSp>
         </p:grpSp>
       </p:grpSp>
+      <p:sp>
+        <p:nvSpPr>
+          <p:cNvPr id="40" name="Textfeld 39">
+            <a:extLst>
+              <a:ext uri="{FF2B5EF4-FFF2-40B4-BE49-F238E27FC236}">
+                <a16:creationId xmlns:a16="http://schemas.microsoft.com/office/drawing/2014/main" id="{078330C5-8F72-4C96-985C-FEF41266D98A}"/>
+              </a:ext>
+            </a:extLst>
+          </p:cNvPr>
+          <p:cNvSpPr txBox="1"/>
+          <p:nvPr/>
+        </p:nvSpPr>
+        <p:spPr>
+          <a:xfrm>
+            <a:off x="3912585" y="6064076"/>
+            <a:ext cx="1307530" cy="128625"/>
+          </a:xfrm>
+          <a:prstGeom prst="rect">
+            <a:avLst/>
+          </a:prstGeom>
+          <a:noFill/>
+        </p:spPr>
+        <p:txBody>
+          <a:bodyPr wrap="square" lIns="0" tIns="0" rIns="0" bIns="0" rtlCol="0">
+            <a:spAutoFit/>
+          </a:bodyPr>
+          <a:lstStyle/>
+          <a:p>
+            <a:pPr algn="ctr">
+              <a:lnSpc>
+                <a:spcPct val="114000"/>
+              </a:lnSpc>
+            </a:pPr>
+            <a:r>
+              <a:rPr lang="de-DE" sz="800" dirty="0">
+                <a:latin typeface="+mn-lt"/>
+              </a:rPr>
+              <a:t>Source: Own </a:t>
+            </a:r>
+            <a:r>
+              <a:rPr lang="en-US" sz="800" dirty="0">
+                <a:latin typeface="+mn-lt"/>
+              </a:rPr>
+              <a:t>visualization</a:t>
+            </a:r>
+          </a:p>
+        </p:txBody>
+      </p:sp>
     </p:spTree>
     <p:extLst>
       <p:ext uri="{BB962C8B-B14F-4D97-AF65-F5344CB8AC3E}">
@@ -38450,7 +37250,7 @@
           <a:p>
             <a:r>
               <a:rPr lang="en-US" dirty="0"/>
-              <a:t>Comparison of Synthesis Models</a:t>
+              <a:t>Text-to-Speech – Synthesis Models</a:t>
             </a:r>
           </a:p>
         </p:txBody>
@@ -38470,7 +37270,7 @@
           <p:nvPr>
             <p:extLst>
               <p:ext uri="{D42A27DB-BD31-4B8C-83A1-F6EECF244321}">
-                <p14:modId xmlns:p14="http://schemas.microsoft.com/office/powerpoint/2010/main" val="938480508"/>
+                <p14:modId xmlns:p14="http://schemas.microsoft.com/office/powerpoint/2010/main" val="1900485586"/>
               </p:ext>
             </p:extLst>
           </p:nvPr>
@@ -38619,8 +37419,15 @@
                     <a:p>
                       <a:pPr algn="ctr"/>
                       <a:r>
-                        <a:rPr lang="en-US" noProof="0"/>
-                        <a:t>Very small footprint</a:t>
+                        <a:rPr lang="en-US" noProof="0" dirty="0"/>
+                        <a:t>Very small </a:t>
+                      </a:r>
+                    </a:p>
+                    <a:p>
+                      <a:pPr algn="ctr"/>
+                      <a:r>
+                        <a:rPr lang="en-US" noProof="0" dirty="0"/>
+                        <a:t>footprint</a:t>
                       </a:r>
                     </a:p>
                   </a:txBody>
@@ -38633,7 +37440,7 @@
                     <a:p>
                       <a:pPr algn="ctr"/>
                       <a:r>
-                        <a:rPr lang="en-US" noProof="0"/>
+                        <a:rPr lang="en-US" noProof="0" dirty="0"/>
                         <a:t>Very artificial and metallic voice</a:t>
                       </a:r>
                     </a:p>
@@ -38871,7 +37678,14 @@
                       <a:pPr algn="ctr"/>
                       <a:r>
                         <a:rPr lang="en-US" noProof="0" dirty="0"/>
-                        <a:t>Voice sounds muffled</a:t>
+                        <a:t>Voice sounds</a:t>
+                      </a:r>
+                    </a:p>
+                    <a:p>
+                      <a:pPr algn="ctr"/>
+                      <a:r>
+                        <a:rPr lang="en-US" noProof="0" dirty="0"/>
+                        <a:t>muffled</a:t>
                       </a:r>
                     </a:p>
                   </a:txBody>
